--- a/王博书的分享/自动化测试.pptx
+++ b/王博书的分享/自动化测试.pptx
@@ -2,8 +2,11 @@
 <file path=ppt/presentation.xml><?xml version="1.0" encoding="utf-8"?>
 <p:presentation xmlns:a="http://schemas.openxmlformats.org/drawingml/2006/main" xmlns:r="http://schemas.openxmlformats.org/officeDocument/2006/relationships" xmlns:p="http://schemas.openxmlformats.org/presentationml/2006/main" saveSubsetFonts="1">
   <p:sldMasterIdLst>
-    <p:sldMasterId id="2147483648" r:id="rId1"/>
+    <p:sldMasterId id="2147483678" r:id="rId1"/>
   </p:sldMasterIdLst>
+  <p:notesMasterIdLst>
+    <p:notesMasterId r:id="rId15"/>
+  </p:notesMasterIdLst>
   <p:sldIdLst>
     <p:sldId id="256" r:id="rId2"/>
     <p:sldId id="257" r:id="rId3"/>
@@ -23,9 +26,9 @@
   <p:notesSz cx="6858000" cy="9144000"/>
   <p:defaultTextStyle>
     <a:defPPr>
-      <a:defRPr lang="zh-CN"/>
+      <a:defRPr lang="en-US"/>
     </a:defPPr>
-    <a:lvl1pPr marL="0" algn="l" defTabSz="914400" rtl="0" eaLnBrk="1" latinLnBrk="0" hangingPunct="1">
+    <a:lvl1pPr marL="0" algn="l" defTabSz="457200" rtl="0" eaLnBrk="1" latinLnBrk="0" hangingPunct="1">
       <a:defRPr sz="1800" kern="1200">
         <a:solidFill>
           <a:schemeClr val="tx1"/>
@@ -35,7 +38,7 @@
         <a:cs typeface="+mn-cs"/>
       </a:defRPr>
     </a:lvl1pPr>
-    <a:lvl2pPr marL="457200" algn="l" defTabSz="914400" rtl="0" eaLnBrk="1" latinLnBrk="0" hangingPunct="1">
+    <a:lvl2pPr marL="457200" algn="l" defTabSz="457200" rtl="0" eaLnBrk="1" latinLnBrk="0" hangingPunct="1">
       <a:defRPr sz="1800" kern="1200">
         <a:solidFill>
           <a:schemeClr val="tx1"/>
@@ -45,7 +48,7 @@
         <a:cs typeface="+mn-cs"/>
       </a:defRPr>
     </a:lvl2pPr>
-    <a:lvl3pPr marL="914400" algn="l" defTabSz="914400" rtl="0" eaLnBrk="1" latinLnBrk="0" hangingPunct="1">
+    <a:lvl3pPr marL="914400" algn="l" defTabSz="457200" rtl="0" eaLnBrk="1" latinLnBrk="0" hangingPunct="1">
       <a:defRPr sz="1800" kern="1200">
         <a:solidFill>
           <a:schemeClr val="tx1"/>
@@ -55,7 +58,7 @@
         <a:cs typeface="+mn-cs"/>
       </a:defRPr>
     </a:lvl3pPr>
-    <a:lvl4pPr marL="1371600" algn="l" defTabSz="914400" rtl="0" eaLnBrk="1" latinLnBrk="0" hangingPunct="1">
+    <a:lvl4pPr marL="1371600" algn="l" defTabSz="457200" rtl="0" eaLnBrk="1" latinLnBrk="0" hangingPunct="1">
       <a:defRPr sz="1800" kern="1200">
         <a:solidFill>
           <a:schemeClr val="tx1"/>
@@ -65,7 +68,7 @@
         <a:cs typeface="+mn-cs"/>
       </a:defRPr>
     </a:lvl4pPr>
-    <a:lvl5pPr marL="1828800" algn="l" defTabSz="914400" rtl="0" eaLnBrk="1" latinLnBrk="0" hangingPunct="1">
+    <a:lvl5pPr marL="1828800" algn="l" defTabSz="457200" rtl="0" eaLnBrk="1" latinLnBrk="0" hangingPunct="1">
       <a:defRPr sz="1800" kern="1200">
         <a:solidFill>
           <a:schemeClr val="tx1"/>
@@ -75,7 +78,7 @@
         <a:cs typeface="+mn-cs"/>
       </a:defRPr>
     </a:lvl5pPr>
-    <a:lvl6pPr marL="2286000" algn="l" defTabSz="914400" rtl="0" eaLnBrk="1" latinLnBrk="0" hangingPunct="1">
+    <a:lvl6pPr marL="2286000" algn="l" defTabSz="457200" rtl="0" eaLnBrk="1" latinLnBrk="0" hangingPunct="1">
       <a:defRPr sz="1800" kern="1200">
         <a:solidFill>
           <a:schemeClr val="tx1"/>
@@ -85,7 +88,7 @@
         <a:cs typeface="+mn-cs"/>
       </a:defRPr>
     </a:lvl6pPr>
-    <a:lvl7pPr marL="2743200" algn="l" defTabSz="914400" rtl="0" eaLnBrk="1" latinLnBrk="0" hangingPunct="1">
+    <a:lvl7pPr marL="2743200" algn="l" defTabSz="457200" rtl="0" eaLnBrk="1" latinLnBrk="0" hangingPunct="1">
       <a:defRPr sz="1800" kern="1200">
         <a:solidFill>
           <a:schemeClr val="tx1"/>
@@ -95,7 +98,7 @@
         <a:cs typeface="+mn-cs"/>
       </a:defRPr>
     </a:lvl7pPr>
-    <a:lvl8pPr marL="3200400" algn="l" defTabSz="914400" rtl="0" eaLnBrk="1" latinLnBrk="0" hangingPunct="1">
+    <a:lvl8pPr marL="3200400" algn="l" defTabSz="457200" rtl="0" eaLnBrk="1" latinLnBrk="0" hangingPunct="1">
       <a:defRPr sz="1800" kern="1200">
         <a:solidFill>
           <a:schemeClr val="tx1"/>
@@ -105,7 +108,7 @@
         <a:cs typeface="+mn-cs"/>
       </a:defRPr>
     </a:lvl8pPr>
-    <a:lvl9pPr marL="3657600" algn="l" defTabSz="914400" rtl="0" eaLnBrk="1" latinLnBrk="0" hangingPunct="1">
+    <a:lvl9pPr marL="3657600" algn="l" defTabSz="457200" rtl="0" eaLnBrk="1" latinLnBrk="0" hangingPunct="1">
       <a:defRPr sz="1800" kern="1200">
         <a:solidFill>
           <a:schemeClr val="tx1"/>
@@ -122,6 +125,355 @@
     </p:ext>
   </p:extLst>
 </p:presentation>
+</file>
+
+<file path=ppt/notesMasters/notesMaster1.xml><?xml version="1.0" encoding="utf-8"?>
+<p:notesMaster xmlns:a="http://schemas.openxmlformats.org/drawingml/2006/main" xmlns:r="http://schemas.openxmlformats.org/officeDocument/2006/relationships" xmlns:p="http://schemas.openxmlformats.org/presentationml/2006/main">
+  <p:cSld>
+    <p:bg>
+      <p:bgRef idx="1001">
+        <a:schemeClr val="bg1"/>
+      </p:bgRef>
+    </p:bg>
+    <p:spTree>
+      <p:nvGrpSpPr>
+        <p:cNvPr id="1" name=""/>
+        <p:cNvGrpSpPr/>
+        <p:nvPr/>
+      </p:nvGrpSpPr>
+      <p:grpSpPr>
+        <a:xfrm>
+          <a:off x="0" y="0"/>
+          <a:ext cx="0" cy="0"/>
+          <a:chOff x="0" y="0"/>
+          <a:chExt cx="0" cy="0"/>
+        </a:xfrm>
+      </p:grpSpPr>
+      <p:sp>
+        <p:nvSpPr>
+          <p:cNvPr id="2" name="页眉占位符 1"/>
+          <p:cNvSpPr>
+            <a:spLocks noGrp="1"/>
+          </p:cNvSpPr>
+          <p:nvPr>
+            <p:ph type="hdr" sz="quarter"/>
+          </p:nvPr>
+        </p:nvSpPr>
+        <p:spPr>
+          <a:xfrm>
+            <a:off x="0" y="0"/>
+            <a:ext cx="2971800" cy="458788"/>
+          </a:xfrm>
+          <a:prstGeom prst="rect">
+            <a:avLst/>
+          </a:prstGeom>
+        </p:spPr>
+        <p:txBody>
+          <a:bodyPr vert="horz" lIns="91440" tIns="45720" rIns="91440" bIns="45720" rtlCol="0"/>
+          <a:lstStyle>
+            <a:lvl1pPr algn="l">
+              <a:defRPr sz="1200"/>
+            </a:lvl1pPr>
+          </a:lstStyle>
+          <a:p>
+            <a:endParaRPr lang="zh-CN" altLang="en-US"/>
+          </a:p>
+        </p:txBody>
+      </p:sp>
+      <p:sp>
+        <p:nvSpPr>
+          <p:cNvPr id="3" name="日期占位符 2"/>
+          <p:cNvSpPr>
+            <a:spLocks noGrp="1"/>
+          </p:cNvSpPr>
+          <p:nvPr>
+            <p:ph type="dt" idx="1"/>
+          </p:nvPr>
+        </p:nvSpPr>
+        <p:spPr>
+          <a:xfrm>
+            <a:off x="3884613" y="0"/>
+            <a:ext cx="2971800" cy="458788"/>
+          </a:xfrm>
+          <a:prstGeom prst="rect">
+            <a:avLst/>
+          </a:prstGeom>
+        </p:spPr>
+        <p:txBody>
+          <a:bodyPr vert="horz" lIns="91440" tIns="45720" rIns="91440" bIns="45720" rtlCol="0"/>
+          <a:lstStyle>
+            <a:lvl1pPr algn="r">
+              <a:defRPr sz="1200"/>
+            </a:lvl1pPr>
+          </a:lstStyle>
+          <a:p>
+            <a:fld id="{6C91DED6-2F87-4CFA-AC0C-81E76F6773BD}" type="datetimeFigureOut">
+              <a:rPr lang="zh-CN" altLang="en-US" smtClean="0"/>
+              <a:t>2021/1/14</a:t>
+            </a:fld>
+            <a:endParaRPr lang="zh-CN" altLang="en-US"/>
+          </a:p>
+        </p:txBody>
+      </p:sp>
+      <p:sp>
+        <p:nvSpPr>
+          <p:cNvPr id="4" name="幻灯片图像占位符 3"/>
+          <p:cNvSpPr>
+            <a:spLocks noGrp="1" noRot="1" noChangeAspect="1"/>
+          </p:cNvSpPr>
+          <p:nvPr>
+            <p:ph type="sldImg" idx="2"/>
+          </p:nvPr>
+        </p:nvSpPr>
+        <p:spPr>
+          <a:xfrm>
+            <a:off x="685800" y="1143000"/>
+            <a:ext cx="5486400" cy="3086100"/>
+          </a:xfrm>
+          <a:prstGeom prst="rect">
+            <a:avLst/>
+          </a:prstGeom>
+          <a:noFill/>
+          <a:ln w="12700">
+            <a:solidFill>
+              <a:prstClr val="black"/>
+            </a:solidFill>
+          </a:ln>
+        </p:spPr>
+        <p:txBody>
+          <a:bodyPr vert="horz" lIns="91440" tIns="45720" rIns="91440" bIns="45720" rtlCol="0" anchor="ctr"/>
+          <a:lstStyle/>
+          <a:p>
+            <a:endParaRPr lang="zh-CN" altLang="en-US"/>
+          </a:p>
+        </p:txBody>
+      </p:sp>
+      <p:sp>
+        <p:nvSpPr>
+          <p:cNvPr id="5" name="备注占位符 4"/>
+          <p:cNvSpPr>
+            <a:spLocks noGrp="1"/>
+          </p:cNvSpPr>
+          <p:nvPr>
+            <p:ph type="body" sz="quarter" idx="3"/>
+          </p:nvPr>
+        </p:nvSpPr>
+        <p:spPr>
+          <a:xfrm>
+            <a:off x="685800" y="4400550"/>
+            <a:ext cx="5486400" cy="3600450"/>
+          </a:xfrm>
+          <a:prstGeom prst="rect">
+            <a:avLst/>
+          </a:prstGeom>
+        </p:spPr>
+        <p:txBody>
+          <a:bodyPr vert="horz" lIns="91440" tIns="45720" rIns="91440" bIns="45720" rtlCol="0"/>
+          <a:lstStyle/>
+          <a:p>
+            <a:pPr lvl="0"/>
+            <a:r>
+              <a:rPr lang="zh-CN" altLang="en-US"/>
+              <a:t>单击此处编辑母版文本样式</a:t>
+            </a:r>
+          </a:p>
+          <a:p>
+            <a:pPr lvl="1"/>
+            <a:r>
+              <a:rPr lang="zh-CN" altLang="en-US"/>
+              <a:t>二级</a:t>
+            </a:r>
+          </a:p>
+          <a:p>
+            <a:pPr lvl="2"/>
+            <a:r>
+              <a:rPr lang="zh-CN" altLang="en-US"/>
+              <a:t>三级</a:t>
+            </a:r>
+          </a:p>
+          <a:p>
+            <a:pPr lvl="3"/>
+            <a:r>
+              <a:rPr lang="zh-CN" altLang="en-US"/>
+              <a:t>四级</a:t>
+            </a:r>
+          </a:p>
+          <a:p>
+            <a:pPr lvl="4"/>
+            <a:r>
+              <a:rPr lang="zh-CN" altLang="en-US"/>
+              <a:t>五级</a:t>
+            </a:r>
+          </a:p>
+        </p:txBody>
+      </p:sp>
+      <p:sp>
+        <p:nvSpPr>
+          <p:cNvPr id="6" name="页脚占位符 5"/>
+          <p:cNvSpPr>
+            <a:spLocks noGrp="1"/>
+          </p:cNvSpPr>
+          <p:nvPr>
+            <p:ph type="ftr" sz="quarter" idx="4"/>
+          </p:nvPr>
+        </p:nvSpPr>
+        <p:spPr>
+          <a:xfrm>
+            <a:off x="0" y="8685213"/>
+            <a:ext cx="2971800" cy="458787"/>
+          </a:xfrm>
+          <a:prstGeom prst="rect">
+            <a:avLst/>
+          </a:prstGeom>
+        </p:spPr>
+        <p:txBody>
+          <a:bodyPr vert="horz" lIns="91440" tIns="45720" rIns="91440" bIns="45720" rtlCol="0" anchor="b"/>
+          <a:lstStyle>
+            <a:lvl1pPr algn="l">
+              <a:defRPr sz="1200"/>
+            </a:lvl1pPr>
+          </a:lstStyle>
+          <a:p>
+            <a:endParaRPr lang="zh-CN" altLang="en-US"/>
+          </a:p>
+        </p:txBody>
+      </p:sp>
+      <p:sp>
+        <p:nvSpPr>
+          <p:cNvPr id="7" name="灯片编号占位符 6"/>
+          <p:cNvSpPr>
+            <a:spLocks noGrp="1"/>
+          </p:cNvSpPr>
+          <p:nvPr>
+            <p:ph type="sldNum" sz="quarter" idx="5"/>
+          </p:nvPr>
+        </p:nvSpPr>
+        <p:spPr>
+          <a:xfrm>
+            <a:off x="3884613" y="8685213"/>
+            <a:ext cx="2971800" cy="458787"/>
+          </a:xfrm>
+          <a:prstGeom prst="rect">
+            <a:avLst/>
+          </a:prstGeom>
+        </p:spPr>
+        <p:txBody>
+          <a:bodyPr vert="horz" lIns="91440" tIns="45720" rIns="91440" bIns="45720" rtlCol="0" anchor="b"/>
+          <a:lstStyle>
+            <a:lvl1pPr algn="r">
+              <a:defRPr sz="1200"/>
+            </a:lvl1pPr>
+          </a:lstStyle>
+          <a:p>
+            <a:fld id="{F09B1909-3C4C-4263-A5B4-743278F45A97}" type="slidenum">
+              <a:rPr lang="zh-CN" altLang="en-US" smtClean="0"/>
+              <a:t>‹#›</a:t>
+            </a:fld>
+            <a:endParaRPr lang="zh-CN" altLang="en-US"/>
+          </a:p>
+        </p:txBody>
+      </p:sp>
+    </p:spTree>
+    <p:extLst>
+      <p:ext uri="{BB962C8B-B14F-4D97-AF65-F5344CB8AC3E}">
+        <p14:creationId xmlns:p14="http://schemas.microsoft.com/office/powerpoint/2010/main" val="2339166399"/>
+      </p:ext>
+    </p:extLst>
+  </p:cSld>
+  <p:clrMap bg1="lt1" tx1="dk1" bg2="lt2" tx2="dk2" accent1="accent1" accent2="accent2" accent3="accent3" accent4="accent4" accent5="accent5" accent6="accent6" hlink="hlink" folHlink="folHlink"/>
+  <p:notesStyle>
+    <a:lvl1pPr marL="0" algn="l" defTabSz="914400" rtl="0" eaLnBrk="1" latinLnBrk="0" hangingPunct="1">
+      <a:defRPr sz="1200" kern="1200">
+        <a:solidFill>
+          <a:schemeClr val="tx1"/>
+        </a:solidFill>
+        <a:latin typeface="+mn-lt"/>
+        <a:ea typeface="+mn-ea"/>
+        <a:cs typeface="+mn-cs"/>
+      </a:defRPr>
+    </a:lvl1pPr>
+    <a:lvl2pPr marL="457200" algn="l" defTabSz="914400" rtl="0" eaLnBrk="1" latinLnBrk="0" hangingPunct="1">
+      <a:defRPr sz="1200" kern="1200">
+        <a:solidFill>
+          <a:schemeClr val="tx1"/>
+        </a:solidFill>
+        <a:latin typeface="+mn-lt"/>
+        <a:ea typeface="+mn-ea"/>
+        <a:cs typeface="+mn-cs"/>
+      </a:defRPr>
+    </a:lvl2pPr>
+    <a:lvl3pPr marL="914400" algn="l" defTabSz="914400" rtl="0" eaLnBrk="1" latinLnBrk="0" hangingPunct="1">
+      <a:defRPr sz="1200" kern="1200">
+        <a:solidFill>
+          <a:schemeClr val="tx1"/>
+        </a:solidFill>
+        <a:latin typeface="+mn-lt"/>
+        <a:ea typeface="+mn-ea"/>
+        <a:cs typeface="+mn-cs"/>
+      </a:defRPr>
+    </a:lvl3pPr>
+    <a:lvl4pPr marL="1371600" algn="l" defTabSz="914400" rtl="0" eaLnBrk="1" latinLnBrk="0" hangingPunct="1">
+      <a:defRPr sz="1200" kern="1200">
+        <a:solidFill>
+          <a:schemeClr val="tx1"/>
+        </a:solidFill>
+        <a:latin typeface="+mn-lt"/>
+        <a:ea typeface="+mn-ea"/>
+        <a:cs typeface="+mn-cs"/>
+      </a:defRPr>
+    </a:lvl4pPr>
+    <a:lvl5pPr marL="1828800" algn="l" defTabSz="914400" rtl="0" eaLnBrk="1" latinLnBrk="0" hangingPunct="1">
+      <a:defRPr sz="1200" kern="1200">
+        <a:solidFill>
+          <a:schemeClr val="tx1"/>
+        </a:solidFill>
+        <a:latin typeface="+mn-lt"/>
+        <a:ea typeface="+mn-ea"/>
+        <a:cs typeface="+mn-cs"/>
+      </a:defRPr>
+    </a:lvl5pPr>
+    <a:lvl6pPr marL="2286000" algn="l" defTabSz="914400" rtl="0" eaLnBrk="1" latinLnBrk="0" hangingPunct="1">
+      <a:defRPr sz="1200" kern="1200">
+        <a:solidFill>
+          <a:schemeClr val="tx1"/>
+        </a:solidFill>
+        <a:latin typeface="+mn-lt"/>
+        <a:ea typeface="+mn-ea"/>
+        <a:cs typeface="+mn-cs"/>
+      </a:defRPr>
+    </a:lvl6pPr>
+    <a:lvl7pPr marL="2743200" algn="l" defTabSz="914400" rtl="0" eaLnBrk="1" latinLnBrk="0" hangingPunct="1">
+      <a:defRPr sz="1200" kern="1200">
+        <a:solidFill>
+          <a:schemeClr val="tx1"/>
+        </a:solidFill>
+        <a:latin typeface="+mn-lt"/>
+        <a:ea typeface="+mn-ea"/>
+        <a:cs typeface="+mn-cs"/>
+      </a:defRPr>
+    </a:lvl7pPr>
+    <a:lvl8pPr marL="3200400" algn="l" defTabSz="914400" rtl="0" eaLnBrk="1" latinLnBrk="0" hangingPunct="1">
+      <a:defRPr sz="1200" kern="1200">
+        <a:solidFill>
+          <a:schemeClr val="tx1"/>
+        </a:solidFill>
+        <a:latin typeface="+mn-lt"/>
+        <a:ea typeface="+mn-ea"/>
+        <a:cs typeface="+mn-cs"/>
+      </a:defRPr>
+    </a:lvl8pPr>
+    <a:lvl9pPr marL="3657600" algn="l" defTabSz="914400" rtl="0" eaLnBrk="1" latinLnBrk="0" hangingPunct="1">
+      <a:defRPr sz="1200" kern="1200">
+        <a:solidFill>
+          <a:schemeClr val="tx1"/>
+        </a:solidFill>
+        <a:latin typeface="+mn-lt"/>
+        <a:ea typeface="+mn-ea"/>
+        <a:cs typeface="+mn-cs"/>
+      </a:defRPr>
+    </a:lvl9pPr>
+  </p:notesStyle>
+</p:notesMaster>
 </file>
 
 <file path=ppt/slideLayouts/slideLayout1.xml><?xml version="1.0" encoding="utf-8"?>
@@ -143,13 +495,7 @@
       </p:grpSpPr>
       <p:sp>
         <p:nvSpPr>
-          <p:cNvPr id="2" name="标题 1">
-            <a:extLst>
-              <a:ext uri="{FF2B5EF4-FFF2-40B4-BE49-F238E27FC236}">
-                <a16:creationId xmlns:a16="http://schemas.microsoft.com/office/drawing/2014/main" id="{67148B93-1395-498E-9426-41C8779A22C8}"/>
-              </a:ext>
-            </a:extLst>
-          </p:cNvPr>
+          <p:cNvPr id="2" name="Title 1"/>
           <p:cNvSpPr>
             <a:spLocks noGrp="1"/>
           </p:cNvSpPr>
@@ -159,15 +505,15 @@
         </p:nvSpPr>
         <p:spPr>
           <a:xfrm>
-            <a:off x="1524000" y="1122363"/>
-            <a:ext cx="9144000" cy="2387600"/>
+            <a:off x="1154955" y="1447800"/>
+            <a:ext cx="8825658" cy="3329581"/>
           </a:xfrm>
         </p:spPr>
         <p:txBody>
           <a:bodyPr anchor="b"/>
           <a:lstStyle>
-            <a:lvl1pPr algn="ctr">
-              <a:defRPr sz="6000"/>
+            <a:lvl1pPr>
+              <a:defRPr sz="7200"/>
             </a:lvl1pPr>
           </a:lstStyle>
           <a:p>
@@ -175,18 +521,13 @@
               <a:rPr lang="zh-CN" altLang="en-US"/>
               <a:t>单击此处编辑母版标题样式</a:t>
             </a:r>
-          </a:p>
-        </p:txBody>
-      </p:sp>
-      <p:sp>
-        <p:nvSpPr>
-          <p:cNvPr id="3" name="副标题 2">
-            <a:extLst>
-              <a:ext uri="{FF2B5EF4-FFF2-40B4-BE49-F238E27FC236}">
-                <a16:creationId xmlns:a16="http://schemas.microsoft.com/office/drawing/2014/main" id="{EB7E7B9D-B455-4115-9FD1-C74663C0206E}"/>
-              </a:ext>
-            </a:extLst>
-          </p:cNvPr>
+            <a:endParaRPr lang="en-US" dirty="0"/>
+          </a:p>
+        </p:txBody>
+      </p:sp>
+      <p:sp>
+        <p:nvSpPr>
+          <p:cNvPr id="3" name="Subtitle 2"/>
           <p:cNvSpPr>
             <a:spLocks noGrp="1"/>
           </p:cNvSpPr>
@@ -196,48 +537,100 @@
         </p:nvSpPr>
         <p:spPr>
           <a:xfrm>
-            <a:off x="1524000" y="3602038"/>
-            <a:ext cx="9144000" cy="1655762"/>
+            <a:off x="1154955" y="4777380"/>
+            <a:ext cx="8825658" cy="861420"/>
           </a:xfrm>
         </p:spPr>
         <p:txBody>
-          <a:bodyPr/>
+          <a:bodyPr anchor="t"/>
           <a:lstStyle>
-            <a:lvl1pPr marL="0" indent="0" algn="ctr">
-              <a:buNone/>
-              <a:defRPr sz="2400"/>
+            <a:lvl1pPr marL="0" indent="0" algn="l">
+              <a:buNone/>
+              <a:defRPr cap="all">
+                <a:solidFill>
+                  <a:schemeClr val="accent1"/>
+                </a:solidFill>
+              </a:defRPr>
             </a:lvl1pPr>
             <a:lvl2pPr marL="457200" indent="0" algn="ctr">
               <a:buNone/>
-              <a:defRPr sz="2000"/>
+              <a:defRPr>
+                <a:solidFill>
+                  <a:schemeClr val="tx1">
+                    <a:tint val="75000"/>
+                  </a:schemeClr>
+                </a:solidFill>
+              </a:defRPr>
             </a:lvl2pPr>
             <a:lvl3pPr marL="914400" indent="0" algn="ctr">
               <a:buNone/>
-              <a:defRPr sz="1800"/>
+              <a:defRPr>
+                <a:solidFill>
+                  <a:schemeClr val="tx1">
+                    <a:tint val="75000"/>
+                  </a:schemeClr>
+                </a:solidFill>
+              </a:defRPr>
             </a:lvl3pPr>
             <a:lvl4pPr marL="1371600" indent="0" algn="ctr">
               <a:buNone/>
-              <a:defRPr sz="1600"/>
+              <a:defRPr>
+                <a:solidFill>
+                  <a:schemeClr val="tx1">
+                    <a:tint val="75000"/>
+                  </a:schemeClr>
+                </a:solidFill>
+              </a:defRPr>
             </a:lvl4pPr>
             <a:lvl5pPr marL="1828800" indent="0" algn="ctr">
               <a:buNone/>
-              <a:defRPr sz="1600"/>
+              <a:defRPr>
+                <a:solidFill>
+                  <a:schemeClr val="tx1">
+                    <a:tint val="75000"/>
+                  </a:schemeClr>
+                </a:solidFill>
+              </a:defRPr>
             </a:lvl5pPr>
             <a:lvl6pPr marL="2286000" indent="0" algn="ctr">
               <a:buNone/>
-              <a:defRPr sz="1600"/>
+              <a:defRPr>
+                <a:solidFill>
+                  <a:schemeClr val="tx1">
+                    <a:tint val="75000"/>
+                  </a:schemeClr>
+                </a:solidFill>
+              </a:defRPr>
             </a:lvl6pPr>
             <a:lvl7pPr marL="2743200" indent="0" algn="ctr">
               <a:buNone/>
-              <a:defRPr sz="1600"/>
+              <a:defRPr>
+                <a:solidFill>
+                  <a:schemeClr val="tx1">
+                    <a:tint val="75000"/>
+                  </a:schemeClr>
+                </a:solidFill>
+              </a:defRPr>
             </a:lvl7pPr>
             <a:lvl8pPr marL="3200400" indent="0" algn="ctr">
               <a:buNone/>
-              <a:defRPr sz="1600"/>
+              <a:defRPr>
+                <a:solidFill>
+                  <a:schemeClr val="tx1">
+                    <a:tint val="75000"/>
+                  </a:schemeClr>
+                </a:solidFill>
+              </a:defRPr>
             </a:lvl8pPr>
             <a:lvl9pPr marL="3657600" indent="0" algn="ctr">
               <a:buNone/>
-              <a:defRPr sz="1600"/>
+              <a:defRPr>
+                <a:solidFill>
+                  <a:schemeClr val="tx1">
+                    <a:tint val="75000"/>
+                  </a:schemeClr>
+                </a:solidFill>
+              </a:defRPr>
             </a:lvl9pPr>
           </a:lstStyle>
           <a:p>
@@ -245,18 +638,13 @@
               <a:rPr lang="zh-CN" altLang="en-US"/>
               <a:t>单击此处编辑母版副标题样式</a:t>
             </a:r>
-          </a:p>
-        </p:txBody>
-      </p:sp>
-      <p:sp>
-        <p:nvSpPr>
-          <p:cNvPr id="4" name="日期占位符 3">
-            <a:extLst>
-              <a:ext uri="{FF2B5EF4-FFF2-40B4-BE49-F238E27FC236}">
-                <a16:creationId xmlns:a16="http://schemas.microsoft.com/office/drawing/2014/main" id="{9E7A0F3A-08D0-48C0-94B0-966D89FF6AE8}"/>
-              </a:ext>
-            </a:extLst>
-          </p:cNvPr>
+            <a:endParaRPr lang="en-US" dirty="0"/>
+          </a:p>
+        </p:txBody>
+      </p:sp>
+      <p:sp>
+        <p:nvSpPr>
+          <p:cNvPr id="4" name="Date Placeholder 3"/>
           <p:cNvSpPr>
             <a:spLocks noGrp="1"/>
           </p:cNvSpPr>
@@ -271,7 +659,7 @@
           <a:p>
             <a:fld id="{AD09C881-90A8-46F5-914E-732915AF5BE6}" type="datetimeFigureOut">
               <a:rPr lang="zh-CN" altLang="en-US" smtClean="0"/>
-              <a:t>2020/12/21</a:t>
+              <a:t>2021/1/14</a:t>
             </a:fld>
             <a:endParaRPr lang="zh-CN" altLang="en-US"/>
           </a:p>
@@ -279,13 +667,7 @@
       </p:sp>
       <p:sp>
         <p:nvSpPr>
-          <p:cNvPr id="5" name="页脚占位符 4">
-            <a:extLst>
-              <a:ext uri="{FF2B5EF4-FFF2-40B4-BE49-F238E27FC236}">
-                <a16:creationId xmlns:a16="http://schemas.microsoft.com/office/drawing/2014/main" id="{1F67227F-E8A9-4554-80CD-AD711573DF7A}"/>
-              </a:ext>
-            </a:extLst>
-          </p:cNvPr>
+          <p:cNvPr id="5" name="Footer Placeholder 4"/>
           <p:cNvSpPr>
             <a:spLocks noGrp="1"/>
           </p:cNvSpPr>
@@ -304,13 +686,7 @@
       </p:sp>
       <p:sp>
         <p:nvSpPr>
-          <p:cNvPr id="6" name="灯片编号占位符 5">
-            <a:extLst>
-              <a:ext uri="{FF2B5EF4-FFF2-40B4-BE49-F238E27FC236}">
-                <a16:creationId xmlns:a16="http://schemas.microsoft.com/office/drawing/2014/main" id="{CDAADC9B-016B-4795-B7A0-A5F9F85C04B6}"/>
-              </a:ext>
-            </a:extLst>
-          </p:cNvPr>
+          <p:cNvPr id="6" name="Slide Number Placeholder 5"/>
           <p:cNvSpPr>
             <a:spLocks noGrp="1"/>
           </p:cNvSpPr>
@@ -334,7 +710,7 @@
     </p:spTree>
     <p:extLst>
       <p:ext uri="{BB962C8B-B14F-4D97-AF65-F5344CB8AC3E}">
-        <p14:creationId xmlns:p14="http://schemas.microsoft.com/office/powerpoint/2010/main" val="496544802"/>
+        <p14:creationId xmlns:p14="http://schemas.microsoft.com/office/powerpoint/2010/main" val="2793693697"/>
       </p:ext>
     </p:extLst>
   </p:cSld>
@@ -345,6 +721,2532 @@
 </file>
 
 <file path=ppt/slideLayouts/slideLayout10.xml><?xml version="1.0" encoding="utf-8"?>
+<p:sldLayout xmlns:a="http://schemas.openxmlformats.org/drawingml/2006/main" xmlns:r="http://schemas.openxmlformats.org/officeDocument/2006/relationships" xmlns:p="http://schemas.openxmlformats.org/presentationml/2006/main" preserve="1">
+  <p:cSld name="带描述的全景图片">
+    <p:spTree>
+      <p:nvGrpSpPr>
+        <p:cNvPr id="1" name=""/>
+        <p:cNvGrpSpPr/>
+        <p:nvPr/>
+      </p:nvGrpSpPr>
+      <p:grpSpPr>
+        <a:xfrm>
+          <a:off x="0" y="0"/>
+          <a:ext cx="0" cy="0"/>
+          <a:chOff x="0" y="0"/>
+          <a:chExt cx="0" cy="0"/>
+        </a:xfrm>
+      </p:grpSpPr>
+      <p:sp>
+        <p:nvSpPr>
+          <p:cNvPr id="2" name="Title 1"/>
+          <p:cNvSpPr>
+            <a:spLocks noGrp="1"/>
+          </p:cNvSpPr>
+          <p:nvPr>
+            <p:ph type="title"/>
+          </p:nvPr>
+        </p:nvSpPr>
+        <p:spPr>
+          <a:xfrm>
+            <a:off x="1154956" y="4800587"/>
+            <a:ext cx="8825657" cy="566738"/>
+          </a:xfrm>
+        </p:spPr>
+        <p:txBody>
+          <a:bodyPr anchor="b">
+            <a:normAutofit/>
+          </a:bodyPr>
+          <a:lstStyle>
+            <a:lvl1pPr algn="l">
+              <a:defRPr sz="2400" b="0"/>
+            </a:lvl1pPr>
+          </a:lstStyle>
+          <a:p>
+            <a:r>
+              <a:rPr lang="zh-CN" altLang="en-US"/>
+              <a:t>单击此处编辑母版标题样式</a:t>
+            </a:r>
+            <a:endParaRPr lang="en-US" dirty="0"/>
+          </a:p>
+        </p:txBody>
+      </p:sp>
+      <p:sp>
+        <p:nvSpPr>
+          <p:cNvPr id="3" name="Picture Placeholder 2"/>
+          <p:cNvSpPr>
+            <a:spLocks noGrp="1" noChangeAspect="1"/>
+          </p:cNvSpPr>
+          <p:nvPr>
+            <p:ph type="pic" idx="1"/>
+          </p:nvPr>
+        </p:nvSpPr>
+        <p:spPr>
+          <a:xfrm>
+            <a:off x="1154955" y="685800"/>
+            <a:ext cx="8825658" cy="3640666"/>
+          </a:xfrm>
+          <a:prstGeom prst="roundRect">
+            <a:avLst>
+              <a:gd name="adj" fmla="val 1858"/>
+            </a:avLst>
+          </a:prstGeom>
+          <a:effectLst>
+            <a:outerShdw blurRad="50800" dist="50800" dir="5400000" algn="tl" rotWithShape="0">
+              <a:srgbClr val="000000">
+                <a:alpha val="43000"/>
+              </a:srgbClr>
+            </a:outerShdw>
+          </a:effectLst>
+        </p:spPr>
+        <p:txBody>
+          <a:bodyPr anchor="t">
+            <a:normAutofit/>
+          </a:bodyPr>
+          <a:lstStyle>
+            <a:lvl1pPr marL="0" indent="0" algn="ctr">
+              <a:buNone/>
+              <a:defRPr sz="1600"/>
+            </a:lvl1pPr>
+            <a:lvl2pPr marL="457200" indent="0">
+              <a:buNone/>
+              <a:defRPr sz="1600"/>
+            </a:lvl2pPr>
+            <a:lvl3pPr marL="914400" indent="0">
+              <a:buNone/>
+              <a:defRPr sz="1600"/>
+            </a:lvl3pPr>
+            <a:lvl4pPr marL="1371600" indent="0">
+              <a:buNone/>
+              <a:defRPr sz="1600"/>
+            </a:lvl4pPr>
+            <a:lvl5pPr marL="1828800" indent="0">
+              <a:buNone/>
+              <a:defRPr sz="1600"/>
+            </a:lvl5pPr>
+            <a:lvl6pPr marL="2286000" indent="0">
+              <a:buNone/>
+              <a:defRPr sz="1600"/>
+            </a:lvl6pPr>
+            <a:lvl7pPr marL="2743200" indent="0">
+              <a:buNone/>
+              <a:defRPr sz="1600"/>
+            </a:lvl7pPr>
+            <a:lvl8pPr marL="3200400" indent="0">
+              <a:buNone/>
+              <a:defRPr sz="1600"/>
+            </a:lvl8pPr>
+            <a:lvl9pPr marL="3657600" indent="0">
+              <a:buNone/>
+              <a:defRPr sz="1600"/>
+            </a:lvl9pPr>
+          </a:lstStyle>
+          <a:p>
+            <a:r>
+              <a:rPr lang="zh-CN" altLang="en-US"/>
+              <a:t>单击图标添加图片</a:t>
+            </a:r>
+            <a:endParaRPr lang="en-US" dirty="0"/>
+          </a:p>
+        </p:txBody>
+      </p:sp>
+      <p:sp>
+        <p:nvSpPr>
+          <p:cNvPr id="4" name="Text Placeholder 3"/>
+          <p:cNvSpPr>
+            <a:spLocks noGrp="1"/>
+          </p:cNvSpPr>
+          <p:nvPr>
+            <p:ph type="body" sz="half" idx="2"/>
+          </p:nvPr>
+        </p:nvSpPr>
+        <p:spPr>
+          <a:xfrm>
+            <a:off x="1154956" y="5367325"/>
+            <a:ext cx="8825656" cy="493712"/>
+          </a:xfrm>
+        </p:spPr>
+        <p:txBody>
+          <a:bodyPr>
+            <a:normAutofit/>
+          </a:bodyPr>
+          <a:lstStyle>
+            <a:lvl1pPr marL="0" indent="0">
+              <a:buNone/>
+              <a:defRPr sz="1200"/>
+            </a:lvl1pPr>
+            <a:lvl2pPr marL="457200" indent="0">
+              <a:buNone/>
+              <a:defRPr sz="1200"/>
+            </a:lvl2pPr>
+            <a:lvl3pPr marL="914400" indent="0">
+              <a:buNone/>
+              <a:defRPr sz="1000"/>
+            </a:lvl3pPr>
+            <a:lvl4pPr marL="1371600" indent="0">
+              <a:buNone/>
+              <a:defRPr sz="900"/>
+            </a:lvl4pPr>
+            <a:lvl5pPr marL="1828800" indent="0">
+              <a:buNone/>
+              <a:defRPr sz="900"/>
+            </a:lvl5pPr>
+            <a:lvl6pPr marL="2286000" indent="0">
+              <a:buNone/>
+              <a:defRPr sz="900"/>
+            </a:lvl6pPr>
+            <a:lvl7pPr marL="2743200" indent="0">
+              <a:buNone/>
+              <a:defRPr sz="900"/>
+            </a:lvl7pPr>
+            <a:lvl8pPr marL="3200400" indent="0">
+              <a:buNone/>
+              <a:defRPr sz="900"/>
+            </a:lvl8pPr>
+            <a:lvl9pPr marL="3657600" indent="0">
+              <a:buNone/>
+              <a:defRPr sz="900"/>
+            </a:lvl9pPr>
+          </a:lstStyle>
+          <a:p>
+            <a:pPr lvl="0"/>
+            <a:r>
+              <a:rPr lang="zh-CN" altLang="en-US"/>
+              <a:t>单击此处编辑母版文本样式</a:t>
+            </a:r>
+          </a:p>
+        </p:txBody>
+      </p:sp>
+      <p:sp>
+        <p:nvSpPr>
+          <p:cNvPr id="5" name="Date Placeholder 4"/>
+          <p:cNvSpPr>
+            <a:spLocks noGrp="1"/>
+          </p:cNvSpPr>
+          <p:nvPr>
+            <p:ph type="dt" sz="half" idx="10"/>
+          </p:nvPr>
+        </p:nvSpPr>
+        <p:spPr/>
+        <p:txBody>
+          <a:bodyPr/>
+          <a:lstStyle/>
+          <a:p>
+            <a:fld id="{AD09C881-90A8-46F5-914E-732915AF5BE6}" type="datetimeFigureOut">
+              <a:rPr lang="zh-CN" altLang="en-US" smtClean="0"/>
+              <a:t>2021/1/14</a:t>
+            </a:fld>
+            <a:endParaRPr lang="zh-CN" altLang="en-US"/>
+          </a:p>
+        </p:txBody>
+      </p:sp>
+      <p:sp>
+        <p:nvSpPr>
+          <p:cNvPr id="6" name="Footer Placeholder 5"/>
+          <p:cNvSpPr>
+            <a:spLocks noGrp="1"/>
+          </p:cNvSpPr>
+          <p:nvPr>
+            <p:ph type="ftr" sz="quarter" idx="11"/>
+          </p:nvPr>
+        </p:nvSpPr>
+        <p:spPr/>
+        <p:txBody>
+          <a:bodyPr/>
+          <a:lstStyle/>
+          <a:p>
+            <a:endParaRPr lang="zh-CN" altLang="en-US"/>
+          </a:p>
+        </p:txBody>
+      </p:sp>
+      <p:sp>
+        <p:nvSpPr>
+          <p:cNvPr id="7" name="Slide Number Placeholder 6"/>
+          <p:cNvSpPr>
+            <a:spLocks noGrp="1"/>
+          </p:cNvSpPr>
+          <p:nvPr>
+            <p:ph type="sldNum" sz="quarter" idx="12"/>
+          </p:nvPr>
+        </p:nvSpPr>
+        <p:spPr/>
+        <p:txBody>
+          <a:bodyPr/>
+          <a:lstStyle/>
+          <a:p>
+            <a:fld id="{F5F58BB1-2501-4C4B-9BA2-0822B7FE606A}" type="slidenum">
+              <a:rPr lang="zh-CN" altLang="en-US" smtClean="0"/>
+              <a:t>‹#›</a:t>
+            </a:fld>
+            <a:endParaRPr lang="zh-CN" altLang="en-US"/>
+          </a:p>
+        </p:txBody>
+      </p:sp>
+    </p:spTree>
+    <p:extLst>
+      <p:ext uri="{BB962C8B-B14F-4D97-AF65-F5344CB8AC3E}">
+        <p14:creationId xmlns:p14="http://schemas.microsoft.com/office/powerpoint/2010/main" val="3399717744"/>
+      </p:ext>
+    </p:extLst>
+  </p:cSld>
+  <p:clrMapOvr>
+    <a:masterClrMapping/>
+  </p:clrMapOvr>
+</p:sldLayout>
+</file>
+
+<file path=ppt/slideLayouts/slideLayout11.xml><?xml version="1.0" encoding="utf-8"?>
+<p:sldLayout xmlns:a="http://schemas.openxmlformats.org/drawingml/2006/main" xmlns:r="http://schemas.openxmlformats.org/officeDocument/2006/relationships" xmlns:p="http://schemas.openxmlformats.org/presentationml/2006/main" preserve="1">
+  <p:cSld name="标题和描述">
+    <p:spTree>
+      <p:nvGrpSpPr>
+        <p:cNvPr id="1" name=""/>
+        <p:cNvGrpSpPr/>
+        <p:nvPr/>
+      </p:nvGrpSpPr>
+      <p:grpSpPr>
+        <a:xfrm>
+          <a:off x="0" y="0"/>
+          <a:ext cx="0" cy="0"/>
+          <a:chOff x="0" y="0"/>
+          <a:chExt cx="0" cy="0"/>
+        </a:xfrm>
+      </p:grpSpPr>
+      <p:sp>
+        <p:nvSpPr>
+          <p:cNvPr id="2" name="Title 1"/>
+          <p:cNvSpPr>
+            <a:spLocks noGrp="1"/>
+          </p:cNvSpPr>
+          <p:nvPr>
+            <p:ph type="title"/>
+          </p:nvPr>
+        </p:nvSpPr>
+        <p:spPr>
+          <a:xfrm>
+            <a:off x="1154954" y="1447800"/>
+            <a:ext cx="8825659" cy="1981200"/>
+          </a:xfrm>
+        </p:spPr>
+        <p:txBody>
+          <a:bodyPr/>
+          <a:lstStyle>
+            <a:lvl1pPr>
+              <a:defRPr sz="4800"/>
+            </a:lvl1pPr>
+          </a:lstStyle>
+          <a:p>
+            <a:r>
+              <a:rPr lang="zh-CN" altLang="en-US"/>
+              <a:t>单击此处编辑母版标题样式</a:t>
+            </a:r>
+            <a:endParaRPr lang="en-US" dirty="0"/>
+          </a:p>
+        </p:txBody>
+      </p:sp>
+      <p:sp>
+        <p:nvSpPr>
+          <p:cNvPr id="8" name="Text Placeholder 3"/>
+          <p:cNvSpPr>
+            <a:spLocks noGrp="1"/>
+          </p:cNvSpPr>
+          <p:nvPr>
+            <p:ph type="body" sz="half" idx="2"/>
+          </p:nvPr>
+        </p:nvSpPr>
+        <p:spPr>
+          <a:xfrm>
+            <a:off x="1154954" y="3657600"/>
+            <a:ext cx="8825659" cy="2362200"/>
+          </a:xfrm>
+        </p:spPr>
+        <p:txBody>
+          <a:bodyPr anchor="ctr">
+            <a:normAutofit/>
+          </a:bodyPr>
+          <a:lstStyle>
+            <a:lvl1pPr marL="0" indent="0">
+              <a:buNone/>
+              <a:defRPr sz="1800"/>
+            </a:lvl1pPr>
+            <a:lvl2pPr marL="457200" indent="0">
+              <a:buNone/>
+              <a:defRPr sz="1200"/>
+            </a:lvl2pPr>
+            <a:lvl3pPr marL="914400" indent="0">
+              <a:buNone/>
+              <a:defRPr sz="1000"/>
+            </a:lvl3pPr>
+            <a:lvl4pPr marL="1371600" indent="0">
+              <a:buNone/>
+              <a:defRPr sz="900"/>
+            </a:lvl4pPr>
+            <a:lvl5pPr marL="1828800" indent="0">
+              <a:buNone/>
+              <a:defRPr sz="900"/>
+            </a:lvl5pPr>
+            <a:lvl6pPr marL="2286000" indent="0">
+              <a:buNone/>
+              <a:defRPr sz="900"/>
+            </a:lvl6pPr>
+            <a:lvl7pPr marL="2743200" indent="0">
+              <a:buNone/>
+              <a:defRPr sz="900"/>
+            </a:lvl7pPr>
+            <a:lvl8pPr marL="3200400" indent="0">
+              <a:buNone/>
+              <a:defRPr sz="900"/>
+            </a:lvl8pPr>
+            <a:lvl9pPr marL="3657600" indent="0">
+              <a:buNone/>
+              <a:defRPr sz="900"/>
+            </a:lvl9pPr>
+          </a:lstStyle>
+          <a:p>
+            <a:pPr lvl="0"/>
+            <a:r>
+              <a:rPr lang="zh-CN" altLang="en-US"/>
+              <a:t>单击此处编辑母版文本样式</a:t>
+            </a:r>
+          </a:p>
+        </p:txBody>
+      </p:sp>
+      <p:sp>
+        <p:nvSpPr>
+          <p:cNvPr id="4" name="Date Placeholder 3"/>
+          <p:cNvSpPr>
+            <a:spLocks noGrp="1"/>
+          </p:cNvSpPr>
+          <p:nvPr>
+            <p:ph type="dt" sz="half" idx="10"/>
+          </p:nvPr>
+        </p:nvSpPr>
+        <p:spPr/>
+        <p:txBody>
+          <a:bodyPr/>
+          <a:lstStyle/>
+          <a:p>
+            <a:fld id="{AD09C881-90A8-46F5-914E-732915AF5BE6}" type="datetimeFigureOut">
+              <a:rPr lang="zh-CN" altLang="en-US" smtClean="0"/>
+              <a:t>2021/1/14</a:t>
+            </a:fld>
+            <a:endParaRPr lang="zh-CN" altLang="en-US"/>
+          </a:p>
+        </p:txBody>
+      </p:sp>
+      <p:sp>
+        <p:nvSpPr>
+          <p:cNvPr id="5" name="Footer Placeholder 4"/>
+          <p:cNvSpPr>
+            <a:spLocks noGrp="1"/>
+          </p:cNvSpPr>
+          <p:nvPr>
+            <p:ph type="ftr" sz="quarter" idx="11"/>
+          </p:nvPr>
+        </p:nvSpPr>
+        <p:spPr/>
+        <p:txBody>
+          <a:bodyPr/>
+          <a:lstStyle/>
+          <a:p>
+            <a:endParaRPr lang="zh-CN" altLang="en-US"/>
+          </a:p>
+        </p:txBody>
+      </p:sp>
+      <p:sp>
+        <p:nvSpPr>
+          <p:cNvPr id="6" name="Slide Number Placeholder 5"/>
+          <p:cNvSpPr>
+            <a:spLocks noGrp="1"/>
+          </p:cNvSpPr>
+          <p:nvPr>
+            <p:ph type="sldNum" sz="quarter" idx="12"/>
+          </p:nvPr>
+        </p:nvSpPr>
+        <p:spPr/>
+        <p:txBody>
+          <a:bodyPr/>
+          <a:lstStyle/>
+          <a:p>
+            <a:fld id="{F5F58BB1-2501-4C4B-9BA2-0822B7FE606A}" type="slidenum">
+              <a:rPr lang="zh-CN" altLang="en-US" smtClean="0"/>
+              <a:t>‹#›</a:t>
+            </a:fld>
+            <a:endParaRPr lang="zh-CN" altLang="en-US"/>
+          </a:p>
+        </p:txBody>
+      </p:sp>
+    </p:spTree>
+    <p:extLst>
+      <p:ext uri="{BB962C8B-B14F-4D97-AF65-F5344CB8AC3E}">
+        <p14:creationId xmlns:p14="http://schemas.microsoft.com/office/powerpoint/2010/main" val="947274542"/>
+      </p:ext>
+    </p:extLst>
+  </p:cSld>
+  <p:clrMapOvr>
+    <a:masterClrMapping/>
+  </p:clrMapOvr>
+</p:sldLayout>
+</file>
+
+<file path=ppt/slideLayouts/slideLayout12.xml><?xml version="1.0" encoding="utf-8"?>
+<p:sldLayout xmlns:a="http://schemas.openxmlformats.org/drawingml/2006/main" xmlns:r="http://schemas.openxmlformats.org/officeDocument/2006/relationships" xmlns:p="http://schemas.openxmlformats.org/presentationml/2006/main" preserve="1">
+  <p:cSld name="带描述的引言">
+    <p:spTree>
+      <p:nvGrpSpPr>
+        <p:cNvPr id="1" name=""/>
+        <p:cNvGrpSpPr/>
+        <p:nvPr/>
+      </p:nvGrpSpPr>
+      <p:grpSpPr>
+        <a:xfrm>
+          <a:off x="0" y="0"/>
+          <a:ext cx="0" cy="0"/>
+          <a:chOff x="0" y="0"/>
+          <a:chExt cx="0" cy="0"/>
+        </a:xfrm>
+      </p:grpSpPr>
+      <p:sp>
+        <p:nvSpPr>
+          <p:cNvPr id="2" name="Title 1"/>
+          <p:cNvSpPr>
+            <a:spLocks noGrp="1"/>
+          </p:cNvSpPr>
+          <p:nvPr>
+            <p:ph type="title"/>
+          </p:nvPr>
+        </p:nvSpPr>
+        <p:spPr>
+          <a:xfrm>
+            <a:off x="1574801" y="1447800"/>
+            <a:ext cx="7999315" cy="2323374"/>
+          </a:xfrm>
+        </p:spPr>
+        <p:txBody>
+          <a:bodyPr/>
+          <a:lstStyle>
+            <a:lvl1pPr>
+              <a:defRPr sz="4800"/>
+            </a:lvl1pPr>
+          </a:lstStyle>
+          <a:p>
+            <a:r>
+              <a:rPr lang="zh-CN" altLang="en-US"/>
+              <a:t>单击此处编辑母版标题样式</a:t>
+            </a:r>
+            <a:endParaRPr lang="en-US" dirty="0"/>
+          </a:p>
+        </p:txBody>
+      </p:sp>
+      <p:sp>
+        <p:nvSpPr>
+          <p:cNvPr id="14" name="Text Placeholder 3"/>
+          <p:cNvSpPr>
+            <a:spLocks noGrp="1"/>
+          </p:cNvSpPr>
+          <p:nvPr>
+            <p:ph type="body" sz="half" idx="13"/>
+          </p:nvPr>
+        </p:nvSpPr>
+        <p:spPr>
+          <a:xfrm>
+            <a:off x="1930400" y="3771174"/>
+            <a:ext cx="7279649" cy="342174"/>
+          </a:xfrm>
+        </p:spPr>
+        <p:txBody>
+          <a:bodyPr anchor="t">
+            <a:normAutofit/>
+          </a:bodyPr>
+          <a:lstStyle>
+            <a:lvl1pPr marL="0" indent="0">
+              <a:buNone/>
+              <a:defRPr lang="en-US" sz="1400" b="0" i="0" kern="1200" cap="small" dirty="0">
+                <a:solidFill>
+                  <a:schemeClr val="accent1"/>
+                </a:solidFill>
+                <a:latin typeface="+mj-lt"/>
+                <a:ea typeface="+mj-ea"/>
+                <a:cs typeface="+mj-cs"/>
+              </a:defRPr>
+            </a:lvl1pPr>
+            <a:lvl2pPr marL="457200" indent="0">
+              <a:buNone/>
+              <a:defRPr sz="1200"/>
+            </a:lvl2pPr>
+            <a:lvl3pPr marL="914400" indent="0">
+              <a:buNone/>
+              <a:defRPr sz="1000"/>
+            </a:lvl3pPr>
+            <a:lvl4pPr marL="1371600" indent="0">
+              <a:buNone/>
+              <a:defRPr sz="900"/>
+            </a:lvl4pPr>
+            <a:lvl5pPr marL="1828800" indent="0">
+              <a:buNone/>
+              <a:defRPr sz="900"/>
+            </a:lvl5pPr>
+            <a:lvl6pPr marL="2286000" indent="0">
+              <a:buNone/>
+              <a:defRPr sz="900"/>
+            </a:lvl6pPr>
+            <a:lvl7pPr marL="2743200" indent="0">
+              <a:buNone/>
+              <a:defRPr sz="900"/>
+            </a:lvl7pPr>
+            <a:lvl8pPr marL="3200400" indent="0">
+              <a:buNone/>
+              <a:defRPr sz="900"/>
+            </a:lvl8pPr>
+            <a:lvl9pPr marL="3657600" indent="0">
+              <a:buNone/>
+              <a:defRPr sz="900"/>
+            </a:lvl9pPr>
+          </a:lstStyle>
+          <a:p>
+            <a:pPr lvl="0"/>
+            <a:r>
+              <a:rPr lang="zh-CN" altLang="en-US"/>
+              <a:t>单击此处编辑母版文本样式</a:t>
+            </a:r>
+          </a:p>
+        </p:txBody>
+      </p:sp>
+      <p:sp>
+        <p:nvSpPr>
+          <p:cNvPr id="10" name="Text Placeholder 3"/>
+          <p:cNvSpPr>
+            <a:spLocks noGrp="1"/>
+          </p:cNvSpPr>
+          <p:nvPr>
+            <p:ph type="body" sz="half" idx="2"/>
+          </p:nvPr>
+        </p:nvSpPr>
+        <p:spPr>
+          <a:xfrm>
+            <a:off x="1154954" y="4350657"/>
+            <a:ext cx="8825659" cy="1676400"/>
+          </a:xfrm>
+        </p:spPr>
+        <p:txBody>
+          <a:bodyPr anchor="ctr">
+            <a:normAutofit/>
+          </a:bodyPr>
+          <a:lstStyle>
+            <a:lvl1pPr marL="0" indent="0">
+              <a:buNone/>
+              <a:defRPr sz="1800"/>
+            </a:lvl1pPr>
+            <a:lvl2pPr marL="457200" indent="0">
+              <a:buNone/>
+              <a:defRPr sz="1200"/>
+            </a:lvl2pPr>
+            <a:lvl3pPr marL="914400" indent="0">
+              <a:buNone/>
+              <a:defRPr sz="1000"/>
+            </a:lvl3pPr>
+            <a:lvl4pPr marL="1371600" indent="0">
+              <a:buNone/>
+              <a:defRPr sz="900"/>
+            </a:lvl4pPr>
+            <a:lvl5pPr marL="1828800" indent="0">
+              <a:buNone/>
+              <a:defRPr sz="900"/>
+            </a:lvl5pPr>
+            <a:lvl6pPr marL="2286000" indent="0">
+              <a:buNone/>
+              <a:defRPr sz="900"/>
+            </a:lvl6pPr>
+            <a:lvl7pPr marL="2743200" indent="0">
+              <a:buNone/>
+              <a:defRPr sz="900"/>
+            </a:lvl7pPr>
+            <a:lvl8pPr marL="3200400" indent="0">
+              <a:buNone/>
+              <a:defRPr sz="900"/>
+            </a:lvl8pPr>
+            <a:lvl9pPr marL="3657600" indent="0">
+              <a:buNone/>
+              <a:defRPr sz="900"/>
+            </a:lvl9pPr>
+          </a:lstStyle>
+          <a:p>
+            <a:pPr lvl="0"/>
+            <a:r>
+              <a:rPr lang="zh-CN" altLang="en-US"/>
+              <a:t>单击此处编辑母版文本样式</a:t>
+            </a:r>
+          </a:p>
+        </p:txBody>
+      </p:sp>
+      <p:sp>
+        <p:nvSpPr>
+          <p:cNvPr id="4" name="Date Placeholder 3"/>
+          <p:cNvSpPr>
+            <a:spLocks noGrp="1"/>
+          </p:cNvSpPr>
+          <p:nvPr>
+            <p:ph type="dt" sz="half" idx="10"/>
+          </p:nvPr>
+        </p:nvSpPr>
+        <p:spPr/>
+        <p:txBody>
+          <a:bodyPr/>
+          <a:lstStyle/>
+          <a:p>
+            <a:fld id="{AD09C881-90A8-46F5-914E-732915AF5BE6}" type="datetimeFigureOut">
+              <a:rPr lang="zh-CN" altLang="en-US" smtClean="0"/>
+              <a:t>2021/1/14</a:t>
+            </a:fld>
+            <a:endParaRPr lang="zh-CN" altLang="en-US"/>
+          </a:p>
+        </p:txBody>
+      </p:sp>
+      <p:sp>
+        <p:nvSpPr>
+          <p:cNvPr id="5" name="Footer Placeholder 4"/>
+          <p:cNvSpPr>
+            <a:spLocks noGrp="1"/>
+          </p:cNvSpPr>
+          <p:nvPr>
+            <p:ph type="ftr" sz="quarter" idx="11"/>
+          </p:nvPr>
+        </p:nvSpPr>
+        <p:spPr/>
+        <p:txBody>
+          <a:bodyPr/>
+          <a:lstStyle/>
+          <a:p>
+            <a:endParaRPr lang="zh-CN" altLang="en-US"/>
+          </a:p>
+        </p:txBody>
+      </p:sp>
+      <p:sp>
+        <p:nvSpPr>
+          <p:cNvPr id="6" name="Slide Number Placeholder 5"/>
+          <p:cNvSpPr>
+            <a:spLocks noGrp="1"/>
+          </p:cNvSpPr>
+          <p:nvPr>
+            <p:ph type="sldNum" sz="quarter" idx="12"/>
+          </p:nvPr>
+        </p:nvSpPr>
+        <p:spPr/>
+        <p:txBody>
+          <a:bodyPr/>
+          <a:lstStyle/>
+          <a:p>
+            <a:fld id="{F5F58BB1-2501-4C4B-9BA2-0822B7FE606A}" type="slidenum">
+              <a:rPr lang="zh-CN" altLang="en-US" smtClean="0"/>
+              <a:t>‹#›</a:t>
+            </a:fld>
+            <a:endParaRPr lang="zh-CN" altLang="en-US"/>
+          </a:p>
+        </p:txBody>
+      </p:sp>
+      <p:sp>
+        <p:nvSpPr>
+          <p:cNvPr id="9" name="TextBox 8"/>
+          <p:cNvSpPr txBox="1"/>
+          <p:nvPr/>
+        </p:nvSpPr>
+        <p:spPr>
+          <a:xfrm>
+            <a:off x="898295" y="971253"/>
+            <a:ext cx="801912" cy="1969770"/>
+          </a:xfrm>
+          <a:prstGeom prst="rect">
+            <a:avLst/>
+          </a:prstGeom>
+          <a:noFill/>
+        </p:spPr>
+        <p:txBody>
+          <a:bodyPr wrap="square" rtlCol="0">
+            <a:spAutoFit/>
+          </a:bodyPr>
+          <a:lstStyle>
+            <a:defPPr>
+              <a:defRPr lang="en-US"/>
+            </a:defPPr>
+            <a:lvl1pPr algn="r">
+              <a:defRPr sz="12200" b="0" i="0">
+                <a:solidFill>
+                  <a:schemeClr val="accent1"/>
+                </a:solidFill>
+                <a:latin typeface="Arial"/>
+                <a:ea typeface="+mj-ea"/>
+                <a:cs typeface="+mj-cs"/>
+              </a:defRPr>
+            </a:lvl1pPr>
+          </a:lstStyle>
+          <a:p>
+            <a:pPr lvl="0"/>
+            <a:r>
+              <a:rPr lang="en-US" dirty="0"/>
+              <a:t>“</a:t>
+            </a:r>
+          </a:p>
+        </p:txBody>
+      </p:sp>
+      <p:sp>
+        <p:nvSpPr>
+          <p:cNvPr id="13" name="TextBox 12"/>
+          <p:cNvSpPr txBox="1"/>
+          <p:nvPr/>
+        </p:nvSpPr>
+        <p:spPr>
+          <a:xfrm>
+            <a:off x="9330490" y="2613787"/>
+            <a:ext cx="801912" cy="1969770"/>
+          </a:xfrm>
+          <a:prstGeom prst="rect">
+            <a:avLst/>
+          </a:prstGeom>
+          <a:noFill/>
+        </p:spPr>
+        <p:txBody>
+          <a:bodyPr wrap="square" rtlCol="0">
+            <a:spAutoFit/>
+          </a:bodyPr>
+          <a:lstStyle>
+            <a:defPPr>
+              <a:defRPr lang="en-US"/>
+            </a:defPPr>
+            <a:lvl1pPr algn="r">
+              <a:defRPr sz="12200" b="0" i="0">
+                <a:solidFill>
+                  <a:schemeClr val="accent1"/>
+                </a:solidFill>
+                <a:latin typeface="Arial"/>
+                <a:ea typeface="+mj-ea"/>
+                <a:cs typeface="+mj-cs"/>
+              </a:defRPr>
+            </a:lvl1pPr>
+          </a:lstStyle>
+          <a:p>
+            <a:pPr lvl="0"/>
+            <a:r>
+              <a:rPr lang="en-US" dirty="0"/>
+              <a:t>”</a:t>
+            </a:r>
+          </a:p>
+        </p:txBody>
+      </p:sp>
+    </p:spTree>
+    <p:extLst>
+      <p:ext uri="{BB962C8B-B14F-4D97-AF65-F5344CB8AC3E}">
+        <p14:creationId xmlns:p14="http://schemas.microsoft.com/office/powerpoint/2010/main" val="2908732670"/>
+      </p:ext>
+    </p:extLst>
+  </p:cSld>
+  <p:clrMapOvr>
+    <a:masterClrMapping/>
+  </p:clrMapOvr>
+</p:sldLayout>
+</file>
+
+<file path=ppt/slideLayouts/slideLayout13.xml><?xml version="1.0" encoding="utf-8"?>
+<p:sldLayout xmlns:a="http://schemas.openxmlformats.org/drawingml/2006/main" xmlns:r="http://schemas.openxmlformats.org/officeDocument/2006/relationships" xmlns:p="http://schemas.openxmlformats.org/presentationml/2006/main" preserve="1">
+  <p:cSld name="名片">
+    <p:spTree>
+      <p:nvGrpSpPr>
+        <p:cNvPr id="1" name=""/>
+        <p:cNvGrpSpPr/>
+        <p:nvPr/>
+      </p:nvGrpSpPr>
+      <p:grpSpPr>
+        <a:xfrm>
+          <a:off x="0" y="0"/>
+          <a:ext cx="0" cy="0"/>
+          <a:chOff x="0" y="0"/>
+          <a:chExt cx="0" cy="0"/>
+        </a:xfrm>
+      </p:grpSpPr>
+      <p:sp>
+        <p:nvSpPr>
+          <p:cNvPr id="2" name="Title 1"/>
+          <p:cNvSpPr>
+            <a:spLocks noGrp="1"/>
+          </p:cNvSpPr>
+          <p:nvPr>
+            <p:ph type="title"/>
+          </p:nvPr>
+        </p:nvSpPr>
+        <p:spPr>
+          <a:xfrm>
+            <a:off x="1154954" y="3124201"/>
+            <a:ext cx="8825660" cy="1653180"/>
+          </a:xfrm>
+        </p:spPr>
+        <p:txBody>
+          <a:bodyPr anchor="b"/>
+          <a:lstStyle>
+            <a:lvl1pPr algn="l">
+              <a:defRPr sz="4000" b="0" cap="none"/>
+            </a:lvl1pPr>
+          </a:lstStyle>
+          <a:p>
+            <a:r>
+              <a:rPr lang="zh-CN" altLang="en-US"/>
+              <a:t>单击此处编辑母版标题样式</a:t>
+            </a:r>
+            <a:endParaRPr lang="en-US" dirty="0"/>
+          </a:p>
+        </p:txBody>
+      </p:sp>
+      <p:sp>
+        <p:nvSpPr>
+          <p:cNvPr id="3" name="Text Placeholder 2"/>
+          <p:cNvSpPr>
+            <a:spLocks noGrp="1"/>
+          </p:cNvSpPr>
+          <p:nvPr>
+            <p:ph type="body" idx="1"/>
+          </p:nvPr>
+        </p:nvSpPr>
+        <p:spPr>
+          <a:xfrm>
+            <a:off x="1154954" y="4777381"/>
+            <a:ext cx="8825659" cy="860400"/>
+          </a:xfrm>
+        </p:spPr>
+        <p:txBody>
+          <a:bodyPr anchor="t"/>
+          <a:lstStyle>
+            <a:lvl1pPr marL="0" indent="0" algn="l">
+              <a:buNone/>
+              <a:defRPr sz="2000" cap="none">
+                <a:solidFill>
+                  <a:schemeClr val="accent1"/>
+                </a:solidFill>
+              </a:defRPr>
+            </a:lvl1pPr>
+            <a:lvl2pPr marL="457200" indent="0">
+              <a:buNone/>
+              <a:defRPr sz="1800">
+                <a:solidFill>
+                  <a:schemeClr val="tx1">
+                    <a:tint val="75000"/>
+                  </a:schemeClr>
+                </a:solidFill>
+              </a:defRPr>
+            </a:lvl2pPr>
+            <a:lvl3pPr marL="914400" indent="0">
+              <a:buNone/>
+              <a:defRPr sz="1600">
+                <a:solidFill>
+                  <a:schemeClr val="tx1">
+                    <a:tint val="75000"/>
+                  </a:schemeClr>
+                </a:solidFill>
+              </a:defRPr>
+            </a:lvl3pPr>
+            <a:lvl4pPr marL="1371600" indent="0">
+              <a:buNone/>
+              <a:defRPr sz="1400">
+                <a:solidFill>
+                  <a:schemeClr val="tx1">
+                    <a:tint val="75000"/>
+                  </a:schemeClr>
+                </a:solidFill>
+              </a:defRPr>
+            </a:lvl4pPr>
+            <a:lvl5pPr marL="1828800" indent="0">
+              <a:buNone/>
+              <a:defRPr sz="1400">
+                <a:solidFill>
+                  <a:schemeClr val="tx1">
+                    <a:tint val="75000"/>
+                  </a:schemeClr>
+                </a:solidFill>
+              </a:defRPr>
+            </a:lvl5pPr>
+            <a:lvl6pPr marL="2286000" indent="0">
+              <a:buNone/>
+              <a:defRPr sz="1400">
+                <a:solidFill>
+                  <a:schemeClr val="tx1">
+                    <a:tint val="75000"/>
+                  </a:schemeClr>
+                </a:solidFill>
+              </a:defRPr>
+            </a:lvl6pPr>
+            <a:lvl7pPr marL="2743200" indent="0">
+              <a:buNone/>
+              <a:defRPr sz="1400">
+                <a:solidFill>
+                  <a:schemeClr val="tx1">
+                    <a:tint val="75000"/>
+                  </a:schemeClr>
+                </a:solidFill>
+              </a:defRPr>
+            </a:lvl7pPr>
+            <a:lvl8pPr marL="3200400" indent="0">
+              <a:buNone/>
+              <a:defRPr sz="1400">
+                <a:solidFill>
+                  <a:schemeClr val="tx1">
+                    <a:tint val="75000"/>
+                  </a:schemeClr>
+                </a:solidFill>
+              </a:defRPr>
+            </a:lvl8pPr>
+            <a:lvl9pPr marL="3657600" indent="0">
+              <a:buNone/>
+              <a:defRPr sz="1400">
+                <a:solidFill>
+                  <a:schemeClr val="tx1">
+                    <a:tint val="75000"/>
+                  </a:schemeClr>
+                </a:solidFill>
+              </a:defRPr>
+            </a:lvl9pPr>
+          </a:lstStyle>
+          <a:p>
+            <a:pPr lvl="0"/>
+            <a:r>
+              <a:rPr lang="zh-CN" altLang="en-US"/>
+              <a:t>单击此处编辑母版文本样式</a:t>
+            </a:r>
+          </a:p>
+        </p:txBody>
+      </p:sp>
+      <p:sp>
+        <p:nvSpPr>
+          <p:cNvPr id="4" name="Date Placeholder 3"/>
+          <p:cNvSpPr>
+            <a:spLocks noGrp="1"/>
+          </p:cNvSpPr>
+          <p:nvPr>
+            <p:ph type="dt" sz="half" idx="10"/>
+          </p:nvPr>
+        </p:nvSpPr>
+        <p:spPr/>
+        <p:txBody>
+          <a:bodyPr/>
+          <a:lstStyle/>
+          <a:p>
+            <a:fld id="{AD09C881-90A8-46F5-914E-732915AF5BE6}" type="datetimeFigureOut">
+              <a:rPr lang="zh-CN" altLang="en-US" smtClean="0"/>
+              <a:t>2021/1/14</a:t>
+            </a:fld>
+            <a:endParaRPr lang="zh-CN" altLang="en-US"/>
+          </a:p>
+        </p:txBody>
+      </p:sp>
+      <p:sp>
+        <p:nvSpPr>
+          <p:cNvPr id="5" name="Footer Placeholder 4"/>
+          <p:cNvSpPr>
+            <a:spLocks noGrp="1"/>
+          </p:cNvSpPr>
+          <p:nvPr>
+            <p:ph type="ftr" sz="quarter" idx="11"/>
+          </p:nvPr>
+        </p:nvSpPr>
+        <p:spPr/>
+        <p:txBody>
+          <a:bodyPr/>
+          <a:lstStyle/>
+          <a:p>
+            <a:endParaRPr lang="zh-CN" altLang="en-US"/>
+          </a:p>
+        </p:txBody>
+      </p:sp>
+      <p:sp>
+        <p:nvSpPr>
+          <p:cNvPr id="6" name="Slide Number Placeholder 5"/>
+          <p:cNvSpPr>
+            <a:spLocks noGrp="1"/>
+          </p:cNvSpPr>
+          <p:nvPr>
+            <p:ph type="sldNum" sz="quarter" idx="12"/>
+          </p:nvPr>
+        </p:nvSpPr>
+        <p:spPr/>
+        <p:txBody>
+          <a:bodyPr/>
+          <a:lstStyle/>
+          <a:p>
+            <a:fld id="{F5F58BB1-2501-4C4B-9BA2-0822B7FE606A}" type="slidenum">
+              <a:rPr lang="zh-CN" altLang="en-US" smtClean="0"/>
+              <a:t>‹#›</a:t>
+            </a:fld>
+            <a:endParaRPr lang="zh-CN" altLang="en-US"/>
+          </a:p>
+        </p:txBody>
+      </p:sp>
+    </p:spTree>
+    <p:extLst>
+      <p:ext uri="{BB962C8B-B14F-4D97-AF65-F5344CB8AC3E}">
+        <p14:creationId xmlns:p14="http://schemas.microsoft.com/office/powerpoint/2010/main" val="1003677198"/>
+      </p:ext>
+    </p:extLst>
+  </p:cSld>
+  <p:clrMapOvr>
+    <a:masterClrMapping/>
+  </p:clrMapOvr>
+</p:sldLayout>
+</file>
+
+<file path=ppt/slideLayouts/slideLayout14.xml><?xml version="1.0" encoding="utf-8"?>
+<p:sldLayout xmlns:a="http://schemas.openxmlformats.org/drawingml/2006/main" xmlns:r="http://schemas.openxmlformats.org/officeDocument/2006/relationships" xmlns:p="http://schemas.openxmlformats.org/presentationml/2006/main" preserve="1">
+  <p:cSld name="3 栏">
+    <p:spTree>
+      <p:nvGrpSpPr>
+        <p:cNvPr id="1" name=""/>
+        <p:cNvGrpSpPr/>
+        <p:nvPr/>
+      </p:nvGrpSpPr>
+      <p:grpSpPr>
+        <a:xfrm>
+          <a:off x="0" y="0"/>
+          <a:ext cx="0" cy="0"/>
+          <a:chOff x="0" y="0"/>
+          <a:chExt cx="0" cy="0"/>
+        </a:xfrm>
+      </p:grpSpPr>
+      <p:sp>
+        <p:nvSpPr>
+          <p:cNvPr id="2" name="Title 1"/>
+          <p:cNvSpPr>
+            <a:spLocks noGrp="1"/>
+          </p:cNvSpPr>
+          <p:nvPr>
+            <p:ph type="title"/>
+          </p:nvPr>
+        </p:nvSpPr>
+        <p:spPr/>
+        <p:txBody>
+          <a:bodyPr/>
+          <a:lstStyle>
+            <a:lvl1pPr>
+              <a:defRPr sz="4200"/>
+            </a:lvl1pPr>
+          </a:lstStyle>
+          <a:p>
+            <a:r>
+              <a:rPr lang="zh-CN" altLang="en-US"/>
+              <a:t>单击此处编辑母版标题样式</a:t>
+            </a:r>
+            <a:endParaRPr lang="en-US" dirty="0"/>
+          </a:p>
+        </p:txBody>
+      </p:sp>
+      <p:sp>
+        <p:nvSpPr>
+          <p:cNvPr id="3" name="Text Placeholder 2"/>
+          <p:cNvSpPr>
+            <a:spLocks noGrp="1"/>
+          </p:cNvSpPr>
+          <p:nvPr>
+            <p:ph type="body" idx="1"/>
+          </p:nvPr>
+        </p:nvSpPr>
+        <p:spPr>
+          <a:xfrm>
+            <a:off x="632947" y="1981200"/>
+            <a:ext cx="2946866" cy="576262"/>
+          </a:xfrm>
+        </p:spPr>
+        <p:txBody>
+          <a:bodyPr anchor="b">
+            <a:noAutofit/>
+          </a:bodyPr>
+          <a:lstStyle>
+            <a:lvl1pPr marL="0" indent="0">
+              <a:buNone/>
+              <a:defRPr sz="2400" b="0">
+                <a:solidFill>
+                  <a:schemeClr val="accent1"/>
+                </a:solidFill>
+              </a:defRPr>
+            </a:lvl1pPr>
+            <a:lvl2pPr marL="457200" indent="0">
+              <a:buNone/>
+              <a:defRPr sz="2000" b="1"/>
+            </a:lvl2pPr>
+            <a:lvl3pPr marL="914400" indent="0">
+              <a:buNone/>
+              <a:defRPr sz="1800" b="1"/>
+            </a:lvl3pPr>
+            <a:lvl4pPr marL="1371600" indent="0">
+              <a:buNone/>
+              <a:defRPr sz="1600" b="1"/>
+            </a:lvl4pPr>
+            <a:lvl5pPr marL="1828800" indent="0">
+              <a:buNone/>
+              <a:defRPr sz="1600" b="1"/>
+            </a:lvl5pPr>
+            <a:lvl6pPr marL="2286000" indent="0">
+              <a:buNone/>
+              <a:defRPr sz="1600" b="1"/>
+            </a:lvl6pPr>
+            <a:lvl7pPr marL="2743200" indent="0">
+              <a:buNone/>
+              <a:defRPr sz="1600" b="1"/>
+            </a:lvl7pPr>
+            <a:lvl8pPr marL="3200400" indent="0">
+              <a:buNone/>
+              <a:defRPr sz="1600" b="1"/>
+            </a:lvl8pPr>
+            <a:lvl9pPr marL="3657600" indent="0">
+              <a:buNone/>
+              <a:defRPr sz="1600" b="1"/>
+            </a:lvl9pPr>
+          </a:lstStyle>
+          <a:p>
+            <a:pPr lvl="0"/>
+            <a:r>
+              <a:rPr lang="zh-CN" altLang="en-US"/>
+              <a:t>单击此处编辑母版文本样式</a:t>
+            </a:r>
+          </a:p>
+        </p:txBody>
+      </p:sp>
+      <p:sp>
+        <p:nvSpPr>
+          <p:cNvPr id="16" name="Text Placeholder 3"/>
+          <p:cNvSpPr>
+            <a:spLocks noGrp="1"/>
+          </p:cNvSpPr>
+          <p:nvPr>
+            <p:ph type="body" sz="half" idx="15"/>
+          </p:nvPr>
+        </p:nvSpPr>
+        <p:spPr>
+          <a:xfrm>
+            <a:off x="652463" y="2667000"/>
+            <a:ext cx="2927350" cy="3589338"/>
+          </a:xfrm>
+        </p:spPr>
+        <p:txBody>
+          <a:bodyPr anchor="t">
+            <a:normAutofit/>
+          </a:bodyPr>
+          <a:lstStyle>
+            <a:lvl1pPr marL="0" indent="0">
+              <a:buNone/>
+              <a:defRPr sz="1400"/>
+            </a:lvl1pPr>
+            <a:lvl2pPr marL="457200" indent="0">
+              <a:buNone/>
+              <a:defRPr sz="1200"/>
+            </a:lvl2pPr>
+            <a:lvl3pPr marL="914400" indent="0">
+              <a:buNone/>
+              <a:defRPr sz="1000"/>
+            </a:lvl3pPr>
+            <a:lvl4pPr marL="1371600" indent="0">
+              <a:buNone/>
+              <a:defRPr sz="900"/>
+            </a:lvl4pPr>
+            <a:lvl5pPr marL="1828800" indent="0">
+              <a:buNone/>
+              <a:defRPr sz="900"/>
+            </a:lvl5pPr>
+            <a:lvl6pPr marL="2286000" indent="0">
+              <a:buNone/>
+              <a:defRPr sz="900"/>
+            </a:lvl6pPr>
+            <a:lvl7pPr marL="2743200" indent="0">
+              <a:buNone/>
+              <a:defRPr sz="900"/>
+            </a:lvl7pPr>
+            <a:lvl8pPr marL="3200400" indent="0">
+              <a:buNone/>
+              <a:defRPr sz="900"/>
+            </a:lvl8pPr>
+            <a:lvl9pPr marL="3657600" indent="0">
+              <a:buNone/>
+              <a:defRPr sz="900"/>
+            </a:lvl9pPr>
+          </a:lstStyle>
+          <a:p>
+            <a:pPr lvl="0"/>
+            <a:r>
+              <a:rPr lang="zh-CN" altLang="en-US"/>
+              <a:t>单击此处编辑母版文本样式</a:t>
+            </a:r>
+          </a:p>
+        </p:txBody>
+      </p:sp>
+      <p:sp>
+        <p:nvSpPr>
+          <p:cNvPr id="5" name="Text Placeholder 4"/>
+          <p:cNvSpPr>
+            <a:spLocks noGrp="1"/>
+          </p:cNvSpPr>
+          <p:nvPr>
+            <p:ph type="body" sz="quarter" idx="3"/>
+          </p:nvPr>
+        </p:nvSpPr>
+        <p:spPr>
+          <a:xfrm>
+            <a:off x="3883659" y="1981200"/>
+            <a:ext cx="2936241" cy="576262"/>
+          </a:xfrm>
+        </p:spPr>
+        <p:txBody>
+          <a:bodyPr anchor="b">
+            <a:noAutofit/>
+          </a:bodyPr>
+          <a:lstStyle>
+            <a:lvl1pPr marL="0" indent="0">
+              <a:buNone/>
+              <a:defRPr sz="2400" b="0">
+                <a:solidFill>
+                  <a:schemeClr val="accent1"/>
+                </a:solidFill>
+              </a:defRPr>
+            </a:lvl1pPr>
+            <a:lvl2pPr marL="457200" indent="0">
+              <a:buNone/>
+              <a:defRPr sz="2000" b="1"/>
+            </a:lvl2pPr>
+            <a:lvl3pPr marL="914400" indent="0">
+              <a:buNone/>
+              <a:defRPr sz="1800" b="1"/>
+            </a:lvl3pPr>
+            <a:lvl4pPr marL="1371600" indent="0">
+              <a:buNone/>
+              <a:defRPr sz="1600" b="1"/>
+            </a:lvl4pPr>
+            <a:lvl5pPr marL="1828800" indent="0">
+              <a:buNone/>
+              <a:defRPr sz="1600" b="1"/>
+            </a:lvl5pPr>
+            <a:lvl6pPr marL="2286000" indent="0">
+              <a:buNone/>
+              <a:defRPr sz="1600" b="1"/>
+            </a:lvl6pPr>
+            <a:lvl7pPr marL="2743200" indent="0">
+              <a:buNone/>
+              <a:defRPr sz="1600" b="1"/>
+            </a:lvl7pPr>
+            <a:lvl8pPr marL="3200400" indent="0">
+              <a:buNone/>
+              <a:defRPr sz="1600" b="1"/>
+            </a:lvl8pPr>
+            <a:lvl9pPr marL="3657600" indent="0">
+              <a:buNone/>
+              <a:defRPr sz="1600" b="1"/>
+            </a:lvl9pPr>
+          </a:lstStyle>
+          <a:p>
+            <a:pPr lvl="0"/>
+            <a:r>
+              <a:rPr lang="zh-CN" altLang="en-US"/>
+              <a:t>单击此处编辑母版文本样式</a:t>
+            </a:r>
+          </a:p>
+        </p:txBody>
+      </p:sp>
+      <p:sp>
+        <p:nvSpPr>
+          <p:cNvPr id="19" name="Text Placeholder 3"/>
+          <p:cNvSpPr>
+            <a:spLocks noGrp="1"/>
+          </p:cNvSpPr>
+          <p:nvPr>
+            <p:ph type="body" sz="half" idx="16"/>
+          </p:nvPr>
+        </p:nvSpPr>
+        <p:spPr>
+          <a:xfrm>
+            <a:off x="3873106" y="2667000"/>
+            <a:ext cx="2946794" cy="3589338"/>
+          </a:xfrm>
+        </p:spPr>
+        <p:txBody>
+          <a:bodyPr anchor="t">
+            <a:normAutofit/>
+          </a:bodyPr>
+          <a:lstStyle>
+            <a:lvl1pPr marL="0" indent="0">
+              <a:buNone/>
+              <a:defRPr sz="1400"/>
+            </a:lvl1pPr>
+            <a:lvl2pPr marL="457200" indent="0">
+              <a:buNone/>
+              <a:defRPr sz="1200"/>
+            </a:lvl2pPr>
+            <a:lvl3pPr marL="914400" indent="0">
+              <a:buNone/>
+              <a:defRPr sz="1000"/>
+            </a:lvl3pPr>
+            <a:lvl4pPr marL="1371600" indent="0">
+              <a:buNone/>
+              <a:defRPr sz="900"/>
+            </a:lvl4pPr>
+            <a:lvl5pPr marL="1828800" indent="0">
+              <a:buNone/>
+              <a:defRPr sz="900"/>
+            </a:lvl5pPr>
+            <a:lvl6pPr marL="2286000" indent="0">
+              <a:buNone/>
+              <a:defRPr sz="900"/>
+            </a:lvl6pPr>
+            <a:lvl7pPr marL="2743200" indent="0">
+              <a:buNone/>
+              <a:defRPr sz="900"/>
+            </a:lvl7pPr>
+            <a:lvl8pPr marL="3200400" indent="0">
+              <a:buNone/>
+              <a:defRPr sz="900"/>
+            </a:lvl8pPr>
+            <a:lvl9pPr marL="3657600" indent="0">
+              <a:buNone/>
+              <a:defRPr sz="900"/>
+            </a:lvl9pPr>
+          </a:lstStyle>
+          <a:p>
+            <a:pPr lvl="0"/>
+            <a:r>
+              <a:rPr lang="zh-CN" altLang="en-US"/>
+              <a:t>单击此处编辑母版文本样式</a:t>
+            </a:r>
+          </a:p>
+        </p:txBody>
+      </p:sp>
+      <p:sp>
+        <p:nvSpPr>
+          <p:cNvPr id="14" name="Text Placeholder 4"/>
+          <p:cNvSpPr>
+            <a:spLocks noGrp="1"/>
+          </p:cNvSpPr>
+          <p:nvPr>
+            <p:ph type="body" sz="quarter" idx="13"/>
+          </p:nvPr>
+        </p:nvSpPr>
+        <p:spPr>
+          <a:xfrm>
+            <a:off x="7124700" y="1981200"/>
+            <a:ext cx="2932113" cy="576262"/>
+          </a:xfrm>
+        </p:spPr>
+        <p:txBody>
+          <a:bodyPr anchor="b">
+            <a:noAutofit/>
+          </a:bodyPr>
+          <a:lstStyle>
+            <a:lvl1pPr marL="0" indent="0">
+              <a:buNone/>
+              <a:defRPr sz="2400" b="0">
+                <a:solidFill>
+                  <a:schemeClr val="accent1"/>
+                </a:solidFill>
+              </a:defRPr>
+            </a:lvl1pPr>
+            <a:lvl2pPr marL="457200" indent="0">
+              <a:buNone/>
+              <a:defRPr sz="2000" b="1"/>
+            </a:lvl2pPr>
+            <a:lvl3pPr marL="914400" indent="0">
+              <a:buNone/>
+              <a:defRPr sz="1800" b="1"/>
+            </a:lvl3pPr>
+            <a:lvl4pPr marL="1371600" indent="0">
+              <a:buNone/>
+              <a:defRPr sz="1600" b="1"/>
+            </a:lvl4pPr>
+            <a:lvl5pPr marL="1828800" indent="0">
+              <a:buNone/>
+              <a:defRPr sz="1600" b="1"/>
+            </a:lvl5pPr>
+            <a:lvl6pPr marL="2286000" indent="0">
+              <a:buNone/>
+              <a:defRPr sz="1600" b="1"/>
+            </a:lvl6pPr>
+            <a:lvl7pPr marL="2743200" indent="0">
+              <a:buNone/>
+              <a:defRPr sz="1600" b="1"/>
+            </a:lvl7pPr>
+            <a:lvl8pPr marL="3200400" indent="0">
+              <a:buNone/>
+              <a:defRPr sz="1600" b="1"/>
+            </a:lvl8pPr>
+            <a:lvl9pPr marL="3657600" indent="0">
+              <a:buNone/>
+              <a:defRPr sz="1600" b="1"/>
+            </a:lvl9pPr>
+          </a:lstStyle>
+          <a:p>
+            <a:pPr lvl="0"/>
+            <a:r>
+              <a:rPr lang="zh-CN" altLang="en-US"/>
+              <a:t>单击此处编辑母版文本样式</a:t>
+            </a:r>
+          </a:p>
+        </p:txBody>
+      </p:sp>
+      <p:sp>
+        <p:nvSpPr>
+          <p:cNvPr id="20" name="Text Placeholder 3"/>
+          <p:cNvSpPr>
+            <a:spLocks noGrp="1"/>
+          </p:cNvSpPr>
+          <p:nvPr>
+            <p:ph type="body" sz="half" idx="17"/>
+          </p:nvPr>
+        </p:nvSpPr>
+        <p:spPr>
+          <a:xfrm>
+            <a:off x="7124700" y="2667000"/>
+            <a:ext cx="2932113" cy="3589338"/>
+          </a:xfrm>
+        </p:spPr>
+        <p:txBody>
+          <a:bodyPr anchor="t">
+            <a:normAutofit/>
+          </a:bodyPr>
+          <a:lstStyle>
+            <a:lvl1pPr marL="0" indent="0">
+              <a:buNone/>
+              <a:defRPr sz="1400"/>
+            </a:lvl1pPr>
+            <a:lvl2pPr marL="457200" indent="0">
+              <a:buNone/>
+              <a:defRPr sz="1200"/>
+            </a:lvl2pPr>
+            <a:lvl3pPr marL="914400" indent="0">
+              <a:buNone/>
+              <a:defRPr sz="1000"/>
+            </a:lvl3pPr>
+            <a:lvl4pPr marL="1371600" indent="0">
+              <a:buNone/>
+              <a:defRPr sz="900"/>
+            </a:lvl4pPr>
+            <a:lvl5pPr marL="1828800" indent="0">
+              <a:buNone/>
+              <a:defRPr sz="900"/>
+            </a:lvl5pPr>
+            <a:lvl6pPr marL="2286000" indent="0">
+              <a:buNone/>
+              <a:defRPr sz="900"/>
+            </a:lvl6pPr>
+            <a:lvl7pPr marL="2743200" indent="0">
+              <a:buNone/>
+              <a:defRPr sz="900"/>
+            </a:lvl7pPr>
+            <a:lvl8pPr marL="3200400" indent="0">
+              <a:buNone/>
+              <a:defRPr sz="900"/>
+            </a:lvl8pPr>
+            <a:lvl9pPr marL="3657600" indent="0">
+              <a:buNone/>
+              <a:defRPr sz="900"/>
+            </a:lvl9pPr>
+          </a:lstStyle>
+          <a:p>
+            <a:pPr lvl="0"/>
+            <a:r>
+              <a:rPr lang="zh-CN" altLang="en-US"/>
+              <a:t>单击此处编辑母版文本样式</a:t>
+            </a:r>
+          </a:p>
+        </p:txBody>
+      </p:sp>
+      <p:cxnSp>
+        <p:nvCxnSpPr>
+          <p:cNvPr id="17" name="Straight Connector 16"/>
+          <p:cNvCxnSpPr/>
+          <p:nvPr/>
+        </p:nvCxnSpPr>
+        <p:spPr>
+          <a:xfrm>
+            <a:off x="3726142" y="2133600"/>
+            <a:ext cx="0" cy="3962400"/>
+          </a:xfrm>
+          <a:prstGeom prst="line">
+            <a:avLst/>
+          </a:prstGeom>
+          <a:ln w="12700" cmpd="sng">
+            <a:solidFill>
+              <a:schemeClr val="accent1">
+                <a:alpha val="40000"/>
+              </a:schemeClr>
+            </a:solidFill>
+          </a:ln>
+        </p:spPr>
+        <p:style>
+          <a:lnRef idx="2">
+            <a:schemeClr val="accent1"/>
+          </a:lnRef>
+          <a:fillRef idx="0">
+            <a:schemeClr val="accent1"/>
+          </a:fillRef>
+          <a:effectRef idx="1">
+            <a:schemeClr val="accent1"/>
+          </a:effectRef>
+          <a:fontRef idx="minor">
+            <a:schemeClr val="tx1"/>
+          </a:fontRef>
+        </p:style>
+      </p:cxnSp>
+      <p:cxnSp>
+        <p:nvCxnSpPr>
+          <p:cNvPr id="18" name="Straight Connector 17"/>
+          <p:cNvCxnSpPr/>
+          <p:nvPr/>
+        </p:nvCxnSpPr>
+        <p:spPr>
+          <a:xfrm>
+            <a:off x="6962227" y="2133600"/>
+            <a:ext cx="0" cy="3966882"/>
+          </a:xfrm>
+          <a:prstGeom prst="line">
+            <a:avLst/>
+          </a:prstGeom>
+          <a:ln w="12700" cmpd="sng">
+            <a:solidFill>
+              <a:schemeClr val="accent1">
+                <a:alpha val="40000"/>
+              </a:schemeClr>
+            </a:solidFill>
+          </a:ln>
+        </p:spPr>
+        <p:style>
+          <a:lnRef idx="2">
+            <a:schemeClr val="accent1"/>
+          </a:lnRef>
+          <a:fillRef idx="0">
+            <a:schemeClr val="accent1"/>
+          </a:fillRef>
+          <a:effectRef idx="1">
+            <a:schemeClr val="accent1"/>
+          </a:effectRef>
+          <a:fontRef idx="minor">
+            <a:schemeClr val="tx1"/>
+          </a:fontRef>
+        </p:style>
+      </p:cxnSp>
+      <p:sp>
+        <p:nvSpPr>
+          <p:cNvPr id="7" name="Date Placeholder 3"/>
+          <p:cNvSpPr>
+            <a:spLocks noGrp="1"/>
+          </p:cNvSpPr>
+          <p:nvPr>
+            <p:ph type="dt" sz="half" idx="10"/>
+          </p:nvPr>
+        </p:nvSpPr>
+        <p:spPr/>
+        <p:txBody>
+          <a:bodyPr/>
+          <a:lstStyle/>
+          <a:p>
+            <a:fld id="{AD09C881-90A8-46F5-914E-732915AF5BE6}" type="datetimeFigureOut">
+              <a:rPr lang="zh-CN" altLang="en-US" smtClean="0"/>
+              <a:t>2021/1/14</a:t>
+            </a:fld>
+            <a:endParaRPr lang="zh-CN" altLang="en-US"/>
+          </a:p>
+        </p:txBody>
+      </p:sp>
+      <p:sp>
+        <p:nvSpPr>
+          <p:cNvPr id="4" name="Footer Placeholder 4"/>
+          <p:cNvSpPr>
+            <a:spLocks noGrp="1"/>
+          </p:cNvSpPr>
+          <p:nvPr>
+            <p:ph type="ftr" sz="quarter" idx="11"/>
+          </p:nvPr>
+        </p:nvSpPr>
+        <p:spPr/>
+        <p:txBody>
+          <a:bodyPr/>
+          <a:lstStyle/>
+          <a:p>
+            <a:endParaRPr lang="zh-CN" altLang="en-US"/>
+          </a:p>
+        </p:txBody>
+      </p:sp>
+      <p:sp>
+        <p:nvSpPr>
+          <p:cNvPr id="6" name="Slide Number Placeholder 5"/>
+          <p:cNvSpPr>
+            <a:spLocks noGrp="1"/>
+          </p:cNvSpPr>
+          <p:nvPr>
+            <p:ph type="sldNum" sz="quarter" idx="12"/>
+          </p:nvPr>
+        </p:nvSpPr>
+        <p:spPr/>
+        <p:txBody>
+          <a:bodyPr/>
+          <a:lstStyle/>
+          <a:p>
+            <a:fld id="{F5F58BB1-2501-4C4B-9BA2-0822B7FE606A}" type="slidenum">
+              <a:rPr lang="zh-CN" altLang="en-US" smtClean="0"/>
+              <a:t>‹#›</a:t>
+            </a:fld>
+            <a:endParaRPr lang="zh-CN" altLang="en-US"/>
+          </a:p>
+        </p:txBody>
+      </p:sp>
+    </p:spTree>
+    <p:extLst>
+      <p:ext uri="{BB962C8B-B14F-4D97-AF65-F5344CB8AC3E}">
+        <p14:creationId xmlns:p14="http://schemas.microsoft.com/office/powerpoint/2010/main" val="3745779815"/>
+      </p:ext>
+    </p:extLst>
+  </p:cSld>
+  <p:clrMapOvr>
+    <a:masterClrMapping/>
+  </p:clrMapOvr>
+</p:sldLayout>
+</file>
+
+<file path=ppt/slideLayouts/slideLayout15.xml><?xml version="1.0" encoding="utf-8"?>
+<p:sldLayout xmlns:a="http://schemas.openxmlformats.org/drawingml/2006/main" xmlns:r="http://schemas.openxmlformats.org/officeDocument/2006/relationships" xmlns:p="http://schemas.openxmlformats.org/presentationml/2006/main" preserve="1">
+  <p:cSld name="3 图片栏">
+    <p:spTree>
+      <p:nvGrpSpPr>
+        <p:cNvPr id="1" name=""/>
+        <p:cNvGrpSpPr/>
+        <p:nvPr/>
+      </p:nvGrpSpPr>
+      <p:grpSpPr>
+        <a:xfrm>
+          <a:off x="0" y="0"/>
+          <a:ext cx="0" cy="0"/>
+          <a:chOff x="0" y="0"/>
+          <a:chExt cx="0" cy="0"/>
+        </a:xfrm>
+      </p:grpSpPr>
+      <p:sp>
+        <p:nvSpPr>
+          <p:cNvPr id="2" name="Title 1"/>
+          <p:cNvSpPr>
+            <a:spLocks noGrp="1"/>
+          </p:cNvSpPr>
+          <p:nvPr>
+            <p:ph type="title"/>
+          </p:nvPr>
+        </p:nvSpPr>
+        <p:spPr/>
+        <p:txBody>
+          <a:bodyPr/>
+          <a:lstStyle>
+            <a:lvl1pPr>
+              <a:defRPr sz="4200"/>
+            </a:lvl1pPr>
+          </a:lstStyle>
+          <a:p>
+            <a:r>
+              <a:rPr lang="zh-CN" altLang="en-US"/>
+              <a:t>单击此处编辑母版标题样式</a:t>
+            </a:r>
+            <a:endParaRPr lang="en-US" dirty="0"/>
+          </a:p>
+        </p:txBody>
+      </p:sp>
+      <p:sp>
+        <p:nvSpPr>
+          <p:cNvPr id="3" name="Text Placeholder 2"/>
+          <p:cNvSpPr>
+            <a:spLocks noGrp="1"/>
+          </p:cNvSpPr>
+          <p:nvPr>
+            <p:ph type="body" idx="1"/>
+          </p:nvPr>
+        </p:nvSpPr>
+        <p:spPr>
+          <a:xfrm>
+            <a:off x="652463" y="4250949"/>
+            <a:ext cx="2940050" cy="576262"/>
+          </a:xfrm>
+        </p:spPr>
+        <p:txBody>
+          <a:bodyPr anchor="b">
+            <a:noAutofit/>
+          </a:bodyPr>
+          <a:lstStyle>
+            <a:lvl1pPr marL="0" indent="0">
+              <a:buNone/>
+              <a:defRPr sz="2400" b="0">
+                <a:solidFill>
+                  <a:schemeClr val="accent1"/>
+                </a:solidFill>
+              </a:defRPr>
+            </a:lvl1pPr>
+            <a:lvl2pPr marL="457200" indent="0">
+              <a:buNone/>
+              <a:defRPr sz="2000" b="1"/>
+            </a:lvl2pPr>
+            <a:lvl3pPr marL="914400" indent="0">
+              <a:buNone/>
+              <a:defRPr sz="1800" b="1"/>
+            </a:lvl3pPr>
+            <a:lvl4pPr marL="1371600" indent="0">
+              <a:buNone/>
+              <a:defRPr sz="1600" b="1"/>
+            </a:lvl4pPr>
+            <a:lvl5pPr marL="1828800" indent="0">
+              <a:buNone/>
+              <a:defRPr sz="1600" b="1"/>
+            </a:lvl5pPr>
+            <a:lvl6pPr marL="2286000" indent="0">
+              <a:buNone/>
+              <a:defRPr sz="1600" b="1"/>
+            </a:lvl6pPr>
+            <a:lvl7pPr marL="2743200" indent="0">
+              <a:buNone/>
+              <a:defRPr sz="1600" b="1"/>
+            </a:lvl7pPr>
+            <a:lvl8pPr marL="3200400" indent="0">
+              <a:buNone/>
+              <a:defRPr sz="1600" b="1"/>
+            </a:lvl8pPr>
+            <a:lvl9pPr marL="3657600" indent="0">
+              <a:buNone/>
+              <a:defRPr sz="1600" b="1"/>
+            </a:lvl9pPr>
+          </a:lstStyle>
+          <a:p>
+            <a:pPr lvl="0"/>
+            <a:r>
+              <a:rPr lang="zh-CN" altLang="en-US"/>
+              <a:t>单击此处编辑母版文本样式</a:t>
+            </a:r>
+          </a:p>
+        </p:txBody>
+      </p:sp>
+      <p:sp>
+        <p:nvSpPr>
+          <p:cNvPr id="29" name="Picture Placeholder 2"/>
+          <p:cNvSpPr>
+            <a:spLocks noGrp="1" noChangeAspect="1"/>
+          </p:cNvSpPr>
+          <p:nvPr>
+            <p:ph type="pic" idx="15"/>
+          </p:nvPr>
+        </p:nvSpPr>
+        <p:spPr>
+          <a:xfrm>
+            <a:off x="652463" y="2209800"/>
+            <a:ext cx="2940050" cy="1524000"/>
+          </a:xfrm>
+          <a:prstGeom prst="roundRect">
+            <a:avLst>
+              <a:gd name="adj" fmla="val 1858"/>
+            </a:avLst>
+          </a:prstGeom>
+          <a:effectLst>
+            <a:outerShdw blurRad="50800" dist="50800" dir="5400000" algn="tl" rotWithShape="0">
+              <a:srgbClr val="000000">
+                <a:alpha val="43000"/>
+              </a:srgbClr>
+            </a:outerShdw>
+          </a:effectLst>
+        </p:spPr>
+        <p:txBody>
+          <a:bodyPr anchor="t">
+            <a:normAutofit/>
+          </a:bodyPr>
+          <a:lstStyle>
+            <a:lvl1pPr marL="0" indent="0" algn="ctr">
+              <a:buNone/>
+              <a:defRPr sz="1600"/>
+            </a:lvl1pPr>
+            <a:lvl2pPr marL="457200" indent="0">
+              <a:buNone/>
+              <a:defRPr sz="1600"/>
+            </a:lvl2pPr>
+            <a:lvl3pPr marL="914400" indent="0">
+              <a:buNone/>
+              <a:defRPr sz="1600"/>
+            </a:lvl3pPr>
+            <a:lvl4pPr marL="1371600" indent="0">
+              <a:buNone/>
+              <a:defRPr sz="1600"/>
+            </a:lvl4pPr>
+            <a:lvl5pPr marL="1828800" indent="0">
+              <a:buNone/>
+              <a:defRPr sz="1600"/>
+            </a:lvl5pPr>
+            <a:lvl6pPr marL="2286000" indent="0">
+              <a:buNone/>
+              <a:defRPr sz="1600"/>
+            </a:lvl6pPr>
+            <a:lvl7pPr marL="2743200" indent="0">
+              <a:buNone/>
+              <a:defRPr sz="1600"/>
+            </a:lvl7pPr>
+            <a:lvl8pPr marL="3200400" indent="0">
+              <a:buNone/>
+              <a:defRPr sz="1600"/>
+            </a:lvl8pPr>
+            <a:lvl9pPr marL="3657600" indent="0">
+              <a:buNone/>
+              <a:defRPr sz="1600"/>
+            </a:lvl9pPr>
+          </a:lstStyle>
+          <a:p>
+            <a:r>
+              <a:rPr lang="zh-CN" altLang="en-US"/>
+              <a:t>单击图标添加图片</a:t>
+            </a:r>
+            <a:endParaRPr lang="en-US" dirty="0"/>
+          </a:p>
+        </p:txBody>
+      </p:sp>
+      <p:sp>
+        <p:nvSpPr>
+          <p:cNvPr id="22" name="Text Placeholder 3"/>
+          <p:cNvSpPr>
+            <a:spLocks noGrp="1"/>
+          </p:cNvSpPr>
+          <p:nvPr>
+            <p:ph type="body" sz="half" idx="18"/>
+          </p:nvPr>
+        </p:nvSpPr>
+        <p:spPr>
+          <a:xfrm>
+            <a:off x="652463" y="4827211"/>
+            <a:ext cx="2940050" cy="659189"/>
+          </a:xfrm>
+        </p:spPr>
+        <p:txBody>
+          <a:bodyPr anchor="t">
+            <a:normAutofit/>
+          </a:bodyPr>
+          <a:lstStyle>
+            <a:lvl1pPr marL="0" indent="0">
+              <a:buNone/>
+              <a:defRPr sz="1400"/>
+            </a:lvl1pPr>
+            <a:lvl2pPr marL="457200" indent="0">
+              <a:buNone/>
+              <a:defRPr sz="1200"/>
+            </a:lvl2pPr>
+            <a:lvl3pPr marL="914400" indent="0">
+              <a:buNone/>
+              <a:defRPr sz="1000"/>
+            </a:lvl3pPr>
+            <a:lvl4pPr marL="1371600" indent="0">
+              <a:buNone/>
+              <a:defRPr sz="900"/>
+            </a:lvl4pPr>
+            <a:lvl5pPr marL="1828800" indent="0">
+              <a:buNone/>
+              <a:defRPr sz="900"/>
+            </a:lvl5pPr>
+            <a:lvl6pPr marL="2286000" indent="0">
+              <a:buNone/>
+              <a:defRPr sz="900"/>
+            </a:lvl6pPr>
+            <a:lvl7pPr marL="2743200" indent="0">
+              <a:buNone/>
+              <a:defRPr sz="900"/>
+            </a:lvl7pPr>
+            <a:lvl8pPr marL="3200400" indent="0">
+              <a:buNone/>
+              <a:defRPr sz="900"/>
+            </a:lvl8pPr>
+            <a:lvl9pPr marL="3657600" indent="0">
+              <a:buNone/>
+              <a:defRPr sz="900"/>
+            </a:lvl9pPr>
+          </a:lstStyle>
+          <a:p>
+            <a:pPr lvl="0"/>
+            <a:r>
+              <a:rPr lang="zh-CN" altLang="en-US"/>
+              <a:t>单击此处编辑母版文本样式</a:t>
+            </a:r>
+          </a:p>
+        </p:txBody>
+      </p:sp>
+      <p:sp>
+        <p:nvSpPr>
+          <p:cNvPr id="5" name="Text Placeholder 4"/>
+          <p:cNvSpPr>
+            <a:spLocks noGrp="1"/>
+          </p:cNvSpPr>
+          <p:nvPr>
+            <p:ph type="body" sz="quarter" idx="3"/>
+          </p:nvPr>
+        </p:nvSpPr>
+        <p:spPr>
+          <a:xfrm>
+            <a:off x="3889375" y="4250949"/>
+            <a:ext cx="2930525" cy="576262"/>
+          </a:xfrm>
+        </p:spPr>
+        <p:txBody>
+          <a:bodyPr anchor="b">
+            <a:noAutofit/>
+          </a:bodyPr>
+          <a:lstStyle>
+            <a:lvl1pPr marL="0" indent="0">
+              <a:buNone/>
+              <a:defRPr sz="2400" b="0">
+                <a:solidFill>
+                  <a:schemeClr val="accent1"/>
+                </a:solidFill>
+              </a:defRPr>
+            </a:lvl1pPr>
+            <a:lvl2pPr marL="457200" indent="0">
+              <a:buNone/>
+              <a:defRPr sz="2000" b="1"/>
+            </a:lvl2pPr>
+            <a:lvl3pPr marL="914400" indent="0">
+              <a:buNone/>
+              <a:defRPr sz="1800" b="1"/>
+            </a:lvl3pPr>
+            <a:lvl4pPr marL="1371600" indent="0">
+              <a:buNone/>
+              <a:defRPr sz="1600" b="1"/>
+            </a:lvl4pPr>
+            <a:lvl5pPr marL="1828800" indent="0">
+              <a:buNone/>
+              <a:defRPr sz="1600" b="1"/>
+            </a:lvl5pPr>
+            <a:lvl6pPr marL="2286000" indent="0">
+              <a:buNone/>
+              <a:defRPr sz="1600" b="1"/>
+            </a:lvl6pPr>
+            <a:lvl7pPr marL="2743200" indent="0">
+              <a:buNone/>
+              <a:defRPr sz="1600" b="1"/>
+            </a:lvl7pPr>
+            <a:lvl8pPr marL="3200400" indent="0">
+              <a:buNone/>
+              <a:defRPr sz="1600" b="1"/>
+            </a:lvl8pPr>
+            <a:lvl9pPr marL="3657600" indent="0">
+              <a:buNone/>
+              <a:defRPr sz="1600" b="1"/>
+            </a:lvl9pPr>
+          </a:lstStyle>
+          <a:p>
+            <a:pPr lvl="0"/>
+            <a:r>
+              <a:rPr lang="zh-CN" altLang="en-US"/>
+              <a:t>单击此处编辑母版文本样式</a:t>
+            </a:r>
+          </a:p>
+        </p:txBody>
+      </p:sp>
+      <p:sp>
+        <p:nvSpPr>
+          <p:cNvPr id="30" name="Picture Placeholder 2"/>
+          <p:cNvSpPr>
+            <a:spLocks noGrp="1" noChangeAspect="1"/>
+          </p:cNvSpPr>
+          <p:nvPr>
+            <p:ph type="pic" idx="21"/>
+          </p:nvPr>
+        </p:nvSpPr>
+        <p:spPr>
+          <a:xfrm>
+            <a:off x="3889374" y="2209800"/>
+            <a:ext cx="2930525" cy="1524000"/>
+          </a:xfrm>
+          <a:prstGeom prst="roundRect">
+            <a:avLst>
+              <a:gd name="adj" fmla="val 1858"/>
+            </a:avLst>
+          </a:prstGeom>
+          <a:effectLst>
+            <a:outerShdw blurRad="50800" dist="50800" dir="5400000" algn="tl" rotWithShape="0">
+              <a:srgbClr val="000000">
+                <a:alpha val="43000"/>
+              </a:srgbClr>
+            </a:outerShdw>
+          </a:effectLst>
+        </p:spPr>
+        <p:txBody>
+          <a:bodyPr anchor="t">
+            <a:normAutofit/>
+          </a:bodyPr>
+          <a:lstStyle>
+            <a:lvl1pPr marL="0" indent="0" algn="ctr">
+              <a:buNone/>
+              <a:defRPr sz="1600"/>
+            </a:lvl1pPr>
+            <a:lvl2pPr marL="457200" indent="0">
+              <a:buNone/>
+              <a:defRPr sz="1600"/>
+            </a:lvl2pPr>
+            <a:lvl3pPr marL="914400" indent="0">
+              <a:buNone/>
+              <a:defRPr sz="1600"/>
+            </a:lvl3pPr>
+            <a:lvl4pPr marL="1371600" indent="0">
+              <a:buNone/>
+              <a:defRPr sz="1600"/>
+            </a:lvl4pPr>
+            <a:lvl5pPr marL="1828800" indent="0">
+              <a:buNone/>
+              <a:defRPr sz="1600"/>
+            </a:lvl5pPr>
+            <a:lvl6pPr marL="2286000" indent="0">
+              <a:buNone/>
+              <a:defRPr sz="1600"/>
+            </a:lvl6pPr>
+            <a:lvl7pPr marL="2743200" indent="0">
+              <a:buNone/>
+              <a:defRPr sz="1600"/>
+            </a:lvl7pPr>
+            <a:lvl8pPr marL="3200400" indent="0">
+              <a:buNone/>
+              <a:defRPr sz="1600"/>
+            </a:lvl8pPr>
+            <a:lvl9pPr marL="3657600" indent="0">
+              <a:buNone/>
+              <a:defRPr sz="1600"/>
+            </a:lvl9pPr>
+          </a:lstStyle>
+          <a:p>
+            <a:r>
+              <a:rPr lang="zh-CN" altLang="en-US"/>
+              <a:t>单击图标添加图片</a:t>
+            </a:r>
+            <a:endParaRPr lang="en-US" dirty="0"/>
+          </a:p>
+        </p:txBody>
+      </p:sp>
+      <p:sp>
+        <p:nvSpPr>
+          <p:cNvPr id="23" name="Text Placeholder 3"/>
+          <p:cNvSpPr>
+            <a:spLocks noGrp="1"/>
+          </p:cNvSpPr>
+          <p:nvPr>
+            <p:ph type="body" sz="half" idx="19"/>
+          </p:nvPr>
+        </p:nvSpPr>
+        <p:spPr>
+          <a:xfrm>
+            <a:off x="3888022" y="4827210"/>
+            <a:ext cx="2934406" cy="659189"/>
+          </a:xfrm>
+        </p:spPr>
+        <p:txBody>
+          <a:bodyPr anchor="t">
+            <a:normAutofit/>
+          </a:bodyPr>
+          <a:lstStyle>
+            <a:lvl1pPr marL="0" indent="0">
+              <a:buNone/>
+              <a:defRPr sz="1400"/>
+            </a:lvl1pPr>
+            <a:lvl2pPr marL="457200" indent="0">
+              <a:buNone/>
+              <a:defRPr sz="1200"/>
+            </a:lvl2pPr>
+            <a:lvl3pPr marL="914400" indent="0">
+              <a:buNone/>
+              <a:defRPr sz="1000"/>
+            </a:lvl3pPr>
+            <a:lvl4pPr marL="1371600" indent="0">
+              <a:buNone/>
+              <a:defRPr sz="900"/>
+            </a:lvl4pPr>
+            <a:lvl5pPr marL="1828800" indent="0">
+              <a:buNone/>
+              <a:defRPr sz="900"/>
+            </a:lvl5pPr>
+            <a:lvl6pPr marL="2286000" indent="0">
+              <a:buNone/>
+              <a:defRPr sz="900"/>
+            </a:lvl6pPr>
+            <a:lvl7pPr marL="2743200" indent="0">
+              <a:buNone/>
+              <a:defRPr sz="900"/>
+            </a:lvl7pPr>
+            <a:lvl8pPr marL="3200400" indent="0">
+              <a:buNone/>
+              <a:defRPr sz="900"/>
+            </a:lvl8pPr>
+            <a:lvl9pPr marL="3657600" indent="0">
+              <a:buNone/>
+              <a:defRPr sz="900"/>
+            </a:lvl9pPr>
+          </a:lstStyle>
+          <a:p>
+            <a:pPr lvl="0"/>
+            <a:r>
+              <a:rPr lang="zh-CN" altLang="en-US"/>
+              <a:t>单击此处编辑母版文本样式</a:t>
+            </a:r>
+          </a:p>
+        </p:txBody>
+      </p:sp>
+      <p:sp>
+        <p:nvSpPr>
+          <p:cNvPr id="14" name="Text Placeholder 4"/>
+          <p:cNvSpPr>
+            <a:spLocks noGrp="1"/>
+          </p:cNvSpPr>
+          <p:nvPr>
+            <p:ph type="body" sz="quarter" idx="13"/>
+          </p:nvPr>
+        </p:nvSpPr>
+        <p:spPr>
+          <a:xfrm>
+            <a:off x="7124700" y="4250949"/>
+            <a:ext cx="2932113" cy="576262"/>
+          </a:xfrm>
+        </p:spPr>
+        <p:txBody>
+          <a:bodyPr anchor="b">
+            <a:noAutofit/>
+          </a:bodyPr>
+          <a:lstStyle>
+            <a:lvl1pPr marL="0" indent="0">
+              <a:buNone/>
+              <a:defRPr sz="2400" b="0">
+                <a:solidFill>
+                  <a:schemeClr val="accent1"/>
+                </a:solidFill>
+              </a:defRPr>
+            </a:lvl1pPr>
+            <a:lvl2pPr marL="457200" indent="0">
+              <a:buNone/>
+              <a:defRPr sz="2000" b="1"/>
+            </a:lvl2pPr>
+            <a:lvl3pPr marL="914400" indent="0">
+              <a:buNone/>
+              <a:defRPr sz="1800" b="1"/>
+            </a:lvl3pPr>
+            <a:lvl4pPr marL="1371600" indent="0">
+              <a:buNone/>
+              <a:defRPr sz="1600" b="1"/>
+            </a:lvl4pPr>
+            <a:lvl5pPr marL="1828800" indent="0">
+              <a:buNone/>
+              <a:defRPr sz="1600" b="1"/>
+            </a:lvl5pPr>
+            <a:lvl6pPr marL="2286000" indent="0">
+              <a:buNone/>
+              <a:defRPr sz="1600" b="1"/>
+            </a:lvl6pPr>
+            <a:lvl7pPr marL="2743200" indent="0">
+              <a:buNone/>
+              <a:defRPr sz="1600" b="1"/>
+            </a:lvl7pPr>
+            <a:lvl8pPr marL="3200400" indent="0">
+              <a:buNone/>
+              <a:defRPr sz="1600" b="1"/>
+            </a:lvl8pPr>
+            <a:lvl9pPr marL="3657600" indent="0">
+              <a:buNone/>
+              <a:defRPr sz="1600" b="1"/>
+            </a:lvl9pPr>
+          </a:lstStyle>
+          <a:p>
+            <a:pPr lvl="0"/>
+            <a:r>
+              <a:rPr lang="zh-CN" altLang="en-US"/>
+              <a:t>单击此处编辑母版文本样式</a:t>
+            </a:r>
+          </a:p>
+        </p:txBody>
+      </p:sp>
+      <p:sp>
+        <p:nvSpPr>
+          <p:cNvPr id="31" name="Picture Placeholder 2"/>
+          <p:cNvSpPr>
+            <a:spLocks noGrp="1" noChangeAspect="1"/>
+          </p:cNvSpPr>
+          <p:nvPr>
+            <p:ph type="pic" idx="22"/>
+          </p:nvPr>
+        </p:nvSpPr>
+        <p:spPr>
+          <a:xfrm>
+            <a:off x="7124699" y="2209800"/>
+            <a:ext cx="2932113" cy="1524000"/>
+          </a:xfrm>
+          <a:prstGeom prst="roundRect">
+            <a:avLst>
+              <a:gd name="adj" fmla="val 1858"/>
+            </a:avLst>
+          </a:prstGeom>
+          <a:effectLst>
+            <a:outerShdw blurRad="50800" dist="50800" dir="5400000" algn="tl" rotWithShape="0">
+              <a:srgbClr val="000000">
+                <a:alpha val="43000"/>
+              </a:srgbClr>
+            </a:outerShdw>
+          </a:effectLst>
+        </p:spPr>
+        <p:txBody>
+          <a:bodyPr anchor="t">
+            <a:normAutofit/>
+          </a:bodyPr>
+          <a:lstStyle>
+            <a:lvl1pPr marL="0" indent="0" algn="ctr">
+              <a:buNone/>
+              <a:defRPr sz="1600"/>
+            </a:lvl1pPr>
+            <a:lvl2pPr marL="457200" indent="0">
+              <a:buNone/>
+              <a:defRPr sz="1600"/>
+            </a:lvl2pPr>
+            <a:lvl3pPr marL="914400" indent="0">
+              <a:buNone/>
+              <a:defRPr sz="1600"/>
+            </a:lvl3pPr>
+            <a:lvl4pPr marL="1371600" indent="0">
+              <a:buNone/>
+              <a:defRPr sz="1600"/>
+            </a:lvl4pPr>
+            <a:lvl5pPr marL="1828800" indent="0">
+              <a:buNone/>
+              <a:defRPr sz="1600"/>
+            </a:lvl5pPr>
+            <a:lvl6pPr marL="2286000" indent="0">
+              <a:buNone/>
+              <a:defRPr sz="1600"/>
+            </a:lvl6pPr>
+            <a:lvl7pPr marL="2743200" indent="0">
+              <a:buNone/>
+              <a:defRPr sz="1600"/>
+            </a:lvl7pPr>
+            <a:lvl8pPr marL="3200400" indent="0">
+              <a:buNone/>
+              <a:defRPr sz="1600"/>
+            </a:lvl8pPr>
+            <a:lvl9pPr marL="3657600" indent="0">
+              <a:buNone/>
+              <a:defRPr sz="1600"/>
+            </a:lvl9pPr>
+          </a:lstStyle>
+          <a:p>
+            <a:r>
+              <a:rPr lang="zh-CN" altLang="en-US"/>
+              <a:t>单击图标添加图片</a:t>
+            </a:r>
+            <a:endParaRPr lang="en-US" dirty="0"/>
+          </a:p>
+        </p:txBody>
+      </p:sp>
+      <p:sp>
+        <p:nvSpPr>
+          <p:cNvPr id="24" name="Text Placeholder 3"/>
+          <p:cNvSpPr>
+            <a:spLocks noGrp="1"/>
+          </p:cNvSpPr>
+          <p:nvPr>
+            <p:ph type="body" sz="half" idx="20"/>
+          </p:nvPr>
+        </p:nvSpPr>
+        <p:spPr>
+          <a:xfrm>
+            <a:off x="7124575" y="4827208"/>
+            <a:ext cx="2935997" cy="659189"/>
+          </a:xfrm>
+        </p:spPr>
+        <p:txBody>
+          <a:bodyPr anchor="t">
+            <a:normAutofit/>
+          </a:bodyPr>
+          <a:lstStyle>
+            <a:lvl1pPr marL="0" indent="0">
+              <a:buNone/>
+              <a:defRPr sz="1400"/>
+            </a:lvl1pPr>
+            <a:lvl2pPr marL="457200" indent="0">
+              <a:buNone/>
+              <a:defRPr sz="1200"/>
+            </a:lvl2pPr>
+            <a:lvl3pPr marL="914400" indent="0">
+              <a:buNone/>
+              <a:defRPr sz="1000"/>
+            </a:lvl3pPr>
+            <a:lvl4pPr marL="1371600" indent="0">
+              <a:buNone/>
+              <a:defRPr sz="900"/>
+            </a:lvl4pPr>
+            <a:lvl5pPr marL="1828800" indent="0">
+              <a:buNone/>
+              <a:defRPr sz="900"/>
+            </a:lvl5pPr>
+            <a:lvl6pPr marL="2286000" indent="0">
+              <a:buNone/>
+              <a:defRPr sz="900"/>
+            </a:lvl6pPr>
+            <a:lvl7pPr marL="2743200" indent="0">
+              <a:buNone/>
+              <a:defRPr sz="900"/>
+            </a:lvl7pPr>
+            <a:lvl8pPr marL="3200400" indent="0">
+              <a:buNone/>
+              <a:defRPr sz="900"/>
+            </a:lvl8pPr>
+            <a:lvl9pPr marL="3657600" indent="0">
+              <a:buNone/>
+              <a:defRPr sz="900"/>
+            </a:lvl9pPr>
+          </a:lstStyle>
+          <a:p>
+            <a:pPr lvl="0"/>
+            <a:r>
+              <a:rPr lang="zh-CN" altLang="en-US"/>
+              <a:t>单击此处编辑母版文本样式</a:t>
+            </a:r>
+          </a:p>
+        </p:txBody>
+      </p:sp>
+      <p:cxnSp>
+        <p:nvCxnSpPr>
+          <p:cNvPr id="17" name="Straight Connector 16"/>
+          <p:cNvCxnSpPr/>
+          <p:nvPr/>
+        </p:nvCxnSpPr>
+        <p:spPr>
+          <a:xfrm>
+            <a:off x="3726142" y="2133600"/>
+            <a:ext cx="0" cy="3962400"/>
+          </a:xfrm>
+          <a:prstGeom prst="line">
+            <a:avLst/>
+          </a:prstGeom>
+          <a:ln w="12700" cmpd="sng">
+            <a:solidFill>
+              <a:schemeClr val="accent1">
+                <a:alpha val="40000"/>
+              </a:schemeClr>
+            </a:solidFill>
+          </a:ln>
+        </p:spPr>
+        <p:style>
+          <a:lnRef idx="2">
+            <a:schemeClr val="accent1"/>
+          </a:lnRef>
+          <a:fillRef idx="0">
+            <a:schemeClr val="accent1"/>
+          </a:fillRef>
+          <a:effectRef idx="1">
+            <a:schemeClr val="accent1"/>
+          </a:effectRef>
+          <a:fontRef idx="minor">
+            <a:schemeClr val="tx1"/>
+          </a:fontRef>
+        </p:style>
+      </p:cxnSp>
+      <p:cxnSp>
+        <p:nvCxnSpPr>
+          <p:cNvPr id="18" name="Straight Connector 17"/>
+          <p:cNvCxnSpPr/>
+          <p:nvPr/>
+        </p:nvCxnSpPr>
+        <p:spPr>
+          <a:xfrm>
+            <a:off x="6962227" y="2133600"/>
+            <a:ext cx="0" cy="3966882"/>
+          </a:xfrm>
+          <a:prstGeom prst="line">
+            <a:avLst/>
+          </a:prstGeom>
+          <a:ln w="12700" cmpd="sng">
+            <a:solidFill>
+              <a:schemeClr val="accent1">
+                <a:alpha val="40000"/>
+              </a:schemeClr>
+            </a:solidFill>
+          </a:ln>
+        </p:spPr>
+        <p:style>
+          <a:lnRef idx="2">
+            <a:schemeClr val="accent1"/>
+          </a:lnRef>
+          <a:fillRef idx="0">
+            <a:schemeClr val="accent1"/>
+          </a:fillRef>
+          <a:effectRef idx="1">
+            <a:schemeClr val="accent1"/>
+          </a:effectRef>
+          <a:fontRef idx="minor">
+            <a:schemeClr val="tx1"/>
+          </a:fontRef>
+        </p:style>
+      </p:cxnSp>
+      <p:sp>
+        <p:nvSpPr>
+          <p:cNvPr id="7" name="Date Placeholder 3"/>
+          <p:cNvSpPr>
+            <a:spLocks noGrp="1"/>
+          </p:cNvSpPr>
+          <p:nvPr>
+            <p:ph type="dt" sz="half" idx="10"/>
+          </p:nvPr>
+        </p:nvSpPr>
+        <p:spPr/>
+        <p:txBody>
+          <a:bodyPr/>
+          <a:lstStyle/>
+          <a:p>
+            <a:fld id="{AD09C881-90A8-46F5-914E-732915AF5BE6}" type="datetimeFigureOut">
+              <a:rPr lang="zh-CN" altLang="en-US" smtClean="0"/>
+              <a:t>2021/1/14</a:t>
+            </a:fld>
+            <a:endParaRPr lang="zh-CN" altLang="en-US"/>
+          </a:p>
+        </p:txBody>
+      </p:sp>
+      <p:sp>
+        <p:nvSpPr>
+          <p:cNvPr id="4" name="Footer Placeholder 4"/>
+          <p:cNvSpPr>
+            <a:spLocks noGrp="1"/>
+          </p:cNvSpPr>
+          <p:nvPr>
+            <p:ph type="ftr" sz="quarter" idx="11"/>
+          </p:nvPr>
+        </p:nvSpPr>
+        <p:spPr/>
+        <p:txBody>
+          <a:bodyPr/>
+          <a:lstStyle/>
+          <a:p>
+            <a:endParaRPr lang="zh-CN" altLang="en-US"/>
+          </a:p>
+        </p:txBody>
+      </p:sp>
+      <p:sp>
+        <p:nvSpPr>
+          <p:cNvPr id="6" name="Slide Number Placeholder 5"/>
+          <p:cNvSpPr>
+            <a:spLocks noGrp="1"/>
+          </p:cNvSpPr>
+          <p:nvPr>
+            <p:ph type="sldNum" sz="quarter" idx="12"/>
+          </p:nvPr>
+        </p:nvSpPr>
+        <p:spPr/>
+        <p:txBody>
+          <a:bodyPr/>
+          <a:lstStyle/>
+          <a:p>
+            <a:fld id="{F5F58BB1-2501-4C4B-9BA2-0822B7FE606A}" type="slidenum">
+              <a:rPr lang="zh-CN" altLang="en-US" smtClean="0"/>
+              <a:t>‹#›</a:t>
+            </a:fld>
+            <a:endParaRPr lang="zh-CN" altLang="en-US"/>
+          </a:p>
+        </p:txBody>
+      </p:sp>
+    </p:spTree>
+    <p:extLst>
+      <p:ext uri="{BB962C8B-B14F-4D97-AF65-F5344CB8AC3E}">
+        <p14:creationId xmlns:p14="http://schemas.microsoft.com/office/powerpoint/2010/main" val="4241630875"/>
+      </p:ext>
+    </p:extLst>
+  </p:cSld>
+  <p:clrMapOvr>
+    <a:masterClrMapping/>
+  </p:clrMapOvr>
+</p:sldLayout>
+</file>
+
+<file path=ppt/slideLayouts/slideLayout16.xml><?xml version="1.0" encoding="utf-8"?>
 <p:sldLayout xmlns:a="http://schemas.openxmlformats.org/drawingml/2006/main" xmlns:r="http://schemas.openxmlformats.org/officeDocument/2006/relationships" xmlns:p="http://schemas.openxmlformats.org/presentationml/2006/main" type="vertTx" preserve="1">
   <p:cSld name="标题和竖排文字">
     <p:spTree>
@@ -363,13 +3265,7 @@
       </p:grpSpPr>
       <p:sp>
         <p:nvSpPr>
-          <p:cNvPr id="2" name="标题 1">
-            <a:extLst>
-              <a:ext uri="{FF2B5EF4-FFF2-40B4-BE49-F238E27FC236}">
-                <a16:creationId xmlns:a16="http://schemas.microsoft.com/office/drawing/2014/main" id="{35A9F15A-0F0B-4C30-8111-DC02E02453F4}"/>
-              </a:ext>
-            </a:extLst>
-          </p:cNvPr>
+          <p:cNvPr id="2" name="Title 1"/>
           <p:cNvSpPr>
             <a:spLocks noGrp="1"/>
           </p:cNvSpPr>
@@ -386,18 +3282,13 @@
               <a:rPr lang="zh-CN" altLang="en-US"/>
               <a:t>单击此处编辑母版标题样式</a:t>
             </a:r>
-          </a:p>
-        </p:txBody>
-      </p:sp>
-      <p:sp>
-        <p:nvSpPr>
-          <p:cNvPr id="3" name="竖排文字占位符 2">
-            <a:extLst>
-              <a:ext uri="{FF2B5EF4-FFF2-40B4-BE49-F238E27FC236}">
-                <a16:creationId xmlns:a16="http://schemas.microsoft.com/office/drawing/2014/main" id="{1DED1D89-AF31-4493-9497-AA2AD742FFE0}"/>
-              </a:ext>
-            </a:extLst>
-          </p:cNvPr>
+            <a:endParaRPr lang="en-US" dirty="0"/>
+          </a:p>
+        </p:txBody>
+      </p:sp>
+      <p:sp>
+        <p:nvSpPr>
+          <p:cNvPr id="3" name="Vertical Text Placeholder 2"/>
           <p:cNvSpPr>
             <a:spLocks noGrp="1"/>
           </p:cNvSpPr>
@@ -407,7 +3298,7 @@
         </p:nvSpPr>
         <p:spPr/>
         <p:txBody>
-          <a:bodyPr vert="eaVert"/>
+          <a:bodyPr vert="eaVert" anchor="t" anchorCtr="0"/>
           <a:lstStyle/>
           <a:p>
             <a:pPr lvl="0"/>
@@ -443,18 +3334,13 @@
               <a:rPr lang="zh-CN" altLang="en-US"/>
               <a:t>五级</a:t>
             </a:r>
-          </a:p>
-        </p:txBody>
-      </p:sp>
-      <p:sp>
-        <p:nvSpPr>
-          <p:cNvPr id="4" name="日期占位符 3">
-            <a:extLst>
-              <a:ext uri="{FF2B5EF4-FFF2-40B4-BE49-F238E27FC236}">
-                <a16:creationId xmlns:a16="http://schemas.microsoft.com/office/drawing/2014/main" id="{85B91F28-AF15-44D0-8187-99C75702AB72}"/>
-              </a:ext>
-            </a:extLst>
-          </p:cNvPr>
+            <a:endParaRPr lang="en-US" dirty="0"/>
+          </a:p>
+        </p:txBody>
+      </p:sp>
+      <p:sp>
+        <p:nvSpPr>
+          <p:cNvPr id="4" name="Date Placeholder 3"/>
           <p:cNvSpPr>
             <a:spLocks noGrp="1"/>
           </p:cNvSpPr>
@@ -469,7 +3355,7 @@
           <a:p>
             <a:fld id="{AD09C881-90A8-46F5-914E-732915AF5BE6}" type="datetimeFigureOut">
               <a:rPr lang="zh-CN" altLang="en-US" smtClean="0"/>
-              <a:t>2020/12/21</a:t>
+              <a:t>2021/1/14</a:t>
             </a:fld>
             <a:endParaRPr lang="zh-CN" altLang="en-US"/>
           </a:p>
@@ -477,13 +3363,7 @@
       </p:sp>
       <p:sp>
         <p:nvSpPr>
-          <p:cNvPr id="5" name="页脚占位符 4">
-            <a:extLst>
-              <a:ext uri="{FF2B5EF4-FFF2-40B4-BE49-F238E27FC236}">
-                <a16:creationId xmlns:a16="http://schemas.microsoft.com/office/drawing/2014/main" id="{16262BBC-D324-4808-89E5-47B9C78826E2}"/>
-              </a:ext>
-            </a:extLst>
-          </p:cNvPr>
+          <p:cNvPr id="5" name="Footer Placeholder 4"/>
           <p:cNvSpPr>
             <a:spLocks noGrp="1"/>
           </p:cNvSpPr>
@@ -502,13 +3382,7 @@
       </p:sp>
       <p:sp>
         <p:nvSpPr>
-          <p:cNvPr id="6" name="灯片编号占位符 5">
-            <a:extLst>
-              <a:ext uri="{FF2B5EF4-FFF2-40B4-BE49-F238E27FC236}">
-                <a16:creationId xmlns:a16="http://schemas.microsoft.com/office/drawing/2014/main" id="{DA733D7A-59C4-4789-8291-2BE8C3D02A82}"/>
-              </a:ext>
-            </a:extLst>
-          </p:cNvPr>
+          <p:cNvPr id="6" name="Slide Number Placeholder 5"/>
           <p:cNvSpPr>
             <a:spLocks noGrp="1"/>
           </p:cNvSpPr>
@@ -532,7 +3406,7 @@
     </p:spTree>
     <p:extLst>
       <p:ext uri="{BB962C8B-B14F-4D97-AF65-F5344CB8AC3E}">
-        <p14:creationId xmlns:p14="http://schemas.microsoft.com/office/powerpoint/2010/main" val="3886062381"/>
+        <p14:creationId xmlns:p14="http://schemas.microsoft.com/office/powerpoint/2010/main" val="1608733047"/>
       </p:ext>
     </p:extLst>
   </p:cSld>
@@ -542,7 +3416,7 @@
 </p:sldLayout>
 </file>
 
-<file path=ppt/slideLayouts/slideLayout11.xml><?xml version="1.0" encoding="utf-8"?>
+<file path=ppt/slideLayouts/slideLayout17.xml><?xml version="1.0" encoding="utf-8"?>
 <p:sldLayout xmlns:a="http://schemas.openxmlformats.org/drawingml/2006/main" xmlns:r="http://schemas.openxmlformats.org/officeDocument/2006/relationships" xmlns:p="http://schemas.openxmlformats.org/presentationml/2006/main" type="vertTitleAndTx" preserve="1">
   <p:cSld name="竖排标题与文本">
     <p:spTree>
@@ -561,13 +3435,7 @@
       </p:grpSpPr>
       <p:sp>
         <p:nvSpPr>
-          <p:cNvPr id="2" name="竖排标题 1">
-            <a:extLst>
-              <a:ext uri="{FF2B5EF4-FFF2-40B4-BE49-F238E27FC236}">
-                <a16:creationId xmlns:a16="http://schemas.microsoft.com/office/drawing/2014/main" id="{E31EC9A6-11DD-4E00-A6BC-AB61E5C46454}"/>
-              </a:ext>
-            </a:extLst>
-          </p:cNvPr>
+          <p:cNvPr id="2" name="Vertical Title 1"/>
           <p:cNvSpPr>
             <a:spLocks noGrp="1"/>
           </p:cNvSpPr>
@@ -577,47 +3445,42 @@
         </p:nvSpPr>
         <p:spPr>
           <a:xfrm>
-            <a:off x="8724900" y="365125"/>
-            <a:ext cx="2628900" cy="5811838"/>
+            <a:off x="8304212" y="430213"/>
+            <a:ext cx="1752601" cy="5826125"/>
           </a:xfrm>
         </p:spPr>
         <p:txBody>
+          <a:bodyPr vert="eaVert" anchor="b" anchorCtr="0"/>
+          <a:lstStyle/>
+          <a:p>
+            <a:r>
+              <a:rPr lang="zh-CN" altLang="en-US"/>
+              <a:t>单击此处编辑母版标题样式</a:t>
+            </a:r>
+            <a:endParaRPr lang="en-US" dirty="0"/>
+          </a:p>
+        </p:txBody>
+      </p:sp>
+      <p:sp>
+        <p:nvSpPr>
+          <p:cNvPr id="3" name="Vertical Text Placeholder 2"/>
+          <p:cNvSpPr>
+            <a:spLocks noGrp="1"/>
+          </p:cNvSpPr>
+          <p:nvPr>
+            <p:ph type="body" orient="vert" idx="1"/>
+          </p:nvPr>
+        </p:nvSpPr>
+        <p:spPr>
+          <a:xfrm>
+            <a:off x="652463" y="887414"/>
+            <a:ext cx="7423149" cy="5368924"/>
+          </a:xfrm>
+        </p:spPr>
+        <p:txBody>
           <a:bodyPr vert="eaVert"/>
           <a:lstStyle/>
           <a:p>
-            <a:r>
-              <a:rPr lang="zh-CN" altLang="en-US"/>
-              <a:t>单击此处编辑母版标题样式</a:t>
-            </a:r>
-          </a:p>
-        </p:txBody>
-      </p:sp>
-      <p:sp>
-        <p:nvSpPr>
-          <p:cNvPr id="3" name="竖排文字占位符 2">
-            <a:extLst>
-              <a:ext uri="{FF2B5EF4-FFF2-40B4-BE49-F238E27FC236}">
-                <a16:creationId xmlns:a16="http://schemas.microsoft.com/office/drawing/2014/main" id="{63F6903C-F87B-4D17-B704-40E22FC65F5E}"/>
-              </a:ext>
-            </a:extLst>
-          </p:cNvPr>
-          <p:cNvSpPr>
-            <a:spLocks noGrp="1"/>
-          </p:cNvSpPr>
-          <p:nvPr>
-            <p:ph type="body" orient="vert" idx="1"/>
-          </p:nvPr>
-        </p:nvSpPr>
-        <p:spPr>
-          <a:xfrm>
-            <a:off x="838200" y="365125"/>
-            <a:ext cx="7734300" cy="5811838"/>
-          </a:xfrm>
-        </p:spPr>
-        <p:txBody>
-          <a:bodyPr vert="eaVert"/>
-          <a:lstStyle/>
-          <a:p>
             <a:pPr lvl="0"/>
             <a:r>
               <a:rPr lang="zh-CN" altLang="en-US"/>
@@ -651,18 +3514,13 @@
               <a:rPr lang="zh-CN" altLang="en-US"/>
               <a:t>五级</a:t>
             </a:r>
-          </a:p>
-        </p:txBody>
-      </p:sp>
-      <p:sp>
-        <p:nvSpPr>
-          <p:cNvPr id="4" name="日期占位符 3">
-            <a:extLst>
-              <a:ext uri="{FF2B5EF4-FFF2-40B4-BE49-F238E27FC236}">
-                <a16:creationId xmlns:a16="http://schemas.microsoft.com/office/drawing/2014/main" id="{AE72F33A-E23F-40BA-941B-2C731928960E}"/>
-              </a:ext>
-            </a:extLst>
-          </p:cNvPr>
+            <a:endParaRPr lang="en-US" dirty="0"/>
+          </a:p>
+        </p:txBody>
+      </p:sp>
+      <p:sp>
+        <p:nvSpPr>
+          <p:cNvPr id="4" name="Date Placeholder 3"/>
           <p:cNvSpPr>
             <a:spLocks noGrp="1"/>
           </p:cNvSpPr>
@@ -677,7 +3535,7 @@
           <a:p>
             <a:fld id="{AD09C881-90A8-46F5-914E-732915AF5BE6}" type="datetimeFigureOut">
               <a:rPr lang="zh-CN" altLang="en-US" smtClean="0"/>
-              <a:t>2020/12/21</a:t>
+              <a:t>2021/1/14</a:t>
             </a:fld>
             <a:endParaRPr lang="zh-CN" altLang="en-US"/>
           </a:p>
@@ -685,13 +3543,7 @@
       </p:sp>
       <p:sp>
         <p:nvSpPr>
-          <p:cNvPr id="5" name="页脚占位符 4">
-            <a:extLst>
-              <a:ext uri="{FF2B5EF4-FFF2-40B4-BE49-F238E27FC236}">
-                <a16:creationId xmlns:a16="http://schemas.microsoft.com/office/drawing/2014/main" id="{4DA44DC4-04CF-44A9-A80B-7E514F4D91B4}"/>
-              </a:ext>
-            </a:extLst>
-          </p:cNvPr>
+          <p:cNvPr id="5" name="Footer Placeholder 4"/>
           <p:cNvSpPr>
             <a:spLocks noGrp="1"/>
           </p:cNvSpPr>
@@ -710,13 +3562,7 @@
       </p:sp>
       <p:sp>
         <p:nvSpPr>
-          <p:cNvPr id="6" name="灯片编号占位符 5">
-            <a:extLst>
-              <a:ext uri="{FF2B5EF4-FFF2-40B4-BE49-F238E27FC236}">
-                <a16:creationId xmlns:a16="http://schemas.microsoft.com/office/drawing/2014/main" id="{BAB49534-963E-46F7-94FF-4B28EAA0A79D}"/>
-              </a:ext>
-            </a:extLst>
-          </p:cNvPr>
+          <p:cNvPr id="6" name="Slide Number Placeholder 5"/>
           <p:cNvSpPr>
             <a:spLocks noGrp="1"/>
           </p:cNvSpPr>
@@ -740,7 +3586,7 @@
     </p:spTree>
     <p:extLst>
       <p:ext uri="{BB962C8B-B14F-4D97-AF65-F5344CB8AC3E}">
-        <p14:creationId xmlns:p14="http://schemas.microsoft.com/office/powerpoint/2010/main" val="3290330871"/>
+        <p14:creationId xmlns:p14="http://schemas.microsoft.com/office/powerpoint/2010/main" val="506065775"/>
       </p:ext>
     </p:extLst>
   </p:cSld>
@@ -769,13 +3615,7 @@
       </p:grpSpPr>
       <p:sp>
         <p:nvSpPr>
-          <p:cNvPr id="2" name="标题 1">
-            <a:extLst>
-              <a:ext uri="{FF2B5EF4-FFF2-40B4-BE49-F238E27FC236}">
-                <a16:creationId xmlns:a16="http://schemas.microsoft.com/office/drawing/2014/main" id="{BF8EB4BC-A5AD-487E-8BE4-5425DF4171F8}"/>
-              </a:ext>
-            </a:extLst>
-          </p:cNvPr>
+          <p:cNvPr id="2" name="Title 1"/>
           <p:cNvSpPr>
             <a:spLocks noGrp="1"/>
           </p:cNvSpPr>
@@ -792,18 +3632,13 @@
               <a:rPr lang="zh-CN" altLang="en-US"/>
               <a:t>单击此处编辑母版标题样式</a:t>
             </a:r>
-          </a:p>
-        </p:txBody>
-      </p:sp>
-      <p:sp>
-        <p:nvSpPr>
-          <p:cNvPr id="3" name="内容占位符 2">
-            <a:extLst>
-              <a:ext uri="{FF2B5EF4-FFF2-40B4-BE49-F238E27FC236}">
-                <a16:creationId xmlns:a16="http://schemas.microsoft.com/office/drawing/2014/main" id="{52FA0AAB-0427-440A-AFC1-0160C9913296}"/>
-              </a:ext>
-            </a:extLst>
-          </p:cNvPr>
+            <a:endParaRPr lang="en-US" dirty="0"/>
+          </a:p>
+        </p:txBody>
+      </p:sp>
+      <p:sp>
+        <p:nvSpPr>
+          <p:cNvPr id="3" name="Content Placeholder 2"/>
           <p:cNvSpPr>
             <a:spLocks noGrp="1"/>
           </p:cNvSpPr>
@@ -849,18 +3684,13 @@
               <a:rPr lang="zh-CN" altLang="en-US"/>
               <a:t>五级</a:t>
             </a:r>
-          </a:p>
-        </p:txBody>
-      </p:sp>
-      <p:sp>
-        <p:nvSpPr>
-          <p:cNvPr id="4" name="日期占位符 3">
-            <a:extLst>
-              <a:ext uri="{FF2B5EF4-FFF2-40B4-BE49-F238E27FC236}">
-                <a16:creationId xmlns:a16="http://schemas.microsoft.com/office/drawing/2014/main" id="{40C8147B-F721-4B23-8E09-D0961F8B833B}"/>
-              </a:ext>
-            </a:extLst>
-          </p:cNvPr>
+            <a:endParaRPr lang="en-US" dirty="0"/>
+          </a:p>
+        </p:txBody>
+      </p:sp>
+      <p:sp>
+        <p:nvSpPr>
+          <p:cNvPr id="4" name="Date Placeholder 3"/>
           <p:cNvSpPr>
             <a:spLocks noGrp="1"/>
           </p:cNvSpPr>
@@ -875,7 +3705,7 @@
           <a:p>
             <a:fld id="{AD09C881-90A8-46F5-914E-732915AF5BE6}" type="datetimeFigureOut">
               <a:rPr lang="zh-CN" altLang="en-US" smtClean="0"/>
-              <a:t>2020/12/21</a:t>
+              <a:t>2021/1/14</a:t>
             </a:fld>
             <a:endParaRPr lang="zh-CN" altLang="en-US"/>
           </a:p>
@@ -883,13 +3713,7 @@
       </p:sp>
       <p:sp>
         <p:nvSpPr>
-          <p:cNvPr id="5" name="页脚占位符 4">
-            <a:extLst>
-              <a:ext uri="{FF2B5EF4-FFF2-40B4-BE49-F238E27FC236}">
-                <a16:creationId xmlns:a16="http://schemas.microsoft.com/office/drawing/2014/main" id="{C024E078-2768-4D91-8E90-03C632E5138A}"/>
-              </a:ext>
-            </a:extLst>
-          </p:cNvPr>
+          <p:cNvPr id="5" name="Footer Placeholder 4"/>
           <p:cNvSpPr>
             <a:spLocks noGrp="1"/>
           </p:cNvSpPr>
@@ -908,13 +3732,7 @@
       </p:sp>
       <p:sp>
         <p:nvSpPr>
-          <p:cNvPr id="6" name="灯片编号占位符 5">
-            <a:extLst>
-              <a:ext uri="{FF2B5EF4-FFF2-40B4-BE49-F238E27FC236}">
-                <a16:creationId xmlns:a16="http://schemas.microsoft.com/office/drawing/2014/main" id="{FCC024A0-3043-4E0A-86AD-5D0DED56CC61}"/>
-              </a:ext>
-            </a:extLst>
-          </p:cNvPr>
+          <p:cNvPr id="6" name="Slide Number Placeholder 5"/>
           <p:cNvSpPr>
             <a:spLocks noGrp="1"/>
           </p:cNvSpPr>
@@ -938,7 +3756,7 @@
     </p:spTree>
     <p:extLst>
       <p:ext uri="{BB962C8B-B14F-4D97-AF65-F5344CB8AC3E}">
-        <p14:creationId xmlns:p14="http://schemas.microsoft.com/office/powerpoint/2010/main" val="1216488419"/>
+        <p14:creationId xmlns:p14="http://schemas.microsoft.com/office/powerpoint/2010/main" val="3864564920"/>
       </p:ext>
     </p:extLst>
   </p:cSld>
@@ -967,13 +3785,7 @@
       </p:grpSpPr>
       <p:sp>
         <p:nvSpPr>
-          <p:cNvPr id="2" name="标题 1">
-            <a:extLst>
-              <a:ext uri="{FF2B5EF4-FFF2-40B4-BE49-F238E27FC236}">
-                <a16:creationId xmlns:a16="http://schemas.microsoft.com/office/drawing/2014/main" id="{8E1FD7C5-A6F4-49DC-BFCF-05C7FDB42683}"/>
-              </a:ext>
-            </a:extLst>
-          </p:cNvPr>
+          <p:cNvPr id="2" name="Title 1"/>
           <p:cNvSpPr>
             <a:spLocks noGrp="1"/>
           </p:cNvSpPr>
@@ -983,15 +3795,15 @@
         </p:nvSpPr>
         <p:spPr>
           <a:xfrm>
-            <a:off x="831850" y="1709738"/>
-            <a:ext cx="10515600" cy="2852737"/>
+            <a:off x="1154956" y="2861733"/>
+            <a:ext cx="8825657" cy="1915647"/>
           </a:xfrm>
         </p:spPr>
         <p:txBody>
           <a:bodyPr anchor="b"/>
           <a:lstStyle>
-            <a:lvl1pPr>
-              <a:defRPr sz="6000"/>
+            <a:lvl1pPr algn="l">
+              <a:defRPr sz="4000" b="0" cap="none"/>
             </a:lvl1pPr>
           </a:lstStyle>
           <a:p>
@@ -999,18 +3811,13 @@
               <a:rPr lang="zh-CN" altLang="en-US"/>
               <a:t>单击此处编辑母版标题样式</a:t>
             </a:r>
-          </a:p>
-        </p:txBody>
-      </p:sp>
-      <p:sp>
-        <p:nvSpPr>
-          <p:cNvPr id="3" name="文本占位符 2">
-            <a:extLst>
-              <a:ext uri="{FF2B5EF4-FFF2-40B4-BE49-F238E27FC236}">
-                <a16:creationId xmlns:a16="http://schemas.microsoft.com/office/drawing/2014/main" id="{62A88D13-EC26-4C4B-A00A-1936CE3EACEE}"/>
-              </a:ext>
-            </a:extLst>
-          </p:cNvPr>
+            <a:endParaRPr lang="en-US" dirty="0"/>
+          </a:p>
+        </p:txBody>
+      </p:sp>
+      <p:sp>
+        <p:nvSpPr>
+          <p:cNvPr id="3" name="Text Placeholder 2"/>
           <p:cNvSpPr>
             <a:spLocks noGrp="1"/>
           </p:cNvSpPr>
@@ -1020,26 +3827,24 @@
         </p:nvSpPr>
         <p:spPr>
           <a:xfrm>
-            <a:off x="831850" y="4589463"/>
-            <a:ext cx="10515600" cy="1500187"/>
+            <a:off x="1154955" y="4777381"/>
+            <a:ext cx="8825658" cy="860400"/>
           </a:xfrm>
         </p:spPr>
         <p:txBody>
-          <a:bodyPr/>
+          <a:bodyPr anchor="t"/>
           <a:lstStyle>
-            <a:lvl1pPr marL="0" indent="0">
-              <a:buNone/>
-              <a:defRPr sz="2400">
+            <a:lvl1pPr marL="0" indent="0" algn="l">
+              <a:buNone/>
+              <a:defRPr sz="2000" cap="all">
                 <a:solidFill>
-                  <a:schemeClr val="tx1">
-                    <a:tint val="75000"/>
-                  </a:schemeClr>
+                  <a:schemeClr val="accent1"/>
                 </a:solidFill>
               </a:defRPr>
             </a:lvl1pPr>
             <a:lvl2pPr marL="457200" indent="0">
               <a:buNone/>
-              <a:defRPr sz="2000">
+              <a:defRPr sz="1800">
                 <a:solidFill>
                   <a:schemeClr val="tx1">
                     <a:tint val="75000"/>
@@ -1049,7 +3854,7 @@
             </a:lvl2pPr>
             <a:lvl3pPr marL="914400" indent="0">
               <a:buNone/>
-              <a:defRPr sz="1800">
+              <a:defRPr sz="1600">
                 <a:solidFill>
                   <a:schemeClr val="tx1">
                     <a:tint val="75000"/>
@@ -1059,7 +3864,7 @@
             </a:lvl3pPr>
             <a:lvl4pPr marL="1371600" indent="0">
               <a:buNone/>
-              <a:defRPr sz="1600">
+              <a:defRPr sz="1400">
                 <a:solidFill>
                   <a:schemeClr val="tx1">
                     <a:tint val="75000"/>
@@ -1069,7 +3874,7 @@
             </a:lvl4pPr>
             <a:lvl5pPr marL="1828800" indent="0">
               <a:buNone/>
-              <a:defRPr sz="1600">
+              <a:defRPr sz="1400">
                 <a:solidFill>
                   <a:schemeClr val="tx1">
                     <a:tint val="75000"/>
@@ -1079,7 +3884,7 @@
             </a:lvl5pPr>
             <a:lvl6pPr marL="2286000" indent="0">
               <a:buNone/>
-              <a:defRPr sz="1600">
+              <a:defRPr sz="1400">
                 <a:solidFill>
                   <a:schemeClr val="tx1">
                     <a:tint val="75000"/>
@@ -1089,7 +3894,7 @@
             </a:lvl6pPr>
             <a:lvl7pPr marL="2743200" indent="0">
               <a:buNone/>
-              <a:defRPr sz="1600">
+              <a:defRPr sz="1400">
                 <a:solidFill>
                   <a:schemeClr val="tx1">
                     <a:tint val="75000"/>
@@ -1099,7 +3904,7 @@
             </a:lvl7pPr>
             <a:lvl8pPr marL="3200400" indent="0">
               <a:buNone/>
-              <a:defRPr sz="1600">
+              <a:defRPr sz="1400">
                 <a:solidFill>
                   <a:schemeClr val="tx1">
                     <a:tint val="75000"/>
@@ -1109,7 +3914,7 @@
             </a:lvl8pPr>
             <a:lvl9pPr marL="3657600" indent="0">
               <a:buNone/>
-              <a:defRPr sz="1600">
+              <a:defRPr sz="1400">
                 <a:solidFill>
                   <a:schemeClr val="tx1">
                     <a:tint val="75000"/>
@@ -1129,13 +3934,7 @@
       </p:sp>
       <p:sp>
         <p:nvSpPr>
-          <p:cNvPr id="4" name="日期占位符 3">
-            <a:extLst>
-              <a:ext uri="{FF2B5EF4-FFF2-40B4-BE49-F238E27FC236}">
-                <a16:creationId xmlns:a16="http://schemas.microsoft.com/office/drawing/2014/main" id="{99372474-47FC-48BB-AE10-68BF81D94801}"/>
-              </a:ext>
-            </a:extLst>
-          </p:cNvPr>
+          <p:cNvPr id="4" name="Date Placeholder 3"/>
           <p:cNvSpPr>
             <a:spLocks noGrp="1"/>
           </p:cNvSpPr>
@@ -1150,7 +3949,7 @@
           <a:p>
             <a:fld id="{AD09C881-90A8-46F5-914E-732915AF5BE6}" type="datetimeFigureOut">
               <a:rPr lang="zh-CN" altLang="en-US" smtClean="0"/>
-              <a:t>2020/12/21</a:t>
+              <a:t>2021/1/14</a:t>
             </a:fld>
             <a:endParaRPr lang="zh-CN" altLang="en-US"/>
           </a:p>
@@ -1158,13 +3957,7 @@
       </p:sp>
       <p:sp>
         <p:nvSpPr>
-          <p:cNvPr id="5" name="页脚占位符 4">
-            <a:extLst>
-              <a:ext uri="{FF2B5EF4-FFF2-40B4-BE49-F238E27FC236}">
-                <a16:creationId xmlns:a16="http://schemas.microsoft.com/office/drawing/2014/main" id="{2E399DE8-7842-493E-9D21-C1C85B7D4917}"/>
-              </a:ext>
-            </a:extLst>
-          </p:cNvPr>
+          <p:cNvPr id="5" name="Footer Placeholder 4"/>
           <p:cNvSpPr>
             <a:spLocks noGrp="1"/>
           </p:cNvSpPr>
@@ -1183,13 +3976,7 @@
       </p:sp>
       <p:sp>
         <p:nvSpPr>
-          <p:cNvPr id="6" name="灯片编号占位符 5">
-            <a:extLst>
-              <a:ext uri="{FF2B5EF4-FFF2-40B4-BE49-F238E27FC236}">
-                <a16:creationId xmlns:a16="http://schemas.microsoft.com/office/drawing/2014/main" id="{1AD322DD-628D-48B0-A836-741C4D12A576}"/>
-              </a:ext>
-            </a:extLst>
-          </p:cNvPr>
+          <p:cNvPr id="6" name="Slide Number Placeholder 5"/>
           <p:cNvSpPr>
             <a:spLocks noGrp="1"/>
           </p:cNvSpPr>
@@ -1213,7 +4000,7 @@
     </p:spTree>
     <p:extLst>
       <p:ext uri="{BB962C8B-B14F-4D97-AF65-F5344CB8AC3E}">
-        <p14:creationId xmlns:p14="http://schemas.microsoft.com/office/powerpoint/2010/main" val="1708481330"/>
+        <p14:creationId xmlns:p14="http://schemas.microsoft.com/office/powerpoint/2010/main" val="278388597"/>
       </p:ext>
     </p:extLst>
   </p:cSld>
@@ -1242,13 +4029,7 @@
       </p:grpSpPr>
       <p:sp>
         <p:nvSpPr>
-          <p:cNvPr id="2" name="标题 1">
-            <a:extLst>
-              <a:ext uri="{FF2B5EF4-FFF2-40B4-BE49-F238E27FC236}">
-                <a16:creationId xmlns:a16="http://schemas.microsoft.com/office/drawing/2014/main" id="{55CE079F-0278-4390-BBD7-912A54ACF199}"/>
-              </a:ext>
-            </a:extLst>
-          </p:cNvPr>
+          <p:cNvPr id="2" name="Title 1"/>
           <p:cNvSpPr>
             <a:spLocks noGrp="1"/>
           </p:cNvSpPr>
@@ -1265,18 +4046,13 @@
               <a:rPr lang="zh-CN" altLang="en-US"/>
               <a:t>单击此处编辑母版标题样式</a:t>
             </a:r>
-          </a:p>
-        </p:txBody>
-      </p:sp>
-      <p:sp>
-        <p:nvSpPr>
-          <p:cNvPr id="3" name="内容占位符 2">
-            <a:extLst>
-              <a:ext uri="{FF2B5EF4-FFF2-40B4-BE49-F238E27FC236}">
-                <a16:creationId xmlns:a16="http://schemas.microsoft.com/office/drawing/2014/main" id="{73C92585-DF47-489B-973D-677E4543309B}"/>
-              </a:ext>
-            </a:extLst>
-          </p:cNvPr>
+            <a:endParaRPr lang="en-US" dirty="0"/>
+          </a:p>
+        </p:txBody>
+      </p:sp>
+      <p:sp>
+        <p:nvSpPr>
+          <p:cNvPr id="3" name="Content Placeholder 2"/>
           <p:cNvSpPr>
             <a:spLocks noGrp="1"/>
           </p:cNvSpPr>
@@ -1286,175 +4062,213 @@
         </p:nvSpPr>
         <p:spPr>
           <a:xfrm>
-            <a:off x="838200" y="1825625"/>
-            <a:ext cx="5181600" cy="4351338"/>
+            <a:off x="1103312" y="2060575"/>
+            <a:ext cx="4396339" cy="4195763"/>
           </a:xfrm>
         </p:spPr>
         <p:txBody>
+          <a:bodyPr>
+            <a:normAutofit/>
+          </a:bodyPr>
+          <a:lstStyle>
+            <a:lvl1pPr>
+              <a:defRPr sz="1800"/>
+            </a:lvl1pPr>
+            <a:lvl2pPr>
+              <a:defRPr sz="1600"/>
+            </a:lvl2pPr>
+            <a:lvl3pPr>
+              <a:defRPr sz="1400"/>
+            </a:lvl3pPr>
+            <a:lvl4pPr>
+              <a:defRPr sz="1200"/>
+            </a:lvl4pPr>
+            <a:lvl5pPr>
+              <a:defRPr sz="1200"/>
+            </a:lvl5pPr>
+            <a:lvl6pPr>
+              <a:defRPr sz="1200"/>
+            </a:lvl6pPr>
+            <a:lvl7pPr>
+              <a:defRPr sz="1200"/>
+            </a:lvl7pPr>
+            <a:lvl8pPr>
+              <a:defRPr sz="1200"/>
+            </a:lvl8pPr>
+            <a:lvl9pPr>
+              <a:defRPr sz="1200"/>
+            </a:lvl9pPr>
+          </a:lstStyle>
+          <a:p>
+            <a:pPr lvl="0"/>
+            <a:r>
+              <a:rPr lang="zh-CN" altLang="en-US"/>
+              <a:t>单击此处编辑母版文本样式</a:t>
+            </a:r>
+          </a:p>
+          <a:p>
+            <a:pPr lvl="1"/>
+            <a:r>
+              <a:rPr lang="zh-CN" altLang="en-US"/>
+              <a:t>二级</a:t>
+            </a:r>
+          </a:p>
+          <a:p>
+            <a:pPr lvl="2"/>
+            <a:r>
+              <a:rPr lang="zh-CN" altLang="en-US"/>
+              <a:t>三级</a:t>
+            </a:r>
+          </a:p>
+          <a:p>
+            <a:pPr lvl="3"/>
+            <a:r>
+              <a:rPr lang="zh-CN" altLang="en-US"/>
+              <a:t>四级</a:t>
+            </a:r>
+          </a:p>
+          <a:p>
+            <a:pPr lvl="4"/>
+            <a:r>
+              <a:rPr lang="zh-CN" altLang="en-US"/>
+              <a:t>五级</a:t>
+            </a:r>
+            <a:endParaRPr lang="en-US" dirty="0"/>
+          </a:p>
+        </p:txBody>
+      </p:sp>
+      <p:sp>
+        <p:nvSpPr>
+          <p:cNvPr id="4" name="Content Placeholder 3"/>
+          <p:cNvSpPr>
+            <a:spLocks noGrp="1"/>
+          </p:cNvSpPr>
+          <p:nvPr>
+            <p:ph sz="half" idx="2"/>
+          </p:nvPr>
+        </p:nvSpPr>
+        <p:spPr>
+          <a:xfrm>
+            <a:off x="5654493" y="2056092"/>
+            <a:ext cx="4396341" cy="4200245"/>
+          </a:xfrm>
+        </p:spPr>
+        <p:txBody>
+          <a:bodyPr>
+            <a:normAutofit/>
+          </a:bodyPr>
+          <a:lstStyle>
+            <a:lvl1pPr>
+              <a:defRPr sz="1800"/>
+            </a:lvl1pPr>
+            <a:lvl2pPr>
+              <a:defRPr sz="1600"/>
+            </a:lvl2pPr>
+            <a:lvl3pPr>
+              <a:defRPr sz="1400"/>
+            </a:lvl3pPr>
+            <a:lvl4pPr>
+              <a:defRPr sz="1200"/>
+            </a:lvl4pPr>
+            <a:lvl5pPr>
+              <a:defRPr sz="1200"/>
+            </a:lvl5pPr>
+            <a:lvl6pPr>
+              <a:defRPr sz="1200"/>
+            </a:lvl6pPr>
+            <a:lvl7pPr>
+              <a:defRPr sz="1200"/>
+            </a:lvl7pPr>
+            <a:lvl8pPr>
+              <a:defRPr sz="1200"/>
+            </a:lvl8pPr>
+            <a:lvl9pPr>
+              <a:defRPr sz="1200"/>
+            </a:lvl9pPr>
+          </a:lstStyle>
+          <a:p>
+            <a:pPr lvl="0"/>
+            <a:r>
+              <a:rPr lang="zh-CN" altLang="en-US"/>
+              <a:t>单击此处编辑母版文本样式</a:t>
+            </a:r>
+          </a:p>
+          <a:p>
+            <a:pPr lvl="1"/>
+            <a:r>
+              <a:rPr lang="zh-CN" altLang="en-US"/>
+              <a:t>二级</a:t>
+            </a:r>
+          </a:p>
+          <a:p>
+            <a:pPr lvl="2"/>
+            <a:r>
+              <a:rPr lang="zh-CN" altLang="en-US"/>
+              <a:t>三级</a:t>
+            </a:r>
+          </a:p>
+          <a:p>
+            <a:pPr lvl="3"/>
+            <a:r>
+              <a:rPr lang="zh-CN" altLang="en-US"/>
+              <a:t>四级</a:t>
+            </a:r>
+          </a:p>
+          <a:p>
+            <a:pPr lvl="4"/>
+            <a:r>
+              <a:rPr lang="zh-CN" altLang="en-US"/>
+              <a:t>五级</a:t>
+            </a:r>
+            <a:endParaRPr lang="en-US" dirty="0"/>
+          </a:p>
+        </p:txBody>
+      </p:sp>
+      <p:sp>
+        <p:nvSpPr>
+          <p:cNvPr id="5" name="Date Placeholder 4"/>
+          <p:cNvSpPr>
+            <a:spLocks noGrp="1"/>
+          </p:cNvSpPr>
+          <p:nvPr>
+            <p:ph type="dt" sz="half" idx="10"/>
+          </p:nvPr>
+        </p:nvSpPr>
+        <p:spPr/>
+        <p:txBody>
           <a:bodyPr/>
           <a:lstStyle/>
           <a:p>
-            <a:pPr lvl="0"/>
-            <a:r>
-              <a:rPr lang="zh-CN" altLang="en-US"/>
-              <a:t>单击此处编辑母版文本样式</a:t>
-            </a:r>
-          </a:p>
-          <a:p>
-            <a:pPr lvl="1"/>
-            <a:r>
-              <a:rPr lang="zh-CN" altLang="en-US"/>
-              <a:t>二级</a:t>
-            </a:r>
-          </a:p>
-          <a:p>
-            <a:pPr lvl="2"/>
-            <a:r>
-              <a:rPr lang="zh-CN" altLang="en-US"/>
-              <a:t>三级</a:t>
-            </a:r>
-          </a:p>
-          <a:p>
-            <a:pPr lvl="3"/>
-            <a:r>
-              <a:rPr lang="zh-CN" altLang="en-US"/>
-              <a:t>四级</a:t>
-            </a:r>
-          </a:p>
-          <a:p>
-            <a:pPr lvl="4"/>
-            <a:r>
-              <a:rPr lang="zh-CN" altLang="en-US"/>
-              <a:t>五级</a:t>
-            </a:r>
-          </a:p>
-        </p:txBody>
-      </p:sp>
-      <p:sp>
-        <p:nvSpPr>
-          <p:cNvPr id="4" name="内容占位符 3">
-            <a:extLst>
-              <a:ext uri="{FF2B5EF4-FFF2-40B4-BE49-F238E27FC236}">
-                <a16:creationId xmlns:a16="http://schemas.microsoft.com/office/drawing/2014/main" id="{997B01CE-9693-4890-9CF6-5EC96038B2A8}"/>
-              </a:ext>
-            </a:extLst>
-          </p:cNvPr>
-          <p:cNvSpPr>
-            <a:spLocks noGrp="1"/>
-          </p:cNvSpPr>
-          <p:nvPr>
-            <p:ph sz="half" idx="2"/>
-          </p:nvPr>
-        </p:nvSpPr>
-        <p:spPr>
-          <a:xfrm>
-            <a:off x="6172200" y="1825625"/>
-            <a:ext cx="5181600" cy="4351338"/>
-          </a:xfrm>
-        </p:spPr>
+            <a:fld id="{AD09C881-90A8-46F5-914E-732915AF5BE6}" type="datetimeFigureOut">
+              <a:rPr lang="zh-CN" altLang="en-US" smtClean="0"/>
+              <a:t>2021/1/14</a:t>
+            </a:fld>
+            <a:endParaRPr lang="zh-CN" altLang="en-US"/>
+          </a:p>
+        </p:txBody>
+      </p:sp>
+      <p:sp>
+        <p:nvSpPr>
+          <p:cNvPr id="6" name="Footer Placeholder 5"/>
+          <p:cNvSpPr>
+            <a:spLocks noGrp="1"/>
+          </p:cNvSpPr>
+          <p:nvPr>
+            <p:ph type="ftr" sz="quarter" idx="11"/>
+          </p:nvPr>
+        </p:nvSpPr>
+        <p:spPr/>
         <p:txBody>
           <a:bodyPr/>
           <a:lstStyle/>
           <a:p>
-            <a:pPr lvl="0"/>
-            <a:r>
-              <a:rPr lang="zh-CN" altLang="en-US"/>
-              <a:t>单击此处编辑母版文本样式</a:t>
-            </a:r>
-          </a:p>
-          <a:p>
-            <a:pPr lvl="1"/>
-            <a:r>
-              <a:rPr lang="zh-CN" altLang="en-US"/>
-              <a:t>二级</a:t>
-            </a:r>
-          </a:p>
-          <a:p>
-            <a:pPr lvl="2"/>
-            <a:r>
-              <a:rPr lang="zh-CN" altLang="en-US"/>
-              <a:t>三级</a:t>
-            </a:r>
-          </a:p>
-          <a:p>
-            <a:pPr lvl="3"/>
-            <a:r>
-              <a:rPr lang="zh-CN" altLang="en-US"/>
-              <a:t>四级</a:t>
-            </a:r>
-          </a:p>
-          <a:p>
-            <a:pPr lvl="4"/>
-            <a:r>
-              <a:rPr lang="zh-CN" altLang="en-US"/>
-              <a:t>五级</a:t>
-            </a:r>
-          </a:p>
-        </p:txBody>
-      </p:sp>
-      <p:sp>
-        <p:nvSpPr>
-          <p:cNvPr id="5" name="日期占位符 4">
-            <a:extLst>
-              <a:ext uri="{FF2B5EF4-FFF2-40B4-BE49-F238E27FC236}">
-                <a16:creationId xmlns:a16="http://schemas.microsoft.com/office/drawing/2014/main" id="{333EBE81-C3E9-44CE-A1EC-273A6EEBDCB5}"/>
-              </a:ext>
-            </a:extLst>
-          </p:cNvPr>
-          <p:cNvSpPr>
-            <a:spLocks noGrp="1"/>
-          </p:cNvSpPr>
-          <p:nvPr>
-            <p:ph type="dt" sz="half" idx="10"/>
-          </p:nvPr>
-        </p:nvSpPr>
-        <p:spPr/>
-        <p:txBody>
-          <a:bodyPr/>
-          <a:lstStyle/>
-          <a:p>
-            <a:fld id="{AD09C881-90A8-46F5-914E-732915AF5BE6}" type="datetimeFigureOut">
-              <a:rPr lang="zh-CN" altLang="en-US" smtClean="0"/>
-              <a:t>2020/12/21</a:t>
-            </a:fld>
             <a:endParaRPr lang="zh-CN" altLang="en-US"/>
           </a:p>
         </p:txBody>
       </p:sp>
       <p:sp>
         <p:nvSpPr>
-          <p:cNvPr id="6" name="页脚占位符 5">
-            <a:extLst>
-              <a:ext uri="{FF2B5EF4-FFF2-40B4-BE49-F238E27FC236}">
-                <a16:creationId xmlns:a16="http://schemas.microsoft.com/office/drawing/2014/main" id="{B5692ADC-E5E0-4B0E-9E5C-675C47DA4ABB}"/>
-              </a:ext>
-            </a:extLst>
-          </p:cNvPr>
-          <p:cNvSpPr>
-            <a:spLocks noGrp="1"/>
-          </p:cNvSpPr>
-          <p:nvPr>
-            <p:ph type="ftr" sz="quarter" idx="11"/>
-          </p:nvPr>
-        </p:nvSpPr>
-        <p:spPr/>
-        <p:txBody>
-          <a:bodyPr/>
-          <a:lstStyle/>
-          <a:p>
-            <a:endParaRPr lang="zh-CN" altLang="en-US"/>
-          </a:p>
-        </p:txBody>
-      </p:sp>
-      <p:sp>
-        <p:nvSpPr>
-          <p:cNvPr id="7" name="灯片编号占位符 6">
-            <a:extLst>
-              <a:ext uri="{FF2B5EF4-FFF2-40B4-BE49-F238E27FC236}">
-                <a16:creationId xmlns:a16="http://schemas.microsoft.com/office/drawing/2014/main" id="{295FE6DA-A265-4620-8B6B-0B7D3336DA73}"/>
-              </a:ext>
-            </a:extLst>
-          </p:cNvPr>
+          <p:cNvPr id="7" name="Slide Number Placeholder 6"/>
           <p:cNvSpPr>
             <a:spLocks noGrp="1"/>
           </p:cNvSpPr>
@@ -1478,7 +4292,7 @@
     </p:spTree>
     <p:extLst>
       <p:ext uri="{BB962C8B-B14F-4D97-AF65-F5344CB8AC3E}">
-        <p14:creationId xmlns:p14="http://schemas.microsoft.com/office/powerpoint/2010/main" val="1035045961"/>
+        <p14:creationId xmlns:p14="http://schemas.microsoft.com/office/powerpoint/2010/main" val="549853588"/>
       </p:ext>
     </p:extLst>
   </p:cSld>
@@ -1507,65 +4321,59 @@
       </p:grpSpPr>
       <p:sp>
         <p:nvSpPr>
-          <p:cNvPr id="2" name="标题 1">
-            <a:extLst>
-              <a:ext uri="{FF2B5EF4-FFF2-40B4-BE49-F238E27FC236}">
-                <a16:creationId xmlns:a16="http://schemas.microsoft.com/office/drawing/2014/main" id="{03E6666D-C114-47B4-92B7-379AF71AB900}"/>
-              </a:ext>
-            </a:extLst>
-          </p:cNvPr>
+          <p:cNvPr id="2" name="Title 1"/>
           <p:cNvSpPr>
             <a:spLocks noGrp="1"/>
           </p:cNvSpPr>
           <p:nvPr>
             <p:ph type="title"/>
+          </p:nvPr>
+        </p:nvSpPr>
+        <p:spPr/>
+        <p:txBody>
+          <a:bodyPr/>
+          <a:lstStyle>
+            <a:lvl1pPr>
+              <a:defRPr/>
+            </a:lvl1pPr>
+          </a:lstStyle>
+          <a:p>
+            <a:r>
+              <a:rPr lang="zh-CN" altLang="en-US"/>
+              <a:t>单击此处编辑母版标题样式</a:t>
+            </a:r>
+            <a:endParaRPr lang="en-US" dirty="0"/>
+          </a:p>
+        </p:txBody>
+      </p:sp>
+      <p:sp>
+        <p:nvSpPr>
+          <p:cNvPr id="3" name="Text Placeholder 2"/>
+          <p:cNvSpPr>
+            <a:spLocks noGrp="1"/>
+          </p:cNvSpPr>
+          <p:nvPr>
+            <p:ph type="body" idx="1"/>
           </p:nvPr>
         </p:nvSpPr>
         <p:spPr>
           <a:xfrm>
-            <a:off x="839788" y="365125"/>
-            <a:ext cx="10515600" cy="1325563"/>
+            <a:off x="1103313" y="1905000"/>
+            <a:ext cx="4396338" cy="576262"/>
           </a:xfrm>
         </p:spPr>
         <p:txBody>
-          <a:bodyPr/>
-          <a:lstStyle/>
-          <a:p>
-            <a:r>
-              <a:rPr lang="zh-CN" altLang="en-US"/>
-              <a:t>单击此处编辑母版标题样式</a:t>
-            </a:r>
-          </a:p>
-        </p:txBody>
-      </p:sp>
-      <p:sp>
-        <p:nvSpPr>
-          <p:cNvPr id="3" name="文本占位符 2">
-            <a:extLst>
-              <a:ext uri="{FF2B5EF4-FFF2-40B4-BE49-F238E27FC236}">
-                <a16:creationId xmlns:a16="http://schemas.microsoft.com/office/drawing/2014/main" id="{6D382BDA-73A9-4FF1-B535-713E8CDEF209}"/>
-              </a:ext>
-            </a:extLst>
-          </p:cNvPr>
-          <p:cNvSpPr>
-            <a:spLocks noGrp="1"/>
-          </p:cNvSpPr>
-          <p:nvPr>
-            <p:ph type="body" idx="1"/>
-          </p:nvPr>
-        </p:nvSpPr>
-        <p:spPr>
-          <a:xfrm>
-            <a:off x="839788" y="1681163"/>
-            <a:ext cx="5157787" cy="823912"/>
-          </a:xfrm>
-        </p:spPr>
-        <p:txBody>
-          <a:bodyPr anchor="b"/>
+          <a:bodyPr anchor="b">
+            <a:noAutofit/>
+          </a:bodyPr>
           <a:lstStyle>
             <a:lvl1pPr marL="0" indent="0">
               <a:buNone/>
-              <a:defRPr sz="2400" b="1"/>
+              <a:defRPr sz="2400" b="0">
+                <a:solidFill>
+                  <a:schemeClr val="accent1"/>
+                </a:solidFill>
+              </a:defRPr>
             </a:lvl1pPr>
             <a:lvl2pPr marL="457200" indent="0">
               <a:buNone/>
@@ -1611,13 +4419,7 @@
       </p:sp>
       <p:sp>
         <p:nvSpPr>
-          <p:cNvPr id="4" name="内容占位符 3">
-            <a:extLst>
-              <a:ext uri="{FF2B5EF4-FFF2-40B4-BE49-F238E27FC236}">
-                <a16:creationId xmlns:a16="http://schemas.microsoft.com/office/drawing/2014/main" id="{C2B1B5B7-134E-4466-B36A-F6EB9784243C}"/>
-              </a:ext>
-            </a:extLst>
-          </p:cNvPr>
+          <p:cNvPr id="4" name="Content Placeholder 3"/>
           <p:cNvSpPr>
             <a:spLocks noGrp="1"/>
           </p:cNvSpPr>
@@ -1627,13 +4429,43 @@
         </p:nvSpPr>
         <p:spPr>
           <a:xfrm>
-            <a:off x="839788" y="2505075"/>
-            <a:ext cx="5157787" cy="3684588"/>
+            <a:off x="1103312" y="2514600"/>
+            <a:ext cx="4396339" cy="3741738"/>
           </a:xfrm>
         </p:spPr>
         <p:txBody>
-          <a:bodyPr/>
-          <a:lstStyle/>
+          <a:bodyPr>
+            <a:normAutofit/>
+          </a:bodyPr>
+          <a:lstStyle>
+            <a:lvl1pPr>
+              <a:defRPr sz="1800"/>
+            </a:lvl1pPr>
+            <a:lvl2pPr>
+              <a:defRPr sz="1600"/>
+            </a:lvl2pPr>
+            <a:lvl3pPr>
+              <a:defRPr sz="1400"/>
+            </a:lvl3pPr>
+            <a:lvl4pPr>
+              <a:defRPr sz="1200"/>
+            </a:lvl4pPr>
+            <a:lvl5pPr>
+              <a:defRPr sz="1200"/>
+            </a:lvl5pPr>
+            <a:lvl6pPr>
+              <a:defRPr sz="1200"/>
+            </a:lvl6pPr>
+            <a:lvl7pPr>
+              <a:defRPr sz="1200"/>
+            </a:lvl7pPr>
+            <a:lvl8pPr>
+              <a:defRPr sz="1200"/>
+            </a:lvl8pPr>
+            <a:lvl9pPr>
+              <a:defRPr sz="1200"/>
+            </a:lvl9pPr>
+          </a:lstStyle>
           <a:p>
             <a:pPr lvl="0"/>
             <a:r>
@@ -1668,18 +4500,13 @@
               <a:rPr lang="zh-CN" altLang="en-US"/>
               <a:t>五级</a:t>
             </a:r>
-          </a:p>
-        </p:txBody>
-      </p:sp>
-      <p:sp>
-        <p:nvSpPr>
-          <p:cNvPr id="5" name="文本占位符 4">
-            <a:extLst>
-              <a:ext uri="{FF2B5EF4-FFF2-40B4-BE49-F238E27FC236}">
-                <a16:creationId xmlns:a16="http://schemas.microsoft.com/office/drawing/2014/main" id="{60FC893F-C0D3-4507-9026-51F49A7315A1}"/>
-              </a:ext>
-            </a:extLst>
-          </p:cNvPr>
+            <a:endParaRPr lang="en-US" dirty="0"/>
+          </a:p>
+        </p:txBody>
+      </p:sp>
+      <p:sp>
+        <p:nvSpPr>
+          <p:cNvPr id="5" name="Text Placeholder 4"/>
           <p:cNvSpPr>
             <a:spLocks noGrp="1"/>
           </p:cNvSpPr>
@@ -1689,16 +4516,22 @@
         </p:nvSpPr>
         <p:spPr>
           <a:xfrm>
-            <a:off x="6172200" y="1681163"/>
-            <a:ext cx="5183188" cy="823912"/>
+            <a:off x="5654495" y="1905000"/>
+            <a:ext cx="4396339" cy="576262"/>
           </a:xfrm>
         </p:spPr>
         <p:txBody>
-          <a:bodyPr anchor="b"/>
+          <a:bodyPr anchor="b">
+            <a:noAutofit/>
+          </a:bodyPr>
           <a:lstStyle>
             <a:lvl1pPr marL="0" indent="0">
               <a:buNone/>
-              <a:defRPr sz="2400" b="1"/>
+              <a:defRPr sz="2400" b="0">
+                <a:solidFill>
+                  <a:schemeClr val="accent1"/>
+                </a:solidFill>
+              </a:defRPr>
             </a:lvl1pPr>
             <a:lvl2pPr marL="457200" indent="0">
               <a:buNone/>
@@ -1744,13 +4577,7 @@
       </p:sp>
       <p:sp>
         <p:nvSpPr>
-          <p:cNvPr id="6" name="内容占位符 5">
-            <a:extLst>
-              <a:ext uri="{FF2B5EF4-FFF2-40B4-BE49-F238E27FC236}">
-                <a16:creationId xmlns:a16="http://schemas.microsoft.com/office/drawing/2014/main" id="{FF07FF19-064F-4884-8637-9DD67D37942A}"/>
-              </a:ext>
-            </a:extLst>
-          </p:cNvPr>
+          <p:cNvPr id="6" name="Content Placeholder 5"/>
           <p:cNvSpPr>
             <a:spLocks noGrp="1"/>
           </p:cNvSpPr>
@@ -1760,64 +4587,112 @@
         </p:nvSpPr>
         <p:spPr>
           <a:xfrm>
-            <a:off x="6172200" y="2505075"/>
-            <a:ext cx="5183188" cy="3684588"/>
+            <a:off x="5654495" y="2514600"/>
+            <a:ext cx="4396339" cy="3741738"/>
           </a:xfrm>
         </p:spPr>
         <p:txBody>
+          <a:bodyPr>
+            <a:normAutofit/>
+          </a:bodyPr>
+          <a:lstStyle>
+            <a:lvl1pPr>
+              <a:defRPr sz="1800"/>
+            </a:lvl1pPr>
+            <a:lvl2pPr>
+              <a:defRPr sz="1600"/>
+            </a:lvl2pPr>
+            <a:lvl3pPr>
+              <a:defRPr sz="1400"/>
+            </a:lvl3pPr>
+            <a:lvl4pPr>
+              <a:defRPr sz="1200"/>
+            </a:lvl4pPr>
+            <a:lvl5pPr>
+              <a:defRPr sz="1200"/>
+            </a:lvl5pPr>
+            <a:lvl6pPr>
+              <a:defRPr sz="1200"/>
+            </a:lvl6pPr>
+            <a:lvl7pPr>
+              <a:defRPr sz="1200"/>
+            </a:lvl7pPr>
+            <a:lvl8pPr>
+              <a:defRPr sz="1200"/>
+            </a:lvl8pPr>
+            <a:lvl9pPr>
+              <a:defRPr sz="1200"/>
+            </a:lvl9pPr>
+          </a:lstStyle>
+          <a:p>
+            <a:pPr lvl="0"/>
+            <a:r>
+              <a:rPr lang="zh-CN" altLang="en-US"/>
+              <a:t>单击此处编辑母版文本样式</a:t>
+            </a:r>
+          </a:p>
+          <a:p>
+            <a:pPr lvl="1"/>
+            <a:r>
+              <a:rPr lang="zh-CN" altLang="en-US"/>
+              <a:t>二级</a:t>
+            </a:r>
+          </a:p>
+          <a:p>
+            <a:pPr lvl="2"/>
+            <a:r>
+              <a:rPr lang="zh-CN" altLang="en-US"/>
+              <a:t>三级</a:t>
+            </a:r>
+          </a:p>
+          <a:p>
+            <a:pPr lvl="3"/>
+            <a:r>
+              <a:rPr lang="zh-CN" altLang="en-US"/>
+              <a:t>四级</a:t>
+            </a:r>
+          </a:p>
+          <a:p>
+            <a:pPr lvl="4"/>
+            <a:r>
+              <a:rPr lang="zh-CN" altLang="en-US"/>
+              <a:t>五级</a:t>
+            </a:r>
+            <a:endParaRPr lang="en-US" dirty="0"/>
+          </a:p>
+        </p:txBody>
+      </p:sp>
+      <p:sp>
+        <p:nvSpPr>
+          <p:cNvPr id="7" name="Date Placeholder 6"/>
+          <p:cNvSpPr>
+            <a:spLocks noGrp="1"/>
+          </p:cNvSpPr>
+          <p:nvPr>
+            <p:ph type="dt" sz="half" idx="10"/>
+          </p:nvPr>
+        </p:nvSpPr>
+        <p:spPr/>
+        <p:txBody>
           <a:bodyPr/>
           <a:lstStyle/>
           <a:p>
-            <a:pPr lvl="0"/>
-            <a:r>
-              <a:rPr lang="zh-CN" altLang="en-US"/>
-              <a:t>单击此处编辑母版文本样式</a:t>
-            </a:r>
-          </a:p>
-          <a:p>
-            <a:pPr lvl="1"/>
-            <a:r>
-              <a:rPr lang="zh-CN" altLang="en-US"/>
-              <a:t>二级</a:t>
-            </a:r>
-          </a:p>
-          <a:p>
-            <a:pPr lvl="2"/>
-            <a:r>
-              <a:rPr lang="zh-CN" altLang="en-US"/>
-              <a:t>三级</a:t>
-            </a:r>
-          </a:p>
-          <a:p>
-            <a:pPr lvl="3"/>
-            <a:r>
-              <a:rPr lang="zh-CN" altLang="en-US"/>
-              <a:t>四级</a:t>
-            </a:r>
-          </a:p>
-          <a:p>
-            <a:pPr lvl="4"/>
-            <a:r>
-              <a:rPr lang="zh-CN" altLang="en-US"/>
-              <a:t>五级</a:t>
-            </a:r>
-          </a:p>
-        </p:txBody>
-      </p:sp>
-      <p:sp>
-        <p:nvSpPr>
-          <p:cNvPr id="7" name="日期占位符 6">
-            <a:extLst>
-              <a:ext uri="{FF2B5EF4-FFF2-40B4-BE49-F238E27FC236}">
-                <a16:creationId xmlns:a16="http://schemas.microsoft.com/office/drawing/2014/main" id="{EB0D1944-5C70-4950-8CFE-1CF195CF9287}"/>
-              </a:ext>
-            </a:extLst>
-          </p:cNvPr>
-          <p:cNvSpPr>
-            <a:spLocks noGrp="1"/>
-          </p:cNvSpPr>
-          <p:nvPr>
-            <p:ph type="dt" sz="half" idx="10"/>
+            <a:fld id="{AD09C881-90A8-46F5-914E-732915AF5BE6}" type="datetimeFigureOut">
+              <a:rPr lang="zh-CN" altLang="en-US" smtClean="0"/>
+              <a:t>2021/1/14</a:t>
+            </a:fld>
+            <a:endParaRPr lang="zh-CN" altLang="en-US"/>
+          </a:p>
+        </p:txBody>
+      </p:sp>
+      <p:sp>
+        <p:nvSpPr>
+          <p:cNvPr id="8" name="Footer Placeholder 7"/>
+          <p:cNvSpPr>
+            <a:spLocks noGrp="1"/>
+          </p:cNvSpPr>
+          <p:nvPr>
+            <p:ph type="ftr" sz="quarter" idx="11"/>
           </p:nvPr>
         </p:nvSpPr>
         <p:spPr/>
@@ -1825,48 +4700,13 @@
           <a:bodyPr/>
           <a:lstStyle/>
           <a:p>
-            <a:fld id="{AD09C881-90A8-46F5-914E-732915AF5BE6}" type="datetimeFigureOut">
-              <a:rPr lang="zh-CN" altLang="en-US" smtClean="0"/>
-              <a:t>2020/12/21</a:t>
-            </a:fld>
             <a:endParaRPr lang="zh-CN" altLang="en-US"/>
           </a:p>
         </p:txBody>
       </p:sp>
       <p:sp>
         <p:nvSpPr>
-          <p:cNvPr id="8" name="页脚占位符 7">
-            <a:extLst>
-              <a:ext uri="{FF2B5EF4-FFF2-40B4-BE49-F238E27FC236}">
-                <a16:creationId xmlns:a16="http://schemas.microsoft.com/office/drawing/2014/main" id="{D16A70C7-4FF0-4752-9F63-0BA809CF8F86}"/>
-              </a:ext>
-            </a:extLst>
-          </p:cNvPr>
-          <p:cNvSpPr>
-            <a:spLocks noGrp="1"/>
-          </p:cNvSpPr>
-          <p:nvPr>
-            <p:ph type="ftr" sz="quarter" idx="11"/>
-          </p:nvPr>
-        </p:nvSpPr>
-        <p:spPr/>
-        <p:txBody>
-          <a:bodyPr/>
-          <a:lstStyle/>
-          <a:p>
-            <a:endParaRPr lang="zh-CN" altLang="en-US"/>
-          </a:p>
-        </p:txBody>
-      </p:sp>
-      <p:sp>
-        <p:nvSpPr>
-          <p:cNvPr id="9" name="灯片编号占位符 8">
-            <a:extLst>
-              <a:ext uri="{FF2B5EF4-FFF2-40B4-BE49-F238E27FC236}">
-                <a16:creationId xmlns:a16="http://schemas.microsoft.com/office/drawing/2014/main" id="{5DC8A4EB-8F1A-4998-86E5-7459F2E209D2}"/>
-              </a:ext>
-            </a:extLst>
-          </p:cNvPr>
+          <p:cNvPr id="9" name="Slide Number Placeholder 8"/>
           <p:cNvSpPr>
             <a:spLocks noGrp="1"/>
           </p:cNvSpPr>
@@ -1890,7 +4730,7 @@
     </p:spTree>
     <p:extLst>
       <p:ext uri="{BB962C8B-B14F-4D97-AF65-F5344CB8AC3E}">
-        <p14:creationId xmlns:p14="http://schemas.microsoft.com/office/powerpoint/2010/main" val="715069654"/>
+        <p14:creationId xmlns:p14="http://schemas.microsoft.com/office/powerpoint/2010/main" val="946672838"/>
       </p:ext>
     </p:extLst>
   </p:cSld>
@@ -1919,13 +4759,7 @@
       </p:grpSpPr>
       <p:sp>
         <p:nvSpPr>
-          <p:cNvPr id="2" name="标题 1">
-            <a:extLst>
-              <a:ext uri="{FF2B5EF4-FFF2-40B4-BE49-F238E27FC236}">
-                <a16:creationId xmlns:a16="http://schemas.microsoft.com/office/drawing/2014/main" id="{57138334-1DD9-4D86-B9C0-CE4D20C8E28A}"/>
-              </a:ext>
-            </a:extLst>
-          </p:cNvPr>
+          <p:cNvPr id="2" name="Title 1"/>
           <p:cNvSpPr>
             <a:spLocks noGrp="1"/>
           </p:cNvSpPr>
@@ -1942,18 +4776,13 @@
               <a:rPr lang="zh-CN" altLang="en-US"/>
               <a:t>单击此处编辑母版标题样式</a:t>
             </a:r>
-          </a:p>
-        </p:txBody>
-      </p:sp>
-      <p:sp>
-        <p:nvSpPr>
-          <p:cNvPr id="3" name="日期占位符 2">
-            <a:extLst>
-              <a:ext uri="{FF2B5EF4-FFF2-40B4-BE49-F238E27FC236}">
-                <a16:creationId xmlns:a16="http://schemas.microsoft.com/office/drawing/2014/main" id="{A95B21AB-000D-4DAC-9616-D83CFDAE774F}"/>
-              </a:ext>
-            </a:extLst>
-          </p:cNvPr>
+            <a:endParaRPr lang="en-US" dirty="0"/>
+          </a:p>
+        </p:txBody>
+      </p:sp>
+      <p:sp>
+        <p:nvSpPr>
+          <p:cNvPr id="7" name="Date Placeholder 2"/>
           <p:cNvSpPr>
             <a:spLocks noGrp="1"/>
           </p:cNvSpPr>
@@ -1968,7 +4797,7 @@
           <a:p>
             <a:fld id="{AD09C881-90A8-46F5-914E-732915AF5BE6}" type="datetimeFigureOut">
               <a:rPr lang="zh-CN" altLang="en-US" smtClean="0"/>
-              <a:t>2020/12/21</a:t>
+              <a:t>2021/1/14</a:t>
             </a:fld>
             <a:endParaRPr lang="zh-CN" altLang="en-US"/>
           </a:p>
@@ -1976,13 +4805,7 @@
       </p:sp>
       <p:sp>
         <p:nvSpPr>
-          <p:cNvPr id="4" name="页脚占位符 3">
-            <a:extLst>
-              <a:ext uri="{FF2B5EF4-FFF2-40B4-BE49-F238E27FC236}">
-                <a16:creationId xmlns:a16="http://schemas.microsoft.com/office/drawing/2014/main" id="{9D600419-8BBD-4770-AFDE-9CE7C43F47A1}"/>
-              </a:ext>
-            </a:extLst>
-          </p:cNvPr>
+          <p:cNvPr id="5" name="Footer Placeholder 3"/>
           <p:cNvSpPr>
             <a:spLocks noGrp="1"/>
           </p:cNvSpPr>
@@ -2001,13 +4824,7 @@
       </p:sp>
       <p:sp>
         <p:nvSpPr>
-          <p:cNvPr id="5" name="灯片编号占位符 4">
-            <a:extLst>
-              <a:ext uri="{FF2B5EF4-FFF2-40B4-BE49-F238E27FC236}">
-                <a16:creationId xmlns:a16="http://schemas.microsoft.com/office/drawing/2014/main" id="{1B213379-1782-406E-8C8B-7D297D215C07}"/>
-              </a:ext>
-            </a:extLst>
-          </p:cNvPr>
+          <p:cNvPr id="6" name="Slide Number Placeholder 4"/>
           <p:cNvSpPr>
             <a:spLocks noGrp="1"/>
           </p:cNvSpPr>
@@ -2031,7 +4848,7 @@
     </p:spTree>
     <p:extLst>
       <p:ext uri="{BB962C8B-B14F-4D97-AF65-F5344CB8AC3E}">
-        <p14:creationId xmlns:p14="http://schemas.microsoft.com/office/powerpoint/2010/main" val="2023096339"/>
+        <p14:creationId xmlns:p14="http://schemas.microsoft.com/office/powerpoint/2010/main" val="3428227092"/>
       </p:ext>
     </p:extLst>
   </p:cSld>
@@ -2060,13 +4877,7 @@
       </p:grpSpPr>
       <p:sp>
         <p:nvSpPr>
-          <p:cNvPr id="2" name="日期占位符 1">
-            <a:extLst>
-              <a:ext uri="{FF2B5EF4-FFF2-40B4-BE49-F238E27FC236}">
-                <a16:creationId xmlns:a16="http://schemas.microsoft.com/office/drawing/2014/main" id="{21F55C1C-45EF-4F3F-864F-BECE768B654D}"/>
-              </a:ext>
-            </a:extLst>
-          </p:cNvPr>
+          <p:cNvPr id="7" name="Date Placeholder 1"/>
           <p:cNvSpPr>
             <a:spLocks noGrp="1"/>
           </p:cNvSpPr>
@@ -2081,7 +4892,7 @@
           <a:p>
             <a:fld id="{AD09C881-90A8-46F5-914E-732915AF5BE6}" type="datetimeFigureOut">
               <a:rPr lang="zh-CN" altLang="en-US" smtClean="0"/>
-              <a:t>2020/12/21</a:t>
+              <a:t>2021/1/14</a:t>
             </a:fld>
             <a:endParaRPr lang="zh-CN" altLang="en-US"/>
           </a:p>
@@ -2089,13 +4900,7 @@
       </p:sp>
       <p:sp>
         <p:nvSpPr>
-          <p:cNvPr id="3" name="页脚占位符 2">
-            <a:extLst>
-              <a:ext uri="{FF2B5EF4-FFF2-40B4-BE49-F238E27FC236}">
-                <a16:creationId xmlns:a16="http://schemas.microsoft.com/office/drawing/2014/main" id="{9B1C88F7-BA51-400D-8DDF-1D91DE1FE834}"/>
-              </a:ext>
-            </a:extLst>
-          </p:cNvPr>
+          <p:cNvPr id="5" name="Footer Placeholder 2"/>
           <p:cNvSpPr>
             <a:spLocks noGrp="1"/>
           </p:cNvSpPr>
@@ -2114,13 +4919,7 @@
       </p:sp>
       <p:sp>
         <p:nvSpPr>
-          <p:cNvPr id="4" name="灯片编号占位符 3">
-            <a:extLst>
-              <a:ext uri="{FF2B5EF4-FFF2-40B4-BE49-F238E27FC236}">
-                <a16:creationId xmlns:a16="http://schemas.microsoft.com/office/drawing/2014/main" id="{14BBA898-2BD5-4221-BE73-84AF67A43A94}"/>
-              </a:ext>
-            </a:extLst>
-          </p:cNvPr>
+          <p:cNvPr id="6" name="Slide Number Placeholder 3"/>
           <p:cNvSpPr>
             <a:spLocks noGrp="1"/>
           </p:cNvSpPr>
@@ -2144,7 +4943,7 @@
     </p:spTree>
     <p:extLst>
       <p:ext uri="{BB962C8B-B14F-4D97-AF65-F5344CB8AC3E}">
-        <p14:creationId xmlns:p14="http://schemas.microsoft.com/office/powerpoint/2010/main" val="1271441306"/>
+        <p14:creationId xmlns:p14="http://schemas.microsoft.com/office/powerpoint/2010/main" val="2622574448"/>
       </p:ext>
     </p:extLst>
   </p:cSld>
@@ -2173,13 +4972,7 @@
       </p:grpSpPr>
       <p:sp>
         <p:nvSpPr>
-          <p:cNvPr id="2" name="标题 1">
-            <a:extLst>
-              <a:ext uri="{FF2B5EF4-FFF2-40B4-BE49-F238E27FC236}">
-                <a16:creationId xmlns:a16="http://schemas.microsoft.com/office/drawing/2014/main" id="{E1650DB5-8A2B-4A58-B0DF-A810C78BA353}"/>
-              </a:ext>
-            </a:extLst>
-          </p:cNvPr>
+          <p:cNvPr id="2" name="Title 1"/>
           <p:cNvSpPr>
             <a:spLocks noGrp="1"/>
           </p:cNvSpPr>
@@ -2189,15 +4982,15 @@
         </p:nvSpPr>
         <p:spPr>
           <a:xfrm>
-            <a:off x="839788" y="457200"/>
-            <a:ext cx="3932237" cy="1600200"/>
+            <a:off x="1154954" y="1447800"/>
+            <a:ext cx="3401064" cy="1447800"/>
           </a:xfrm>
         </p:spPr>
         <p:txBody>
           <a:bodyPr anchor="b"/>
           <a:lstStyle>
-            <a:lvl1pPr>
-              <a:defRPr sz="3200"/>
+            <a:lvl1pPr algn="l">
+              <a:defRPr sz="2400" b="0"/>
             </a:lvl1pPr>
           </a:lstStyle>
           <a:p>
@@ -2205,18 +4998,13 @@
               <a:rPr lang="zh-CN" altLang="en-US"/>
               <a:t>单击此处编辑母版标题样式</a:t>
             </a:r>
-          </a:p>
-        </p:txBody>
-      </p:sp>
-      <p:sp>
-        <p:nvSpPr>
-          <p:cNvPr id="3" name="内容占位符 2">
-            <a:extLst>
-              <a:ext uri="{FF2B5EF4-FFF2-40B4-BE49-F238E27FC236}">
-                <a16:creationId xmlns:a16="http://schemas.microsoft.com/office/drawing/2014/main" id="{DFB16F57-33ED-48C6-8BBA-6F863FFFE319}"/>
-              </a:ext>
-            </a:extLst>
-          </p:cNvPr>
+            <a:endParaRPr lang="en-US" dirty="0"/>
+          </a:p>
+        </p:txBody>
+      </p:sp>
+      <p:sp>
+        <p:nvSpPr>
+          <p:cNvPr id="3" name="Content Placeholder 2"/>
           <p:cNvSpPr>
             <a:spLocks noGrp="1"/>
           </p:cNvSpPr>
@@ -2226,39 +5014,41 @@
         </p:nvSpPr>
         <p:spPr>
           <a:xfrm>
-            <a:off x="5183188" y="987425"/>
-            <a:ext cx="6172200" cy="4873625"/>
+            <a:off x="4784616" y="1447800"/>
+            <a:ext cx="5195997" cy="4572000"/>
           </a:xfrm>
         </p:spPr>
         <p:txBody>
-          <a:bodyPr/>
+          <a:bodyPr anchor="ctr">
+            <a:normAutofit/>
+          </a:bodyPr>
           <a:lstStyle>
             <a:lvl1pPr>
-              <a:defRPr sz="3200"/>
+              <a:defRPr sz="2000"/>
             </a:lvl1pPr>
             <a:lvl2pPr>
-              <a:defRPr sz="2800"/>
+              <a:defRPr sz="1800"/>
             </a:lvl2pPr>
             <a:lvl3pPr>
-              <a:defRPr sz="2400"/>
+              <a:defRPr sz="1600"/>
             </a:lvl3pPr>
             <a:lvl4pPr>
-              <a:defRPr sz="2000"/>
+              <a:defRPr sz="1400"/>
             </a:lvl4pPr>
             <a:lvl5pPr>
-              <a:defRPr sz="2000"/>
+              <a:defRPr sz="1400"/>
             </a:lvl5pPr>
             <a:lvl6pPr>
-              <a:defRPr sz="2000"/>
+              <a:defRPr sz="1400"/>
             </a:lvl6pPr>
             <a:lvl7pPr>
-              <a:defRPr sz="2000"/>
+              <a:defRPr sz="1400"/>
             </a:lvl7pPr>
             <a:lvl8pPr>
-              <a:defRPr sz="2000"/>
+              <a:defRPr sz="1400"/>
             </a:lvl8pPr>
             <a:lvl9pPr>
-              <a:defRPr sz="2000"/>
+              <a:defRPr sz="1400"/>
             </a:lvl9pPr>
           </a:lstStyle>
           <a:p>
@@ -2295,18 +5085,13 @@
               <a:rPr lang="zh-CN" altLang="en-US"/>
               <a:t>五级</a:t>
             </a:r>
-          </a:p>
-        </p:txBody>
-      </p:sp>
-      <p:sp>
-        <p:nvSpPr>
-          <p:cNvPr id="4" name="文本占位符 3">
-            <a:extLst>
-              <a:ext uri="{FF2B5EF4-FFF2-40B4-BE49-F238E27FC236}">
-                <a16:creationId xmlns:a16="http://schemas.microsoft.com/office/drawing/2014/main" id="{A27E5A02-2E7A-4E1C-9D80-1A524B49C84E}"/>
-              </a:ext>
-            </a:extLst>
-          </p:cNvPr>
+            <a:endParaRPr lang="en-US" dirty="0"/>
+          </a:p>
+        </p:txBody>
+      </p:sp>
+      <p:sp>
+        <p:nvSpPr>
+          <p:cNvPr id="4" name="Text Placeholder 3"/>
           <p:cNvSpPr>
             <a:spLocks noGrp="1"/>
           </p:cNvSpPr>
@@ -2316,8 +5101,8 @@
         </p:nvSpPr>
         <p:spPr>
           <a:xfrm>
-            <a:off x="839788" y="2057400"/>
-            <a:ext cx="3932237" cy="3811588"/>
+            <a:off x="1154954" y="3129280"/>
+            <a:ext cx="3401063" cy="2895599"/>
           </a:xfrm>
         </p:spPr>
         <p:txBody>
@@ -2325,39 +5110,39 @@
           <a:lstStyle>
             <a:lvl1pPr marL="0" indent="0">
               <a:buNone/>
-              <a:defRPr sz="1600"/>
+              <a:defRPr sz="1400"/>
             </a:lvl1pPr>
             <a:lvl2pPr marL="457200" indent="0">
               <a:buNone/>
-              <a:defRPr sz="1400"/>
+              <a:defRPr sz="1200"/>
             </a:lvl2pPr>
             <a:lvl3pPr marL="914400" indent="0">
               <a:buNone/>
-              <a:defRPr sz="1200"/>
+              <a:defRPr sz="1000"/>
             </a:lvl3pPr>
             <a:lvl4pPr marL="1371600" indent="0">
               <a:buNone/>
-              <a:defRPr sz="1000"/>
+              <a:defRPr sz="900"/>
             </a:lvl4pPr>
             <a:lvl5pPr marL="1828800" indent="0">
               <a:buNone/>
-              <a:defRPr sz="1000"/>
+              <a:defRPr sz="900"/>
             </a:lvl5pPr>
             <a:lvl6pPr marL="2286000" indent="0">
               <a:buNone/>
-              <a:defRPr sz="1000"/>
+              <a:defRPr sz="900"/>
             </a:lvl6pPr>
             <a:lvl7pPr marL="2743200" indent="0">
               <a:buNone/>
-              <a:defRPr sz="1000"/>
+              <a:defRPr sz="900"/>
             </a:lvl7pPr>
             <a:lvl8pPr marL="3200400" indent="0">
               <a:buNone/>
-              <a:defRPr sz="1000"/>
+              <a:defRPr sz="900"/>
             </a:lvl8pPr>
             <a:lvl9pPr marL="3657600" indent="0">
               <a:buNone/>
-              <a:defRPr sz="1000"/>
+              <a:defRPr sz="900"/>
             </a:lvl9pPr>
           </a:lstStyle>
           <a:p>
@@ -2371,13 +5156,7 @@
       </p:sp>
       <p:sp>
         <p:nvSpPr>
-          <p:cNvPr id="5" name="日期占位符 4">
-            <a:extLst>
-              <a:ext uri="{FF2B5EF4-FFF2-40B4-BE49-F238E27FC236}">
-                <a16:creationId xmlns:a16="http://schemas.microsoft.com/office/drawing/2014/main" id="{0C0C951A-948A-4AC9-A1E0-F1782299B45B}"/>
-              </a:ext>
-            </a:extLst>
-          </p:cNvPr>
+          <p:cNvPr id="7" name="Date Placeholder 4"/>
           <p:cNvSpPr>
             <a:spLocks noGrp="1"/>
           </p:cNvSpPr>
@@ -2392,7 +5171,7 @@
           <a:p>
             <a:fld id="{AD09C881-90A8-46F5-914E-732915AF5BE6}" type="datetimeFigureOut">
               <a:rPr lang="zh-CN" altLang="en-US" smtClean="0"/>
-              <a:t>2020/12/21</a:t>
+              <a:t>2021/1/14</a:t>
             </a:fld>
             <a:endParaRPr lang="zh-CN" altLang="en-US"/>
           </a:p>
@@ -2400,13 +5179,7 @@
       </p:sp>
       <p:sp>
         <p:nvSpPr>
-          <p:cNvPr id="6" name="页脚占位符 5">
-            <a:extLst>
-              <a:ext uri="{FF2B5EF4-FFF2-40B4-BE49-F238E27FC236}">
-                <a16:creationId xmlns:a16="http://schemas.microsoft.com/office/drawing/2014/main" id="{D20E8A84-4ABE-4ED3-B18F-2F04D891E128}"/>
-              </a:ext>
-            </a:extLst>
-          </p:cNvPr>
+          <p:cNvPr id="5" name="Footer Placeholder 5"/>
           <p:cNvSpPr>
             <a:spLocks noGrp="1"/>
           </p:cNvSpPr>
@@ -2425,13 +5198,7 @@
       </p:sp>
       <p:sp>
         <p:nvSpPr>
-          <p:cNvPr id="7" name="灯片编号占位符 6">
-            <a:extLst>
-              <a:ext uri="{FF2B5EF4-FFF2-40B4-BE49-F238E27FC236}">
-                <a16:creationId xmlns:a16="http://schemas.microsoft.com/office/drawing/2014/main" id="{572DB499-45E4-419C-84E8-357021063DBB}"/>
-              </a:ext>
-            </a:extLst>
-          </p:cNvPr>
+          <p:cNvPr id="6" name="Slide Number Placeholder 6"/>
           <p:cNvSpPr>
             <a:spLocks noGrp="1"/>
           </p:cNvSpPr>
@@ -2455,7 +5222,7 @@
     </p:spTree>
     <p:extLst>
       <p:ext uri="{BB962C8B-B14F-4D97-AF65-F5344CB8AC3E}">
-        <p14:creationId xmlns:p14="http://schemas.microsoft.com/office/powerpoint/2010/main" val="262105351"/>
+        <p14:creationId xmlns:p14="http://schemas.microsoft.com/office/powerpoint/2010/main" val="4062030068"/>
       </p:ext>
     </p:extLst>
   </p:cSld>
@@ -2484,13 +5251,7 @@
       </p:grpSpPr>
       <p:sp>
         <p:nvSpPr>
-          <p:cNvPr id="2" name="标题 1">
-            <a:extLst>
-              <a:ext uri="{FF2B5EF4-FFF2-40B4-BE49-F238E27FC236}">
-                <a16:creationId xmlns:a16="http://schemas.microsoft.com/office/drawing/2014/main" id="{4292487F-3642-4BC6-9987-F64133340666}"/>
-              </a:ext>
-            </a:extLst>
-          </p:cNvPr>
+          <p:cNvPr id="2" name="Title 1"/>
           <p:cNvSpPr>
             <a:spLocks noGrp="1"/>
           </p:cNvSpPr>
@@ -2500,15 +5261,17 @@
         </p:nvSpPr>
         <p:spPr>
           <a:xfrm>
-            <a:off x="839788" y="457200"/>
-            <a:ext cx="3932237" cy="1600200"/>
+            <a:off x="1153907" y="1854192"/>
+            <a:ext cx="5092906" cy="1574808"/>
           </a:xfrm>
         </p:spPr>
         <p:txBody>
-          <a:bodyPr anchor="b"/>
+          <a:bodyPr anchor="b">
+            <a:normAutofit/>
+          </a:bodyPr>
           <a:lstStyle>
-            <a:lvl1pPr>
-              <a:defRPr sz="3200"/>
+            <a:lvl1pPr algn="l">
+              <a:defRPr sz="3600" b="0"/>
             </a:lvl1pPr>
           </a:lstStyle>
           <a:p>
@@ -2516,20 +5279,15 @@
               <a:rPr lang="zh-CN" altLang="en-US"/>
               <a:t>单击此处编辑母版标题样式</a:t>
             </a:r>
-          </a:p>
-        </p:txBody>
-      </p:sp>
-      <p:sp>
-        <p:nvSpPr>
-          <p:cNvPr id="3" name="图片占位符 2">
-            <a:extLst>
-              <a:ext uri="{FF2B5EF4-FFF2-40B4-BE49-F238E27FC236}">
-                <a16:creationId xmlns:a16="http://schemas.microsoft.com/office/drawing/2014/main" id="{8DD2C048-B64A-46F0-B8D4-EDED0E4BFEF2}"/>
-              </a:ext>
-            </a:extLst>
-          </p:cNvPr>
-          <p:cNvSpPr>
-            <a:spLocks noGrp="1"/>
+            <a:endParaRPr lang="en-US" dirty="0"/>
+          </a:p>
+        </p:txBody>
+      </p:sp>
+      <p:sp>
+        <p:nvSpPr>
+          <p:cNvPr id="3" name="Picture Placeholder 2"/>
+          <p:cNvSpPr>
+            <a:spLocks noGrp="1" noChangeAspect="1"/>
           </p:cNvSpPr>
           <p:nvPr>
             <p:ph type="pic" idx="1"/>
@@ -2537,118 +5295,132 @@
         </p:nvSpPr>
         <p:spPr>
           <a:xfrm>
-            <a:off x="5183188" y="987425"/>
-            <a:ext cx="6172200" cy="4873625"/>
+            <a:off x="6949546" y="1143000"/>
+            <a:ext cx="3200400" cy="4572000"/>
           </a:xfrm>
+          <a:prstGeom prst="roundRect">
+            <a:avLst>
+              <a:gd name="adj" fmla="val 1858"/>
+            </a:avLst>
+          </a:prstGeom>
+          <a:effectLst>
+            <a:outerShdw blurRad="50800" dist="50800" dir="5400000" algn="tl" rotWithShape="0">
+              <a:srgbClr val="000000">
+                <a:alpha val="43000"/>
+              </a:srgbClr>
+            </a:outerShdw>
+          </a:effectLst>
         </p:spPr>
         <p:txBody>
-          <a:bodyPr/>
+          <a:bodyPr anchor="t">
+            <a:normAutofit/>
+          </a:bodyPr>
           <a:lstStyle>
-            <a:lvl1pPr marL="0" indent="0">
-              <a:buNone/>
-              <a:defRPr sz="3200"/>
-            </a:lvl1pPr>
-            <a:lvl2pPr marL="457200" indent="0">
-              <a:buNone/>
-              <a:defRPr sz="2800"/>
-            </a:lvl2pPr>
-            <a:lvl3pPr marL="914400" indent="0">
-              <a:buNone/>
-              <a:defRPr sz="2400"/>
-            </a:lvl3pPr>
-            <a:lvl4pPr marL="1371600" indent="0">
-              <a:buNone/>
-              <a:defRPr sz="2000"/>
-            </a:lvl4pPr>
-            <a:lvl5pPr marL="1828800" indent="0">
-              <a:buNone/>
-              <a:defRPr sz="2000"/>
-            </a:lvl5pPr>
-            <a:lvl6pPr marL="2286000" indent="0">
-              <a:buNone/>
-              <a:defRPr sz="2000"/>
-            </a:lvl6pPr>
-            <a:lvl7pPr marL="2743200" indent="0">
-              <a:buNone/>
-              <a:defRPr sz="2000"/>
-            </a:lvl7pPr>
-            <a:lvl8pPr marL="3200400" indent="0">
-              <a:buNone/>
-              <a:defRPr sz="2000"/>
-            </a:lvl8pPr>
-            <a:lvl9pPr marL="3657600" indent="0">
-              <a:buNone/>
-              <a:defRPr sz="2000"/>
-            </a:lvl9pPr>
-          </a:lstStyle>
-          <a:p>
-            <a:endParaRPr lang="zh-CN" altLang="en-US"/>
-          </a:p>
-        </p:txBody>
-      </p:sp>
-      <p:sp>
-        <p:nvSpPr>
-          <p:cNvPr id="4" name="文本占位符 3">
-            <a:extLst>
-              <a:ext uri="{FF2B5EF4-FFF2-40B4-BE49-F238E27FC236}">
-                <a16:creationId xmlns:a16="http://schemas.microsoft.com/office/drawing/2014/main" id="{73FCC51D-F5BD-43B3-BC74-DED745519612}"/>
-              </a:ext>
-            </a:extLst>
-          </p:cNvPr>
-          <p:cNvSpPr>
-            <a:spLocks noGrp="1"/>
-          </p:cNvSpPr>
-          <p:nvPr>
-            <p:ph type="body" sz="half" idx="2"/>
-          </p:nvPr>
-        </p:nvSpPr>
-        <p:spPr>
-          <a:xfrm>
-            <a:off x="839788" y="2057400"/>
-            <a:ext cx="3932237" cy="3811588"/>
-          </a:xfrm>
-        </p:spPr>
-        <p:txBody>
-          <a:bodyPr/>
-          <a:lstStyle>
-            <a:lvl1pPr marL="0" indent="0">
+            <a:lvl1pPr marL="0" indent="0" algn="ctr">
               <a:buNone/>
               <a:defRPr sz="1600"/>
             </a:lvl1pPr>
             <a:lvl2pPr marL="457200" indent="0">
               <a:buNone/>
-              <a:defRPr sz="1400"/>
+              <a:defRPr sz="1600"/>
             </a:lvl2pPr>
             <a:lvl3pPr marL="914400" indent="0">
               <a:buNone/>
-              <a:defRPr sz="1200"/>
+              <a:defRPr sz="1600"/>
             </a:lvl3pPr>
             <a:lvl4pPr marL="1371600" indent="0">
               <a:buNone/>
-              <a:defRPr sz="1000"/>
+              <a:defRPr sz="1600"/>
             </a:lvl4pPr>
             <a:lvl5pPr marL="1828800" indent="0">
               <a:buNone/>
-              <a:defRPr sz="1000"/>
+              <a:defRPr sz="1600"/>
             </a:lvl5pPr>
             <a:lvl6pPr marL="2286000" indent="0">
               <a:buNone/>
-              <a:defRPr sz="1000"/>
+              <a:defRPr sz="1600"/>
             </a:lvl6pPr>
             <a:lvl7pPr marL="2743200" indent="0">
               <a:buNone/>
-              <a:defRPr sz="1000"/>
+              <a:defRPr sz="1600"/>
             </a:lvl7pPr>
             <a:lvl8pPr marL="3200400" indent="0">
               <a:buNone/>
-              <a:defRPr sz="1000"/>
+              <a:defRPr sz="1600"/>
             </a:lvl8pPr>
             <a:lvl9pPr marL="3657600" indent="0">
               <a:buNone/>
-              <a:defRPr sz="1000"/>
+              <a:defRPr sz="1600"/>
             </a:lvl9pPr>
           </a:lstStyle>
           <a:p>
+            <a:r>
+              <a:rPr lang="zh-CN" altLang="en-US"/>
+              <a:t>单击图标添加图片</a:t>
+            </a:r>
+            <a:endParaRPr lang="en-US" dirty="0"/>
+          </a:p>
+        </p:txBody>
+      </p:sp>
+      <p:sp>
+        <p:nvSpPr>
+          <p:cNvPr id="4" name="Text Placeholder 3"/>
+          <p:cNvSpPr>
+            <a:spLocks noGrp="1"/>
+          </p:cNvSpPr>
+          <p:nvPr>
+            <p:ph type="body" sz="half" idx="2"/>
+          </p:nvPr>
+        </p:nvSpPr>
+        <p:spPr>
+          <a:xfrm>
+            <a:off x="1154954" y="3657600"/>
+            <a:ext cx="5084979" cy="1371600"/>
+          </a:xfrm>
+        </p:spPr>
+        <p:txBody>
+          <a:bodyPr>
+            <a:normAutofit/>
+          </a:bodyPr>
+          <a:lstStyle>
+            <a:lvl1pPr marL="0" indent="0">
+              <a:buNone/>
+              <a:defRPr sz="1400"/>
+            </a:lvl1pPr>
+            <a:lvl2pPr marL="457200" indent="0">
+              <a:buNone/>
+              <a:defRPr sz="1200"/>
+            </a:lvl2pPr>
+            <a:lvl3pPr marL="914400" indent="0">
+              <a:buNone/>
+              <a:defRPr sz="1000"/>
+            </a:lvl3pPr>
+            <a:lvl4pPr marL="1371600" indent="0">
+              <a:buNone/>
+              <a:defRPr sz="900"/>
+            </a:lvl4pPr>
+            <a:lvl5pPr marL="1828800" indent="0">
+              <a:buNone/>
+              <a:defRPr sz="900"/>
+            </a:lvl5pPr>
+            <a:lvl6pPr marL="2286000" indent="0">
+              <a:buNone/>
+              <a:defRPr sz="900"/>
+            </a:lvl6pPr>
+            <a:lvl7pPr marL="2743200" indent="0">
+              <a:buNone/>
+              <a:defRPr sz="900"/>
+            </a:lvl7pPr>
+            <a:lvl8pPr marL="3200400" indent="0">
+              <a:buNone/>
+              <a:defRPr sz="900"/>
+            </a:lvl8pPr>
+            <a:lvl9pPr marL="3657600" indent="0">
+              <a:buNone/>
+              <a:defRPr sz="900"/>
+            </a:lvl9pPr>
+          </a:lstStyle>
+          <a:p>
             <a:pPr lvl="0"/>
             <a:r>
               <a:rPr lang="zh-CN" altLang="en-US"/>
@@ -2659,13 +5431,7 @@
       </p:sp>
       <p:sp>
         <p:nvSpPr>
-          <p:cNvPr id="5" name="日期占位符 4">
-            <a:extLst>
-              <a:ext uri="{FF2B5EF4-FFF2-40B4-BE49-F238E27FC236}">
-                <a16:creationId xmlns:a16="http://schemas.microsoft.com/office/drawing/2014/main" id="{B83DA59C-DA90-41A6-A147-6FEB580D19E2}"/>
-              </a:ext>
-            </a:extLst>
-          </p:cNvPr>
+          <p:cNvPr id="5" name="Date Placeholder 4"/>
           <p:cNvSpPr>
             <a:spLocks noGrp="1"/>
           </p:cNvSpPr>
@@ -2680,7 +5446,7 @@
           <a:p>
             <a:fld id="{AD09C881-90A8-46F5-914E-732915AF5BE6}" type="datetimeFigureOut">
               <a:rPr lang="zh-CN" altLang="en-US" smtClean="0"/>
-              <a:t>2020/12/21</a:t>
+              <a:t>2021/1/14</a:t>
             </a:fld>
             <a:endParaRPr lang="zh-CN" altLang="en-US"/>
           </a:p>
@@ -2688,13 +5454,7 @@
       </p:sp>
       <p:sp>
         <p:nvSpPr>
-          <p:cNvPr id="6" name="页脚占位符 5">
-            <a:extLst>
-              <a:ext uri="{FF2B5EF4-FFF2-40B4-BE49-F238E27FC236}">
-                <a16:creationId xmlns:a16="http://schemas.microsoft.com/office/drawing/2014/main" id="{71C88CE3-F04C-40B2-BA89-9E59D77D9EBA}"/>
-              </a:ext>
-            </a:extLst>
-          </p:cNvPr>
+          <p:cNvPr id="6" name="Footer Placeholder 5"/>
           <p:cNvSpPr>
             <a:spLocks noGrp="1"/>
           </p:cNvSpPr>
@@ -2713,13 +5473,7 @@
       </p:sp>
       <p:sp>
         <p:nvSpPr>
-          <p:cNvPr id="7" name="灯片编号占位符 6">
-            <a:extLst>
-              <a:ext uri="{FF2B5EF4-FFF2-40B4-BE49-F238E27FC236}">
-                <a16:creationId xmlns:a16="http://schemas.microsoft.com/office/drawing/2014/main" id="{A66AF3F8-BB61-440A-8CBD-ED58E4A11CA9}"/>
-              </a:ext>
-            </a:extLst>
-          </p:cNvPr>
+          <p:cNvPr id="7" name="Slide Number Placeholder 6"/>
           <p:cNvSpPr>
             <a:spLocks noGrp="1"/>
           </p:cNvSpPr>
@@ -2743,7 +5497,7 @@
     </p:spTree>
     <p:extLst>
       <p:ext uri="{BB962C8B-B14F-4D97-AF65-F5344CB8AC3E}">
-        <p14:creationId xmlns:p14="http://schemas.microsoft.com/office/powerpoint/2010/main" val="2839844672"/>
+        <p14:creationId xmlns:p14="http://schemas.microsoft.com/office/powerpoint/2010/main" val="1873995061"/>
       </p:ext>
     </p:extLst>
   </p:cSld>
@@ -2757,8 +5511,8 @@
 <p:sldMaster xmlns:a="http://schemas.openxmlformats.org/drawingml/2006/main" xmlns:r="http://schemas.openxmlformats.org/officeDocument/2006/relationships" xmlns:p="http://schemas.openxmlformats.org/presentationml/2006/main">
   <p:cSld>
     <p:bg>
-      <p:bgRef idx="1001">
-        <a:schemeClr val="bg1"/>
+      <p:bgRef idx="1003">
+        <a:schemeClr val="bg2"/>
       </p:bgRef>
     </p:bg>
     <p:spTree>
@@ -2775,141 +5529,420 @@
           <a:chExt cx="0" cy="0"/>
         </a:xfrm>
       </p:grpSpPr>
-      <p:sp>
-        <p:nvSpPr>
-          <p:cNvPr id="2" name="标题占位符 1">
+      <p:pic>
+        <p:nvPicPr>
+          <p:cNvPr id="8" name="Picture 7"/>
+          <p:cNvPicPr>
+            <a:picLocks noChangeAspect="1"/>
+          </p:cNvPicPr>
+          <p:nvPr/>
+        </p:nvPicPr>
+        <p:blipFill rotWithShape="1">
+          <a:blip r:embed="rId19">
             <a:extLst>
-              <a:ext uri="{FF2B5EF4-FFF2-40B4-BE49-F238E27FC236}">
-                <a16:creationId xmlns:a16="http://schemas.microsoft.com/office/drawing/2014/main" id="{79B5C075-C356-4C8A-A190-5D3F65D94476}"/>
+              <a:ext uri="{28A0092B-C50C-407E-A947-70E740481C1C}">
+                <a14:useLocalDpi xmlns:a14="http://schemas.microsoft.com/office/drawing/2010/main" val="0"/>
               </a:ext>
             </a:extLst>
-          </p:cNvPr>
-          <p:cNvSpPr>
-            <a:spLocks noGrp="1"/>
-          </p:cNvSpPr>
-          <p:nvPr>
-            <p:ph type="title"/>
-          </p:nvPr>
-        </p:nvSpPr>
+          </a:blip>
+          <a:srcRect l="3613"/>
+          <a:stretch/>
+        </p:blipFill>
         <p:spPr>
           <a:xfrm>
-            <a:off x="838200" y="365125"/>
-            <a:ext cx="10515600" cy="1325563"/>
+            <a:off x="0" y="2669685"/>
+            <a:ext cx="4037012" cy="4188315"/>
           </a:xfrm>
           <a:prstGeom prst="rect">
             <a:avLst/>
           </a:prstGeom>
         </p:spPr>
-        <p:txBody>
-          <a:bodyPr vert="horz" lIns="91440" tIns="45720" rIns="91440" bIns="45720" rtlCol="0" anchor="ctr">
-            <a:normAutofit/>
-          </a:bodyPr>
-          <a:lstStyle/>
-          <a:p>
-            <a:r>
-              <a:rPr lang="zh-CN" altLang="en-US"/>
-              <a:t>单击此处编辑母版标题样式</a:t>
-            </a:r>
-          </a:p>
-        </p:txBody>
-      </p:sp>
-      <p:sp>
-        <p:nvSpPr>
-          <p:cNvPr id="3" name="文本占位符 2">
+      </p:pic>
+      <p:pic>
+        <p:nvPicPr>
+          <p:cNvPr id="7" name="Picture 6"/>
+          <p:cNvPicPr>
+            <a:picLocks noChangeAspect="1"/>
+          </p:cNvPicPr>
+          <p:nvPr/>
+        </p:nvPicPr>
+        <p:blipFill rotWithShape="1">
+          <a:blip r:embed="rId20">
             <a:extLst>
-              <a:ext uri="{FF2B5EF4-FFF2-40B4-BE49-F238E27FC236}">
-                <a16:creationId xmlns:a16="http://schemas.microsoft.com/office/drawing/2014/main" id="{DBF2DA7C-14D8-4788-AE6B-0043B37A26CE}"/>
+              <a:ext uri="{28A0092B-C50C-407E-A947-70E740481C1C}">
+                <a14:useLocalDpi xmlns:a14="http://schemas.microsoft.com/office/drawing/2010/main" val="0"/>
               </a:ext>
             </a:extLst>
-          </p:cNvPr>
-          <p:cNvSpPr>
-            <a:spLocks noGrp="1"/>
-          </p:cNvSpPr>
-          <p:nvPr>
-            <p:ph type="body" idx="1"/>
-          </p:nvPr>
-        </p:nvSpPr>
+          </a:blip>
+          <a:srcRect l="35640"/>
+          <a:stretch/>
+        </p:blipFill>
         <p:spPr>
           <a:xfrm>
-            <a:off x="838200" y="1825625"/>
-            <a:ext cx="10515600" cy="4351338"/>
+            <a:off x="0" y="2892347"/>
+            <a:ext cx="1522412" cy="2365453"/>
           </a:xfrm>
           <a:prstGeom prst="rect">
             <a:avLst/>
           </a:prstGeom>
         </p:spPr>
-        <p:txBody>
-          <a:bodyPr vert="horz" lIns="91440" tIns="45720" rIns="91440" bIns="45720" rtlCol="0">
-            <a:normAutofit/>
-          </a:bodyPr>
-          <a:lstStyle/>
-          <a:p>
-            <a:pPr lvl="0"/>
-            <a:r>
-              <a:rPr lang="zh-CN" altLang="en-US"/>
-              <a:t>单击此处编辑母版文本样式</a:t>
-            </a:r>
-          </a:p>
-          <a:p>
-            <a:pPr lvl="1"/>
-            <a:r>
-              <a:rPr lang="zh-CN" altLang="en-US"/>
-              <a:t>二级</a:t>
-            </a:r>
-          </a:p>
-          <a:p>
-            <a:pPr lvl="2"/>
-            <a:r>
-              <a:rPr lang="zh-CN" altLang="en-US"/>
-              <a:t>三级</a:t>
-            </a:r>
-          </a:p>
-          <a:p>
-            <a:pPr lvl="3"/>
-            <a:r>
-              <a:rPr lang="zh-CN" altLang="en-US"/>
-              <a:t>四级</a:t>
-            </a:r>
-          </a:p>
-          <a:p>
-            <a:pPr lvl="4"/>
-            <a:r>
-              <a:rPr lang="zh-CN" altLang="en-US"/>
-              <a:t>五级</a:t>
-            </a:r>
-          </a:p>
-        </p:txBody>
-      </p:sp>
-      <p:sp>
-        <p:nvSpPr>
-          <p:cNvPr id="4" name="日期占位符 3">
+      </p:pic>
+      <p:sp>
+        <p:nvSpPr>
+          <p:cNvPr id="16" name="Oval 15"/>
+          <p:cNvSpPr/>
+          <p:nvPr/>
+        </p:nvSpPr>
+        <p:spPr>
+          <a:xfrm>
+            <a:off x="8609012" y="1676400"/>
+            <a:ext cx="2819400" cy="2819400"/>
+          </a:xfrm>
+          <a:prstGeom prst="ellipse">
+            <a:avLst/>
+          </a:prstGeom>
+          <a:gradFill flip="none" rotWithShape="1">
+            <a:gsLst>
+              <a:gs pos="0">
+                <a:schemeClr val="bg2">
+                  <a:lumMod val="40000"/>
+                  <a:lumOff val="60000"/>
+                  <a:alpha val="7000"/>
+                </a:schemeClr>
+              </a:gs>
+              <a:gs pos="69000">
+                <a:schemeClr val="bg2">
+                  <a:lumMod val="40000"/>
+                  <a:lumOff val="60000"/>
+                  <a:alpha val="0"/>
+                </a:schemeClr>
+              </a:gs>
+              <a:gs pos="36000">
+                <a:schemeClr val="bg2">
+                  <a:lumMod val="40000"/>
+                  <a:lumOff val="60000"/>
+                  <a:alpha val="6000"/>
+                </a:schemeClr>
+              </a:gs>
+            </a:gsLst>
+            <a:path path="circle">
+              <a:fillToRect l="50000" t="50000" r="50000" b="50000"/>
+            </a:path>
+            <a:tileRect/>
+          </a:gradFill>
+          <a:ln>
+            <a:noFill/>
+          </a:ln>
+          <a:effectLst/>
+        </p:spPr>
+        <p:style>
+          <a:lnRef idx="1">
+            <a:schemeClr val="accent1"/>
+          </a:lnRef>
+          <a:fillRef idx="3">
+            <a:schemeClr val="accent1"/>
+          </a:fillRef>
+          <a:effectRef idx="2">
+            <a:schemeClr val="accent1"/>
+          </a:effectRef>
+          <a:fontRef idx="minor">
+            <a:schemeClr val="lt1"/>
+          </a:fontRef>
+        </p:style>
+      </p:sp>
+      <p:pic>
+        <p:nvPicPr>
+          <p:cNvPr id="9" name="Picture 8"/>
+          <p:cNvPicPr>
+            <a:picLocks noChangeAspect="1"/>
+          </p:cNvPicPr>
+          <p:nvPr/>
+        </p:nvPicPr>
+        <p:blipFill rotWithShape="1">
+          <a:blip r:embed="rId21">
             <a:extLst>
-              <a:ext uri="{FF2B5EF4-FFF2-40B4-BE49-F238E27FC236}">
-                <a16:creationId xmlns:a16="http://schemas.microsoft.com/office/drawing/2014/main" id="{261D1510-0873-4543-B4C1-E529189867C1}"/>
+              <a:ext uri="{28A0092B-C50C-407E-A947-70E740481C1C}">
+                <a14:useLocalDpi xmlns:a14="http://schemas.microsoft.com/office/drawing/2010/main" val="0"/>
               </a:ext>
             </a:extLst>
-          </p:cNvPr>
-          <p:cNvSpPr>
-            <a:spLocks noGrp="1"/>
-          </p:cNvSpPr>
-          <p:nvPr>
-            <p:ph type="dt" sz="half" idx="2"/>
-          </p:nvPr>
-        </p:nvSpPr>
+          </a:blip>
+          <a:srcRect t="28813"/>
+          <a:stretch/>
+        </p:blipFill>
         <p:spPr>
           <a:xfrm>
-            <a:off x="838200" y="6356350"/>
-            <a:ext cx="2743200" cy="365125"/>
+            <a:off x="7999412" y="0"/>
+            <a:ext cx="1603387" cy="1141407"/>
           </a:xfrm>
           <a:prstGeom prst="rect">
             <a:avLst/>
           </a:prstGeom>
         </p:spPr>
-        <p:txBody>
-          <a:bodyPr vert="horz" lIns="91440" tIns="45720" rIns="91440" bIns="45720" rtlCol="0" anchor="ctr"/>
+      </p:pic>
+      <p:pic>
+        <p:nvPicPr>
+          <p:cNvPr id="10" name="Picture 9"/>
+          <p:cNvPicPr>
+            <a:picLocks noChangeAspect="1"/>
+          </p:cNvPicPr>
+          <p:nvPr/>
+        </p:nvPicPr>
+        <p:blipFill rotWithShape="1">
+          <a:blip r:embed="rId22">
+            <a:extLst>
+              <a:ext uri="{28A0092B-C50C-407E-A947-70E740481C1C}">
+                <a14:useLocalDpi xmlns:a14="http://schemas.microsoft.com/office/drawing/2010/main" val="0"/>
+              </a:ext>
+            </a:extLst>
+          </a:blip>
+          <a:srcRect b="23320"/>
+          <a:stretch/>
+        </p:blipFill>
+        <p:spPr>
+          <a:xfrm>
+            <a:off x="8609012" y="6096000"/>
+            <a:ext cx="993734" cy="762000"/>
+          </a:xfrm>
+          <a:prstGeom prst="rect">
+            <a:avLst/>
+          </a:prstGeom>
+        </p:spPr>
+      </p:pic>
+      <p:sp>
+        <p:nvSpPr>
+          <p:cNvPr id="14" name="Rectangle 13"/>
+          <p:cNvSpPr/>
+          <p:nvPr/>
+        </p:nvSpPr>
+        <p:spPr>
+          <a:xfrm>
+            <a:off x="10437812" y="0"/>
+            <a:ext cx="685800" cy="1143000"/>
+          </a:xfrm>
+          <a:prstGeom prst="rect">
+            <a:avLst/>
+          </a:prstGeom>
+          <a:solidFill>
+            <a:schemeClr val="accent1"/>
+          </a:solidFill>
+          <a:ln>
+            <a:noFill/>
+          </a:ln>
+        </p:spPr>
+        <p:style>
+          <a:lnRef idx="1">
+            <a:schemeClr val="accent1"/>
+          </a:lnRef>
+          <a:fillRef idx="3">
+            <a:schemeClr val="accent1"/>
+          </a:fillRef>
+          <a:effectRef idx="2">
+            <a:schemeClr val="accent1"/>
+          </a:effectRef>
+          <a:fontRef idx="minor">
+            <a:schemeClr val="lt1"/>
+          </a:fontRef>
+        </p:style>
+      </p:sp>
+      <p:sp>
+        <p:nvSpPr>
+          <p:cNvPr id="2" name="Title Placeholder 1"/>
+          <p:cNvSpPr>
+            <a:spLocks noGrp="1"/>
+          </p:cNvSpPr>
+          <p:nvPr>
+            <p:ph type="title"/>
+          </p:nvPr>
+        </p:nvSpPr>
+        <p:spPr>
+          <a:xfrm>
+            <a:off x="646111" y="452718"/>
+            <a:ext cx="9404723" cy="1400530"/>
+          </a:xfrm>
+          <a:prstGeom prst="rect">
+            <a:avLst/>
+          </a:prstGeom>
+        </p:spPr>
+        <p:txBody>
+          <a:bodyPr vert="horz" lIns="91440" tIns="45720" rIns="91440" bIns="45720" rtlCol="0" anchor="t">
+            <a:noAutofit/>
+          </a:bodyPr>
+          <a:lstStyle/>
+          <a:p>
+            <a:r>
+              <a:rPr lang="zh-CN" altLang="en-US"/>
+              <a:t>单击此处编辑母版标题样式</a:t>
+            </a:r>
+            <a:endParaRPr lang="en-US" dirty="0"/>
+          </a:p>
+        </p:txBody>
+      </p:sp>
+      <p:sp>
+        <p:nvSpPr>
+          <p:cNvPr id="3" name="Text Placeholder 2"/>
+          <p:cNvSpPr>
+            <a:spLocks noGrp="1"/>
+          </p:cNvSpPr>
+          <p:nvPr>
+            <p:ph type="body" idx="1"/>
+          </p:nvPr>
+        </p:nvSpPr>
+        <p:spPr>
+          <a:xfrm>
+            <a:off x="1103312" y="2052918"/>
+            <a:ext cx="8946541" cy="4195481"/>
+          </a:xfrm>
+          <a:prstGeom prst="rect">
+            <a:avLst/>
+          </a:prstGeom>
+        </p:spPr>
+        <p:txBody>
+          <a:bodyPr vert="horz" lIns="91440" tIns="45720" rIns="91440" bIns="45720" rtlCol="0">
+            <a:normAutofit/>
+          </a:bodyPr>
+          <a:lstStyle/>
+          <a:p>
+            <a:pPr lvl="0"/>
+            <a:r>
+              <a:rPr lang="zh-CN" altLang="en-US"/>
+              <a:t>单击此处编辑母版文本样式</a:t>
+            </a:r>
+          </a:p>
+          <a:p>
+            <a:pPr lvl="1"/>
+            <a:r>
+              <a:rPr lang="zh-CN" altLang="en-US"/>
+              <a:t>二级</a:t>
+            </a:r>
+          </a:p>
+          <a:p>
+            <a:pPr lvl="2"/>
+            <a:r>
+              <a:rPr lang="zh-CN" altLang="en-US"/>
+              <a:t>三级</a:t>
+            </a:r>
+          </a:p>
+          <a:p>
+            <a:pPr lvl="3"/>
+            <a:r>
+              <a:rPr lang="zh-CN" altLang="en-US"/>
+              <a:t>四级</a:t>
+            </a:r>
+          </a:p>
+          <a:p>
+            <a:pPr lvl="4"/>
+            <a:r>
+              <a:rPr lang="zh-CN" altLang="en-US"/>
+              <a:t>五级</a:t>
+            </a:r>
+            <a:endParaRPr lang="en-US" dirty="0"/>
+          </a:p>
+        </p:txBody>
+      </p:sp>
+      <p:sp>
+        <p:nvSpPr>
+          <p:cNvPr id="4" name="Date Placeholder 3"/>
+          <p:cNvSpPr>
+            <a:spLocks noGrp="1"/>
+          </p:cNvSpPr>
+          <p:nvPr>
+            <p:ph type="dt" sz="half" idx="2"/>
+          </p:nvPr>
+        </p:nvSpPr>
+        <p:spPr>
+          <a:xfrm rot="5400000">
+            <a:off x="10155639" y="1790701"/>
+            <a:ext cx="990599" cy="304799"/>
+          </a:xfrm>
+          <a:prstGeom prst="rect">
+            <a:avLst/>
+          </a:prstGeom>
+        </p:spPr>
+        <p:txBody>
+          <a:bodyPr vert="horz" lIns="91440" tIns="45720" rIns="91440" bIns="45720" rtlCol="0" anchor="t"/>
           <a:lstStyle>
             <a:lvl1pPr algn="l">
-              <a:defRPr sz="1200">
+              <a:defRPr sz="1100" b="0" i="0">
+                <a:solidFill>
+                  <a:schemeClr val="tx1">
+                    <a:tint val="75000"/>
+                    <a:alpha val="60000"/>
+                  </a:schemeClr>
+                </a:solidFill>
+              </a:defRPr>
+            </a:lvl1pPr>
+          </a:lstStyle>
+          <a:p>
+            <a:fld id="{AD09C881-90A8-46F5-914E-732915AF5BE6}" type="datetimeFigureOut">
+              <a:rPr lang="zh-CN" altLang="en-US" smtClean="0"/>
+              <a:t>2021/1/14</a:t>
+            </a:fld>
+            <a:endParaRPr lang="zh-CN" altLang="en-US"/>
+          </a:p>
+        </p:txBody>
+      </p:sp>
+      <p:sp>
+        <p:nvSpPr>
+          <p:cNvPr id="5" name="Footer Placeholder 4"/>
+          <p:cNvSpPr>
+            <a:spLocks noGrp="1"/>
+          </p:cNvSpPr>
+          <p:nvPr>
+            <p:ph type="ftr" sz="quarter" idx="3"/>
+          </p:nvPr>
+        </p:nvSpPr>
+        <p:spPr>
+          <a:xfrm rot="5400000">
+            <a:off x="8951573" y="3225297"/>
+            <a:ext cx="3859795" cy="304801"/>
+          </a:xfrm>
+          <a:prstGeom prst="rect">
+            <a:avLst/>
+          </a:prstGeom>
+        </p:spPr>
+        <p:txBody>
+          <a:bodyPr vert="horz" lIns="91440" tIns="45720" rIns="91440" bIns="45720" rtlCol="0" anchor="b"/>
+          <a:lstStyle>
+            <a:lvl1pPr algn="l">
+              <a:defRPr sz="1100" b="0" i="0">
+                <a:solidFill>
+                  <a:schemeClr val="tx1">
+                    <a:tint val="75000"/>
+                    <a:alpha val="60000"/>
+                  </a:schemeClr>
+                </a:solidFill>
+              </a:defRPr>
+            </a:lvl1pPr>
+          </a:lstStyle>
+          <a:p>
+            <a:endParaRPr lang="zh-CN" altLang="en-US"/>
+          </a:p>
+        </p:txBody>
+      </p:sp>
+      <p:sp>
+        <p:nvSpPr>
+          <p:cNvPr id="6" name="Slide Number Placeholder 5"/>
+          <p:cNvSpPr>
+            <a:spLocks noGrp="1"/>
+          </p:cNvSpPr>
+          <p:nvPr>
+            <p:ph type="sldNum" sz="quarter" idx="4"/>
+          </p:nvPr>
+        </p:nvSpPr>
+        <p:spPr>
+          <a:xfrm>
+            <a:off x="10352540" y="295729"/>
+            <a:ext cx="838199" cy="767687"/>
+          </a:xfrm>
+          <a:prstGeom prst="rect">
+            <a:avLst/>
+          </a:prstGeom>
+        </p:spPr>
+        <p:txBody>
+          <a:bodyPr vert="horz" lIns="91440" tIns="45720" rIns="91440" bIns="45720" rtlCol="0" anchor="b"/>
+          <a:lstStyle>
+            <a:lvl1pPr algn="ctr">
+              <a:defRPr sz="2800" b="0" i="0">
                 <a:solidFill>
                   <a:schemeClr val="tx1">
                     <a:tint val="75000"/>
@@ -2919,96 +5952,6 @@
             </a:lvl1pPr>
           </a:lstStyle>
           <a:p>
-            <a:fld id="{AD09C881-90A8-46F5-914E-732915AF5BE6}" type="datetimeFigureOut">
-              <a:rPr lang="zh-CN" altLang="en-US" smtClean="0"/>
-              <a:t>2020/12/21</a:t>
-            </a:fld>
-            <a:endParaRPr lang="zh-CN" altLang="en-US"/>
-          </a:p>
-        </p:txBody>
-      </p:sp>
-      <p:sp>
-        <p:nvSpPr>
-          <p:cNvPr id="5" name="页脚占位符 4">
-            <a:extLst>
-              <a:ext uri="{FF2B5EF4-FFF2-40B4-BE49-F238E27FC236}">
-                <a16:creationId xmlns:a16="http://schemas.microsoft.com/office/drawing/2014/main" id="{1BF8DD33-1803-43D5-B513-30B0AA0288F5}"/>
-              </a:ext>
-            </a:extLst>
-          </p:cNvPr>
-          <p:cNvSpPr>
-            <a:spLocks noGrp="1"/>
-          </p:cNvSpPr>
-          <p:nvPr>
-            <p:ph type="ftr" sz="quarter" idx="3"/>
-          </p:nvPr>
-        </p:nvSpPr>
-        <p:spPr>
-          <a:xfrm>
-            <a:off x="4038600" y="6356350"/>
-            <a:ext cx="4114800" cy="365125"/>
-          </a:xfrm>
-          <a:prstGeom prst="rect">
-            <a:avLst/>
-          </a:prstGeom>
-        </p:spPr>
-        <p:txBody>
-          <a:bodyPr vert="horz" lIns="91440" tIns="45720" rIns="91440" bIns="45720" rtlCol="0" anchor="ctr"/>
-          <a:lstStyle>
-            <a:lvl1pPr algn="ctr">
-              <a:defRPr sz="1200">
-                <a:solidFill>
-                  <a:schemeClr val="tx1">
-                    <a:tint val="75000"/>
-                  </a:schemeClr>
-                </a:solidFill>
-              </a:defRPr>
-            </a:lvl1pPr>
-          </a:lstStyle>
-          <a:p>
-            <a:endParaRPr lang="zh-CN" altLang="en-US"/>
-          </a:p>
-        </p:txBody>
-      </p:sp>
-      <p:sp>
-        <p:nvSpPr>
-          <p:cNvPr id="6" name="灯片编号占位符 5">
-            <a:extLst>
-              <a:ext uri="{FF2B5EF4-FFF2-40B4-BE49-F238E27FC236}">
-                <a16:creationId xmlns:a16="http://schemas.microsoft.com/office/drawing/2014/main" id="{6042188E-2450-4A60-843A-93F1170030F4}"/>
-              </a:ext>
-            </a:extLst>
-          </p:cNvPr>
-          <p:cNvSpPr>
-            <a:spLocks noGrp="1"/>
-          </p:cNvSpPr>
-          <p:nvPr>
-            <p:ph type="sldNum" sz="quarter" idx="4"/>
-          </p:nvPr>
-        </p:nvSpPr>
-        <p:spPr>
-          <a:xfrm>
-            <a:off x="8610600" y="6356350"/>
-            <a:ext cx="2743200" cy="365125"/>
-          </a:xfrm>
-          <a:prstGeom prst="rect">
-            <a:avLst/>
-          </a:prstGeom>
-        </p:spPr>
-        <p:txBody>
-          <a:bodyPr vert="horz" lIns="91440" tIns="45720" rIns="91440" bIns="45720" rtlCol="0" anchor="ctr"/>
-          <a:lstStyle>
-            <a:lvl1pPr algn="r">
-              <a:defRPr sz="1200">
-                <a:solidFill>
-                  <a:schemeClr val="tx1">
-                    <a:tint val="75000"/>
-                  </a:schemeClr>
-                </a:solidFill>
-              </a:defRPr>
-            </a:lvl1pPr>
-          </a:lstStyle>
-          <a:p>
             <a:fld id="{F5F58BB1-2501-4C4B-9BA2-0822B7FE606A}" type="slidenum">
               <a:rPr lang="zh-CN" altLang="en-US" smtClean="0"/>
               <a:t>‹#›</a:t>
@@ -3020,35 +5963,118 @@
     </p:spTree>
     <p:extLst>
       <p:ext uri="{BB962C8B-B14F-4D97-AF65-F5344CB8AC3E}">
-        <p14:creationId xmlns:p14="http://schemas.microsoft.com/office/powerpoint/2010/main" val="4179596365"/>
+        <p14:creationId xmlns:p14="http://schemas.microsoft.com/office/powerpoint/2010/main" val="1445670275"/>
       </p:ext>
     </p:extLst>
   </p:cSld>
-  <p:clrMap bg1="lt1" tx1="dk1" bg2="lt2" tx2="dk2" accent1="accent1" accent2="accent2" accent3="accent3" accent4="accent4" accent5="accent5" accent6="accent6" hlink="hlink" folHlink="folHlink"/>
+  <p:clrMap bg1="dk1" tx1="lt1" bg2="dk2" tx2="lt2" accent1="accent1" accent2="accent2" accent3="accent3" accent4="accent4" accent5="accent5" accent6="accent6" hlink="hlink" folHlink="folHlink"/>
   <p:sldLayoutIdLst>
-    <p:sldLayoutId id="2147483649" r:id="rId1"/>
-    <p:sldLayoutId id="2147483650" r:id="rId2"/>
-    <p:sldLayoutId id="2147483651" r:id="rId3"/>
-    <p:sldLayoutId id="2147483652" r:id="rId4"/>
-    <p:sldLayoutId id="2147483653" r:id="rId5"/>
-    <p:sldLayoutId id="2147483654" r:id="rId6"/>
-    <p:sldLayoutId id="2147483655" r:id="rId7"/>
-    <p:sldLayoutId id="2147483656" r:id="rId8"/>
-    <p:sldLayoutId id="2147483657" r:id="rId9"/>
-    <p:sldLayoutId id="2147483658" r:id="rId10"/>
-    <p:sldLayoutId id="2147483659" r:id="rId11"/>
+    <p:sldLayoutId id="2147483679" r:id="rId1"/>
+    <p:sldLayoutId id="2147483680" r:id="rId2"/>
+    <p:sldLayoutId id="2147483681" r:id="rId3"/>
+    <p:sldLayoutId id="2147483682" r:id="rId4"/>
+    <p:sldLayoutId id="2147483683" r:id="rId5"/>
+    <p:sldLayoutId id="2147483684" r:id="rId6"/>
+    <p:sldLayoutId id="2147483685" r:id="rId7"/>
+    <p:sldLayoutId id="2147483686" r:id="rId8"/>
+    <p:sldLayoutId id="2147483687" r:id="rId9"/>
+    <p:sldLayoutId id="2147483688" r:id="rId10"/>
+    <p:sldLayoutId id="2147483689" r:id="rId11"/>
+    <p:sldLayoutId id="2147483690" r:id="rId12"/>
+    <p:sldLayoutId id="2147483691" r:id="rId13"/>
+    <p:sldLayoutId id="2147483692" r:id="rId14"/>
+    <p:sldLayoutId id="2147483693" r:id="rId15"/>
+    <p:sldLayoutId id="2147483694" r:id="rId16"/>
+    <p:sldLayoutId id="2147483695" r:id="rId17"/>
   </p:sldLayoutIdLst>
   <p:txStyles>
     <p:titleStyle>
-      <a:lvl1pPr algn="l" defTabSz="914400" rtl="0" eaLnBrk="1" latinLnBrk="0" hangingPunct="1">
-        <a:lnSpc>
-          <a:spcPct val="90000"/>
-        </a:lnSpc>
+      <a:lvl1pPr algn="l" defTabSz="457200" rtl="0" eaLnBrk="1" latinLnBrk="0" hangingPunct="1">
         <a:spcBef>
           <a:spcPct val="0"/>
         </a:spcBef>
         <a:buNone/>
-        <a:defRPr sz="4400" kern="1200">
+        <a:defRPr sz="4200" b="0" i="0" kern="1200">
+          <a:solidFill>
+            <a:schemeClr val="tx2"/>
+          </a:solidFill>
+          <a:latin typeface="+mj-lt"/>
+          <a:ea typeface="+mj-ea"/>
+          <a:cs typeface="+mj-cs"/>
+        </a:defRPr>
+      </a:lvl1pPr>
+      <a:lvl2pPr eaLnBrk="1" hangingPunct="1">
+        <a:defRPr>
+          <a:solidFill>
+            <a:schemeClr val="tx2"/>
+          </a:solidFill>
+        </a:defRPr>
+      </a:lvl2pPr>
+      <a:lvl3pPr eaLnBrk="1" hangingPunct="1">
+        <a:defRPr>
+          <a:solidFill>
+            <a:schemeClr val="tx2"/>
+          </a:solidFill>
+        </a:defRPr>
+      </a:lvl3pPr>
+      <a:lvl4pPr eaLnBrk="1" hangingPunct="1">
+        <a:defRPr>
+          <a:solidFill>
+            <a:schemeClr val="tx2"/>
+          </a:solidFill>
+        </a:defRPr>
+      </a:lvl4pPr>
+      <a:lvl5pPr eaLnBrk="1" hangingPunct="1">
+        <a:defRPr>
+          <a:solidFill>
+            <a:schemeClr val="tx2"/>
+          </a:solidFill>
+        </a:defRPr>
+      </a:lvl5pPr>
+      <a:lvl6pPr eaLnBrk="1" hangingPunct="1">
+        <a:defRPr>
+          <a:solidFill>
+            <a:schemeClr val="tx2"/>
+          </a:solidFill>
+        </a:defRPr>
+      </a:lvl6pPr>
+      <a:lvl7pPr eaLnBrk="1" hangingPunct="1">
+        <a:defRPr>
+          <a:solidFill>
+            <a:schemeClr val="tx2"/>
+          </a:solidFill>
+        </a:defRPr>
+      </a:lvl7pPr>
+      <a:lvl8pPr eaLnBrk="1" hangingPunct="1">
+        <a:defRPr>
+          <a:solidFill>
+            <a:schemeClr val="tx2"/>
+          </a:solidFill>
+        </a:defRPr>
+      </a:lvl8pPr>
+      <a:lvl9pPr eaLnBrk="1" hangingPunct="1">
+        <a:defRPr>
+          <a:solidFill>
+            <a:schemeClr val="tx2"/>
+          </a:solidFill>
+        </a:defRPr>
+      </a:lvl9pPr>
+    </p:titleStyle>
+    <p:bodyStyle>
+      <a:lvl1pPr marL="342900" indent="-342900" algn="l" defTabSz="457200" rtl="0" eaLnBrk="1" latinLnBrk="0" hangingPunct="1">
+        <a:spcBef>
+          <a:spcPts val="1000"/>
+        </a:spcBef>
+        <a:spcAft>
+          <a:spcPts val="0"/>
+        </a:spcAft>
+        <a:buClr>
+          <a:schemeClr val="accent1"/>
+        </a:buClr>
+        <a:buSzPct val="80000"/>
+        <a:buFont typeface="Wingdings 3" charset="2"/>
+        <a:buChar char=""/>
+        <a:defRPr sz="2000" b="0" i="0" kern="1200">
           <a:solidFill>
             <a:schemeClr val="tx1"/>
           </a:solidFill>
@@ -3057,18 +6083,189 @@
           <a:cs typeface="+mj-cs"/>
         </a:defRPr>
       </a:lvl1pPr>
-    </p:titleStyle>
-    <p:bodyStyle>
-      <a:lvl1pPr marL="228600" indent="-228600" algn="l" defTabSz="914400" rtl="0" eaLnBrk="1" latinLnBrk="0" hangingPunct="1">
-        <a:lnSpc>
-          <a:spcPct val="90000"/>
-        </a:lnSpc>
+      <a:lvl2pPr marL="742950" indent="-285750" algn="l" defTabSz="457200" rtl="0" eaLnBrk="1" latinLnBrk="0" hangingPunct="1">
         <a:spcBef>
           <a:spcPts val="1000"/>
         </a:spcBef>
-        <a:buFont typeface="Arial" panose="020B0604020202020204" pitchFamily="34" charset="0"/>
-        <a:buChar char="•"/>
-        <a:defRPr sz="2800" kern="1200">
+        <a:spcAft>
+          <a:spcPts val="0"/>
+        </a:spcAft>
+        <a:buClr>
+          <a:schemeClr val="accent1"/>
+        </a:buClr>
+        <a:buSzPct val="80000"/>
+        <a:buFont typeface="Wingdings 3" charset="2"/>
+        <a:buChar char=""/>
+        <a:defRPr sz="1800" b="0" i="0" kern="1200">
+          <a:solidFill>
+            <a:schemeClr val="tx1"/>
+          </a:solidFill>
+          <a:latin typeface="+mj-lt"/>
+          <a:ea typeface="+mj-ea"/>
+          <a:cs typeface="+mj-cs"/>
+        </a:defRPr>
+      </a:lvl2pPr>
+      <a:lvl3pPr marL="1143000" indent="-228600" algn="l" defTabSz="457200" rtl="0" eaLnBrk="1" latinLnBrk="0" hangingPunct="1">
+        <a:spcBef>
+          <a:spcPts val="1000"/>
+        </a:spcBef>
+        <a:spcAft>
+          <a:spcPts val="0"/>
+        </a:spcAft>
+        <a:buClr>
+          <a:schemeClr val="accent1"/>
+        </a:buClr>
+        <a:buSzPct val="80000"/>
+        <a:buFont typeface="Wingdings 3" charset="2"/>
+        <a:buChar char=""/>
+        <a:defRPr sz="1600" b="0" i="0" kern="1200">
+          <a:solidFill>
+            <a:schemeClr val="tx1"/>
+          </a:solidFill>
+          <a:latin typeface="+mj-lt"/>
+          <a:ea typeface="+mj-ea"/>
+          <a:cs typeface="+mj-cs"/>
+        </a:defRPr>
+      </a:lvl3pPr>
+      <a:lvl4pPr marL="1600200" indent="-228600" algn="l" defTabSz="457200" rtl="0" eaLnBrk="1" latinLnBrk="0" hangingPunct="1">
+        <a:spcBef>
+          <a:spcPts val="1000"/>
+        </a:spcBef>
+        <a:spcAft>
+          <a:spcPts val="0"/>
+        </a:spcAft>
+        <a:buClr>
+          <a:schemeClr val="accent1"/>
+        </a:buClr>
+        <a:buSzPct val="80000"/>
+        <a:buFont typeface="Wingdings 3" charset="2"/>
+        <a:buChar char=""/>
+        <a:defRPr sz="1400" b="0" i="0" kern="1200">
+          <a:solidFill>
+            <a:schemeClr val="tx1"/>
+          </a:solidFill>
+          <a:latin typeface="+mj-lt"/>
+          <a:ea typeface="+mj-ea"/>
+          <a:cs typeface="+mj-cs"/>
+        </a:defRPr>
+      </a:lvl4pPr>
+      <a:lvl5pPr marL="2057400" indent="-228600" algn="l" defTabSz="457200" rtl="0" eaLnBrk="1" latinLnBrk="0" hangingPunct="1">
+        <a:spcBef>
+          <a:spcPts val="1000"/>
+        </a:spcBef>
+        <a:spcAft>
+          <a:spcPts val="0"/>
+        </a:spcAft>
+        <a:buClr>
+          <a:schemeClr val="accent1"/>
+        </a:buClr>
+        <a:buSzPct val="80000"/>
+        <a:buFont typeface="Wingdings 3" charset="2"/>
+        <a:buChar char=""/>
+        <a:defRPr sz="1400" b="0" i="0" kern="1200">
+          <a:solidFill>
+            <a:schemeClr val="tx1"/>
+          </a:solidFill>
+          <a:latin typeface="+mj-lt"/>
+          <a:ea typeface="+mj-ea"/>
+          <a:cs typeface="+mj-cs"/>
+        </a:defRPr>
+      </a:lvl5pPr>
+      <a:lvl6pPr marL="2514600" indent="-228600" algn="l" defTabSz="457200" rtl="0" eaLnBrk="1" latinLnBrk="0" hangingPunct="1">
+        <a:spcBef>
+          <a:spcPts val="1000"/>
+        </a:spcBef>
+        <a:spcAft>
+          <a:spcPts val="0"/>
+        </a:spcAft>
+        <a:buClr>
+          <a:schemeClr val="accent1"/>
+        </a:buClr>
+        <a:buSzPct val="80000"/>
+        <a:buFont typeface="Wingdings 3" charset="2"/>
+        <a:buChar char=""/>
+        <a:defRPr sz="1400" b="0" i="0" kern="1200">
+          <a:solidFill>
+            <a:schemeClr val="tx1"/>
+          </a:solidFill>
+          <a:latin typeface="+mj-lt"/>
+          <a:ea typeface="+mj-ea"/>
+          <a:cs typeface="+mj-cs"/>
+        </a:defRPr>
+      </a:lvl6pPr>
+      <a:lvl7pPr marL="2971800" indent="-228600" algn="l" defTabSz="457200" rtl="0" eaLnBrk="1" latinLnBrk="0" hangingPunct="1">
+        <a:spcBef>
+          <a:spcPts val="1000"/>
+        </a:spcBef>
+        <a:spcAft>
+          <a:spcPts val="0"/>
+        </a:spcAft>
+        <a:buClr>
+          <a:schemeClr val="accent1"/>
+        </a:buClr>
+        <a:buSzPct val="80000"/>
+        <a:buFont typeface="Wingdings 3" charset="2"/>
+        <a:buChar char=""/>
+        <a:defRPr sz="1400" b="0" i="0" kern="1200">
+          <a:solidFill>
+            <a:schemeClr val="tx1"/>
+          </a:solidFill>
+          <a:latin typeface="+mj-lt"/>
+          <a:ea typeface="+mj-ea"/>
+          <a:cs typeface="+mj-cs"/>
+        </a:defRPr>
+      </a:lvl7pPr>
+      <a:lvl8pPr marL="3429000" indent="-228600" algn="l" defTabSz="457200" rtl="0" eaLnBrk="1" latinLnBrk="0" hangingPunct="1">
+        <a:spcBef>
+          <a:spcPts val="1000"/>
+        </a:spcBef>
+        <a:spcAft>
+          <a:spcPts val="0"/>
+        </a:spcAft>
+        <a:buClr>
+          <a:schemeClr val="accent1"/>
+        </a:buClr>
+        <a:buSzPct val="80000"/>
+        <a:buFont typeface="Wingdings 3" charset="2"/>
+        <a:buChar char=""/>
+        <a:defRPr sz="1400" b="0" i="0" kern="1200">
+          <a:solidFill>
+            <a:schemeClr val="tx1"/>
+          </a:solidFill>
+          <a:latin typeface="+mj-lt"/>
+          <a:ea typeface="+mj-ea"/>
+          <a:cs typeface="+mj-cs"/>
+        </a:defRPr>
+      </a:lvl8pPr>
+      <a:lvl9pPr marL="3886200" indent="-228600" algn="l" defTabSz="457200" rtl="0" eaLnBrk="1" latinLnBrk="0" hangingPunct="1">
+        <a:spcBef>
+          <a:spcPts val="1000"/>
+        </a:spcBef>
+        <a:spcAft>
+          <a:spcPts val="0"/>
+        </a:spcAft>
+        <a:buClr>
+          <a:schemeClr val="accent1"/>
+        </a:buClr>
+        <a:buSzPct val="80000"/>
+        <a:buFont typeface="Wingdings 3" charset="2"/>
+        <a:buChar char=""/>
+        <a:defRPr sz="1400" b="0" i="0" kern="1200">
+          <a:solidFill>
+            <a:schemeClr val="tx1"/>
+          </a:solidFill>
+          <a:latin typeface="+mj-lt"/>
+          <a:ea typeface="+mj-ea"/>
+          <a:cs typeface="+mj-cs"/>
+        </a:defRPr>
+      </a:lvl9pPr>
+    </p:bodyStyle>
+    <p:otherStyle>
+      <a:defPPr>
+        <a:defRPr lang="en-US"/>
+      </a:defPPr>
+      <a:lvl1pPr marL="0" algn="l" defTabSz="457200" rtl="0" eaLnBrk="1" latinLnBrk="0" hangingPunct="1">
+        <a:defRPr sz="1800" kern="1200">
           <a:solidFill>
             <a:schemeClr val="tx1"/>
           </a:solidFill>
@@ -3077,16 +6274,8 @@
           <a:cs typeface="+mn-cs"/>
         </a:defRPr>
       </a:lvl1pPr>
-      <a:lvl2pPr marL="685800" indent="-228600" algn="l" defTabSz="914400" rtl="0" eaLnBrk="1" latinLnBrk="0" hangingPunct="1">
-        <a:lnSpc>
-          <a:spcPct val="90000"/>
-        </a:lnSpc>
-        <a:spcBef>
-          <a:spcPts val="500"/>
-        </a:spcBef>
-        <a:buFont typeface="Arial" panose="020B0604020202020204" pitchFamily="34" charset="0"/>
-        <a:buChar char="•"/>
-        <a:defRPr sz="2400" kern="1200">
+      <a:lvl2pPr marL="457200" algn="l" defTabSz="457200" rtl="0" eaLnBrk="1" latinLnBrk="0" hangingPunct="1">
+        <a:defRPr sz="1800" kern="1200">
           <a:solidFill>
             <a:schemeClr val="tx1"/>
           </a:solidFill>
@@ -3095,16 +6284,8 @@
           <a:cs typeface="+mn-cs"/>
         </a:defRPr>
       </a:lvl2pPr>
-      <a:lvl3pPr marL="1143000" indent="-228600" algn="l" defTabSz="914400" rtl="0" eaLnBrk="1" latinLnBrk="0" hangingPunct="1">
-        <a:lnSpc>
-          <a:spcPct val="90000"/>
-        </a:lnSpc>
-        <a:spcBef>
-          <a:spcPts val="500"/>
-        </a:spcBef>
-        <a:buFont typeface="Arial" panose="020B0604020202020204" pitchFamily="34" charset="0"/>
-        <a:buChar char="•"/>
-        <a:defRPr sz="2000" kern="1200">
+      <a:lvl3pPr marL="914400" algn="l" defTabSz="457200" rtl="0" eaLnBrk="1" latinLnBrk="0" hangingPunct="1">
+        <a:defRPr sz="1800" kern="1200">
           <a:solidFill>
             <a:schemeClr val="tx1"/>
           </a:solidFill>
@@ -3113,15 +6294,7 @@
           <a:cs typeface="+mn-cs"/>
         </a:defRPr>
       </a:lvl3pPr>
-      <a:lvl4pPr marL="1600200" indent="-228600" algn="l" defTabSz="914400" rtl="0" eaLnBrk="1" latinLnBrk="0" hangingPunct="1">
-        <a:lnSpc>
-          <a:spcPct val="90000"/>
-        </a:lnSpc>
-        <a:spcBef>
-          <a:spcPts val="500"/>
-        </a:spcBef>
-        <a:buFont typeface="Arial" panose="020B0604020202020204" pitchFamily="34" charset="0"/>
-        <a:buChar char="•"/>
+      <a:lvl4pPr marL="1371600" algn="l" defTabSz="457200" rtl="0" eaLnBrk="1" latinLnBrk="0" hangingPunct="1">
         <a:defRPr sz="1800" kern="1200">
           <a:solidFill>
             <a:schemeClr val="tx1"/>
@@ -3131,15 +6304,7 @@
           <a:cs typeface="+mn-cs"/>
         </a:defRPr>
       </a:lvl4pPr>
-      <a:lvl5pPr marL="2057400" indent="-228600" algn="l" defTabSz="914400" rtl="0" eaLnBrk="1" latinLnBrk="0" hangingPunct="1">
-        <a:lnSpc>
-          <a:spcPct val="90000"/>
-        </a:lnSpc>
-        <a:spcBef>
-          <a:spcPts val="500"/>
-        </a:spcBef>
-        <a:buFont typeface="Arial" panose="020B0604020202020204" pitchFamily="34" charset="0"/>
-        <a:buChar char="•"/>
+      <a:lvl5pPr marL="1828800" algn="l" defTabSz="457200" rtl="0" eaLnBrk="1" latinLnBrk="0" hangingPunct="1">
         <a:defRPr sz="1800" kern="1200">
           <a:solidFill>
             <a:schemeClr val="tx1"/>
@@ -3149,15 +6314,7 @@
           <a:cs typeface="+mn-cs"/>
         </a:defRPr>
       </a:lvl5pPr>
-      <a:lvl6pPr marL="2514600" indent="-228600" algn="l" defTabSz="914400" rtl="0" eaLnBrk="1" latinLnBrk="0" hangingPunct="1">
-        <a:lnSpc>
-          <a:spcPct val="90000"/>
-        </a:lnSpc>
-        <a:spcBef>
-          <a:spcPts val="500"/>
-        </a:spcBef>
-        <a:buFont typeface="Arial" panose="020B0604020202020204" pitchFamily="34" charset="0"/>
-        <a:buChar char="•"/>
+      <a:lvl6pPr marL="2286000" algn="l" defTabSz="457200" rtl="0" eaLnBrk="1" latinLnBrk="0" hangingPunct="1">
         <a:defRPr sz="1800" kern="1200">
           <a:solidFill>
             <a:schemeClr val="tx1"/>
@@ -3167,15 +6324,7 @@
           <a:cs typeface="+mn-cs"/>
         </a:defRPr>
       </a:lvl6pPr>
-      <a:lvl7pPr marL="2971800" indent="-228600" algn="l" defTabSz="914400" rtl="0" eaLnBrk="1" latinLnBrk="0" hangingPunct="1">
-        <a:lnSpc>
-          <a:spcPct val="90000"/>
-        </a:lnSpc>
-        <a:spcBef>
-          <a:spcPts val="500"/>
-        </a:spcBef>
-        <a:buFont typeface="Arial" panose="020B0604020202020204" pitchFamily="34" charset="0"/>
-        <a:buChar char="•"/>
+      <a:lvl7pPr marL="2743200" algn="l" defTabSz="457200" rtl="0" eaLnBrk="1" latinLnBrk="0" hangingPunct="1">
         <a:defRPr sz="1800" kern="1200">
           <a:solidFill>
             <a:schemeClr val="tx1"/>
@@ -3185,15 +6334,7 @@
           <a:cs typeface="+mn-cs"/>
         </a:defRPr>
       </a:lvl7pPr>
-      <a:lvl8pPr marL="3429000" indent="-228600" algn="l" defTabSz="914400" rtl="0" eaLnBrk="1" latinLnBrk="0" hangingPunct="1">
-        <a:lnSpc>
-          <a:spcPct val="90000"/>
-        </a:lnSpc>
-        <a:spcBef>
-          <a:spcPts val="500"/>
-        </a:spcBef>
-        <a:buFont typeface="Arial" panose="020B0604020202020204" pitchFamily="34" charset="0"/>
-        <a:buChar char="•"/>
+      <a:lvl8pPr marL="3200400" algn="l" defTabSz="457200" rtl="0" eaLnBrk="1" latinLnBrk="0" hangingPunct="1">
         <a:defRPr sz="1800" kern="1200">
           <a:solidFill>
             <a:schemeClr val="tx1"/>
@@ -3203,110 +6344,7 @@
           <a:cs typeface="+mn-cs"/>
         </a:defRPr>
       </a:lvl8pPr>
-      <a:lvl9pPr marL="3886200" indent="-228600" algn="l" defTabSz="914400" rtl="0" eaLnBrk="1" latinLnBrk="0" hangingPunct="1">
-        <a:lnSpc>
-          <a:spcPct val="90000"/>
-        </a:lnSpc>
-        <a:spcBef>
-          <a:spcPts val="500"/>
-        </a:spcBef>
-        <a:buFont typeface="Arial" panose="020B0604020202020204" pitchFamily="34" charset="0"/>
-        <a:buChar char="•"/>
-        <a:defRPr sz="1800" kern="1200">
-          <a:solidFill>
-            <a:schemeClr val="tx1"/>
-          </a:solidFill>
-          <a:latin typeface="+mn-lt"/>
-          <a:ea typeface="+mn-ea"/>
-          <a:cs typeface="+mn-cs"/>
-        </a:defRPr>
-      </a:lvl9pPr>
-    </p:bodyStyle>
-    <p:otherStyle>
-      <a:defPPr>
-        <a:defRPr lang="zh-CN"/>
-      </a:defPPr>
-      <a:lvl1pPr marL="0" algn="l" defTabSz="914400" rtl="0" eaLnBrk="1" latinLnBrk="0" hangingPunct="1">
-        <a:defRPr sz="1800" kern="1200">
-          <a:solidFill>
-            <a:schemeClr val="tx1"/>
-          </a:solidFill>
-          <a:latin typeface="+mn-lt"/>
-          <a:ea typeface="+mn-ea"/>
-          <a:cs typeface="+mn-cs"/>
-        </a:defRPr>
-      </a:lvl1pPr>
-      <a:lvl2pPr marL="457200" algn="l" defTabSz="914400" rtl="0" eaLnBrk="1" latinLnBrk="0" hangingPunct="1">
-        <a:defRPr sz="1800" kern="1200">
-          <a:solidFill>
-            <a:schemeClr val="tx1"/>
-          </a:solidFill>
-          <a:latin typeface="+mn-lt"/>
-          <a:ea typeface="+mn-ea"/>
-          <a:cs typeface="+mn-cs"/>
-        </a:defRPr>
-      </a:lvl2pPr>
-      <a:lvl3pPr marL="914400" algn="l" defTabSz="914400" rtl="0" eaLnBrk="1" latinLnBrk="0" hangingPunct="1">
-        <a:defRPr sz="1800" kern="1200">
-          <a:solidFill>
-            <a:schemeClr val="tx1"/>
-          </a:solidFill>
-          <a:latin typeface="+mn-lt"/>
-          <a:ea typeface="+mn-ea"/>
-          <a:cs typeface="+mn-cs"/>
-        </a:defRPr>
-      </a:lvl3pPr>
-      <a:lvl4pPr marL="1371600" algn="l" defTabSz="914400" rtl="0" eaLnBrk="1" latinLnBrk="0" hangingPunct="1">
-        <a:defRPr sz="1800" kern="1200">
-          <a:solidFill>
-            <a:schemeClr val="tx1"/>
-          </a:solidFill>
-          <a:latin typeface="+mn-lt"/>
-          <a:ea typeface="+mn-ea"/>
-          <a:cs typeface="+mn-cs"/>
-        </a:defRPr>
-      </a:lvl4pPr>
-      <a:lvl5pPr marL="1828800" algn="l" defTabSz="914400" rtl="0" eaLnBrk="1" latinLnBrk="0" hangingPunct="1">
-        <a:defRPr sz="1800" kern="1200">
-          <a:solidFill>
-            <a:schemeClr val="tx1"/>
-          </a:solidFill>
-          <a:latin typeface="+mn-lt"/>
-          <a:ea typeface="+mn-ea"/>
-          <a:cs typeface="+mn-cs"/>
-        </a:defRPr>
-      </a:lvl5pPr>
-      <a:lvl6pPr marL="2286000" algn="l" defTabSz="914400" rtl="0" eaLnBrk="1" latinLnBrk="0" hangingPunct="1">
-        <a:defRPr sz="1800" kern="1200">
-          <a:solidFill>
-            <a:schemeClr val="tx1"/>
-          </a:solidFill>
-          <a:latin typeface="+mn-lt"/>
-          <a:ea typeface="+mn-ea"/>
-          <a:cs typeface="+mn-cs"/>
-        </a:defRPr>
-      </a:lvl6pPr>
-      <a:lvl7pPr marL="2743200" algn="l" defTabSz="914400" rtl="0" eaLnBrk="1" latinLnBrk="0" hangingPunct="1">
-        <a:defRPr sz="1800" kern="1200">
-          <a:solidFill>
-            <a:schemeClr val="tx1"/>
-          </a:solidFill>
-          <a:latin typeface="+mn-lt"/>
-          <a:ea typeface="+mn-ea"/>
-          <a:cs typeface="+mn-cs"/>
-        </a:defRPr>
-      </a:lvl7pPr>
-      <a:lvl8pPr marL="3200400" algn="l" defTabSz="914400" rtl="0" eaLnBrk="1" latinLnBrk="0" hangingPunct="1">
-        <a:defRPr sz="1800" kern="1200">
-          <a:solidFill>
-            <a:schemeClr val="tx1"/>
-          </a:solidFill>
-          <a:latin typeface="+mn-lt"/>
-          <a:ea typeface="+mn-ea"/>
-          <a:cs typeface="+mn-cs"/>
-        </a:defRPr>
-      </a:lvl8pPr>
-      <a:lvl9pPr marL="3657600" algn="l" defTabSz="914400" rtl="0" eaLnBrk="1" latinLnBrk="0" hangingPunct="1">
+      <a:lvl9pPr marL="3657600" algn="l" defTabSz="457200" rtl="0" eaLnBrk="1" latinLnBrk="0" hangingPunct="1">
         <a:defRPr sz="1800" kern="1200">
           <a:solidFill>
             <a:schemeClr val="tx1"/>
@@ -3354,18 +6392,20 @@
             <p:ph type="ctrTitle"/>
           </p:nvPr>
         </p:nvSpPr>
-        <p:spPr/>
+        <p:spPr>
+          <a:xfrm>
+            <a:off x="1737042" y="1769179"/>
+            <a:ext cx="8717915" cy="1659821"/>
+          </a:xfrm>
+        </p:spPr>
         <p:txBody>
           <a:bodyPr/>
           <a:lstStyle/>
           <a:p>
-            <a:r>
-              <a:rPr lang="en-US" altLang="zh-CN" dirty="0" err="1"/>
-              <a:t>Vue+jest</a:t>
-            </a:r>
+            <a:pPr algn="ctr"/>
             <a:r>
               <a:rPr lang="zh-CN" altLang="en-US" dirty="0"/>
-              <a:t>自动化</a:t>
+              <a:t>自动化测试</a:t>
             </a:r>
           </a:p>
         </p:txBody>
@@ -3386,12 +6426,20 @@
             <p:ph type="subTitle" idx="1"/>
           </p:nvPr>
         </p:nvSpPr>
-        <p:spPr/>
+        <p:spPr>
+          <a:xfrm>
+            <a:off x="8284625" y="4022006"/>
+            <a:ext cx="1362958" cy="470481"/>
+          </a:xfrm>
+        </p:spPr>
         <p:txBody>
           <a:bodyPr/>
           <a:lstStyle/>
           <a:p>
-            <a:endParaRPr lang="zh-CN" altLang="en-US" dirty="0"/>
+            <a:r>
+              <a:rPr lang="zh-CN" altLang="en-US" dirty="0"/>
+              <a:t>王博书</a:t>
+            </a:r>
           </a:p>
         </p:txBody>
       </p:sp>
@@ -3440,7 +6488,7 @@
         <p:spPr>
           <a:xfrm>
             <a:off x="2160104" y="1272209"/>
-            <a:ext cx="7857985" cy="2585323"/>
+            <a:ext cx="7901266" cy="2862322"/>
           </a:xfrm>
           <a:prstGeom prst="rect">
             <a:avLst/>
@@ -3460,11 +6508,11 @@
             <a:endParaRPr lang="en-US" altLang="zh-CN" dirty="0"/>
           </a:p>
           <a:p>
+            <a:endParaRPr lang="en-US" altLang="zh-CN" dirty="0"/>
+          </a:p>
+          <a:p>
             <a:r>
               <a:rPr lang="en-US" altLang="zh-CN" b="1" i="0" dirty="0">
-                <a:solidFill>
-                  <a:srgbClr val="4F4F4F"/>
-                </a:solidFill>
                 <a:effectLst/>
                 <a:latin typeface="PingFang SC"/>
               </a:rPr>
@@ -3472,9 +6520,6 @@
             </a:r>
             <a:r>
               <a:rPr lang="en-US" altLang="zh-CN" b="1" i="0" dirty="0" err="1">
-                <a:solidFill>
-                  <a:srgbClr val="4F4F4F"/>
-                </a:solidFill>
                 <a:effectLst/>
                 <a:latin typeface="PingFang SC"/>
               </a:rPr>
@@ -3482,9 +6527,6 @@
             </a:r>
             <a:r>
               <a:rPr lang="en-US" altLang="zh-CN" b="1" i="0" dirty="0">
-                <a:solidFill>
-                  <a:srgbClr val="4F4F4F"/>
-                </a:solidFill>
                 <a:effectLst/>
                 <a:latin typeface="PingFang SC"/>
               </a:rPr>
@@ -3492,9 +6534,6 @@
             </a:r>
             <a:r>
               <a:rPr lang="zh-CN" altLang="en-US" b="1" i="0" dirty="0">
-                <a:solidFill>
-                  <a:srgbClr val="4F4F4F"/>
-                </a:solidFill>
                 <a:effectLst/>
                 <a:latin typeface="PingFang SC"/>
               </a:rPr>
@@ -3502,9 +6541,6 @@
             </a:r>
             <a:r>
               <a:rPr lang="en-US" altLang="zh-CN" b="1" i="0" dirty="0">
-                <a:solidFill>
-                  <a:srgbClr val="4F4F4F"/>
-                </a:solidFill>
                 <a:effectLst/>
                 <a:latin typeface="PingFang SC"/>
               </a:rPr>
@@ -3514,9 +6550,6 @@
           <a:p>
             <a:r>
               <a:rPr lang="en-US" altLang="zh-CN" b="1" i="0" dirty="0">
-                <a:solidFill>
-                  <a:srgbClr val="4F4F4F"/>
-                </a:solidFill>
                 <a:effectLst/>
                 <a:latin typeface="PingFang SC"/>
               </a:rPr>
@@ -3524,9 +6557,6 @@
             </a:r>
             <a:r>
               <a:rPr lang="en-US" altLang="zh-CN" b="1" i="0" dirty="0" err="1">
-                <a:solidFill>
-                  <a:srgbClr val="4F4F4F"/>
-                </a:solidFill>
                 <a:effectLst/>
                 <a:latin typeface="PingFang SC"/>
               </a:rPr>
@@ -3534,9 +6564,6 @@
             </a:r>
             <a:r>
               <a:rPr lang="en-US" altLang="zh-CN" b="1" i="0" dirty="0">
-                <a:solidFill>
-                  <a:srgbClr val="4F4F4F"/>
-                </a:solidFill>
                 <a:effectLst/>
                 <a:latin typeface="PingFang SC"/>
               </a:rPr>
@@ -3544,9 +6571,6 @@
             </a:r>
             <a:r>
               <a:rPr lang="zh-CN" altLang="en-US" b="1" i="0" dirty="0">
-                <a:solidFill>
-                  <a:srgbClr val="4F4F4F"/>
-                </a:solidFill>
                 <a:effectLst/>
                 <a:latin typeface="PingFang SC"/>
               </a:rPr>
@@ -3556,9 +6580,6 @@
           <a:p>
             <a:r>
               <a:rPr lang="en-US" altLang="zh-CN" b="1" i="0" dirty="0">
-                <a:solidFill>
-                  <a:srgbClr val="4F4F4F"/>
-                </a:solidFill>
                 <a:effectLst/>
                 <a:latin typeface="PingFang SC"/>
               </a:rPr>
@@ -3566,9 +6587,6 @@
             </a:r>
             <a:r>
               <a:rPr lang="en-US" altLang="zh-CN" b="1" i="0" dirty="0" err="1">
-                <a:solidFill>
-                  <a:srgbClr val="4F4F4F"/>
-                </a:solidFill>
                 <a:effectLst/>
                 <a:latin typeface="PingFang SC"/>
               </a:rPr>
@@ -3576,9 +6594,6 @@
             </a:r>
             <a:r>
               <a:rPr lang="en-US" altLang="zh-CN" b="1" i="0" dirty="0">
-                <a:solidFill>
-                  <a:srgbClr val="4F4F4F"/>
-                </a:solidFill>
                 <a:effectLst/>
                 <a:latin typeface="PingFang SC"/>
               </a:rPr>
@@ -3586,9 +6601,6 @@
             </a:r>
             <a:r>
               <a:rPr lang="zh-CN" altLang="en-US" b="1" i="0" dirty="0">
-                <a:solidFill>
-                  <a:srgbClr val="4F4F4F"/>
-                </a:solidFill>
                 <a:effectLst/>
                 <a:latin typeface="PingFang SC"/>
               </a:rPr>
@@ -3596,9 +6608,6 @@
             </a:r>
             <a:r>
               <a:rPr lang="en-US" altLang="zh-CN" b="1" i="0" dirty="0">
-                <a:solidFill>
-                  <a:srgbClr val="4F4F4F"/>
-                </a:solidFill>
                 <a:effectLst/>
                 <a:latin typeface="PingFang SC"/>
               </a:rPr>
@@ -3606,9 +6615,6 @@
             </a:r>
             <a:r>
               <a:rPr lang="zh-CN" altLang="en-US" b="1" i="0" dirty="0">
-                <a:solidFill>
-                  <a:srgbClr val="4F4F4F"/>
-                </a:solidFill>
                 <a:effectLst/>
                 <a:latin typeface="PingFang SC"/>
               </a:rPr>
@@ -3618,9 +6624,6 @@
           <a:p>
             <a:r>
               <a:rPr lang="en-US" altLang="zh-CN" b="1" i="0" dirty="0">
-                <a:solidFill>
-                  <a:srgbClr val="4F4F4F"/>
-                </a:solidFill>
                 <a:effectLst/>
                 <a:latin typeface="PingFang SC"/>
               </a:rPr>
@@ -3628,9 +6631,6 @@
             </a:r>
             <a:r>
               <a:rPr lang="en-US" altLang="zh-CN" b="1" i="0" dirty="0" err="1">
-                <a:solidFill>
-                  <a:srgbClr val="4F4F4F"/>
-                </a:solidFill>
                 <a:effectLst/>
                 <a:latin typeface="PingFang SC"/>
               </a:rPr>
@@ -3638,9 +6638,6 @@
             </a:r>
             <a:r>
               <a:rPr lang="en-US" altLang="zh-CN" b="1" i="0" dirty="0">
-                <a:solidFill>
-                  <a:srgbClr val="4F4F4F"/>
-                </a:solidFill>
                 <a:effectLst/>
                 <a:latin typeface="PingFang SC"/>
               </a:rPr>
@@ -3648,9 +6645,6 @@
             </a:r>
             <a:r>
               <a:rPr lang="zh-CN" altLang="en-US" b="1" i="0" dirty="0">
-                <a:solidFill>
-                  <a:srgbClr val="4F4F4F"/>
-                </a:solidFill>
                 <a:effectLst/>
                 <a:latin typeface="PingFang SC"/>
               </a:rPr>
@@ -3658,9 +6652,6 @@
             </a:r>
             <a:r>
               <a:rPr lang="en-US" altLang="zh-CN" b="1" i="0" dirty="0">
-                <a:solidFill>
-                  <a:srgbClr val="4F4F4F"/>
-                </a:solidFill>
                 <a:effectLst/>
                 <a:latin typeface="PingFang SC"/>
               </a:rPr>
@@ -3668,9 +6659,6 @@
             </a:r>
             <a:r>
               <a:rPr lang="zh-CN" altLang="en-US" b="1" i="0" dirty="0">
-                <a:solidFill>
-                  <a:srgbClr val="4F4F4F"/>
-                </a:solidFill>
                 <a:effectLst/>
                 <a:latin typeface="PingFang SC"/>
               </a:rPr>
@@ -3680,9 +6668,6 @@
           <a:p>
             <a:r>
               <a:rPr lang="en-US" altLang="zh-CN" b="1" i="0" dirty="0">
-                <a:solidFill>
-                  <a:srgbClr val="4F4F4F"/>
-                </a:solidFill>
                 <a:effectLst/>
                 <a:latin typeface="PingFang SC"/>
               </a:rPr>
@@ -3690,9 +6675,6 @@
             </a:r>
             <a:r>
               <a:rPr lang="en-US" altLang="zh-CN" b="1" i="0" dirty="0" err="1">
-                <a:solidFill>
-                  <a:srgbClr val="4F4F4F"/>
-                </a:solidFill>
                 <a:effectLst/>
                 <a:latin typeface="PingFang SC"/>
               </a:rPr>
@@ -3700,9 +6682,6 @@
             </a:r>
             <a:r>
               <a:rPr lang="en-US" altLang="zh-CN" b="1" i="0" dirty="0">
-                <a:solidFill>
-                  <a:srgbClr val="4F4F4F"/>
-                </a:solidFill>
                 <a:effectLst/>
                 <a:latin typeface="PingFang SC"/>
               </a:rPr>
@@ -3710,9 +6689,6 @@
             </a:r>
             <a:r>
               <a:rPr lang="zh-CN" altLang="en-US" b="1" i="0" dirty="0">
-                <a:solidFill>
-                  <a:srgbClr val="4F4F4F"/>
-                </a:solidFill>
                 <a:effectLst/>
                 <a:latin typeface="PingFang SC"/>
               </a:rPr>
@@ -3720,9 +6696,6 @@
             </a:r>
             <a:r>
               <a:rPr lang="en-US" altLang="zh-CN" b="1" i="0" dirty="0">
-                <a:solidFill>
-                  <a:srgbClr val="4F4F4F"/>
-                </a:solidFill>
                 <a:effectLst/>
                 <a:latin typeface="PingFang SC"/>
               </a:rPr>
@@ -3730,9 +6703,6 @@
             </a:r>
             <a:r>
               <a:rPr lang="zh-CN" altLang="en-US" b="1" i="0" dirty="0">
-                <a:solidFill>
-                  <a:srgbClr val="4F4F4F"/>
-                </a:solidFill>
                 <a:effectLst/>
                 <a:latin typeface="PingFang SC"/>
               </a:rPr>
@@ -3742,9 +6712,6 @@
           <a:p>
             <a:r>
               <a:rPr lang="en-US" altLang="zh-CN" b="1" i="0" dirty="0">
-                <a:solidFill>
-                  <a:srgbClr val="4F4F4F"/>
-                </a:solidFill>
                 <a:effectLst/>
                 <a:latin typeface="PingFang SC"/>
               </a:rPr>
@@ -3752,9 +6719,6 @@
             </a:r>
             <a:r>
               <a:rPr lang="en-US" altLang="zh-CN" b="1" i="0" dirty="0" err="1">
-                <a:solidFill>
-                  <a:srgbClr val="4F4F4F"/>
-                </a:solidFill>
                 <a:effectLst/>
                 <a:latin typeface="PingFang SC"/>
               </a:rPr>
@@ -3762,9 +6726,6 @@
             </a:r>
             <a:r>
               <a:rPr lang="en-US" altLang="zh-CN" b="1" i="0" dirty="0">
-                <a:solidFill>
-                  <a:srgbClr val="4F4F4F"/>
-                </a:solidFill>
                 <a:effectLst/>
                 <a:latin typeface="PingFang SC"/>
               </a:rPr>
@@ -3772,9 +6733,6 @@
             </a:r>
             <a:r>
               <a:rPr lang="en-US" altLang="zh-CN" b="1" i="0" dirty="0" err="1">
-                <a:solidFill>
-                  <a:srgbClr val="4F4F4F"/>
-                </a:solidFill>
                 <a:effectLst/>
                 <a:latin typeface="PingFang SC"/>
               </a:rPr>
@@ -3782,9 +6740,6 @@
             </a:r>
             <a:r>
               <a:rPr lang="en-US" altLang="zh-CN" b="1" i="0" dirty="0">
-                <a:solidFill>
-                  <a:srgbClr val="4F4F4F"/>
-                </a:solidFill>
                 <a:effectLst/>
                 <a:latin typeface="PingFang SC"/>
               </a:rPr>
@@ -3792,9 +6747,6 @@
             </a:r>
             <a:r>
               <a:rPr lang="zh-CN" altLang="en-US" b="1" i="0" dirty="0">
-                <a:solidFill>
-                  <a:srgbClr val="4F4F4F"/>
-                </a:solidFill>
                 <a:effectLst/>
                 <a:latin typeface="PingFang SC"/>
               </a:rPr>
@@ -3804,9 +6756,6 @@
           <a:p>
             <a:r>
               <a:rPr lang="en-US" altLang="zh-CN" b="1" i="0" dirty="0">
-                <a:solidFill>
-                  <a:srgbClr val="4F4F4F"/>
-                </a:solidFill>
                 <a:effectLst/>
                 <a:latin typeface="PingFang SC"/>
               </a:rPr>
@@ -3814,9 +6763,6 @@
             </a:r>
             <a:r>
               <a:rPr lang="en-US" altLang="zh-CN" b="1" i="0" dirty="0" err="1">
-                <a:solidFill>
-                  <a:srgbClr val="4F4F4F"/>
-                </a:solidFill>
                 <a:effectLst/>
                 <a:latin typeface="PingFang SC"/>
               </a:rPr>
@@ -3824,9 +6770,6 @@
             </a:r>
             <a:r>
               <a:rPr lang="en-US" altLang="zh-CN" b="1" i="0" dirty="0">
-                <a:solidFill>
-                  <a:srgbClr val="4F4F4F"/>
-                </a:solidFill>
                 <a:effectLst/>
                 <a:latin typeface="PingFang SC"/>
               </a:rPr>
@@ -3834,9 +6777,6 @@
             </a:r>
             <a:r>
               <a:rPr lang="zh-CN" altLang="en-US" b="1" i="0" dirty="0">
-                <a:solidFill>
-                  <a:srgbClr val="4F4F4F"/>
-                </a:solidFill>
                 <a:effectLst/>
                 <a:latin typeface="PingFang SC"/>
               </a:rPr>
@@ -3844,9 +6784,6 @@
             </a:r>
             <a:r>
               <a:rPr lang="en-US" altLang="zh-CN" b="1" i="0" dirty="0">
-                <a:solidFill>
-                  <a:srgbClr val="4F4F4F"/>
-                </a:solidFill>
                 <a:effectLst/>
                 <a:latin typeface="PingFang SC"/>
               </a:rPr>
@@ -3854,9 +6791,6 @@
             </a:r>
             <a:r>
               <a:rPr lang="zh-CN" altLang="en-US" b="1" i="0" dirty="0">
-                <a:solidFill>
-                  <a:srgbClr val="4F4F4F"/>
-                </a:solidFill>
                 <a:effectLst/>
                 <a:latin typeface="PingFang SC"/>
               </a:rPr>
@@ -3864,9 +6798,6 @@
             </a:r>
             <a:r>
               <a:rPr lang="en-US" altLang="zh-CN" b="1" i="0" dirty="0">
-                <a:solidFill>
-                  <a:srgbClr val="4F4F4F"/>
-                </a:solidFill>
                 <a:effectLst/>
                 <a:latin typeface="PingFang SC"/>
               </a:rPr>
@@ -4037,7 +6968,7 @@
           <a:p>
             <a:r>
               <a:rPr lang="en-US" altLang="zh-CN" dirty="0"/>
-              <a:t>E2e</a:t>
+              <a:t>e2e</a:t>
             </a:r>
             <a:r>
               <a:rPr lang="zh-CN" altLang="en-US" dirty="0"/>
@@ -4192,7 +7123,7 @@
         <p:spPr>
           <a:xfrm>
             <a:off x="6987128" y="4078356"/>
-            <a:ext cx="4912346" cy="1938992"/>
+            <a:ext cx="4912346" cy="2154436"/>
           </a:xfrm>
           <a:prstGeom prst="rect">
             <a:avLst/>
@@ -4292,11 +7223,12 @@
             <a:endParaRPr lang="en-US" altLang="zh-CN" sz="1400" dirty="0"/>
           </a:p>
           <a:p>
+            <a:pPr lvl="1"/>
+            <a:endParaRPr lang="en-US" altLang="zh-CN" sz="1400" dirty="0"/>
+          </a:p>
+          <a:p>
             <a:r>
               <a:rPr lang="zh-CN" altLang="en-US" sz="1600" b="0" i="0" dirty="0">
-                <a:solidFill>
-                  <a:srgbClr val="555666"/>
-                </a:solidFill>
                 <a:effectLst/>
                 <a:latin typeface="-apple-system"/>
               </a:rPr>
@@ -4304,9 +7236,6 @@
             </a:r>
             <a:r>
               <a:rPr lang="en-US" altLang="zh-CN" sz="1600" b="0" i="0" dirty="0" err="1">
-                <a:solidFill>
-                  <a:srgbClr val="555666"/>
-                </a:solidFill>
                 <a:effectLst/>
                 <a:latin typeface="-apple-system"/>
               </a:rPr>
@@ -4314,9 +7243,6 @@
             </a:r>
             <a:r>
               <a:rPr lang="en-US" altLang="zh-CN" sz="1600" b="0" i="0" dirty="0">
-                <a:solidFill>
-                  <a:srgbClr val="555666"/>
-                </a:solidFill>
                 <a:effectLst/>
                 <a:latin typeface="-apple-system"/>
               </a:rPr>
@@ -4324,28 +7250,19 @@
             </a:r>
             <a:r>
               <a:rPr lang="zh-CN" altLang="en-US" sz="1600" dirty="0">
-                <a:solidFill>
-                  <a:srgbClr val="555666"/>
-                </a:solidFill>
                 <a:latin typeface="-apple-system"/>
               </a:rPr>
               <a:t>会自动创建</a:t>
             </a:r>
             <a:r>
               <a:rPr lang="en-US" altLang="zh-CN" sz="1600" b="0" i="0" dirty="0">
-                <a:solidFill>
-                  <a:srgbClr val="4D4D4D"/>
-                </a:solidFill>
                 <a:effectLst/>
                 <a:latin typeface="-apple-system"/>
               </a:rPr>
               <a:t>nightwatch.conf.js</a:t>
             </a:r>
             <a:r>
-              <a:rPr lang="zh-CN" altLang="en-US" sz="1600" b="0" i="0">
-                <a:solidFill>
-                  <a:srgbClr val="4D4D4D"/>
-                </a:solidFill>
+              <a:rPr lang="zh-CN" altLang="en-US" sz="1600" b="0" i="0" dirty="0">
                 <a:effectLst/>
                 <a:latin typeface="-apple-system"/>
               </a:rPr>
@@ -4436,7 +7353,7 @@
           <p:nvPr>
             <p:extLst>
               <p:ext uri="{D42A27DB-BD31-4B8C-83A1-F6EECF244321}">
-                <p14:modId xmlns:p14="http://schemas.microsoft.com/office/powerpoint/2010/main" val="1586838179"/>
+                <p14:modId xmlns:p14="http://schemas.microsoft.com/office/powerpoint/2010/main" val="3976656227"/>
               </p:ext>
             </p:extLst>
           </p:nvPr>
@@ -5348,10 +8265,10 @@
       </p:grpSpPr>
       <p:sp>
         <p:nvSpPr>
-          <p:cNvPr id="2" name="标题 1">
+          <p:cNvPr id="5" name="标题 1">
             <a:extLst>
               <a:ext uri="{FF2B5EF4-FFF2-40B4-BE49-F238E27FC236}">
-                <a16:creationId xmlns:a16="http://schemas.microsoft.com/office/drawing/2014/main" id="{689AF06E-DD47-4EB3-9C98-F42FB95683C2}"/>
+                <a16:creationId xmlns:a16="http://schemas.microsoft.com/office/drawing/2014/main" id="{DEF90652-C58E-4D5D-BCC6-1F0BF3693DCA}"/>
               </a:ext>
             </a:extLst>
           </p:cNvPr>
@@ -5362,13 +8279,26 @@
             <p:ph type="title"/>
           </p:nvPr>
         </p:nvSpPr>
-        <p:spPr/>
-        <p:txBody>
-          <a:bodyPr/>
+        <p:spPr>
+          <a:xfrm>
+            <a:off x="1037051" y="649358"/>
+            <a:ext cx="9404723" cy="1400530"/>
+          </a:xfrm>
+        </p:spPr>
+        <p:txBody>
+          <a:bodyPr>
+            <a:normAutofit/>
+          </a:bodyPr>
           <a:lstStyle/>
           <a:p>
             <a:r>
-              <a:rPr lang="zh-CN" altLang="en-US" dirty="0"/>
+              <a:rPr lang="zh-CN" altLang="en-US" sz="3600" b="1" dirty="0">
+                <a:solidFill>
+                  <a:schemeClr val="accent2"/>
+                </a:solidFill>
+                <a:latin typeface="微软雅黑" panose="020B0503020204020204" pitchFamily="34" charset="-122"/>
+                <a:ea typeface="微软雅黑" panose="020B0503020204020204" pitchFamily="34" charset="-122"/>
+              </a:rPr>
               <a:t>大纲</a:t>
             </a:r>
           </a:p>
@@ -5390,53 +8320,180 @@
             <p:ph idx="1"/>
           </p:nvPr>
         </p:nvSpPr>
-        <p:spPr/>
+        <p:spPr>
+          <a:xfrm>
+            <a:off x="1037051" y="1536083"/>
+            <a:ext cx="8946541" cy="4195481"/>
+          </a:xfrm>
+        </p:spPr>
         <p:txBody>
           <a:bodyPr/>
           <a:lstStyle/>
           <a:p>
-            <a:r>
-              <a:rPr lang="zh-CN" altLang="en-US" dirty="0"/>
+            <a:pPr>
+              <a:lnSpc>
+                <a:spcPts val="2400"/>
+              </a:lnSpc>
+              <a:spcBef>
+                <a:spcPts val="2400"/>
+              </a:spcBef>
+            </a:pPr>
+            <a:r>
+              <a:rPr lang="zh-CN" altLang="en-US" dirty="0">
+                <a:latin typeface="微软雅黑" panose="020B0503020204020204" pitchFamily="34" charset="-122"/>
+                <a:ea typeface="微软雅黑" panose="020B0503020204020204" pitchFamily="34" charset="-122"/>
+              </a:rPr>
               <a:t>为什么要做自动化测试</a:t>
             </a:r>
-            <a:endParaRPr lang="en-US" altLang="zh-CN" dirty="0"/>
-          </a:p>
-          <a:p>
-            <a:r>
-              <a:rPr lang="zh-CN" altLang="en-US" dirty="0"/>
-              <a:t>有哪些测试类型</a:t>
-            </a:r>
-            <a:endParaRPr lang="en-US" altLang="zh-CN" dirty="0"/>
-          </a:p>
-          <a:p>
-            <a:r>
-              <a:rPr lang="zh-CN" altLang="en-US" dirty="0"/>
-              <a:t>主流测试框架及为什么选择 </a:t>
-            </a:r>
-            <a:r>
-              <a:rPr lang="en-US" altLang="zh-CN" dirty="0"/>
+            <a:endParaRPr lang="en-US" altLang="zh-CN" dirty="0">
+              <a:latin typeface="微软雅黑" panose="020B0503020204020204" pitchFamily="34" charset="-122"/>
+              <a:ea typeface="微软雅黑" panose="020B0503020204020204" pitchFamily="34" charset="-122"/>
+            </a:endParaRPr>
+          </a:p>
+          <a:p>
+            <a:pPr>
+              <a:lnSpc>
+                <a:spcPts val="2400"/>
+              </a:lnSpc>
+              <a:spcBef>
+                <a:spcPts val="2400"/>
+              </a:spcBef>
+            </a:pPr>
+            <a:r>
+              <a:rPr lang="zh-CN" altLang="en-US" dirty="0">
+                <a:latin typeface="微软雅黑" panose="020B0503020204020204" pitchFamily="34" charset="-122"/>
+                <a:ea typeface="微软雅黑" panose="020B0503020204020204" pitchFamily="34" charset="-122"/>
+              </a:rPr>
+              <a:t>自动化测试类型</a:t>
+            </a:r>
+            <a:r>
+              <a:rPr lang="en-US" altLang="zh-CN" dirty="0">
+                <a:latin typeface="微软雅黑" panose="020B0503020204020204" pitchFamily="34" charset="-122"/>
+                <a:ea typeface="微软雅黑" panose="020B0503020204020204" pitchFamily="34" charset="-122"/>
+              </a:rPr>
+              <a:t>/</a:t>
+            </a:r>
+            <a:r>
+              <a:rPr lang="zh-CN" altLang="en-US" dirty="0">
+                <a:latin typeface="微软雅黑" panose="020B0503020204020204" pitchFamily="34" charset="-122"/>
+                <a:ea typeface="微软雅黑" panose="020B0503020204020204" pitchFamily="34" charset="-122"/>
+              </a:rPr>
+              <a:t>思路</a:t>
+            </a:r>
+            <a:endParaRPr lang="en-US" altLang="zh-CN" dirty="0">
+              <a:latin typeface="微软雅黑" panose="020B0503020204020204" pitchFamily="34" charset="-122"/>
+              <a:ea typeface="微软雅黑" panose="020B0503020204020204" pitchFamily="34" charset="-122"/>
+            </a:endParaRPr>
+          </a:p>
+          <a:p>
+            <a:pPr>
+              <a:lnSpc>
+                <a:spcPts val="2400"/>
+              </a:lnSpc>
+              <a:spcBef>
+                <a:spcPts val="2400"/>
+              </a:spcBef>
+            </a:pPr>
+            <a:r>
+              <a:rPr lang="zh-CN" altLang="en-US" dirty="0">
+                <a:latin typeface="微软雅黑" panose="020B0503020204020204" pitchFamily="34" charset="-122"/>
+                <a:ea typeface="微软雅黑" panose="020B0503020204020204" pitchFamily="34" charset="-122"/>
+              </a:rPr>
+              <a:t>单元测试框架</a:t>
+            </a:r>
+            <a:r>
+              <a:rPr lang="en-US" altLang="zh-CN" dirty="0">
+                <a:latin typeface="微软雅黑" panose="020B0503020204020204" pitchFamily="34" charset="-122"/>
+                <a:ea typeface="微软雅黑" panose="020B0503020204020204" pitchFamily="34" charset="-122"/>
+              </a:rPr>
               <a:t>jest</a:t>
             </a:r>
           </a:p>
           <a:p>
-            <a:r>
-              <a:rPr lang="en-US" altLang="zh-CN" dirty="0"/>
+            <a:pPr>
+              <a:lnSpc>
+                <a:spcPts val="2400"/>
+              </a:lnSpc>
+              <a:spcBef>
+                <a:spcPts val="2400"/>
+              </a:spcBef>
+            </a:pPr>
+            <a:r>
+              <a:rPr lang="en-US" altLang="zh-CN" dirty="0">
+                <a:latin typeface="微软雅黑" panose="020B0503020204020204" pitchFamily="34" charset="-122"/>
+                <a:ea typeface="微软雅黑" panose="020B0503020204020204" pitchFamily="34" charset="-122"/>
+              </a:rPr>
               <a:t>Jest</a:t>
             </a:r>
             <a:r>
-              <a:rPr lang="zh-CN" altLang="en-US" dirty="0"/>
+              <a:rPr lang="zh-CN" altLang="en-US" dirty="0">
+                <a:latin typeface="微软雅黑" panose="020B0503020204020204" pitchFamily="34" charset="-122"/>
+                <a:ea typeface="微软雅黑" panose="020B0503020204020204" pitchFamily="34" charset="-122"/>
+              </a:rPr>
               <a:t>基础使用介绍</a:t>
             </a:r>
-            <a:endParaRPr lang="en-US" altLang="zh-CN" dirty="0"/>
-          </a:p>
-          <a:p>
-            <a:r>
-              <a:rPr lang="en-US" altLang="zh-CN" dirty="0"/>
+            <a:endParaRPr lang="en-US" altLang="zh-CN" dirty="0">
+              <a:latin typeface="微软雅黑" panose="020B0503020204020204" pitchFamily="34" charset="-122"/>
+              <a:ea typeface="微软雅黑" panose="020B0503020204020204" pitchFamily="34" charset="-122"/>
+            </a:endParaRPr>
+          </a:p>
+          <a:p>
+            <a:pPr>
+              <a:lnSpc>
+                <a:spcPts val="2400"/>
+              </a:lnSpc>
+              <a:spcBef>
+                <a:spcPts val="2400"/>
+              </a:spcBef>
+            </a:pPr>
+            <a:r>
+              <a:rPr lang="en-US" altLang="zh-CN" dirty="0">
+                <a:latin typeface="微软雅黑" panose="020B0503020204020204" pitchFamily="34" charset="-122"/>
+                <a:ea typeface="微软雅黑" panose="020B0503020204020204" pitchFamily="34" charset="-122"/>
+              </a:rPr>
               <a:t>Vue + jest </a:t>
             </a:r>
             <a:r>
-              <a:rPr lang="zh-CN" altLang="en-US" dirty="0"/>
+              <a:rPr lang="zh-CN" altLang="en-US" dirty="0">
+                <a:latin typeface="微软雅黑" panose="020B0503020204020204" pitchFamily="34" charset="-122"/>
+                <a:ea typeface="微软雅黑" panose="020B0503020204020204" pitchFamily="34" charset="-122"/>
+              </a:rPr>
               <a:t>在项目中的基础使用</a:t>
+            </a:r>
+            <a:endParaRPr lang="en-US" altLang="zh-CN" dirty="0">
+              <a:latin typeface="微软雅黑" panose="020B0503020204020204" pitchFamily="34" charset="-122"/>
+              <a:ea typeface="微软雅黑" panose="020B0503020204020204" pitchFamily="34" charset="-122"/>
+            </a:endParaRPr>
+          </a:p>
+          <a:p>
+            <a:pPr>
+              <a:lnSpc>
+                <a:spcPct val="150000"/>
+              </a:lnSpc>
+              <a:spcBef>
+                <a:spcPts val="2400"/>
+              </a:spcBef>
+            </a:pPr>
+            <a:r>
+              <a:rPr lang="zh-CN" altLang="en-US" dirty="0">
+                <a:latin typeface="微软雅黑" panose="020B0503020204020204" pitchFamily="34" charset="-122"/>
+                <a:ea typeface="微软雅黑" panose="020B0503020204020204" pitchFamily="34" charset="-122"/>
+              </a:rPr>
+              <a:t>端到端测试工具</a:t>
+            </a:r>
+            <a:r>
+              <a:rPr lang="en-US" altLang="zh-CN" dirty="0" err="1">
+                <a:latin typeface="微软雅黑" panose="020B0503020204020204" pitchFamily="34" charset="-122"/>
+                <a:ea typeface="微软雅黑" panose="020B0503020204020204" pitchFamily="34" charset="-122"/>
+              </a:rPr>
+              <a:t>nightwatch</a:t>
+            </a:r>
+            <a:r>
+              <a:rPr lang="zh-CN" altLang="en-US" dirty="0">
+                <a:latin typeface="微软雅黑" panose="020B0503020204020204" pitchFamily="34" charset="-122"/>
+                <a:ea typeface="微软雅黑" panose="020B0503020204020204" pitchFamily="34" charset="-122"/>
+              </a:rPr>
+              <a:t>的基础使用</a:t>
             </a:r>
           </a:p>
         </p:txBody>
@@ -5473,10 +8530,10 @@
       </p:grpSpPr>
       <p:sp>
         <p:nvSpPr>
-          <p:cNvPr id="2" name="标题 1">
+          <p:cNvPr id="5" name="标题 1">
             <a:extLst>
               <a:ext uri="{FF2B5EF4-FFF2-40B4-BE49-F238E27FC236}">
-                <a16:creationId xmlns:a16="http://schemas.microsoft.com/office/drawing/2014/main" id="{27AF1AFD-B953-457E-BE99-1866CEA9E2AE}"/>
+                <a16:creationId xmlns:a16="http://schemas.microsoft.com/office/drawing/2014/main" id="{52C63DFC-0F1E-4BD0-9E9D-F11632ACE6A4}"/>
               </a:ext>
             </a:extLst>
           </p:cNvPr>
@@ -5487,23 +8544,61 @@
             <p:ph type="title"/>
           </p:nvPr>
         </p:nvSpPr>
-        <p:spPr/>
-        <p:txBody>
-          <a:bodyPr/>
+        <p:spPr>
+          <a:xfrm>
+            <a:off x="1133198" y="609601"/>
+            <a:ext cx="9404723" cy="1400530"/>
+          </a:xfrm>
+        </p:spPr>
+        <p:txBody>
+          <a:bodyPr>
+            <a:normAutofit/>
+          </a:bodyPr>
           <a:lstStyle/>
           <a:p>
             <a:r>
-              <a:rPr lang="zh-CN" altLang="en-US" dirty="0"/>
-              <a:t>为什么要做自动化测试</a:t>
-            </a:r>
-            <a:r>
-              <a:rPr lang="en-US" altLang="zh-CN" dirty="0"/>
-              <a:t>---</a:t>
-            </a:r>
-            <a:r>
-              <a:rPr lang="zh-CN" altLang="en-US" dirty="0"/>
-              <a:t>情景：</a:t>
-            </a:r>
+              <a:rPr lang="zh-CN" altLang="en-US" sz="3600" b="1" dirty="0">
+                <a:solidFill>
+                  <a:schemeClr val="accent2"/>
+                </a:solidFill>
+                <a:latin typeface="微软雅黑" panose="020B0503020204020204" pitchFamily="34" charset="-122"/>
+                <a:ea typeface="微软雅黑" panose="020B0503020204020204" pitchFamily="34" charset="-122"/>
+              </a:rPr>
+              <a:t>自动化测试</a:t>
+            </a:r>
+            <a:r>
+              <a:rPr lang="en-US" altLang="zh-CN" sz="3600" b="1" dirty="0">
+                <a:solidFill>
+                  <a:schemeClr val="accent2"/>
+                </a:solidFill>
+                <a:latin typeface="微软雅黑" panose="020B0503020204020204" pitchFamily="34" charset="-122"/>
+                <a:ea typeface="微软雅黑" panose="020B0503020204020204" pitchFamily="34" charset="-122"/>
+              </a:rPr>
+              <a:t>——</a:t>
+            </a:r>
+            <a:r>
+              <a:rPr lang="zh-CN" altLang="en-US" sz="3600" b="1" dirty="0">
+                <a:solidFill>
+                  <a:schemeClr val="accent2"/>
+                </a:solidFill>
+                <a:latin typeface="微软雅黑" panose="020B0503020204020204" pitchFamily="34" charset="-122"/>
+                <a:ea typeface="微软雅黑" panose="020B0503020204020204" pitchFamily="34" charset="-122"/>
+              </a:rPr>
+              <a:t>情景</a:t>
+            </a:r>
+            <a:br>
+              <a:rPr lang="zh-CN" altLang="en-US" sz="3600" b="1" dirty="0">
+                <a:latin typeface="微软雅黑" panose="020B0503020204020204" pitchFamily="34" charset="-122"/>
+                <a:ea typeface="微软雅黑" panose="020B0503020204020204" pitchFamily="34" charset="-122"/>
+              </a:rPr>
+            </a:br>
+            <a:endParaRPr lang="zh-CN" altLang="en-US" sz="3600" b="1" dirty="0">
+              <a:solidFill>
+                <a:schemeClr val="accent2"/>
+              </a:solidFill>
+              <a:latin typeface="微软雅黑" panose="020B0503020204020204" pitchFamily="34" charset="-122"/>
+              <a:ea typeface="微软雅黑" panose="020B0503020204020204" pitchFamily="34" charset="-122"/>
+            </a:endParaRPr>
           </a:p>
         </p:txBody>
       </p:sp>
@@ -5523,11 +8618,21 @@
             <p:ph idx="1"/>
           </p:nvPr>
         </p:nvSpPr>
-        <p:spPr/>
+        <p:spPr>
+          <a:xfrm>
+            <a:off x="1362288" y="1979427"/>
+            <a:ext cx="8946541" cy="4195481"/>
+          </a:xfrm>
+        </p:spPr>
         <p:txBody>
           <a:bodyPr/>
           <a:lstStyle/>
           <a:p>
+            <a:pPr>
+              <a:lnSpc>
+                <a:spcPts val="4800"/>
+              </a:lnSpc>
+            </a:pPr>
             <a:r>
               <a:rPr lang="zh-CN" altLang="en-US" dirty="0"/>
               <a:t>在接手上一个员工留下的任务之后，发现有很长一段代码功能不明确，不好处理，删了怕影响原来的功能</a:t>
@@ -5535,9 +8640,11 @@
             <a:endParaRPr lang="en-US" altLang="zh-CN" dirty="0"/>
           </a:p>
           <a:p>
-            <a:endParaRPr lang="en-US" altLang="zh-CN" dirty="0"/>
-          </a:p>
-          <a:p>
+            <a:pPr>
+              <a:lnSpc>
+                <a:spcPts val="4800"/>
+              </a:lnSpc>
+            </a:pPr>
             <a:r>
               <a:rPr lang="en-US" altLang="zh-CN" dirty="0"/>
               <a:t>Bug</a:t>
@@ -5549,12 +8656,14 @@
             <a:endParaRPr lang="en-US" altLang="zh-CN" dirty="0"/>
           </a:p>
           <a:p>
-            <a:endParaRPr lang="en-US" altLang="zh-CN" dirty="0"/>
-          </a:p>
-          <a:p>
+            <a:pPr>
+              <a:lnSpc>
+                <a:spcPts val="4800"/>
+              </a:lnSpc>
+            </a:pPr>
             <a:r>
               <a:rPr lang="zh-CN" altLang="en-US" dirty="0"/>
-              <a:t>在使用某个公共组件的时候，发现需要添加功能，时间上不允许去仔细研究整个组件，对添加的功能有没有其他影响没有信心</a:t>
+              <a:t>在使用某个公共组件的时候，发现需要添加功能，时间上不允许去仔细研究整个组件，对添加的功能有没有其他影响心里完全没底</a:t>
             </a:r>
           </a:p>
         </p:txBody>
@@ -5591,113 +8700,543 @@
       </p:grpSpPr>
       <p:sp>
         <p:nvSpPr>
-          <p:cNvPr id="2" name="标题 1">
+          <p:cNvPr id="4" name="矩形: 圆角 3">
             <a:extLst>
               <a:ext uri="{FF2B5EF4-FFF2-40B4-BE49-F238E27FC236}">
-                <a16:creationId xmlns:a16="http://schemas.microsoft.com/office/drawing/2014/main" id="{36D5D1C8-A195-4A06-9717-B28BC072DFC3}"/>
+                <a16:creationId xmlns:a16="http://schemas.microsoft.com/office/drawing/2014/main" id="{8E16179C-3916-4440-9345-D33B9133BF90}"/>
               </a:ext>
             </a:extLst>
           </p:cNvPr>
-          <p:cNvSpPr>
-            <a:spLocks noGrp="1"/>
-          </p:cNvSpPr>
-          <p:nvPr>
-            <p:ph type="title"/>
-          </p:nvPr>
-        </p:nvSpPr>
-        <p:spPr/>
-        <p:txBody>
-          <a:bodyPr/>
+          <p:cNvSpPr/>
+          <p:nvPr/>
+        </p:nvSpPr>
+        <p:spPr>
+          <a:xfrm>
+            <a:off x="983974" y="1761435"/>
+            <a:ext cx="2488096" cy="1198286"/>
+          </a:xfrm>
+          <a:prstGeom prst="roundRect">
+            <a:avLst/>
+          </a:prstGeom>
+          <a:gradFill flip="none" rotWithShape="1">
+            <a:gsLst>
+              <a:gs pos="0">
+                <a:schemeClr val="accent2">
+                  <a:lumMod val="67000"/>
+                </a:schemeClr>
+              </a:gs>
+              <a:gs pos="48000">
+                <a:schemeClr val="accent2">
+                  <a:lumMod val="97000"/>
+                  <a:lumOff val="3000"/>
+                </a:schemeClr>
+              </a:gs>
+              <a:gs pos="100000">
+                <a:schemeClr val="accent2">
+                  <a:lumMod val="60000"/>
+                  <a:lumOff val="40000"/>
+                </a:schemeClr>
+              </a:gs>
+            </a:gsLst>
+            <a:lin ang="16200000" scaled="1"/>
+            <a:tileRect/>
+          </a:gradFill>
+          <a:ln>
+            <a:noFill/>
+          </a:ln>
+        </p:spPr>
+        <p:style>
+          <a:lnRef idx="0">
+            <a:scrgbClr r="0" g="0" b="0"/>
+          </a:lnRef>
+          <a:fillRef idx="0">
+            <a:scrgbClr r="0" g="0" b="0"/>
+          </a:fillRef>
+          <a:effectRef idx="0">
+            <a:scrgbClr r="0" g="0" b="0"/>
+          </a:effectRef>
+          <a:fontRef idx="minor">
+            <a:schemeClr val="lt1"/>
+          </a:fontRef>
+        </p:style>
+        <p:txBody>
+          <a:bodyPr rtlCol="0" anchor="ctr"/>
           <a:lstStyle/>
           <a:p>
             <a:r>
               <a:rPr lang="zh-CN" altLang="en-US" dirty="0"/>
-              <a:t>做自动化测试的好处</a:t>
-            </a:r>
-          </a:p>
-        </p:txBody>
-      </p:sp>
-      <p:sp>
-        <p:nvSpPr>
-          <p:cNvPr id="3" name="内容占位符 2">
+              <a:t>提高代码质量</a:t>
+            </a:r>
+            <a:endParaRPr lang="en-US" altLang="zh-CN" dirty="0"/>
+          </a:p>
+        </p:txBody>
+      </p:sp>
+      <p:sp>
+        <p:nvSpPr>
+          <p:cNvPr id="5" name="矩形: 圆角 4">
             <a:extLst>
               <a:ext uri="{FF2B5EF4-FFF2-40B4-BE49-F238E27FC236}">
-                <a16:creationId xmlns:a16="http://schemas.microsoft.com/office/drawing/2014/main" id="{4AAB5E02-E687-41E0-AC91-1F8052293BCD}"/>
+                <a16:creationId xmlns:a16="http://schemas.microsoft.com/office/drawing/2014/main" id="{4B758F79-9F96-403E-B49E-A0A6DAF13D38}"/>
               </a:ext>
             </a:extLst>
           </p:cNvPr>
-          <p:cNvSpPr>
-            <a:spLocks noGrp="1"/>
-          </p:cNvSpPr>
-          <p:nvPr>
-            <p:ph idx="1"/>
-          </p:nvPr>
-        </p:nvSpPr>
-        <p:spPr/>
-        <p:txBody>
-          <a:bodyPr/>
+          <p:cNvSpPr/>
+          <p:nvPr/>
+        </p:nvSpPr>
+        <p:spPr>
+          <a:xfrm>
+            <a:off x="4851952" y="1761435"/>
+            <a:ext cx="2488096" cy="1198286"/>
+          </a:xfrm>
+          <a:prstGeom prst="roundRect">
+            <a:avLst/>
+          </a:prstGeom>
+          <a:gradFill flip="none" rotWithShape="1">
+            <a:gsLst>
+              <a:gs pos="0">
+                <a:schemeClr val="accent2">
+                  <a:lumMod val="67000"/>
+                </a:schemeClr>
+              </a:gs>
+              <a:gs pos="48000">
+                <a:schemeClr val="accent2">
+                  <a:lumMod val="97000"/>
+                  <a:lumOff val="3000"/>
+                </a:schemeClr>
+              </a:gs>
+              <a:gs pos="100000">
+                <a:schemeClr val="accent2">
+                  <a:lumMod val="60000"/>
+                  <a:lumOff val="40000"/>
+                </a:schemeClr>
+              </a:gs>
+            </a:gsLst>
+            <a:lin ang="16200000" scaled="1"/>
+            <a:tileRect/>
+          </a:gradFill>
+          <a:ln>
+            <a:noFill/>
+          </a:ln>
+        </p:spPr>
+        <p:style>
+          <a:lnRef idx="0">
+            <a:scrgbClr r="0" g="0" b="0"/>
+          </a:lnRef>
+          <a:fillRef idx="0">
+            <a:scrgbClr r="0" g="0" b="0"/>
+          </a:fillRef>
+          <a:effectRef idx="0">
+            <a:scrgbClr r="0" g="0" b="0"/>
+          </a:effectRef>
+          <a:fontRef idx="minor">
+            <a:schemeClr val="lt1"/>
+          </a:fontRef>
+        </p:style>
+        <p:txBody>
+          <a:bodyPr rtlCol="0" anchor="ctr"/>
           <a:lstStyle/>
           <a:p>
-            <a:pPr marL="514350" indent="-514350">
-              <a:buFont typeface="+mj-lt"/>
-              <a:buAutoNum type="arabicPeriod"/>
-            </a:pPr>
-            <a:r>
-              <a:rPr lang="zh-CN" altLang="en-US" dirty="0"/>
-              <a:t>提高代码质量</a:t>
-            </a:r>
-            <a:endParaRPr lang="en-US" altLang="zh-CN" dirty="0"/>
-          </a:p>
-          <a:p>
-            <a:pPr marL="514350" indent="-514350">
-              <a:buFont typeface="+mj-lt"/>
-              <a:buAutoNum type="arabicPeriod"/>
-            </a:pPr>
             <a:r>
               <a:rPr lang="zh-CN" altLang="en-US" dirty="0"/>
               <a:t>更加准确的定位问题</a:t>
             </a:r>
             <a:endParaRPr lang="en-US" altLang="zh-CN" dirty="0"/>
           </a:p>
-          <a:p>
-            <a:pPr marL="514350" indent="-514350">
-              <a:buFont typeface="+mj-lt"/>
-              <a:buAutoNum type="arabicPeriod"/>
-            </a:pPr>
+        </p:txBody>
+      </p:sp>
+      <p:sp>
+        <p:nvSpPr>
+          <p:cNvPr id="8" name="矩形: 圆角 7">
+            <a:extLst>
+              <a:ext uri="{FF2B5EF4-FFF2-40B4-BE49-F238E27FC236}">
+                <a16:creationId xmlns:a16="http://schemas.microsoft.com/office/drawing/2014/main" id="{1F380277-DAC2-4CC6-B52D-5BABAD8ECCCD}"/>
+              </a:ext>
+            </a:extLst>
+          </p:cNvPr>
+          <p:cNvSpPr/>
+          <p:nvPr/>
+        </p:nvSpPr>
+        <p:spPr>
+          <a:xfrm>
+            <a:off x="8719930" y="1761435"/>
+            <a:ext cx="2488096" cy="1198286"/>
+          </a:xfrm>
+          <a:prstGeom prst="roundRect">
+            <a:avLst/>
+          </a:prstGeom>
+          <a:gradFill flip="none" rotWithShape="1">
+            <a:gsLst>
+              <a:gs pos="0">
+                <a:schemeClr val="accent2">
+                  <a:lumMod val="67000"/>
+                </a:schemeClr>
+              </a:gs>
+              <a:gs pos="48000">
+                <a:schemeClr val="accent2">
+                  <a:lumMod val="97000"/>
+                  <a:lumOff val="3000"/>
+                </a:schemeClr>
+              </a:gs>
+              <a:gs pos="100000">
+                <a:schemeClr val="accent2">
+                  <a:lumMod val="60000"/>
+                  <a:lumOff val="40000"/>
+                </a:schemeClr>
+              </a:gs>
+            </a:gsLst>
+            <a:lin ang="16200000" scaled="1"/>
+            <a:tileRect/>
+          </a:gradFill>
+          <a:ln>
+            <a:noFill/>
+          </a:ln>
+        </p:spPr>
+        <p:style>
+          <a:lnRef idx="0">
+            <a:scrgbClr r="0" g="0" b="0"/>
+          </a:lnRef>
+          <a:fillRef idx="0">
+            <a:scrgbClr r="0" g="0" b="0"/>
+          </a:fillRef>
+          <a:effectRef idx="0">
+            <a:scrgbClr r="0" g="0" b="0"/>
+          </a:effectRef>
+          <a:fontRef idx="minor">
+            <a:schemeClr val="lt1"/>
+          </a:fontRef>
+        </p:style>
+        <p:txBody>
+          <a:bodyPr rtlCol="0" anchor="ctr"/>
+          <a:lstStyle/>
+          <a:p>
             <a:r>
               <a:rPr lang="zh-CN" altLang="en-US" dirty="0"/>
-              <a:t>方便迭代，</a:t>
+              <a:t>方便迭代</a:t>
             </a:r>
             <a:endParaRPr lang="en-US" altLang="zh-CN" dirty="0"/>
           </a:p>
-          <a:p>
-            <a:pPr marL="514350" indent="-514350">
-              <a:buFont typeface="+mj-lt"/>
-              <a:buAutoNum type="arabicPeriod"/>
-            </a:pPr>
+        </p:txBody>
+      </p:sp>
+      <p:sp>
+        <p:nvSpPr>
+          <p:cNvPr id="9" name="矩形: 圆角 8">
+            <a:extLst>
+              <a:ext uri="{FF2B5EF4-FFF2-40B4-BE49-F238E27FC236}">
+                <a16:creationId xmlns:a16="http://schemas.microsoft.com/office/drawing/2014/main" id="{2C501204-5912-42AE-B203-FE55667AE018}"/>
+              </a:ext>
+            </a:extLst>
+          </p:cNvPr>
+          <p:cNvSpPr/>
+          <p:nvPr/>
+        </p:nvSpPr>
+        <p:spPr>
+          <a:xfrm>
+            <a:off x="983974" y="4055165"/>
+            <a:ext cx="2488096" cy="1198286"/>
+          </a:xfrm>
+          <a:prstGeom prst="roundRect">
+            <a:avLst/>
+          </a:prstGeom>
+          <a:gradFill flip="none" rotWithShape="1">
+            <a:gsLst>
+              <a:gs pos="0">
+                <a:schemeClr val="accent2">
+                  <a:lumMod val="67000"/>
+                </a:schemeClr>
+              </a:gs>
+              <a:gs pos="48000">
+                <a:schemeClr val="accent2">
+                  <a:lumMod val="97000"/>
+                  <a:lumOff val="3000"/>
+                </a:schemeClr>
+              </a:gs>
+              <a:gs pos="100000">
+                <a:schemeClr val="accent2">
+                  <a:lumMod val="60000"/>
+                  <a:lumOff val="40000"/>
+                </a:schemeClr>
+              </a:gs>
+            </a:gsLst>
+            <a:lin ang="16200000" scaled="1"/>
+            <a:tileRect/>
+          </a:gradFill>
+          <a:ln>
+            <a:noFill/>
+          </a:ln>
+        </p:spPr>
+        <p:style>
+          <a:lnRef idx="0">
+            <a:scrgbClr r="0" g="0" b="0"/>
+          </a:lnRef>
+          <a:fillRef idx="0">
+            <a:scrgbClr r="0" g="0" b="0"/>
+          </a:fillRef>
+          <a:effectRef idx="0">
+            <a:scrgbClr r="0" g="0" b="0"/>
+          </a:effectRef>
+          <a:fontRef idx="minor">
+            <a:schemeClr val="lt1"/>
+          </a:fontRef>
+        </p:style>
+        <p:txBody>
+          <a:bodyPr rtlCol="0" anchor="ctr"/>
+          <a:lstStyle/>
+          <a:p>
+            <a:r>
+              <a:rPr lang="zh-CN" altLang="en-US" dirty="0"/>
+              <a:t>保证产品符合预期</a:t>
+            </a:r>
+            <a:endParaRPr lang="en-US" altLang="zh-CN" dirty="0"/>
+          </a:p>
+        </p:txBody>
+      </p:sp>
+      <p:sp>
+        <p:nvSpPr>
+          <p:cNvPr id="10" name="矩形: 圆角 9">
+            <a:extLst>
+              <a:ext uri="{FF2B5EF4-FFF2-40B4-BE49-F238E27FC236}">
+                <a16:creationId xmlns:a16="http://schemas.microsoft.com/office/drawing/2014/main" id="{8F395750-25FD-4FEA-BCD4-21A25BC83880}"/>
+              </a:ext>
+            </a:extLst>
+          </p:cNvPr>
+          <p:cNvSpPr/>
+          <p:nvPr/>
+        </p:nvSpPr>
+        <p:spPr>
+          <a:xfrm>
+            <a:off x="4851952" y="4055165"/>
+            <a:ext cx="2488096" cy="1198286"/>
+          </a:xfrm>
+          <a:prstGeom prst="roundRect">
+            <a:avLst/>
+          </a:prstGeom>
+          <a:gradFill flip="none" rotWithShape="1">
+            <a:gsLst>
+              <a:gs pos="0">
+                <a:schemeClr val="accent2">
+                  <a:lumMod val="67000"/>
+                </a:schemeClr>
+              </a:gs>
+              <a:gs pos="48000">
+                <a:schemeClr val="accent2">
+                  <a:lumMod val="97000"/>
+                  <a:lumOff val="3000"/>
+                </a:schemeClr>
+              </a:gs>
+              <a:gs pos="100000">
+                <a:schemeClr val="accent2">
+                  <a:lumMod val="60000"/>
+                  <a:lumOff val="40000"/>
+                </a:schemeClr>
+              </a:gs>
+            </a:gsLst>
+            <a:lin ang="16200000" scaled="1"/>
+            <a:tileRect/>
+          </a:gradFill>
+          <a:ln>
+            <a:noFill/>
+          </a:ln>
+        </p:spPr>
+        <p:style>
+          <a:lnRef idx="0">
+            <a:scrgbClr r="0" g="0" b="0"/>
+          </a:lnRef>
+          <a:fillRef idx="0">
+            <a:scrgbClr r="0" g="0" b="0"/>
+          </a:fillRef>
+          <a:effectRef idx="0">
+            <a:scrgbClr r="0" g="0" b="0"/>
+          </a:effectRef>
+          <a:fontRef idx="minor">
+            <a:schemeClr val="lt1"/>
+          </a:fontRef>
+        </p:style>
+        <p:txBody>
+          <a:bodyPr rtlCol="0" anchor="ctr"/>
+          <a:lstStyle/>
+          <a:p>
             <a:r>
               <a:rPr lang="zh-CN" altLang="en-US" dirty="0"/>
               <a:t>减少回归流程</a:t>
             </a:r>
             <a:endParaRPr lang="en-US" altLang="zh-CN" dirty="0"/>
           </a:p>
-          <a:p>
-            <a:pPr marL="514350" indent="-514350">
-              <a:buFont typeface="+mj-lt"/>
-              <a:buAutoNum type="arabicPeriod"/>
-            </a:pPr>
+        </p:txBody>
+      </p:sp>
+      <p:sp>
+        <p:nvSpPr>
+          <p:cNvPr id="11" name="矩形: 圆角 10">
+            <a:extLst>
+              <a:ext uri="{FF2B5EF4-FFF2-40B4-BE49-F238E27FC236}">
+                <a16:creationId xmlns:a16="http://schemas.microsoft.com/office/drawing/2014/main" id="{824F434F-8228-428A-8E52-F84D16AA0BAC}"/>
+              </a:ext>
+            </a:extLst>
+          </p:cNvPr>
+          <p:cNvSpPr/>
+          <p:nvPr/>
+        </p:nvSpPr>
+        <p:spPr>
+          <a:xfrm>
+            <a:off x="8719930" y="4053436"/>
+            <a:ext cx="2488096" cy="1198286"/>
+          </a:xfrm>
+          <a:prstGeom prst="roundRect">
+            <a:avLst/>
+          </a:prstGeom>
+          <a:gradFill flip="none" rotWithShape="1">
+            <a:gsLst>
+              <a:gs pos="0">
+                <a:schemeClr val="accent2">
+                  <a:lumMod val="67000"/>
+                </a:schemeClr>
+              </a:gs>
+              <a:gs pos="48000">
+                <a:schemeClr val="accent2">
+                  <a:lumMod val="97000"/>
+                  <a:lumOff val="3000"/>
+                </a:schemeClr>
+              </a:gs>
+              <a:gs pos="100000">
+                <a:schemeClr val="accent2">
+                  <a:lumMod val="60000"/>
+                  <a:lumOff val="40000"/>
+                </a:schemeClr>
+              </a:gs>
+            </a:gsLst>
+            <a:lin ang="16200000" scaled="1"/>
+            <a:tileRect/>
+          </a:gradFill>
+          <a:ln>
+            <a:noFill/>
+          </a:ln>
+        </p:spPr>
+        <p:style>
+          <a:lnRef idx="0">
+            <a:scrgbClr r="0" g="0" b="0"/>
+          </a:lnRef>
+          <a:fillRef idx="0">
+            <a:scrgbClr r="0" g="0" b="0"/>
+          </a:fillRef>
+          <a:effectRef idx="0">
+            <a:scrgbClr r="0" g="0" b="0"/>
+          </a:effectRef>
+          <a:fontRef idx="minor">
+            <a:schemeClr val="lt1"/>
+          </a:fontRef>
+        </p:style>
+        <p:txBody>
+          <a:bodyPr rtlCol="0" anchor="ctr"/>
+          <a:lstStyle/>
+          <a:p>
             <a:r>
               <a:rPr lang="zh-CN" altLang="en-US" dirty="0"/>
               <a:t>让开发者更有信心</a:t>
             </a:r>
             <a:endParaRPr lang="en-US" altLang="zh-CN" dirty="0"/>
           </a:p>
-          <a:p>
-            <a:pPr marL="514350" indent="-514350">
-              <a:buFont typeface="+mj-lt"/>
-              <a:buAutoNum type="arabicPeriod"/>
-            </a:pPr>
-            <a:endParaRPr lang="zh-CN" altLang="en-US" dirty="0"/>
+        </p:txBody>
+      </p:sp>
+      <p:sp>
+        <p:nvSpPr>
+          <p:cNvPr id="14" name="流程图: 预定义过程 13">
+            <a:extLst>
+              <a:ext uri="{FF2B5EF4-FFF2-40B4-BE49-F238E27FC236}">
+                <a16:creationId xmlns:a16="http://schemas.microsoft.com/office/drawing/2014/main" id="{96C77A55-C97B-4F44-BF02-D63B4C970F74}"/>
+              </a:ext>
+            </a:extLst>
+          </p:cNvPr>
+          <p:cNvSpPr/>
+          <p:nvPr/>
+        </p:nvSpPr>
+        <p:spPr>
+          <a:xfrm>
+            <a:off x="-575250" y="204019"/>
+            <a:ext cx="11317355" cy="1400530"/>
+          </a:xfrm>
+          <a:prstGeom prst="flowChartPredefinedProcess">
+            <a:avLst/>
+          </a:prstGeom>
+          <a:noFill/>
+          <a:ln>
+            <a:noFill/>
+          </a:ln>
+        </p:spPr>
+        <p:style>
+          <a:lnRef idx="0">
+            <a:scrgbClr r="0" g="0" b="0"/>
+          </a:lnRef>
+          <a:fillRef idx="0">
+            <a:scrgbClr r="0" g="0" b="0"/>
+          </a:fillRef>
+          <a:effectRef idx="0">
+            <a:scrgbClr r="0" g="0" b="0"/>
+          </a:effectRef>
+          <a:fontRef idx="minor">
+            <a:schemeClr val="accent2"/>
+          </a:fontRef>
+        </p:style>
+        <p:txBody>
+          <a:bodyPr rtlCol="0" anchor="ctr"/>
+          <a:lstStyle/>
+          <a:p>
+            <a:endParaRPr lang="zh-CN" altLang="en-US" sz="4000" b="1" dirty="0">
+              <a:latin typeface="微软雅黑" panose="020B0503020204020204" pitchFamily="34" charset="-122"/>
+              <a:ea typeface="微软雅黑" panose="020B0503020204020204" pitchFamily="34" charset="-122"/>
+            </a:endParaRPr>
+          </a:p>
+        </p:txBody>
+      </p:sp>
+      <p:sp>
+        <p:nvSpPr>
+          <p:cNvPr id="15" name="标题 1">
+            <a:extLst>
+              <a:ext uri="{FF2B5EF4-FFF2-40B4-BE49-F238E27FC236}">
+                <a16:creationId xmlns:a16="http://schemas.microsoft.com/office/drawing/2014/main" id="{CEDFD1AC-009B-4B9C-BF81-218045A25379}"/>
+              </a:ext>
+            </a:extLst>
+          </p:cNvPr>
+          <p:cNvSpPr>
+            <a:spLocks noGrp="1"/>
+          </p:cNvSpPr>
+          <p:nvPr>
+            <p:ph type="title"/>
+          </p:nvPr>
+        </p:nvSpPr>
+        <p:spPr>
+          <a:xfrm>
+            <a:off x="983974" y="513448"/>
+            <a:ext cx="9404723" cy="1400530"/>
+          </a:xfrm>
+        </p:spPr>
+        <p:txBody>
+          <a:bodyPr>
+            <a:normAutofit/>
+          </a:bodyPr>
+          <a:lstStyle/>
+          <a:p>
+            <a:r>
+              <a:rPr lang="zh-CN" altLang="en-US" sz="3600" b="1" dirty="0">
+                <a:solidFill>
+                  <a:schemeClr val="accent2"/>
+                </a:solidFill>
+                <a:latin typeface="微软雅黑" panose="020B0503020204020204" pitchFamily="34" charset="-122"/>
+                <a:ea typeface="微软雅黑" panose="020B0503020204020204" pitchFamily="34" charset="-122"/>
+              </a:rPr>
+              <a:t>自动化测试的好处</a:t>
+            </a:r>
+            <a:br>
+              <a:rPr lang="zh-CN" altLang="en-US" sz="3600" b="1" dirty="0">
+                <a:latin typeface="微软雅黑" panose="020B0503020204020204" pitchFamily="34" charset="-122"/>
+                <a:ea typeface="微软雅黑" panose="020B0503020204020204" pitchFamily="34" charset="-122"/>
+              </a:rPr>
+            </a:br>
+            <a:endParaRPr lang="zh-CN" altLang="en-US" sz="3600" b="1" dirty="0">
+              <a:solidFill>
+                <a:schemeClr val="accent2"/>
+              </a:solidFill>
+              <a:latin typeface="微软雅黑" panose="020B0503020204020204" pitchFamily="34" charset="-122"/>
+              <a:ea typeface="微软雅黑" panose="020B0503020204020204" pitchFamily="34" charset="-122"/>
+            </a:endParaRPr>
           </a:p>
         </p:txBody>
       </p:sp>
@@ -5755,8 +9294,14 @@
           <a:lstStyle/>
           <a:p>
             <a:r>
-              <a:rPr lang="zh-CN" altLang="en-US" sz="2400" dirty="0"/>
-              <a:t>既然了解了自动化测试的用处，那我们就来了解一下自动化测试都有哪些类型，还有自动化测试有哪些思路</a:t>
+              <a:rPr lang="zh-CN" altLang="en-US" sz="3600" b="1" dirty="0">
+                <a:solidFill>
+                  <a:schemeClr val="accent2"/>
+                </a:solidFill>
+                <a:latin typeface="微软雅黑" panose="020B0503020204020204" pitchFamily="34" charset="-122"/>
+                <a:ea typeface="微软雅黑" panose="020B0503020204020204" pitchFamily="34" charset="-122"/>
+              </a:rPr>
+              <a:t>自动化测试类型</a:t>
             </a:r>
           </a:p>
         </p:txBody>
@@ -6018,7 +9563,7 @@
         </p:blipFill>
         <p:spPr>
           <a:xfrm>
-            <a:off x="6612835" y="1841684"/>
+            <a:off x="6864626" y="2054086"/>
             <a:ext cx="5185576" cy="4107851"/>
           </a:xfrm>
           <a:prstGeom prst="rect">
@@ -6373,6 +9918,12 @@
             <a:pPr marL="0" indent="0">
               <a:buNone/>
             </a:pPr>
+            <a:endParaRPr lang="en-US" altLang="zh-CN" dirty="0"/>
+          </a:p>
+          <a:p>
+            <a:pPr marL="0" indent="0">
+              <a:buNone/>
+            </a:pPr>
             <a:r>
               <a:rPr lang="en-US" altLang="zh-CN" dirty="0"/>
               <a:t>2. BDD behavior-driven-development </a:t>
@@ -6603,7 +10154,7 @@
                     <a:lstStyle/>
                     <a:p>
                       <a:r>
-                        <a:rPr lang="en-US"/>
+                        <a:rPr lang="en-US" dirty="0"/>
                         <a:t>Mocha</a:t>
                       </a:r>
                     </a:p>
@@ -6616,7 +10167,7 @@
                     <a:lstStyle/>
                     <a:p>
                       <a:r>
-                        <a:rPr lang="zh-CN" altLang="en-US"/>
+                        <a:rPr lang="zh-CN" altLang="en-US" dirty="0"/>
                         <a:t>默认不支持，可配置</a:t>
                       </a:r>
                     </a:p>
@@ -6629,7 +10180,7 @@
                     <a:lstStyle/>
                     <a:p>
                       <a:r>
-                        <a:rPr lang="zh-CN" altLang="en-US"/>
+                        <a:rPr lang="zh-CN" altLang="en-US" dirty="0"/>
                         <a:t>默认不支持，可配置</a:t>
                       </a:r>
                     </a:p>
@@ -6642,7 +10193,7 @@
                     <a:lstStyle/>
                     <a:p>
                       <a:r>
-                        <a:rPr lang="zh-CN" altLang="en-US"/>
+                        <a:rPr lang="zh-CN" altLang="en-US" dirty="0"/>
                         <a:t>默认不支持，可配置</a:t>
                       </a:r>
                     </a:p>
@@ -6655,7 +10206,7 @@
                     <a:lstStyle/>
                     <a:p>
                       <a:r>
-                        <a:rPr lang="zh-CN" altLang="en-US"/>
+                        <a:rPr lang="zh-CN" altLang="en-US" dirty="0"/>
                         <a:t>友好</a:t>
                       </a:r>
                     </a:p>
@@ -6688,7 +10239,7 @@
                     <a:lstStyle/>
                     <a:p>
                       <a:r>
-                        <a:rPr lang="zh-CN" altLang="en-US"/>
+                        <a:rPr lang="zh-CN" altLang="en-US" dirty="0"/>
                         <a:t>默认支持</a:t>
                       </a:r>
                     </a:p>
@@ -6714,7 +10265,7 @@
                     <a:lstStyle/>
                     <a:p>
                       <a:r>
-                        <a:rPr lang="zh-CN" altLang="en-US"/>
+                        <a:rPr lang="zh-CN" altLang="en-US" dirty="0"/>
                         <a:t>默认支持</a:t>
                       </a:r>
                     </a:p>
@@ -6727,7 +10278,7 @@
                     <a:lstStyle/>
                     <a:p>
                       <a:r>
-                        <a:rPr lang="zh-CN" altLang="en-US"/>
+                        <a:rPr lang="zh-CN" altLang="en-US" dirty="0"/>
                         <a:t>友好</a:t>
                       </a:r>
                     </a:p>
@@ -6760,7 +10311,7 @@
                     <a:lstStyle/>
                     <a:p>
                       <a:r>
-                        <a:rPr lang="zh-CN" altLang="en-US"/>
+                        <a:rPr lang="zh-CN" altLang="en-US" dirty="0"/>
                         <a:t>默认支持</a:t>
                       </a:r>
                     </a:p>
@@ -7277,13 +10828,338 @@
           <a:p>
             <a:r>
               <a:rPr lang="zh-CN" altLang="en-US" b="0" i="0" dirty="0">
+                <a:effectLst/>
+                <a:latin typeface="SFMono-Regular"/>
+              </a:rPr>
+              <a:t>开始使用：</a:t>
+            </a:r>
+            <a:endParaRPr lang="en-US" altLang="zh-CN" b="0" i="0" dirty="0">
+              <a:effectLst/>
+              <a:latin typeface="SFMono-Regular"/>
+            </a:endParaRPr>
+          </a:p>
+          <a:p>
+            <a:endParaRPr lang="en-US" altLang="zh-CN" b="0" i="0" dirty="0">
+              <a:effectLst/>
+              <a:latin typeface="SFMono-Regular"/>
+            </a:endParaRPr>
+          </a:p>
+          <a:p>
+            <a:r>
+              <a:rPr lang="en-US" altLang="zh-CN" b="0" i="0" dirty="0" err="1">
+                <a:effectLst/>
+                <a:latin typeface="SFMono-Regular"/>
+              </a:rPr>
+              <a:t>npm</a:t>
+            </a:r>
+            <a:r>
+              <a:rPr lang="en-US" altLang="zh-CN" b="0" i="0" dirty="0">
+                <a:effectLst/>
+                <a:latin typeface="SFMono-Regular"/>
+              </a:rPr>
+              <a:t> install --save-dev jest</a:t>
+            </a:r>
+            <a:r>
+              <a:rPr lang="zh-CN" altLang="en-US" b="0" i="0" dirty="0">
+                <a:effectLst/>
+                <a:latin typeface="SFMono-Regular"/>
+              </a:rPr>
+              <a:t>，安装模块</a:t>
+            </a:r>
+            <a:endParaRPr lang="en-US" altLang="zh-CN" dirty="0"/>
+          </a:p>
+          <a:p>
+            <a:endParaRPr lang="en-US" altLang="zh-CN" dirty="0"/>
+          </a:p>
+          <a:p>
+            <a:r>
+              <a:rPr lang="zh-CN" altLang="en-US" dirty="0"/>
+              <a:t>来看一个最基础的例子</a:t>
+            </a:r>
+            <a:endParaRPr lang="en-US" altLang="zh-CN" dirty="0"/>
+          </a:p>
+          <a:p>
+            <a:endParaRPr lang="en-US" altLang="zh-CN" dirty="0"/>
+          </a:p>
+          <a:p>
+            <a:r>
+              <a:rPr lang="en-US" altLang="zh-CN" dirty="0"/>
+              <a:t>sum.js</a:t>
+            </a:r>
+          </a:p>
+          <a:p>
+            <a:r>
+              <a:rPr lang="en-US" altLang="zh-CN" b="1" i="0" dirty="0">
+                <a:solidFill>
+                  <a:srgbClr val="297A29"/>
+                </a:solidFill>
+                <a:effectLst/>
+                <a:latin typeface="inherit"/>
+              </a:rPr>
+              <a:t>function</a:t>
+            </a:r>
+            <a:r>
+              <a:rPr lang="en-US" altLang="zh-CN" b="0" i="0" dirty="0">
                 <a:solidFill>
                   <a:srgbClr val="000000"/>
                 </a:solidFill>
                 <a:effectLst/>
                 <a:latin typeface="SFMono-Regular"/>
               </a:rPr>
-              <a:t>开始使用：</a:t>
+              <a:t> </a:t>
+            </a:r>
+            <a:r>
+              <a:rPr lang="en-US" altLang="zh-CN" b="1" i="0" dirty="0">
+                <a:solidFill>
+                  <a:srgbClr val="1373C2"/>
+                </a:solidFill>
+                <a:effectLst/>
+                <a:latin typeface="inherit"/>
+              </a:rPr>
+              <a:t>sum</a:t>
+            </a:r>
+            <a:r>
+              <a:rPr lang="en-US" altLang="zh-CN" b="0" i="0" dirty="0">
+                <a:solidFill>
+                  <a:srgbClr val="000000"/>
+                </a:solidFill>
+                <a:effectLst/>
+                <a:latin typeface="SFMono-Regular"/>
+              </a:rPr>
+              <a:t>(</a:t>
+            </a:r>
+            <a:r>
+              <a:rPr lang="en-US" altLang="zh-CN" b="0" i="0" dirty="0">
+                <a:solidFill>
+                  <a:srgbClr val="6B2E85"/>
+                </a:solidFill>
+                <a:effectLst/>
+                <a:latin typeface="inherit"/>
+              </a:rPr>
+              <a:t>a, b</a:t>
+            </a:r>
+            <a:r>
+              <a:rPr lang="en-US" altLang="zh-CN" b="0" i="0" dirty="0">
+                <a:solidFill>
+                  <a:srgbClr val="000000"/>
+                </a:solidFill>
+                <a:effectLst/>
+                <a:latin typeface="SFMono-Regular"/>
+              </a:rPr>
+              <a:t>) {</a:t>
+            </a:r>
+          </a:p>
+          <a:p>
+            <a:r>
+              <a:rPr lang="en-US" altLang="zh-CN" dirty="0">
+                <a:solidFill>
+                  <a:srgbClr val="000000"/>
+                </a:solidFill>
+                <a:latin typeface="SFMono-Regular"/>
+              </a:rPr>
+              <a:t>	</a:t>
+            </a:r>
+            <a:r>
+              <a:rPr lang="en-US" altLang="zh-CN" b="0" i="0" dirty="0">
+                <a:solidFill>
+                  <a:srgbClr val="000000"/>
+                </a:solidFill>
+                <a:effectLst/>
+                <a:latin typeface="SFMono-Regular"/>
+              </a:rPr>
+              <a:t> </a:t>
+            </a:r>
+            <a:r>
+              <a:rPr lang="en-US" altLang="zh-CN" b="1" i="0" dirty="0">
+                <a:solidFill>
+                  <a:srgbClr val="297A29"/>
+                </a:solidFill>
+                <a:effectLst/>
+                <a:latin typeface="SFMono-Regular"/>
+              </a:rPr>
+              <a:t>return</a:t>
+            </a:r>
+            <a:r>
+              <a:rPr lang="en-US" altLang="zh-CN" b="0" i="0" dirty="0">
+                <a:solidFill>
+                  <a:srgbClr val="000000"/>
+                </a:solidFill>
+                <a:effectLst/>
+                <a:latin typeface="SFMono-Regular"/>
+              </a:rPr>
+              <a:t> a + b;</a:t>
+            </a:r>
+          </a:p>
+          <a:p>
+            <a:r>
+              <a:rPr lang="en-US" altLang="zh-CN" b="0" i="0" dirty="0">
+                <a:solidFill>
+                  <a:srgbClr val="000000"/>
+                </a:solidFill>
+                <a:effectLst/>
+                <a:latin typeface="SFMono-Regular"/>
+              </a:rPr>
+              <a:t> } </a:t>
+            </a:r>
+          </a:p>
+          <a:p>
+            <a:r>
+              <a:rPr lang="en-US" altLang="zh-CN" b="0" i="0" dirty="0" err="1">
+                <a:solidFill>
+                  <a:srgbClr val="6B2E85"/>
+                </a:solidFill>
+                <a:effectLst/>
+                <a:latin typeface="SFMono-Regular"/>
+              </a:rPr>
+              <a:t>module</a:t>
+            </a:r>
+            <a:r>
+              <a:rPr lang="en-US" altLang="zh-CN" b="0" i="0" dirty="0" err="1">
+                <a:solidFill>
+                  <a:srgbClr val="000000"/>
+                </a:solidFill>
+                <a:effectLst/>
+                <a:latin typeface="SFMono-Regular"/>
+              </a:rPr>
+              <a:t>.exports</a:t>
+            </a:r>
+            <a:r>
+              <a:rPr lang="en-US" altLang="zh-CN" b="0" i="0" dirty="0">
+                <a:solidFill>
+                  <a:srgbClr val="000000"/>
+                </a:solidFill>
+                <a:effectLst/>
+                <a:latin typeface="SFMono-Regular"/>
+              </a:rPr>
+              <a:t> = sum;</a:t>
+            </a:r>
+          </a:p>
+          <a:p>
+            <a:endParaRPr lang="en-US" altLang="zh-CN" dirty="0">
+              <a:solidFill>
+                <a:srgbClr val="000000"/>
+              </a:solidFill>
+              <a:latin typeface="SFMono-Regular"/>
+            </a:endParaRPr>
+          </a:p>
+          <a:p>
+            <a:r>
+              <a:rPr lang="en-US" altLang="zh-CN" dirty="0"/>
+              <a:t>sum.test.js</a:t>
+            </a:r>
+          </a:p>
+          <a:p>
+            <a:r>
+              <a:rPr lang="en-US" altLang="zh-CN" b="1" i="0" dirty="0">
+                <a:solidFill>
+                  <a:srgbClr val="297A29"/>
+                </a:solidFill>
+                <a:effectLst/>
+                <a:latin typeface="SFMono-Regular"/>
+              </a:rPr>
+              <a:t>const</a:t>
+            </a:r>
+            <a:r>
+              <a:rPr lang="en-US" altLang="zh-CN" b="0" i="0" dirty="0">
+                <a:solidFill>
+                  <a:srgbClr val="000000"/>
+                </a:solidFill>
+                <a:effectLst/>
+                <a:latin typeface="SFMono-Regular"/>
+              </a:rPr>
+              <a:t> sum = </a:t>
+            </a:r>
+            <a:r>
+              <a:rPr lang="en-US" altLang="zh-CN" b="0" i="0" dirty="0">
+                <a:solidFill>
+                  <a:srgbClr val="6B2E85"/>
+                </a:solidFill>
+                <a:effectLst/>
+                <a:latin typeface="SFMono-Regular"/>
+              </a:rPr>
+              <a:t>require</a:t>
+            </a:r>
+            <a:r>
+              <a:rPr lang="en-US" altLang="zh-CN" b="0" i="0" dirty="0">
+                <a:solidFill>
+                  <a:srgbClr val="000000"/>
+                </a:solidFill>
+                <a:effectLst/>
+                <a:latin typeface="SFMono-Regular"/>
+              </a:rPr>
+              <a:t>(</a:t>
+            </a:r>
+            <a:r>
+              <a:rPr lang="en-US" altLang="zh-CN" b="0" i="0" dirty="0">
+                <a:solidFill>
+                  <a:srgbClr val="C21325"/>
+                </a:solidFill>
+                <a:effectLst/>
+                <a:latin typeface="SFMono-Regular"/>
+              </a:rPr>
+              <a:t>'./sum’</a:t>
+            </a:r>
+            <a:r>
+              <a:rPr lang="en-US" altLang="zh-CN" b="0" i="0" dirty="0">
+                <a:solidFill>
+                  <a:srgbClr val="000000"/>
+                </a:solidFill>
+                <a:effectLst/>
+                <a:latin typeface="SFMono-Regular"/>
+              </a:rPr>
+              <a:t>); </a:t>
+            </a:r>
+          </a:p>
+          <a:p>
+            <a:r>
+              <a:rPr lang="en-US" altLang="zh-CN" b="0" i="0" dirty="0">
+                <a:solidFill>
+                  <a:srgbClr val="000000"/>
+                </a:solidFill>
+                <a:effectLst/>
+                <a:latin typeface="SFMono-Regular"/>
+              </a:rPr>
+              <a:t>test(</a:t>
+            </a:r>
+            <a:r>
+              <a:rPr lang="en-US" altLang="zh-CN" b="0" i="0" dirty="0">
+                <a:solidFill>
+                  <a:srgbClr val="C21325"/>
+                </a:solidFill>
+                <a:effectLst/>
+                <a:latin typeface="SFMono-Regular"/>
+              </a:rPr>
+              <a:t>'adds 1 + 2 to equal 3'</a:t>
+            </a:r>
+            <a:r>
+              <a:rPr lang="en-US" altLang="zh-CN" b="0" i="0" dirty="0">
+                <a:solidFill>
+                  <a:srgbClr val="000000"/>
+                </a:solidFill>
+                <a:effectLst/>
+                <a:latin typeface="SFMono-Regular"/>
+              </a:rPr>
+              <a:t>, () =&gt; { </a:t>
+            </a:r>
+          </a:p>
+          <a:p>
+            <a:r>
+              <a:rPr lang="en-US" altLang="zh-CN" dirty="0">
+                <a:solidFill>
+                  <a:srgbClr val="000000"/>
+                </a:solidFill>
+                <a:latin typeface="SFMono-Regular"/>
+              </a:rPr>
+              <a:t>	// expect  jest </a:t>
+            </a:r>
+            <a:r>
+              <a:rPr lang="zh-CN" altLang="en-US" dirty="0">
+                <a:solidFill>
+                  <a:srgbClr val="000000"/>
+                </a:solidFill>
+                <a:latin typeface="SFMono-Regular"/>
+              </a:rPr>
+              <a:t>提供的断言</a:t>
             </a:r>
             <a:endParaRPr lang="en-US" altLang="zh-CN" b="0" i="0" dirty="0">
               <a:solidFill>
@@ -7294,15 +11170,65 @@
             </a:endParaRPr>
           </a:p>
           <a:p>
-            <a:endParaRPr lang="en-US" altLang="zh-CN" b="0" i="0" dirty="0">
-              <a:solidFill>
-                <a:srgbClr val="000000"/>
-              </a:solidFill>
-              <a:effectLst/>
-              <a:latin typeface="SFMono-Regular"/>
-            </a:endParaRPr>
-          </a:p>
-          <a:p>
+            <a:r>
+              <a:rPr lang="en-US" altLang="zh-CN" dirty="0">
+                <a:solidFill>
+                  <a:srgbClr val="000000"/>
+                </a:solidFill>
+                <a:latin typeface="SFMono-Regular"/>
+              </a:rPr>
+              <a:t>	</a:t>
+            </a:r>
+            <a:r>
+              <a:rPr lang="en-US" altLang="zh-CN" b="0" i="0" dirty="0">
+                <a:solidFill>
+                  <a:srgbClr val="000000"/>
+                </a:solidFill>
+                <a:effectLst/>
+                <a:latin typeface="SFMono-Regular"/>
+              </a:rPr>
+              <a:t>expect(sum(</a:t>
+            </a:r>
+            <a:r>
+              <a:rPr lang="en-US" altLang="zh-CN" b="0" i="0" dirty="0">
+                <a:solidFill>
+                  <a:srgbClr val="1373C2"/>
+                </a:solidFill>
+                <a:effectLst/>
+                <a:latin typeface="SFMono-Regular"/>
+              </a:rPr>
+              <a:t>1</a:t>
+            </a:r>
+            <a:r>
+              <a:rPr lang="en-US" altLang="zh-CN" b="0" i="0" dirty="0">
+                <a:solidFill>
+                  <a:srgbClr val="000000"/>
+                </a:solidFill>
+                <a:effectLst/>
+                <a:latin typeface="SFMono-Regular"/>
+              </a:rPr>
+              <a:t>, </a:t>
+            </a:r>
+            <a:r>
+              <a:rPr lang="en-US" altLang="zh-CN" b="0" i="0" dirty="0">
+                <a:solidFill>
+                  <a:srgbClr val="1373C2"/>
+                </a:solidFill>
+                <a:effectLst/>
+                <a:latin typeface="SFMono-Regular"/>
+              </a:rPr>
+              <a:t>2</a:t>
+            </a:r>
+            <a:r>
+              <a:rPr lang="en-US" altLang="zh-CN" b="0" i="0" dirty="0">
+                <a:solidFill>
+                  <a:srgbClr val="000000"/>
+                </a:solidFill>
+                <a:effectLst/>
+                <a:latin typeface="SFMono-Regular"/>
+              </a:rPr>
+              <a:t>)).</a:t>
+            </a:r>
             <a:r>
               <a:rPr lang="en-US" altLang="zh-CN" b="0" i="0" dirty="0" err="1">
                 <a:solidFill>
@@ -7311,7 +11237,7 @@
                 <a:effectLst/>
                 <a:latin typeface="SFMono-Regular"/>
               </a:rPr>
-              <a:t>npm</a:t>
+              <a:t>toBe</a:t>
             </a:r>
             <a:r>
               <a:rPr lang="en-US" altLang="zh-CN" b="0" i="0" dirty="0">
@@ -7321,49 +11247,17 @@
                 <a:effectLst/>
                 <a:latin typeface="SFMono-Regular"/>
               </a:rPr>
-              <a:t> install --save-dev jest</a:t>
-            </a:r>
-            <a:r>
-              <a:rPr lang="zh-CN" altLang="en-US" b="0" i="0" dirty="0">
+              <a:t>(</a:t>
+            </a:r>
+            <a:r>
+              <a:rPr lang="en-US" altLang="zh-CN" b="0" i="0" dirty="0">
                 <a:solidFill>
-                  <a:srgbClr val="000000"/>
+                  <a:srgbClr val="1373C2"/>
                 </a:solidFill>
                 <a:effectLst/>
                 <a:latin typeface="SFMono-Regular"/>
               </a:rPr>
-              <a:t>，安装模块</a:t>
-            </a:r>
-            <a:endParaRPr lang="en-US" altLang="zh-CN" dirty="0"/>
-          </a:p>
-          <a:p>
-            <a:endParaRPr lang="en-US" altLang="zh-CN" dirty="0"/>
-          </a:p>
-          <a:p>
-            <a:r>
-              <a:rPr lang="zh-CN" altLang="en-US" dirty="0"/>
-              <a:t>来看一个最基础的例子</a:t>
-            </a:r>
-            <a:endParaRPr lang="en-US" altLang="zh-CN" dirty="0"/>
-          </a:p>
-          <a:p>
-            <a:endParaRPr lang="en-US" altLang="zh-CN" dirty="0"/>
-          </a:p>
-          <a:p>
-            <a:r>
-              <a:rPr lang="en-US" altLang="zh-CN" dirty="0"/>
-              <a:t>sum.js</a:t>
-            </a:r>
-          </a:p>
-          <a:p>
-            <a:r>
-              <a:rPr lang="en-US" altLang="zh-CN" b="1" i="0" dirty="0">
-                <a:solidFill>
-                  <a:srgbClr val="297A29"/>
-                </a:solidFill>
-                <a:effectLst/>
-                <a:latin typeface="inherit"/>
-              </a:rPr>
-              <a:t>function</a:t>
+              <a:t>3</a:t>
             </a:r>
             <a:r>
               <a:rPr lang="en-US" altLang="zh-CN" b="0" i="0" dirty="0">
@@ -7373,18 +11267,10 @@
                 <a:effectLst/>
                 <a:latin typeface="SFMono-Regular"/>
               </a:rPr>
-              <a:t> </a:t>
-            </a:r>
-            <a:r>
-              <a:rPr lang="en-US" altLang="zh-CN" b="1" i="0" dirty="0">
-                <a:solidFill>
-                  <a:srgbClr val="1373C2"/>
-                </a:solidFill>
-                <a:effectLst/>
-                <a:latin typeface="inherit"/>
-              </a:rPr>
-              <a:t>sum</a:t>
-            </a:r>
+              <a:t>); </a:t>
+            </a:r>
+          </a:p>
+          <a:p>
             <a:r>
               <a:rPr lang="en-US" altLang="zh-CN" b="0" i="0" dirty="0">
                 <a:solidFill>
@@ -7393,112 +11279,7 @@
                 <a:effectLst/>
                 <a:latin typeface="SFMono-Regular"/>
               </a:rPr>
-              <a:t>(</a:t>
-            </a:r>
-            <a:r>
-              <a:rPr lang="en-US" altLang="zh-CN" b="0" i="0" dirty="0">
-                <a:solidFill>
-                  <a:srgbClr val="6B2E85"/>
-                </a:solidFill>
-                <a:effectLst/>
-                <a:latin typeface="inherit"/>
-              </a:rPr>
-              <a:t>a, b</a:t>
-            </a:r>
-            <a:r>
-              <a:rPr lang="en-US" altLang="zh-CN" b="0" i="0" dirty="0">
-                <a:solidFill>
-                  <a:srgbClr val="000000"/>
-                </a:solidFill>
-                <a:effectLst/>
-                <a:latin typeface="SFMono-Regular"/>
-              </a:rPr>
-              <a:t>) {</a:t>
-            </a:r>
-          </a:p>
-          <a:p>
-            <a:r>
-              <a:rPr lang="en-US" altLang="zh-CN" dirty="0">
-                <a:solidFill>
-                  <a:srgbClr val="000000"/>
-                </a:solidFill>
-                <a:latin typeface="SFMono-Regular"/>
-              </a:rPr>
-              <a:t>	</a:t>
-            </a:r>
-            <a:r>
-              <a:rPr lang="en-US" altLang="zh-CN" b="0" i="0" dirty="0">
-                <a:solidFill>
-                  <a:srgbClr val="000000"/>
-                </a:solidFill>
-                <a:effectLst/>
-                <a:latin typeface="SFMono-Regular"/>
-              </a:rPr>
-              <a:t> </a:t>
-            </a:r>
-            <a:r>
-              <a:rPr lang="en-US" altLang="zh-CN" b="1" i="0" dirty="0">
-                <a:solidFill>
-                  <a:srgbClr val="297A29"/>
-                </a:solidFill>
-                <a:effectLst/>
-                <a:latin typeface="SFMono-Regular"/>
-              </a:rPr>
-              <a:t>return</a:t>
-            </a:r>
-            <a:r>
-              <a:rPr lang="en-US" altLang="zh-CN" b="0" i="0" dirty="0">
-                <a:solidFill>
-                  <a:srgbClr val="000000"/>
-                </a:solidFill>
-                <a:effectLst/>
-                <a:latin typeface="SFMono-Regular"/>
-              </a:rPr>
-              <a:t> a + b;</a:t>
-            </a:r>
-          </a:p>
-          <a:p>
-            <a:r>
-              <a:rPr lang="en-US" altLang="zh-CN" b="0" i="0" dirty="0">
-                <a:solidFill>
-                  <a:srgbClr val="000000"/>
-                </a:solidFill>
-                <a:effectLst/>
-                <a:latin typeface="SFMono-Regular"/>
-              </a:rPr>
-              <a:t> } </a:t>
-            </a:r>
-          </a:p>
-          <a:p>
-            <a:r>
-              <a:rPr lang="en-US" altLang="zh-CN" b="0" i="0" dirty="0" err="1">
-                <a:solidFill>
-                  <a:srgbClr val="6B2E85"/>
-                </a:solidFill>
-                <a:effectLst/>
-                <a:latin typeface="SFMono-Regular"/>
-              </a:rPr>
-              <a:t>module</a:t>
-            </a:r>
-            <a:r>
-              <a:rPr lang="en-US" altLang="zh-CN" b="0" i="0" dirty="0" err="1">
-                <a:solidFill>
-                  <a:srgbClr val="000000"/>
-                </a:solidFill>
-                <a:effectLst/>
-                <a:latin typeface="SFMono-Regular"/>
-              </a:rPr>
-              <a:t>.exports</a:t>
-            </a:r>
-            <a:r>
-              <a:rPr lang="en-US" altLang="zh-CN" b="0" i="0" dirty="0">
-                <a:solidFill>
-                  <a:srgbClr val="000000"/>
-                </a:solidFill>
-                <a:effectLst/>
-                <a:latin typeface="SFMono-Regular"/>
-              </a:rPr>
-              <a:t> = sum;</a:t>
+              <a:t>});</a:t>
             </a:r>
           </a:p>
           <a:p>
@@ -7511,276 +11292,19 @@
           </a:p>
           <a:p>
             <a:r>
-              <a:rPr lang="en-US" altLang="zh-CN" dirty="0"/>
-              <a:t>sum.test.js</a:t>
-            </a:r>
-          </a:p>
-          <a:p>
-            <a:r>
-              <a:rPr lang="en-US" altLang="zh-CN" b="1" i="0" dirty="0">
-                <a:solidFill>
-                  <a:srgbClr val="297A29"/>
-                </a:solidFill>
-                <a:effectLst/>
+              <a:rPr lang="zh-CN" altLang="en-US" dirty="0">
                 <a:latin typeface="SFMono-Regular"/>
               </a:rPr>
-              <a:t>const</a:t>
-            </a:r>
-            <a:r>
-              <a:rPr lang="en-US" altLang="zh-CN" b="0" i="0" dirty="0">
-                <a:solidFill>
-                  <a:srgbClr val="000000"/>
-                </a:solidFill>
-                <a:effectLst/>
+              <a:t>运行</a:t>
+            </a:r>
+            <a:r>
+              <a:rPr lang="en-US" altLang="zh-CN" dirty="0">
                 <a:latin typeface="SFMono-Regular"/>
               </a:rPr>
-              <a:t> sum = </a:t>
-            </a:r>
-            <a:r>
-              <a:rPr lang="en-US" altLang="zh-CN" b="0" i="0" dirty="0">
-                <a:solidFill>
-                  <a:srgbClr val="6B2E85"/>
-                </a:solidFill>
-                <a:effectLst/>
-                <a:latin typeface="SFMono-Regular"/>
-              </a:rPr>
-              <a:t>require</a:t>
-            </a:r>
-            <a:r>
-              <a:rPr lang="en-US" altLang="zh-CN" b="0" i="0" dirty="0">
-                <a:solidFill>
-                  <a:srgbClr val="000000"/>
-                </a:solidFill>
-                <a:effectLst/>
-                <a:latin typeface="SFMono-Regular"/>
-              </a:rPr>
-              <a:t>(</a:t>
-            </a:r>
-            <a:r>
-              <a:rPr lang="en-US" altLang="zh-CN" b="0" i="0" dirty="0">
-                <a:solidFill>
-                  <a:srgbClr val="C21325"/>
-                </a:solidFill>
-                <a:effectLst/>
-                <a:latin typeface="SFMono-Regular"/>
-              </a:rPr>
-              <a:t>'./sum’</a:t>
-            </a:r>
-            <a:r>
-              <a:rPr lang="en-US" altLang="zh-CN" b="0" i="0" dirty="0">
-                <a:solidFill>
-                  <a:srgbClr val="000000"/>
-                </a:solidFill>
-                <a:effectLst/>
-                <a:latin typeface="SFMono-Regular"/>
-              </a:rPr>
-              <a:t>); </a:t>
-            </a:r>
-          </a:p>
-          <a:p>
-            <a:r>
-              <a:rPr lang="en-US" altLang="zh-CN" b="0" i="0" dirty="0">
-                <a:solidFill>
-                  <a:srgbClr val="000000"/>
-                </a:solidFill>
-                <a:effectLst/>
-                <a:latin typeface="SFMono-Regular"/>
-              </a:rPr>
-              <a:t>test(</a:t>
-            </a:r>
-            <a:r>
-              <a:rPr lang="en-US" altLang="zh-CN" b="0" i="0" dirty="0">
-                <a:solidFill>
-                  <a:srgbClr val="C21325"/>
-                </a:solidFill>
-                <a:effectLst/>
-                <a:latin typeface="SFMono-Regular"/>
-              </a:rPr>
-              <a:t>'adds 1 + 2 to equal 3'</a:t>
-            </a:r>
-            <a:r>
-              <a:rPr lang="en-US" altLang="zh-CN" b="0" i="0" dirty="0">
-                <a:solidFill>
-                  <a:srgbClr val="000000"/>
-                </a:solidFill>
-                <a:effectLst/>
-                <a:latin typeface="SFMono-Regular"/>
-              </a:rPr>
-              <a:t>, () =&gt; { </a:t>
-            </a:r>
-          </a:p>
-          <a:p>
-            <a:r>
-              <a:rPr lang="en-US" altLang="zh-CN" dirty="0">
-                <a:solidFill>
-                  <a:srgbClr val="000000"/>
-                </a:solidFill>
-                <a:latin typeface="SFMono-Regular"/>
-              </a:rPr>
-              <a:t>	// expect  jest </a:t>
+              <a:t>	node sum.test.js ,</a:t>
             </a:r>
             <a:r>
               <a:rPr lang="zh-CN" altLang="en-US" dirty="0">
-                <a:solidFill>
-                  <a:srgbClr val="000000"/>
-                </a:solidFill>
-                <a:latin typeface="SFMono-Regular"/>
-              </a:rPr>
-              <a:t>提供的断言</a:t>
-            </a:r>
-            <a:endParaRPr lang="en-US" altLang="zh-CN" b="0" i="0" dirty="0">
-              <a:solidFill>
-                <a:srgbClr val="000000"/>
-              </a:solidFill>
-              <a:effectLst/>
-              <a:latin typeface="SFMono-Regular"/>
-            </a:endParaRPr>
-          </a:p>
-          <a:p>
-            <a:r>
-              <a:rPr lang="en-US" altLang="zh-CN" dirty="0">
-                <a:solidFill>
-                  <a:srgbClr val="000000"/>
-                </a:solidFill>
-                <a:latin typeface="SFMono-Regular"/>
-              </a:rPr>
-              <a:t>	</a:t>
-            </a:r>
-            <a:r>
-              <a:rPr lang="en-US" altLang="zh-CN" b="0" i="0" dirty="0">
-                <a:solidFill>
-                  <a:srgbClr val="000000"/>
-                </a:solidFill>
-                <a:effectLst/>
-                <a:latin typeface="SFMono-Regular"/>
-              </a:rPr>
-              <a:t>expect(sum(</a:t>
-            </a:r>
-            <a:r>
-              <a:rPr lang="en-US" altLang="zh-CN" b="0" i="0" dirty="0">
-                <a:solidFill>
-                  <a:srgbClr val="1373C2"/>
-                </a:solidFill>
-                <a:effectLst/>
-                <a:latin typeface="SFMono-Regular"/>
-              </a:rPr>
-              <a:t>1</a:t>
-            </a:r>
-            <a:r>
-              <a:rPr lang="en-US" altLang="zh-CN" b="0" i="0" dirty="0">
-                <a:solidFill>
-                  <a:srgbClr val="000000"/>
-                </a:solidFill>
-                <a:effectLst/>
-                <a:latin typeface="SFMono-Regular"/>
-              </a:rPr>
-              <a:t>, </a:t>
-            </a:r>
-            <a:r>
-              <a:rPr lang="en-US" altLang="zh-CN" b="0" i="0" dirty="0">
-                <a:solidFill>
-                  <a:srgbClr val="1373C2"/>
-                </a:solidFill>
-                <a:effectLst/>
-                <a:latin typeface="SFMono-Regular"/>
-              </a:rPr>
-              <a:t>2</a:t>
-            </a:r>
-            <a:r>
-              <a:rPr lang="en-US" altLang="zh-CN" b="0" i="0" dirty="0">
-                <a:solidFill>
-                  <a:srgbClr val="000000"/>
-                </a:solidFill>
-                <a:effectLst/>
-                <a:latin typeface="SFMono-Regular"/>
-              </a:rPr>
-              <a:t>)).</a:t>
-            </a:r>
-            <a:r>
-              <a:rPr lang="en-US" altLang="zh-CN" b="0" i="0" dirty="0" err="1">
-                <a:solidFill>
-                  <a:srgbClr val="000000"/>
-                </a:solidFill>
-                <a:effectLst/>
-                <a:latin typeface="SFMono-Regular"/>
-              </a:rPr>
-              <a:t>toBe</a:t>
-            </a:r>
-            <a:r>
-              <a:rPr lang="en-US" altLang="zh-CN" b="0" i="0" dirty="0">
-                <a:solidFill>
-                  <a:srgbClr val="000000"/>
-                </a:solidFill>
-                <a:effectLst/>
-                <a:latin typeface="SFMono-Regular"/>
-              </a:rPr>
-              <a:t>(</a:t>
-            </a:r>
-            <a:r>
-              <a:rPr lang="en-US" altLang="zh-CN" b="0" i="0" dirty="0">
-                <a:solidFill>
-                  <a:srgbClr val="1373C2"/>
-                </a:solidFill>
-                <a:effectLst/>
-                <a:latin typeface="SFMono-Regular"/>
-              </a:rPr>
-              <a:t>3</a:t>
-            </a:r>
-            <a:r>
-              <a:rPr lang="en-US" altLang="zh-CN" b="0" i="0" dirty="0">
-                <a:solidFill>
-                  <a:srgbClr val="000000"/>
-                </a:solidFill>
-                <a:effectLst/>
-                <a:latin typeface="SFMono-Regular"/>
-              </a:rPr>
-              <a:t>); </a:t>
-            </a:r>
-          </a:p>
-          <a:p>
-            <a:r>
-              <a:rPr lang="en-US" altLang="zh-CN" b="0" i="0" dirty="0">
-                <a:solidFill>
-                  <a:srgbClr val="000000"/>
-                </a:solidFill>
-                <a:effectLst/>
-                <a:latin typeface="SFMono-Regular"/>
-              </a:rPr>
-              <a:t>});</a:t>
-            </a:r>
-          </a:p>
-          <a:p>
-            <a:endParaRPr lang="en-US" altLang="zh-CN" dirty="0">
-              <a:solidFill>
-                <a:srgbClr val="000000"/>
-              </a:solidFill>
-              <a:latin typeface="SFMono-Regular"/>
-            </a:endParaRPr>
-          </a:p>
-          <a:p>
-            <a:r>
-              <a:rPr lang="zh-CN" altLang="en-US" dirty="0">
-                <a:solidFill>
-                  <a:srgbClr val="000000"/>
-                </a:solidFill>
-                <a:latin typeface="SFMono-Regular"/>
-              </a:rPr>
-              <a:t>运行</a:t>
-            </a:r>
-            <a:r>
-              <a:rPr lang="en-US" altLang="zh-CN" dirty="0">
-                <a:solidFill>
-                  <a:srgbClr val="000000"/>
-                </a:solidFill>
-                <a:latin typeface="SFMono-Regular"/>
-              </a:rPr>
-              <a:t>	node sum.test.js ,</a:t>
-            </a:r>
-            <a:r>
-              <a:rPr lang="zh-CN" altLang="en-US" dirty="0">
-                <a:solidFill>
-                  <a:srgbClr val="000000"/>
-                </a:solidFill>
                 <a:latin typeface="SFMono-Regular"/>
               </a:rPr>
               <a:t>会看到一个用例通过</a:t>
@@ -7804,7 +11328,7 @@
         <p:spPr>
           <a:xfrm>
             <a:off x="755374" y="955453"/>
-            <a:ext cx="4797287" cy="5909310"/>
+            <a:ext cx="4810539" cy="5909310"/>
           </a:xfrm>
           <a:prstGeom prst="rect">
             <a:avLst/>
@@ -7819,48 +11343,38 @@
           <a:p>
             <a:r>
               <a:rPr lang="en-US" altLang="zh-CN" b="1" dirty="0">
-                <a:solidFill>
-                  <a:srgbClr val="111111"/>
-                </a:solidFill>
-                <a:latin typeface="Courier New" panose="02070309020205020404" pitchFamily="49" charset="0"/>
+                <a:latin typeface="微软雅黑" panose="020B0503020204020204" pitchFamily="34" charset="-122"/>
+                <a:ea typeface="微软雅黑" panose="020B0503020204020204" pitchFamily="34" charset="-122"/>
               </a:rPr>
               <a:t>jest</a:t>
             </a:r>
             <a:r>
               <a:rPr lang="zh-CN" altLang="en-US" dirty="0">
-                <a:solidFill>
-                  <a:srgbClr val="111111"/>
-                </a:solidFill>
-                <a:latin typeface="Courier New" panose="02070309020205020404" pitchFamily="49" charset="0"/>
+                <a:latin typeface="微软雅黑" panose="020B0503020204020204" pitchFamily="34" charset="-122"/>
+                <a:ea typeface="微软雅黑" panose="020B0503020204020204" pitchFamily="34" charset="-122"/>
               </a:rPr>
               <a:t>是基于</a:t>
             </a:r>
             <a:r>
               <a:rPr lang="en-US" altLang="zh-CN" b="1" i="0" dirty="0">
-                <a:solidFill>
-                  <a:srgbClr val="353535"/>
-                </a:solidFill>
                 <a:effectLst/>
-                <a:latin typeface="-apple-system"/>
+                <a:latin typeface="微软雅黑" panose="020B0503020204020204" pitchFamily="34" charset="-122"/>
+                <a:ea typeface="微软雅黑" panose="020B0503020204020204" pitchFamily="34" charset="-122"/>
               </a:rPr>
               <a:t>Jasmine</a:t>
             </a:r>
             <a:r>
               <a:rPr lang="zh-CN" altLang="en-US" b="0" i="0" dirty="0">
-                <a:solidFill>
-                  <a:srgbClr val="353535"/>
-                </a:solidFill>
                 <a:effectLst/>
-                <a:latin typeface="-apple-system"/>
+                <a:latin typeface="微软雅黑" panose="020B0503020204020204" pitchFamily="34" charset="-122"/>
+                <a:ea typeface="微软雅黑" panose="020B0503020204020204" pitchFamily="34" charset="-122"/>
               </a:rPr>
               <a:t>的，做了大量修改并添加了很多特性，同样开箱即用，但异步测试支持良好；</a:t>
             </a:r>
             <a:endParaRPr lang="en-US" altLang="zh-CN" b="0" i="0" dirty="0">
-              <a:solidFill>
-                <a:srgbClr val="353535"/>
-              </a:solidFill>
               <a:effectLst/>
-              <a:latin typeface="-apple-system"/>
+              <a:latin typeface="微软雅黑" panose="020B0503020204020204" pitchFamily="34" charset="-122"/>
+              <a:ea typeface="微软雅黑" panose="020B0503020204020204" pitchFamily="34" charset="-122"/>
             </a:endParaRPr>
           </a:p>
           <a:p>
@@ -8075,6 +11589,271 @@
 </file>
 
 <file path=ppt/theme/theme1.xml><?xml version="1.0" encoding="utf-8"?>
+<a:theme xmlns:a="http://schemas.openxmlformats.org/drawingml/2006/main" name="离子">
+  <a:themeElements>
+    <a:clrScheme name="离子">
+      <a:dk1>
+        <a:sysClr val="windowText" lastClr="000000"/>
+      </a:dk1>
+      <a:lt1>
+        <a:sysClr val="window" lastClr="FFFFFF"/>
+      </a:lt1>
+      <a:dk2>
+        <a:srgbClr val="0E5580"/>
+      </a:dk2>
+      <a:lt2>
+        <a:srgbClr val="EBEBEB"/>
+      </a:lt2>
+      <a:accent1>
+        <a:srgbClr val="ACD433"/>
+      </a:accent1>
+      <a:accent2>
+        <a:srgbClr val="E6C133"/>
+      </a:accent2>
+      <a:accent3>
+        <a:srgbClr val="EF7A24"/>
+      </a:accent3>
+      <a:accent4>
+        <a:srgbClr val="5AA0F5"/>
+      </a:accent4>
+      <a:accent5>
+        <a:srgbClr val="75CEEC"/>
+      </a:accent5>
+      <a:accent6>
+        <a:srgbClr val="65D6A0"/>
+      </a:accent6>
+      <a:hlink>
+        <a:srgbClr val="C4E46E"/>
+      </a:hlink>
+      <a:folHlink>
+        <a:srgbClr val="BDE0FB"/>
+      </a:folHlink>
+    </a:clrScheme>
+    <a:fontScheme name="离子">
+      <a:majorFont>
+        <a:latin typeface="Century Gothic" panose="020B0502020202020204"/>
+        <a:ea typeface=""/>
+        <a:cs typeface=""/>
+        <a:font script="Jpan" typeface="メイリオ"/>
+        <a:font script="Hang" typeface="맑은 고딕"/>
+        <a:font script="Hans" typeface="宋体"/>
+        <a:font script="Hant" typeface="新細明體"/>
+        <a:font script="Arab" typeface="Times New Roman"/>
+        <a:font script="Hebr" typeface="Times New Roman"/>
+        <a:font script="Thai" typeface="Angsana New"/>
+        <a:font script="Ethi" typeface="Nyala"/>
+        <a:font script="Beng" typeface="Vrinda"/>
+        <a:font script="Gujr" typeface="Shruti"/>
+        <a:font script="Khmr" typeface="MoolBoran"/>
+        <a:font script="Knda" typeface="Tunga"/>
+        <a:font script="Guru" typeface="Raavi"/>
+        <a:font script="Cans" typeface="Euphemia"/>
+        <a:font script="Cher" typeface="Plantagenet Cherokee"/>
+        <a:font script="Yiii" typeface="Microsoft Yi Baiti"/>
+        <a:font script="Tibt" typeface="Microsoft Himalaya"/>
+        <a:font script="Thaa" typeface="MV Boli"/>
+        <a:font script="Deva" typeface="Mangal"/>
+        <a:font script="Telu" typeface="Gautami"/>
+        <a:font script="Taml" typeface="Latha"/>
+        <a:font script="Syrc" typeface="Estrangelo Edessa"/>
+        <a:font script="Orya" typeface="Kalinga"/>
+        <a:font script="Mlym" typeface="Kartika"/>
+        <a:font script="Laoo" typeface="DokChampa"/>
+        <a:font script="Sinh" typeface="Iskoola Pota"/>
+        <a:font script="Mong" typeface="Mongolian Baiti"/>
+        <a:font script="Viet" typeface="Times New Roman"/>
+        <a:font script="Uigh" typeface="Microsoft Uighur"/>
+        <a:font script="Geor" typeface="Sylfaen"/>
+      </a:majorFont>
+      <a:minorFont>
+        <a:latin typeface="Century Gothic" panose="020B0502020202020204"/>
+        <a:ea typeface=""/>
+        <a:cs typeface=""/>
+        <a:font script="Jpan" typeface="メイリオ"/>
+        <a:font script="Hang" typeface="맑은 고딕"/>
+        <a:font script="Hans" typeface="宋体"/>
+        <a:font script="Hant" typeface="新細明體"/>
+        <a:font script="Arab" typeface="Arial"/>
+        <a:font script="Hebr" typeface="Arial"/>
+        <a:font script="Thai" typeface="Cordia New"/>
+        <a:font script="Ethi" typeface="Nyala"/>
+        <a:font script="Beng" typeface="Vrinda"/>
+        <a:font script="Gujr" typeface="Shruti"/>
+        <a:font script="Khmr" typeface="DaunPenh"/>
+        <a:font script="Knda" typeface="Tunga"/>
+        <a:font script="Guru" typeface="Raavi"/>
+        <a:font script="Cans" typeface="Euphemia"/>
+        <a:font script="Cher" typeface="Plantagenet Cherokee"/>
+        <a:font script="Yiii" typeface="Microsoft Yi Baiti"/>
+        <a:font script="Tibt" typeface="Microsoft Himalaya"/>
+        <a:font script="Thaa" typeface="MV Boli"/>
+        <a:font script="Deva" typeface="Mangal"/>
+        <a:font script="Telu" typeface="Gautami"/>
+        <a:font script="Taml" typeface="Latha"/>
+        <a:font script="Syrc" typeface="Estrangelo Edessa"/>
+        <a:font script="Orya" typeface="Kalinga"/>
+        <a:font script="Mlym" typeface="Kartika"/>
+        <a:font script="Laoo" typeface="DokChampa"/>
+        <a:font script="Sinh" typeface="Iskoola Pota"/>
+        <a:font script="Mong" typeface="Mongolian Baiti"/>
+        <a:font script="Viet" typeface="Arial"/>
+        <a:font script="Uigh" typeface="Microsoft Uighur"/>
+        <a:font script="Geor" typeface="Sylfaen"/>
+      </a:minorFont>
+    </a:fontScheme>
+    <a:fmtScheme name="离子">
+      <a:fillStyleLst>
+        <a:solidFill>
+          <a:schemeClr val="phClr"/>
+        </a:solidFill>
+        <a:gradFill rotWithShape="1">
+          <a:gsLst>
+            <a:gs pos="0">
+              <a:schemeClr val="phClr">
+                <a:tint val="64000"/>
+                <a:lumMod val="118000"/>
+              </a:schemeClr>
+            </a:gs>
+            <a:gs pos="100000">
+              <a:schemeClr val="phClr">
+                <a:tint val="92000"/>
+                <a:alpha val="100000"/>
+                <a:lumMod val="110000"/>
+              </a:schemeClr>
+            </a:gs>
+          </a:gsLst>
+          <a:lin ang="5400000" scaled="0"/>
+        </a:gradFill>
+        <a:gradFill rotWithShape="1">
+          <a:gsLst>
+            <a:gs pos="0">
+              <a:schemeClr val="phClr">
+                <a:tint val="98000"/>
+                <a:lumMod val="114000"/>
+              </a:schemeClr>
+            </a:gs>
+            <a:gs pos="100000">
+              <a:schemeClr val="phClr">
+                <a:shade val="90000"/>
+                <a:lumMod val="84000"/>
+              </a:schemeClr>
+            </a:gs>
+          </a:gsLst>
+          <a:lin ang="5400000" scaled="0"/>
+        </a:gradFill>
+      </a:fillStyleLst>
+      <a:lnStyleLst>
+        <a:ln w="9525" cap="rnd" cmpd="sng" algn="ctr">
+          <a:solidFill>
+            <a:schemeClr val="phClr"/>
+          </a:solidFill>
+          <a:prstDash val="solid"/>
+        </a:ln>
+        <a:ln w="19050" cap="rnd" cmpd="sng" algn="ctr">
+          <a:solidFill>
+            <a:schemeClr val="phClr"/>
+          </a:solidFill>
+          <a:prstDash val="solid"/>
+        </a:ln>
+        <a:ln w="28575" cap="rnd" cmpd="sng" algn="ctr">
+          <a:solidFill>
+            <a:schemeClr val="phClr"/>
+          </a:solidFill>
+          <a:prstDash val="solid"/>
+        </a:ln>
+      </a:lnStyleLst>
+      <a:effectStyleLst>
+        <a:effectStyle>
+          <a:effectLst/>
+        </a:effectStyle>
+        <a:effectStyle>
+          <a:effectLst>
+            <a:outerShdw blurRad="38100" dist="25400" dir="5400000" rotWithShape="0">
+              <a:srgbClr val="000000">
+                <a:alpha val="45000"/>
+              </a:srgbClr>
+            </a:outerShdw>
+          </a:effectLst>
+        </a:effectStyle>
+        <a:effectStyle>
+          <a:effectLst>
+            <a:outerShdw blurRad="63500" dist="38100" dir="5400000" rotWithShape="0">
+              <a:srgbClr val="000000">
+                <a:alpha val="60000"/>
+              </a:srgbClr>
+            </a:outerShdw>
+          </a:effectLst>
+          <a:scene3d>
+            <a:camera prst="orthographicFront">
+              <a:rot lat="0" lon="0" rev="0"/>
+            </a:camera>
+            <a:lightRig rig="threePt" dir="tl"/>
+          </a:scene3d>
+          <a:sp3d prstMaterial="plastic">
+            <a:bevelT w="0" h="0"/>
+          </a:sp3d>
+        </a:effectStyle>
+      </a:effectStyleLst>
+      <a:bgFillStyleLst>
+        <a:solidFill>
+          <a:schemeClr val="phClr"/>
+        </a:solidFill>
+        <a:gradFill rotWithShape="1">
+          <a:gsLst>
+            <a:gs pos="0">
+              <a:schemeClr val="phClr">
+                <a:tint val="92000"/>
+                <a:hueMod val="96000"/>
+                <a:satMod val="128000"/>
+                <a:lumMod val="114000"/>
+              </a:schemeClr>
+            </a:gs>
+            <a:gs pos="100000">
+              <a:schemeClr val="phClr">
+                <a:shade val="62000"/>
+                <a:hueMod val="100000"/>
+                <a:satMod val="134000"/>
+                <a:lumMod val="56000"/>
+              </a:schemeClr>
+            </a:gs>
+          </a:gsLst>
+          <a:path path="circle">
+            <a:fillToRect l="45000" t="65000" r="125000" b="100000"/>
+          </a:path>
+        </a:gradFill>
+        <a:blipFill rotWithShape="1">
+          <a:blip xmlns:r="http://schemas.openxmlformats.org/officeDocument/2006/relationships" r:embed="rId1">
+            <a:duotone>
+              <a:schemeClr val="phClr">
+                <a:shade val="62000"/>
+                <a:hueMod val="108000"/>
+                <a:satMod val="164000"/>
+                <a:lumMod val="69000"/>
+              </a:schemeClr>
+              <a:schemeClr val="phClr">
+                <a:tint val="96000"/>
+                <a:hueMod val="90000"/>
+                <a:satMod val="130000"/>
+                <a:lumMod val="134000"/>
+              </a:schemeClr>
+            </a:duotone>
+          </a:blip>
+          <a:stretch/>
+        </a:blipFill>
+      </a:bgFillStyleLst>
+    </a:fmtScheme>
+  </a:themeElements>
+  <a:objectDefaults/>
+  <a:extraClrSchemeLst/>
+  <a:extLst>
+    <a:ext uri="{05A4C25C-085E-4340-85A3-A5531E510DB2}">
+      <thm15:themeFamily xmlns:thm15="http://schemas.microsoft.com/office/thememl/2012/main" name="Ion" id="{B8441ADB-2E43-4AF7-B97A-BD870242C6A8}" vid="{BACC050B-8757-4460-95D8-E37B46A6B421}"/>
+    </a:ext>
+  </a:extLst>
+</a:theme>
+</file>
+
+<file path=ppt/theme/theme2.xml><?xml version="1.0" encoding="utf-8"?>
 <a:theme xmlns:a="http://schemas.openxmlformats.org/drawingml/2006/main" name="Office 主题​​">
   <a:themeElements>
     <a:clrScheme name="Office">

--- a/王博书的分享/自动化测试.pptx
+++ b/王博书的分享/自动化测试.pptx
@@ -5,7 +5,7 @@
     <p:sldMasterId id="2147483678" r:id="rId1"/>
   </p:sldMasterIdLst>
   <p:notesMasterIdLst>
-    <p:notesMasterId r:id="rId15"/>
+    <p:notesMasterId r:id="rId16"/>
   </p:notesMasterIdLst>
   <p:sldIdLst>
     <p:sldId id="256" r:id="rId2"/>
@@ -15,12 +15,13 @@
     <p:sldId id="259" r:id="rId6"/>
     <p:sldId id="261" r:id="rId7"/>
     <p:sldId id="262" r:id="rId8"/>
-    <p:sldId id="263" r:id="rId9"/>
-    <p:sldId id="264" r:id="rId10"/>
+    <p:sldId id="264" r:id="rId9"/>
+    <p:sldId id="263" r:id="rId10"/>
     <p:sldId id="265" r:id="rId11"/>
     <p:sldId id="266" r:id="rId12"/>
-    <p:sldId id="267" r:id="rId13"/>
-    <p:sldId id="268" r:id="rId14"/>
+    <p:sldId id="269" r:id="rId13"/>
+    <p:sldId id="267" r:id="rId14"/>
+    <p:sldId id="268" r:id="rId15"/>
   </p:sldIdLst>
   <p:sldSz cx="12192000" cy="6858000"/>
   <p:notesSz cx="6858000" cy="9144000"/>
@@ -127,6 +128,18 @@
 </p:presentation>
 </file>
 
+<file path=ppt/commentAuthors.xml><?xml version="1.0" encoding="utf-8"?>
+<p:cmAuthorLst xmlns:a="http://schemas.openxmlformats.org/drawingml/2006/main" xmlns:r="http://schemas.openxmlformats.org/officeDocument/2006/relationships" xmlns:p="http://schemas.openxmlformats.org/presentationml/2006/main">
+  <p:cmAuthor id="1" name="Administrator" initials="A" lastIdx="1" clrIdx="0">
+    <p:extLst>
+      <p:ext uri="{19B8F6BF-5375-455C-9EA6-DF929625EA0E}">
+        <p15:presenceInfo xmlns:p15="http://schemas.microsoft.com/office/powerpoint/2012/main" userId="Administrator" providerId="None"/>
+      </p:ext>
+    </p:extLst>
+  </p:cmAuthor>
+</p:cmAuthorLst>
+</file>
+
 <file path=ppt/notesMasters/notesMaster1.xml><?xml version="1.0" encoding="utf-8"?>
 <p:notesMaster xmlns:a="http://schemas.openxmlformats.org/drawingml/2006/main" xmlns:r="http://schemas.openxmlformats.org/officeDocument/2006/relationships" xmlns:p="http://schemas.openxmlformats.org/presentationml/2006/main">
   <p:cSld>
@@ -209,7 +222,7 @@
           <a:p>
             <a:fld id="{6C91DED6-2F87-4CFA-AC0C-81E76F6773BD}" type="datetimeFigureOut">
               <a:rPr lang="zh-CN" altLang="en-US" smtClean="0"/>
-              <a:t>2021/1/14</a:t>
+              <a:t>2021/1/18</a:t>
             </a:fld>
             <a:endParaRPr lang="zh-CN" altLang="en-US"/>
           </a:p>
@@ -659,7 +672,7 @@
           <a:p>
             <a:fld id="{AD09C881-90A8-46F5-914E-732915AF5BE6}" type="datetimeFigureOut">
               <a:rPr lang="zh-CN" altLang="en-US" smtClean="0"/>
-              <a:t>2021/1/14</a:t>
+              <a:t>2021/1/18</a:t>
             </a:fld>
             <a:endParaRPr lang="zh-CN" altLang="en-US"/>
           </a:p>
@@ -934,7 +947,7 @@
           <a:p>
             <a:fld id="{AD09C881-90A8-46F5-914E-732915AF5BE6}" type="datetimeFigureOut">
               <a:rPr lang="zh-CN" altLang="en-US" smtClean="0"/>
-              <a:t>2021/1/14</a:t>
+              <a:t>2021/1/18</a:t>
             </a:fld>
             <a:endParaRPr lang="zh-CN" altLang="en-US"/>
           </a:p>
@@ -1128,7 +1141,7 @@
           <a:p>
             <a:fld id="{AD09C881-90A8-46F5-914E-732915AF5BE6}" type="datetimeFigureOut">
               <a:rPr lang="zh-CN" altLang="en-US" smtClean="0"/>
-              <a:t>2021/1/14</a:t>
+              <a:t>2021/1/18</a:t>
             </a:fld>
             <a:endParaRPr lang="zh-CN" altLang="en-US"/>
           </a:p>
@@ -1396,7 +1409,7 @@
           <a:p>
             <a:fld id="{AD09C881-90A8-46F5-914E-732915AF5BE6}" type="datetimeFigureOut">
               <a:rPr lang="zh-CN" altLang="en-US" smtClean="0"/>
-              <a:t>2021/1/14</a:t>
+              <a:t>2021/1/18</a:t>
             </a:fld>
             <a:endParaRPr lang="zh-CN" altLang="en-US"/>
           </a:p>
@@ -1728,7 +1741,7 @@
           <a:p>
             <a:fld id="{AD09C881-90A8-46F5-914E-732915AF5BE6}" type="datetimeFigureOut">
               <a:rPr lang="zh-CN" altLang="en-US" smtClean="0"/>
-              <a:t>2021/1/14</a:t>
+              <a:t>2021/1/18</a:t>
             </a:fld>
             <a:endParaRPr lang="zh-CN" altLang="en-US"/>
           </a:p>
@@ -2338,7 +2351,7 @@
           <a:p>
             <a:fld id="{AD09C881-90A8-46F5-914E-732915AF5BE6}" type="datetimeFigureOut">
               <a:rPr lang="zh-CN" altLang="en-US" smtClean="0"/>
-              <a:t>2021/1/14</a:t>
+              <a:t>2021/1/18</a:t>
             </a:fld>
             <a:endParaRPr lang="zh-CN" altLang="en-US"/>
           </a:p>
@@ -3185,7 +3198,7 @@
           <a:p>
             <a:fld id="{AD09C881-90A8-46F5-914E-732915AF5BE6}" type="datetimeFigureOut">
               <a:rPr lang="zh-CN" altLang="en-US" smtClean="0"/>
-              <a:t>2021/1/14</a:t>
+              <a:t>2021/1/18</a:t>
             </a:fld>
             <a:endParaRPr lang="zh-CN" altLang="en-US"/>
           </a:p>
@@ -3355,7 +3368,7 @@
           <a:p>
             <a:fld id="{AD09C881-90A8-46F5-914E-732915AF5BE6}" type="datetimeFigureOut">
               <a:rPr lang="zh-CN" altLang="en-US" smtClean="0"/>
-              <a:t>2021/1/14</a:t>
+              <a:t>2021/1/18</a:t>
             </a:fld>
             <a:endParaRPr lang="zh-CN" altLang="en-US"/>
           </a:p>
@@ -3535,7 +3548,7 @@
           <a:p>
             <a:fld id="{AD09C881-90A8-46F5-914E-732915AF5BE6}" type="datetimeFigureOut">
               <a:rPr lang="zh-CN" altLang="en-US" smtClean="0"/>
-              <a:t>2021/1/14</a:t>
+              <a:t>2021/1/18</a:t>
             </a:fld>
             <a:endParaRPr lang="zh-CN" altLang="en-US"/>
           </a:p>
@@ -3705,7 +3718,7 @@
           <a:p>
             <a:fld id="{AD09C881-90A8-46F5-914E-732915AF5BE6}" type="datetimeFigureOut">
               <a:rPr lang="zh-CN" altLang="en-US" smtClean="0"/>
-              <a:t>2021/1/14</a:t>
+              <a:t>2021/1/18</a:t>
             </a:fld>
             <a:endParaRPr lang="zh-CN" altLang="en-US"/>
           </a:p>
@@ -3949,7 +3962,7 @@
           <a:p>
             <a:fld id="{AD09C881-90A8-46F5-914E-732915AF5BE6}" type="datetimeFigureOut">
               <a:rPr lang="zh-CN" altLang="en-US" smtClean="0"/>
-              <a:t>2021/1/14</a:t>
+              <a:t>2021/1/18</a:t>
             </a:fld>
             <a:endParaRPr lang="zh-CN" altLang="en-US"/>
           </a:p>
@@ -4241,7 +4254,7 @@
           <a:p>
             <a:fld id="{AD09C881-90A8-46F5-914E-732915AF5BE6}" type="datetimeFigureOut">
               <a:rPr lang="zh-CN" altLang="en-US" smtClean="0"/>
-              <a:t>2021/1/14</a:t>
+              <a:t>2021/1/18</a:t>
             </a:fld>
             <a:endParaRPr lang="zh-CN" altLang="en-US"/>
           </a:p>
@@ -4679,7 +4692,7 @@
           <a:p>
             <a:fld id="{AD09C881-90A8-46F5-914E-732915AF5BE6}" type="datetimeFigureOut">
               <a:rPr lang="zh-CN" altLang="en-US" smtClean="0"/>
-              <a:t>2021/1/14</a:t>
+              <a:t>2021/1/18</a:t>
             </a:fld>
             <a:endParaRPr lang="zh-CN" altLang="en-US"/>
           </a:p>
@@ -4797,7 +4810,7 @@
           <a:p>
             <a:fld id="{AD09C881-90A8-46F5-914E-732915AF5BE6}" type="datetimeFigureOut">
               <a:rPr lang="zh-CN" altLang="en-US" smtClean="0"/>
-              <a:t>2021/1/14</a:t>
+              <a:t>2021/1/18</a:t>
             </a:fld>
             <a:endParaRPr lang="zh-CN" altLang="en-US"/>
           </a:p>
@@ -4892,7 +4905,7 @@
           <a:p>
             <a:fld id="{AD09C881-90A8-46F5-914E-732915AF5BE6}" type="datetimeFigureOut">
               <a:rPr lang="zh-CN" altLang="en-US" smtClean="0"/>
-              <a:t>2021/1/14</a:t>
+              <a:t>2021/1/18</a:t>
             </a:fld>
             <a:endParaRPr lang="zh-CN" altLang="en-US"/>
           </a:p>
@@ -5171,7 +5184,7 @@
           <a:p>
             <a:fld id="{AD09C881-90A8-46F5-914E-732915AF5BE6}" type="datetimeFigureOut">
               <a:rPr lang="zh-CN" altLang="en-US" smtClean="0"/>
-              <a:t>2021/1/14</a:t>
+              <a:t>2021/1/18</a:t>
             </a:fld>
             <a:endParaRPr lang="zh-CN" altLang="en-US"/>
           </a:p>
@@ -5446,7 +5459,7 @@
           <a:p>
             <a:fld id="{AD09C881-90A8-46F5-914E-732915AF5BE6}" type="datetimeFigureOut">
               <a:rPr lang="zh-CN" altLang="en-US" smtClean="0"/>
-              <a:t>2021/1/14</a:t>
+              <a:t>2021/1/18</a:t>
             </a:fld>
             <a:endParaRPr lang="zh-CN" altLang="en-US"/>
           </a:p>
@@ -5875,7 +5888,7 @@
           <a:p>
             <a:fld id="{AD09C881-90A8-46F5-914E-732915AF5BE6}" type="datetimeFigureOut">
               <a:rPr lang="zh-CN" altLang="en-US" smtClean="0"/>
-              <a:t>2021/1/14</a:t>
+              <a:t>2021/1/18</a:t>
             </a:fld>
             <a:endParaRPr lang="zh-CN" altLang="en-US"/>
           </a:p>
@@ -6487,8 +6500,8 @@
         </p:nvSpPr>
         <p:spPr>
           <a:xfrm>
-            <a:off x="2160104" y="1272209"/>
-            <a:ext cx="7901266" cy="2862322"/>
+            <a:off x="838199" y="1531044"/>
+            <a:ext cx="8880231" cy="3929281"/>
           </a:xfrm>
           <a:prstGeom prst="rect">
             <a:avLst/>
@@ -6496,320 +6509,588 @@
           <a:noFill/>
         </p:spPr>
         <p:txBody>
-          <a:bodyPr wrap="none" rtlCol="0">
+          <a:bodyPr wrap="square" rtlCol="0">
             <a:spAutoFit/>
           </a:bodyPr>
           <a:lstStyle/>
           <a:p>
+            <a:endParaRPr lang="en-US" altLang="zh-CN" dirty="0"/>
+          </a:p>
+          <a:p>
+            <a:pPr marL="285750" indent="-285750">
+              <a:lnSpc>
+                <a:spcPts val="3200"/>
+              </a:lnSpc>
+              <a:buFont typeface="Arial" panose="020B0604020202020204" pitchFamily="34" charset="0"/>
+              <a:buChar char="•"/>
+            </a:pPr>
+            <a:r>
+              <a:rPr lang="en-US" altLang="zh-CN" b="1" i="0" dirty="0">
+                <a:solidFill>
+                  <a:schemeClr val="accent3">
+                    <a:lumMod val="60000"/>
+                    <a:lumOff val="40000"/>
+                  </a:schemeClr>
+                </a:solidFill>
+                <a:effectLst/>
+                <a:latin typeface="PingFang SC"/>
+              </a:rPr>
+              <a:t>.</a:t>
+            </a:r>
+            <a:r>
+              <a:rPr lang="en-US" altLang="zh-CN" b="1" i="0" dirty="0" err="1">
+                <a:solidFill>
+                  <a:schemeClr val="accent3">
+                    <a:lumMod val="60000"/>
+                    <a:lumOff val="40000"/>
+                  </a:schemeClr>
+                </a:solidFill>
+                <a:effectLst/>
+                <a:latin typeface="PingFang SC"/>
+              </a:rPr>
+              <a:t>toBe</a:t>
+            </a:r>
+            <a:r>
+              <a:rPr lang="en-US" altLang="zh-CN" b="1" i="0" dirty="0">
+                <a:solidFill>
+                  <a:schemeClr val="accent3">
+                    <a:lumMod val="60000"/>
+                    <a:lumOff val="40000"/>
+                  </a:schemeClr>
+                </a:solidFill>
+                <a:effectLst/>
+                <a:latin typeface="PingFang SC"/>
+              </a:rPr>
+              <a:t>(value)</a:t>
+            </a:r>
+            <a:r>
+              <a:rPr lang="zh-CN" altLang="en-US" b="1" i="0" dirty="0">
+                <a:effectLst/>
+                <a:latin typeface="PingFang SC"/>
+              </a:rPr>
+              <a:t>：匹配值，相当于</a:t>
+            </a:r>
+            <a:r>
+              <a:rPr lang="en-US" altLang="zh-CN" b="1" i="0" dirty="0">
+                <a:effectLst/>
+                <a:latin typeface="PingFang SC"/>
+              </a:rPr>
+              <a:t>===</a:t>
+            </a:r>
+          </a:p>
+          <a:p>
+            <a:pPr marL="285750" indent="-285750">
+              <a:lnSpc>
+                <a:spcPts val="3200"/>
+              </a:lnSpc>
+              <a:buFont typeface="Arial" panose="020B0604020202020204" pitchFamily="34" charset="0"/>
+              <a:buChar char="•"/>
+            </a:pPr>
+            <a:r>
+              <a:rPr lang="en-US" altLang="zh-CN" b="1" i="0" dirty="0">
+                <a:solidFill>
+                  <a:schemeClr val="accent3">
+                    <a:lumMod val="60000"/>
+                    <a:lumOff val="40000"/>
+                  </a:schemeClr>
+                </a:solidFill>
+                <a:effectLst/>
+                <a:latin typeface="PingFang SC"/>
+              </a:rPr>
+              <a:t>.</a:t>
+            </a:r>
+            <a:r>
+              <a:rPr lang="en-US" altLang="zh-CN" b="1" dirty="0" err="1">
+                <a:solidFill>
+                  <a:schemeClr val="accent3">
+                    <a:lumMod val="60000"/>
+                    <a:lumOff val="40000"/>
+                  </a:schemeClr>
+                </a:solidFill>
+                <a:latin typeface="PingFang SC"/>
+              </a:rPr>
+              <a:t>toEqual</a:t>
+            </a:r>
+            <a:r>
+              <a:rPr lang="en-US" altLang="zh-CN" b="1" dirty="0">
+                <a:solidFill>
+                  <a:schemeClr val="accent3">
+                    <a:lumMod val="60000"/>
+                    <a:lumOff val="40000"/>
+                  </a:schemeClr>
+                </a:solidFill>
+                <a:latin typeface="PingFang SC"/>
+              </a:rPr>
+              <a:t>(value)</a:t>
+            </a:r>
+            <a:r>
+              <a:rPr lang="zh-CN" altLang="en-US" b="1" i="0" dirty="0">
+                <a:effectLst/>
+                <a:latin typeface="PingFang SC"/>
+              </a:rPr>
+              <a:t>：匹配值，只匹配内容不匹配引用，可以用于引用类型的匹配</a:t>
+            </a:r>
+          </a:p>
+          <a:p>
+            <a:pPr marL="285750" indent="-285750">
+              <a:lnSpc>
+                <a:spcPts val="3200"/>
+              </a:lnSpc>
+              <a:buFont typeface="Arial" panose="020B0604020202020204" pitchFamily="34" charset="0"/>
+              <a:buChar char="•"/>
+            </a:pPr>
+            <a:r>
+              <a:rPr lang="en-US" altLang="zh-CN" b="1" i="0" dirty="0">
+                <a:solidFill>
+                  <a:schemeClr val="accent3">
+                    <a:lumMod val="60000"/>
+                    <a:lumOff val="40000"/>
+                  </a:schemeClr>
+                </a:solidFill>
+                <a:effectLst/>
+                <a:latin typeface="PingFang SC"/>
+              </a:rPr>
+              <a:t>.</a:t>
+            </a:r>
+            <a:r>
+              <a:rPr lang="en-US" altLang="zh-CN" b="1" i="0" dirty="0" err="1">
+                <a:solidFill>
+                  <a:schemeClr val="accent3">
+                    <a:lumMod val="60000"/>
+                    <a:lumOff val="40000"/>
+                  </a:schemeClr>
+                </a:solidFill>
+                <a:effectLst/>
+                <a:latin typeface="PingFang SC"/>
+              </a:rPr>
+              <a:t>toBeTruthy</a:t>
+            </a:r>
+            <a:r>
+              <a:rPr lang="en-US" altLang="zh-CN" b="1" i="0" dirty="0">
+                <a:solidFill>
+                  <a:schemeClr val="accent3">
+                    <a:lumMod val="60000"/>
+                    <a:lumOff val="40000"/>
+                  </a:schemeClr>
+                </a:solidFill>
+                <a:effectLst/>
+                <a:latin typeface="PingFang SC"/>
+              </a:rPr>
+              <a:t>()</a:t>
+            </a:r>
+            <a:r>
+              <a:rPr lang="zh-CN" altLang="en-US" b="1" i="0" dirty="0">
+                <a:effectLst/>
+                <a:latin typeface="PingFang SC"/>
+              </a:rPr>
+              <a:t>：匹配结果为</a:t>
+            </a:r>
+            <a:r>
+              <a:rPr lang="en-US" altLang="zh-CN" b="1" i="0" dirty="0">
+                <a:effectLst/>
+                <a:latin typeface="PingFang SC"/>
+              </a:rPr>
+              <a:t>true</a:t>
+            </a:r>
+            <a:r>
+              <a:rPr lang="zh-CN" altLang="en-US" b="1" i="0" dirty="0">
+                <a:effectLst/>
+                <a:latin typeface="PingFang SC"/>
+              </a:rPr>
+              <a:t>的值</a:t>
+            </a:r>
+          </a:p>
+          <a:p>
+            <a:pPr marL="285750" indent="-285750">
+              <a:lnSpc>
+                <a:spcPts val="3200"/>
+              </a:lnSpc>
+              <a:buFont typeface="Arial" panose="020B0604020202020204" pitchFamily="34" charset="0"/>
+              <a:buChar char="•"/>
+            </a:pPr>
+            <a:r>
+              <a:rPr lang="en-US" altLang="zh-CN" b="1" i="0" dirty="0">
+                <a:solidFill>
+                  <a:schemeClr val="accent3">
+                    <a:lumMod val="60000"/>
+                    <a:lumOff val="40000"/>
+                  </a:schemeClr>
+                </a:solidFill>
+                <a:effectLst/>
+                <a:latin typeface="PingFang SC"/>
+              </a:rPr>
+              <a:t>.</a:t>
+            </a:r>
+            <a:r>
+              <a:rPr lang="en-US" altLang="zh-CN" b="1" i="0" dirty="0" err="1">
+                <a:solidFill>
+                  <a:schemeClr val="accent3">
+                    <a:lumMod val="60000"/>
+                    <a:lumOff val="40000"/>
+                  </a:schemeClr>
+                </a:solidFill>
+                <a:effectLst/>
+                <a:latin typeface="PingFang SC"/>
+              </a:rPr>
+              <a:t>toBeFalsy</a:t>
+            </a:r>
+            <a:r>
+              <a:rPr lang="en-US" altLang="zh-CN" b="1" i="0" dirty="0">
+                <a:solidFill>
+                  <a:schemeClr val="accent3">
+                    <a:lumMod val="60000"/>
+                    <a:lumOff val="40000"/>
+                  </a:schemeClr>
+                </a:solidFill>
+                <a:effectLst/>
+                <a:latin typeface="PingFang SC"/>
+              </a:rPr>
+              <a:t>()</a:t>
+            </a:r>
+            <a:r>
+              <a:rPr lang="zh-CN" altLang="en-US" b="1" i="0" dirty="0">
+                <a:effectLst/>
+                <a:latin typeface="PingFang SC"/>
+              </a:rPr>
+              <a:t>：匹配结果为</a:t>
+            </a:r>
+            <a:r>
+              <a:rPr lang="en-US" altLang="zh-CN" b="1" i="0" dirty="0">
+                <a:effectLst/>
+                <a:latin typeface="PingFang SC"/>
+              </a:rPr>
+              <a:t>false</a:t>
+            </a:r>
+            <a:r>
+              <a:rPr lang="zh-CN" altLang="en-US" b="1" i="0" dirty="0">
+                <a:effectLst/>
+                <a:latin typeface="PingFang SC"/>
+              </a:rPr>
+              <a:t>的值</a:t>
+            </a:r>
+          </a:p>
+          <a:p>
+            <a:pPr marL="285750" indent="-285750">
+              <a:lnSpc>
+                <a:spcPts val="3200"/>
+              </a:lnSpc>
+              <a:buFont typeface="Arial" panose="020B0604020202020204" pitchFamily="34" charset="0"/>
+              <a:buChar char="•"/>
+            </a:pPr>
+            <a:r>
+              <a:rPr lang="en-US" altLang="zh-CN" b="1" i="0" dirty="0">
+                <a:solidFill>
+                  <a:schemeClr val="accent3">
+                    <a:lumMod val="60000"/>
+                    <a:lumOff val="40000"/>
+                  </a:schemeClr>
+                </a:solidFill>
+                <a:effectLst/>
+                <a:latin typeface="PingFang SC"/>
+              </a:rPr>
+              <a:t>.</a:t>
+            </a:r>
+            <a:r>
+              <a:rPr lang="en-US" altLang="zh-CN" b="1" i="0" dirty="0" err="1">
+                <a:solidFill>
+                  <a:schemeClr val="accent3">
+                    <a:lumMod val="60000"/>
+                    <a:lumOff val="40000"/>
+                  </a:schemeClr>
+                </a:solidFill>
+                <a:effectLst/>
+                <a:latin typeface="PingFang SC"/>
+              </a:rPr>
+              <a:t>toMatchObject</a:t>
+            </a:r>
+            <a:r>
+              <a:rPr lang="en-US" altLang="zh-CN" b="1" i="0" dirty="0">
+                <a:solidFill>
+                  <a:schemeClr val="accent3">
+                    <a:lumMod val="60000"/>
+                    <a:lumOff val="40000"/>
+                  </a:schemeClr>
+                </a:solidFill>
+                <a:effectLst/>
+                <a:latin typeface="PingFang SC"/>
+              </a:rPr>
+              <a:t>(object)</a:t>
+            </a:r>
+            <a:r>
+              <a:rPr lang="zh-CN" altLang="en-US" b="1" i="0" dirty="0">
+                <a:effectLst/>
+                <a:latin typeface="PingFang SC"/>
+              </a:rPr>
+              <a:t>：匹配对象</a:t>
+            </a:r>
+            <a:r>
+              <a:rPr lang="en-US" altLang="zh-CN" b="1" i="0" dirty="0">
+                <a:effectLst/>
+                <a:latin typeface="PingFang SC"/>
+              </a:rPr>
+              <a:t>/</a:t>
+            </a:r>
+            <a:r>
+              <a:rPr lang="zh-CN" altLang="en-US" b="1" i="0" dirty="0">
+                <a:effectLst/>
+                <a:latin typeface="PingFang SC"/>
+              </a:rPr>
+              <a:t>数组是否属于子集</a:t>
+            </a:r>
+          </a:p>
+          <a:p>
+            <a:pPr marL="285750" indent="-285750">
+              <a:lnSpc>
+                <a:spcPts val="3200"/>
+              </a:lnSpc>
+              <a:buFont typeface="Arial" panose="020B0604020202020204" pitchFamily="34" charset="0"/>
+              <a:buChar char="•"/>
+            </a:pPr>
+            <a:r>
+              <a:rPr lang="en-US" altLang="zh-CN" b="1" i="0" dirty="0">
+                <a:solidFill>
+                  <a:schemeClr val="accent3">
+                    <a:lumMod val="60000"/>
+                    <a:lumOff val="40000"/>
+                  </a:schemeClr>
+                </a:solidFill>
+                <a:effectLst/>
+                <a:latin typeface="PingFang SC"/>
+              </a:rPr>
+              <a:t>.</a:t>
+            </a:r>
+            <a:r>
+              <a:rPr lang="en-US" altLang="zh-CN" b="1" i="0" dirty="0" err="1">
+                <a:solidFill>
+                  <a:schemeClr val="accent3">
+                    <a:lumMod val="60000"/>
+                    <a:lumOff val="40000"/>
+                  </a:schemeClr>
+                </a:solidFill>
+                <a:effectLst/>
+                <a:latin typeface="PingFang SC"/>
+              </a:rPr>
+              <a:t>toMatch</a:t>
+            </a:r>
+            <a:r>
+              <a:rPr lang="en-US" altLang="zh-CN" b="1" i="0" dirty="0">
+                <a:solidFill>
+                  <a:schemeClr val="accent3">
+                    <a:lumMod val="60000"/>
+                    <a:lumOff val="40000"/>
+                  </a:schemeClr>
+                </a:solidFill>
+                <a:effectLst/>
+                <a:latin typeface="PingFang SC"/>
+              </a:rPr>
+              <a:t>(</a:t>
+            </a:r>
+            <a:r>
+              <a:rPr lang="en-US" altLang="zh-CN" b="1" i="0" dirty="0" err="1">
+                <a:solidFill>
+                  <a:schemeClr val="accent3">
+                    <a:lumMod val="60000"/>
+                    <a:lumOff val="40000"/>
+                  </a:schemeClr>
+                </a:solidFill>
+                <a:effectLst/>
+                <a:latin typeface="PingFang SC"/>
+              </a:rPr>
+              <a:t>regexpOrString</a:t>
+            </a:r>
+            <a:r>
+              <a:rPr lang="en-US" altLang="zh-CN" b="1" i="0" dirty="0">
+                <a:solidFill>
+                  <a:schemeClr val="accent3">
+                    <a:lumMod val="60000"/>
+                    <a:lumOff val="40000"/>
+                  </a:schemeClr>
+                </a:solidFill>
+                <a:effectLst/>
+                <a:latin typeface="PingFang SC"/>
+              </a:rPr>
+              <a:t>)</a:t>
+            </a:r>
+            <a:r>
+              <a:rPr lang="zh-CN" altLang="en-US" b="1" i="0" dirty="0">
+                <a:effectLst/>
+                <a:latin typeface="PingFang SC"/>
+              </a:rPr>
+              <a:t>：检查字符串是否匹配</a:t>
+            </a:r>
+          </a:p>
+          <a:p>
+            <a:pPr marL="285750" indent="-285750">
+              <a:lnSpc>
+                <a:spcPts val="3200"/>
+              </a:lnSpc>
+              <a:buFont typeface="Arial" panose="020B0604020202020204" pitchFamily="34" charset="0"/>
+              <a:buChar char="•"/>
+            </a:pPr>
+            <a:r>
+              <a:rPr lang="en-US" altLang="zh-CN" b="1" dirty="0">
+                <a:solidFill>
+                  <a:schemeClr val="accent3">
+                    <a:lumMod val="60000"/>
+                    <a:lumOff val="40000"/>
+                  </a:schemeClr>
+                </a:solidFill>
+                <a:latin typeface="PingFang SC"/>
+              </a:rPr>
+              <a:t>.</a:t>
+            </a:r>
+            <a:r>
+              <a:rPr lang="en-US" altLang="zh-CN" b="1" dirty="0" err="1">
+                <a:solidFill>
+                  <a:schemeClr val="accent3">
+                    <a:lumMod val="60000"/>
+                    <a:lumOff val="40000"/>
+                  </a:schemeClr>
+                </a:solidFill>
+                <a:latin typeface="PingFang SC"/>
+              </a:rPr>
+              <a:t>toContain</a:t>
+            </a:r>
+            <a:r>
+              <a:rPr lang="en-US" altLang="zh-CN" b="1" dirty="0">
+                <a:solidFill>
+                  <a:schemeClr val="accent3">
+                    <a:lumMod val="60000"/>
+                    <a:lumOff val="40000"/>
+                  </a:schemeClr>
+                </a:solidFill>
+                <a:latin typeface="PingFang SC"/>
+              </a:rPr>
+              <a:t>(item)</a:t>
+            </a:r>
+            <a:r>
+              <a:rPr lang="zh-CN" altLang="en-US" b="1" dirty="0">
+                <a:latin typeface="PingFang SC"/>
+              </a:rPr>
+              <a:t>：匹配数组</a:t>
+            </a:r>
+            <a:r>
+              <a:rPr lang="en-US" altLang="zh-CN" b="1" dirty="0">
+                <a:latin typeface="PingFang SC"/>
+              </a:rPr>
+              <a:t>/Set/</a:t>
+            </a:r>
+            <a:r>
+              <a:rPr lang="zh-CN" altLang="en-US" b="1" dirty="0">
+                <a:latin typeface="PingFang SC"/>
+              </a:rPr>
+              <a:t>字符串中是否包含</a:t>
+            </a:r>
+            <a:r>
+              <a:rPr lang="en-US" altLang="zh-CN" b="1" dirty="0">
+                <a:latin typeface="PingFang SC"/>
+              </a:rPr>
+              <a:t>item</a:t>
+            </a:r>
+          </a:p>
+          <a:p>
+            <a:pPr>
+              <a:lnSpc>
+                <a:spcPts val="3200"/>
+              </a:lnSpc>
+            </a:pPr>
+            <a:r>
+              <a:rPr lang="en-US" altLang="zh-CN" b="1" dirty="0">
+                <a:solidFill>
+                  <a:schemeClr val="accent3">
+                    <a:lumMod val="60000"/>
+                    <a:lumOff val="40000"/>
+                  </a:schemeClr>
+                </a:solidFill>
+                <a:latin typeface="PingFang SC"/>
+              </a:rPr>
+              <a:t>.</a:t>
+            </a:r>
+            <a:r>
+              <a:rPr lang="zh-CN" altLang="en-US" b="1" dirty="0">
+                <a:solidFill>
+                  <a:schemeClr val="accent3">
+                    <a:lumMod val="60000"/>
+                    <a:lumOff val="40000"/>
+                  </a:schemeClr>
+                </a:solidFill>
+                <a:latin typeface="PingFang SC"/>
+              </a:rPr>
+              <a:t> </a:t>
+            </a:r>
+            <a:r>
+              <a:rPr lang="en-US" altLang="zh-CN" b="1" dirty="0">
+                <a:solidFill>
+                  <a:schemeClr val="accent3">
+                    <a:lumMod val="60000"/>
+                    <a:lumOff val="40000"/>
+                  </a:schemeClr>
+                </a:solidFill>
+                <a:latin typeface="PingFang SC"/>
+              </a:rPr>
+              <a:t>.</a:t>
+            </a:r>
+            <a:r>
+              <a:rPr lang="zh-CN" altLang="en-US" b="1" dirty="0">
+                <a:solidFill>
+                  <a:schemeClr val="accent3">
+                    <a:lumMod val="60000"/>
+                    <a:lumOff val="40000"/>
+                  </a:schemeClr>
+                </a:solidFill>
+                <a:latin typeface="PingFang SC"/>
+              </a:rPr>
+              <a:t> </a:t>
+            </a:r>
+            <a:r>
+              <a:rPr lang="en-US" altLang="zh-CN" b="1" dirty="0">
+                <a:solidFill>
+                  <a:schemeClr val="accent3">
+                    <a:lumMod val="60000"/>
+                    <a:lumOff val="40000"/>
+                  </a:schemeClr>
+                </a:solidFill>
+                <a:latin typeface="PingFang SC"/>
+              </a:rPr>
+              <a:t>.</a:t>
+            </a:r>
+          </a:p>
+          <a:p>
+            <a:endParaRPr lang="zh-CN" altLang="en-US" dirty="0"/>
+          </a:p>
+        </p:txBody>
+      </p:sp>
+      <p:sp>
+        <p:nvSpPr>
+          <p:cNvPr id="7" name="标题 1">
+            <a:extLst>
+              <a:ext uri="{FF2B5EF4-FFF2-40B4-BE49-F238E27FC236}">
+                <a16:creationId xmlns:a16="http://schemas.microsoft.com/office/drawing/2014/main" id="{0EC76011-E405-424D-8268-256DFB5F5CE4}"/>
+              </a:ext>
+            </a:extLst>
+          </p:cNvPr>
+          <p:cNvSpPr>
+            <a:spLocks noGrp="1"/>
+          </p:cNvSpPr>
+          <p:nvPr>
+            <p:ph type="title"/>
+          </p:nvPr>
+        </p:nvSpPr>
+        <p:spPr>
+          <a:xfrm>
+            <a:off x="838200" y="365125"/>
+            <a:ext cx="10515600" cy="734805"/>
+          </a:xfrm>
+        </p:spPr>
+        <p:txBody>
+          <a:bodyPr/>
+          <a:lstStyle/>
+          <a:p>
             <a:r>
               <a:rPr lang="zh-CN" altLang="en-US" dirty="0"/>
-              <a:t>断言对象的常用匹配器；</a:t>
+              <a:t>断言对象的常用匹配器</a:t>
             </a:r>
             <a:endParaRPr lang="en-US" altLang="zh-CN" dirty="0"/>
-          </a:p>
-          <a:p>
-            <a:endParaRPr lang="en-US" altLang="zh-CN" dirty="0"/>
-          </a:p>
-          <a:p>
-            <a:r>
-              <a:rPr lang="en-US" altLang="zh-CN" b="1" i="0" dirty="0">
-                <a:effectLst/>
-                <a:latin typeface="PingFang SC"/>
-              </a:rPr>
-              <a:t>.</a:t>
-            </a:r>
-            <a:r>
-              <a:rPr lang="en-US" altLang="zh-CN" b="1" i="0" dirty="0" err="1">
-                <a:effectLst/>
-                <a:latin typeface="PingFang SC"/>
-              </a:rPr>
-              <a:t>toBe</a:t>
-            </a:r>
-            <a:r>
-              <a:rPr lang="en-US" altLang="zh-CN" b="1" i="0" dirty="0">
-                <a:effectLst/>
-                <a:latin typeface="PingFang SC"/>
-              </a:rPr>
-              <a:t>(value)</a:t>
-            </a:r>
-            <a:r>
-              <a:rPr lang="zh-CN" altLang="en-US" b="1" i="0" dirty="0">
-                <a:effectLst/>
-                <a:latin typeface="PingFang SC"/>
-              </a:rPr>
-              <a:t>：匹配值，相当于</a:t>
-            </a:r>
-            <a:r>
-              <a:rPr lang="en-US" altLang="zh-CN" b="1" i="0" dirty="0">
-                <a:effectLst/>
-                <a:latin typeface="PingFang SC"/>
-              </a:rPr>
-              <a:t>===</a:t>
-            </a:r>
-          </a:p>
-          <a:p>
-            <a:r>
-              <a:rPr lang="en-US" altLang="zh-CN" b="1" i="0" dirty="0">
-                <a:effectLst/>
-                <a:latin typeface="PingFang SC"/>
-              </a:rPr>
-              <a:t>.</a:t>
-            </a:r>
-            <a:r>
-              <a:rPr lang="en-US" altLang="zh-CN" b="1" i="0" dirty="0" err="1">
-                <a:effectLst/>
-                <a:latin typeface="PingFang SC"/>
-              </a:rPr>
-              <a:t>toEqual</a:t>
-            </a:r>
-            <a:r>
-              <a:rPr lang="en-US" altLang="zh-CN" b="1" i="0" dirty="0">
-                <a:effectLst/>
-                <a:latin typeface="PingFang SC"/>
-              </a:rPr>
-              <a:t>(value)</a:t>
-            </a:r>
-            <a:r>
-              <a:rPr lang="zh-CN" altLang="en-US" b="1" i="0" dirty="0">
-                <a:effectLst/>
-                <a:latin typeface="PingFang SC"/>
-              </a:rPr>
-              <a:t>：匹配值，只匹配内容不匹配引用，可以用于引用类型的匹配</a:t>
-            </a:r>
-          </a:p>
-          <a:p>
-            <a:r>
-              <a:rPr lang="en-US" altLang="zh-CN" b="1" i="0" dirty="0">
-                <a:effectLst/>
-                <a:latin typeface="PingFang SC"/>
-              </a:rPr>
-              <a:t>.</a:t>
-            </a:r>
-            <a:r>
-              <a:rPr lang="en-US" altLang="zh-CN" b="1" i="0" dirty="0" err="1">
-                <a:effectLst/>
-                <a:latin typeface="PingFang SC"/>
-              </a:rPr>
-              <a:t>toBeTruthy</a:t>
-            </a:r>
-            <a:r>
-              <a:rPr lang="en-US" altLang="zh-CN" b="1" i="0" dirty="0">
-                <a:effectLst/>
-                <a:latin typeface="PingFang SC"/>
-              </a:rPr>
-              <a:t>()</a:t>
-            </a:r>
-            <a:r>
-              <a:rPr lang="zh-CN" altLang="en-US" b="1" i="0" dirty="0">
-                <a:effectLst/>
-                <a:latin typeface="PingFang SC"/>
-              </a:rPr>
-              <a:t>：匹配结果为</a:t>
-            </a:r>
-            <a:r>
-              <a:rPr lang="en-US" altLang="zh-CN" b="1" i="0" dirty="0">
-                <a:effectLst/>
-                <a:latin typeface="PingFang SC"/>
-              </a:rPr>
-              <a:t>true</a:t>
-            </a:r>
-            <a:r>
-              <a:rPr lang="zh-CN" altLang="en-US" b="1" i="0" dirty="0">
-                <a:effectLst/>
-                <a:latin typeface="PingFang SC"/>
-              </a:rPr>
-              <a:t>的值</a:t>
-            </a:r>
-          </a:p>
-          <a:p>
-            <a:r>
-              <a:rPr lang="en-US" altLang="zh-CN" b="1" i="0" dirty="0">
-                <a:effectLst/>
-                <a:latin typeface="PingFang SC"/>
-              </a:rPr>
-              <a:t>.</a:t>
-            </a:r>
-            <a:r>
-              <a:rPr lang="en-US" altLang="zh-CN" b="1" i="0" dirty="0" err="1">
-                <a:effectLst/>
-                <a:latin typeface="PingFang SC"/>
-              </a:rPr>
-              <a:t>toBeFalsy</a:t>
-            </a:r>
-            <a:r>
-              <a:rPr lang="en-US" altLang="zh-CN" b="1" i="0" dirty="0">
-                <a:effectLst/>
-                <a:latin typeface="PingFang SC"/>
-              </a:rPr>
-              <a:t>()</a:t>
-            </a:r>
-            <a:r>
-              <a:rPr lang="zh-CN" altLang="en-US" b="1" i="0" dirty="0">
-                <a:effectLst/>
-                <a:latin typeface="PingFang SC"/>
-              </a:rPr>
-              <a:t>：匹配结果为</a:t>
-            </a:r>
-            <a:r>
-              <a:rPr lang="en-US" altLang="zh-CN" b="1" i="0" dirty="0">
-                <a:effectLst/>
-                <a:latin typeface="PingFang SC"/>
-              </a:rPr>
-              <a:t>false</a:t>
-            </a:r>
-            <a:r>
-              <a:rPr lang="zh-CN" altLang="en-US" b="1" i="0" dirty="0">
-                <a:effectLst/>
-                <a:latin typeface="PingFang SC"/>
-              </a:rPr>
-              <a:t>的值</a:t>
-            </a:r>
-          </a:p>
-          <a:p>
-            <a:r>
-              <a:rPr lang="en-US" altLang="zh-CN" b="1" i="0" dirty="0">
-                <a:effectLst/>
-                <a:latin typeface="PingFang SC"/>
-              </a:rPr>
-              <a:t>.</a:t>
-            </a:r>
-            <a:r>
-              <a:rPr lang="en-US" altLang="zh-CN" b="1" i="0" dirty="0" err="1">
-                <a:effectLst/>
-                <a:latin typeface="PingFang SC"/>
-              </a:rPr>
-              <a:t>toMatchObject</a:t>
-            </a:r>
-            <a:r>
-              <a:rPr lang="en-US" altLang="zh-CN" b="1" i="0" dirty="0">
-                <a:effectLst/>
-                <a:latin typeface="PingFang SC"/>
-              </a:rPr>
-              <a:t>(object)</a:t>
-            </a:r>
-            <a:r>
-              <a:rPr lang="zh-CN" altLang="en-US" b="1" i="0" dirty="0">
-                <a:effectLst/>
-                <a:latin typeface="PingFang SC"/>
-              </a:rPr>
-              <a:t>：匹配对象</a:t>
-            </a:r>
-            <a:r>
-              <a:rPr lang="en-US" altLang="zh-CN" b="1" i="0" dirty="0">
-                <a:effectLst/>
-                <a:latin typeface="PingFang SC"/>
-              </a:rPr>
-              <a:t>/</a:t>
-            </a:r>
-            <a:r>
-              <a:rPr lang="zh-CN" altLang="en-US" b="1" i="0" dirty="0">
-                <a:effectLst/>
-                <a:latin typeface="PingFang SC"/>
-              </a:rPr>
-              <a:t>数组是否属于子集</a:t>
-            </a:r>
-          </a:p>
-          <a:p>
-            <a:r>
-              <a:rPr lang="en-US" altLang="zh-CN" b="1" i="0" dirty="0">
-                <a:effectLst/>
-                <a:latin typeface="PingFang SC"/>
-              </a:rPr>
-              <a:t>.</a:t>
-            </a:r>
-            <a:r>
-              <a:rPr lang="en-US" altLang="zh-CN" b="1" i="0" dirty="0" err="1">
-                <a:effectLst/>
-                <a:latin typeface="PingFang SC"/>
-              </a:rPr>
-              <a:t>toMatch</a:t>
-            </a:r>
-            <a:r>
-              <a:rPr lang="en-US" altLang="zh-CN" b="1" i="0" dirty="0">
-                <a:effectLst/>
-                <a:latin typeface="PingFang SC"/>
-              </a:rPr>
-              <a:t>(</a:t>
-            </a:r>
-            <a:r>
-              <a:rPr lang="en-US" altLang="zh-CN" b="1" i="0" dirty="0" err="1">
-                <a:effectLst/>
-                <a:latin typeface="PingFang SC"/>
-              </a:rPr>
-              <a:t>regexpOrString</a:t>
-            </a:r>
-            <a:r>
-              <a:rPr lang="en-US" altLang="zh-CN" b="1" i="0" dirty="0">
-                <a:effectLst/>
-                <a:latin typeface="PingFang SC"/>
-              </a:rPr>
-              <a:t>)</a:t>
-            </a:r>
-            <a:r>
-              <a:rPr lang="zh-CN" altLang="en-US" b="1" i="0" dirty="0">
-                <a:effectLst/>
-                <a:latin typeface="PingFang SC"/>
-              </a:rPr>
-              <a:t>：检查字符串是否匹配</a:t>
-            </a:r>
-          </a:p>
-          <a:p>
-            <a:r>
-              <a:rPr lang="en-US" altLang="zh-CN" b="1" i="0" dirty="0">
-                <a:effectLst/>
-                <a:latin typeface="PingFang SC"/>
-              </a:rPr>
-              <a:t>.</a:t>
-            </a:r>
-            <a:r>
-              <a:rPr lang="en-US" altLang="zh-CN" b="1" i="0" dirty="0" err="1">
-                <a:effectLst/>
-                <a:latin typeface="PingFang SC"/>
-              </a:rPr>
-              <a:t>toContain</a:t>
-            </a:r>
-            <a:r>
-              <a:rPr lang="en-US" altLang="zh-CN" b="1" i="0" dirty="0">
-                <a:effectLst/>
-                <a:latin typeface="PingFang SC"/>
-              </a:rPr>
-              <a:t>(item)</a:t>
-            </a:r>
-            <a:r>
-              <a:rPr lang="zh-CN" altLang="en-US" b="1" i="0" dirty="0">
-                <a:effectLst/>
-                <a:latin typeface="PingFang SC"/>
-              </a:rPr>
-              <a:t>：匹配数组</a:t>
-            </a:r>
-            <a:r>
-              <a:rPr lang="en-US" altLang="zh-CN" b="1" i="0" dirty="0">
-                <a:effectLst/>
-                <a:latin typeface="PingFang SC"/>
-              </a:rPr>
-              <a:t>/Set/</a:t>
-            </a:r>
-            <a:r>
-              <a:rPr lang="zh-CN" altLang="en-US" b="1" i="0" dirty="0">
-                <a:effectLst/>
-                <a:latin typeface="PingFang SC"/>
-              </a:rPr>
-              <a:t>字符串中是否包含</a:t>
-            </a:r>
-            <a:r>
-              <a:rPr lang="en-US" altLang="zh-CN" b="1" i="0" dirty="0">
-                <a:effectLst/>
-                <a:latin typeface="PingFang SC"/>
-              </a:rPr>
-              <a:t>item</a:t>
-            </a:r>
-          </a:p>
-          <a:p>
-            <a:r>
-              <a:rPr lang="en-US" altLang="zh-CN" dirty="0"/>
-              <a:t>…</a:t>
-            </a:r>
-            <a:endParaRPr lang="zh-CN" altLang="en-US" dirty="0"/>
           </a:p>
         </p:txBody>
       </p:sp>
@@ -6892,7 +7173,12 @@
             <p:ph idx="1"/>
           </p:nvPr>
         </p:nvSpPr>
-        <p:spPr/>
+        <p:spPr>
+          <a:xfrm>
+            <a:off x="6096000" y="1582616"/>
+            <a:ext cx="5257800" cy="3754507"/>
+          </a:xfrm>
+        </p:spPr>
         <p:txBody>
           <a:bodyPr/>
           <a:lstStyle/>
@@ -6901,10 +7187,678 @@
               <a:buNone/>
             </a:pPr>
             <a:r>
+              <a:rPr lang="en-US" altLang="zh-CN" b="0" dirty="0">
+                <a:effectLst/>
+                <a:latin typeface="Consolas" panose="020B0609020204030204" pitchFamily="49" charset="0"/>
+              </a:rPr>
+              <a:t>Jest</a:t>
+            </a:r>
+            <a:r>
+              <a:rPr lang="zh-CN" altLang="en-US" b="0" dirty="0">
+                <a:effectLst/>
+                <a:latin typeface="Consolas" panose="020B0609020204030204" pitchFamily="49" charset="0"/>
+              </a:rPr>
+              <a:t>提供的异步测试方法如下：</a:t>
+            </a:r>
+            <a:endParaRPr lang="en-US" altLang="zh-CN" b="0" dirty="0">
+              <a:effectLst/>
+              <a:latin typeface="Consolas" panose="020B0609020204030204" pitchFamily="49" charset="0"/>
+            </a:endParaRPr>
+          </a:p>
+          <a:p>
+            <a:pPr marL="0" indent="0">
+              <a:buNone/>
+            </a:pPr>
+            <a:endParaRPr lang="en-US" altLang="zh-CN" b="0" dirty="0">
+              <a:effectLst/>
+              <a:latin typeface="Consolas" panose="020B0609020204030204" pitchFamily="49" charset="0"/>
+            </a:endParaRPr>
+          </a:p>
+          <a:p>
+            <a:pPr marL="457200" indent="-457200">
+              <a:buFont typeface="+mj-lt"/>
+              <a:buAutoNum type="arabicPeriod"/>
+            </a:pPr>
+            <a:r>
+              <a:rPr lang="zh-CN" altLang="en-US" b="0" dirty="0">
+                <a:effectLst/>
+                <a:latin typeface="Consolas" panose="020B0609020204030204" pitchFamily="49" charset="0"/>
+              </a:rPr>
+              <a:t>使用</a:t>
+            </a:r>
+            <a:r>
+              <a:rPr lang="en-US" altLang="zh-CN" b="0" dirty="0">
+                <a:effectLst/>
+                <a:latin typeface="Consolas" panose="020B0609020204030204" pitchFamily="49" charset="0"/>
+              </a:rPr>
+              <a:t>done</a:t>
+            </a:r>
+            <a:r>
+              <a:rPr lang="zh-CN" altLang="en-US" b="0" dirty="0">
+                <a:effectLst/>
+                <a:latin typeface="Consolas" panose="020B0609020204030204" pitchFamily="49" charset="0"/>
+              </a:rPr>
+              <a:t>方法</a:t>
+            </a:r>
+          </a:p>
+          <a:p>
+            <a:pPr marL="457200" indent="-457200">
+              <a:buFont typeface="+mj-lt"/>
+              <a:buAutoNum type="arabicPeriod"/>
+            </a:pPr>
+            <a:r>
+              <a:rPr lang="zh-CN" altLang="en-US" b="0" dirty="0">
+                <a:effectLst/>
+                <a:latin typeface="Consolas" panose="020B0609020204030204" pitchFamily="49" charset="0"/>
+              </a:rPr>
+              <a:t>使用 </a:t>
+            </a:r>
+            <a:r>
+              <a:rPr lang="en-US" altLang="zh-CN" b="0" dirty="0">
+                <a:effectLst/>
+                <a:latin typeface="Consolas" panose="020B0609020204030204" pitchFamily="49" charset="0"/>
+              </a:rPr>
+              <a:t>Promise </a:t>
+            </a:r>
+            <a:r>
+              <a:rPr lang="zh-CN" altLang="en-US" b="0" dirty="0">
+                <a:effectLst/>
+                <a:latin typeface="Consolas" panose="020B0609020204030204" pitchFamily="49" charset="0"/>
+              </a:rPr>
+              <a:t>对象 直接 </a:t>
+            </a:r>
+            <a:r>
+              <a:rPr lang="en-US" altLang="zh-CN" b="0" dirty="0">
+                <a:effectLst/>
+                <a:latin typeface="Consolas" panose="020B0609020204030204" pitchFamily="49" charset="0"/>
+              </a:rPr>
+              <a:t>return</a:t>
+            </a:r>
+          </a:p>
+          <a:p>
+            <a:pPr marL="457200" indent="-457200">
+              <a:buFont typeface="+mj-lt"/>
+              <a:buAutoNum type="arabicPeriod"/>
+            </a:pPr>
+            <a:r>
+              <a:rPr lang="en-US" altLang="zh-CN" b="0" dirty="0">
+                <a:effectLst/>
+                <a:latin typeface="Consolas" panose="020B0609020204030204" pitchFamily="49" charset="0"/>
+              </a:rPr>
+              <a:t>return + resolves / rejects </a:t>
+            </a:r>
+            <a:r>
+              <a:rPr lang="zh-CN" altLang="en-US" b="0" dirty="0">
+                <a:effectLst/>
+                <a:latin typeface="Consolas" panose="020B0609020204030204" pitchFamily="49" charset="0"/>
+              </a:rPr>
+              <a:t>写法</a:t>
+            </a:r>
+          </a:p>
+          <a:p>
+            <a:pPr marL="457200" indent="-457200">
+              <a:buFont typeface="+mj-lt"/>
+              <a:buAutoNum type="arabicPeriod"/>
+            </a:pPr>
+            <a:r>
+              <a:rPr lang="zh-CN" altLang="en-US" b="0" dirty="0">
+                <a:effectLst/>
+                <a:latin typeface="Consolas" panose="020B0609020204030204" pitchFamily="49" charset="0"/>
+              </a:rPr>
+              <a:t>使用 </a:t>
+            </a:r>
+            <a:r>
+              <a:rPr lang="en-US" altLang="zh-CN" b="0" dirty="0">
+                <a:effectLst/>
+                <a:latin typeface="Consolas" panose="020B0609020204030204" pitchFamily="49" charset="0"/>
+              </a:rPr>
+              <a:t>async </a:t>
+            </a:r>
+            <a:r>
+              <a:rPr lang="en-US" altLang="zh-CN" b="0" dirty="0" err="1">
+                <a:effectLst/>
+                <a:latin typeface="Consolas" panose="020B0609020204030204" pitchFamily="49" charset="0"/>
+              </a:rPr>
+              <a:t>awiat</a:t>
+            </a:r>
+            <a:endParaRPr lang="en-US" altLang="zh-CN" b="0" dirty="0">
+              <a:effectLst/>
+              <a:latin typeface="Consolas" panose="020B0609020204030204" pitchFamily="49" charset="0"/>
+            </a:endParaRPr>
+          </a:p>
+        </p:txBody>
+      </p:sp>
+      <p:sp>
+        <p:nvSpPr>
+          <p:cNvPr id="4" name="文本框 3">
+            <a:extLst>
+              <a:ext uri="{FF2B5EF4-FFF2-40B4-BE49-F238E27FC236}">
+                <a16:creationId xmlns:a16="http://schemas.microsoft.com/office/drawing/2014/main" id="{897C741F-C191-4106-9FDA-35D0EE688231}"/>
+              </a:ext>
+            </a:extLst>
+          </p:cNvPr>
+          <p:cNvSpPr txBox="1"/>
+          <p:nvPr/>
+        </p:nvSpPr>
+        <p:spPr>
+          <a:xfrm>
+            <a:off x="838200" y="1582616"/>
+            <a:ext cx="4753708" cy="3416320"/>
+          </a:xfrm>
+          <a:prstGeom prst="rect">
+            <a:avLst/>
+          </a:prstGeom>
+          <a:noFill/>
+        </p:spPr>
+        <p:txBody>
+          <a:bodyPr wrap="square" rtlCol="0">
+            <a:spAutoFit/>
+          </a:bodyPr>
+          <a:lstStyle/>
+          <a:p>
+            <a:r>
+              <a:rPr lang="zh-CN" altLang="en-US" dirty="0">
+                <a:solidFill>
+                  <a:srgbClr val="DCDCAA"/>
+                </a:solidFill>
+                <a:latin typeface="Consolas" panose="020B0609020204030204" pitchFamily="49" charset="0"/>
+              </a:rPr>
+              <a:t>想错误写法：</a:t>
+            </a:r>
+            <a:endParaRPr lang="en-US" altLang="zh-CN" b="0" dirty="0">
+              <a:solidFill>
+                <a:srgbClr val="DCDCAA"/>
+              </a:solidFill>
+              <a:effectLst/>
+              <a:latin typeface="Consolas" panose="020B0609020204030204" pitchFamily="49" charset="0"/>
+            </a:endParaRPr>
+          </a:p>
+          <a:p>
+            <a:r>
+              <a:rPr lang="en-US" altLang="zh-CN" b="0" dirty="0">
+                <a:solidFill>
+                  <a:srgbClr val="DCDCAA"/>
+                </a:solidFill>
+                <a:effectLst/>
+                <a:latin typeface="Consolas" panose="020B0609020204030204" pitchFamily="49" charset="0"/>
+              </a:rPr>
+              <a:t>test</a:t>
+            </a:r>
+            <a:r>
+              <a:rPr lang="en-US" altLang="zh-CN" b="0" dirty="0">
+                <a:solidFill>
+                  <a:srgbClr val="D4D4D4"/>
+                </a:solidFill>
+                <a:effectLst/>
+                <a:latin typeface="Consolas" panose="020B0609020204030204" pitchFamily="49" charset="0"/>
+              </a:rPr>
+              <a:t>(</a:t>
+            </a:r>
+            <a:r>
+              <a:rPr lang="en-US" altLang="zh-CN" b="0" dirty="0">
+                <a:solidFill>
+                  <a:srgbClr val="CE9178"/>
+                </a:solidFill>
+                <a:effectLst/>
+                <a:latin typeface="Consolas" panose="020B0609020204030204" pitchFamily="49" charset="0"/>
+              </a:rPr>
+              <a:t>'</a:t>
+            </a:r>
+            <a:r>
+              <a:rPr lang="zh-CN" altLang="en-US" b="0" dirty="0">
+                <a:solidFill>
+                  <a:srgbClr val="CE9178"/>
+                </a:solidFill>
+                <a:effectLst/>
+                <a:latin typeface="Consolas" panose="020B0609020204030204" pitchFamily="49" charset="0"/>
+              </a:rPr>
+              <a:t>测试 </a:t>
+            </a:r>
+            <a:r>
+              <a:rPr lang="en-US" altLang="zh-CN" b="0" dirty="0">
+                <a:solidFill>
+                  <a:srgbClr val="CE9178"/>
+                </a:solidFill>
+                <a:effectLst/>
+                <a:latin typeface="Consolas" panose="020B0609020204030204" pitchFamily="49" charset="0"/>
+              </a:rPr>
+              <a:t>featchData1'</a:t>
+            </a:r>
+            <a:r>
+              <a:rPr lang="en-US" altLang="zh-CN" b="0" dirty="0">
+                <a:solidFill>
+                  <a:srgbClr val="D4D4D4"/>
+                </a:solidFill>
+                <a:effectLst/>
+                <a:latin typeface="Consolas" panose="020B0609020204030204" pitchFamily="49" charset="0"/>
+              </a:rPr>
+              <a:t>, () </a:t>
+            </a:r>
+            <a:r>
+              <a:rPr lang="en-US" altLang="zh-CN" b="0" dirty="0">
+                <a:solidFill>
+                  <a:srgbClr val="569CD6"/>
+                </a:solidFill>
+                <a:effectLst/>
+                <a:latin typeface="Consolas" panose="020B0609020204030204" pitchFamily="49" charset="0"/>
+              </a:rPr>
+              <a:t>=&gt;</a:t>
+            </a:r>
+            <a:r>
+              <a:rPr lang="en-US" altLang="zh-CN" b="0" dirty="0">
+                <a:solidFill>
+                  <a:srgbClr val="D4D4D4"/>
+                </a:solidFill>
+                <a:effectLst/>
+                <a:latin typeface="Consolas" panose="020B0609020204030204" pitchFamily="49" charset="0"/>
+              </a:rPr>
+              <a:t> {</a:t>
+            </a:r>
+          </a:p>
+          <a:p>
+            <a:pPr lvl="1"/>
+            <a:r>
+              <a:rPr lang="en-US" altLang="zh-CN" b="0" dirty="0">
+                <a:solidFill>
+                  <a:srgbClr val="DCDCAA"/>
+                </a:solidFill>
+                <a:effectLst/>
+                <a:latin typeface="Consolas" panose="020B0609020204030204" pitchFamily="49" charset="0"/>
+              </a:rPr>
+              <a:t>featchData1</a:t>
+            </a:r>
+            <a:r>
+              <a:rPr lang="en-US" altLang="zh-CN" b="0" dirty="0">
+                <a:solidFill>
+                  <a:srgbClr val="D4D4D4"/>
+                </a:solidFill>
+                <a:effectLst/>
+                <a:latin typeface="Consolas" panose="020B0609020204030204" pitchFamily="49" charset="0"/>
+              </a:rPr>
+              <a:t>((</a:t>
+            </a:r>
+            <a:r>
+              <a:rPr lang="en-US" altLang="zh-CN" b="0" dirty="0">
+                <a:solidFill>
+                  <a:srgbClr val="9CDCFE"/>
+                </a:solidFill>
+                <a:effectLst/>
+                <a:latin typeface="Consolas" panose="020B0609020204030204" pitchFamily="49" charset="0"/>
+              </a:rPr>
+              <a:t>data</a:t>
+            </a:r>
+            <a:r>
+              <a:rPr lang="en-US" altLang="zh-CN" b="0" dirty="0">
+                <a:solidFill>
+                  <a:srgbClr val="D4D4D4"/>
+                </a:solidFill>
+                <a:effectLst/>
+                <a:latin typeface="Consolas" panose="020B0609020204030204" pitchFamily="49" charset="0"/>
+              </a:rPr>
+              <a:t>) </a:t>
+            </a:r>
+            <a:r>
+              <a:rPr lang="en-US" altLang="zh-CN" b="0" dirty="0">
+                <a:solidFill>
+                  <a:srgbClr val="569CD6"/>
+                </a:solidFill>
+                <a:effectLst/>
+                <a:latin typeface="Consolas" panose="020B0609020204030204" pitchFamily="49" charset="0"/>
+              </a:rPr>
+              <a:t>=&gt;</a:t>
+            </a:r>
+            <a:r>
+              <a:rPr lang="en-US" altLang="zh-CN" b="0" dirty="0">
+                <a:solidFill>
+                  <a:srgbClr val="D4D4D4"/>
+                </a:solidFill>
+                <a:effectLst/>
+                <a:latin typeface="Consolas" panose="020B0609020204030204" pitchFamily="49" charset="0"/>
+              </a:rPr>
+              <a:t> {</a:t>
+            </a:r>
+          </a:p>
+          <a:p>
+            <a:pPr lvl="2"/>
+            <a:r>
+              <a:rPr lang="en-US" altLang="zh-CN" b="0" dirty="0">
+                <a:solidFill>
+                  <a:srgbClr val="6A9955"/>
+                </a:solidFill>
+                <a:effectLst/>
+                <a:latin typeface="Consolas" panose="020B0609020204030204" pitchFamily="49" charset="0"/>
+              </a:rPr>
+              <a:t>//</a:t>
+            </a:r>
+            <a:r>
+              <a:rPr lang="zh-CN" altLang="en-US" b="0" dirty="0">
+                <a:solidFill>
+                  <a:srgbClr val="6A9955"/>
+                </a:solidFill>
+                <a:effectLst/>
+                <a:latin typeface="Consolas" panose="020B0609020204030204" pitchFamily="49" charset="0"/>
+              </a:rPr>
+              <a:t>测试</a:t>
+            </a:r>
+            <a:r>
+              <a:rPr lang="en-US" altLang="zh-CN" b="0" dirty="0">
+                <a:solidFill>
+                  <a:srgbClr val="6A9955"/>
+                </a:solidFill>
+                <a:effectLst/>
+                <a:latin typeface="Consolas" panose="020B0609020204030204" pitchFamily="49" charset="0"/>
+              </a:rPr>
+              <a:t>data</a:t>
+            </a:r>
+            <a:r>
+              <a:rPr lang="zh-CN" altLang="en-US" b="0" dirty="0">
+                <a:solidFill>
+                  <a:srgbClr val="6A9955"/>
+                </a:solidFill>
+                <a:effectLst/>
+                <a:latin typeface="Consolas" panose="020B0609020204030204" pitchFamily="49" charset="0"/>
+              </a:rPr>
+              <a:t>中是否包含</a:t>
+            </a:r>
+            <a:r>
+              <a:rPr lang="en-US" altLang="zh-CN" b="0" dirty="0">
+                <a:solidFill>
+                  <a:srgbClr val="6A9955"/>
+                </a:solidFill>
+                <a:effectLst/>
+                <a:latin typeface="Consolas" panose="020B0609020204030204" pitchFamily="49" charset="0"/>
+              </a:rPr>
+              <a:t>code: 200</a:t>
+            </a:r>
+            <a:endParaRPr lang="en-US" altLang="zh-CN" b="0" dirty="0">
+              <a:solidFill>
+                <a:srgbClr val="D4D4D4"/>
+              </a:solidFill>
+              <a:effectLst/>
+              <a:latin typeface="Consolas" panose="020B0609020204030204" pitchFamily="49" charset="0"/>
+            </a:endParaRPr>
+          </a:p>
+          <a:p>
+            <a:pPr lvl="2"/>
+            <a:r>
+              <a:rPr lang="en-US" altLang="zh-CN" b="0" dirty="0">
+                <a:solidFill>
+                  <a:srgbClr val="DCDCAA"/>
+                </a:solidFill>
+                <a:effectLst/>
+                <a:latin typeface="Consolas" panose="020B0609020204030204" pitchFamily="49" charset="0"/>
+              </a:rPr>
+              <a:t>expect</a:t>
+            </a:r>
+            <a:r>
+              <a:rPr lang="en-US" altLang="zh-CN" b="0" dirty="0">
+                <a:solidFill>
+                  <a:srgbClr val="D4D4D4"/>
+                </a:solidFill>
+                <a:effectLst/>
+                <a:latin typeface="Consolas" panose="020B0609020204030204" pitchFamily="49" charset="0"/>
+              </a:rPr>
+              <a:t>(</a:t>
+            </a:r>
+            <a:r>
+              <a:rPr lang="en-US" altLang="zh-CN" b="0" dirty="0">
+                <a:solidFill>
+                  <a:srgbClr val="9CDCFE"/>
+                </a:solidFill>
+                <a:effectLst/>
+                <a:latin typeface="Consolas" panose="020B0609020204030204" pitchFamily="49" charset="0"/>
+              </a:rPr>
+              <a:t>data</a:t>
+            </a:r>
+            <a:r>
+              <a:rPr lang="en-US" altLang="zh-CN" b="0" dirty="0">
+                <a:solidFill>
+                  <a:srgbClr val="D4D4D4"/>
+                </a:solidFill>
+                <a:effectLst/>
+                <a:latin typeface="Consolas" panose="020B0609020204030204" pitchFamily="49" charset="0"/>
+              </a:rPr>
+              <a:t>).</a:t>
+            </a:r>
+            <a:r>
+              <a:rPr lang="en-US" altLang="zh-CN" b="0" dirty="0" err="1">
+                <a:solidFill>
+                  <a:srgbClr val="DCDCAA"/>
+                </a:solidFill>
+                <a:effectLst/>
+                <a:latin typeface="Consolas" panose="020B0609020204030204" pitchFamily="49" charset="0"/>
+              </a:rPr>
+              <a:t>toMatchObject</a:t>
+            </a:r>
+            <a:r>
+              <a:rPr lang="en-US" altLang="zh-CN" b="0" dirty="0">
+                <a:solidFill>
+                  <a:srgbClr val="D4D4D4"/>
+                </a:solidFill>
+                <a:effectLst/>
+                <a:latin typeface="Consolas" panose="020B0609020204030204" pitchFamily="49" charset="0"/>
+              </a:rPr>
+              <a:t>({</a:t>
+            </a:r>
+          </a:p>
+          <a:p>
+            <a:pPr lvl="2"/>
+            <a:r>
+              <a:rPr lang="en-US" altLang="zh-CN" b="0" dirty="0">
+                <a:solidFill>
+                  <a:srgbClr val="9CDCFE"/>
+                </a:solidFill>
+                <a:effectLst/>
+                <a:latin typeface="Consolas" panose="020B0609020204030204" pitchFamily="49" charset="0"/>
+              </a:rPr>
+              <a:t>	code:</a:t>
+            </a:r>
+            <a:r>
+              <a:rPr lang="en-US" altLang="zh-CN" b="0" dirty="0">
+                <a:solidFill>
+                  <a:srgbClr val="D4D4D4"/>
+                </a:solidFill>
+                <a:effectLst/>
+                <a:latin typeface="Consolas" panose="020B0609020204030204" pitchFamily="49" charset="0"/>
+              </a:rPr>
+              <a:t> </a:t>
+            </a:r>
+            <a:r>
+              <a:rPr lang="en-US" altLang="zh-CN" b="0" dirty="0">
+                <a:solidFill>
+                  <a:srgbClr val="B5CEA8"/>
+                </a:solidFill>
+                <a:effectLst/>
+                <a:latin typeface="Consolas" panose="020B0609020204030204" pitchFamily="49" charset="0"/>
+              </a:rPr>
+              <a:t>200</a:t>
+            </a:r>
+            <a:endParaRPr lang="en-US" altLang="zh-CN" b="0" dirty="0">
+              <a:solidFill>
+                <a:srgbClr val="D4D4D4"/>
+              </a:solidFill>
+              <a:effectLst/>
+              <a:latin typeface="Consolas" panose="020B0609020204030204" pitchFamily="49" charset="0"/>
+            </a:endParaRPr>
+          </a:p>
+          <a:p>
+            <a:pPr lvl="2"/>
+            <a:r>
+              <a:rPr lang="en-US" altLang="zh-CN" b="0" dirty="0">
+                <a:solidFill>
+                  <a:srgbClr val="D4D4D4"/>
+                </a:solidFill>
+                <a:effectLst/>
+                <a:latin typeface="Consolas" panose="020B0609020204030204" pitchFamily="49" charset="0"/>
+              </a:rPr>
+              <a:t>})</a:t>
+            </a:r>
+          </a:p>
+          <a:p>
+            <a:r>
+              <a:rPr lang="en-US" altLang="zh-CN" b="0" dirty="0">
+                <a:solidFill>
+                  <a:srgbClr val="D4D4D4"/>
+                </a:solidFill>
+                <a:effectLst/>
+                <a:latin typeface="Consolas" panose="020B0609020204030204" pitchFamily="49" charset="0"/>
+              </a:rPr>
+              <a:t>	})</a:t>
+            </a:r>
+          </a:p>
+          <a:p>
+            <a:r>
+              <a:rPr lang="en-US" altLang="zh-CN" b="0" dirty="0">
+                <a:solidFill>
+                  <a:srgbClr val="D4D4D4"/>
+                </a:solidFill>
+                <a:effectLst/>
+                <a:latin typeface="Consolas" panose="020B0609020204030204" pitchFamily="49" charset="0"/>
+              </a:rPr>
+              <a:t>})</a:t>
+            </a:r>
+          </a:p>
+          <a:p>
+            <a:endParaRPr lang="en-US" altLang="zh-CN" dirty="0"/>
+          </a:p>
+          <a:p>
+            <a:r>
+              <a:rPr lang="zh-CN" altLang="en-US" dirty="0"/>
+              <a:t>直接这样写，测试用例会直接通过，不会等待请求结束，因此会得到错误的测试结果</a:t>
+            </a:r>
+          </a:p>
+        </p:txBody>
+      </p:sp>
+      <p:sp>
+        <p:nvSpPr>
+          <p:cNvPr id="5" name="文本框 4">
+            <a:extLst>
+              <a:ext uri="{FF2B5EF4-FFF2-40B4-BE49-F238E27FC236}">
+                <a16:creationId xmlns:a16="http://schemas.microsoft.com/office/drawing/2014/main" id="{F234CC7C-E01E-4AD9-9C0B-D62042D562B9}"/>
+              </a:ext>
+            </a:extLst>
+          </p:cNvPr>
+          <p:cNvSpPr txBox="1"/>
+          <p:nvPr/>
+        </p:nvSpPr>
+        <p:spPr>
+          <a:xfrm>
+            <a:off x="1019908" y="5673969"/>
+            <a:ext cx="10156948" cy="646331"/>
+          </a:xfrm>
+          <a:prstGeom prst="rect">
+            <a:avLst/>
+          </a:prstGeom>
+          <a:noFill/>
+        </p:spPr>
+        <p:txBody>
+          <a:bodyPr wrap="none" rtlCol="0">
+            <a:spAutoFit/>
+          </a:bodyPr>
+          <a:lstStyle/>
+          <a:p>
+            <a:r>
               <a:rPr lang="en-US" altLang="zh-CN" dirty="0"/>
-              <a:t>1. </a:t>
-            </a:r>
-            <a:endParaRPr lang="zh-CN" altLang="en-US" dirty="0"/>
+              <a:t>Tips</a:t>
+            </a:r>
+            <a:r>
+              <a:rPr lang="zh-CN" altLang="en-US" dirty="0"/>
+              <a:t>：在测试请求错误时，如果请求是正确的，那么就不会执行到</a:t>
+            </a:r>
+            <a:r>
+              <a:rPr lang="en-US" altLang="zh-CN" dirty="0"/>
+              <a:t>catch</a:t>
+            </a:r>
+            <a:r>
+              <a:rPr lang="zh-CN" altLang="en-US" dirty="0"/>
+              <a:t>错误的程序中，</a:t>
+            </a:r>
+            <a:r>
+              <a:rPr lang="en-US" altLang="zh-CN" dirty="0"/>
+              <a:t>jest</a:t>
+            </a:r>
+            <a:r>
+              <a:rPr lang="zh-CN" altLang="en-US" dirty="0"/>
+              <a:t>提供了</a:t>
+            </a:r>
+            <a:endParaRPr lang="en-US" altLang="zh-CN" dirty="0"/>
+          </a:p>
+          <a:p>
+            <a:r>
+              <a:rPr lang="en-US" altLang="zh-CN" b="0" dirty="0" err="1">
+                <a:solidFill>
+                  <a:srgbClr val="9CDCFE"/>
+                </a:solidFill>
+                <a:effectLst/>
+                <a:latin typeface="Consolas" panose="020B0609020204030204" pitchFamily="49" charset="0"/>
+              </a:rPr>
+              <a:t>expect</a:t>
+            </a:r>
+            <a:r>
+              <a:rPr lang="en-US" altLang="zh-CN" b="0" dirty="0" err="1">
+                <a:solidFill>
+                  <a:srgbClr val="D4D4D4"/>
+                </a:solidFill>
+                <a:effectLst/>
+                <a:latin typeface="Consolas" panose="020B0609020204030204" pitchFamily="49" charset="0"/>
+              </a:rPr>
+              <a:t>.</a:t>
+            </a:r>
+            <a:r>
+              <a:rPr lang="en-US" altLang="zh-CN" b="0" dirty="0" err="1">
+                <a:solidFill>
+                  <a:srgbClr val="DCDCAA"/>
+                </a:solidFill>
+                <a:effectLst/>
+                <a:latin typeface="Consolas" panose="020B0609020204030204" pitchFamily="49" charset="0"/>
+              </a:rPr>
+              <a:t>assertions</a:t>
+            </a:r>
+            <a:r>
+              <a:rPr lang="en-US" altLang="zh-CN" b="0" dirty="0">
+                <a:solidFill>
+                  <a:srgbClr val="D4D4D4"/>
+                </a:solidFill>
+                <a:effectLst/>
+                <a:latin typeface="Consolas" panose="020B0609020204030204" pitchFamily="49" charset="0"/>
+              </a:rPr>
+              <a:t>(</a:t>
+            </a:r>
+            <a:r>
+              <a:rPr lang="en-US" altLang="zh-CN" b="0" dirty="0">
+                <a:solidFill>
+                  <a:srgbClr val="B5CEA8"/>
+                </a:solidFill>
+                <a:effectLst/>
+                <a:latin typeface="Consolas" panose="020B0609020204030204" pitchFamily="49" charset="0"/>
+              </a:rPr>
+              <a:t>1</a:t>
+            </a:r>
+            <a:r>
+              <a:rPr lang="en-US" altLang="zh-CN" b="0" dirty="0">
+                <a:solidFill>
+                  <a:srgbClr val="D4D4D4"/>
+                </a:solidFill>
+                <a:effectLst/>
+                <a:latin typeface="Consolas" panose="020B0609020204030204" pitchFamily="49" charset="0"/>
+              </a:rPr>
+              <a:t>)</a:t>
+            </a:r>
+            <a:r>
+              <a:rPr lang="zh-CN" altLang="en-US" b="0" dirty="0">
+                <a:solidFill>
+                  <a:srgbClr val="D4D4D4"/>
+                </a:solidFill>
+                <a:effectLst/>
+                <a:latin typeface="Consolas" panose="020B0609020204030204" pitchFamily="49" charset="0"/>
+              </a:rPr>
+              <a:t> </a:t>
+            </a:r>
+            <a:r>
+              <a:rPr lang="zh-CN" altLang="en-US" dirty="0"/>
+              <a:t>来确保只能执行一次断言</a:t>
+            </a:r>
+            <a:endParaRPr lang="en-US" altLang="zh-CN" dirty="0"/>
           </a:p>
         </p:txBody>
       </p:sp>
@@ -6922,6 +7876,241 @@
 </file>
 
 <file path=ppt/slides/slide12.xml><?xml version="1.0" encoding="utf-8"?>
+<p:sld xmlns:a="http://schemas.openxmlformats.org/drawingml/2006/main" xmlns:r="http://schemas.openxmlformats.org/officeDocument/2006/relationships" xmlns:p="http://schemas.openxmlformats.org/presentationml/2006/main">
+  <p:cSld>
+    <p:spTree>
+      <p:nvGrpSpPr>
+        <p:cNvPr id="1" name=""/>
+        <p:cNvGrpSpPr/>
+        <p:nvPr/>
+      </p:nvGrpSpPr>
+      <p:grpSpPr>
+        <a:xfrm>
+          <a:off x="0" y="0"/>
+          <a:ext cx="0" cy="0"/>
+          <a:chOff x="0" y="0"/>
+          <a:chExt cx="0" cy="0"/>
+        </a:xfrm>
+      </p:grpSpPr>
+      <p:sp>
+        <p:nvSpPr>
+          <p:cNvPr id="2" name="标题 1">
+            <a:extLst>
+              <a:ext uri="{FF2B5EF4-FFF2-40B4-BE49-F238E27FC236}">
+                <a16:creationId xmlns:a16="http://schemas.microsoft.com/office/drawing/2014/main" id="{452C430A-1319-437B-B8C7-248836839F6D}"/>
+              </a:ext>
+            </a:extLst>
+          </p:cNvPr>
+          <p:cNvSpPr>
+            <a:spLocks noGrp="1"/>
+          </p:cNvSpPr>
+          <p:nvPr>
+            <p:ph type="title"/>
+          </p:nvPr>
+        </p:nvSpPr>
+        <p:spPr>
+          <a:xfrm>
+            <a:off x="838200" y="365126"/>
+            <a:ext cx="10515600" cy="774562"/>
+          </a:xfrm>
+        </p:spPr>
+        <p:txBody>
+          <a:bodyPr/>
+          <a:lstStyle/>
+          <a:p>
+            <a:r>
+              <a:rPr lang="zh-CN" altLang="en-US" dirty="0"/>
+              <a:t>其他功能介绍</a:t>
+            </a:r>
+          </a:p>
+        </p:txBody>
+      </p:sp>
+      <p:sp>
+        <p:nvSpPr>
+          <p:cNvPr id="3" name="内容占位符 2">
+            <a:extLst>
+              <a:ext uri="{FF2B5EF4-FFF2-40B4-BE49-F238E27FC236}">
+                <a16:creationId xmlns:a16="http://schemas.microsoft.com/office/drawing/2014/main" id="{316FC422-B27E-4F62-836F-CBE3F81E2893}"/>
+              </a:ext>
+            </a:extLst>
+          </p:cNvPr>
+          <p:cNvSpPr>
+            <a:spLocks noGrp="1"/>
+          </p:cNvSpPr>
+          <p:nvPr>
+            <p:ph idx="1"/>
+          </p:nvPr>
+        </p:nvSpPr>
+        <p:spPr>
+          <a:xfrm>
+            <a:off x="838200" y="1348547"/>
+            <a:ext cx="10087708" cy="3071053"/>
+          </a:xfrm>
+        </p:spPr>
+        <p:txBody>
+          <a:bodyPr>
+            <a:normAutofit lnSpcReduction="10000"/>
+          </a:bodyPr>
+          <a:lstStyle/>
+          <a:p>
+            <a:pPr>
+              <a:lnSpc>
+                <a:spcPct val="200000"/>
+              </a:lnSpc>
+            </a:pPr>
+            <a:r>
+              <a:rPr lang="en-US" altLang="zh-CN" dirty="0">
+                <a:latin typeface="微软雅黑" panose="020B0503020204020204" pitchFamily="34" charset="-122"/>
+                <a:ea typeface="微软雅黑" panose="020B0503020204020204" pitchFamily="34" charset="-122"/>
+              </a:rPr>
+              <a:t>scripts </a:t>
+            </a:r>
+            <a:r>
+              <a:rPr lang="zh-CN" altLang="en-US" dirty="0">
+                <a:latin typeface="微软雅黑" panose="020B0503020204020204" pitchFamily="34" charset="-122"/>
+                <a:ea typeface="微软雅黑" panose="020B0503020204020204" pitchFamily="34" charset="-122"/>
+              </a:rPr>
+              <a:t>命令 中 使用 </a:t>
+            </a:r>
+            <a:r>
+              <a:rPr lang="en-US" altLang="zh-CN" dirty="0">
+                <a:latin typeface="微软雅黑" panose="020B0503020204020204" pitchFamily="34" charset="-122"/>
+                <a:ea typeface="微软雅黑" panose="020B0503020204020204" pitchFamily="34" charset="-122"/>
+              </a:rPr>
+              <a:t>jest  --watch </a:t>
+            </a:r>
+            <a:r>
+              <a:rPr lang="zh-CN" altLang="en-US" dirty="0">
+                <a:latin typeface="微软雅黑" panose="020B0503020204020204" pitchFamily="34" charset="-122"/>
+                <a:ea typeface="微软雅黑" panose="020B0503020204020204" pitchFamily="34" charset="-122"/>
+              </a:rPr>
+              <a:t>，可以监控所有文件变化，文件更改就可以自动重新测试</a:t>
+            </a:r>
+            <a:endParaRPr lang="en-US" altLang="zh-CN" dirty="0">
+              <a:latin typeface="微软雅黑" panose="020B0503020204020204" pitchFamily="34" charset="-122"/>
+              <a:ea typeface="微软雅黑" panose="020B0503020204020204" pitchFamily="34" charset="-122"/>
+            </a:endParaRPr>
+          </a:p>
+          <a:p>
+            <a:pPr>
+              <a:lnSpc>
+                <a:spcPct val="200000"/>
+              </a:lnSpc>
+            </a:pPr>
+            <a:r>
+              <a:rPr lang="zh-CN" altLang="en-US" dirty="0">
+                <a:latin typeface="微软雅黑" panose="020B0503020204020204" pitchFamily="34" charset="-122"/>
+                <a:ea typeface="微软雅黑" panose="020B0503020204020204" pitchFamily="34" charset="-122"/>
+              </a:rPr>
+              <a:t>使用 </a:t>
+            </a:r>
+            <a:r>
+              <a:rPr lang="en-US" altLang="zh-CN" dirty="0">
+                <a:latin typeface="微软雅黑" panose="020B0503020204020204" pitchFamily="34" charset="-122"/>
+                <a:ea typeface="微软雅黑" panose="020B0503020204020204" pitchFamily="34" charset="-122"/>
+              </a:rPr>
+              <a:t>jest –</a:t>
+            </a:r>
+            <a:r>
+              <a:rPr lang="en-US" altLang="zh-CN" dirty="0" err="1">
+                <a:latin typeface="微软雅黑" panose="020B0503020204020204" pitchFamily="34" charset="-122"/>
+                <a:ea typeface="微软雅黑" panose="020B0503020204020204" pitchFamily="34" charset="-122"/>
+              </a:rPr>
+              <a:t>init</a:t>
+            </a:r>
+            <a:r>
+              <a:rPr lang="zh-CN" altLang="en-US" dirty="0">
+                <a:latin typeface="微软雅黑" panose="020B0503020204020204" pitchFamily="34" charset="-122"/>
+                <a:ea typeface="微软雅黑" panose="020B0503020204020204" pitchFamily="34" charset="-122"/>
+              </a:rPr>
+              <a:t>可以生成一个基础的</a:t>
+            </a:r>
+            <a:r>
+              <a:rPr lang="en-US" altLang="zh-CN" dirty="0">
+                <a:latin typeface="微软雅黑" panose="020B0503020204020204" pitchFamily="34" charset="-122"/>
+                <a:ea typeface="微软雅黑" panose="020B0503020204020204" pitchFamily="34" charset="-122"/>
+              </a:rPr>
+              <a:t>jest </a:t>
+            </a:r>
+            <a:r>
+              <a:rPr lang="zh-CN" altLang="en-US" dirty="0">
+                <a:latin typeface="微软雅黑" panose="020B0503020204020204" pitchFamily="34" charset="-122"/>
+                <a:ea typeface="微软雅黑" panose="020B0503020204020204" pitchFamily="34" charset="-122"/>
+              </a:rPr>
+              <a:t>配置文件</a:t>
+            </a:r>
+            <a:endParaRPr lang="en-US" altLang="zh-CN" dirty="0">
+              <a:latin typeface="微软雅黑" panose="020B0503020204020204" pitchFamily="34" charset="-122"/>
+              <a:ea typeface="微软雅黑" panose="020B0503020204020204" pitchFamily="34" charset="-122"/>
+            </a:endParaRPr>
+          </a:p>
+          <a:p>
+            <a:pPr>
+              <a:lnSpc>
+                <a:spcPct val="200000"/>
+              </a:lnSpc>
+            </a:pPr>
+            <a:r>
+              <a:rPr lang="en-US" altLang="zh-CN" dirty="0">
+                <a:latin typeface="微软雅黑" panose="020B0503020204020204" pitchFamily="34" charset="-122"/>
+                <a:ea typeface="微软雅黑" panose="020B0503020204020204" pitchFamily="34" charset="-122"/>
+              </a:rPr>
+              <a:t>–coverage </a:t>
+            </a:r>
+            <a:r>
+              <a:rPr lang="zh-CN" altLang="en-US" dirty="0">
+                <a:latin typeface="微软雅黑" panose="020B0503020204020204" pitchFamily="34" charset="-122"/>
+                <a:ea typeface="微软雅黑" panose="020B0503020204020204" pitchFamily="34" charset="-122"/>
+              </a:rPr>
+              <a:t>可将测试覆盖率信息输出为报告，会生成测试覆盖率的详细信息</a:t>
+            </a:r>
+            <a:endParaRPr lang="en-US" altLang="zh-CN" dirty="0">
+              <a:latin typeface="微软雅黑" panose="020B0503020204020204" pitchFamily="34" charset="-122"/>
+              <a:ea typeface="微软雅黑" panose="020B0503020204020204" pitchFamily="34" charset="-122"/>
+            </a:endParaRPr>
+          </a:p>
+          <a:p>
+            <a:pPr marL="0" indent="0">
+              <a:buNone/>
+            </a:pPr>
+            <a:r>
+              <a:rPr lang="en-US" altLang="zh-CN" dirty="0">
+                <a:solidFill>
+                  <a:srgbClr val="111111"/>
+                </a:solidFill>
+                <a:latin typeface="Courier New" panose="02070309020205020404" pitchFamily="49" charset="0"/>
+              </a:rPr>
+              <a:t>	</a:t>
+            </a:r>
+            <a:endParaRPr lang="en-US" altLang="zh-CN" dirty="0">
+              <a:solidFill>
+                <a:srgbClr val="353535"/>
+              </a:solidFill>
+              <a:latin typeface="-apple-system"/>
+            </a:endParaRPr>
+          </a:p>
+          <a:p>
+            <a:pPr marL="0" indent="0">
+              <a:buNone/>
+            </a:pPr>
+            <a:endParaRPr lang="en-US" altLang="zh-CN" dirty="0"/>
+          </a:p>
+        </p:txBody>
+      </p:sp>
+    </p:spTree>
+    <p:extLst>
+      <p:ext uri="{BB962C8B-B14F-4D97-AF65-F5344CB8AC3E}">
+        <p14:creationId xmlns:p14="http://schemas.microsoft.com/office/powerpoint/2010/main" val="2311333505"/>
+      </p:ext>
+    </p:extLst>
+  </p:cSld>
+  <p:clrMapOvr>
+    <a:masterClrMapping/>
+  </p:clrMapOvr>
+</p:sld>
+</file>
+
+<file path=ppt/slides/slide13.xml><?xml version="1.0" encoding="utf-8"?>
 <p:sld xmlns:a="http://schemas.openxmlformats.org/drawingml/2006/main" xmlns:r="http://schemas.openxmlformats.org/officeDocument/2006/relationships" xmlns:p="http://schemas.openxmlformats.org/presentationml/2006/main">
   <p:cSld>
     <p:spTree>
@@ -7285,7 +8474,7 @@
 </p:sld>
 </file>
 
-<file path=ppt/slides/slide13.xml><?xml version="1.0" encoding="utf-8"?>
+<file path=ppt/slides/slide14.xml><?xml version="1.0" encoding="utf-8"?>
 <p:sld xmlns:a="http://schemas.openxmlformats.org/drawingml/2006/main" xmlns:r="http://schemas.openxmlformats.org/officeDocument/2006/relationships" xmlns:p="http://schemas.openxmlformats.org/presentationml/2006/main">
   <p:cSld>
     <p:spTree>
@@ -7593,7 +8782,7 @@
                     <a:p>
                       <a:pPr fontAlgn="ctr" latinLnBrk="0"/>
                       <a:r>
-                        <a:rPr lang="en-US" sz="1200" b="0">
+                        <a:rPr lang="en-US" sz="1200" b="0" dirty="0" err="1">
                           <a:solidFill>
                             <a:srgbClr val="4F4F4F"/>
                           </a:solidFill>
@@ -7601,6 +8790,12 @@
                         </a:rPr>
                         <a:t>webdriver</a:t>
                       </a:r>
+                      <a:endParaRPr lang="en-US" sz="1200" b="0" dirty="0">
+                        <a:solidFill>
+                          <a:srgbClr val="4F4F4F"/>
+                        </a:solidFill>
+                        <a:effectLst/>
+                      </a:endParaRPr>
                     </a:p>
                   </a:txBody>
                   <a:tcPr marL="76200" marR="76200" marT="76200" marB="76200" anchor="ctr"/>
@@ -7777,7 +8972,7 @@
                     <a:p>
                       <a:pPr fontAlgn="ctr" latinLnBrk="0"/>
                       <a:r>
-                        <a:rPr lang="en-US" sz="1200" b="0">
+                        <a:rPr lang="en-US" sz="1200" b="0" dirty="0">
                           <a:solidFill>
                             <a:srgbClr val="4F4F4F"/>
                           </a:solidFill>
@@ -7884,7 +9079,7 @@
                     <a:p>
                       <a:pPr fontAlgn="ctr" latinLnBrk="0"/>
                       <a:r>
-                        <a:rPr lang="en-US" sz="1200" b="0">
+                        <a:rPr lang="en-US" sz="1200" b="0" dirty="0" err="1">
                           <a:solidFill>
                             <a:srgbClr val="4F4F4F"/>
                           </a:solidFill>
@@ -7892,6 +9087,12 @@
                         </a:rPr>
                         <a:t>custom_commands_path</a:t>
                       </a:r>
+                      <a:endParaRPr lang="en-US" sz="1200" b="0" dirty="0">
+                        <a:solidFill>
+                          <a:srgbClr val="4F4F4F"/>
+                        </a:solidFill>
+                        <a:effectLst/>
+                      </a:endParaRPr>
                     </a:p>
                   </a:txBody>
                   <a:tcPr marL="76200" marR="76200" marT="76200" marB="76200" anchor="ctr"/>
@@ -7903,7 +9104,7 @@
                     <a:p>
                       <a:pPr fontAlgn="ctr" latinLnBrk="0"/>
                       <a:r>
-                        <a:rPr lang="en-US" sz="1200" b="0">
+                        <a:rPr lang="en-US" sz="1200" b="0" dirty="0">
                           <a:solidFill>
                             <a:srgbClr val="4F4F4F"/>
                           </a:solidFill>
@@ -7964,7 +9165,7 @@
                     <a:p>
                       <a:pPr fontAlgn="ctr" latinLnBrk="0"/>
                       <a:r>
-                        <a:rPr lang="en-US" sz="1200" b="0">
+                        <a:rPr lang="en-US" sz="1200" b="0" dirty="0" err="1">
                           <a:solidFill>
                             <a:srgbClr val="4F4F4F"/>
                           </a:solidFill>
@@ -7972,6 +9173,12 @@
                         </a:rPr>
                         <a:t>custom_assertions_path</a:t>
                       </a:r>
+                      <a:endParaRPr lang="en-US" sz="1200" b="0" dirty="0">
+                        <a:solidFill>
+                          <a:srgbClr val="4F4F4F"/>
+                        </a:solidFill>
+                        <a:effectLst/>
+                      </a:endParaRPr>
                     </a:p>
                   </a:txBody>
                   <a:tcPr marL="76200" marR="76200" marT="76200" marB="76200" anchor="ctr"/>
@@ -7983,7 +9190,7 @@
                     <a:p>
                       <a:pPr fontAlgn="ctr" latinLnBrk="0"/>
                       <a:r>
-                        <a:rPr lang="en-US" sz="1200" b="0">
+                        <a:rPr lang="en-US" sz="1200" b="0" dirty="0">
                           <a:solidFill>
                             <a:srgbClr val="4F4F4F"/>
                           </a:solidFill>
@@ -8044,7 +9251,7 @@
                     <a:p>
                       <a:pPr fontAlgn="ctr" latinLnBrk="0"/>
                       <a:r>
-                        <a:rPr lang="en-US" sz="1200" b="0">
+                        <a:rPr lang="en-US" sz="1200" b="0" dirty="0" err="1">
                           <a:solidFill>
                             <a:srgbClr val="4F4F4F"/>
                           </a:solidFill>
@@ -8052,6 +9259,12 @@
                         </a:rPr>
                         <a:t>page_objects_path</a:t>
                       </a:r>
+                      <a:endParaRPr lang="en-US" sz="1200" b="0" dirty="0">
+                        <a:solidFill>
+                          <a:srgbClr val="4F4F4F"/>
+                        </a:solidFill>
+                        <a:effectLst/>
+                      </a:endParaRPr>
                     </a:p>
                   </a:txBody>
                   <a:tcPr marL="76200" marR="76200" marT="76200" marB="76200" anchor="ctr"/>
@@ -8063,7 +9276,7 @@
                     <a:p>
                       <a:pPr fontAlgn="ctr" latinLnBrk="0"/>
                       <a:r>
-                        <a:rPr lang="en-US" sz="1200" b="0">
+                        <a:rPr lang="en-US" sz="1200" b="0" dirty="0">
                           <a:solidFill>
                             <a:srgbClr val="4F4F4F"/>
                           </a:solidFill>
@@ -8121,7 +9334,7 @@
                     <a:p>
                       <a:pPr fontAlgn="ctr" latinLnBrk="0"/>
                       <a:r>
-                        <a:rPr lang="en-US" sz="1200" b="0">
+                        <a:rPr lang="en-US" sz="1200" b="0" dirty="0" err="1">
                           <a:solidFill>
                             <a:srgbClr val="4F4F4F"/>
                           </a:solidFill>
@@ -8129,6 +9342,12 @@
                         </a:rPr>
                         <a:t>globals_path</a:t>
                       </a:r>
+                      <a:endParaRPr lang="en-US" sz="1200" b="0" dirty="0">
+                        <a:solidFill>
+                          <a:srgbClr val="4F4F4F"/>
+                        </a:solidFill>
+                        <a:effectLst/>
+                      </a:endParaRPr>
                     </a:p>
                   </a:txBody>
                   <a:tcPr marL="76200" marR="76200" marT="76200" marB="76200" anchor="ctr"/>
@@ -8140,7 +9359,7 @@
                     <a:p>
                       <a:pPr fontAlgn="ctr" latinLnBrk="0"/>
                       <a:r>
-                        <a:rPr lang="en-US" sz="1200" b="0">
+                        <a:rPr lang="en-US" sz="1200" b="0" dirty="0">
                           <a:solidFill>
                             <a:srgbClr val="4F4F4F"/>
                           </a:solidFill>
@@ -8408,23 +9627,6 @@
               </a:rPr>
               <a:t>jest</a:t>
             </a:r>
-          </a:p>
-          <a:p>
-            <a:pPr>
-              <a:lnSpc>
-                <a:spcPts val="2400"/>
-              </a:lnSpc>
-              <a:spcBef>
-                <a:spcPts val="2400"/>
-              </a:spcBef>
-            </a:pPr>
-            <a:r>
-              <a:rPr lang="en-US" altLang="zh-CN" dirty="0">
-                <a:latin typeface="微软雅黑" panose="020B0503020204020204" pitchFamily="34" charset="-122"/>
-                <a:ea typeface="微软雅黑" panose="020B0503020204020204" pitchFamily="34" charset="-122"/>
-              </a:rPr>
-              <a:t>Jest</a:t>
-            </a:r>
             <a:r>
               <a:rPr lang="zh-CN" altLang="en-US" dirty="0">
                 <a:latin typeface="微软雅黑" panose="020B0503020204020204" pitchFamily="34" charset="-122"/>
@@ -9004,7 +10206,7 @@
         </p:nvSpPr>
         <p:spPr>
           <a:xfrm>
-            <a:off x="4851952" y="4055165"/>
+            <a:off x="4851952" y="4053436"/>
             <a:ext cx="2488096" cy="1198286"/>
           </a:xfrm>
           <a:prstGeom prst="roundRect">
@@ -10023,14 +11225,14 @@
             <p:ph idx="1"/>
             <p:extLst>
               <p:ext uri="{D42A27DB-BD31-4B8C-83A1-F6EECF244321}">
-                <p14:modId xmlns:p14="http://schemas.microsoft.com/office/powerpoint/2010/main" val="3944685972"/>
+                <p14:modId xmlns:p14="http://schemas.microsoft.com/office/powerpoint/2010/main" val="4284890397"/>
               </p:ext>
             </p:extLst>
           </p:nvPr>
         </p:nvGraphicFramePr>
         <p:xfrm>
-          <a:off x="838200" y="1605238"/>
-          <a:ext cx="10229020" cy="3647523"/>
+          <a:off x="808892" y="1605238"/>
+          <a:ext cx="10258328" cy="3647523"/>
         </p:xfrm>
         <a:graphic>
           <a:graphicData uri="http://schemas.openxmlformats.org/drawingml/2006/table">
@@ -10039,7 +11241,7 @@
                 <a:tableStyleId>{5C22544A-7EE6-4342-B048-85BDC9FD1C3A}</a:tableStyleId>
               </a:tblPr>
               <a:tblGrid>
-                <a:gridCol w="2045804">
+                <a:gridCol w="2075112">
                   <a:extLst>
                     <a:ext uri="{9D8B030D-6E8A-4147-A177-3AD203B41FA5}">
                       <a16:colId xmlns:a16="http://schemas.microsoft.com/office/drawing/2014/main" val="2240400007"/>
@@ -10226,7 +11428,7 @@
                     <a:lstStyle/>
                     <a:p>
                       <a:r>
-                        <a:rPr lang="en-US"/>
+                        <a:rPr lang="en-US" dirty="0"/>
                         <a:t>Ava</a:t>
                       </a:r>
                     </a:p>
@@ -10298,7 +11500,7 @@
                     <a:lstStyle/>
                     <a:p>
                       <a:r>
-                        <a:rPr lang="en-US"/>
+                        <a:rPr lang="en-US" dirty="0"/>
                         <a:t>Jasmine</a:t>
                       </a:r>
                     </a:p>
@@ -10370,7 +11572,7 @@
                     <a:lstStyle/>
                     <a:p>
                       <a:r>
-                        <a:rPr lang="en-US"/>
+                        <a:rPr lang="en-US" dirty="0"/>
                         <a:t>Jest</a:t>
                       </a:r>
                     </a:p>
@@ -10383,20 +11585,7 @@
                     <a:lstStyle/>
                     <a:p>
                       <a:r>
-                        <a:rPr lang="zh-CN" altLang="en-US"/>
-                        <a:t>默认支持</a:t>
-                      </a:r>
-                    </a:p>
-                  </a:txBody>
-                  <a:tcPr anchor="ctr"/>
-                </a:tc>
-                <a:tc>
-                  <a:txBody>
-                    <a:bodyPr/>
-                    <a:lstStyle/>
-                    <a:p>
-                      <a:r>
-                        <a:rPr lang="zh-CN" altLang="en-US"/>
+                        <a:rPr lang="zh-CN" altLang="en-US" dirty="0"/>
                         <a:t>默认支持</a:t>
                       </a:r>
                     </a:p>
@@ -10422,7 +11611,20 @@
                     <a:lstStyle/>
                     <a:p>
                       <a:r>
-                        <a:rPr lang="zh-CN" altLang="en-US"/>
+                        <a:rPr lang="zh-CN" altLang="en-US" dirty="0"/>
+                        <a:t>默认支持</a:t>
+                      </a:r>
+                    </a:p>
+                  </a:txBody>
+                  <a:tcPr anchor="ctr"/>
+                </a:tc>
+                <a:tc>
+                  <a:txBody>
+                    <a:bodyPr/>
+                    <a:lstStyle/>
+                    <a:p>
+                      <a:r>
+                        <a:rPr lang="zh-CN" altLang="en-US" dirty="0"/>
                         <a:t>友好</a:t>
                       </a:r>
                     </a:p>
@@ -10442,7 +11644,7 @@
                     <a:lstStyle/>
                     <a:p>
                       <a:r>
-                        <a:rPr lang="en-US"/>
+                        <a:rPr lang="en-US" dirty="0"/>
                         <a:t>Karma</a:t>
                       </a:r>
                     </a:p>
@@ -10543,235 +11745,1079 @@
       </p:grpSpPr>
       <p:sp>
         <p:nvSpPr>
-          <p:cNvPr id="2" name="标题 1">
+          <p:cNvPr id="4" name="文本框 3">
             <a:extLst>
               <a:ext uri="{FF2B5EF4-FFF2-40B4-BE49-F238E27FC236}">
-                <a16:creationId xmlns:a16="http://schemas.microsoft.com/office/drawing/2014/main" id="{8D82AA93-8395-4284-84B2-D82C0BA0DFAA}"/>
+                <a16:creationId xmlns:a16="http://schemas.microsoft.com/office/drawing/2014/main" id="{FA8E3916-74BB-40D5-9A63-FDB5144FAE58}"/>
               </a:ext>
             </a:extLst>
           </p:cNvPr>
-          <p:cNvSpPr>
-            <a:spLocks noGrp="1"/>
-          </p:cNvSpPr>
-          <p:nvPr>
-            <p:ph type="title"/>
-          </p:nvPr>
+          <p:cNvSpPr txBox="1"/>
+          <p:nvPr/>
         </p:nvSpPr>
         <p:spPr>
           <a:xfrm>
-            <a:off x="838200" y="365125"/>
-            <a:ext cx="10515600" cy="734805"/>
+            <a:off x="6096000" y="671691"/>
+            <a:ext cx="4994031" cy="5509200"/>
           </a:xfrm>
+          <a:prstGeom prst="rect">
+            <a:avLst/>
+          </a:prstGeom>
+          <a:noFill/>
         </p:spPr>
         <p:txBody>
-          <a:bodyPr/>
+          <a:bodyPr wrap="square" rtlCol="0">
+            <a:spAutoFit/>
+          </a:bodyPr>
           <a:lstStyle/>
           <a:p>
             <a:r>
-              <a:rPr lang="zh-CN" altLang="en-US" dirty="0"/>
-              <a:t>测试库的共同特点</a:t>
-            </a:r>
-          </a:p>
-        </p:txBody>
-      </p:sp>
-      <p:sp>
-        <p:nvSpPr>
-          <p:cNvPr id="3" name="内容占位符 2">
+              <a:rPr lang="zh-CN" altLang="en-US" sz="1600" b="0" i="0" dirty="0">
+                <a:effectLst/>
+                <a:latin typeface="微软雅黑" panose="020B0503020204020204" pitchFamily="34" charset="-122"/>
+                <a:ea typeface="微软雅黑" panose="020B0503020204020204" pitchFamily="34" charset="-122"/>
+              </a:rPr>
+              <a:t>开始使用：</a:t>
+            </a:r>
+            <a:endParaRPr lang="en-US" altLang="zh-CN" sz="1600" b="0" i="0" dirty="0">
+              <a:effectLst/>
+              <a:latin typeface="微软雅黑" panose="020B0503020204020204" pitchFamily="34" charset="-122"/>
+              <a:ea typeface="微软雅黑" panose="020B0503020204020204" pitchFamily="34" charset="-122"/>
+            </a:endParaRPr>
+          </a:p>
+          <a:p>
+            <a:endParaRPr lang="en-US" altLang="zh-CN" sz="1600" b="0" i="0" dirty="0">
+              <a:effectLst/>
+              <a:latin typeface="微软雅黑" panose="020B0503020204020204" pitchFamily="34" charset="-122"/>
+              <a:ea typeface="微软雅黑" panose="020B0503020204020204" pitchFamily="34" charset="-122"/>
+            </a:endParaRPr>
+          </a:p>
+          <a:p>
+            <a:r>
+              <a:rPr lang="en-US" altLang="zh-CN" sz="1600" b="0" i="0" dirty="0" err="1">
+                <a:effectLst/>
+                <a:latin typeface="等线" panose="02010600030101010101" pitchFamily="2" charset="-122"/>
+                <a:ea typeface="等线" panose="02010600030101010101" pitchFamily="2" charset="-122"/>
+              </a:rPr>
+              <a:t>npm</a:t>
+            </a:r>
+            <a:r>
+              <a:rPr lang="en-US" altLang="zh-CN" sz="1600" b="0" i="0" dirty="0">
+                <a:effectLst/>
+                <a:latin typeface="等线" panose="02010600030101010101" pitchFamily="2" charset="-122"/>
+                <a:ea typeface="等线" panose="02010600030101010101" pitchFamily="2" charset="-122"/>
+              </a:rPr>
+              <a:t> install --save-dev jest</a:t>
+            </a:r>
+            <a:r>
+              <a:rPr lang="zh-CN" altLang="en-US" sz="1600" b="0" i="0" dirty="0">
+                <a:effectLst/>
+                <a:latin typeface="微软雅黑" panose="020B0503020204020204" pitchFamily="34" charset="-122"/>
+                <a:ea typeface="微软雅黑" panose="020B0503020204020204" pitchFamily="34" charset="-122"/>
+              </a:rPr>
+              <a:t>，安装模块</a:t>
+            </a:r>
+            <a:endParaRPr lang="en-US" altLang="zh-CN" sz="1600" dirty="0">
+              <a:latin typeface="微软雅黑" panose="020B0503020204020204" pitchFamily="34" charset="-122"/>
+              <a:ea typeface="微软雅黑" panose="020B0503020204020204" pitchFamily="34" charset="-122"/>
+            </a:endParaRPr>
+          </a:p>
+          <a:p>
+            <a:r>
+              <a:rPr lang="en-US" altLang="zh-CN" sz="1600" dirty="0" err="1">
+                <a:latin typeface="等线" panose="02010600030101010101" pitchFamily="2" charset="-122"/>
+                <a:ea typeface="等线" panose="02010600030101010101" pitchFamily="2" charset="-122"/>
+              </a:rPr>
+              <a:t>npm</a:t>
+            </a:r>
+            <a:r>
+              <a:rPr lang="en-US" altLang="zh-CN" sz="1600" dirty="0">
+                <a:latin typeface="等线" panose="02010600030101010101" pitchFamily="2" charset="-122"/>
+                <a:ea typeface="等线" panose="02010600030101010101" pitchFamily="2" charset="-122"/>
+              </a:rPr>
+              <a:t> install --save-dev @babel/core @babel/preset-env 	</a:t>
+            </a:r>
+            <a:r>
+              <a:rPr lang="zh-CN" altLang="en-US" sz="1600" dirty="0">
+                <a:latin typeface="微软雅黑" panose="020B0503020204020204" pitchFamily="34" charset="-122"/>
+                <a:ea typeface="微软雅黑" panose="020B0503020204020204" pitchFamily="34" charset="-122"/>
+              </a:rPr>
+              <a:t>使用</a:t>
+            </a:r>
+            <a:r>
+              <a:rPr lang="en-US" altLang="zh-CN" sz="1600" dirty="0">
+                <a:latin typeface="微软雅黑" panose="020B0503020204020204" pitchFamily="34" charset="-122"/>
+                <a:ea typeface="微软雅黑" panose="020B0503020204020204" pitchFamily="34" charset="-122"/>
+              </a:rPr>
+              <a:t>babel</a:t>
+            </a:r>
+            <a:r>
+              <a:rPr lang="zh-CN" altLang="en-US" sz="1600" dirty="0">
+                <a:latin typeface="微软雅黑" panose="020B0503020204020204" pitchFamily="34" charset="-122"/>
+                <a:ea typeface="微软雅黑" panose="020B0503020204020204" pitchFamily="34" charset="-122"/>
+              </a:rPr>
+              <a:t>让</a:t>
+            </a:r>
+            <a:r>
+              <a:rPr lang="en-US" altLang="zh-CN" sz="1600" dirty="0">
+                <a:latin typeface="微软雅黑" panose="020B0503020204020204" pitchFamily="34" charset="-122"/>
+                <a:ea typeface="微软雅黑" panose="020B0503020204020204" pitchFamily="34" charset="-122"/>
+              </a:rPr>
+              <a:t>jest</a:t>
+            </a:r>
+            <a:r>
+              <a:rPr lang="zh-CN" altLang="en-US" sz="1600" dirty="0">
+                <a:latin typeface="微软雅黑" panose="020B0503020204020204" pitchFamily="34" charset="-122"/>
+                <a:ea typeface="微软雅黑" panose="020B0503020204020204" pitchFamily="34" charset="-122"/>
+              </a:rPr>
+              <a:t>支持</a:t>
+            </a:r>
+            <a:r>
+              <a:rPr lang="en-US" altLang="zh-CN" sz="1600" dirty="0">
+                <a:latin typeface="微软雅黑" panose="020B0503020204020204" pitchFamily="34" charset="-122"/>
+                <a:ea typeface="微软雅黑" panose="020B0503020204020204" pitchFamily="34" charset="-122"/>
+              </a:rPr>
+              <a:t>ES6</a:t>
+            </a:r>
+            <a:r>
+              <a:rPr lang="zh-CN" altLang="en-US" sz="1600" dirty="0">
+                <a:latin typeface="微软雅黑" panose="020B0503020204020204" pitchFamily="34" charset="-122"/>
+                <a:ea typeface="微软雅黑" panose="020B0503020204020204" pitchFamily="34" charset="-122"/>
+              </a:rPr>
+              <a:t>模块导入导出</a:t>
+            </a:r>
+            <a:endParaRPr lang="en-US" altLang="zh-CN" sz="1600" dirty="0">
+              <a:latin typeface="微软雅黑" panose="020B0503020204020204" pitchFamily="34" charset="-122"/>
+              <a:ea typeface="微软雅黑" panose="020B0503020204020204" pitchFamily="34" charset="-122"/>
+            </a:endParaRPr>
+          </a:p>
+          <a:p>
+            <a:endParaRPr lang="en-US" altLang="zh-CN" sz="1600" dirty="0">
+              <a:latin typeface="微软雅黑" panose="020B0503020204020204" pitchFamily="34" charset="-122"/>
+              <a:ea typeface="微软雅黑" panose="020B0503020204020204" pitchFamily="34" charset="-122"/>
+            </a:endParaRPr>
+          </a:p>
+          <a:p>
+            <a:r>
+              <a:rPr lang="zh-CN" altLang="en-US" sz="1600" dirty="0">
+                <a:latin typeface="微软雅黑" panose="020B0503020204020204" pitchFamily="34" charset="-122"/>
+                <a:ea typeface="微软雅黑" panose="020B0503020204020204" pitchFamily="34" charset="-122"/>
+              </a:rPr>
+              <a:t>来看一个最基础的例子</a:t>
+            </a:r>
+            <a:endParaRPr lang="en-US" altLang="zh-CN" sz="1600" dirty="0">
+              <a:latin typeface="微软雅黑" panose="020B0503020204020204" pitchFamily="34" charset="-122"/>
+              <a:ea typeface="微软雅黑" panose="020B0503020204020204" pitchFamily="34" charset="-122"/>
+            </a:endParaRPr>
+          </a:p>
+          <a:p>
+            <a:endParaRPr lang="en-US" altLang="zh-CN" sz="1600" b="1" dirty="0">
+              <a:latin typeface="微软雅黑" panose="020B0503020204020204" pitchFamily="34" charset="-122"/>
+              <a:ea typeface="微软雅黑" panose="020B0503020204020204" pitchFamily="34" charset="-122"/>
+            </a:endParaRPr>
+          </a:p>
+          <a:p>
+            <a:r>
+              <a:rPr lang="en-US" altLang="zh-CN" sz="1600" dirty="0">
+                <a:solidFill>
+                  <a:schemeClr val="accent3"/>
+                </a:solidFill>
+                <a:latin typeface="微软雅黑" panose="020B0503020204020204" pitchFamily="34" charset="-122"/>
+                <a:ea typeface="微软雅黑" panose="020B0503020204020204" pitchFamily="34" charset="-122"/>
+              </a:rPr>
+              <a:t>sum.js</a:t>
+            </a:r>
+          </a:p>
+          <a:p>
+            <a:r>
+              <a:rPr lang="en-US" altLang="zh-CN" sz="1600" b="0" dirty="0">
+                <a:solidFill>
+                  <a:srgbClr val="C586C0"/>
+                </a:solidFill>
+                <a:effectLst/>
+                <a:latin typeface="Consolas" panose="020B0609020204030204" pitchFamily="49" charset="0"/>
+              </a:rPr>
+              <a:t>export</a:t>
+            </a:r>
+            <a:r>
+              <a:rPr lang="en-US" altLang="zh-CN" sz="1600" b="0" dirty="0">
+                <a:solidFill>
+                  <a:srgbClr val="D4D4D4"/>
+                </a:solidFill>
+                <a:effectLst/>
+                <a:latin typeface="Consolas" panose="020B0609020204030204" pitchFamily="49" charset="0"/>
+              </a:rPr>
+              <a:t> </a:t>
+            </a:r>
+            <a:r>
+              <a:rPr lang="en-US" altLang="zh-CN" sz="1600" b="0" dirty="0">
+                <a:solidFill>
+                  <a:srgbClr val="569CD6"/>
+                </a:solidFill>
+                <a:effectLst/>
+                <a:latin typeface="Consolas" panose="020B0609020204030204" pitchFamily="49" charset="0"/>
+              </a:rPr>
+              <a:t>const</a:t>
+            </a:r>
+            <a:r>
+              <a:rPr lang="en-US" altLang="zh-CN" sz="1600" b="0" dirty="0">
+                <a:solidFill>
+                  <a:srgbClr val="D4D4D4"/>
+                </a:solidFill>
+                <a:effectLst/>
+                <a:latin typeface="Consolas" panose="020B0609020204030204" pitchFamily="49" charset="0"/>
+              </a:rPr>
+              <a:t> </a:t>
+            </a:r>
+            <a:r>
+              <a:rPr lang="en-US" altLang="zh-CN" sz="1600" b="0" dirty="0">
+                <a:solidFill>
+                  <a:srgbClr val="DCDCAA"/>
+                </a:solidFill>
+                <a:effectLst/>
+                <a:latin typeface="Consolas" panose="020B0609020204030204" pitchFamily="49" charset="0"/>
+              </a:rPr>
+              <a:t>sum</a:t>
+            </a:r>
+            <a:r>
+              <a:rPr lang="en-US" altLang="zh-CN" sz="1600" b="0" dirty="0">
+                <a:solidFill>
+                  <a:srgbClr val="D4D4D4"/>
+                </a:solidFill>
+                <a:effectLst/>
+                <a:latin typeface="Consolas" panose="020B0609020204030204" pitchFamily="49" charset="0"/>
+              </a:rPr>
+              <a:t> = (</a:t>
+            </a:r>
+            <a:r>
+              <a:rPr lang="en-US" altLang="zh-CN" sz="1600" b="0" dirty="0">
+                <a:solidFill>
+                  <a:srgbClr val="9CDCFE"/>
+                </a:solidFill>
+                <a:effectLst/>
+                <a:latin typeface="Consolas" panose="020B0609020204030204" pitchFamily="49" charset="0"/>
+              </a:rPr>
+              <a:t>a</a:t>
+            </a:r>
+            <a:r>
+              <a:rPr lang="en-US" altLang="zh-CN" sz="1600" b="0" dirty="0">
+                <a:solidFill>
+                  <a:srgbClr val="D4D4D4"/>
+                </a:solidFill>
+                <a:effectLst/>
+                <a:latin typeface="Consolas" panose="020B0609020204030204" pitchFamily="49" charset="0"/>
+              </a:rPr>
+              <a:t>, </a:t>
+            </a:r>
+            <a:r>
+              <a:rPr lang="en-US" altLang="zh-CN" sz="1600" b="0" dirty="0">
+                <a:solidFill>
+                  <a:srgbClr val="9CDCFE"/>
+                </a:solidFill>
+                <a:effectLst/>
+                <a:latin typeface="Consolas" panose="020B0609020204030204" pitchFamily="49" charset="0"/>
+              </a:rPr>
+              <a:t>b</a:t>
+            </a:r>
+            <a:r>
+              <a:rPr lang="en-US" altLang="zh-CN" sz="1600" b="0" dirty="0">
+                <a:solidFill>
+                  <a:srgbClr val="D4D4D4"/>
+                </a:solidFill>
+                <a:effectLst/>
+                <a:latin typeface="Consolas" panose="020B0609020204030204" pitchFamily="49" charset="0"/>
+              </a:rPr>
+              <a:t>) </a:t>
+            </a:r>
+            <a:r>
+              <a:rPr lang="en-US" altLang="zh-CN" sz="1600" b="0" dirty="0">
+                <a:solidFill>
+                  <a:srgbClr val="569CD6"/>
+                </a:solidFill>
+                <a:effectLst/>
+                <a:latin typeface="Consolas" panose="020B0609020204030204" pitchFamily="49" charset="0"/>
+              </a:rPr>
+              <a:t>=&gt;</a:t>
+            </a:r>
+            <a:r>
+              <a:rPr lang="en-US" altLang="zh-CN" sz="1600" b="0" dirty="0">
+                <a:solidFill>
+                  <a:srgbClr val="D4D4D4"/>
+                </a:solidFill>
+                <a:effectLst/>
+                <a:latin typeface="Consolas" panose="020B0609020204030204" pitchFamily="49" charset="0"/>
+              </a:rPr>
+              <a:t> {</a:t>
+            </a:r>
+          </a:p>
+          <a:p>
+            <a:r>
+              <a:rPr lang="en-US" altLang="zh-CN" sz="1600" b="0" dirty="0">
+                <a:solidFill>
+                  <a:srgbClr val="D4D4D4"/>
+                </a:solidFill>
+                <a:effectLst/>
+                <a:latin typeface="Consolas" panose="020B0609020204030204" pitchFamily="49" charset="0"/>
+              </a:rPr>
+              <a:t>    </a:t>
+            </a:r>
+            <a:r>
+              <a:rPr lang="en-US" altLang="zh-CN" sz="1600" b="0" dirty="0">
+                <a:solidFill>
+                  <a:srgbClr val="C586C0"/>
+                </a:solidFill>
+                <a:effectLst/>
+                <a:latin typeface="Consolas" panose="020B0609020204030204" pitchFamily="49" charset="0"/>
+              </a:rPr>
+              <a:t>return</a:t>
+            </a:r>
+            <a:r>
+              <a:rPr lang="en-US" altLang="zh-CN" sz="1600" b="0" dirty="0">
+                <a:solidFill>
+                  <a:srgbClr val="D4D4D4"/>
+                </a:solidFill>
+                <a:effectLst/>
+                <a:latin typeface="Consolas" panose="020B0609020204030204" pitchFamily="49" charset="0"/>
+              </a:rPr>
+              <a:t> </a:t>
+            </a:r>
+            <a:r>
+              <a:rPr lang="en-US" altLang="zh-CN" sz="1600" b="0" dirty="0">
+                <a:solidFill>
+                  <a:srgbClr val="9CDCFE"/>
+                </a:solidFill>
+                <a:effectLst/>
+                <a:latin typeface="Consolas" panose="020B0609020204030204" pitchFamily="49" charset="0"/>
+              </a:rPr>
+              <a:t>a</a:t>
+            </a:r>
+            <a:r>
+              <a:rPr lang="en-US" altLang="zh-CN" sz="1600" b="0" dirty="0">
+                <a:solidFill>
+                  <a:srgbClr val="D4D4D4"/>
+                </a:solidFill>
+                <a:effectLst/>
+                <a:latin typeface="Consolas" panose="020B0609020204030204" pitchFamily="49" charset="0"/>
+              </a:rPr>
+              <a:t> + </a:t>
+            </a:r>
+            <a:r>
+              <a:rPr lang="en-US" altLang="zh-CN" sz="1600" b="0" dirty="0">
+                <a:solidFill>
+                  <a:srgbClr val="9CDCFE"/>
+                </a:solidFill>
+                <a:effectLst/>
+                <a:latin typeface="Consolas" panose="020B0609020204030204" pitchFamily="49" charset="0"/>
+              </a:rPr>
+              <a:t>b</a:t>
+            </a:r>
+            <a:r>
+              <a:rPr lang="en-US" altLang="zh-CN" sz="1600" b="0" dirty="0">
+                <a:solidFill>
+                  <a:srgbClr val="D4D4D4"/>
+                </a:solidFill>
+                <a:effectLst/>
+                <a:latin typeface="Consolas" panose="020B0609020204030204" pitchFamily="49" charset="0"/>
+              </a:rPr>
+              <a:t>;</a:t>
+            </a:r>
+          </a:p>
+          <a:p>
+            <a:r>
+              <a:rPr lang="en-US" altLang="zh-CN" sz="1600" b="0" dirty="0">
+                <a:solidFill>
+                  <a:srgbClr val="D4D4D4"/>
+                </a:solidFill>
+                <a:effectLst/>
+                <a:latin typeface="Consolas" panose="020B0609020204030204" pitchFamily="49" charset="0"/>
+              </a:rPr>
+              <a:t>}</a:t>
+            </a:r>
+          </a:p>
+          <a:p>
+            <a:endParaRPr lang="en-US" altLang="zh-CN" sz="1600" dirty="0">
+              <a:solidFill>
+                <a:srgbClr val="000000"/>
+              </a:solidFill>
+              <a:latin typeface="微软雅黑" panose="020B0503020204020204" pitchFamily="34" charset="-122"/>
+              <a:ea typeface="微软雅黑" panose="020B0503020204020204" pitchFamily="34" charset="-122"/>
+            </a:endParaRPr>
+          </a:p>
+          <a:p>
+            <a:r>
+              <a:rPr lang="en-US" altLang="zh-CN" sz="1600" b="0" dirty="0">
+                <a:solidFill>
+                  <a:srgbClr val="C586C0"/>
+                </a:solidFill>
+                <a:effectLst/>
+                <a:latin typeface="Consolas" panose="020B0609020204030204" pitchFamily="49" charset="0"/>
+              </a:rPr>
+              <a:t>import</a:t>
+            </a:r>
+            <a:r>
+              <a:rPr lang="en-US" altLang="zh-CN" sz="1600" b="0" dirty="0">
+                <a:solidFill>
+                  <a:srgbClr val="D4D4D4"/>
+                </a:solidFill>
+                <a:effectLst/>
+                <a:latin typeface="Consolas" panose="020B0609020204030204" pitchFamily="49" charset="0"/>
+              </a:rPr>
+              <a:t> { </a:t>
+            </a:r>
+            <a:r>
+              <a:rPr lang="en-US" altLang="zh-CN" sz="1600" b="0" dirty="0">
+                <a:solidFill>
+                  <a:srgbClr val="9CDCFE"/>
+                </a:solidFill>
+                <a:effectLst/>
+                <a:latin typeface="Consolas" panose="020B0609020204030204" pitchFamily="49" charset="0"/>
+              </a:rPr>
+              <a:t>sum</a:t>
+            </a:r>
+            <a:r>
+              <a:rPr lang="en-US" altLang="zh-CN" sz="1600" b="0" dirty="0">
+                <a:solidFill>
+                  <a:srgbClr val="D4D4D4"/>
+                </a:solidFill>
+                <a:effectLst/>
+                <a:latin typeface="Consolas" panose="020B0609020204030204" pitchFamily="49" charset="0"/>
+              </a:rPr>
+              <a:t> } </a:t>
+            </a:r>
+            <a:r>
+              <a:rPr lang="en-US" altLang="zh-CN" sz="1600" b="0" dirty="0">
+                <a:solidFill>
+                  <a:srgbClr val="C586C0"/>
+                </a:solidFill>
+                <a:effectLst/>
+                <a:latin typeface="Consolas" panose="020B0609020204030204" pitchFamily="49" charset="0"/>
+              </a:rPr>
+              <a:t>from</a:t>
+            </a:r>
+            <a:r>
+              <a:rPr lang="en-US" altLang="zh-CN" sz="1600" b="0" dirty="0">
+                <a:solidFill>
+                  <a:srgbClr val="D4D4D4"/>
+                </a:solidFill>
+                <a:effectLst/>
+                <a:latin typeface="Consolas" panose="020B0609020204030204" pitchFamily="49" charset="0"/>
+              </a:rPr>
+              <a:t> </a:t>
+            </a:r>
+            <a:r>
+              <a:rPr lang="en-US" altLang="zh-CN" sz="1600" b="0" dirty="0">
+                <a:solidFill>
+                  <a:srgbClr val="CE9178"/>
+                </a:solidFill>
+                <a:effectLst/>
+                <a:latin typeface="Consolas" panose="020B0609020204030204" pitchFamily="49" charset="0"/>
+              </a:rPr>
+              <a:t>'./sum'</a:t>
+            </a:r>
+            <a:endParaRPr lang="en-US" altLang="zh-CN" sz="1600" b="0" dirty="0">
+              <a:solidFill>
+                <a:srgbClr val="D4D4D4"/>
+              </a:solidFill>
+              <a:effectLst/>
+              <a:latin typeface="Consolas" panose="020B0609020204030204" pitchFamily="49" charset="0"/>
+            </a:endParaRPr>
+          </a:p>
+          <a:p>
+            <a:br>
+              <a:rPr lang="en-US" altLang="zh-CN" sz="1600" b="0" dirty="0">
+                <a:solidFill>
+                  <a:srgbClr val="D4D4D4"/>
+                </a:solidFill>
+                <a:effectLst/>
+                <a:latin typeface="Consolas" panose="020B0609020204030204" pitchFamily="49" charset="0"/>
+              </a:rPr>
+            </a:br>
+            <a:r>
+              <a:rPr lang="en-US" altLang="zh-CN" sz="1600" b="0" dirty="0">
+                <a:solidFill>
+                  <a:srgbClr val="DCDCAA"/>
+                </a:solidFill>
+                <a:effectLst/>
+                <a:latin typeface="Consolas" panose="020B0609020204030204" pitchFamily="49" charset="0"/>
+              </a:rPr>
+              <a:t>test</a:t>
+            </a:r>
+            <a:r>
+              <a:rPr lang="en-US" altLang="zh-CN" sz="1600" b="0" dirty="0">
+                <a:solidFill>
+                  <a:srgbClr val="D4D4D4"/>
+                </a:solidFill>
+                <a:effectLst/>
+                <a:latin typeface="Consolas" panose="020B0609020204030204" pitchFamily="49" charset="0"/>
+              </a:rPr>
+              <a:t>(</a:t>
+            </a:r>
+            <a:r>
+              <a:rPr lang="en-US" altLang="zh-CN" sz="1600" b="0" dirty="0">
+                <a:solidFill>
+                  <a:srgbClr val="CE9178"/>
+                </a:solidFill>
+                <a:effectLst/>
+                <a:latin typeface="Consolas" panose="020B0609020204030204" pitchFamily="49" charset="0"/>
+              </a:rPr>
+              <a:t>'adds 1 + 2 to equal 3'</a:t>
+            </a:r>
+            <a:r>
+              <a:rPr lang="en-US" altLang="zh-CN" sz="1600" b="0" dirty="0">
+                <a:solidFill>
+                  <a:srgbClr val="D4D4D4"/>
+                </a:solidFill>
+                <a:effectLst/>
+                <a:latin typeface="Consolas" panose="020B0609020204030204" pitchFamily="49" charset="0"/>
+              </a:rPr>
+              <a:t>, () </a:t>
+            </a:r>
+            <a:r>
+              <a:rPr lang="en-US" altLang="zh-CN" sz="1600" b="0" dirty="0">
+                <a:solidFill>
+                  <a:srgbClr val="569CD6"/>
+                </a:solidFill>
+                <a:effectLst/>
+                <a:latin typeface="Consolas" panose="020B0609020204030204" pitchFamily="49" charset="0"/>
+              </a:rPr>
+              <a:t>=&gt;</a:t>
+            </a:r>
+            <a:r>
+              <a:rPr lang="en-US" altLang="zh-CN" sz="1600" b="0" dirty="0">
+                <a:solidFill>
+                  <a:srgbClr val="D4D4D4"/>
+                </a:solidFill>
+                <a:effectLst/>
+                <a:latin typeface="Consolas" panose="020B0609020204030204" pitchFamily="49" charset="0"/>
+              </a:rPr>
+              <a:t> { </a:t>
+            </a:r>
+          </a:p>
+          <a:p>
+            <a:r>
+              <a:rPr lang="en-US" altLang="zh-CN" sz="1600" b="0" dirty="0">
+                <a:solidFill>
+                  <a:srgbClr val="D4D4D4"/>
+                </a:solidFill>
+                <a:effectLst/>
+                <a:latin typeface="Consolas" panose="020B0609020204030204" pitchFamily="49" charset="0"/>
+              </a:rPr>
+              <a:t>    </a:t>
+            </a:r>
+            <a:r>
+              <a:rPr lang="en-US" altLang="zh-CN" sz="1600" b="0" dirty="0">
+                <a:solidFill>
+                  <a:srgbClr val="6A9955"/>
+                </a:solidFill>
+                <a:effectLst/>
+                <a:latin typeface="Consolas" panose="020B0609020204030204" pitchFamily="49" charset="0"/>
+              </a:rPr>
+              <a:t>// expect jest </a:t>
+            </a:r>
+            <a:r>
+              <a:rPr lang="zh-CN" altLang="en-US" sz="1600" b="0" dirty="0">
+                <a:solidFill>
+                  <a:srgbClr val="6A9955"/>
+                </a:solidFill>
+                <a:effectLst/>
+                <a:latin typeface="Consolas" panose="020B0609020204030204" pitchFamily="49" charset="0"/>
+              </a:rPr>
+              <a:t>提供的断言</a:t>
+            </a:r>
+            <a:endParaRPr lang="zh-CN" altLang="en-US" sz="1600" b="0" dirty="0">
+              <a:solidFill>
+                <a:srgbClr val="D4D4D4"/>
+              </a:solidFill>
+              <a:effectLst/>
+              <a:latin typeface="Consolas" panose="020B0609020204030204" pitchFamily="49" charset="0"/>
+            </a:endParaRPr>
+          </a:p>
+          <a:p>
+            <a:r>
+              <a:rPr lang="zh-CN" altLang="en-US" sz="1600" b="0" dirty="0">
+                <a:solidFill>
+                  <a:srgbClr val="D4D4D4"/>
+                </a:solidFill>
+                <a:effectLst/>
+                <a:latin typeface="Consolas" panose="020B0609020204030204" pitchFamily="49" charset="0"/>
+              </a:rPr>
+              <a:t>    </a:t>
+            </a:r>
+            <a:r>
+              <a:rPr lang="en-US" altLang="zh-CN" sz="1600" b="0" dirty="0">
+                <a:solidFill>
+                  <a:srgbClr val="DCDCAA"/>
+                </a:solidFill>
+                <a:effectLst/>
+                <a:latin typeface="Consolas" panose="020B0609020204030204" pitchFamily="49" charset="0"/>
+              </a:rPr>
+              <a:t>expect</a:t>
+            </a:r>
+            <a:r>
+              <a:rPr lang="en-US" altLang="zh-CN" sz="1600" b="0" dirty="0">
+                <a:solidFill>
+                  <a:srgbClr val="D4D4D4"/>
+                </a:solidFill>
+                <a:effectLst/>
+                <a:latin typeface="Consolas" panose="020B0609020204030204" pitchFamily="49" charset="0"/>
+              </a:rPr>
+              <a:t>(</a:t>
+            </a:r>
+            <a:r>
+              <a:rPr lang="en-US" altLang="zh-CN" sz="1600" b="0" dirty="0">
+                <a:solidFill>
+                  <a:srgbClr val="DCDCAA"/>
+                </a:solidFill>
+                <a:effectLst/>
+                <a:latin typeface="Consolas" panose="020B0609020204030204" pitchFamily="49" charset="0"/>
+              </a:rPr>
+              <a:t>sum</a:t>
+            </a:r>
+            <a:r>
+              <a:rPr lang="en-US" altLang="zh-CN" sz="1600" b="0" dirty="0">
+                <a:solidFill>
+                  <a:srgbClr val="D4D4D4"/>
+                </a:solidFill>
+                <a:effectLst/>
+                <a:latin typeface="Consolas" panose="020B0609020204030204" pitchFamily="49" charset="0"/>
+              </a:rPr>
+              <a:t>(</a:t>
+            </a:r>
+            <a:r>
+              <a:rPr lang="en-US" altLang="zh-CN" sz="1600" b="0" dirty="0">
+                <a:solidFill>
+                  <a:srgbClr val="B5CEA8"/>
+                </a:solidFill>
+                <a:effectLst/>
+                <a:latin typeface="Consolas" panose="020B0609020204030204" pitchFamily="49" charset="0"/>
+              </a:rPr>
+              <a:t>1</a:t>
+            </a:r>
+            <a:r>
+              <a:rPr lang="en-US" altLang="zh-CN" sz="1600" b="0" dirty="0">
+                <a:solidFill>
+                  <a:srgbClr val="D4D4D4"/>
+                </a:solidFill>
+                <a:effectLst/>
+                <a:latin typeface="Consolas" panose="020B0609020204030204" pitchFamily="49" charset="0"/>
+              </a:rPr>
+              <a:t>, </a:t>
+            </a:r>
+            <a:r>
+              <a:rPr lang="en-US" altLang="zh-CN" sz="1600" b="0" dirty="0">
+                <a:solidFill>
+                  <a:srgbClr val="B5CEA8"/>
+                </a:solidFill>
+                <a:effectLst/>
+                <a:latin typeface="Consolas" panose="020B0609020204030204" pitchFamily="49" charset="0"/>
+              </a:rPr>
+              <a:t>2</a:t>
+            </a:r>
+            <a:r>
+              <a:rPr lang="en-US" altLang="zh-CN" sz="1600" b="0" dirty="0">
+                <a:solidFill>
+                  <a:srgbClr val="D4D4D4"/>
+                </a:solidFill>
+                <a:effectLst/>
+                <a:latin typeface="Consolas" panose="020B0609020204030204" pitchFamily="49" charset="0"/>
+              </a:rPr>
+              <a:t>)).</a:t>
+            </a:r>
+            <a:r>
+              <a:rPr lang="en-US" altLang="zh-CN" sz="1600" b="0" dirty="0" err="1">
+                <a:solidFill>
+                  <a:srgbClr val="DCDCAA"/>
+                </a:solidFill>
+                <a:effectLst/>
+                <a:latin typeface="Consolas" panose="020B0609020204030204" pitchFamily="49" charset="0"/>
+              </a:rPr>
+              <a:t>toBe</a:t>
+            </a:r>
+            <a:r>
+              <a:rPr lang="en-US" altLang="zh-CN" sz="1600" b="0" dirty="0">
+                <a:solidFill>
+                  <a:srgbClr val="D4D4D4"/>
+                </a:solidFill>
+                <a:effectLst/>
+                <a:latin typeface="Consolas" panose="020B0609020204030204" pitchFamily="49" charset="0"/>
+              </a:rPr>
+              <a:t>(</a:t>
+            </a:r>
+            <a:r>
+              <a:rPr lang="en-US" altLang="zh-CN" sz="1600" b="0" dirty="0">
+                <a:solidFill>
+                  <a:srgbClr val="B5CEA8"/>
+                </a:solidFill>
+                <a:effectLst/>
+                <a:latin typeface="Consolas" panose="020B0609020204030204" pitchFamily="49" charset="0"/>
+              </a:rPr>
+              <a:t>3</a:t>
+            </a:r>
+            <a:r>
+              <a:rPr lang="en-US" altLang="zh-CN" sz="1600" b="0" dirty="0">
+                <a:solidFill>
+                  <a:srgbClr val="D4D4D4"/>
+                </a:solidFill>
+                <a:effectLst/>
+                <a:latin typeface="Consolas" panose="020B0609020204030204" pitchFamily="49" charset="0"/>
+              </a:rPr>
+              <a:t>); </a:t>
+            </a:r>
+          </a:p>
+          <a:p>
+            <a:r>
+              <a:rPr lang="en-US" altLang="zh-CN" sz="1600" b="0" dirty="0">
+                <a:solidFill>
+                  <a:srgbClr val="D4D4D4"/>
+                </a:solidFill>
+                <a:effectLst/>
+                <a:latin typeface="Consolas" panose="020B0609020204030204" pitchFamily="49" charset="0"/>
+              </a:rPr>
+              <a:t>});</a:t>
+            </a:r>
+          </a:p>
+          <a:p>
+            <a:br>
+              <a:rPr lang="en-US" altLang="zh-CN" sz="1600" b="0" dirty="0">
+                <a:solidFill>
+                  <a:srgbClr val="D4D4D4"/>
+                </a:solidFill>
+                <a:effectLst/>
+                <a:latin typeface="微软雅黑" panose="020B0503020204020204" pitchFamily="34" charset="-122"/>
+                <a:ea typeface="微软雅黑" panose="020B0503020204020204" pitchFamily="34" charset="-122"/>
+              </a:rPr>
+            </a:br>
+            <a:r>
+              <a:rPr lang="zh-CN" altLang="en-US" sz="1600" dirty="0">
+                <a:latin typeface="微软雅黑" panose="020B0503020204020204" pitchFamily="34" charset="-122"/>
+                <a:ea typeface="微软雅黑" panose="020B0503020204020204" pitchFamily="34" charset="-122"/>
+              </a:rPr>
+              <a:t>尝试运行 </a:t>
+            </a:r>
+            <a:r>
+              <a:rPr lang="en-US" altLang="zh-CN" sz="1600" dirty="0">
+                <a:latin typeface="微软雅黑" panose="020B0503020204020204" pitchFamily="34" charset="-122"/>
+                <a:ea typeface="微软雅黑" panose="020B0503020204020204" pitchFamily="34" charset="-122"/>
+              </a:rPr>
+              <a:t>jest .\sum.test.js </a:t>
+            </a:r>
+            <a:r>
+              <a:rPr lang="zh-CN" altLang="en-US" sz="1600" dirty="0">
+                <a:latin typeface="微软雅黑" panose="020B0503020204020204" pitchFamily="34" charset="-122"/>
+                <a:ea typeface="微软雅黑" panose="020B0503020204020204" pitchFamily="34" charset="-122"/>
+              </a:rPr>
+              <a:t>，</a:t>
+            </a:r>
+            <a:endParaRPr lang="en-US" altLang="zh-CN" sz="1600" dirty="0">
+              <a:latin typeface="微软雅黑" panose="020B0503020204020204" pitchFamily="34" charset="-122"/>
+              <a:ea typeface="微软雅黑" panose="020B0503020204020204" pitchFamily="34" charset="-122"/>
+            </a:endParaRPr>
+          </a:p>
+          <a:p>
+            <a:r>
+              <a:rPr lang="zh-CN" altLang="en-US" sz="1600" dirty="0">
+                <a:latin typeface="微软雅黑" panose="020B0503020204020204" pitchFamily="34" charset="-122"/>
+                <a:ea typeface="微软雅黑" panose="020B0503020204020204" pitchFamily="34" charset="-122"/>
+              </a:rPr>
+              <a:t>再运行</a:t>
+            </a:r>
+            <a:r>
+              <a:rPr lang="en-US" altLang="zh-CN" sz="1600" dirty="0">
+                <a:latin typeface="微软雅黑" panose="020B0503020204020204" pitchFamily="34" charset="-122"/>
+                <a:ea typeface="微软雅黑" panose="020B0503020204020204" pitchFamily="34" charset="-122"/>
+              </a:rPr>
+              <a:t>jest sum.test.js </a:t>
+            </a:r>
+            <a:r>
+              <a:rPr lang="zh-CN" altLang="en-US" sz="1600" dirty="0">
+                <a:latin typeface="微软雅黑" panose="020B0503020204020204" pitchFamily="34" charset="-122"/>
+                <a:ea typeface="微软雅黑" panose="020B0503020204020204" pitchFamily="34" charset="-122"/>
+              </a:rPr>
+              <a:t>，会看到一个用例通过</a:t>
+            </a:r>
+          </a:p>
+        </p:txBody>
+      </p:sp>
+      <p:sp>
+        <p:nvSpPr>
+          <p:cNvPr id="7" name="文本框 6">
             <a:extLst>
               <a:ext uri="{FF2B5EF4-FFF2-40B4-BE49-F238E27FC236}">
-                <a16:creationId xmlns:a16="http://schemas.microsoft.com/office/drawing/2014/main" id="{C449262C-29D6-4927-8EF7-62785ABB5951}"/>
+                <a16:creationId xmlns:a16="http://schemas.microsoft.com/office/drawing/2014/main" id="{3BB7C46C-12A3-493B-BC5E-C15957507360}"/>
               </a:ext>
             </a:extLst>
           </p:cNvPr>
-          <p:cNvSpPr>
-            <a:spLocks noGrp="1"/>
-          </p:cNvSpPr>
-          <p:nvPr>
-            <p:ph idx="1"/>
-          </p:nvPr>
+          <p:cNvSpPr txBox="1"/>
+          <p:nvPr/>
         </p:nvSpPr>
         <p:spPr>
           <a:xfrm>
-            <a:off x="838200" y="1348547"/>
-            <a:ext cx="10515600" cy="5396810"/>
+            <a:off x="767097" y="671691"/>
+            <a:ext cx="4810539" cy="6186309"/>
           </a:xfrm>
+          <a:prstGeom prst="rect">
+            <a:avLst/>
+          </a:prstGeom>
+          <a:noFill/>
         </p:spPr>
         <p:txBody>
-          <a:bodyPr/>
+          <a:bodyPr wrap="square" rtlCol="0">
+            <a:spAutoFit/>
+          </a:bodyPr>
           <a:lstStyle/>
           <a:p>
-            <a:pPr marL="0" indent="0">
-              <a:buNone/>
-            </a:pPr>
-            <a:r>
-              <a:rPr lang="zh-CN" altLang="en-US" dirty="0"/>
-              <a:t>测试脚本中都会含有至少一句断言</a:t>
-            </a:r>
-            <a:endParaRPr lang="en-US" altLang="zh-CN" dirty="0"/>
-          </a:p>
-          <a:p>
-            <a:pPr marL="0" indent="0">
-              <a:buNone/>
-            </a:pPr>
-            <a:r>
-              <a:rPr lang="en-US" altLang="zh-CN" dirty="0"/>
-              <a:t>	</a:t>
-            </a:r>
-            <a:r>
-              <a:rPr lang="zh-CN" altLang="en-US" dirty="0"/>
-              <a:t>断言：就是判断源码的实际执行结果与预期结果是否一致，如果一致则通过，反之则抛出一个错误</a:t>
-            </a:r>
-            <a:endParaRPr lang="en-US" altLang="zh-CN" dirty="0"/>
-          </a:p>
-          <a:p>
-            <a:pPr marL="0" indent="0">
-              <a:buNone/>
-            </a:pPr>
-            <a:endParaRPr lang="en-US" altLang="zh-CN" dirty="0"/>
-          </a:p>
-          <a:p>
-            <a:pPr marL="0" indent="0">
-              <a:buNone/>
-            </a:pPr>
-            <a:r>
-              <a:rPr lang="en-US" altLang="zh-CN" dirty="0"/>
-              <a:t>	</a:t>
-            </a:r>
-            <a:r>
-              <a:rPr lang="zh-CN" altLang="en-US" dirty="0"/>
-              <a:t>基本上，断言的写法都是一样的  </a:t>
-            </a:r>
-            <a:r>
-              <a:rPr lang="en-US" altLang="zh-CN" b="0" i="0" dirty="0">
-                <a:solidFill>
-                  <a:srgbClr val="111111"/>
-                </a:solidFill>
-                <a:effectLst/>
-                <a:latin typeface="Courier New" panose="02070309020205020404" pitchFamily="49" charset="0"/>
-              </a:rPr>
-              <a:t>expect </a:t>
+            <a:r>
+              <a:rPr lang="en-US" altLang="zh-CN" b="1" dirty="0">
+                <a:latin typeface="微软雅黑" panose="020B0503020204020204" pitchFamily="34" charset="-122"/>
+                <a:ea typeface="微软雅黑" panose="020B0503020204020204" pitchFamily="34" charset="-122"/>
+              </a:rPr>
+              <a:t>jest</a:t>
+            </a:r>
+            <a:r>
+              <a:rPr lang="zh-CN" altLang="en-US" dirty="0">
+                <a:latin typeface="微软雅黑" panose="020B0503020204020204" pitchFamily="34" charset="-122"/>
+                <a:ea typeface="微软雅黑" panose="020B0503020204020204" pitchFamily="34" charset="-122"/>
+              </a:rPr>
+              <a:t>是基于</a:t>
+            </a:r>
+            <a:r>
+              <a:rPr lang="en-US" altLang="zh-CN" b="1" i="0" dirty="0">
+                <a:effectLst/>
+                <a:latin typeface="微软雅黑" panose="020B0503020204020204" pitchFamily="34" charset="-122"/>
+                <a:ea typeface="微软雅黑" panose="020B0503020204020204" pitchFamily="34" charset="-122"/>
+              </a:rPr>
+              <a:t>Jasmine</a:t>
             </a:r>
             <a:r>
               <a:rPr lang="zh-CN" altLang="en-US" b="0" i="0" dirty="0">
-                <a:solidFill>
-                  <a:srgbClr val="111111"/>
-                </a:solidFill>
-                <a:effectLst/>
-                <a:latin typeface="Courier New" panose="02070309020205020404" pitchFamily="49" charset="0"/>
-              </a:rPr>
-              <a:t>开头 ，</a:t>
-            </a:r>
-            <a:r>
-              <a:rPr lang="en-US" altLang="zh-CN" b="0" i="0" dirty="0">
-                <a:solidFill>
-                  <a:srgbClr val="111111"/>
-                </a:solidFill>
-                <a:effectLst/>
-                <a:latin typeface="Courier New" panose="02070309020205020404" pitchFamily="49" charset="0"/>
-              </a:rPr>
-              <a:t>equal</a:t>
-            </a:r>
-            <a:r>
-              <a:rPr lang="zh-CN" altLang="en-US" b="0" i="0" dirty="0">
-                <a:solidFill>
-                  <a:srgbClr val="111111"/>
-                </a:solidFill>
-                <a:effectLst/>
-                <a:latin typeface="Courier New" panose="02070309020205020404" pitchFamily="49" charset="0"/>
-              </a:rPr>
-              <a:t>、</a:t>
-            </a:r>
-            <a:r>
-              <a:rPr lang="en-US" altLang="zh-CN" b="0" i="0" dirty="0" err="1">
-                <a:solidFill>
-                  <a:srgbClr val="111111"/>
-                </a:solidFill>
-                <a:effectLst/>
-                <a:latin typeface="Courier New" panose="02070309020205020404" pitchFamily="49" charset="0"/>
-              </a:rPr>
-              <a:t>toBe</a:t>
-            </a:r>
-            <a:r>
-              <a:rPr lang="zh-CN" altLang="en-US" b="0" i="0" dirty="0">
-                <a:solidFill>
-                  <a:srgbClr val="111111"/>
-                </a:solidFill>
-                <a:effectLst/>
-                <a:latin typeface="Courier New" panose="02070309020205020404" pitchFamily="49" charset="0"/>
-              </a:rPr>
-              <a:t>、</a:t>
-            </a:r>
-            <a:r>
-              <a:rPr lang="en-US" altLang="zh-CN" b="0" i="0" dirty="0">
-                <a:solidFill>
-                  <a:srgbClr val="111111"/>
-                </a:solidFill>
-                <a:effectLst/>
-                <a:latin typeface="Courier New" panose="02070309020205020404" pitchFamily="49" charset="0"/>
-              </a:rPr>
-              <a:t>match </a:t>
-            </a:r>
-            <a:r>
-              <a:rPr lang="zh-CN" altLang="en-US" b="0" i="0" dirty="0">
-                <a:solidFill>
-                  <a:srgbClr val="111111"/>
-                </a:solidFill>
-                <a:effectLst/>
-                <a:latin typeface="Courier New" panose="02070309020205020404" pitchFamily="49" charset="0"/>
-              </a:rPr>
-              <a:t>等等 匹配器来判断是否与期望一致</a:t>
+                <a:effectLst/>
+                <a:latin typeface="微软雅黑" panose="020B0503020204020204" pitchFamily="34" charset="-122"/>
+                <a:ea typeface="微软雅黑" panose="020B0503020204020204" pitchFamily="34" charset="-122"/>
+              </a:rPr>
+              <a:t>的，做了大量修改并添加了很多特性，同样开箱即用，但异步测试支持良好；</a:t>
             </a:r>
             <a:endParaRPr lang="en-US" altLang="zh-CN" b="0" i="0" dirty="0">
-              <a:solidFill>
-                <a:srgbClr val="111111"/>
-              </a:solidFill>
               <a:effectLst/>
-              <a:latin typeface="Courier New" panose="02070309020205020404" pitchFamily="49" charset="0"/>
+              <a:latin typeface="微软雅黑" panose="020B0503020204020204" pitchFamily="34" charset="-122"/>
+              <a:ea typeface="微软雅黑" panose="020B0503020204020204" pitchFamily="34" charset="-122"/>
             </a:endParaRPr>
           </a:p>
           <a:p>
-            <a:pPr marL="0" indent="0">
-              <a:buNone/>
-            </a:pPr>
-            <a:endParaRPr lang="en-US" altLang="zh-CN" dirty="0">
-              <a:solidFill>
-                <a:srgbClr val="111111"/>
-              </a:solidFill>
-              <a:latin typeface="Courier New" panose="02070309020205020404" pitchFamily="49" charset="0"/>
-            </a:endParaRPr>
-          </a:p>
-          <a:p>
-            <a:pPr marL="0" indent="0">
-              <a:buNone/>
-            </a:pPr>
-            <a:r>
-              <a:rPr lang="en-US" altLang="zh-CN" dirty="0">
-                <a:solidFill>
-                  <a:srgbClr val="111111"/>
-                </a:solidFill>
-                <a:latin typeface="Courier New" panose="02070309020205020404" pitchFamily="49" charset="0"/>
-              </a:rPr>
-              <a:t>	</a:t>
-            </a:r>
-            <a:endParaRPr lang="en-US" altLang="zh-CN" dirty="0">
+            <a:endParaRPr lang="en-US" altLang="zh-CN" b="0" i="0" dirty="0">
               <a:solidFill>
                 <a:srgbClr val="353535"/>
               </a:solidFill>
+              <a:effectLst/>
               <a:latin typeface="-apple-system"/>
             </a:endParaRPr>
           </a:p>
           <a:p>
-            <a:pPr marL="0" indent="0">
-              <a:buNone/>
+            <a:pPr algn="l">
+              <a:buFont typeface="Arial" panose="020B0604020202020204" pitchFamily="34" charset="0"/>
+              <a:buChar char="•"/>
             </a:pPr>
-            <a:endParaRPr lang="en-US" altLang="zh-CN" dirty="0"/>
+            <a:r>
+              <a:rPr lang="zh-CN" altLang="en-US" b="0" i="0" dirty="0">
+                <a:effectLst/>
+                <a:latin typeface="-apple-system"/>
+              </a:rPr>
+              <a:t>零配置：在大部分项目中都可以实现开箱即用，无需配置</a:t>
+            </a:r>
+            <a:endParaRPr lang="en-US" altLang="zh-CN" b="0" i="0" dirty="0">
+              <a:effectLst/>
+              <a:latin typeface="-apple-system"/>
+            </a:endParaRPr>
+          </a:p>
+          <a:p>
+            <a:pPr algn="l">
+              <a:buFont typeface="Arial" panose="020B0604020202020204" pitchFamily="34" charset="0"/>
+              <a:buChar char="•"/>
+            </a:pPr>
+            <a:endParaRPr lang="zh-CN" altLang="en-US" b="0" i="0" dirty="0">
+              <a:effectLst/>
+              <a:latin typeface="-apple-system"/>
+            </a:endParaRPr>
+          </a:p>
+          <a:p>
+            <a:pPr algn="l">
+              <a:buFont typeface="Arial" panose="020B0604020202020204" pitchFamily="34" charset="0"/>
+              <a:buChar char="•"/>
+            </a:pPr>
+            <a:r>
+              <a:rPr lang="zh-CN" altLang="en-US" b="0" i="0" dirty="0">
+                <a:effectLst/>
+                <a:latin typeface="-apple-system"/>
+              </a:rPr>
+              <a:t>速度快：根据文件的修改进行测试，不会每次测试全部实例</a:t>
+            </a:r>
+            <a:endParaRPr lang="en-US" altLang="zh-CN" b="0" i="0" dirty="0">
+              <a:effectLst/>
+              <a:latin typeface="-apple-system"/>
+            </a:endParaRPr>
+          </a:p>
+          <a:p>
+            <a:pPr algn="l">
+              <a:buFont typeface="Arial" panose="020B0604020202020204" pitchFamily="34" charset="0"/>
+              <a:buChar char="•"/>
+            </a:pPr>
+            <a:endParaRPr lang="zh-CN" altLang="en-US" b="0" i="0" dirty="0">
+              <a:effectLst/>
+              <a:latin typeface="-apple-system"/>
+            </a:endParaRPr>
+          </a:p>
+          <a:p>
+            <a:pPr algn="l">
+              <a:buFont typeface="Arial" panose="020B0604020202020204" pitchFamily="34" charset="0"/>
+              <a:buChar char="•"/>
+            </a:pPr>
+            <a:r>
+              <a:rPr lang="zh-CN" altLang="en-US" b="0" i="0" dirty="0">
+                <a:effectLst/>
+                <a:latin typeface="-apple-system"/>
+              </a:rPr>
+              <a:t>快照功能：能够进行简单快速的测试</a:t>
+            </a:r>
+            <a:endParaRPr lang="en-US" altLang="zh-CN" b="0" i="0" dirty="0">
+              <a:effectLst/>
+              <a:latin typeface="-apple-system"/>
+            </a:endParaRPr>
+          </a:p>
+          <a:p>
+            <a:pPr algn="l">
+              <a:buFont typeface="Arial" panose="020B0604020202020204" pitchFamily="34" charset="0"/>
+              <a:buChar char="•"/>
+            </a:pPr>
+            <a:endParaRPr lang="zh-CN" altLang="en-US" b="0" i="0" dirty="0">
+              <a:effectLst/>
+              <a:latin typeface="-apple-system"/>
+            </a:endParaRPr>
+          </a:p>
+          <a:p>
+            <a:pPr algn="l">
+              <a:buFont typeface="Arial" panose="020B0604020202020204" pitchFamily="34" charset="0"/>
+              <a:buChar char="•"/>
+            </a:pPr>
+            <a:r>
+              <a:rPr lang="zh-CN" altLang="en-US" b="0" i="0" dirty="0">
+                <a:effectLst/>
+                <a:latin typeface="-apple-system"/>
+              </a:rPr>
+              <a:t>隔离性好：不同的测试文件环境独立，不会相互影响</a:t>
+            </a:r>
+            <a:endParaRPr lang="en-US" altLang="zh-CN" b="0" i="0" dirty="0">
+              <a:effectLst/>
+              <a:latin typeface="-apple-system"/>
+            </a:endParaRPr>
+          </a:p>
+          <a:p>
+            <a:pPr algn="l">
+              <a:buFont typeface="Arial" panose="020B0604020202020204" pitchFamily="34" charset="0"/>
+              <a:buChar char="•"/>
+            </a:pPr>
+            <a:endParaRPr lang="zh-CN" altLang="en-US" b="0" i="0" dirty="0">
+              <a:effectLst/>
+              <a:latin typeface="-apple-system"/>
+            </a:endParaRPr>
+          </a:p>
+          <a:p>
+            <a:pPr algn="l">
+              <a:buFont typeface="Arial" panose="020B0604020202020204" pitchFamily="34" charset="0"/>
+              <a:buChar char="•"/>
+            </a:pPr>
+            <a:r>
+              <a:rPr lang="en-US" altLang="zh-CN" b="0" i="0" dirty="0" err="1">
+                <a:effectLst/>
+                <a:latin typeface="-apple-system"/>
+              </a:rPr>
+              <a:t>api</a:t>
+            </a:r>
+            <a:r>
+              <a:rPr lang="zh-CN" altLang="en-US" b="0" i="0" dirty="0">
+                <a:effectLst/>
+                <a:latin typeface="-apple-system"/>
+              </a:rPr>
+              <a:t>简单</a:t>
+            </a:r>
+            <a:endParaRPr lang="en-US" altLang="zh-CN" b="0" i="0" dirty="0">
+              <a:effectLst/>
+              <a:latin typeface="-apple-system"/>
+            </a:endParaRPr>
+          </a:p>
+          <a:p>
+            <a:pPr algn="l">
+              <a:buFont typeface="Arial" panose="020B0604020202020204" pitchFamily="34" charset="0"/>
+              <a:buChar char="•"/>
+            </a:pPr>
+            <a:endParaRPr lang="zh-CN" altLang="en-US" b="0" i="0" dirty="0">
+              <a:effectLst/>
+              <a:latin typeface="-apple-system"/>
+            </a:endParaRPr>
+          </a:p>
+          <a:p>
+            <a:pPr algn="l">
+              <a:buFont typeface="Arial" panose="020B0604020202020204" pitchFamily="34" charset="0"/>
+              <a:buChar char="•"/>
+            </a:pPr>
+            <a:r>
+              <a:rPr lang="en-US" altLang="zh-CN" b="0" i="0" dirty="0">
+                <a:effectLst/>
+                <a:latin typeface="-apple-system"/>
+              </a:rPr>
+              <a:t>mock</a:t>
+            </a:r>
+            <a:r>
+              <a:rPr lang="zh-CN" altLang="en-US" b="0" i="0" dirty="0">
+                <a:effectLst/>
+                <a:latin typeface="-apple-system"/>
+              </a:rPr>
+              <a:t>丰富</a:t>
+            </a:r>
+            <a:endParaRPr lang="en-US" altLang="zh-CN" b="0" i="0" dirty="0">
+              <a:effectLst/>
+              <a:latin typeface="-apple-system"/>
+            </a:endParaRPr>
+          </a:p>
+          <a:p>
+            <a:pPr algn="l">
+              <a:buFont typeface="Arial" panose="020B0604020202020204" pitchFamily="34" charset="0"/>
+              <a:buChar char="•"/>
+            </a:pPr>
+            <a:endParaRPr lang="zh-CN" altLang="en-US" b="0" i="0" dirty="0">
+              <a:effectLst/>
+              <a:latin typeface="-apple-system"/>
+            </a:endParaRPr>
+          </a:p>
+          <a:p>
+            <a:pPr algn="l">
+              <a:buFont typeface="Arial" panose="020B0604020202020204" pitchFamily="34" charset="0"/>
+              <a:buChar char="•"/>
+            </a:pPr>
+            <a:r>
+              <a:rPr lang="zh-CN" altLang="en-US" b="0" i="0" dirty="0">
+                <a:effectLst/>
+                <a:latin typeface="-apple-system"/>
+              </a:rPr>
+              <a:t>等等</a:t>
+            </a:r>
+          </a:p>
+          <a:p>
+            <a:endParaRPr lang="en-US" altLang="zh-CN" b="0" i="0" dirty="0">
+              <a:solidFill>
+                <a:srgbClr val="353535"/>
+              </a:solidFill>
+              <a:effectLst/>
+              <a:latin typeface="-apple-system"/>
+            </a:endParaRPr>
+          </a:p>
+          <a:p>
+            <a:endParaRPr lang="zh-CN" altLang="en-US" dirty="0"/>
           </a:p>
         </p:txBody>
       </p:sp>
     </p:spTree>
     <p:extLst>
       <p:ext uri="{BB962C8B-B14F-4D97-AF65-F5344CB8AC3E}">
-        <p14:creationId xmlns:p14="http://schemas.microsoft.com/office/powerpoint/2010/main" val="430691367"/>
+        <p14:creationId xmlns:p14="http://schemas.microsoft.com/office/powerpoint/2010/main" val="1025004233"/>
       </p:ext>
     </p:extLst>
   </p:cSld>
@@ -10800,10 +12846,165 @@
       </p:grpSpPr>
       <p:sp>
         <p:nvSpPr>
+          <p:cNvPr id="2" name="标题 1">
+            <a:extLst>
+              <a:ext uri="{FF2B5EF4-FFF2-40B4-BE49-F238E27FC236}">
+                <a16:creationId xmlns:a16="http://schemas.microsoft.com/office/drawing/2014/main" id="{8D82AA93-8395-4284-84B2-D82C0BA0DFAA}"/>
+              </a:ext>
+            </a:extLst>
+          </p:cNvPr>
+          <p:cNvSpPr>
+            <a:spLocks noGrp="1"/>
+          </p:cNvSpPr>
+          <p:nvPr>
+            <p:ph type="title"/>
+          </p:nvPr>
+        </p:nvSpPr>
+        <p:spPr>
+          <a:xfrm>
+            <a:off x="838200" y="365125"/>
+            <a:ext cx="10515600" cy="734805"/>
+          </a:xfrm>
+        </p:spPr>
+        <p:txBody>
+          <a:bodyPr/>
+          <a:lstStyle/>
+          <a:p>
+            <a:r>
+              <a:rPr lang="zh-CN" altLang="en-US" dirty="0"/>
+              <a:t>案例分析</a:t>
+            </a:r>
+          </a:p>
+        </p:txBody>
+      </p:sp>
+      <p:sp>
+        <p:nvSpPr>
+          <p:cNvPr id="3" name="内容占位符 2">
+            <a:extLst>
+              <a:ext uri="{FF2B5EF4-FFF2-40B4-BE49-F238E27FC236}">
+                <a16:creationId xmlns:a16="http://schemas.microsoft.com/office/drawing/2014/main" id="{C449262C-29D6-4927-8EF7-62785ABB5951}"/>
+              </a:ext>
+            </a:extLst>
+          </p:cNvPr>
+          <p:cNvSpPr>
+            <a:spLocks noGrp="1"/>
+          </p:cNvSpPr>
+          <p:nvPr>
+            <p:ph idx="1"/>
+          </p:nvPr>
+        </p:nvSpPr>
+        <p:spPr>
+          <a:xfrm>
+            <a:off x="838200" y="1348547"/>
+            <a:ext cx="10087708" cy="3071053"/>
+          </a:xfrm>
+        </p:spPr>
+        <p:txBody>
+          <a:bodyPr>
+            <a:normAutofit/>
+          </a:bodyPr>
+          <a:lstStyle/>
+          <a:p>
+            <a:r>
+              <a:rPr lang="en-US" altLang="zh-CN" dirty="0"/>
+              <a:t>test </a:t>
+            </a:r>
+            <a:r>
+              <a:rPr lang="zh-CN" altLang="en-US" dirty="0"/>
+              <a:t>即可称为一个测试用例，</a:t>
+            </a:r>
+            <a:r>
+              <a:rPr lang="zh-CN" altLang="en-US" b="0" i="0" dirty="0">
+                <a:effectLst/>
+                <a:latin typeface="-apple-system"/>
+              </a:rPr>
+              <a:t>第一个参数是测试的名称，第二个参数是个函数，在函数内可以写一些测试逻辑</a:t>
+            </a:r>
+            <a:endParaRPr lang="en-US" altLang="zh-CN" dirty="0"/>
+          </a:p>
+          <a:p>
+            <a:r>
+              <a:rPr lang="en-US" altLang="zh-CN" dirty="0"/>
+              <a:t>expect </a:t>
+            </a:r>
+            <a:r>
+              <a:rPr lang="zh-CN" altLang="en-US" dirty="0"/>
+              <a:t>函数返回一个期望值对象，这个对象为我们提供了丰富的</a:t>
+            </a:r>
+            <a:r>
+              <a:rPr lang="en-US" altLang="zh-CN" dirty="0" err="1"/>
+              <a:t>api</a:t>
+            </a:r>
+            <a:r>
+              <a:rPr lang="zh-CN" altLang="en-US" dirty="0"/>
+              <a:t>用来对程序结果与预期是否一致进行判断，称为“断言”</a:t>
+            </a:r>
+            <a:endParaRPr lang="en-US" altLang="zh-CN" dirty="0"/>
+          </a:p>
+          <a:p>
+            <a:r>
+              <a:rPr lang="en-US" altLang="zh-CN" dirty="0" err="1"/>
+              <a:t>toBe</a:t>
+            </a:r>
+            <a:r>
+              <a:rPr lang="en-US" altLang="zh-CN" dirty="0"/>
+              <a:t> </a:t>
+            </a:r>
+            <a:r>
+              <a:rPr lang="zh-CN" altLang="en-US" dirty="0"/>
+              <a:t>就是一个匹配器，用来判断结果和匹配器中的值是否一致</a:t>
+            </a:r>
+            <a:endParaRPr lang="en-US" altLang="zh-CN" dirty="0"/>
+          </a:p>
+          <a:p>
+            <a:pPr marL="0" indent="0">
+              <a:buNone/>
+            </a:pPr>
+            <a:r>
+              <a:rPr lang="en-US" altLang="zh-CN" dirty="0"/>
+              <a:t>	</a:t>
+            </a:r>
+            <a:endParaRPr lang="en-US" altLang="zh-CN" dirty="0">
+              <a:solidFill>
+                <a:srgbClr val="111111"/>
+              </a:solidFill>
+              <a:latin typeface="Courier New" panose="02070309020205020404" pitchFamily="49" charset="0"/>
+            </a:endParaRPr>
+          </a:p>
+          <a:p>
+            <a:pPr marL="0" indent="0">
+              <a:buNone/>
+            </a:pPr>
+            <a:r>
+              <a:rPr lang="en-US" altLang="zh-CN" dirty="0">
+                <a:solidFill>
+                  <a:srgbClr val="111111"/>
+                </a:solidFill>
+                <a:latin typeface="Courier New" panose="02070309020205020404" pitchFamily="49" charset="0"/>
+              </a:rPr>
+              <a:t>	</a:t>
+            </a:r>
+            <a:endParaRPr lang="en-US" altLang="zh-CN" dirty="0">
+              <a:solidFill>
+                <a:srgbClr val="353535"/>
+              </a:solidFill>
+              <a:latin typeface="-apple-system"/>
+            </a:endParaRPr>
+          </a:p>
+          <a:p>
+            <a:pPr marL="0" indent="0">
+              <a:buNone/>
+            </a:pPr>
+            <a:endParaRPr lang="en-US" altLang="zh-CN" dirty="0"/>
+          </a:p>
+        </p:txBody>
+      </p:sp>
+      <p:sp>
+        <p:nvSpPr>
           <p:cNvPr id="4" name="文本框 3">
             <a:extLst>
               <a:ext uri="{FF2B5EF4-FFF2-40B4-BE49-F238E27FC236}">
-                <a16:creationId xmlns:a16="http://schemas.microsoft.com/office/drawing/2014/main" id="{FA8E3916-74BB-40D5-9A63-FDB5144FAE58}"/>
+                <a16:creationId xmlns:a16="http://schemas.microsoft.com/office/drawing/2014/main" id="{21672C13-A154-4622-8D13-5E59131C8CC7}"/>
               </a:ext>
             </a:extLst>
           </p:cNvPr>
@@ -10812,8 +13013,8 @@
         </p:nvSpPr>
         <p:spPr>
           <a:xfrm>
-            <a:off x="6096000" y="821634"/>
-            <a:ext cx="4956313" cy="5632311"/>
+            <a:off x="1043354" y="4206552"/>
+            <a:ext cx="9882554" cy="2031325"/>
           </a:xfrm>
           <a:prstGeom prst="rect">
             <a:avLst/>
@@ -10827,758 +13028,130 @@
           <a:lstStyle/>
           <a:p>
             <a:r>
-              <a:rPr lang="zh-CN" altLang="en-US" b="0" i="0" dirty="0">
-                <a:effectLst/>
+              <a:rPr lang="en-US" altLang="zh-CN" dirty="0"/>
+              <a:t>Jest </a:t>
+            </a:r>
+            <a:r>
+              <a:rPr lang="zh-CN" altLang="en-US" dirty="0"/>
+              <a:t>的基本测试是通过</a:t>
+            </a:r>
+            <a:r>
+              <a:rPr lang="en-US" altLang="zh-CN" dirty="0"/>
+              <a:t>expect</a:t>
+            </a:r>
+            <a:r>
+              <a:rPr lang="zh-CN" altLang="en-US" dirty="0"/>
+              <a:t>实现的</a:t>
+            </a:r>
+            <a:endParaRPr lang="en-US" altLang="zh-CN" dirty="0"/>
+          </a:p>
+          <a:p>
+            <a:endParaRPr lang="en-US" altLang="zh-CN" dirty="0"/>
+          </a:p>
+          <a:p>
+            <a:r>
+              <a:rPr lang="zh-CN" altLang="en-US" dirty="0"/>
+              <a:t>默认配置，</a:t>
+            </a:r>
+            <a:r>
+              <a:rPr lang="en-US" altLang="zh-CN" dirty="0"/>
+              <a:t> </a:t>
+            </a:r>
+            <a:r>
+              <a:rPr lang="en-US" altLang="zh-CN" dirty="0" err="1"/>
+              <a:t>testMatch</a:t>
+            </a:r>
+            <a:r>
+              <a:rPr lang="en-US" altLang="zh-CN" dirty="0"/>
+              <a:t>: **/__tests__/**/*.[</a:t>
+            </a:r>
+            <a:r>
+              <a:rPr lang="en-US" altLang="zh-CN" dirty="0" err="1"/>
+              <a:t>jt</a:t>
+            </a:r>
+            <a:r>
+              <a:rPr lang="en-US" altLang="zh-CN" dirty="0"/>
+              <a:t>]s?(x), **/?(*.)+(</a:t>
+            </a:r>
+            <a:r>
+              <a:rPr lang="en-US" altLang="zh-CN" dirty="0" err="1"/>
+              <a:t>spec|test</a:t>
+            </a:r>
+            <a:r>
+              <a:rPr lang="en-US" altLang="zh-CN" dirty="0"/>
+              <a:t>).[</a:t>
+            </a:r>
+            <a:r>
+              <a:rPr lang="en-US" altLang="zh-CN" dirty="0" err="1"/>
+              <a:t>tj</a:t>
+            </a:r>
+            <a:r>
+              <a:rPr lang="en-US" altLang="zh-CN" dirty="0"/>
+              <a:t>]s?(x) </a:t>
+            </a:r>
+            <a:r>
+              <a:rPr lang="zh-CN" altLang="en-US" dirty="0"/>
+              <a:t>，会匹配</a:t>
+            </a:r>
+            <a:endParaRPr lang="en-US" altLang="zh-CN" dirty="0"/>
+          </a:p>
+          <a:p>
+            <a:r>
+              <a:rPr lang="en-US" altLang="zh-CN" dirty="0"/>
+              <a:t>__tests__ </a:t>
+            </a:r>
+            <a:r>
+              <a:rPr lang="zh-CN" altLang="en-US" dirty="0"/>
+              <a:t>文件夹下 所有 </a:t>
+            </a:r>
+            <a:r>
+              <a:rPr lang="en-US" altLang="zh-CN" dirty="0"/>
+              <a:t>.spec.js</a:t>
+            </a:r>
+            <a:r>
+              <a:rPr lang="zh-CN" altLang="en-US" dirty="0"/>
+              <a:t>或</a:t>
+            </a:r>
+            <a:r>
+              <a:rPr lang="en-US" altLang="zh-CN" dirty="0"/>
+              <a:t>.test.js </a:t>
+            </a:r>
+            <a:r>
+              <a:rPr lang="zh-CN" altLang="en-US" dirty="0"/>
+              <a:t>结尾的文件测试，因此此前 执行的 </a:t>
+            </a:r>
+            <a:r>
+              <a:rPr lang="en-US" altLang="zh-CN" dirty="0">
                 <a:latin typeface="SFMono-Regular"/>
               </a:rPr>
-              <a:t>开始使用：</a:t>
-            </a:r>
-            <a:endParaRPr lang="en-US" altLang="zh-CN" b="0" i="0" dirty="0">
-              <a:effectLst/>
+              <a:t>jest ‘sum.test.js’ </a:t>
+            </a:r>
+            <a:r>
+              <a:rPr lang="zh-CN" altLang="en-US" dirty="0">
+                <a:latin typeface="SFMono-Regular"/>
+              </a:rPr>
+              <a:t>实际上后面是一个正则，执行了匹配到的文件</a:t>
+            </a:r>
+            <a:endParaRPr lang="en-US" altLang="zh-CN" dirty="0">
               <a:latin typeface="SFMono-Regular"/>
             </a:endParaRPr>
           </a:p>
           <a:p>
-            <a:endParaRPr lang="en-US" altLang="zh-CN" b="0" i="0" dirty="0">
-              <a:effectLst/>
-              <a:latin typeface="SFMono-Regular"/>
-            </a:endParaRPr>
-          </a:p>
-          <a:p>
-            <a:r>
-              <a:rPr lang="en-US" altLang="zh-CN" b="0" i="0" dirty="0" err="1">
-                <a:effectLst/>
-                <a:latin typeface="SFMono-Regular"/>
-              </a:rPr>
-              <a:t>npm</a:t>
-            </a:r>
-            <a:r>
-              <a:rPr lang="en-US" altLang="zh-CN" b="0" i="0" dirty="0">
-                <a:effectLst/>
-                <a:latin typeface="SFMono-Regular"/>
-              </a:rPr>
-              <a:t> install --save-dev jest</a:t>
-            </a:r>
-            <a:r>
-              <a:rPr lang="zh-CN" altLang="en-US" b="0" i="0" dirty="0">
-                <a:effectLst/>
-                <a:latin typeface="SFMono-Regular"/>
-              </a:rPr>
-              <a:t>，安装模块</a:t>
-            </a:r>
             <a:endParaRPr lang="en-US" altLang="zh-CN" dirty="0"/>
           </a:p>
           <a:p>
+            <a:r>
+              <a:rPr lang="zh-CN" altLang="en-US" dirty="0"/>
+              <a:t> 事实上，测试脚本中都会含有至少一句断言</a:t>
+            </a:r>
             <a:endParaRPr lang="en-US" altLang="zh-CN" dirty="0"/>
-          </a:p>
-          <a:p>
-            <a:r>
-              <a:rPr lang="zh-CN" altLang="en-US" dirty="0"/>
-              <a:t>来看一个最基础的例子</a:t>
-            </a:r>
-            <a:endParaRPr lang="en-US" altLang="zh-CN" dirty="0"/>
-          </a:p>
-          <a:p>
-            <a:endParaRPr lang="en-US" altLang="zh-CN" dirty="0"/>
-          </a:p>
-          <a:p>
-            <a:r>
-              <a:rPr lang="en-US" altLang="zh-CN" dirty="0"/>
-              <a:t>sum.js</a:t>
-            </a:r>
-          </a:p>
-          <a:p>
-            <a:r>
-              <a:rPr lang="en-US" altLang="zh-CN" b="1" i="0" dirty="0">
-                <a:solidFill>
-                  <a:srgbClr val="297A29"/>
-                </a:solidFill>
-                <a:effectLst/>
-                <a:latin typeface="inherit"/>
-              </a:rPr>
-              <a:t>function</a:t>
-            </a:r>
-            <a:r>
-              <a:rPr lang="en-US" altLang="zh-CN" b="0" i="0" dirty="0">
-                <a:solidFill>
-                  <a:srgbClr val="000000"/>
-                </a:solidFill>
-                <a:effectLst/>
-                <a:latin typeface="SFMono-Regular"/>
-              </a:rPr>
-              <a:t> </a:t>
-            </a:r>
-            <a:r>
-              <a:rPr lang="en-US" altLang="zh-CN" b="1" i="0" dirty="0">
-                <a:solidFill>
-                  <a:srgbClr val="1373C2"/>
-                </a:solidFill>
-                <a:effectLst/>
-                <a:latin typeface="inherit"/>
-              </a:rPr>
-              <a:t>sum</a:t>
-            </a:r>
-            <a:r>
-              <a:rPr lang="en-US" altLang="zh-CN" b="0" i="0" dirty="0">
-                <a:solidFill>
-                  <a:srgbClr val="000000"/>
-                </a:solidFill>
-                <a:effectLst/>
-                <a:latin typeface="SFMono-Regular"/>
-              </a:rPr>
-              <a:t>(</a:t>
-            </a:r>
-            <a:r>
-              <a:rPr lang="en-US" altLang="zh-CN" b="0" i="0" dirty="0">
-                <a:solidFill>
-                  <a:srgbClr val="6B2E85"/>
-                </a:solidFill>
-                <a:effectLst/>
-                <a:latin typeface="inherit"/>
-              </a:rPr>
-              <a:t>a, b</a:t>
-            </a:r>
-            <a:r>
-              <a:rPr lang="en-US" altLang="zh-CN" b="0" i="0" dirty="0">
-                <a:solidFill>
-                  <a:srgbClr val="000000"/>
-                </a:solidFill>
-                <a:effectLst/>
-                <a:latin typeface="SFMono-Regular"/>
-              </a:rPr>
-              <a:t>) {</a:t>
-            </a:r>
-          </a:p>
-          <a:p>
-            <a:r>
-              <a:rPr lang="en-US" altLang="zh-CN" dirty="0">
-                <a:solidFill>
-                  <a:srgbClr val="000000"/>
-                </a:solidFill>
-                <a:latin typeface="SFMono-Regular"/>
-              </a:rPr>
-              <a:t>	</a:t>
-            </a:r>
-            <a:r>
-              <a:rPr lang="en-US" altLang="zh-CN" b="0" i="0" dirty="0">
-                <a:solidFill>
-                  <a:srgbClr val="000000"/>
-                </a:solidFill>
-                <a:effectLst/>
-                <a:latin typeface="SFMono-Regular"/>
-              </a:rPr>
-              <a:t> </a:t>
-            </a:r>
-            <a:r>
-              <a:rPr lang="en-US" altLang="zh-CN" b="1" i="0" dirty="0">
-                <a:solidFill>
-                  <a:srgbClr val="297A29"/>
-                </a:solidFill>
-                <a:effectLst/>
-                <a:latin typeface="SFMono-Regular"/>
-              </a:rPr>
-              <a:t>return</a:t>
-            </a:r>
-            <a:r>
-              <a:rPr lang="en-US" altLang="zh-CN" b="0" i="0" dirty="0">
-                <a:solidFill>
-                  <a:srgbClr val="000000"/>
-                </a:solidFill>
-                <a:effectLst/>
-                <a:latin typeface="SFMono-Regular"/>
-              </a:rPr>
-              <a:t> a + b;</a:t>
-            </a:r>
-          </a:p>
-          <a:p>
-            <a:r>
-              <a:rPr lang="en-US" altLang="zh-CN" b="0" i="0" dirty="0">
-                <a:solidFill>
-                  <a:srgbClr val="000000"/>
-                </a:solidFill>
-                <a:effectLst/>
-                <a:latin typeface="SFMono-Regular"/>
-              </a:rPr>
-              <a:t> } </a:t>
-            </a:r>
-          </a:p>
-          <a:p>
-            <a:r>
-              <a:rPr lang="en-US" altLang="zh-CN" b="0" i="0" dirty="0" err="1">
-                <a:solidFill>
-                  <a:srgbClr val="6B2E85"/>
-                </a:solidFill>
-                <a:effectLst/>
-                <a:latin typeface="SFMono-Regular"/>
-              </a:rPr>
-              <a:t>module</a:t>
-            </a:r>
-            <a:r>
-              <a:rPr lang="en-US" altLang="zh-CN" b="0" i="0" dirty="0" err="1">
-                <a:solidFill>
-                  <a:srgbClr val="000000"/>
-                </a:solidFill>
-                <a:effectLst/>
-                <a:latin typeface="SFMono-Regular"/>
-              </a:rPr>
-              <a:t>.exports</a:t>
-            </a:r>
-            <a:r>
-              <a:rPr lang="en-US" altLang="zh-CN" b="0" i="0" dirty="0">
-                <a:solidFill>
-                  <a:srgbClr val="000000"/>
-                </a:solidFill>
-                <a:effectLst/>
-                <a:latin typeface="SFMono-Regular"/>
-              </a:rPr>
-              <a:t> = sum;</a:t>
-            </a:r>
-          </a:p>
-          <a:p>
-            <a:endParaRPr lang="en-US" altLang="zh-CN" dirty="0">
-              <a:solidFill>
-                <a:srgbClr val="000000"/>
-              </a:solidFill>
-              <a:latin typeface="SFMono-Regular"/>
-            </a:endParaRPr>
-          </a:p>
-          <a:p>
-            <a:r>
-              <a:rPr lang="en-US" altLang="zh-CN" dirty="0"/>
-              <a:t>sum.test.js</a:t>
-            </a:r>
-          </a:p>
-          <a:p>
-            <a:r>
-              <a:rPr lang="en-US" altLang="zh-CN" b="1" i="0" dirty="0">
-                <a:solidFill>
-                  <a:srgbClr val="297A29"/>
-                </a:solidFill>
-                <a:effectLst/>
-                <a:latin typeface="SFMono-Regular"/>
-              </a:rPr>
-              <a:t>const</a:t>
-            </a:r>
-            <a:r>
-              <a:rPr lang="en-US" altLang="zh-CN" b="0" i="0" dirty="0">
-                <a:solidFill>
-                  <a:srgbClr val="000000"/>
-                </a:solidFill>
-                <a:effectLst/>
-                <a:latin typeface="SFMono-Regular"/>
-              </a:rPr>
-              <a:t> sum = </a:t>
-            </a:r>
-            <a:r>
-              <a:rPr lang="en-US" altLang="zh-CN" b="0" i="0" dirty="0">
-                <a:solidFill>
-                  <a:srgbClr val="6B2E85"/>
-                </a:solidFill>
-                <a:effectLst/>
-                <a:latin typeface="SFMono-Regular"/>
-              </a:rPr>
-              <a:t>require</a:t>
-            </a:r>
-            <a:r>
-              <a:rPr lang="en-US" altLang="zh-CN" b="0" i="0" dirty="0">
-                <a:solidFill>
-                  <a:srgbClr val="000000"/>
-                </a:solidFill>
-                <a:effectLst/>
-                <a:latin typeface="SFMono-Regular"/>
-              </a:rPr>
-              <a:t>(</a:t>
-            </a:r>
-            <a:r>
-              <a:rPr lang="en-US" altLang="zh-CN" b="0" i="0" dirty="0">
-                <a:solidFill>
-                  <a:srgbClr val="C21325"/>
-                </a:solidFill>
-                <a:effectLst/>
-                <a:latin typeface="SFMono-Regular"/>
-              </a:rPr>
-              <a:t>'./sum’</a:t>
-            </a:r>
-            <a:r>
-              <a:rPr lang="en-US" altLang="zh-CN" b="0" i="0" dirty="0">
-                <a:solidFill>
-                  <a:srgbClr val="000000"/>
-                </a:solidFill>
-                <a:effectLst/>
-                <a:latin typeface="SFMono-Regular"/>
-              </a:rPr>
-              <a:t>); </a:t>
-            </a:r>
-          </a:p>
-          <a:p>
-            <a:r>
-              <a:rPr lang="en-US" altLang="zh-CN" b="0" i="0" dirty="0">
-                <a:solidFill>
-                  <a:srgbClr val="000000"/>
-                </a:solidFill>
-                <a:effectLst/>
-                <a:latin typeface="SFMono-Regular"/>
-              </a:rPr>
-              <a:t>test(</a:t>
-            </a:r>
-            <a:r>
-              <a:rPr lang="en-US" altLang="zh-CN" b="0" i="0" dirty="0">
-                <a:solidFill>
-                  <a:srgbClr val="C21325"/>
-                </a:solidFill>
-                <a:effectLst/>
-                <a:latin typeface="SFMono-Regular"/>
-              </a:rPr>
-              <a:t>'adds 1 + 2 to equal 3'</a:t>
-            </a:r>
-            <a:r>
-              <a:rPr lang="en-US" altLang="zh-CN" b="0" i="0" dirty="0">
-                <a:solidFill>
-                  <a:srgbClr val="000000"/>
-                </a:solidFill>
-                <a:effectLst/>
-                <a:latin typeface="SFMono-Regular"/>
-              </a:rPr>
-              <a:t>, () =&gt; { </a:t>
-            </a:r>
-          </a:p>
-          <a:p>
-            <a:r>
-              <a:rPr lang="en-US" altLang="zh-CN" dirty="0">
-                <a:solidFill>
-                  <a:srgbClr val="000000"/>
-                </a:solidFill>
-                <a:latin typeface="SFMono-Regular"/>
-              </a:rPr>
-              <a:t>	// expect  jest </a:t>
-            </a:r>
-            <a:r>
-              <a:rPr lang="zh-CN" altLang="en-US" dirty="0">
-                <a:solidFill>
-                  <a:srgbClr val="000000"/>
-                </a:solidFill>
-                <a:latin typeface="SFMono-Regular"/>
-              </a:rPr>
-              <a:t>提供的断言</a:t>
-            </a:r>
-            <a:endParaRPr lang="en-US" altLang="zh-CN" b="0" i="0" dirty="0">
-              <a:solidFill>
-                <a:srgbClr val="000000"/>
-              </a:solidFill>
-              <a:effectLst/>
-              <a:latin typeface="SFMono-Regular"/>
-            </a:endParaRPr>
-          </a:p>
-          <a:p>
-            <a:r>
-              <a:rPr lang="en-US" altLang="zh-CN" dirty="0">
-                <a:solidFill>
-                  <a:srgbClr val="000000"/>
-                </a:solidFill>
-                <a:latin typeface="SFMono-Regular"/>
-              </a:rPr>
-              <a:t>	</a:t>
-            </a:r>
-            <a:r>
-              <a:rPr lang="en-US" altLang="zh-CN" b="0" i="0" dirty="0">
-                <a:solidFill>
-                  <a:srgbClr val="000000"/>
-                </a:solidFill>
-                <a:effectLst/>
-                <a:latin typeface="SFMono-Regular"/>
-              </a:rPr>
-              <a:t>expect(sum(</a:t>
-            </a:r>
-            <a:r>
-              <a:rPr lang="en-US" altLang="zh-CN" b="0" i="0" dirty="0">
-                <a:solidFill>
-                  <a:srgbClr val="1373C2"/>
-                </a:solidFill>
-                <a:effectLst/>
-                <a:latin typeface="SFMono-Regular"/>
-              </a:rPr>
-              <a:t>1</a:t>
-            </a:r>
-            <a:r>
-              <a:rPr lang="en-US" altLang="zh-CN" b="0" i="0" dirty="0">
-                <a:solidFill>
-                  <a:srgbClr val="000000"/>
-                </a:solidFill>
-                <a:effectLst/>
-                <a:latin typeface="SFMono-Regular"/>
-              </a:rPr>
-              <a:t>, </a:t>
-            </a:r>
-            <a:r>
-              <a:rPr lang="en-US" altLang="zh-CN" b="0" i="0" dirty="0">
-                <a:solidFill>
-                  <a:srgbClr val="1373C2"/>
-                </a:solidFill>
-                <a:effectLst/>
-                <a:latin typeface="SFMono-Regular"/>
-              </a:rPr>
-              <a:t>2</a:t>
-            </a:r>
-            <a:r>
-              <a:rPr lang="en-US" altLang="zh-CN" b="0" i="0" dirty="0">
-                <a:solidFill>
-                  <a:srgbClr val="000000"/>
-                </a:solidFill>
-                <a:effectLst/>
-                <a:latin typeface="SFMono-Regular"/>
-              </a:rPr>
-              <a:t>)).</a:t>
-            </a:r>
-            <a:r>
-              <a:rPr lang="en-US" altLang="zh-CN" b="0" i="0" dirty="0" err="1">
-                <a:solidFill>
-                  <a:srgbClr val="000000"/>
-                </a:solidFill>
-                <a:effectLst/>
-                <a:latin typeface="SFMono-Regular"/>
-              </a:rPr>
-              <a:t>toBe</a:t>
-            </a:r>
-            <a:r>
-              <a:rPr lang="en-US" altLang="zh-CN" b="0" i="0" dirty="0">
-                <a:solidFill>
-                  <a:srgbClr val="000000"/>
-                </a:solidFill>
-                <a:effectLst/>
-                <a:latin typeface="SFMono-Regular"/>
-              </a:rPr>
-              <a:t>(</a:t>
-            </a:r>
-            <a:r>
-              <a:rPr lang="en-US" altLang="zh-CN" b="0" i="0" dirty="0">
-                <a:solidFill>
-                  <a:srgbClr val="1373C2"/>
-                </a:solidFill>
-                <a:effectLst/>
-                <a:latin typeface="SFMono-Regular"/>
-              </a:rPr>
-              <a:t>3</a:t>
-            </a:r>
-            <a:r>
-              <a:rPr lang="en-US" altLang="zh-CN" b="0" i="0" dirty="0">
-                <a:solidFill>
-                  <a:srgbClr val="000000"/>
-                </a:solidFill>
-                <a:effectLst/>
-                <a:latin typeface="SFMono-Regular"/>
-              </a:rPr>
-              <a:t>); </a:t>
-            </a:r>
-          </a:p>
-          <a:p>
-            <a:r>
-              <a:rPr lang="en-US" altLang="zh-CN" b="0" i="0" dirty="0">
-                <a:solidFill>
-                  <a:srgbClr val="000000"/>
-                </a:solidFill>
-                <a:effectLst/>
-                <a:latin typeface="SFMono-Regular"/>
-              </a:rPr>
-              <a:t>});</a:t>
-            </a:r>
-          </a:p>
-          <a:p>
-            <a:endParaRPr lang="en-US" altLang="zh-CN" dirty="0">
-              <a:solidFill>
-                <a:srgbClr val="000000"/>
-              </a:solidFill>
-              <a:latin typeface="SFMono-Regular"/>
-            </a:endParaRPr>
-          </a:p>
-          <a:p>
-            <a:r>
-              <a:rPr lang="zh-CN" altLang="en-US" dirty="0">
-                <a:latin typeface="SFMono-Regular"/>
-              </a:rPr>
-              <a:t>运行</a:t>
-            </a:r>
-            <a:r>
-              <a:rPr lang="en-US" altLang="zh-CN" dirty="0">
-                <a:latin typeface="SFMono-Regular"/>
-              </a:rPr>
-              <a:t>	node sum.test.js ,</a:t>
-            </a:r>
-            <a:r>
-              <a:rPr lang="zh-CN" altLang="en-US" dirty="0">
-                <a:latin typeface="SFMono-Regular"/>
-              </a:rPr>
-              <a:t>会看到一个用例通过</a:t>
-            </a:r>
-            <a:endParaRPr lang="zh-CN" altLang="en-US" dirty="0"/>
-          </a:p>
-        </p:txBody>
-      </p:sp>
-      <p:sp>
-        <p:nvSpPr>
-          <p:cNvPr id="7" name="文本框 6">
-            <a:extLst>
-              <a:ext uri="{FF2B5EF4-FFF2-40B4-BE49-F238E27FC236}">
-                <a16:creationId xmlns:a16="http://schemas.microsoft.com/office/drawing/2014/main" id="{3BB7C46C-12A3-493B-BC5E-C15957507360}"/>
-              </a:ext>
-            </a:extLst>
-          </p:cNvPr>
-          <p:cNvSpPr txBox="1"/>
-          <p:nvPr/>
-        </p:nvSpPr>
-        <p:spPr>
-          <a:xfrm>
-            <a:off x="755374" y="955453"/>
-            <a:ext cx="4810539" cy="5909310"/>
-          </a:xfrm>
-          <a:prstGeom prst="rect">
-            <a:avLst/>
-          </a:prstGeom>
-          <a:noFill/>
-        </p:spPr>
-        <p:txBody>
-          <a:bodyPr wrap="square" rtlCol="0">
-            <a:spAutoFit/>
-          </a:bodyPr>
-          <a:lstStyle/>
-          <a:p>
-            <a:r>
-              <a:rPr lang="en-US" altLang="zh-CN" b="1" dirty="0">
-                <a:latin typeface="微软雅黑" panose="020B0503020204020204" pitchFamily="34" charset="-122"/>
-                <a:ea typeface="微软雅黑" panose="020B0503020204020204" pitchFamily="34" charset="-122"/>
-              </a:rPr>
-              <a:t>jest</a:t>
-            </a:r>
-            <a:r>
-              <a:rPr lang="zh-CN" altLang="en-US" dirty="0">
-                <a:latin typeface="微软雅黑" panose="020B0503020204020204" pitchFamily="34" charset="-122"/>
-                <a:ea typeface="微软雅黑" panose="020B0503020204020204" pitchFamily="34" charset="-122"/>
-              </a:rPr>
-              <a:t>是基于</a:t>
-            </a:r>
-            <a:r>
-              <a:rPr lang="en-US" altLang="zh-CN" b="1" i="0" dirty="0">
-                <a:effectLst/>
-                <a:latin typeface="微软雅黑" panose="020B0503020204020204" pitchFamily="34" charset="-122"/>
-                <a:ea typeface="微软雅黑" panose="020B0503020204020204" pitchFamily="34" charset="-122"/>
-              </a:rPr>
-              <a:t>Jasmine</a:t>
-            </a:r>
-            <a:r>
-              <a:rPr lang="zh-CN" altLang="en-US" b="0" i="0" dirty="0">
-                <a:effectLst/>
-                <a:latin typeface="微软雅黑" panose="020B0503020204020204" pitchFamily="34" charset="-122"/>
-                <a:ea typeface="微软雅黑" panose="020B0503020204020204" pitchFamily="34" charset="-122"/>
-              </a:rPr>
-              <a:t>的，做了大量修改并添加了很多特性，同样开箱即用，但异步测试支持良好；</a:t>
-            </a:r>
-            <a:endParaRPr lang="en-US" altLang="zh-CN" b="0" i="0" dirty="0">
-              <a:effectLst/>
-              <a:latin typeface="微软雅黑" panose="020B0503020204020204" pitchFamily="34" charset="-122"/>
-              <a:ea typeface="微软雅黑" panose="020B0503020204020204" pitchFamily="34" charset="-122"/>
-            </a:endParaRPr>
-          </a:p>
-          <a:p>
-            <a:endParaRPr lang="en-US" altLang="zh-CN" b="0" i="0" dirty="0">
-              <a:solidFill>
-                <a:srgbClr val="353535"/>
-              </a:solidFill>
-              <a:effectLst/>
-              <a:latin typeface="-apple-system"/>
-            </a:endParaRPr>
-          </a:p>
-          <a:p>
-            <a:pPr algn="l">
-              <a:buFont typeface="Arial" panose="020B0604020202020204" pitchFamily="34" charset="0"/>
-              <a:buChar char="•"/>
-            </a:pPr>
-            <a:r>
-              <a:rPr lang="zh-CN" altLang="en-US" b="0" i="0" dirty="0">
-                <a:effectLst/>
-                <a:latin typeface="-apple-system"/>
-              </a:rPr>
-              <a:t>零配置：在大部分项目中都可以实现开箱即用，无需配置</a:t>
-            </a:r>
-            <a:endParaRPr lang="en-US" altLang="zh-CN" b="0" i="0" dirty="0">
-              <a:effectLst/>
-              <a:latin typeface="-apple-system"/>
-            </a:endParaRPr>
-          </a:p>
-          <a:p>
-            <a:pPr algn="l">
-              <a:buFont typeface="Arial" panose="020B0604020202020204" pitchFamily="34" charset="0"/>
-              <a:buChar char="•"/>
-            </a:pPr>
-            <a:endParaRPr lang="zh-CN" altLang="en-US" b="0" i="0" dirty="0">
-              <a:effectLst/>
-              <a:latin typeface="-apple-system"/>
-            </a:endParaRPr>
-          </a:p>
-          <a:p>
-            <a:pPr algn="l">
-              <a:buFont typeface="Arial" panose="020B0604020202020204" pitchFamily="34" charset="0"/>
-              <a:buChar char="•"/>
-            </a:pPr>
-            <a:r>
-              <a:rPr lang="zh-CN" altLang="en-US" b="0" i="0" dirty="0">
-                <a:effectLst/>
-                <a:latin typeface="-apple-system"/>
-              </a:rPr>
-              <a:t>速度快：根据文件的修改进行测试，不会每次测试全部实例</a:t>
-            </a:r>
-            <a:endParaRPr lang="en-US" altLang="zh-CN" b="0" i="0" dirty="0">
-              <a:effectLst/>
-              <a:latin typeface="-apple-system"/>
-            </a:endParaRPr>
-          </a:p>
-          <a:p>
-            <a:pPr algn="l">
-              <a:buFont typeface="Arial" panose="020B0604020202020204" pitchFamily="34" charset="0"/>
-              <a:buChar char="•"/>
-            </a:pPr>
-            <a:endParaRPr lang="zh-CN" altLang="en-US" b="0" i="0" dirty="0">
-              <a:effectLst/>
-              <a:latin typeface="-apple-system"/>
-            </a:endParaRPr>
-          </a:p>
-          <a:p>
-            <a:pPr algn="l">
-              <a:buFont typeface="Arial" panose="020B0604020202020204" pitchFamily="34" charset="0"/>
-              <a:buChar char="•"/>
-            </a:pPr>
-            <a:r>
-              <a:rPr lang="zh-CN" altLang="en-US" b="0" i="0" dirty="0">
-                <a:effectLst/>
-                <a:latin typeface="-apple-system"/>
-              </a:rPr>
-              <a:t>快照功能：能够进行简单快速的测试</a:t>
-            </a:r>
-          </a:p>
-          <a:p>
-            <a:pPr algn="l">
-              <a:buFont typeface="Arial" panose="020B0604020202020204" pitchFamily="34" charset="0"/>
-              <a:buChar char="•"/>
-            </a:pPr>
-            <a:r>
-              <a:rPr lang="zh-CN" altLang="en-US" b="0" i="0" dirty="0">
-                <a:effectLst/>
-                <a:latin typeface="-apple-system"/>
-              </a:rPr>
-              <a:t>隔离性好：不同的测试文件环境独立，不会相互影响</a:t>
-            </a:r>
-            <a:endParaRPr lang="en-US" altLang="zh-CN" b="0" i="0" dirty="0">
-              <a:effectLst/>
-              <a:latin typeface="-apple-system"/>
-            </a:endParaRPr>
-          </a:p>
-          <a:p>
-            <a:pPr algn="l">
-              <a:buFont typeface="Arial" panose="020B0604020202020204" pitchFamily="34" charset="0"/>
-              <a:buChar char="•"/>
-            </a:pPr>
-            <a:endParaRPr lang="zh-CN" altLang="en-US" b="0" i="0" dirty="0">
-              <a:effectLst/>
-              <a:latin typeface="-apple-system"/>
-            </a:endParaRPr>
-          </a:p>
-          <a:p>
-            <a:pPr algn="l">
-              <a:buFont typeface="Arial" panose="020B0604020202020204" pitchFamily="34" charset="0"/>
-              <a:buChar char="•"/>
-            </a:pPr>
-            <a:r>
-              <a:rPr lang="en-US" altLang="zh-CN" b="0" i="0" dirty="0" err="1">
-                <a:effectLst/>
-                <a:latin typeface="-apple-system"/>
-              </a:rPr>
-              <a:t>api</a:t>
-            </a:r>
-            <a:r>
-              <a:rPr lang="zh-CN" altLang="en-US" b="0" i="0" dirty="0">
-                <a:effectLst/>
-                <a:latin typeface="-apple-system"/>
-              </a:rPr>
-              <a:t>简单</a:t>
-            </a:r>
-            <a:endParaRPr lang="en-US" altLang="zh-CN" b="0" i="0" dirty="0">
-              <a:effectLst/>
-              <a:latin typeface="-apple-system"/>
-            </a:endParaRPr>
-          </a:p>
-          <a:p>
-            <a:pPr algn="l">
-              <a:buFont typeface="Arial" panose="020B0604020202020204" pitchFamily="34" charset="0"/>
-              <a:buChar char="•"/>
-            </a:pPr>
-            <a:endParaRPr lang="zh-CN" altLang="en-US" b="0" i="0" dirty="0">
-              <a:effectLst/>
-              <a:latin typeface="-apple-system"/>
-            </a:endParaRPr>
-          </a:p>
-          <a:p>
-            <a:pPr algn="l">
-              <a:buFont typeface="Arial" panose="020B0604020202020204" pitchFamily="34" charset="0"/>
-              <a:buChar char="•"/>
-            </a:pPr>
-            <a:r>
-              <a:rPr lang="en-US" altLang="zh-CN" b="0" i="0" dirty="0">
-                <a:effectLst/>
-                <a:latin typeface="-apple-system"/>
-              </a:rPr>
-              <a:t>mock</a:t>
-            </a:r>
-            <a:r>
-              <a:rPr lang="zh-CN" altLang="en-US" b="0" i="0" dirty="0">
-                <a:effectLst/>
-                <a:latin typeface="-apple-system"/>
-              </a:rPr>
-              <a:t>丰富</a:t>
-            </a:r>
-            <a:endParaRPr lang="en-US" altLang="zh-CN" b="0" i="0" dirty="0">
-              <a:effectLst/>
-              <a:latin typeface="-apple-system"/>
-            </a:endParaRPr>
-          </a:p>
-          <a:p>
-            <a:pPr algn="l">
-              <a:buFont typeface="Arial" panose="020B0604020202020204" pitchFamily="34" charset="0"/>
-              <a:buChar char="•"/>
-            </a:pPr>
-            <a:endParaRPr lang="zh-CN" altLang="en-US" b="0" i="0" dirty="0">
-              <a:effectLst/>
-              <a:latin typeface="-apple-system"/>
-            </a:endParaRPr>
-          </a:p>
-          <a:p>
-            <a:pPr algn="l">
-              <a:buFont typeface="Arial" panose="020B0604020202020204" pitchFamily="34" charset="0"/>
-              <a:buChar char="•"/>
-            </a:pPr>
-            <a:r>
-              <a:rPr lang="zh-CN" altLang="en-US" b="0" i="0" dirty="0">
-                <a:effectLst/>
-                <a:latin typeface="-apple-system"/>
-              </a:rPr>
-              <a:t>等等</a:t>
-            </a:r>
-          </a:p>
-          <a:p>
-            <a:endParaRPr lang="en-US" altLang="zh-CN" b="0" i="0" dirty="0">
-              <a:solidFill>
-                <a:srgbClr val="353535"/>
-              </a:solidFill>
-              <a:effectLst/>
-              <a:latin typeface="-apple-system"/>
-            </a:endParaRPr>
-          </a:p>
-          <a:p>
-            <a:endParaRPr lang="zh-CN" altLang="en-US" dirty="0"/>
           </a:p>
         </p:txBody>
       </p:sp>
     </p:spTree>
     <p:extLst>
       <p:ext uri="{BB962C8B-B14F-4D97-AF65-F5344CB8AC3E}">
-        <p14:creationId xmlns:p14="http://schemas.microsoft.com/office/powerpoint/2010/main" val="1025004233"/>
+        <p14:creationId xmlns:p14="http://schemas.microsoft.com/office/powerpoint/2010/main" val="430691367"/>
       </p:ext>
     </p:extLst>
   </p:cSld>

--- a/王博书的分享/自动化测试.pptx
+++ b/王博书的分享/自动化测试.pptx
@@ -5,7 +5,7 @@
     <p:sldMasterId id="2147483678" r:id="rId1"/>
   </p:sldMasterIdLst>
   <p:notesMasterIdLst>
-    <p:notesMasterId r:id="rId15"/>
+    <p:notesMasterId r:id="rId16"/>
   </p:notesMasterIdLst>
   <p:sldIdLst>
     <p:sldId id="256" r:id="rId2"/>
@@ -15,12 +15,13 @@
     <p:sldId id="259" r:id="rId6"/>
     <p:sldId id="261" r:id="rId7"/>
     <p:sldId id="262" r:id="rId8"/>
-    <p:sldId id="263" r:id="rId9"/>
-    <p:sldId id="264" r:id="rId10"/>
+    <p:sldId id="264" r:id="rId9"/>
+    <p:sldId id="263" r:id="rId10"/>
     <p:sldId id="265" r:id="rId11"/>
     <p:sldId id="266" r:id="rId12"/>
-    <p:sldId id="267" r:id="rId13"/>
-    <p:sldId id="268" r:id="rId14"/>
+    <p:sldId id="269" r:id="rId13"/>
+    <p:sldId id="267" r:id="rId14"/>
+    <p:sldId id="268" r:id="rId15"/>
   </p:sldIdLst>
   <p:sldSz cx="12192000" cy="6858000"/>
   <p:notesSz cx="6858000" cy="9144000"/>
@@ -127,6 +128,18 @@
 </p:presentation>
 </file>
 
+<file path=ppt/commentAuthors.xml><?xml version="1.0" encoding="utf-8"?>
+<p:cmAuthorLst xmlns:a="http://schemas.openxmlformats.org/drawingml/2006/main" xmlns:r="http://schemas.openxmlformats.org/officeDocument/2006/relationships" xmlns:p="http://schemas.openxmlformats.org/presentationml/2006/main">
+  <p:cmAuthor id="1" name="Administrator" initials="A" lastIdx="1" clrIdx="0">
+    <p:extLst>
+      <p:ext uri="{19B8F6BF-5375-455C-9EA6-DF929625EA0E}">
+        <p15:presenceInfo xmlns:p15="http://schemas.microsoft.com/office/powerpoint/2012/main" userId="Administrator" providerId="None"/>
+      </p:ext>
+    </p:extLst>
+  </p:cmAuthor>
+</p:cmAuthorLst>
+</file>
+
 <file path=ppt/notesMasters/notesMaster1.xml><?xml version="1.0" encoding="utf-8"?>
 <p:notesMaster xmlns:a="http://schemas.openxmlformats.org/drawingml/2006/main" xmlns:r="http://schemas.openxmlformats.org/officeDocument/2006/relationships" xmlns:p="http://schemas.openxmlformats.org/presentationml/2006/main">
   <p:cSld>
@@ -209,7 +222,7 @@
           <a:p>
             <a:fld id="{6C91DED6-2F87-4CFA-AC0C-81E76F6773BD}" type="datetimeFigureOut">
               <a:rPr lang="zh-CN" altLang="en-US" smtClean="0"/>
-              <a:t>2021/1/14</a:t>
+              <a:t>2021/1/19</a:t>
             </a:fld>
             <a:endParaRPr lang="zh-CN" altLang="en-US"/>
           </a:p>
@@ -659,7 +672,7 @@
           <a:p>
             <a:fld id="{AD09C881-90A8-46F5-914E-732915AF5BE6}" type="datetimeFigureOut">
               <a:rPr lang="zh-CN" altLang="en-US" smtClean="0"/>
-              <a:t>2021/1/14</a:t>
+              <a:t>2021/1/19</a:t>
             </a:fld>
             <a:endParaRPr lang="zh-CN" altLang="en-US"/>
           </a:p>
@@ -934,7 +947,7 @@
           <a:p>
             <a:fld id="{AD09C881-90A8-46F5-914E-732915AF5BE6}" type="datetimeFigureOut">
               <a:rPr lang="zh-CN" altLang="en-US" smtClean="0"/>
-              <a:t>2021/1/14</a:t>
+              <a:t>2021/1/19</a:t>
             </a:fld>
             <a:endParaRPr lang="zh-CN" altLang="en-US"/>
           </a:p>
@@ -1128,7 +1141,7 @@
           <a:p>
             <a:fld id="{AD09C881-90A8-46F5-914E-732915AF5BE6}" type="datetimeFigureOut">
               <a:rPr lang="zh-CN" altLang="en-US" smtClean="0"/>
-              <a:t>2021/1/14</a:t>
+              <a:t>2021/1/19</a:t>
             </a:fld>
             <a:endParaRPr lang="zh-CN" altLang="en-US"/>
           </a:p>
@@ -1396,7 +1409,7 @@
           <a:p>
             <a:fld id="{AD09C881-90A8-46F5-914E-732915AF5BE6}" type="datetimeFigureOut">
               <a:rPr lang="zh-CN" altLang="en-US" smtClean="0"/>
-              <a:t>2021/1/14</a:t>
+              <a:t>2021/1/19</a:t>
             </a:fld>
             <a:endParaRPr lang="zh-CN" altLang="en-US"/>
           </a:p>
@@ -1728,7 +1741,7 @@
           <a:p>
             <a:fld id="{AD09C881-90A8-46F5-914E-732915AF5BE6}" type="datetimeFigureOut">
               <a:rPr lang="zh-CN" altLang="en-US" smtClean="0"/>
-              <a:t>2021/1/14</a:t>
+              <a:t>2021/1/19</a:t>
             </a:fld>
             <a:endParaRPr lang="zh-CN" altLang="en-US"/>
           </a:p>
@@ -2338,7 +2351,7 @@
           <a:p>
             <a:fld id="{AD09C881-90A8-46F5-914E-732915AF5BE6}" type="datetimeFigureOut">
               <a:rPr lang="zh-CN" altLang="en-US" smtClean="0"/>
-              <a:t>2021/1/14</a:t>
+              <a:t>2021/1/19</a:t>
             </a:fld>
             <a:endParaRPr lang="zh-CN" altLang="en-US"/>
           </a:p>
@@ -3185,7 +3198,7 @@
           <a:p>
             <a:fld id="{AD09C881-90A8-46F5-914E-732915AF5BE6}" type="datetimeFigureOut">
               <a:rPr lang="zh-CN" altLang="en-US" smtClean="0"/>
-              <a:t>2021/1/14</a:t>
+              <a:t>2021/1/19</a:t>
             </a:fld>
             <a:endParaRPr lang="zh-CN" altLang="en-US"/>
           </a:p>
@@ -3355,7 +3368,7 @@
           <a:p>
             <a:fld id="{AD09C881-90A8-46F5-914E-732915AF5BE6}" type="datetimeFigureOut">
               <a:rPr lang="zh-CN" altLang="en-US" smtClean="0"/>
-              <a:t>2021/1/14</a:t>
+              <a:t>2021/1/19</a:t>
             </a:fld>
             <a:endParaRPr lang="zh-CN" altLang="en-US"/>
           </a:p>
@@ -3535,7 +3548,7 @@
           <a:p>
             <a:fld id="{AD09C881-90A8-46F5-914E-732915AF5BE6}" type="datetimeFigureOut">
               <a:rPr lang="zh-CN" altLang="en-US" smtClean="0"/>
-              <a:t>2021/1/14</a:t>
+              <a:t>2021/1/19</a:t>
             </a:fld>
             <a:endParaRPr lang="zh-CN" altLang="en-US"/>
           </a:p>
@@ -3705,7 +3718,7 @@
           <a:p>
             <a:fld id="{AD09C881-90A8-46F5-914E-732915AF5BE6}" type="datetimeFigureOut">
               <a:rPr lang="zh-CN" altLang="en-US" smtClean="0"/>
-              <a:t>2021/1/14</a:t>
+              <a:t>2021/1/19</a:t>
             </a:fld>
             <a:endParaRPr lang="zh-CN" altLang="en-US"/>
           </a:p>
@@ -3949,7 +3962,7 @@
           <a:p>
             <a:fld id="{AD09C881-90A8-46F5-914E-732915AF5BE6}" type="datetimeFigureOut">
               <a:rPr lang="zh-CN" altLang="en-US" smtClean="0"/>
-              <a:t>2021/1/14</a:t>
+              <a:t>2021/1/19</a:t>
             </a:fld>
             <a:endParaRPr lang="zh-CN" altLang="en-US"/>
           </a:p>
@@ -4241,7 +4254,7 @@
           <a:p>
             <a:fld id="{AD09C881-90A8-46F5-914E-732915AF5BE6}" type="datetimeFigureOut">
               <a:rPr lang="zh-CN" altLang="en-US" smtClean="0"/>
-              <a:t>2021/1/14</a:t>
+              <a:t>2021/1/19</a:t>
             </a:fld>
             <a:endParaRPr lang="zh-CN" altLang="en-US"/>
           </a:p>
@@ -4679,7 +4692,7 @@
           <a:p>
             <a:fld id="{AD09C881-90A8-46F5-914E-732915AF5BE6}" type="datetimeFigureOut">
               <a:rPr lang="zh-CN" altLang="en-US" smtClean="0"/>
-              <a:t>2021/1/14</a:t>
+              <a:t>2021/1/19</a:t>
             </a:fld>
             <a:endParaRPr lang="zh-CN" altLang="en-US"/>
           </a:p>
@@ -4797,7 +4810,7 @@
           <a:p>
             <a:fld id="{AD09C881-90A8-46F5-914E-732915AF5BE6}" type="datetimeFigureOut">
               <a:rPr lang="zh-CN" altLang="en-US" smtClean="0"/>
-              <a:t>2021/1/14</a:t>
+              <a:t>2021/1/19</a:t>
             </a:fld>
             <a:endParaRPr lang="zh-CN" altLang="en-US"/>
           </a:p>
@@ -4892,7 +4905,7 @@
           <a:p>
             <a:fld id="{AD09C881-90A8-46F5-914E-732915AF5BE6}" type="datetimeFigureOut">
               <a:rPr lang="zh-CN" altLang="en-US" smtClean="0"/>
-              <a:t>2021/1/14</a:t>
+              <a:t>2021/1/19</a:t>
             </a:fld>
             <a:endParaRPr lang="zh-CN" altLang="en-US"/>
           </a:p>
@@ -5171,7 +5184,7 @@
           <a:p>
             <a:fld id="{AD09C881-90A8-46F5-914E-732915AF5BE6}" type="datetimeFigureOut">
               <a:rPr lang="zh-CN" altLang="en-US" smtClean="0"/>
-              <a:t>2021/1/14</a:t>
+              <a:t>2021/1/19</a:t>
             </a:fld>
             <a:endParaRPr lang="zh-CN" altLang="en-US"/>
           </a:p>
@@ -5446,7 +5459,7 @@
           <a:p>
             <a:fld id="{AD09C881-90A8-46F5-914E-732915AF5BE6}" type="datetimeFigureOut">
               <a:rPr lang="zh-CN" altLang="en-US" smtClean="0"/>
-              <a:t>2021/1/14</a:t>
+              <a:t>2021/1/19</a:t>
             </a:fld>
             <a:endParaRPr lang="zh-CN" altLang="en-US"/>
           </a:p>
@@ -5875,7 +5888,7 @@
           <a:p>
             <a:fld id="{AD09C881-90A8-46F5-914E-732915AF5BE6}" type="datetimeFigureOut">
               <a:rPr lang="zh-CN" altLang="en-US" smtClean="0"/>
-              <a:t>2021/1/14</a:t>
+              <a:t>2021/1/19</a:t>
             </a:fld>
             <a:endParaRPr lang="zh-CN" altLang="en-US"/>
           </a:p>
@@ -6487,8 +6500,8 @@
         </p:nvSpPr>
         <p:spPr>
           <a:xfrm>
-            <a:off x="2160104" y="1272209"/>
-            <a:ext cx="7901266" cy="2862322"/>
+            <a:off x="838199" y="1531044"/>
+            <a:ext cx="8880231" cy="3929281"/>
           </a:xfrm>
           <a:prstGeom prst="rect">
             <a:avLst/>
@@ -6496,320 +6509,588 @@
           <a:noFill/>
         </p:spPr>
         <p:txBody>
-          <a:bodyPr wrap="none" rtlCol="0">
+          <a:bodyPr wrap="square" rtlCol="0">
             <a:spAutoFit/>
           </a:bodyPr>
           <a:lstStyle/>
           <a:p>
+            <a:endParaRPr lang="en-US" altLang="zh-CN" dirty="0"/>
+          </a:p>
+          <a:p>
+            <a:pPr marL="285750" indent="-285750">
+              <a:lnSpc>
+                <a:spcPts val="3200"/>
+              </a:lnSpc>
+              <a:buFont typeface="Arial" panose="020B0604020202020204" pitchFamily="34" charset="0"/>
+              <a:buChar char="•"/>
+            </a:pPr>
+            <a:r>
+              <a:rPr lang="en-US" altLang="zh-CN" b="1" i="0" dirty="0">
+                <a:solidFill>
+                  <a:schemeClr val="accent3">
+                    <a:lumMod val="60000"/>
+                    <a:lumOff val="40000"/>
+                  </a:schemeClr>
+                </a:solidFill>
+                <a:effectLst/>
+                <a:latin typeface="PingFang SC"/>
+              </a:rPr>
+              <a:t>.</a:t>
+            </a:r>
+            <a:r>
+              <a:rPr lang="en-US" altLang="zh-CN" b="1" i="0" dirty="0" err="1">
+                <a:solidFill>
+                  <a:schemeClr val="accent3">
+                    <a:lumMod val="60000"/>
+                    <a:lumOff val="40000"/>
+                  </a:schemeClr>
+                </a:solidFill>
+                <a:effectLst/>
+                <a:latin typeface="PingFang SC"/>
+              </a:rPr>
+              <a:t>toBe</a:t>
+            </a:r>
+            <a:r>
+              <a:rPr lang="en-US" altLang="zh-CN" b="1" i="0" dirty="0">
+                <a:solidFill>
+                  <a:schemeClr val="accent3">
+                    <a:lumMod val="60000"/>
+                    <a:lumOff val="40000"/>
+                  </a:schemeClr>
+                </a:solidFill>
+                <a:effectLst/>
+                <a:latin typeface="PingFang SC"/>
+              </a:rPr>
+              <a:t>(value)</a:t>
+            </a:r>
+            <a:r>
+              <a:rPr lang="zh-CN" altLang="en-US" b="1" i="0" dirty="0">
+                <a:effectLst/>
+                <a:latin typeface="PingFang SC"/>
+              </a:rPr>
+              <a:t>：匹配值，相当于</a:t>
+            </a:r>
+            <a:r>
+              <a:rPr lang="en-US" altLang="zh-CN" b="1" i="0" dirty="0">
+                <a:effectLst/>
+                <a:latin typeface="PingFang SC"/>
+              </a:rPr>
+              <a:t>===</a:t>
+            </a:r>
+          </a:p>
+          <a:p>
+            <a:pPr marL="285750" indent="-285750">
+              <a:lnSpc>
+                <a:spcPts val="3200"/>
+              </a:lnSpc>
+              <a:buFont typeface="Arial" panose="020B0604020202020204" pitchFamily="34" charset="0"/>
+              <a:buChar char="•"/>
+            </a:pPr>
+            <a:r>
+              <a:rPr lang="en-US" altLang="zh-CN" b="1" i="0" dirty="0">
+                <a:solidFill>
+                  <a:schemeClr val="accent3">
+                    <a:lumMod val="60000"/>
+                    <a:lumOff val="40000"/>
+                  </a:schemeClr>
+                </a:solidFill>
+                <a:effectLst/>
+                <a:latin typeface="PingFang SC"/>
+              </a:rPr>
+              <a:t>.</a:t>
+            </a:r>
+            <a:r>
+              <a:rPr lang="en-US" altLang="zh-CN" b="1" dirty="0" err="1">
+                <a:solidFill>
+                  <a:schemeClr val="accent3">
+                    <a:lumMod val="60000"/>
+                    <a:lumOff val="40000"/>
+                  </a:schemeClr>
+                </a:solidFill>
+                <a:latin typeface="PingFang SC"/>
+              </a:rPr>
+              <a:t>toEqual</a:t>
+            </a:r>
+            <a:r>
+              <a:rPr lang="en-US" altLang="zh-CN" b="1" dirty="0">
+                <a:solidFill>
+                  <a:schemeClr val="accent3">
+                    <a:lumMod val="60000"/>
+                    <a:lumOff val="40000"/>
+                  </a:schemeClr>
+                </a:solidFill>
+                <a:latin typeface="PingFang SC"/>
+              </a:rPr>
+              <a:t>(value)</a:t>
+            </a:r>
+            <a:r>
+              <a:rPr lang="zh-CN" altLang="en-US" b="1" i="0" dirty="0">
+                <a:effectLst/>
+                <a:latin typeface="PingFang SC"/>
+              </a:rPr>
+              <a:t>：匹配值，只匹配内容不匹配引用，可以用于引用类型的匹配</a:t>
+            </a:r>
+          </a:p>
+          <a:p>
+            <a:pPr marL="285750" indent="-285750">
+              <a:lnSpc>
+                <a:spcPts val="3200"/>
+              </a:lnSpc>
+              <a:buFont typeface="Arial" panose="020B0604020202020204" pitchFamily="34" charset="0"/>
+              <a:buChar char="•"/>
+            </a:pPr>
+            <a:r>
+              <a:rPr lang="en-US" altLang="zh-CN" b="1" i="0" dirty="0">
+                <a:solidFill>
+                  <a:schemeClr val="accent3">
+                    <a:lumMod val="60000"/>
+                    <a:lumOff val="40000"/>
+                  </a:schemeClr>
+                </a:solidFill>
+                <a:effectLst/>
+                <a:latin typeface="PingFang SC"/>
+              </a:rPr>
+              <a:t>.</a:t>
+            </a:r>
+            <a:r>
+              <a:rPr lang="en-US" altLang="zh-CN" b="1" i="0" dirty="0" err="1">
+                <a:solidFill>
+                  <a:schemeClr val="accent3">
+                    <a:lumMod val="60000"/>
+                    <a:lumOff val="40000"/>
+                  </a:schemeClr>
+                </a:solidFill>
+                <a:effectLst/>
+                <a:latin typeface="PingFang SC"/>
+              </a:rPr>
+              <a:t>toBeTruthy</a:t>
+            </a:r>
+            <a:r>
+              <a:rPr lang="en-US" altLang="zh-CN" b="1" i="0" dirty="0">
+                <a:solidFill>
+                  <a:schemeClr val="accent3">
+                    <a:lumMod val="60000"/>
+                    <a:lumOff val="40000"/>
+                  </a:schemeClr>
+                </a:solidFill>
+                <a:effectLst/>
+                <a:latin typeface="PingFang SC"/>
+              </a:rPr>
+              <a:t>()</a:t>
+            </a:r>
+            <a:r>
+              <a:rPr lang="zh-CN" altLang="en-US" b="1" i="0" dirty="0">
+                <a:effectLst/>
+                <a:latin typeface="PingFang SC"/>
+              </a:rPr>
+              <a:t>：匹配结果为</a:t>
+            </a:r>
+            <a:r>
+              <a:rPr lang="en-US" altLang="zh-CN" b="1" i="0" dirty="0">
+                <a:effectLst/>
+                <a:latin typeface="PingFang SC"/>
+              </a:rPr>
+              <a:t>true</a:t>
+            </a:r>
+            <a:r>
+              <a:rPr lang="zh-CN" altLang="en-US" b="1" i="0" dirty="0">
+                <a:effectLst/>
+                <a:latin typeface="PingFang SC"/>
+              </a:rPr>
+              <a:t>的值</a:t>
+            </a:r>
+          </a:p>
+          <a:p>
+            <a:pPr marL="285750" indent="-285750">
+              <a:lnSpc>
+                <a:spcPts val="3200"/>
+              </a:lnSpc>
+              <a:buFont typeface="Arial" panose="020B0604020202020204" pitchFamily="34" charset="0"/>
+              <a:buChar char="•"/>
+            </a:pPr>
+            <a:r>
+              <a:rPr lang="en-US" altLang="zh-CN" b="1" i="0" dirty="0">
+                <a:solidFill>
+                  <a:schemeClr val="accent3">
+                    <a:lumMod val="60000"/>
+                    <a:lumOff val="40000"/>
+                  </a:schemeClr>
+                </a:solidFill>
+                <a:effectLst/>
+                <a:latin typeface="PingFang SC"/>
+              </a:rPr>
+              <a:t>.</a:t>
+            </a:r>
+            <a:r>
+              <a:rPr lang="en-US" altLang="zh-CN" b="1" i="0" dirty="0" err="1">
+                <a:solidFill>
+                  <a:schemeClr val="accent3">
+                    <a:lumMod val="60000"/>
+                    <a:lumOff val="40000"/>
+                  </a:schemeClr>
+                </a:solidFill>
+                <a:effectLst/>
+                <a:latin typeface="PingFang SC"/>
+              </a:rPr>
+              <a:t>toBeFalsy</a:t>
+            </a:r>
+            <a:r>
+              <a:rPr lang="en-US" altLang="zh-CN" b="1" i="0" dirty="0">
+                <a:solidFill>
+                  <a:schemeClr val="accent3">
+                    <a:lumMod val="60000"/>
+                    <a:lumOff val="40000"/>
+                  </a:schemeClr>
+                </a:solidFill>
+                <a:effectLst/>
+                <a:latin typeface="PingFang SC"/>
+              </a:rPr>
+              <a:t>()</a:t>
+            </a:r>
+            <a:r>
+              <a:rPr lang="zh-CN" altLang="en-US" b="1" i="0" dirty="0">
+                <a:effectLst/>
+                <a:latin typeface="PingFang SC"/>
+              </a:rPr>
+              <a:t>：匹配结果为</a:t>
+            </a:r>
+            <a:r>
+              <a:rPr lang="en-US" altLang="zh-CN" b="1" i="0" dirty="0">
+                <a:effectLst/>
+                <a:latin typeface="PingFang SC"/>
+              </a:rPr>
+              <a:t>false</a:t>
+            </a:r>
+            <a:r>
+              <a:rPr lang="zh-CN" altLang="en-US" b="1" i="0" dirty="0">
+                <a:effectLst/>
+                <a:latin typeface="PingFang SC"/>
+              </a:rPr>
+              <a:t>的值</a:t>
+            </a:r>
+          </a:p>
+          <a:p>
+            <a:pPr marL="285750" indent="-285750">
+              <a:lnSpc>
+                <a:spcPts val="3200"/>
+              </a:lnSpc>
+              <a:buFont typeface="Arial" panose="020B0604020202020204" pitchFamily="34" charset="0"/>
+              <a:buChar char="•"/>
+            </a:pPr>
+            <a:r>
+              <a:rPr lang="en-US" altLang="zh-CN" b="1" i="0" dirty="0">
+                <a:solidFill>
+                  <a:schemeClr val="accent3">
+                    <a:lumMod val="60000"/>
+                    <a:lumOff val="40000"/>
+                  </a:schemeClr>
+                </a:solidFill>
+                <a:effectLst/>
+                <a:latin typeface="PingFang SC"/>
+              </a:rPr>
+              <a:t>.</a:t>
+            </a:r>
+            <a:r>
+              <a:rPr lang="en-US" altLang="zh-CN" b="1" i="0" dirty="0" err="1">
+                <a:solidFill>
+                  <a:schemeClr val="accent3">
+                    <a:lumMod val="60000"/>
+                    <a:lumOff val="40000"/>
+                  </a:schemeClr>
+                </a:solidFill>
+                <a:effectLst/>
+                <a:latin typeface="PingFang SC"/>
+              </a:rPr>
+              <a:t>toMatchObject</a:t>
+            </a:r>
+            <a:r>
+              <a:rPr lang="en-US" altLang="zh-CN" b="1" i="0" dirty="0">
+                <a:solidFill>
+                  <a:schemeClr val="accent3">
+                    <a:lumMod val="60000"/>
+                    <a:lumOff val="40000"/>
+                  </a:schemeClr>
+                </a:solidFill>
+                <a:effectLst/>
+                <a:latin typeface="PingFang SC"/>
+              </a:rPr>
+              <a:t>(object)</a:t>
+            </a:r>
+            <a:r>
+              <a:rPr lang="zh-CN" altLang="en-US" b="1" i="0" dirty="0">
+                <a:effectLst/>
+                <a:latin typeface="PingFang SC"/>
+              </a:rPr>
+              <a:t>：匹配对象</a:t>
+            </a:r>
+            <a:r>
+              <a:rPr lang="en-US" altLang="zh-CN" b="1" i="0" dirty="0">
+                <a:effectLst/>
+                <a:latin typeface="PingFang SC"/>
+              </a:rPr>
+              <a:t>/</a:t>
+            </a:r>
+            <a:r>
+              <a:rPr lang="zh-CN" altLang="en-US" b="1" i="0" dirty="0">
+                <a:effectLst/>
+                <a:latin typeface="PingFang SC"/>
+              </a:rPr>
+              <a:t>数组是否属于子集</a:t>
+            </a:r>
+          </a:p>
+          <a:p>
+            <a:pPr marL="285750" indent="-285750">
+              <a:lnSpc>
+                <a:spcPts val="3200"/>
+              </a:lnSpc>
+              <a:buFont typeface="Arial" panose="020B0604020202020204" pitchFamily="34" charset="0"/>
+              <a:buChar char="•"/>
+            </a:pPr>
+            <a:r>
+              <a:rPr lang="en-US" altLang="zh-CN" b="1" i="0" dirty="0">
+                <a:solidFill>
+                  <a:schemeClr val="accent3">
+                    <a:lumMod val="60000"/>
+                    <a:lumOff val="40000"/>
+                  </a:schemeClr>
+                </a:solidFill>
+                <a:effectLst/>
+                <a:latin typeface="PingFang SC"/>
+              </a:rPr>
+              <a:t>.</a:t>
+            </a:r>
+            <a:r>
+              <a:rPr lang="en-US" altLang="zh-CN" b="1" i="0" dirty="0" err="1">
+                <a:solidFill>
+                  <a:schemeClr val="accent3">
+                    <a:lumMod val="60000"/>
+                    <a:lumOff val="40000"/>
+                  </a:schemeClr>
+                </a:solidFill>
+                <a:effectLst/>
+                <a:latin typeface="PingFang SC"/>
+              </a:rPr>
+              <a:t>toMatch</a:t>
+            </a:r>
+            <a:r>
+              <a:rPr lang="en-US" altLang="zh-CN" b="1" i="0" dirty="0">
+                <a:solidFill>
+                  <a:schemeClr val="accent3">
+                    <a:lumMod val="60000"/>
+                    <a:lumOff val="40000"/>
+                  </a:schemeClr>
+                </a:solidFill>
+                <a:effectLst/>
+                <a:latin typeface="PingFang SC"/>
+              </a:rPr>
+              <a:t>(</a:t>
+            </a:r>
+            <a:r>
+              <a:rPr lang="en-US" altLang="zh-CN" b="1" i="0" dirty="0" err="1">
+                <a:solidFill>
+                  <a:schemeClr val="accent3">
+                    <a:lumMod val="60000"/>
+                    <a:lumOff val="40000"/>
+                  </a:schemeClr>
+                </a:solidFill>
+                <a:effectLst/>
+                <a:latin typeface="PingFang SC"/>
+              </a:rPr>
+              <a:t>regexpOrString</a:t>
+            </a:r>
+            <a:r>
+              <a:rPr lang="en-US" altLang="zh-CN" b="1" i="0" dirty="0">
+                <a:solidFill>
+                  <a:schemeClr val="accent3">
+                    <a:lumMod val="60000"/>
+                    <a:lumOff val="40000"/>
+                  </a:schemeClr>
+                </a:solidFill>
+                <a:effectLst/>
+                <a:latin typeface="PingFang SC"/>
+              </a:rPr>
+              <a:t>)</a:t>
+            </a:r>
+            <a:r>
+              <a:rPr lang="zh-CN" altLang="en-US" b="1" i="0" dirty="0">
+                <a:effectLst/>
+                <a:latin typeface="PingFang SC"/>
+              </a:rPr>
+              <a:t>：检查字符串是否匹配</a:t>
+            </a:r>
+          </a:p>
+          <a:p>
+            <a:pPr marL="285750" indent="-285750">
+              <a:lnSpc>
+                <a:spcPts val="3200"/>
+              </a:lnSpc>
+              <a:buFont typeface="Arial" panose="020B0604020202020204" pitchFamily="34" charset="0"/>
+              <a:buChar char="•"/>
+            </a:pPr>
+            <a:r>
+              <a:rPr lang="en-US" altLang="zh-CN" b="1" dirty="0">
+                <a:solidFill>
+                  <a:schemeClr val="accent3">
+                    <a:lumMod val="60000"/>
+                    <a:lumOff val="40000"/>
+                  </a:schemeClr>
+                </a:solidFill>
+                <a:latin typeface="PingFang SC"/>
+              </a:rPr>
+              <a:t>.</a:t>
+            </a:r>
+            <a:r>
+              <a:rPr lang="en-US" altLang="zh-CN" b="1" dirty="0" err="1">
+                <a:solidFill>
+                  <a:schemeClr val="accent3">
+                    <a:lumMod val="60000"/>
+                    <a:lumOff val="40000"/>
+                  </a:schemeClr>
+                </a:solidFill>
+                <a:latin typeface="PingFang SC"/>
+              </a:rPr>
+              <a:t>toContain</a:t>
+            </a:r>
+            <a:r>
+              <a:rPr lang="en-US" altLang="zh-CN" b="1" dirty="0">
+                <a:solidFill>
+                  <a:schemeClr val="accent3">
+                    <a:lumMod val="60000"/>
+                    <a:lumOff val="40000"/>
+                  </a:schemeClr>
+                </a:solidFill>
+                <a:latin typeface="PingFang SC"/>
+              </a:rPr>
+              <a:t>(item)</a:t>
+            </a:r>
+            <a:r>
+              <a:rPr lang="zh-CN" altLang="en-US" b="1" dirty="0">
+                <a:latin typeface="PingFang SC"/>
+              </a:rPr>
+              <a:t>：匹配数组</a:t>
+            </a:r>
+            <a:r>
+              <a:rPr lang="en-US" altLang="zh-CN" b="1" dirty="0">
+                <a:latin typeface="PingFang SC"/>
+              </a:rPr>
+              <a:t>/Set/</a:t>
+            </a:r>
+            <a:r>
+              <a:rPr lang="zh-CN" altLang="en-US" b="1" dirty="0">
+                <a:latin typeface="PingFang SC"/>
+              </a:rPr>
+              <a:t>字符串中是否包含</a:t>
+            </a:r>
+            <a:r>
+              <a:rPr lang="en-US" altLang="zh-CN" b="1" dirty="0">
+                <a:latin typeface="PingFang SC"/>
+              </a:rPr>
+              <a:t>item</a:t>
+            </a:r>
+          </a:p>
+          <a:p>
+            <a:pPr>
+              <a:lnSpc>
+                <a:spcPts val="3200"/>
+              </a:lnSpc>
+            </a:pPr>
+            <a:r>
+              <a:rPr lang="en-US" altLang="zh-CN" b="1" dirty="0">
+                <a:solidFill>
+                  <a:schemeClr val="accent3">
+                    <a:lumMod val="60000"/>
+                    <a:lumOff val="40000"/>
+                  </a:schemeClr>
+                </a:solidFill>
+                <a:latin typeface="PingFang SC"/>
+              </a:rPr>
+              <a:t>.</a:t>
+            </a:r>
+            <a:r>
+              <a:rPr lang="zh-CN" altLang="en-US" b="1" dirty="0">
+                <a:solidFill>
+                  <a:schemeClr val="accent3">
+                    <a:lumMod val="60000"/>
+                    <a:lumOff val="40000"/>
+                  </a:schemeClr>
+                </a:solidFill>
+                <a:latin typeface="PingFang SC"/>
+              </a:rPr>
+              <a:t> </a:t>
+            </a:r>
+            <a:r>
+              <a:rPr lang="en-US" altLang="zh-CN" b="1" dirty="0">
+                <a:solidFill>
+                  <a:schemeClr val="accent3">
+                    <a:lumMod val="60000"/>
+                    <a:lumOff val="40000"/>
+                  </a:schemeClr>
+                </a:solidFill>
+                <a:latin typeface="PingFang SC"/>
+              </a:rPr>
+              <a:t>.</a:t>
+            </a:r>
+            <a:r>
+              <a:rPr lang="zh-CN" altLang="en-US" b="1" dirty="0">
+                <a:solidFill>
+                  <a:schemeClr val="accent3">
+                    <a:lumMod val="60000"/>
+                    <a:lumOff val="40000"/>
+                  </a:schemeClr>
+                </a:solidFill>
+                <a:latin typeface="PingFang SC"/>
+              </a:rPr>
+              <a:t> </a:t>
+            </a:r>
+            <a:r>
+              <a:rPr lang="en-US" altLang="zh-CN" b="1" dirty="0">
+                <a:solidFill>
+                  <a:schemeClr val="accent3">
+                    <a:lumMod val="60000"/>
+                    <a:lumOff val="40000"/>
+                  </a:schemeClr>
+                </a:solidFill>
+                <a:latin typeface="PingFang SC"/>
+              </a:rPr>
+              <a:t>.</a:t>
+            </a:r>
+          </a:p>
+          <a:p>
+            <a:endParaRPr lang="zh-CN" altLang="en-US" dirty="0"/>
+          </a:p>
+        </p:txBody>
+      </p:sp>
+      <p:sp>
+        <p:nvSpPr>
+          <p:cNvPr id="7" name="标题 1">
+            <a:extLst>
+              <a:ext uri="{FF2B5EF4-FFF2-40B4-BE49-F238E27FC236}">
+                <a16:creationId xmlns:a16="http://schemas.microsoft.com/office/drawing/2014/main" id="{0EC76011-E405-424D-8268-256DFB5F5CE4}"/>
+              </a:ext>
+            </a:extLst>
+          </p:cNvPr>
+          <p:cNvSpPr>
+            <a:spLocks noGrp="1"/>
+          </p:cNvSpPr>
+          <p:nvPr>
+            <p:ph type="title"/>
+          </p:nvPr>
+        </p:nvSpPr>
+        <p:spPr>
+          <a:xfrm>
+            <a:off x="838200" y="365125"/>
+            <a:ext cx="10515600" cy="734805"/>
+          </a:xfrm>
+        </p:spPr>
+        <p:txBody>
+          <a:bodyPr/>
+          <a:lstStyle/>
+          <a:p>
             <a:r>
               <a:rPr lang="zh-CN" altLang="en-US" dirty="0"/>
-              <a:t>断言对象的常用匹配器；</a:t>
+              <a:t>断言对象的常用匹配器</a:t>
             </a:r>
             <a:endParaRPr lang="en-US" altLang="zh-CN" dirty="0"/>
-          </a:p>
-          <a:p>
-            <a:endParaRPr lang="en-US" altLang="zh-CN" dirty="0"/>
-          </a:p>
-          <a:p>
-            <a:r>
-              <a:rPr lang="en-US" altLang="zh-CN" b="1" i="0" dirty="0">
-                <a:effectLst/>
-                <a:latin typeface="PingFang SC"/>
-              </a:rPr>
-              <a:t>.</a:t>
-            </a:r>
-            <a:r>
-              <a:rPr lang="en-US" altLang="zh-CN" b="1" i="0" dirty="0" err="1">
-                <a:effectLst/>
-                <a:latin typeface="PingFang SC"/>
-              </a:rPr>
-              <a:t>toBe</a:t>
-            </a:r>
-            <a:r>
-              <a:rPr lang="en-US" altLang="zh-CN" b="1" i="0" dirty="0">
-                <a:effectLst/>
-                <a:latin typeface="PingFang SC"/>
-              </a:rPr>
-              <a:t>(value)</a:t>
-            </a:r>
-            <a:r>
-              <a:rPr lang="zh-CN" altLang="en-US" b="1" i="0" dirty="0">
-                <a:effectLst/>
-                <a:latin typeface="PingFang SC"/>
-              </a:rPr>
-              <a:t>：匹配值，相当于</a:t>
-            </a:r>
-            <a:r>
-              <a:rPr lang="en-US" altLang="zh-CN" b="1" i="0" dirty="0">
-                <a:effectLst/>
-                <a:latin typeface="PingFang SC"/>
-              </a:rPr>
-              <a:t>===</a:t>
-            </a:r>
-          </a:p>
-          <a:p>
-            <a:r>
-              <a:rPr lang="en-US" altLang="zh-CN" b="1" i="0" dirty="0">
-                <a:effectLst/>
-                <a:latin typeface="PingFang SC"/>
-              </a:rPr>
-              <a:t>.</a:t>
-            </a:r>
-            <a:r>
-              <a:rPr lang="en-US" altLang="zh-CN" b="1" i="0" dirty="0" err="1">
-                <a:effectLst/>
-                <a:latin typeface="PingFang SC"/>
-              </a:rPr>
-              <a:t>toEqual</a:t>
-            </a:r>
-            <a:r>
-              <a:rPr lang="en-US" altLang="zh-CN" b="1" i="0" dirty="0">
-                <a:effectLst/>
-                <a:latin typeface="PingFang SC"/>
-              </a:rPr>
-              <a:t>(value)</a:t>
-            </a:r>
-            <a:r>
-              <a:rPr lang="zh-CN" altLang="en-US" b="1" i="0" dirty="0">
-                <a:effectLst/>
-                <a:latin typeface="PingFang SC"/>
-              </a:rPr>
-              <a:t>：匹配值，只匹配内容不匹配引用，可以用于引用类型的匹配</a:t>
-            </a:r>
-          </a:p>
-          <a:p>
-            <a:r>
-              <a:rPr lang="en-US" altLang="zh-CN" b="1" i="0" dirty="0">
-                <a:effectLst/>
-                <a:latin typeface="PingFang SC"/>
-              </a:rPr>
-              <a:t>.</a:t>
-            </a:r>
-            <a:r>
-              <a:rPr lang="en-US" altLang="zh-CN" b="1" i="0" dirty="0" err="1">
-                <a:effectLst/>
-                <a:latin typeface="PingFang SC"/>
-              </a:rPr>
-              <a:t>toBeTruthy</a:t>
-            </a:r>
-            <a:r>
-              <a:rPr lang="en-US" altLang="zh-CN" b="1" i="0" dirty="0">
-                <a:effectLst/>
-                <a:latin typeface="PingFang SC"/>
-              </a:rPr>
-              <a:t>()</a:t>
-            </a:r>
-            <a:r>
-              <a:rPr lang="zh-CN" altLang="en-US" b="1" i="0" dirty="0">
-                <a:effectLst/>
-                <a:latin typeface="PingFang SC"/>
-              </a:rPr>
-              <a:t>：匹配结果为</a:t>
-            </a:r>
-            <a:r>
-              <a:rPr lang="en-US" altLang="zh-CN" b="1" i="0" dirty="0">
-                <a:effectLst/>
-                <a:latin typeface="PingFang SC"/>
-              </a:rPr>
-              <a:t>true</a:t>
-            </a:r>
-            <a:r>
-              <a:rPr lang="zh-CN" altLang="en-US" b="1" i="0" dirty="0">
-                <a:effectLst/>
-                <a:latin typeface="PingFang SC"/>
-              </a:rPr>
-              <a:t>的值</a:t>
-            </a:r>
-          </a:p>
-          <a:p>
-            <a:r>
-              <a:rPr lang="en-US" altLang="zh-CN" b="1" i="0" dirty="0">
-                <a:effectLst/>
-                <a:latin typeface="PingFang SC"/>
-              </a:rPr>
-              <a:t>.</a:t>
-            </a:r>
-            <a:r>
-              <a:rPr lang="en-US" altLang="zh-CN" b="1" i="0" dirty="0" err="1">
-                <a:effectLst/>
-                <a:latin typeface="PingFang SC"/>
-              </a:rPr>
-              <a:t>toBeFalsy</a:t>
-            </a:r>
-            <a:r>
-              <a:rPr lang="en-US" altLang="zh-CN" b="1" i="0" dirty="0">
-                <a:effectLst/>
-                <a:latin typeface="PingFang SC"/>
-              </a:rPr>
-              <a:t>()</a:t>
-            </a:r>
-            <a:r>
-              <a:rPr lang="zh-CN" altLang="en-US" b="1" i="0" dirty="0">
-                <a:effectLst/>
-                <a:latin typeface="PingFang SC"/>
-              </a:rPr>
-              <a:t>：匹配结果为</a:t>
-            </a:r>
-            <a:r>
-              <a:rPr lang="en-US" altLang="zh-CN" b="1" i="0" dirty="0">
-                <a:effectLst/>
-                <a:latin typeface="PingFang SC"/>
-              </a:rPr>
-              <a:t>false</a:t>
-            </a:r>
-            <a:r>
-              <a:rPr lang="zh-CN" altLang="en-US" b="1" i="0" dirty="0">
-                <a:effectLst/>
-                <a:latin typeface="PingFang SC"/>
-              </a:rPr>
-              <a:t>的值</a:t>
-            </a:r>
-          </a:p>
-          <a:p>
-            <a:r>
-              <a:rPr lang="en-US" altLang="zh-CN" b="1" i="0" dirty="0">
-                <a:effectLst/>
-                <a:latin typeface="PingFang SC"/>
-              </a:rPr>
-              <a:t>.</a:t>
-            </a:r>
-            <a:r>
-              <a:rPr lang="en-US" altLang="zh-CN" b="1" i="0" dirty="0" err="1">
-                <a:effectLst/>
-                <a:latin typeface="PingFang SC"/>
-              </a:rPr>
-              <a:t>toMatchObject</a:t>
-            </a:r>
-            <a:r>
-              <a:rPr lang="en-US" altLang="zh-CN" b="1" i="0" dirty="0">
-                <a:effectLst/>
-                <a:latin typeface="PingFang SC"/>
-              </a:rPr>
-              <a:t>(object)</a:t>
-            </a:r>
-            <a:r>
-              <a:rPr lang="zh-CN" altLang="en-US" b="1" i="0" dirty="0">
-                <a:effectLst/>
-                <a:latin typeface="PingFang SC"/>
-              </a:rPr>
-              <a:t>：匹配对象</a:t>
-            </a:r>
-            <a:r>
-              <a:rPr lang="en-US" altLang="zh-CN" b="1" i="0" dirty="0">
-                <a:effectLst/>
-                <a:latin typeface="PingFang SC"/>
-              </a:rPr>
-              <a:t>/</a:t>
-            </a:r>
-            <a:r>
-              <a:rPr lang="zh-CN" altLang="en-US" b="1" i="0" dirty="0">
-                <a:effectLst/>
-                <a:latin typeface="PingFang SC"/>
-              </a:rPr>
-              <a:t>数组是否属于子集</a:t>
-            </a:r>
-          </a:p>
-          <a:p>
-            <a:r>
-              <a:rPr lang="en-US" altLang="zh-CN" b="1" i="0" dirty="0">
-                <a:effectLst/>
-                <a:latin typeface="PingFang SC"/>
-              </a:rPr>
-              <a:t>.</a:t>
-            </a:r>
-            <a:r>
-              <a:rPr lang="en-US" altLang="zh-CN" b="1" i="0" dirty="0" err="1">
-                <a:effectLst/>
-                <a:latin typeface="PingFang SC"/>
-              </a:rPr>
-              <a:t>toMatch</a:t>
-            </a:r>
-            <a:r>
-              <a:rPr lang="en-US" altLang="zh-CN" b="1" i="0" dirty="0">
-                <a:effectLst/>
-                <a:latin typeface="PingFang SC"/>
-              </a:rPr>
-              <a:t>(</a:t>
-            </a:r>
-            <a:r>
-              <a:rPr lang="en-US" altLang="zh-CN" b="1" i="0" dirty="0" err="1">
-                <a:effectLst/>
-                <a:latin typeface="PingFang SC"/>
-              </a:rPr>
-              <a:t>regexpOrString</a:t>
-            </a:r>
-            <a:r>
-              <a:rPr lang="en-US" altLang="zh-CN" b="1" i="0" dirty="0">
-                <a:effectLst/>
-                <a:latin typeface="PingFang SC"/>
-              </a:rPr>
-              <a:t>)</a:t>
-            </a:r>
-            <a:r>
-              <a:rPr lang="zh-CN" altLang="en-US" b="1" i="0" dirty="0">
-                <a:effectLst/>
-                <a:latin typeface="PingFang SC"/>
-              </a:rPr>
-              <a:t>：检查字符串是否匹配</a:t>
-            </a:r>
-          </a:p>
-          <a:p>
-            <a:r>
-              <a:rPr lang="en-US" altLang="zh-CN" b="1" i="0" dirty="0">
-                <a:effectLst/>
-                <a:latin typeface="PingFang SC"/>
-              </a:rPr>
-              <a:t>.</a:t>
-            </a:r>
-            <a:r>
-              <a:rPr lang="en-US" altLang="zh-CN" b="1" i="0" dirty="0" err="1">
-                <a:effectLst/>
-                <a:latin typeface="PingFang SC"/>
-              </a:rPr>
-              <a:t>toContain</a:t>
-            </a:r>
-            <a:r>
-              <a:rPr lang="en-US" altLang="zh-CN" b="1" i="0" dirty="0">
-                <a:effectLst/>
-                <a:latin typeface="PingFang SC"/>
-              </a:rPr>
-              <a:t>(item)</a:t>
-            </a:r>
-            <a:r>
-              <a:rPr lang="zh-CN" altLang="en-US" b="1" i="0" dirty="0">
-                <a:effectLst/>
-                <a:latin typeface="PingFang SC"/>
-              </a:rPr>
-              <a:t>：匹配数组</a:t>
-            </a:r>
-            <a:r>
-              <a:rPr lang="en-US" altLang="zh-CN" b="1" i="0" dirty="0">
-                <a:effectLst/>
-                <a:latin typeface="PingFang SC"/>
-              </a:rPr>
-              <a:t>/Set/</a:t>
-            </a:r>
-            <a:r>
-              <a:rPr lang="zh-CN" altLang="en-US" b="1" i="0" dirty="0">
-                <a:effectLst/>
-                <a:latin typeface="PingFang SC"/>
-              </a:rPr>
-              <a:t>字符串中是否包含</a:t>
-            </a:r>
-            <a:r>
-              <a:rPr lang="en-US" altLang="zh-CN" b="1" i="0" dirty="0">
-                <a:effectLst/>
-                <a:latin typeface="PingFang SC"/>
-              </a:rPr>
-              <a:t>item</a:t>
-            </a:r>
-          </a:p>
-          <a:p>
-            <a:r>
-              <a:rPr lang="en-US" altLang="zh-CN" dirty="0"/>
-              <a:t>…</a:t>
-            </a:r>
-            <a:endParaRPr lang="zh-CN" altLang="en-US" dirty="0"/>
           </a:p>
         </p:txBody>
       </p:sp>
@@ -6892,7 +7173,12 @@
             <p:ph idx="1"/>
           </p:nvPr>
         </p:nvSpPr>
-        <p:spPr/>
+        <p:spPr>
+          <a:xfrm>
+            <a:off x="6096000" y="1582616"/>
+            <a:ext cx="5257800" cy="3754507"/>
+          </a:xfrm>
+        </p:spPr>
         <p:txBody>
           <a:bodyPr/>
           <a:lstStyle/>
@@ -6901,10 +7187,687 @@
               <a:buNone/>
             </a:pPr>
             <a:r>
+              <a:rPr lang="en-US" altLang="zh-CN" b="0" dirty="0">
+                <a:effectLst/>
+                <a:latin typeface="Consolas" panose="020B0609020204030204" pitchFamily="49" charset="0"/>
+              </a:rPr>
+              <a:t>Jest</a:t>
+            </a:r>
+            <a:r>
+              <a:rPr lang="zh-CN" altLang="en-US" b="0" dirty="0">
+                <a:effectLst/>
+                <a:latin typeface="Consolas" panose="020B0609020204030204" pitchFamily="49" charset="0"/>
+              </a:rPr>
+              <a:t>提供的异步测试方法如下：</a:t>
+            </a:r>
+            <a:endParaRPr lang="en-US" altLang="zh-CN" b="0" dirty="0">
+              <a:effectLst/>
+              <a:latin typeface="Consolas" panose="020B0609020204030204" pitchFamily="49" charset="0"/>
+            </a:endParaRPr>
+          </a:p>
+          <a:p>
+            <a:pPr marL="0" indent="0">
+              <a:buNone/>
+            </a:pPr>
+            <a:endParaRPr lang="en-US" altLang="zh-CN" b="0" dirty="0">
+              <a:effectLst/>
+              <a:latin typeface="Consolas" panose="020B0609020204030204" pitchFamily="49" charset="0"/>
+            </a:endParaRPr>
+          </a:p>
+          <a:p>
+            <a:pPr marL="457200" indent="-457200">
+              <a:buFont typeface="+mj-lt"/>
+              <a:buAutoNum type="arabicPeriod"/>
+            </a:pPr>
+            <a:r>
+              <a:rPr lang="zh-CN" altLang="en-US" b="0" dirty="0">
+                <a:effectLst/>
+                <a:latin typeface="Consolas" panose="020B0609020204030204" pitchFamily="49" charset="0"/>
+              </a:rPr>
+              <a:t>使用</a:t>
+            </a:r>
+            <a:r>
+              <a:rPr lang="en-US" altLang="zh-CN" b="0" dirty="0">
+                <a:effectLst/>
+                <a:latin typeface="Consolas" panose="020B0609020204030204" pitchFamily="49" charset="0"/>
+              </a:rPr>
+              <a:t>done</a:t>
+            </a:r>
+            <a:r>
+              <a:rPr lang="zh-CN" altLang="en-US" b="0" dirty="0">
+                <a:effectLst/>
+                <a:latin typeface="Consolas" panose="020B0609020204030204" pitchFamily="49" charset="0"/>
+              </a:rPr>
+              <a:t>方法</a:t>
+            </a:r>
+          </a:p>
+          <a:p>
+            <a:pPr marL="457200" indent="-457200">
+              <a:buFont typeface="+mj-lt"/>
+              <a:buAutoNum type="arabicPeriod"/>
+            </a:pPr>
+            <a:r>
+              <a:rPr lang="zh-CN" altLang="en-US" b="0" dirty="0">
+                <a:effectLst/>
+                <a:latin typeface="Consolas" panose="020B0609020204030204" pitchFamily="49" charset="0"/>
+              </a:rPr>
+              <a:t>使用 </a:t>
+            </a:r>
+            <a:r>
+              <a:rPr lang="en-US" altLang="zh-CN" b="0" dirty="0">
+                <a:effectLst/>
+                <a:latin typeface="Consolas" panose="020B0609020204030204" pitchFamily="49" charset="0"/>
+              </a:rPr>
+              <a:t>Promise </a:t>
+            </a:r>
+            <a:r>
+              <a:rPr lang="zh-CN" altLang="en-US" b="0" dirty="0">
+                <a:effectLst/>
+                <a:latin typeface="Consolas" panose="020B0609020204030204" pitchFamily="49" charset="0"/>
+              </a:rPr>
+              <a:t>对象 直接 </a:t>
+            </a:r>
+            <a:r>
+              <a:rPr lang="en-US" altLang="zh-CN" b="0" dirty="0">
+                <a:effectLst/>
+                <a:latin typeface="Consolas" panose="020B0609020204030204" pitchFamily="49" charset="0"/>
+              </a:rPr>
+              <a:t>return</a:t>
+            </a:r>
+          </a:p>
+          <a:p>
+            <a:pPr marL="457200" indent="-457200">
+              <a:buFont typeface="+mj-lt"/>
+              <a:buAutoNum type="arabicPeriod"/>
+            </a:pPr>
+            <a:r>
+              <a:rPr lang="en-US" altLang="zh-CN" b="0" dirty="0">
+                <a:effectLst/>
+                <a:latin typeface="Consolas" panose="020B0609020204030204" pitchFamily="49" charset="0"/>
+              </a:rPr>
+              <a:t>return + resolves / rejects </a:t>
+            </a:r>
+            <a:r>
+              <a:rPr lang="zh-CN" altLang="en-US" b="0" dirty="0">
+                <a:effectLst/>
+                <a:latin typeface="Consolas" panose="020B0609020204030204" pitchFamily="49" charset="0"/>
+              </a:rPr>
+              <a:t>写法</a:t>
+            </a:r>
+          </a:p>
+          <a:p>
+            <a:pPr marL="457200" indent="-457200">
+              <a:buFont typeface="+mj-lt"/>
+              <a:buAutoNum type="arabicPeriod"/>
+            </a:pPr>
+            <a:r>
+              <a:rPr lang="zh-CN" altLang="en-US" b="0" dirty="0">
+                <a:effectLst/>
+                <a:latin typeface="Consolas" panose="020B0609020204030204" pitchFamily="49" charset="0"/>
+              </a:rPr>
+              <a:t>使用 </a:t>
+            </a:r>
+            <a:r>
+              <a:rPr lang="en-US" altLang="zh-CN" b="0" dirty="0">
+                <a:effectLst/>
+                <a:latin typeface="Consolas" panose="020B0609020204030204" pitchFamily="49" charset="0"/>
+              </a:rPr>
+              <a:t>async </a:t>
+            </a:r>
+            <a:r>
+              <a:rPr lang="en-US" altLang="zh-CN" b="0" dirty="0" err="1">
+                <a:effectLst/>
+                <a:latin typeface="Consolas" panose="020B0609020204030204" pitchFamily="49" charset="0"/>
+              </a:rPr>
+              <a:t>awiat</a:t>
+            </a:r>
+            <a:endParaRPr lang="en-US" altLang="zh-CN" b="0" dirty="0">
+              <a:effectLst/>
+              <a:latin typeface="Consolas" panose="020B0609020204030204" pitchFamily="49" charset="0"/>
+            </a:endParaRPr>
+          </a:p>
+        </p:txBody>
+      </p:sp>
+      <p:sp>
+        <p:nvSpPr>
+          <p:cNvPr id="4" name="文本框 3">
+            <a:extLst>
+              <a:ext uri="{FF2B5EF4-FFF2-40B4-BE49-F238E27FC236}">
+                <a16:creationId xmlns:a16="http://schemas.microsoft.com/office/drawing/2014/main" id="{897C741F-C191-4106-9FDA-35D0EE688231}"/>
+              </a:ext>
+            </a:extLst>
+          </p:cNvPr>
+          <p:cNvSpPr txBox="1"/>
+          <p:nvPr/>
+        </p:nvSpPr>
+        <p:spPr>
+          <a:xfrm>
+            <a:off x="838200" y="1582616"/>
+            <a:ext cx="4753708" cy="3416320"/>
+          </a:xfrm>
+          <a:prstGeom prst="rect">
+            <a:avLst/>
+          </a:prstGeom>
+          <a:noFill/>
+        </p:spPr>
+        <p:txBody>
+          <a:bodyPr wrap="square" rtlCol="0">
+            <a:spAutoFit/>
+          </a:bodyPr>
+          <a:lstStyle/>
+          <a:p>
+            <a:r>
+              <a:rPr lang="zh-CN" altLang="en-US">
+                <a:solidFill>
+                  <a:srgbClr val="DCDCAA"/>
+                </a:solidFill>
+                <a:latin typeface="Consolas" panose="020B0609020204030204" pitchFamily="49" charset="0"/>
+              </a:rPr>
+              <a:t>错误</a:t>
+            </a:r>
+            <a:r>
+              <a:rPr lang="zh-CN" altLang="en-US" dirty="0">
+                <a:solidFill>
+                  <a:srgbClr val="DCDCAA"/>
+                </a:solidFill>
+                <a:latin typeface="Consolas" panose="020B0609020204030204" pitchFamily="49" charset="0"/>
+              </a:rPr>
+              <a:t>写法：</a:t>
+            </a:r>
+            <a:endParaRPr lang="en-US" altLang="zh-CN" b="0" dirty="0">
+              <a:solidFill>
+                <a:srgbClr val="DCDCAA"/>
+              </a:solidFill>
+              <a:effectLst/>
+              <a:latin typeface="Consolas" panose="020B0609020204030204" pitchFamily="49" charset="0"/>
+            </a:endParaRPr>
+          </a:p>
+          <a:p>
+            <a:r>
+              <a:rPr lang="en-US" altLang="zh-CN" b="0" dirty="0">
+                <a:solidFill>
+                  <a:srgbClr val="DCDCAA"/>
+                </a:solidFill>
+                <a:effectLst/>
+                <a:latin typeface="Consolas" panose="020B0609020204030204" pitchFamily="49" charset="0"/>
+              </a:rPr>
+              <a:t>test</a:t>
+            </a:r>
+            <a:r>
+              <a:rPr lang="en-US" altLang="zh-CN" b="0" dirty="0">
+                <a:solidFill>
+                  <a:srgbClr val="D4D4D4"/>
+                </a:solidFill>
+                <a:effectLst/>
+                <a:latin typeface="Consolas" panose="020B0609020204030204" pitchFamily="49" charset="0"/>
+              </a:rPr>
+              <a:t>(</a:t>
+            </a:r>
+            <a:r>
+              <a:rPr lang="en-US" altLang="zh-CN" b="0" dirty="0">
+                <a:solidFill>
+                  <a:srgbClr val="CE9178"/>
+                </a:solidFill>
+                <a:effectLst/>
+                <a:latin typeface="Consolas" panose="020B0609020204030204" pitchFamily="49" charset="0"/>
+              </a:rPr>
+              <a:t>'</a:t>
+            </a:r>
+            <a:r>
+              <a:rPr lang="zh-CN" altLang="en-US" b="0" dirty="0">
+                <a:solidFill>
+                  <a:srgbClr val="CE9178"/>
+                </a:solidFill>
+                <a:effectLst/>
+                <a:latin typeface="Consolas" panose="020B0609020204030204" pitchFamily="49" charset="0"/>
+              </a:rPr>
+              <a:t>测试 </a:t>
+            </a:r>
+            <a:r>
+              <a:rPr lang="en-US" altLang="zh-CN" b="0" dirty="0">
+                <a:solidFill>
+                  <a:srgbClr val="CE9178"/>
+                </a:solidFill>
+                <a:effectLst/>
+                <a:latin typeface="Consolas" panose="020B0609020204030204" pitchFamily="49" charset="0"/>
+              </a:rPr>
+              <a:t>featchData1'</a:t>
+            </a:r>
+            <a:r>
+              <a:rPr lang="en-US" altLang="zh-CN" b="0" dirty="0">
+                <a:solidFill>
+                  <a:srgbClr val="D4D4D4"/>
+                </a:solidFill>
+                <a:effectLst/>
+                <a:latin typeface="Consolas" panose="020B0609020204030204" pitchFamily="49" charset="0"/>
+              </a:rPr>
+              <a:t>, () </a:t>
+            </a:r>
+            <a:r>
+              <a:rPr lang="en-US" altLang="zh-CN" b="0" dirty="0">
+                <a:solidFill>
+                  <a:srgbClr val="569CD6"/>
+                </a:solidFill>
+                <a:effectLst/>
+                <a:latin typeface="Consolas" panose="020B0609020204030204" pitchFamily="49" charset="0"/>
+              </a:rPr>
+              <a:t>=&gt;</a:t>
+            </a:r>
+            <a:r>
+              <a:rPr lang="en-US" altLang="zh-CN" b="0" dirty="0">
+                <a:solidFill>
+                  <a:srgbClr val="D4D4D4"/>
+                </a:solidFill>
+                <a:effectLst/>
+                <a:latin typeface="Consolas" panose="020B0609020204030204" pitchFamily="49" charset="0"/>
+              </a:rPr>
+              <a:t> {</a:t>
+            </a:r>
+          </a:p>
+          <a:p>
+            <a:pPr lvl="1"/>
+            <a:r>
+              <a:rPr lang="en-US" altLang="zh-CN" b="0" dirty="0">
+                <a:solidFill>
+                  <a:srgbClr val="DCDCAA"/>
+                </a:solidFill>
+                <a:effectLst/>
+                <a:latin typeface="Consolas" panose="020B0609020204030204" pitchFamily="49" charset="0"/>
+              </a:rPr>
+              <a:t>featchData1</a:t>
+            </a:r>
+            <a:r>
+              <a:rPr lang="en-US" altLang="zh-CN" b="0" dirty="0">
+                <a:solidFill>
+                  <a:srgbClr val="D4D4D4"/>
+                </a:solidFill>
+                <a:effectLst/>
+                <a:latin typeface="Consolas" panose="020B0609020204030204" pitchFamily="49" charset="0"/>
+              </a:rPr>
+              <a:t>((</a:t>
+            </a:r>
+            <a:r>
+              <a:rPr lang="en-US" altLang="zh-CN" b="0" dirty="0">
+                <a:solidFill>
+                  <a:srgbClr val="9CDCFE"/>
+                </a:solidFill>
+                <a:effectLst/>
+                <a:latin typeface="Consolas" panose="020B0609020204030204" pitchFamily="49" charset="0"/>
+              </a:rPr>
+              <a:t>data</a:t>
+            </a:r>
+            <a:r>
+              <a:rPr lang="en-US" altLang="zh-CN" b="0" dirty="0">
+                <a:solidFill>
+                  <a:srgbClr val="D4D4D4"/>
+                </a:solidFill>
+                <a:effectLst/>
+                <a:latin typeface="Consolas" panose="020B0609020204030204" pitchFamily="49" charset="0"/>
+              </a:rPr>
+              <a:t>) </a:t>
+            </a:r>
+            <a:r>
+              <a:rPr lang="en-US" altLang="zh-CN" b="0" dirty="0">
+                <a:solidFill>
+                  <a:srgbClr val="569CD6"/>
+                </a:solidFill>
+                <a:effectLst/>
+                <a:latin typeface="Consolas" panose="020B0609020204030204" pitchFamily="49" charset="0"/>
+              </a:rPr>
+              <a:t>=&gt;</a:t>
+            </a:r>
+            <a:r>
+              <a:rPr lang="en-US" altLang="zh-CN" b="0" dirty="0">
+                <a:solidFill>
+                  <a:srgbClr val="D4D4D4"/>
+                </a:solidFill>
+                <a:effectLst/>
+                <a:latin typeface="Consolas" panose="020B0609020204030204" pitchFamily="49" charset="0"/>
+              </a:rPr>
+              <a:t> {</a:t>
+            </a:r>
+          </a:p>
+          <a:p>
+            <a:pPr lvl="2"/>
+            <a:r>
+              <a:rPr lang="en-US" altLang="zh-CN" b="0" dirty="0">
+                <a:solidFill>
+                  <a:srgbClr val="6A9955"/>
+                </a:solidFill>
+                <a:effectLst/>
+                <a:latin typeface="Consolas" panose="020B0609020204030204" pitchFamily="49" charset="0"/>
+              </a:rPr>
+              <a:t>//</a:t>
+            </a:r>
+            <a:r>
+              <a:rPr lang="zh-CN" altLang="en-US" b="0" dirty="0">
+                <a:solidFill>
+                  <a:srgbClr val="6A9955"/>
+                </a:solidFill>
+                <a:effectLst/>
+                <a:latin typeface="Consolas" panose="020B0609020204030204" pitchFamily="49" charset="0"/>
+              </a:rPr>
+              <a:t>测试</a:t>
+            </a:r>
+            <a:r>
+              <a:rPr lang="en-US" altLang="zh-CN" b="0" dirty="0">
+                <a:solidFill>
+                  <a:srgbClr val="6A9955"/>
+                </a:solidFill>
+                <a:effectLst/>
+                <a:latin typeface="Consolas" panose="020B0609020204030204" pitchFamily="49" charset="0"/>
+              </a:rPr>
+              <a:t>data</a:t>
+            </a:r>
+            <a:r>
+              <a:rPr lang="zh-CN" altLang="en-US" b="0" dirty="0">
+                <a:solidFill>
+                  <a:srgbClr val="6A9955"/>
+                </a:solidFill>
+                <a:effectLst/>
+                <a:latin typeface="Consolas" panose="020B0609020204030204" pitchFamily="49" charset="0"/>
+              </a:rPr>
+              <a:t>中是否包含</a:t>
+            </a:r>
+            <a:r>
+              <a:rPr lang="en-US" altLang="zh-CN" b="0" dirty="0">
+                <a:solidFill>
+                  <a:srgbClr val="6A9955"/>
+                </a:solidFill>
+                <a:effectLst/>
+                <a:latin typeface="Consolas" panose="020B0609020204030204" pitchFamily="49" charset="0"/>
+              </a:rPr>
+              <a:t>code: 200</a:t>
+            </a:r>
+            <a:endParaRPr lang="en-US" altLang="zh-CN" b="0" dirty="0">
+              <a:solidFill>
+                <a:srgbClr val="D4D4D4"/>
+              </a:solidFill>
+              <a:effectLst/>
+              <a:latin typeface="Consolas" panose="020B0609020204030204" pitchFamily="49" charset="0"/>
+            </a:endParaRPr>
+          </a:p>
+          <a:p>
+            <a:pPr lvl="2"/>
+            <a:r>
+              <a:rPr lang="en-US" altLang="zh-CN" b="0" dirty="0">
+                <a:solidFill>
+                  <a:srgbClr val="DCDCAA"/>
+                </a:solidFill>
+                <a:effectLst/>
+                <a:latin typeface="Consolas" panose="020B0609020204030204" pitchFamily="49" charset="0"/>
+              </a:rPr>
+              <a:t>expect</a:t>
+            </a:r>
+            <a:r>
+              <a:rPr lang="en-US" altLang="zh-CN" b="0" dirty="0">
+                <a:solidFill>
+                  <a:srgbClr val="D4D4D4"/>
+                </a:solidFill>
+                <a:effectLst/>
+                <a:latin typeface="Consolas" panose="020B0609020204030204" pitchFamily="49" charset="0"/>
+              </a:rPr>
+              <a:t>(</a:t>
+            </a:r>
+            <a:r>
+              <a:rPr lang="en-US" altLang="zh-CN" b="0" dirty="0">
+                <a:solidFill>
+                  <a:srgbClr val="9CDCFE"/>
+                </a:solidFill>
+                <a:effectLst/>
+                <a:latin typeface="Consolas" panose="020B0609020204030204" pitchFamily="49" charset="0"/>
+              </a:rPr>
+              <a:t>data</a:t>
+            </a:r>
+            <a:r>
+              <a:rPr lang="en-US" altLang="zh-CN" b="0" dirty="0">
+                <a:solidFill>
+                  <a:srgbClr val="D4D4D4"/>
+                </a:solidFill>
+                <a:effectLst/>
+                <a:latin typeface="Consolas" panose="020B0609020204030204" pitchFamily="49" charset="0"/>
+              </a:rPr>
+              <a:t>).</a:t>
+            </a:r>
+            <a:r>
+              <a:rPr lang="en-US" altLang="zh-CN" b="0" dirty="0" err="1">
+                <a:solidFill>
+                  <a:srgbClr val="DCDCAA"/>
+                </a:solidFill>
+                <a:effectLst/>
+                <a:latin typeface="Consolas" panose="020B0609020204030204" pitchFamily="49" charset="0"/>
+              </a:rPr>
+              <a:t>toMatchObject</a:t>
+            </a:r>
+            <a:r>
+              <a:rPr lang="en-US" altLang="zh-CN" b="0" dirty="0">
+                <a:solidFill>
+                  <a:srgbClr val="D4D4D4"/>
+                </a:solidFill>
+                <a:effectLst/>
+                <a:latin typeface="Consolas" panose="020B0609020204030204" pitchFamily="49" charset="0"/>
+              </a:rPr>
+              <a:t>({</a:t>
+            </a:r>
+          </a:p>
+          <a:p>
+            <a:pPr lvl="2"/>
+            <a:r>
+              <a:rPr lang="en-US" altLang="zh-CN" b="0" dirty="0">
+                <a:solidFill>
+                  <a:srgbClr val="9CDCFE"/>
+                </a:solidFill>
+                <a:effectLst/>
+                <a:latin typeface="Consolas" panose="020B0609020204030204" pitchFamily="49" charset="0"/>
+              </a:rPr>
+              <a:t>	code:</a:t>
+            </a:r>
+            <a:r>
+              <a:rPr lang="en-US" altLang="zh-CN" b="0" dirty="0">
+                <a:solidFill>
+                  <a:srgbClr val="D4D4D4"/>
+                </a:solidFill>
+                <a:effectLst/>
+                <a:latin typeface="Consolas" panose="020B0609020204030204" pitchFamily="49" charset="0"/>
+              </a:rPr>
+              <a:t> </a:t>
+            </a:r>
+            <a:r>
+              <a:rPr lang="en-US" altLang="zh-CN" b="0" dirty="0">
+                <a:solidFill>
+                  <a:srgbClr val="B5CEA8"/>
+                </a:solidFill>
+                <a:effectLst/>
+                <a:latin typeface="Consolas" panose="020B0609020204030204" pitchFamily="49" charset="0"/>
+              </a:rPr>
+              <a:t>200</a:t>
+            </a:r>
+            <a:endParaRPr lang="en-US" altLang="zh-CN" b="0" dirty="0">
+              <a:solidFill>
+                <a:srgbClr val="D4D4D4"/>
+              </a:solidFill>
+              <a:effectLst/>
+              <a:latin typeface="Consolas" panose="020B0609020204030204" pitchFamily="49" charset="0"/>
+            </a:endParaRPr>
+          </a:p>
+          <a:p>
+            <a:pPr lvl="2"/>
+            <a:r>
+              <a:rPr lang="en-US" altLang="zh-CN" b="0" dirty="0">
+                <a:solidFill>
+                  <a:srgbClr val="D4D4D4"/>
+                </a:solidFill>
+                <a:effectLst/>
+                <a:latin typeface="Consolas" panose="020B0609020204030204" pitchFamily="49" charset="0"/>
+              </a:rPr>
+              <a:t>})</a:t>
+            </a:r>
+          </a:p>
+          <a:p>
+            <a:r>
+              <a:rPr lang="en-US" altLang="zh-CN" b="0" dirty="0">
+                <a:solidFill>
+                  <a:srgbClr val="D4D4D4"/>
+                </a:solidFill>
+                <a:effectLst/>
+                <a:latin typeface="Consolas" panose="020B0609020204030204" pitchFamily="49" charset="0"/>
+              </a:rPr>
+              <a:t>	})</a:t>
+            </a:r>
+          </a:p>
+          <a:p>
+            <a:r>
+              <a:rPr lang="en-US" altLang="zh-CN" b="0" dirty="0">
+                <a:solidFill>
+                  <a:srgbClr val="D4D4D4"/>
+                </a:solidFill>
+                <a:effectLst/>
+                <a:latin typeface="Consolas" panose="020B0609020204030204" pitchFamily="49" charset="0"/>
+              </a:rPr>
+              <a:t>})</a:t>
+            </a:r>
+          </a:p>
+          <a:p>
+            <a:endParaRPr lang="en-US" altLang="zh-CN" dirty="0"/>
+          </a:p>
+          <a:p>
+            <a:r>
+              <a:rPr lang="zh-CN" altLang="en-US" dirty="0"/>
+              <a:t>直接这样写，测试用例会直接通过，不会等待请求结束，因此会得到错误的测试结果</a:t>
+            </a:r>
+          </a:p>
+        </p:txBody>
+      </p:sp>
+      <p:sp>
+        <p:nvSpPr>
+          <p:cNvPr id="5" name="文本框 4">
+            <a:extLst>
+              <a:ext uri="{FF2B5EF4-FFF2-40B4-BE49-F238E27FC236}">
+                <a16:creationId xmlns:a16="http://schemas.microsoft.com/office/drawing/2014/main" id="{F234CC7C-E01E-4AD9-9C0B-D62042D562B9}"/>
+              </a:ext>
+            </a:extLst>
+          </p:cNvPr>
+          <p:cNvSpPr txBox="1"/>
+          <p:nvPr/>
+        </p:nvSpPr>
+        <p:spPr>
+          <a:xfrm>
+            <a:off x="1019908" y="5673969"/>
+            <a:ext cx="10156948" cy="646331"/>
+          </a:xfrm>
+          <a:prstGeom prst="rect">
+            <a:avLst/>
+          </a:prstGeom>
+          <a:noFill/>
+        </p:spPr>
+        <p:txBody>
+          <a:bodyPr wrap="none" rtlCol="0">
+            <a:spAutoFit/>
+          </a:bodyPr>
+          <a:lstStyle/>
+          <a:p>
+            <a:r>
               <a:rPr lang="en-US" altLang="zh-CN" dirty="0"/>
-              <a:t>1. </a:t>
-            </a:r>
-            <a:endParaRPr lang="zh-CN" altLang="en-US" dirty="0"/>
+              <a:t>Tips</a:t>
+            </a:r>
+            <a:r>
+              <a:rPr lang="zh-CN" altLang="en-US" dirty="0"/>
+              <a:t>：在测试请求错误时，如果请求是正确的，那么就不会执行到</a:t>
+            </a:r>
+            <a:r>
+              <a:rPr lang="en-US" altLang="zh-CN" dirty="0"/>
+              <a:t>catch</a:t>
+            </a:r>
+            <a:r>
+              <a:rPr lang="zh-CN" altLang="en-US" dirty="0"/>
+              <a:t>错误的程序中，</a:t>
+            </a:r>
+            <a:r>
+              <a:rPr lang="en-US" altLang="zh-CN" dirty="0"/>
+              <a:t>jest</a:t>
+            </a:r>
+            <a:r>
+              <a:rPr lang="zh-CN" altLang="en-US" dirty="0"/>
+              <a:t>提供了</a:t>
+            </a:r>
+            <a:endParaRPr lang="en-US" altLang="zh-CN" dirty="0"/>
+          </a:p>
+          <a:p>
+            <a:r>
+              <a:rPr lang="en-US" altLang="zh-CN" b="0" dirty="0" err="1">
+                <a:solidFill>
+                  <a:srgbClr val="9CDCFE"/>
+                </a:solidFill>
+                <a:effectLst/>
+                <a:latin typeface="Consolas" panose="020B0609020204030204" pitchFamily="49" charset="0"/>
+              </a:rPr>
+              <a:t>expect</a:t>
+            </a:r>
+            <a:r>
+              <a:rPr lang="en-US" altLang="zh-CN" b="0" dirty="0" err="1">
+                <a:solidFill>
+                  <a:srgbClr val="D4D4D4"/>
+                </a:solidFill>
+                <a:effectLst/>
+                <a:latin typeface="Consolas" panose="020B0609020204030204" pitchFamily="49" charset="0"/>
+              </a:rPr>
+              <a:t>.</a:t>
+            </a:r>
+            <a:r>
+              <a:rPr lang="en-US" altLang="zh-CN" b="0" dirty="0" err="1">
+                <a:solidFill>
+                  <a:srgbClr val="DCDCAA"/>
+                </a:solidFill>
+                <a:effectLst/>
+                <a:latin typeface="Consolas" panose="020B0609020204030204" pitchFamily="49" charset="0"/>
+              </a:rPr>
+              <a:t>assertions</a:t>
+            </a:r>
+            <a:r>
+              <a:rPr lang="en-US" altLang="zh-CN" b="0" dirty="0">
+                <a:solidFill>
+                  <a:srgbClr val="D4D4D4"/>
+                </a:solidFill>
+                <a:effectLst/>
+                <a:latin typeface="Consolas" panose="020B0609020204030204" pitchFamily="49" charset="0"/>
+              </a:rPr>
+              <a:t>(</a:t>
+            </a:r>
+            <a:r>
+              <a:rPr lang="en-US" altLang="zh-CN" b="0" dirty="0">
+                <a:solidFill>
+                  <a:srgbClr val="B5CEA8"/>
+                </a:solidFill>
+                <a:effectLst/>
+                <a:latin typeface="Consolas" panose="020B0609020204030204" pitchFamily="49" charset="0"/>
+              </a:rPr>
+              <a:t>1</a:t>
+            </a:r>
+            <a:r>
+              <a:rPr lang="en-US" altLang="zh-CN" b="0" dirty="0">
+                <a:solidFill>
+                  <a:srgbClr val="D4D4D4"/>
+                </a:solidFill>
+                <a:effectLst/>
+                <a:latin typeface="Consolas" panose="020B0609020204030204" pitchFamily="49" charset="0"/>
+              </a:rPr>
+              <a:t>)</a:t>
+            </a:r>
+            <a:r>
+              <a:rPr lang="zh-CN" altLang="en-US" b="0" dirty="0">
+                <a:solidFill>
+                  <a:srgbClr val="D4D4D4"/>
+                </a:solidFill>
+                <a:effectLst/>
+                <a:latin typeface="Consolas" panose="020B0609020204030204" pitchFamily="49" charset="0"/>
+              </a:rPr>
+              <a:t> </a:t>
+            </a:r>
+            <a:r>
+              <a:rPr lang="zh-CN" altLang="en-US" dirty="0"/>
+              <a:t>来确保只能执行一次断言</a:t>
+            </a:r>
+            <a:endParaRPr lang="en-US" altLang="zh-CN" dirty="0"/>
           </a:p>
         </p:txBody>
       </p:sp>
@@ -6922,6 +7885,241 @@
 </file>
 
 <file path=ppt/slides/slide12.xml><?xml version="1.0" encoding="utf-8"?>
+<p:sld xmlns:a="http://schemas.openxmlformats.org/drawingml/2006/main" xmlns:r="http://schemas.openxmlformats.org/officeDocument/2006/relationships" xmlns:p="http://schemas.openxmlformats.org/presentationml/2006/main">
+  <p:cSld>
+    <p:spTree>
+      <p:nvGrpSpPr>
+        <p:cNvPr id="1" name=""/>
+        <p:cNvGrpSpPr/>
+        <p:nvPr/>
+      </p:nvGrpSpPr>
+      <p:grpSpPr>
+        <a:xfrm>
+          <a:off x="0" y="0"/>
+          <a:ext cx="0" cy="0"/>
+          <a:chOff x="0" y="0"/>
+          <a:chExt cx="0" cy="0"/>
+        </a:xfrm>
+      </p:grpSpPr>
+      <p:sp>
+        <p:nvSpPr>
+          <p:cNvPr id="2" name="标题 1">
+            <a:extLst>
+              <a:ext uri="{FF2B5EF4-FFF2-40B4-BE49-F238E27FC236}">
+                <a16:creationId xmlns:a16="http://schemas.microsoft.com/office/drawing/2014/main" id="{452C430A-1319-437B-B8C7-248836839F6D}"/>
+              </a:ext>
+            </a:extLst>
+          </p:cNvPr>
+          <p:cNvSpPr>
+            <a:spLocks noGrp="1"/>
+          </p:cNvSpPr>
+          <p:nvPr>
+            <p:ph type="title"/>
+          </p:nvPr>
+        </p:nvSpPr>
+        <p:spPr>
+          <a:xfrm>
+            <a:off x="838200" y="365126"/>
+            <a:ext cx="10515600" cy="774562"/>
+          </a:xfrm>
+        </p:spPr>
+        <p:txBody>
+          <a:bodyPr/>
+          <a:lstStyle/>
+          <a:p>
+            <a:r>
+              <a:rPr lang="zh-CN" altLang="en-US" dirty="0"/>
+              <a:t>其他功能介绍</a:t>
+            </a:r>
+          </a:p>
+        </p:txBody>
+      </p:sp>
+      <p:sp>
+        <p:nvSpPr>
+          <p:cNvPr id="3" name="内容占位符 2">
+            <a:extLst>
+              <a:ext uri="{FF2B5EF4-FFF2-40B4-BE49-F238E27FC236}">
+                <a16:creationId xmlns:a16="http://schemas.microsoft.com/office/drawing/2014/main" id="{316FC422-B27E-4F62-836F-CBE3F81E2893}"/>
+              </a:ext>
+            </a:extLst>
+          </p:cNvPr>
+          <p:cNvSpPr>
+            <a:spLocks noGrp="1"/>
+          </p:cNvSpPr>
+          <p:nvPr>
+            <p:ph idx="1"/>
+          </p:nvPr>
+        </p:nvSpPr>
+        <p:spPr>
+          <a:xfrm>
+            <a:off x="838200" y="1348547"/>
+            <a:ext cx="10087708" cy="3071053"/>
+          </a:xfrm>
+        </p:spPr>
+        <p:txBody>
+          <a:bodyPr>
+            <a:normAutofit lnSpcReduction="10000"/>
+          </a:bodyPr>
+          <a:lstStyle/>
+          <a:p>
+            <a:pPr>
+              <a:lnSpc>
+                <a:spcPct val="200000"/>
+              </a:lnSpc>
+            </a:pPr>
+            <a:r>
+              <a:rPr lang="en-US" altLang="zh-CN" dirty="0">
+                <a:latin typeface="微软雅黑" panose="020B0503020204020204" pitchFamily="34" charset="-122"/>
+                <a:ea typeface="微软雅黑" panose="020B0503020204020204" pitchFamily="34" charset="-122"/>
+              </a:rPr>
+              <a:t>scripts </a:t>
+            </a:r>
+            <a:r>
+              <a:rPr lang="zh-CN" altLang="en-US" dirty="0">
+                <a:latin typeface="微软雅黑" panose="020B0503020204020204" pitchFamily="34" charset="-122"/>
+                <a:ea typeface="微软雅黑" panose="020B0503020204020204" pitchFamily="34" charset="-122"/>
+              </a:rPr>
+              <a:t>命令 中 使用 </a:t>
+            </a:r>
+            <a:r>
+              <a:rPr lang="en-US" altLang="zh-CN" dirty="0">
+                <a:latin typeface="微软雅黑" panose="020B0503020204020204" pitchFamily="34" charset="-122"/>
+                <a:ea typeface="微软雅黑" panose="020B0503020204020204" pitchFamily="34" charset="-122"/>
+              </a:rPr>
+              <a:t>jest  --watch </a:t>
+            </a:r>
+            <a:r>
+              <a:rPr lang="zh-CN" altLang="en-US" dirty="0">
+                <a:latin typeface="微软雅黑" panose="020B0503020204020204" pitchFamily="34" charset="-122"/>
+                <a:ea typeface="微软雅黑" panose="020B0503020204020204" pitchFamily="34" charset="-122"/>
+              </a:rPr>
+              <a:t>，可以监控所有文件变化，文件更改就可以自动重新测试</a:t>
+            </a:r>
+            <a:endParaRPr lang="en-US" altLang="zh-CN" dirty="0">
+              <a:latin typeface="微软雅黑" panose="020B0503020204020204" pitchFamily="34" charset="-122"/>
+              <a:ea typeface="微软雅黑" panose="020B0503020204020204" pitchFamily="34" charset="-122"/>
+            </a:endParaRPr>
+          </a:p>
+          <a:p>
+            <a:pPr>
+              <a:lnSpc>
+                <a:spcPct val="200000"/>
+              </a:lnSpc>
+            </a:pPr>
+            <a:r>
+              <a:rPr lang="zh-CN" altLang="en-US" dirty="0">
+                <a:latin typeface="微软雅黑" panose="020B0503020204020204" pitchFamily="34" charset="-122"/>
+                <a:ea typeface="微软雅黑" panose="020B0503020204020204" pitchFamily="34" charset="-122"/>
+              </a:rPr>
+              <a:t>使用 </a:t>
+            </a:r>
+            <a:r>
+              <a:rPr lang="en-US" altLang="zh-CN" dirty="0">
+                <a:latin typeface="微软雅黑" panose="020B0503020204020204" pitchFamily="34" charset="-122"/>
+                <a:ea typeface="微软雅黑" panose="020B0503020204020204" pitchFamily="34" charset="-122"/>
+              </a:rPr>
+              <a:t>jest –</a:t>
+            </a:r>
+            <a:r>
+              <a:rPr lang="en-US" altLang="zh-CN" dirty="0" err="1">
+                <a:latin typeface="微软雅黑" panose="020B0503020204020204" pitchFamily="34" charset="-122"/>
+                <a:ea typeface="微软雅黑" panose="020B0503020204020204" pitchFamily="34" charset="-122"/>
+              </a:rPr>
+              <a:t>init</a:t>
+            </a:r>
+            <a:r>
+              <a:rPr lang="zh-CN" altLang="en-US" dirty="0">
+                <a:latin typeface="微软雅黑" panose="020B0503020204020204" pitchFamily="34" charset="-122"/>
+                <a:ea typeface="微软雅黑" panose="020B0503020204020204" pitchFamily="34" charset="-122"/>
+              </a:rPr>
+              <a:t>可以生成一个基础的</a:t>
+            </a:r>
+            <a:r>
+              <a:rPr lang="en-US" altLang="zh-CN" dirty="0">
+                <a:latin typeface="微软雅黑" panose="020B0503020204020204" pitchFamily="34" charset="-122"/>
+                <a:ea typeface="微软雅黑" panose="020B0503020204020204" pitchFamily="34" charset="-122"/>
+              </a:rPr>
+              <a:t>jest </a:t>
+            </a:r>
+            <a:r>
+              <a:rPr lang="zh-CN" altLang="en-US" dirty="0">
+                <a:latin typeface="微软雅黑" panose="020B0503020204020204" pitchFamily="34" charset="-122"/>
+                <a:ea typeface="微软雅黑" panose="020B0503020204020204" pitchFamily="34" charset="-122"/>
+              </a:rPr>
+              <a:t>配置文件</a:t>
+            </a:r>
+            <a:endParaRPr lang="en-US" altLang="zh-CN" dirty="0">
+              <a:latin typeface="微软雅黑" panose="020B0503020204020204" pitchFamily="34" charset="-122"/>
+              <a:ea typeface="微软雅黑" panose="020B0503020204020204" pitchFamily="34" charset="-122"/>
+            </a:endParaRPr>
+          </a:p>
+          <a:p>
+            <a:pPr>
+              <a:lnSpc>
+                <a:spcPct val="200000"/>
+              </a:lnSpc>
+            </a:pPr>
+            <a:r>
+              <a:rPr lang="en-US" altLang="zh-CN" dirty="0">
+                <a:latin typeface="微软雅黑" panose="020B0503020204020204" pitchFamily="34" charset="-122"/>
+                <a:ea typeface="微软雅黑" panose="020B0503020204020204" pitchFamily="34" charset="-122"/>
+              </a:rPr>
+              <a:t>–coverage </a:t>
+            </a:r>
+            <a:r>
+              <a:rPr lang="zh-CN" altLang="en-US" dirty="0">
+                <a:latin typeface="微软雅黑" panose="020B0503020204020204" pitchFamily="34" charset="-122"/>
+                <a:ea typeface="微软雅黑" panose="020B0503020204020204" pitchFamily="34" charset="-122"/>
+              </a:rPr>
+              <a:t>可将测试覆盖率信息输出为报告，会生成测试覆盖率的详细信息</a:t>
+            </a:r>
+            <a:endParaRPr lang="en-US" altLang="zh-CN" dirty="0">
+              <a:latin typeface="微软雅黑" panose="020B0503020204020204" pitchFamily="34" charset="-122"/>
+              <a:ea typeface="微软雅黑" panose="020B0503020204020204" pitchFamily="34" charset="-122"/>
+            </a:endParaRPr>
+          </a:p>
+          <a:p>
+            <a:pPr marL="0" indent="0">
+              <a:buNone/>
+            </a:pPr>
+            <a:r>
+              <a:rPr lang="en-US" altLang="zh-CN" dirty="0">
+                <a:solidFill>
+                  <a:srgbClr val="111111"/>
+                </a:solidFill>
+                <a:latin typeface="Courier New" panose="02070309020205020404" pitchFamily="49" charset="0"/>
+              </a:rPr>
+              <a:t>	</a:t>
+            </a:r>
+            <a:endParaRPr lang="en-US" altLang="zh-CN" dirty="0">
+              <a:solidFill>
+                <a:srgbClr val="353535"/>
+              </a:solidFill>
+              <a:latin typeface="-apple-system"/>
+            </a:endParaRPr>
+          </a:p>
+          <a:p>
+            <a:pPr marL="0" indent="0">
+              <a:buNone/>
+            </a:pPr>
+            <a:endParaRPr lang="en-US" altLang="zh-CN" dirty="0"/>
+          </a:p>
+        </p:txBody>
+      </p:sp>
+    </p:spTree>
+    <p:extLst>
+      <p:ext uri="{BB962C8B-B14F-4D97-AF65-F5344CB8AC3E}">
+        <p14:creationId xmlns:p14="http://schemas.microsoft.com/office/powerpoint/2010/main" val="2311333505"/>
+      </p:ext>
+    </p:extLst>
+  </p:cSld>
+  <p:clrMapOvr>
+    <a:masterClrMapping/>
+  </p:clrMapOvr>
+</p:sld>
+</file>
+
+<file path=ppt/slides/slide13.xml><?xml version="1.0" encoding="utf-8"?>
 <p:sld xmlns:a="http://schemas.openxmlformats.org/drawingml/2006/main" xmlns:r="http://schemas.openxmlformats.org/officeDocument/2006/relationships" xmlns:p="http://schemas.openxmlformats.org/presentationml/2006/main">
   <p:cSld>
     <p:spTree>
@@ -7285,7 +8483,7 @@
 </p:sld>
 </file>
 
-<file path=ppt/slides/slide13.xml><?xml version="1.0" encoding="utf-8"?>
+<file path=ppt/slides/slide14.xml><?xml version="1.0" encoding="utf-8"?>
 <p:sld xmlns:a="http://schemas.openxmlformats.org/drawingml/2006/main" xmlns:r="http://schemas.openxmlformats.org/officeDocument/2006/relationships" xmlns:p="http://schemas.openxmlformats.org/presentationml/2006/main">
   <p:cSld>
     <p:spTree>
@@ -7593,7 +8791,7 @@
                     <a:p>
                       <a:pPr fontAlgn="ctr" latinLnBrk="0"/>
                       <a:r>
-                        <a:rPr lang="en-US" sz="1200" b="0">
+                        <a:rPr lang="en-US" sz="1200" b="0" dirty="0" err="1">
                           <a:solidFill>
                             <a:srgbClr val="4F4F4F"/>
                           </a:solidFill>
@@ -7601,6 +8799,12 @@
                         </a:rPr>
                         <a:t>webdriver</a:t>
                       </a:r>
+                      <a:endParaRPr lang="en-US" sz="1200" b="0" dirty="0">
+                        <a:solidFill>
+                          <a:srgbClr val="4F4F4F"/>
+                        </a:solidFill>
+                        <a:effectLst/>
+                      </a:endParaRPr>
                     </a:p>
                   </a:txBody>
                   <a:tcPr marL="76200" marR="76200" marT="76200" marB="76200" anchor="ctr"/>
@@ -7777,7 +8981,7 @@
                     <a:p>
                       <a:pPr fontAlgn="ctr" latinLnBrk="0"/>
                       <a:r>
-                        <a:rPr lang="en-US" sz="1200" b="0">
+                        <a:rPr lang="en-US" sz="1200" b="0" dirty="0">
                           <a:solidFill>
                             <a:srgbClr val="4F4F4F"/>
                           </a:solidFill>
@@ -7884,7 +9088,7 @@
                     <a:p>
                       <a:pPr fontAlgn="ctr" latinLnBrk="0"/>
                       <a:r>
-                        <a:rPr lang="en-US" sz="1200" b="0">
+                        <a:rPr lang="en-US" sz="1200" b="0" dirty="0" err="1">
                           <a:solidFill>
                             <a:srgbClr val="4F4F4F"/>
                           </a:solidFill>
@@ -7892,6 +9096,12 @@
                         </a:rPr>
                         <a:t>custom_commands_path</a:t>
                       </a:r>
+                      <a:endParaRPr lang="en-US" sz="1200" b="0" dirty="0">
+                        <a:solidFill>
+                          <a:srgbClr val="4F4F4F"/>
+                        </a:solidFill>
+                        <a:effectLst/>
+                      </a:endParaRPr>
                     </a:p>
                   </a:txBody>
                   <a:tcPr marL="76200" marR="76200" marT="76200" marB="76200" anchor="ctr"/>
@@ -7903,7 +9113,7 @@
                     <a:p>
                       <a:pPr fontAlgn="ctr" latinLnBrk="0"/>
                       <a:r>
-                        <a:rPr lang="en-US" sz="1200" b="0">
+                        <a:rPr lang="en-US" sz="1200" b="0" dirty="0">
                           <a:solidFill>
                             <a:srgbClr val="4F4F4F"/>
                           </a:solidFill>
@@ -7964,7 +9174,7 @@
                     <a:p>
                       <a:pPr fontAlgn="ctr" latinLnBrk="0"/>
                       <a:r>
-                        <a:rPr lang="en-US" sz="1200" b="0">
+                        <a:rPr lang="en-US" sz="1200" b="0" dirty="0" err="1">
                           <a:solidFill>
                             <a:srgbClr val="4F4F4F"/>
                           </a:solidFill>
@@ -7972,6 +9182,12 @@
                         </a:rPr>
                         <a:t>custom_assertions_path</a:t>
                       </a:r>
+                      <a:endParaRPr lang="en-US" sz="1200" b="0" dirty="0">
+                        <a:solidFill>
+                          <a:srgbClr val="4F4F4F"/>
+                        </a:solidFill>
+                        <a:effectLst/>
+                      </a:endParaRPr>
                     </a:p>
                   </a:txBody>
                   <a:tcPr marL="76200" marR="76200" marT="76200" marB="76200" anchor="ctr"/>
@@ -7983,7 +9199,7 @@
                     <a:p>
                       <a:pPr fontAlgn="ctr" latinLnBrk="0"/>
                       <a:r>
-                        <a:rPr lang="en-US" sz="1200" b="0">
+                        <a:rPr lang="en-US" sz="1200" b="0" dirty="0">
                           <a:solidFill>
                             <a:srgbClr val="4F4F4F"/>
                           </a:solidFill>
@@ -8044,7 +9260,7 @@
                     <a:p>
                       <a:pPr fontAlgn="ctr" latinLnBrk="0"/>
                       <a:r>
-                        <a:rPr lang="en-US" sz="1200" b="0">
+                        <a:rPr lang="en-US" sz="1200" b="0" dirty="0" err="1">
                           <a:solidFill>
                             <a:srgbClr val="4F4F4F"/>
                           </a:solidFill>
@@ -8052,6 +9268,12 @@
                         </a:rPr>
                         <a:t>page_objects_path</a:t>
                       </a:r>
+                      <a:endParaRPr lang="en-US" sz="1200" b="0" dirty="0">
+                        <a:solidFill>
+                          <a:srgbClr val="4F4F4F"/>
+                        </a:solidFill>
+                        <a:effectLst/>
+                      </a:endParaRPr>
                     </a:p>
                   </a:txBody>
                   <a:tcPr marL="76200" marR="76200" marT="76200" marB="76200" anchor="ctr"/>
@@ -8063,7 +9285,7 @@
                     <a:p>
                       <a:pPr fontAlgn="ctr" latinLnBrk="0"/>
                       <a:r>
-                        <a:rPr lang="en-US" sz="1200" b="0">
+                        <a:rPr lang="en-US" sz="1200" b="0" dirty="0">
                           <a:solidFill>
                             <a:srgbClr val="4F4F4F"/>
                           </a:solidFill>
@@ -8121,7 +9343,7 @@
                     <a:p>
                       <a:pPr fontAlgn="ctr" latinLnBrk="0"/>
                       <a:r>
-                        <a:rPr lang="en-US" sz="1200" b="0">
+                        <a:rPr lang="en-US" sz="1200" b="0" dirty="0" err="1">
                           <a:solidFill>
                             <a:srgbClr val="4F4F4F"/>
                           </a:solidFill>
@@ -8129,6 +9351,12 @@
                         </a:rPr>
                         <a:t>globals_path</a:t>
                       </a:r>
+                      <a:endParaRPr lang="en-US" sz="1200" b="0" dirty="0">
+                        <a:solidFill>
+                          <a:srgbClr val="4F4F4F"/>
+                        </a:solidFill>
+                        <a:effectLst/>
+                      </a:endParaRPr>
                     </a:p>
                   </a:txBody>
                   <a:tcPr marL="76200" marR="76200" marT="76200" marB="76200" anchor="ctr"/>
@@ -8140,7 +9368,7 @@
                     <a:p>
                       <a:pPr fontAlgn="ctr" latinLnBrk="0"/>
                       <a:r>
-                        <a:rPr lang="en-US" sz="1200" b="0">
+                        <a:rPr lang="en-US" sz="1200" b="0" dirty="0">
                           <a:solidFill>
                             <a:srgbClr val="4F4F4F"/>
                           </a:solidFill>
@@ -8408,23 +9636,6 @@
               </a:rPr>
               <a:t>jest</a:t>
             </a:r>
-          </a:p>
-          <a:p>
-            <a:pPr>
-              <a:lnSpc>
-                <a:spcPts val="2400"/>
-              </a:lnSpc>
-              <a:spcBef>
-                <a:spcPts val="2400"/>
-              </a:spcBef>
-            </a:pPr>
-            <a:r>
-              <a:rPr lang="en-US" altLang="zh-CN" dirty="0">
-                <a:latin typeface="微软雅黑" panose="020B0503020204020204" pitchFamily="34" charset="-122"/>
-                <a:ea typeface="微软雅黑" panose="020B0503020204020204" pitchFamily="34" charset="-122"/>
-              </a:rPr>
-              <a:t>Jest</a:t>
-            </a:r>
             <a:r>
               <a:rPr lang="zh-CN" altLang="en-US" dirty="0">
                 <a:latin typeface="微软雅黑" panose="020B0503020204020204" pitchFamily="34" charset="-122"/>
@@ -9004,7 +10215,7 @@
         </p:nvSpPr>
         <p:spPr>
           <a:xfrm>
-            <a:off x="4851952" y="4055165"/>
+            <a:off x="4851952" y="4053436"/>
             <a:ext cx="2488096" cy="1198286"/>
           </a:xfrm>
           <a:prstGeom prst="roundRect">
@@ -10023,14 +11234,14 @@
             <p:ph idx="1"/>
             <p:extLst>
               <p:ext uri="{D42A27DB-BD31-4B8C-83A1-F6EECF244321}">
-                <p14:modId xmlns:p14="http://schemas.microsoft.com/office/powerpoint/2010/main" val="3944685972"/>
+                <p14:modId xmlns:p14="http://schemas.microsoft.com/office/powerpoint/2010/main" val="4284890397"/>
               </p:ext>
             </p:extLst>
           </p:nvPr>
         </p:nvGraphicFramePr>
         <p:xfrm>
-          <a:off x="838200" y="1605238"/>
-          <a:ext cx="10229020" cy="3647523"/>
+          <a:off x="808892" y="1605238"/>
+          <a:ext cx="10258328" cy="3647523"/>
         </p:xfrm>
         <a:graphic>
           <a:graphicData uri="http://schemas.openxmlformats.org/drawingml/2006/table">
@@ -10039,7 +11250,7 @@
                 <a:tableStyleId>{5C22544A-7EE6-4342-B048-85BDC9FD1C3A}</a:tableStyleId>
               </a:tblPr>
               <a:tblGrid>
-                <a:gridCol w="2045804">
+                <a:gridCol w="2075112">
                   <a:extLst>
                     <a:ext uri="{9D8B030D-6E8A-4147-A177-3AD203B41FA5}">
                       <a16:colId xmlns:a16="http://schemas.microsoft.com/office/drawing/2014/main" val="2240400007"/>
@@ -10226,7 +11437,7 @@
                     <a:lstStyle/>
                     <a:p>
                       <a:r>
-                        <a:rPr lang="en-US"/>
+                        <a:rPr lang="en-US" dirty="0"/>
                         <a:t>Ava</a:t>
                       </a:r>
                     </a:p>
@@ -10298,7 +11509,7 @@
                     <a:lstStyle/>
                     <a:p>
                       <a:r>
-                        <a:rPr lang="en-US"/>
+                        <a:rPr lang="en-US" dirty="0"/>
                         <a:t>Jasmine</a:t>
                       </a:r>
                     </a:p>
@@ -10370,7 +11581,7 @@
                     <a:lstStyle/>
                     <a:p>
                       <a:r>
-                        <a:rPr lang="en-US"/>
+                        <a:rPr lang="en-US" dirty="0"/>
                         <a:t>Jest</a:t>
                       </a:r>
                     </a:p>
@@ -10383,20 +11594,7 @@
                     <a:lstStyle/>
                     <a:p>
                       <a:r>
-                        <a:rPr lang="zh-CN" altLang="en-US"/>
-                        <a:t>默认支持</a:t>
-                      </a:r>
-                    </a:p>
-                  </a:txBody>
-                  <a:tcPr anchor="ctr"/>
-                </a:tc>
-                <a:tc>
-                  <a:txBody>
-                    <a:bodyPr/>
-                    <a:lstStyle/>
-                    <a:p>
-                      <a:r>
-                        <a:rPr lang="zh-CN" altLang="en-US"/>
+                        <a:rPr lang="zh-CN" altLang="en-US" dirty="0"/>
                         <a:t>默认支持</a:t>
                       </a:r>
                     </a:p>
@@ -10422,7 +11620,20 @@
                     <a:lstStyle/>
                     <a:p>
                       <a:r>
-                        <a:rPr lang="zh-CN" altLang="en-US"/>
+                        <a:rPr lang="zh-CN" altLang="en-US" dirty="0"/>
+                        <a:t>默认支持</a:t>
+                      </a:r>
+                    </a:p>
+                  </a:txBody>
+                  <a:tcPr anchor="ctr"/>
+                </a:tc>
+                <a:tc>
+                  <a:txBody>
+                    <a:bodyPr/>
+                    <a:lstStyle/>
+                    <a:p>
+                      <a:r>
+                        <a:rPr lang="zh-CN" altLang="en-US" dirty="0"/>
                         <a:t>友好</a:t>
                       </a:r>
                     </a:p>
@@ -10442,7 +11653,7 @@
                     <a:lstStyle/>
                     <a:p>
                       <a:r>
-                        <a:rPr lang="en-US"/>
+                        <a:rPr lang="en-US" dirty="0"/>
                         <a:t>Karma</a:t>
                       </a:r>
                     </a:p>
@@ -10543,235 +11754,1079 @@
       </p:grpSpPr>
       <p:sp>
         <p:nvSpPr>
-          <p:cNvPr id="2" name="标题 1">
+          <p:cNvPr id="4" name="文本框 3">
             <a:extLst>
               <a:ext uri="{FF2B5EF4-FFF2-40B4-BE49-F238E27FC236}">
-                <a16:creationId xmlns:a16="http://schemas.microsoft.com/office/drawing/2014/main" id="{8D82AA93-8395-4284-84B2-D82C0BA0DFAA}"/>
+                <a16:creationId xmlns:a16="http://schemas.microsoft.com/office/drawing/2014/main" id="{FA8E3916-74BB-40D5-9A63-FDB5144FAE58}"/>
               </a:ext>
             </a:extLst>
           </p:cNvPr>
-          <p:cNvSpPr>
-            <a:spLocks noGrp="1"/>
-          </p:cNvSpPr>
-          <p:nvPr>
-            <p:ph type="title"/>
-          </p:nvPr>
+          <p:cNvSpPr txBox="1"/>
+          <p:nvPr/>
         </p:nvSpPr>
         <p:spPr>
           <a:xfrm>
-            <a:off x="838200" y="365125"/>
-            <a:ext cx="10515600" cy="734805"/>
+            <a:off x="6096000" y="671691"/>
+            <a:ext cx="4994031" cy="5509200"/>
           </a:xfrm>
+          <a:prstGeom prst="rect">
+            <a:avLst/>
+          </a:prstGeom>
+          <a:noFill/>
         </p:spPr>
         <p:txBody>
-          <a:bodyPr/>
+          <a:bodyPr wrap="square" rtlCol="0">
+            <a:spAutoFit/>
+          </a:bodyPr>
           <a:lstStyle/>
           <a:p>
             <a:r>
-              <a:rPr lang="zh-CN" altLang="en-US" dirty="0"/>
-              <a:t>测试库的共同特点</a:t>
-            </a:r>
-          </a:p>
-        </p:txBody>
-      </p:sp>
-      <p:sp>
-        <p:nvSpPr>
-          <p:cNvPr id="3" name="内容占位符 2">
+              <a:rPr lang="zh-CN" altLang="en-US" sz="1600" b="0" i="0" dirty="0">
+                <a:effectLst/>
+                <a:latin typeface="微软雅黑" panose="020B0503020204020204" pitchFamily="34" charset="-122"/>
+                <a:ea typeface="微软雅黑" panose="020B0503020204020204" pitchFamily="34" charset="-122"/>
+              </a:rPr>
+              <a:t>开始使用：</a:t>
+            </a:r>
+            <a:endParaRPr lang="en-US" altLang="zh-CN" sz="1600" b="0" i="0" dirty="0">
+              <a:effectLst/>
+              <a:latin typeface="微软雅黑" panose="020B0503020204020204" pitchFamily="34" charset="-122"/>
+              <a:ea typeface="微软雅黑" panose="020B0503020204020204" pitchFamily="34" charset="-122"/>
+            </a:endParaRPr>
+          </a:p>
+          <a:p>
+            <a:endParaRPr lang="en-US" altLang="zh-CN" sz="1600" b="0" i="0" dirty="0">
+              <a:effectLst/>
+              <a:latin typeface="微软雅黑" panose="020B0503020204020204" pitchFamily="34" charset="-122"/>
+              <a:ea typeface="微软雅黑" panose="020B0503020204020204" pitchFamily="34" charset="-122"/>
+            </a:endParaRPr>
+          </a:p>
+          <a:p>
+            <a:r>
+              <a:rPr lang="en-US" altLang="zh-CN" sz="1600" b="0" i="0" dirty="0" err="1">
+                <a:effectLst/>
+                <a:latin typeface="等线" panose="02010600030101010101" pitchFamily="2" charset="-122"/>
+                <a:ea typeface="等线" panose="02010600030101010101" pitchFamily="2" charset="-122"/>
+              </a:rPr>
+              <a:t>npm</a:t>
+            </a:r>
+            <a:r>
+              <a:rPr lang="en-US" altLang="zh-CN" sz="1600" b="0" i="0" dirty="0">
+                <a:effectLst/>
+                <a:latin typeface="等线" panose="02010600030101010101" pitchFamily="2" charset="-122"/>
+                <a:ea typeface="等线" panose="02010600030101010101" pitchFamily="2" charset="-122"/>
+              </a:rPr>
+              <a:t> install --save-dev jest</a:t>
+            </a:r>
+            <a:r>
+              <a:rPr lang="zh-CN" altLang="en-US" sz="1600" b="0" i="0" dirty="0">
+                <a:effectLst/>
+                <a:latin typeface="微软雅黑" panose="020B0503020204020204" pitchFamily="34" charset="-122"/>
+                <a:ea typeface="微软雅黑" panose="020B0503020204020204" pitchFamily="34" charset="-122"/>
+              </a:rPr>
+              <a:t>，安装模块</a:t>
+            </a:r>
+            <a:endParaRPr lang="en-US" altLang="zh-CN" sz="1600" dirty="0">
+              <a:latin typeface="微软雅黑" panose="020B0503020204020204" pitchFamily="34" charset="-122"/>
+              <a:ea typeface="微软雅黑" panose="020B0503020204020204" pitchFamily="34" charset="-122"/>
+            </a:endParaRPr>
+          </a:p>
+          <a:p>
+            <a:r>
+              <a:rPr lang="en-US" altLang="zh-CN" sz="1600" dirty="0" err="1">
+                <a:latin typeface="等线" panose="02010600030101010101" pitchFamily="2" charset="-122"/>
+                <a:ea typeface="等线" panose="02010600030101010101" pitchFamily="2" charset="-122"/>
+              </a:rPr>
+              <a:t>npm</a:t>
+            </a:r>
+            <a:r>
+              <a:rPr lang="en-US" altLang="zh-CN" sz="1600" dirty="0">
+                <a:latin typeface="等线" panose="02010600030101010101" pitchFamily="2" charset="-122"/>
+                <a:ea typeface="等线" panose="02010600030101010101" pitchFamily="2" charset="-122"/>
+              </a:rPr>
+              <a:t> install --save-dev @babel/core @babel/preset-env 	</a:t>
+            </a:r>
+            <a:r>
+              <a:rPr lang="zh-CN" altLang="en-US" sz="1600" dirty="0">
+                <a:latin typeface="微软雅黑" panose="020B0503020204020204" pitchFamily="34" charset="-122"/>
+                <a:ea typeface="微软雅黑" panose="020B0503020204020204" pitchFamily="34" charset="-122"/>
+              </a:rPr>
+              <a:t>使用</a:t>
+            </a:r>
+            <a:r>
+              <a:rPr lang="en-US" altLang="zh-CN" sz="1600" dirty="0">
+                <a:latin typeface="微软雅黑" panose="020B0503020204020204" pitchFamily="34" charset="-122"/>
+                <a:ea typeface="微软雅黑" panose="020B0503020204020204" pitchFamily="34" charset="-122"/>
+              </a:rPr>
+              <a:t>babel</a:t>
+            </a:r>
+            <a:r>
+              <a:rPr lang="zh-CN" altLang="en-US" sz="1600" dirty="0">
+                <a:latin typeface="微软雅黑" panose="020B0503020204020204" pitchFamily="34" charset="-122"/>
+                <a:ea typeface="微软雅黑" panose="020B0503020204020204" pitchFamily="34" charset="-122"/>
+              </a:rPr>
+              <a:t>让</a:t>
+            </a:r>
+            <a:r>
+              <a:rPr lang="en-US" altLang="zh-CN" sz="1600" dirty="0">
+                <a:latin typeface="微软雅黑" panose="020B0503020204020204" pitchFamily="34" charset="-122"/>
+                <a:ea typeface="微软雅黑" panose="020B0503020204020204" pitchFamily="34" charset="-122"/>
+              </a:rPr>
+              <a:t>jest</a:t>
+            </a:r>
+            <a:r>
+              <a:rPr lang="zh-CN" altLang="en-US" sz="1600" dirty="0">
+                <a:latin typeface="微软雅黑" panose="020B0503020204020204" pitchFamily="34" charset="-122"/>
+                <a:ea typeface="微软雅黑" panose="020B0503020204020204" pitchFamily="34" charset="-122"/>
+              </a:rPr>
+              <a:t>支持</a:t>
+            </a:r>
+            <a:r>
+              <a:rPr lang="en-US" altLang="zh-CN" sz="1600" dirty="0">
+                <a:latin typeface="微软雅黑" panose="020B0503020204020204" pitchFamily="34" charset="-122"/>
+                <a:ea typeface="微软雅黑" panose="020B0503020204020204" pitchFamily="34" charset="-122"/>
+              </a:rPr>
+              <a:t>ES6</a:t>
+            </a:r>
+            <a:r>
+              <a:rPr lang="zh-CN" altLang="en-US" sz="1600" dirty="0">
+                <a:latin typeface="微软雅黑" panose="020B0503020204020204" pitchFamily="34" charset="-122"/>
+                <a:ea typeface="微软雅黑" panose="020B0503020204020204" pitchFamily="34" charset="-122"/>
+              </a:rPr>
+              <a:t>模块导入导出</a:t>
+            </a:r>
+            <a:endParaRPr lang="en-US" altLang="zh-CN" sz="1600" dirty="0">
+              <a:latin typeface="微软雅黑" panose="020B0503020204020204" pitchFamily="34" charset="-122"/>
+              <a:ea typeface="微软雅黑" panose="020B0503020204020204" pitchFamily="34" charset="-122"/>
+            </a:endParaRPr>
+          </a:p>
+          <a:p>
+            <a:endParaRPr lang="en-US" altLang="zh-CN" sz="1600" dirty="0">
+              <a:latin typeface="微软雅黑" panose="020B0503020204020204" pitchFamily="34" charset="-122"/>
+              <a:ea typeface="微软雅黑" panose="020B0503020204020204" pitchFamily="34" charset="-122"/>
+            </a:endParaRPr>
+          </a:p>
+          <a:p>
+            <a:r>
+              <a:rPr lang="zh-CN" altLang="en-US" sz="1600" dirty="0">
+                <a:latin typeface="微软雅黑" panose="020B0503020204020204" pitchFamily="34" charset="-122"/>
+                <a:ea typeface="微软雅黑" panose="020B0503020204020204" pitchFamily="34" charset="-122"/>
+              </a:rPr>
+              <a:t>来看一个最基础的例子</a:t>
+            </a:r>
+            <a:endParaRPr lang="en-US" altLang="zh-CN" sz="1600" dirty="0">
+              <a:latin typeface="微软雅黑" panose="020B0503020204020204" pitchFamily="34" charset="-122"/>
+              <a:ea typeface="微软雅黑" panose="020B0503020204020204" pitchFamily="34" charset="-122"/>
+            </a:endParaRPr>
+          </a:p>
+          <a:p>
+            <a:endParaRPr lang="en-US" altLang="zh-CN" sz="1600" b="1" dirty="0">
+              <a:latin typeface="微软雅黑" panose="020B0503020204020204" pitchFamily="34" charset="-122"/>
+              <a:ea typeface="微软雅黑" panose="020B0503020204020204" pitchFamily="34" charset="-122"/>
+            </a:endParaRPr>
+          </a:p>
+          <a:p>
+            <a:r>
+              <a:rPr lang="en-US" altLang="zh-CN" sz="1600" dirty="0">
+                <a:solidFill>
+                  <a:schemeClr val="accent3"/>
+                </a:solidFill>
+                <a:latin typeface="微软雅黑" panose="020B0503020204020204" pitchFamily="34" charset="-122"/>
+                <a:ea typeface="微软雅黑" panose="020B0503020204020204" pitchFamily="34" charset="-122"/>
+              </a:rPr>
+              <a:t>sum.js</a:t>
+            </a:r>
+          </a:p>
+          <a:p>
+            <a:r>
+              <a:rPr lang="en-US" altLang="zh-CN" sz="1600" b="0" dirty="0">
+                <a:solidFill>
+                  <a:srgbClr val="C586C0"/>
+                </a:solidFill>
+                <a:effectLst/>
+                <a:latin typeface="Consolas" panose="020B0609020204030204" pitchFamily="49" charset="0"/>
+              </a:rPr>
+              <a:t>export</a:t>
+            </a:r>
+            <a:r>
+              <a:rPr lang="en-US" altLang="zh-CN" sz="1600" b="0" dirty="0">
+                <a:solidFill>
+                  <a:srgbClr val="D4D4D4"/>
+                </a:solidFill>
+                <a:effectLst/>
+                <a:latin typeface="Consolas" panose="020B0609020204030204" pitchFamily="49" charset="0"/>
+              </a:rPr>
+              <a:t> </a:t>
+            </a:r>
+            <a:r>
+              <a:rPr lang="en-US" altLang="zh-CN" sz="1600" b="0" dirty="0">
+                <a:solidFill>
+                  <a:srgbClr val="569CD6"/>
+                </a:solidFill>
+                <a:effectLst/>
+                <a:latin typeface="Consolas" panose="020B0609020204030204" pitchFamily="49" charset="0"/>
+              </a:rPr>
+              <a:t>const</a:t>
+            </a:r>
+            <a:r>
+              <a:rPr lang="en-US" altLang="zh-CN" sz="1600" b="0" dirty="0">
+                <a:solidFill>
+                  <a:srgbClr val="D4D4D4"/>
+                </a:solidFill>
+                <a:effectLst/>
+                <a:latin typeface="Consolas" panose="020B0609020204030204" pitchFamily="49" charset="0"/>
+              </a:rPr>
+              <a:t> </a:t>
+            </a:r>
+            <a:r>
+              <a:rPr lang="en-US" altLang="zh-CN" sz="1600" b="0" dirty="0">
+                <a:solidFill>
+                  <a:srgbClr val="DCDCAA"/>
+                </a:solidFill>
+                <a:effectLst/>
+                <a:latin typeface="Consolas" panose="020B0609020204030204" pitchFamily="49" charset="0"/>
+              </a:rPr>
+              <a:t>sum</a:t>
+            </a:r>
+            <a:r>
+              <a:rPr lang="en-US" altLang="zh-CN" sz="1600" b="0" dirty="0">
+                <a:solidFill>
+                  <a:srgbClr val="D4D4D4"/>
+                </a:solidFill>
+                <a:effectLst/>
+                <a:latin typeface="Consolas" panose="020B0609020204030204" pitchFamily="49" charset="0"/>
+              </a:rPr>
+              <a:t> = (</a:t>
+            </a:r>
+            <a:r>
+              <a:rPr lang="en-US" altLang="zh-CN" sz="1600" b="0" dirty="0">
+                <a:solidFill>
+                  <a:srgbClr val="9CDCFE"/>
+                </a:solidFill>
+                <a:effectLst/>
+                <a:latin typeface="Consolas" panose="020B0609020204030204" pitchFamily="49" charset="0"/>
+              </a:rPr>
+              <a:t>a</a:t>
+            </a:r>
+            <a:r>
+              <a:rPr lang="en-US" altLang="zh-CN" sz="1600" b="0" dirty="0">
+                <a:solidFill>
+                  <a:srgbClr val="D4D4D4"/>
+                </a:solidFill>
+                <a:effectLst/>
+                <a:latin typeface="Consolas" panose="020B0609020204030204" pitchFamily="49" charset="0"/>
+              </a:rPr>
+              <a:t>, </a:t>
+            </a:r>
+            <a:r>
+              <a:rPr lang="en-US" altLang="zh-CN" sz="1600" b="0" dirty="0">
+                <a:solidFill>
+                  <a:srgbClr val="9CDCFE"/>
+                </a:solidFill>
+                <a:effectLst/>
+                <a:latin typeface="Consolas" panose="020B0609020204030204" pitchFamily="49" charset="0"/>
+              </a:rPr>
+              <a:t>b</a:t>
+            </a:r>
+            <a:r>
+              <a:rPr lang="en-US" altLang="zh-CN" sz="1600" b="0" dirty="0">
+                <a:solidFill>
+                  <a:srgbClr val="D4D4D4"/>
+                </a:solidFill>
+                <a:effectLst/>
+                <a:latin typeface="Consolas" panose="020B0609020204030204" pitchFamily="49" charset="0"/>
+              </a:rPr>
+              <a:t>) </a:t>
+            </a:r>
+            <a:r>
+              <a:rPr lang="en-US" altLang="zh-CN" sz="1600" b="0" dirty="0">
+                <a:solidFill>
+                  <a:srgbClr val="569CD6"/>
+                </a:solidFill>
+                <a:effectLst/>
+                <a:latin typeface="Consolas" panose="020B0609020204030204" pitchFamily="49" charset="0"/>
+              </a:rPr>
+              <a:t>=&gt;</a:t>
+            </a:r>
+            <a:r>
+              <a:rPr lang="en-US" altLang="zh-CN" sz="1600" b="0" dirty="0">
+                <a:solidFill>
+                  <a:srgbClr val="D4D4D4"/>
+                </a:solidFill>
+                <a:effectLst/>
+                <a:latin typeface="Consolas" panose="020B0609020204030204" pitchFamily="49" charset="0"/>
+              </a:rPr>
+              <a:t> {</a:t>
+            </a:r>
+          </a:p>
+          <a:p>
+            <a:r>
+              <a:rPr lang="en-US" altLang="zh-CN" sz="1600" b="0" dirty="0">
+                <a:solidFill>
+                  <a:srgbClr val="D4D4D4"/>
+                </a:solidFill>
+                <a:effectLst/>
+                <a:latin typeface="Consolas" panose="020B0609020204030204" pitchFamily="49" charset="0"/>
+              </a:rPr>
+              <a:t>    </a:t>
+            </a:r>
+            <a:r>
+              <a:rPr lang="en-US" altLang="zh-CN" sz="1600" b="0" dirty="0">
+                <a:solidFill>
+                  <a:srgbClr val="C586C0"/>
+                </a:solidFill>
+                <a:effectLst/>
+                <a:latin typeface="Consolas" panose="020B0609020204030204" pitchFamily="49" charset="0"/>
+              </a:rPr>
+              <a:t>return</a:t>
+            </a:r>
+            <a:r>
+              <a:rPr lang="en-US" altLang="zh-CN" sz="1600" b="0" dirty="0">
+                <a:solidFill>
+                  <a:srgbClr val="D4D4D4"/>
+                </a:solidFill>
+                <a:effectLst/>
+                <a:latin typeface="Consolas" panose="020B0609020204030204" pitchFamily="49" charset="0"/>
+              </a:rPr>
+              <a:t> </a:t>
+            </a:r>
+            <a:r>
+              <a:rPr lang="en-US" altLang="zh-CN" sz="1600" b="0" dirty="0">
+                <a:solidFill>
+                  <a:srgbClr val="9CDCFE"/>
+                </a:solidFill>
+                <a:effectLst/>
+                <a:latin typeface="Consolas" panose="020B0609020204030204" pitchFamily="49" charset="0"/>
+              </a:rPr>
+              <a:t>a</a:t>
+            </a:r>
+            <a:r>
+              <a:rPr lang="en-US" altLang="zh-CN" sz="1600" b="0" dirty="0">
+                <a:solidFill>
+                  <a:srgbClr val="D4D4D4"/>
+                </a:solidFill>
+                <a:effectLst/>
+                <a:latin typeface="Consolas" panose="020B0609020204030204" pitchFamily="49" charset="0"/>
+              </a:rPr>
+              <a:t> + </a:t>
+            </a:r>
+            <a:r>
+              <a:rPr lang="en-US" altLang="zh-CN" sz="1600" b="0" dirty="0">
+                <a:solidFill>
+                  <a:srgbClr val="9CDCFE"/>
+                </a:solidFill>
+                <a:effectLst/>
+                <a:latin typeface="Consolas" panose="020B0609020204030204" pitchFamily="49" charset="0"/>
+              </a:rPr>
+              <a:t>b</a:t>
+            </a:r>
+            <a:r>
+              <a:rPr lang="en-US" altLang="zh-CN" sz="1600" b="0" dirty="0">
+                <a:solidFill>
+                  <a:srgbClr val="D4D4D4"/>
+                </a:solidFill>
+                <a:effectLst/>
+                <a:latin typeface="Consolas" panose="020B0609020204030204" pitchFamily="49" charset="0"/>
+              </a:rPr>
+              <a:t>;</a:t>
+            </a:r>
+          </a:p>
+          <a:p>
+            <a:r>
+              <a:rPr lang="en-US" altLang="zh-CN" sz="1600" b="0" dirty="0">
+                <a:solidFill>
+                  <a:srgbClr val="D4D4D4"/>
+                </a:solidFill>
+                <a:effectLst/>
+                <a:latin typeface="Consolas" panose="020B0609020204030204" pitchFamily="49" charset="0"/>
+              </a:rPr>
+              <a:t>}</a:t>
+            </a:r>
+          </a:p>
+          <a:p>
+            <a:endParaRPr lang="en-US" altLang="zh-CN" sz="1600" dirty="0">
+              <a:solidFill>
+                <a:srgbClr val="000000"/>
+              </a:solidFill>
+              <a:latin typeface="微软雅黑" panose="020B0503020204020204" pitchFamily="34" charset="-122"/>
+              <a:ea typeface="微软雅黑" panose="020B0503020204020204" pitchFamily="34" charset="-122"/>
+            </a:endParaRPr>
+          </a:p>
+          <a:p>
+            <a:r>
+              <a:rPr lang="en-US" altLang="zh-CN" sz="1600" b="0" dirty="0">
+                <a:solidFill>
+                  <a:srgbClr val="C586C0"/>
+                </a:solidFill>
+                <a:effectLst/>
+                <a:latin typeface="Consolas" panose="020B0609020204030204" pitchFamily="49" charset="0"/>
+              </a:rPr>
+              <a:t>import</a:t>
+            </a:r>
+            <a:r>
+              <a:rPr lang="en-US" altLang="zh-CN" sz="1600" b="0" dirty="0">
+                <a:solidFill>
+                  <a:srgbClr val="D4D4D4"/>
+                </a:solidFill>
+                <a:effectLst/>
+                <a:latin typeface="Consolas" panose="020B0609020204030204" pitchFamily="49" charset="0"/>
+              </a:rPr>
+              <a:t> { </a:t>
+            </a:r>
+            <a:r>
+              <a:rPr lang="en-US" altLang="zh-CN" sz="1600" b="0" dirty="0">
+                <a:solidFill>
+                  <a:srgbClr val="9CDCFE"/>
+                </a:solidFill>
+                <a:effectLst/>
+                <a:latin typeface="Consolas" panose="020B0609020204030204" pitchFamily="49" charset="0"/>
+              </a:rPr>
+              <a:t>sum</a:t>
+            </a:r>
+            <a:r>
+              <a:rPr lang="en-US" altLang="zh-CN" sz="1600" b="0" dirty="0">
+                <a:solidFill>
+                  <a:srgbClr val="D4D4D4"/>
+                </a:solidFill>
+                <a:effectLst/>
+                <a:latin typeface="Consolas" panose="020B0609020204030204" pitchFamily="49" charset="0"/>
+              </a:rPr>
+              <a:t> } </a:t>
+            </a:r>
+            <a:r>
+              <a:rPr lang="en-US" altLang="zh-CN" sz="1600" b="0" dirty="0">
+                <a:solidFill>
+                  <a:srgbClr val="C586C0"/>
+                </a:solidFill>
+                <a:effectLst/>
+                <a:latin typeface="Consolas" panose="020B0609020204030204" pitchFamily="49" charset="0"/>
+              </a:rPr>
+              <a:t>from</a:t>
+            </a:r>
+            <a:r>
+              <a:rPr lang="en-US" altLang="zh-CN" sz="1600" b="0" dirty="0">
+                <a:solidFill>
+                  <a:srgbClr val="D4D4D4"/>
+                </a:solidFill>
+                <a:effectLst/>
+                <a:latin typeface="Consolas" panose="020B0609020204030204" pitchFamily="49" charset="0"/>
+              </a:rPr>
+              <a:t> </a:t>
+            </a:r>
+            <a:r>
+              <a:rPr lang="en-US" altLang="zh-CN" sz="1600" b="0" dirty="0">
+                <a:solidFill>
+                  <a:srgbClr val="CE9178"/>
+                </a:solidFill>
+                <a:effectLst/>
+                <a:latin typeface="Consolas" panose="020B0609020204030204" pitchFamily="49" charset="0"/>
+              </a:rPr>
+              <a:t>'./sum'</a:t>
+            </a:r>
+            <a:endParaRPr lang="en-US" altLang="zh-CN" sz="1600" b="0" dirty="0">
+              <a:solidFill>
+                <a:srgbClr val="D4D4D4"/>
+              </a:solidFill>
+              <a:effectLst/>
+              <a:latin typeface="Consolas" panose="020B0609020204030204" pitchFamily="49" charset="0"/>
+            </a:endParaRPr>
+          </a:p>
+          <a:p>
+            <a:br>
+              <a:rPr lang="en-US" altLang="zh-CN" sz="1600" b="0" dirty="0">
+                <a:solidFill>
+                  <a:srgbClr val="D4D4D4"/>
+                </a:solidFill>
+                <a:effectLst/>
+                <a:latin typeface="Consolas" panose="020B0609020204030204" pitchFamily="49" charset="0"/>
+              </a:rPr>
+            </a:br>
+            <a:r>
+              <a:rPr lang="en-US" altLang="zh-CN" sz="1600" b="0" dirty="0">
+                <a:solidFill>
+                  <a:srgbClr val="DCDCAA"/>
+                </a:solidFill>
+                <a:effectLst/>
+                <a:latin typeface="Consolas" panose="020B0609020204030204" pitchFamily="49" charset="0"/>
+              </a:rPr>
+              <a:t>test</a:t>
+            </a:r>
+            <a:r>
+              <a:rPr lang="en-US" altLang="zh-CN" sz="1600" b="0" dirty="0">
+                <a:solidFill>
+                  <a:srgbClr val="D4D4D4"/>
+                </a:solidFill>
+                <a:effectLst/>
+                <a:latin typeface="Consolas" panose="020B0609020204030204" pitchFamily="49" charset="0"/>
+              </a:rPr>
+              <a:t>(</a:t>
+            </a:r>
+            <a:r>
+              <a:rPr lang="en-US" altLang="zh-CN" sz="1600" b="0" dirty="0">
+                <a:solidFill>
+                  <a:srgbClr val="CE9178"/>
+                </a:solidFill>
+                <a:effectLst/>
+                <a:latin typeface="Consolas" panose="020B0609020204030204" pitchFamily="49" charset="0"/>
+              </a:rPr>
+              <a:t>'adds 1 + 2 to equal 3'</a:t>
+            </a:r>
+            <a:r>
+              <a:rPr lang="en-US" altLang="zh-CN" sz="1600" b="0" dirty="0">
+                <a:solidFill>
+                  <a:srgbClr val="D4D4D4"/>
+                </a:solidFill>
+                <a:effectLst/>
+                <a:latin typeface="Consolas" panose="020B0609020204030204" pitchFamily="49" charset="0"/>
+              </a:rPr>
+              <a:t>, () </a:t>
+            </a:r>
+            <a:r>
+              <a:rPr lang="en-US" altLang="zh-CN" sz="1600" b="0" dirty="0">
+                <a:solidFill>
+                  <a:srgbClr val="569CD6"/>
+                </a:solidFill>
+                <a:effectLst/>
+                <a:latin typeface="Consolas" panose="020B0609020204030204" pitchFamily="49" charset="0"/>
+              </a:rPr>
+              <a:t>=&gt;</a:t>
+            </a:r>
+            <a:r>
+              <a:rPr lang="en-US" altLang="zh-CN" sz="1600" b="0" dirty="0">
+                <a:solidFill>
+                  <a:srgbClr val="D4D4D4"/>
+                </a:solidFill>
+                <a:effectLst/>
+                <a:latin typeface="Consolas" panose="020B0609020204030204" pitchFamily="49" charset="0"/>
+              </a:rPr>
+              <a:t> { </a:t>
+            </a:r>
+          </a:p>
+          <a:p>
+            <a:r>
+              <a:rPr lang="en-US" altLang="zh-CN" sz="1600" b="0" dirty="0">
+                <a:solidFill>
+                  <a:srgbClr val="D4D4D4"/>
+                </a:solidFill>
+                <a:effectLst/>
+                <a:latin typeface="Consolas" panose="020B0609020204030204" pitchFamily="49" charset="0"/>
+              </a:rPr>
+              <a:t>    </a:t>
+            </a:r>
+            <a:r>
+              <a:rPr lang="en-US" altLang="zh-CN" sz="1600" b="0" dirty="0">
+                <a:solidFill>
+                  <a:srgbClr val="6A9955"/>
+                </a:solidFill>
+                <a:effectLst/>
+                <a:latin typeface="Consolas" panose="020B0609020204030204" pitchFamily="49" charset="0"/>
+              </a:rPr>
+              <a:t>// expect jest </a:t>
+            </a:r>
+            <a:r>
+              <a:rPr lang="zh-CN" altLang="en-US" sz="1600" b="0" dirty="0">
+                <a:solidFill>
+                  <a:srgbClr val="6A9955"/>
+                </a:solidFill>
+                <a:effectLst/>
+                <a:latin typeface="Consolas" panose="020B0609020204030204" pitchFamily="49" charset="0"/>
+              </a:rPr>
+              <a:t>提供的断言</a:t>
+            </a:r>
+            <a:endParaRPr lang="zh-CN" altLang="en-US" sz="1600" b="0" dirty="0">
+              <a:solidFill>
+                <a:srgbClr val="D4D4D4"/>
+              </a:solidFill>
+              <a:effectLst/>
+              <a:latin typeface="Consolas" panose="020B0609020204030204" pitchFamily="49" charset="0"/>
+            </a:endParaRPr>
+          </a:p>
+          <a:p>
+            <a:r>
+              <a:rPr lang="zh-CN" altLang="en-US" sz="1600" b="0" dirty="0">
+                <a:solidFill>
+                  <a:srgbClr val="D4D4D4"/>
+                </a:solidFill>
+                <a:effectLst/>
+                <a:latin typeface="Consolas" panose="020B0609020204030204" pitchFamily="49" charset="0"/>
+              </a:rPr>
+              <a:t>    </a:t>
+            </a:r>
+            <a:r>
+              <a:rPr lang="en-US" altLang="zh-CN" sz="1600" b="0" dirty="0">
+                <a:solidFill>
+                  <a:srgbClr val="DCDCAA"/>
+                </a:solidFill>
+                <a:effectLst/>
+                <a:latin typeface="Consolas" panose="020B0609020204030204" pitchFamily="49" charset="0"/>
+              </a:rPr>
+              <a:t>expect</a:t>
+            </a:r>
+            <a:r>
+              <a:rPr lang="en-US" altLang="zh-CN" sz="1600" b="0" dirty="0">
+                <a:solidFill>
+                  <a:srgbClr val="D4D4D4"/>
+                </a:solidFill>
+                <a:effectLst/>
+                <a:latin typeface="Consolas" panose="020B0609020204030204" pitchFamily="49" charset="0"/>
+              </a:rPr>
+              <a:t>(</a:t>
+            </a:r>
+            <a:r>
+              <a:rPr lang="en-US" altLang="zh-CN" sz="1600" b="0" dirty="0">
+                <a:solidFill>
+                  <a:srgbClr val="DCDCAA"/>
+                </a:solidFill>
+                <a:effectLst/>
+                <a:latin typeface="Consolas" panose="020B0609020204030204" pitchFamily="49" charset="0"/>
+              </a:rPr>
+              <a:t>sum</a:t>
+            </a:r>
+            <a:r>
+              <a:rPr lang="en-US" altLang="zh-CN" sz="1600" b="0" dirty="0">
+                <a:solidFill>
+                  <a:srgbClr val="D4D4D4"/>
+                </a:solidFill>
+                <a:effectLst/>
+                <a:latin typeface="Consolas" panose="020B0609020204030204" pitchFamily="49" charset="0"/>
+              </a:rPr>
+              <a:t>(</a:t>
+            </a:r>
+            <a:r>
+              <a:rPr lang="en-US" altLang="zh-CN" sz="1600" b="0" dirty="0">
+                <a:solidFill>
+                  <a:srgbClr val="B5CEA8"/>
+                </a:solidFill>
+                <a:effectLst/>
+                <a:latin typeface="Consolas" panose="020B0609020204030204" pitchFamily="49" charset="0"/>
+              </a:rPr>
+              <a:t>1</a:t>
+            </a:r>
+            <a:r>
+              <a:rPr lang="en-US" altLang="zh-CN" sz="1600" b="0" dirty="0">
+                <a:solidFill>
+                  <a:srgbClr val="D4D4D4"/>
+                </a:solidFill>
+                <a:effectLst/>
+                <a:latin typeface="Consolas" panose="020B0609020204030204" pitchFamily="49" charset="0"/>
+              </a:rPr>
+              <a:t>, </a:t>
+            </a:r>
+            <a:r>
+              <a:rPr lang="en-US" altLang="zh-CN" sz="1600" b="0" dirty="0">
+                <a:solidFill>
+                  <a:srgbClr val="B5CEA8"/>
+                </a:solidFill>
+                <a:effectLst/>
+                <a:latin typeface="Consolas" panose="020B0609020204030204" pitchFamily="49" charset="0"/>
+              </a:rPr>
+              <a:t>2</a:t>
+            </a:r>
+            <a:r>
+              <a:rPr lang="en-US" altLang="zh-CN" sz="1600" b="0" dirty="0">
+                <a:solidFill>
+                  <a:srgbClr val="D4D4D4"/>
+                </a:solidFill>
+                <a:effectLst/>
+                <a:latin typeface="Consolas" panose="020B0609020204030204" pitchFamily="49" charset="0"/>
+              </a:rPr>
+              <a:t>)).</a:t>
+            </a:r>
+            <a:r>
+              <a:rPr lang="en-US" altLang="zh-CN" sz="1600" b="0" dirty="0" err="1">
+                <a:solidFill>
+                  <a:srgbClr val="DCDCAA"/>
+                </a:solidFill>
+                <a:effectLst/>
+                <a:latin typeface="Consolas" panose="020B0609020204030204" pitchFamily="49" charset="0"/>
+              </a:rPr>
+              <a:t>toBe</a:t>
+            </a:r>
+            <a:r>
+              <a:rPr lang="en-US" altLang="zh-CN" sz="1600" b="0" dirty="0">
+                <a:solidFill>
+                  <a:srgbClr val="D4D4D4"/>
+                </a:solidFill>
+                <a:effectLst/>
+                <a:latin typeface="Consolas" panose="020B0609020204030204" pitchFamily="49" charset="0"/>
+              </a:rPr>
+              <a:t>(</a:t>
+            </a:r>
+            <a:r>
+              <a:rPr lang="en-US" altLang="zh-CN" sz="1600" b="0" dirty="0">
+                <a:solidFill>
+                  <a:srgbClr val="B5CEA8"/>
+                </a:solidFill>
+                <a:effectLst/>
+                <a:latin typeface="Consolas" panose="020B0609020204030204" pitchFamily="49" charset="0"/>
+              </a:rPr>
+              <a:t>3</a:t>
+            </a:r>
+            <a:r>
+              <a:rPr lang="en-US" altLang="zh-CN" sz="1600" b="0" dirty="0">
+                <a:solidFill>
+                  <a:srgbClr val="D4D4D4"/>
+                </a:solidFill>
+                <a:effectLst/>
+                <a:latin typeface="Consolas" panose="020B0609020204030204" pitchFamily="49" charset="0"/>
+              </a:rPr>
+              <a:t>); </a:t>
+            </a:r>
+          </a:p>
+          <a:p>
+            <a:r>
+              <a:rPr lang="en-US" altLang="zh-CN" sz="1600" b="0" dirty="0">
+                <a:solidFill>
+                  <a:srgbClr val="D4D4D4"/>
+                </a:solidFill>
+                <a:effectLst/>
+                <a:latin typeface="Consolas" panose="020B0609020204030204" pitchFamily="49" charset="0"/>
+              </a:rPr>
+              <a:t>});</a:t>
+            </a:r>
+          </a:p>
+          <a:p>
+            <a:br>
+              <a:rPr lang="en-US" altLang="zh-CN" sz="1600" b="0" dirty="0">
+                <a:solidFill>
+                  <a:srgbClr val="D4D4D4"/>
+                </a:solidFill>
+                <a:effectLst/>
+                <a:latin typeface="微软雅黑" panose="020B0503020204020204" pitchFamily="34" charset="-122"/>
+                <a:ea typeface="微软雅黑" panose="020B0503020204020204" pitchFamily="34" charset="-122"/>
+              </a:rPr>
+            </a:br>
+            <a:r>
+              <a:rPr lang="zh-CN" altLang="en-US" sz="1600" dirty="0">
+                <a:latin typeface="微软雅黑" panose="020B0503020204020204" pitchFamily="34" charset="-122"/>
+                <a:ea typeface="微软雅黑" panose="020B0503020204020204" pitchFamily="34" charset="-122"/>
+              </a:rPr>
+              <a:t>尝试运行 </a:t>
+            </a:r>
+            <a:r>
+              <a:rPr lang="en-US" altLang="zh-CN" sz="1600" dirty="0">
+                <a:latin typeface="微软雅黑" panose="020B0503020204020204" pitchFamily="34" charset="-122"/>
+                <a:ea typeface="微软雅黑" panose="020B0503020204020204" pitchFamily="34" charset="-122"/>
+              </a:rPr>
+              <a:t>jest .\sum.test.js </a:t>
+            </a:r>
+            <a:r>
+              <a:rPr lang="zh-CN" altLang="en-US" sz="1600" dirty="0">
+                <a:latin typeface="微软雅黑" panose="020B0503020204020204" pitchFamily="34" charset="-122"/>
+                <a:ea typeface="微软雅黑" panose="020B0503020204020204" pitchFamily="34" charset="-122"/>
+              </a:rPr>
+              <a:t>，</a:t>
+            </a:r>
+            <a:endParaRPr lang="en-US" altLang="zh-CN" sz="1600" dirty="0">
+              <a:latin typeface="微软雅黑" panose="020B0503020204020204" pitchFamily="34" charset="-122"/>
+              <a:ea typeface="微软雅黑" panose="020B0503020204020204" pitchFamily="34" charset="-122"/>
+            </a:endParaRPr>
+          </a:p>
+          <a:p>
+            <a:r>
+              <a:rPr lang="zh-CN" altLang="en-US" sz="1600" dirty="0">
+                <a:latin typeface="微软雅黑" panose="020B0503020204020204" pitchFamily="34" charset="-122"/>
+                <a:ea typeface="微软雅黑" panose="020B0503020204020204" pitchFamily="34" charset="-122"/>
+              </a:rPr>
+              <a:t>再运行</a:t>
+            </a:r>
+            <a:r>
+              <a:rPr lang="en-US" altLang="zh-CN" sz="1600" dirty="0">
+                <a:latin typeface="微软雅黑" panose="020B0503020204020204" pitchFamily="34" charset="-122"/>
+                <a:ea typeface="微软雅黑" panose="020B0503020204020204" pitchFamily="34" charset="-122"/>
+              </a:rPr>
+              <a:t>jest sum.test.js </a:t>
+            </a:r>
+            <a:r>
+              <a:rPr lang="zh-CN" altLang="en-US" sz="1600" dirty="0">
+                <a:latin typeface="微软雅黑" panose="020B0503020204020204" pitchFamily="34" charset="-122"/>
+                <a:ea typeface="微软雅黑" panose="020B0503020204020204" pitchFamily="34" charset="-122"/>
+              </a:rPr>
+              <a:t>，会看到一个用例通过</a:t>
+            </a:r>
+          </a:p>
+        </p:txBody>
+      </p:sp>
+      <p:sp>
+        <p:nvSpPr>
+          <p:cNvPr id="7" name="文本框 6">
             <a:extLst>
               <a:ext uri="{FF2B5EF4-FFF2-40B4-BE49-F238E27FC236}">
-                <a16:creationId xmlns:a16="http://schemas.microsoft.com/office/drawing/2014/main" id="{C449262C-29D6-4927-8EF7-62785ABB5951}"/>
+                <a16:creationId xmlns:a16="http://schemas.microsoft.com/office/drawing/2014/main" id="{3BB7C46C-12A3-493B-BC5E-C15957507360}"/>
               </a:ext>
             </a:extLst>
           </p:cNvPr>
-          <p:cNvSpPr>
-            <a:spLocks noGrp="1"/>
-          </p:cNvSpPr>
-          <p:nvPr>
-            <p:ph idx="1"/>
-          </p:nvPr>
+          <p:cNvSpPr txBox="1"/>
+          <p:nvPr/>
         </p:nvSpPr>
         <p:spPr>
           <a:xfrm>
-            <a:off x="838200" y="1348547"/>
-            <a:ext cx="10515600" cy="5396810"/>
+            <a:off x="767097" y="671691"/>
+            <a:ext cx="4810539" cy="6186309"/>
           </a:xfrm>
+          <a:prstGeom prst="rect">
+            <a:avLst/>
+          </a:prstGeom>
+          <a:noFill/>
         </p:spPr>
         <p:txBody>
-          <a:bodyPr/>
+          <a:bodyPr wrap="square" rtlCol="0">
+            <a:spAutoFit/>
+          </a:bodyPr>
           <a:lstStyle/>
           <a:p>
-            <a:pPr marL="0" indent="0">
-              <a:buNone/>
-            </a:pPr>
-            <a:r>
-              <a:rPr lang="zh-CN" altLang="en-US" dirty="0"/>
-              <a:t>测试脚本中都会含有至少一句断言</a:t>
-            </a:r>
-            <a:endParaRPr lang="en-US" altLang="zh-CN" dirty="0"/>
-          </a:p>
-          <a:p>
-            <a:pPr marL="0" indent="0">
-              <a:buNone/>
-            </a:pPr>
-            <a:r>
-              <a:rPr lang="en-US" altLang="zh-CN" dirty="0"/>
-              <a:t>	</a:t>
-            </a:r>
-            <a:r>
-              <a:rPr lang="zh-CN" altLang="en-US" dirty="0"/>
-              <a:t>断言：就是判断源码的实际执行结果与预期结果是否一致，如果一致则通过，反之则抛出一个错误</a:t>
-            </a:r>
-            <a:endParaRPr lang="en-US" altLang="zh-CN" dirty="0"/>
-          </a:p>
-          <a:p>
-            <a:pPr marL="0" indent="0">
-              <a:buNone/>
-            </a:pPr>
-            <a:endParaRPr lang="en-US" altLang="zh-CN" dirty="0"/>
-          </a:p>
-          <a:p>
-            <a:pPr marL="0" indent="0">
-              <a:buNone/>
-            </a:pPr>
-            <a:r>
-              <a:rPr lang="en-US" altLang="zh-CN" dirty="0"/>
-              <a:t>	</a:t>
-            </a:r>
-            <a:r>
-              <a:rPr lang="zh-CN" altLang="en-US" dirty="0"/>
-              <a:t>基本上，断言的写法都是一样的  </a:t>
-            </a:r>
-            <a:r>
-              <a:rPr lang="en-US" altLang="zh-CN" b="0" i="0" dirty="0">
-                <a:solidFill>
-                  <a:srgbClr val="111111"/>
-                </a:solidFill>
-                <a:effectLst/>
-                <a:latin typeface="Courier New" panose="02070309020205020404" pitchFamily="49" charset="0"/>
-              </a:rPr>
-              <a:t>expect </a:t>
+            <a:r>
+              <a:rPr lang="en-US" altLang="zh-CN" b="1" dirty="0">
+                <a:latin typeface="微软雅黑" panose="020B0503020204020204" pitchFamily="34" charset="-122"/>
+                <a:ea typeface="微软雅黑" panose="020B0503020204020204" pitchFamily="34" charset="-122"/>
+              </a:rPr>
+              <a:t>jest</a:t>
+            </a:r>
+            <a:r>
+              <a:rPr lang="zh-CN" altLang="en-US" dirty="0">
+                <a:latin typeface="微软雅黑" panose="020B0503020204020204" pitchFamily="34" charset="-122"/>
+                <a:ea typeface="微软雅黑" panose="020B0503020204020204" pitchFamily="34" charset="-122"/>
+              </a:rPr>
+              <a:t>是基于</a:t>
+            </a:r>
+            <a:r>
+              <a:rPr lang="en-US" altLang="zh-CN" b="1" i="0" dirty="0">
+                <a:effectLst/>
+                <a:latin typeface="微软雅黑" panose="020B0503020204020204" pitchFamily="34" charset="-122"/>
+                <a:ea typeface="微软雅黑" panose="020B0503020204020204" pitchFamily="34" charset="-122"/>
+              </a:rPr>
+              <a:t>Jasmine</a:t>
             </a:r>
             <a:r>
               <a:rPr lang="zh-CN" altLang="en-US" b="0" i="0" dirty="0">
-                <a:solidFill>
-                  <a:srgbClr val="111111"/>
-                </a:solidFill>
-                <a:effectLst/>
-                <a:latin typeface="Courier New" panose="02070309020205020404" pitchFamily="49" charset="0"/>
-              </a:rPr>
-              <a:t>开头 ，</a:t>
-            </a:r>
-            <a:r>
-              <a:rPr lang="en-US" altLang="zh-CN" b="0" i="0" dirty="0">
-                <a:solidFill>
-                  <a:srgbClr val="111111"/>
-                </a:solidFill>
-                <a:effectLst/>
-                <a:latin typeface="Courier New" panose="02070309020205020404" pitchFamily="49" charset="0"/>
-              </a:rPr>
-              <a:t>equal</a:t>
-            </a:r>
-            <a:r>
-              <a:rPr lang="zh-CN" altLang="en-US" b="0" i="0" dirty="0">
-                <a:solidFill>
-                  <a:srgbClr val="111111"/>
-                </a:solidFill>
-                <a:effectLst/>
-                <a:latin typeface="Courier New" panose="02070309020205020404" pitchFamily="49" charset="0"/>
-              </a:rPr>
-              <a:t>、</a:t>
-            </a:r>
-            <a:r>
-              <a:rPr lang="en-US" altLang="zh-CN" b="0" i="0" dirty="0" err="1">
-                <a:solidFill>
-                  <a:srgbClr val="111111"/>
-                </a:solidFill>
-                <a:effectLst/>
-                <a:latin typeface="Courier New" panose="02070309020205020404" pitchFamily="49" charset="0"/>
-              </a:rPr>
-              <a:t>toBe</a:t>
-            </a:r>
-            <a:r>
-              <a:rPr lang="zh-CN" altLang="en-US" b="0" i="0" dirty="0">
-                <a:solidFill>
-                  <a:srgbClr val="111111"/>
-                </a:solidFill>
-                <a:effectLst/>
-                <a:latin typeface="Courier New" panose="02070309020205020404" pitchFamily="49" charset="0"/>
-              </a:rPr>
-              <a:t>、</a:t>
-            </a:r>
-            <a:r>
-              <a:rPr lang="en-US" altLang="zh-CN" b="0" i="0" dirty="0">
-                <a:solidFill>
-                  <a:srgbClr val="111111"/>
-                </a:solidFill>
-                <a:effectLst/>
-                <a:latin typeface="Courier New" panose="02070309020205020404" pitchFamily="49" charset="0"/>
-              </a:rPr>
-              <a:t>match </a:t>
-            </a:r>
-            <a:r>
-              <a:rPr lang="zh-CN" altLang="en-US" b="0" i="0" dirty="0">
-                <a:solidFill>
-                  <a:srgbClr val="111111"/>
-                </a:solidFill>
-                <a:effectLst/>
-                <a:latin typeface="Courier New" panose="02070309020205020404" pitchFamily="49" charset="0"/>
-              </a:rPr>
-              <a:t>等等 匹配器来判断是否与期望一致</a:t>
+                <a:effectLst/>
+                <a:latin typeface="微软雅黑" panose="020B0503020204020204" pitchFamily="34" charset="-122"/>
+                <a:ea typeface="微软雅黑" panose="020B0503020204020204" pitchFamily="34" charset="-122"/>
+              </a:rPr>
+              <a:t>的，做了大量修改并添加了很多特性，同样开箱即用，但异步测试支持良好；</a:t>
             </a:r>
             <a:endParaRPr lang="en-US" altLang="zh-CN" b="0" i="0" dirty="0">
-              <a:solidFill>
-                <a:srgbClr val="111111"/>
-              </a:solidFill>
               <a:effectLst/>
-              <a:latin typeface="Courier New" panose="02070309020205020404" pitchFamily="49" charset="0"/>
+              <a:latin typeface="微软雅黑" panose="020B0503020204020204" pitchFamily="34" charset="-122"/>
+              <a:ea typeface="微软雅黑" panose="020B0503020204020204" pitchFamily="34" charset="-122"/>
             </a:endParaRPr>
           </a:p>
           <a:p>
-            <a:pPr marL="0" indent="0">
-              <a:buNone/>
-            </a:pPr>
-            <a:endParaRPr lang="en-US" altLang="zh-CN" dirty="0">
-              <a:solidFill>
-                <a:srgbClr val="111111"/>
-              </a:solidFill>
-              <a:latin typeface="Courier New" panose="02070309020205020404" pitchFamily="49" charset="0"/>
-            </a:endParaRPr>
-          </a:p>
-          <a:p>
-            <a:pPr marL="0" indent="0">
-              <a:buNone/>
-            </a:pPr>
-            <a:r>
-              <a:rPr lang="en-US" altLang="zh-CN" dirty="0">
-                <a:solidFill>
-                  <a:srgbClr val="111111"/>
-                </a:solidFill>
-                <a:latin typeface="Courier New" panose="02070309020205020404" pitchFamily="49" charset="0"/>
-              </a:rPr>
-              <a:t>	</a:t>
-            </a:r>
-            <a:endParaRPr lang="en-US" altLang="zh-CN" dirty="0">
+            <a:endParaRPr lang="en-US" altLang="zh-CN" b="0" i="0" dirty="0">
               <a:solidFill>
                 <a:srgbClr val="353535"/>
               </a:solidFill>
+              <a:effectLst/>
               <a:latin typeface="-apple-system"/>
             </a:endParaRPr>
           </a:p>
           <a:p>
-            <a:pPr marL="0" indent="0">
-              <a:buNone/>
+            <a:pPr algn="l">
+              <a:buFont typeface="Arial" panose="020B0604020202020204" pitchFamily="34" charset="0"/>
+              <a:buChar char="•"/>
             </a:pPr>
-            <a:endParaRPr lang="en-US" altLang="zh-CN" dirty="0"/>
+            <a:r>
+              <a:rPr lang="zh-CN" altLang="en-US" b="0" i="0" dirty="0">
+                <a:effectLst/>
+                <a:latin typeface="-apple-system"/>
+              </a:rPr>
+              <a:t>零配置：在大部分项目中都可以实现开箱即用，无需配置</a:t>
+            </a:r>
+            <a:endParaRPr lang="en-US" altLang="zh-CN" b="0" i="0" dirty="0">
+              <a:effectLst/>
+              <a:latin typeface="-apple-system"/>
+            </a:endParaRPr>
+          </a:p>
+          <a:p>
+            <a:pPr algn="l">
+              <a:buFont typeface="Arial" panose="020B0604020202020204" pitchFamily="34" charset="0"/>
+              <a:buChar char="•"/>
+            </a:pPr>
+            <a:endParaRPr lang="zh-CN" altLang="en-US" b="0" i="0" dirty="0">
+              <a:effectLst/>
+              <a:latin typeface="-apple-system"/>
+            </a:endParaRPr>
+          </a:p>
+          <a:p>
+            <a:pPr algn="l">
+              <a:buFont typeface="Arial" panose="020B0604020202020204" pitchFamily="34" charset="0"/>
+              <a:buChar char="•"/>
+            </a:pPr>
+            <a:r>
+              <a:rPr lang="zh-CN" altLang="en-US" b="0" i="0" dirty="0">
+                <a:effectLst/>
+                <a:latin typeface="-apple-system"/>
+              </a:rPr>
+              <a:t>速度快：根据文件的修改进行测试，不会每次测试全部实例</a:t>
+            </a:r>
+            <a:endParaRPr lang="en-US" altLang="zh-CN" b="0" i="0" dirty="0">
+              <a:effectLst/>
+              <a:latin typeface="-apple-system"/>
+            </a:endParaRPr>
+          </a:p>
+          <a:p>
+            <a:pPr algn="l">
+              <a:buFont typeface="Arial" panose="020B0604020202020204" pitchFamily="34" charset="0"/>
+              <a:buChar char="•"/>
+            </a:pPr>
+            <a:endParaRPr lang="zh-CN" altLang="en-US" b="0" i="0" dirty="0">
+              <a:effectLst/>
+              <a:latin typeface="-apple-system"/>
+            </a:endParaRPr>
+          </a:p>
+          <a:p>
+            <a:pPr algn="l">
+              <a:buFont typeface="Arial" panose="020B0604020202020204" pitchFamily="34" charset="0"/>
+              <a:buChar char="•"/>
+            </a:pPr>
+            <a:r>
+              <a:rPr lang="zh-CN" altLang="en-US" b="0" i="0" dirty="0">
+                <a:effectLst/>
+                <a:latin typeface="-apple-system"/>
+              </a:rPr>
+              <a:t>快照功能：能够进行简单快速的测试</a:t>
+            </a:r>
+            <a:endParaRPr lang="en-US" altLang="zh-CN" b="0" i="0" dirty="0">
+              <a:effectLst/>
+              <a:latin typeface="-apple-system"/>
+            </a:endParaRPr>
+          </a:p>
+          <a:p>
+            <a:pPr algn="l">
+              <a:buFont typeface="Arial" panose="020B0604020202020204" pitchFamily="34" charset="0"/>
+              <a:buChar char="•"/>
+            </a:pPr>
+            <a:endParaRPr lang="zh-CN" altLang="en-US" b="0" i="0" dirty="0">
+              <a:effectLst/>
+              <a:latin typeface="-apple-system"/>
+            </a:endParaRPr>
+          </a:p>
+          <a:p>
+            <a:pPr algn="l">
+              <a:buFont typeface="Arial" panose="020B0604020202020204" pitchFamily="34" charset="0"/>
+              <a:buChar char="•"/>
+            </a:pPr>
+            <a:r>
+              <a:rPr lang="zh-CN" altLang="en-US" b="0" i="0" dirty="0">
+                <a:effectLst/>
+                <a:latin typeface="-apple-system"/>
+              </a:rPr>
+              <a:t>隔离性好：不同的测试文件环境独立，不会相互影响</a:t>
+            </a:r>
+            <a:endParaRPr lang="en-US" altLang="zh-CN" b="0" i="0" dirty="0">
+              <a:effectLst/>
+              <a:latin typeface="-apple-system"/>
+            </a:endParaRPr>
+          </a:p>
+          <a:p>
+            <a:pPr algn="l">
+              <a:buFont typeface="Arial" panose="020B0604020202020204" pitchFamily="34" charset="0"/>
+              <a:buChar char="•"/>
+            </a:pPr>
+            <a:endParaRPr lang="zh-CN" altLang="en-US" b="0" i="0" dirty="0">
+              <a:effectLst/>
+              <a:latin typeface="-apple-system"/>
+            </a:endParaRPr>
+          </a:p>
+          <a:p>
+            <a:pPr algn="l">
+              <a:buFont typeface="Arial" panose="020B0604020202020204" pitchFamily="34" charset="0"/>
+              <a:buChar char="•"/>
+            </a:pPr>
+            <a:r>
+              <a:rPr lang="en-US" altLang="zh-CN" b="0" i="0" dirty="0" err="1">
+                <a:effectLst/>
+                <a:latin typeface="-apple-system"/>
+              </a:rPr>
+              <a:t>api</a:t>
+            </a:r>
+            <a:r>
+              <a:rPr lang="zh-CN" altLang="en-US" b="0" i="0" dirty="0">
+                <a:effectLst/>
+                <a:latin typeface="-apple-system"/>
+              </a:rPr>
+              <a:t>简单</a:t>
+            </a:r>
+            <a:endParaRPr lang="en-US" altLang="zh-CN" b="0" i="0" dirty="0">
+              <a:effectLst/>
+              <a:latin typeface="-apple-system"/>
+            </a:endParaRPr>
+          </a:p>
+          <a:p>
+            <a:pPr algn="l">
+              <a:buFont typeface="Arial" panose="020B0604020202020204" pitchFamily="34" charset="0"/>
+              <a:buChar char="•"/>
+            </a:pPr>
+            <a:endParaRPr lang="zh-CN" altLang="en-US" b="0" i="0" dirty="0">
+              <a:effectLst/>
+              <a:latin typeface="-apple-system"/>
+            </a:endParaRPr>
+          </a:p>
+          <a:p>
+            <a:pPr algn="l">
+              <a:buFont typeface="Arial" panose="020B0604020202020204" pitchFamily="34" charset="0"/>
+              <a:buChar char="•"/>
+            </a:pPr>
+            <a:r>
+              <a:rPr lang="en-US" altLang="zh-CN" b="0" i="0" dirty="0">
+                <a:effectLst/>
+                <a:latin typeface="-apple-system"/>
+              </a:rPr>
+              <a:t>mock</a:t>
+            </a:r>
+            <a:r>
+              <a:rPr lang="zh-CN" altLang="en-US" b="0" i="0" dirty="0">
+                <a:effectLst/>
+                <a:latin typeface="-apple-system"/>
+              </a:rPr>
+              <a:t>丰富</a:t>
+            </a:r>
+            <a:endParaRPr lang="en-US" altLang="zh-CN" b="0" i="0" dirty="0">
+              <a:effectLst/>
+              <a:latin typeface="-apple-system"/>
+            </a:endParaRPr>
+          </a:p>
+          <a:p>
+            <a:pPr algn="l">
+              <a:buFont typeface="Arial" panose="020B0604020202020204" pitchFamily="34" charset="0"/>
+              <a:buChar char="•"/>
+            </a:pPr>
+            <a:endParaRPr lang="zh-CN" altLang="en-US" b="0" i="0" dirty="0">
+              <a:effectLst/>
+              <a:latin typeface="-apple-system"/>
+            </a:endParaRPr>
+          </a:p>
+          <a:p>
+            <a:pPr algn="l">
+              <a:buFont typeface="Arial" panose="020B0604020202020204" pitchFamily="34" charset="0"/>
+              <a:buChar char="•"/>
+            </a:pPr>
+            <a:r>
+              <a:rPr lang="zh-CN" altLang="en-US" b="0" i="0" dirty="0">
+                <a:effectLst/>
+                <a:latin typeface="-apple-system"/>
+              </a:rPr>
+              <a:t>等等</a:t>
+            </a:r>
+          </a:p>
+          <a:p>
+            <a:endParaRPr lang="en-US" altLang="zh-CN" b="0" i="0" dirty="0">
+              <a:solidFill>
+                <a:srgbClr val="353535"/>
+              </a:solidFill>
+              <a:effectLst/>
+              <a:latin typeface="-apple-system"/>
+            </a:endParaRPr>
+          </a:p>
+          <a:p>
+            <a:endParaRPr lang="zh-CN" altLang="en-US" dirty="0"/>
           </a:p>
         </p:txBody>
       </p:sp>
     </p:spTree>
     <p:extLst>
       <p:ext uri="{BB962C8B-B14F-4D97-AF65-F5344CB8AC3E}">
-        <p14:creationId xmlns:p14="http://schemas.microsoft.com/office/powerpoint/2010/main" val="430691367"/>
+        <p14:creationId xmlns:p14="http://schemas.microsoft.com/office/powerpoint/2010/main" val="1025004233"/>
       </p:ext>
     </p:extLst>
   </p:cSld>
@@ -10800,10 +12855,165 @@
       </p:grpSpPr>
       <p:sp>
         <p:nvSpPr>
+          <p:cNvPr id="2" name="标题 1">
+            <a:extLst>
+              <a:ext uri="{FF2B5EF4-FFF2-40B4-BE49-F238E27FC236}">
+                <a16:creationId xmlns:a16="http://schemas.microsoft.com/office/drawing/2014/main" id="{8D82AA93-8395-4284-84B2-D82C0BA0DFAA}"/>
+              </a:ext>
+            </a:extLst>
+          </p:cNvPr>
+          <p:cNvSpPr>
+            <a:spLocks noGrp="1"/>
+          </p:cNvSpPr>
+          <p:nvPr>
+            <p:ph type="title"/>
+          </p:nvPr>
+        </p:nvSpPr>
+        <p:spPr>
+          <a:xfrm>
+            <a:off x="838200" y="365125"/>
+            <a:ext cx="10515600" cy="734805"/>
+          </a:xfrm>
+        </p:spPr>
+        <p:txBody>
+          <a:bodyPr/>
+          <a:lstStyle/>
+          <a:p>
+            <a:r>
+              <a:rPr lang="zh-CN" altLang="en-US" dirty="0"/>
+              <a:t>案例分析</a:t>
+            </a:r>
+          </a:p>
+        </p:txBody>
+      </p:sp>
+      <p:sp>
+        <p:nvSpPr>
+          <p:cNvPr id="3" name="内容占位符 2">
+            <a:extLst>
+              <a:ext uri="{FF2B5EF4-FFF2-40B4-BE49-F238E27FC236}">
+                <a16:creationId xmlns:a16="http://schemas.microsoft.com/office/drawing/2014/main" id="{C449262C-29D6-4927-8EF7-62785ABB5951}"/>
+              </a:ext>
+            </a:extLst>
+          </p:cNvPr>
+          <p:cNvSpPr>
+            <a:spLocks noGrp="1"/>
+          </p:cNvSpPr>
+          <p:nvPr>
+            <p:ph idx="1"/>
+          </p:nvPr>
+        </p:nvSpPr>
+        <p:spPr>
+          <a:xfrm>
+            <a:off x="838200" y="1348547"/>
+            <a:ext cx="10087708" cy="3071053"/>
+          </a:xfrm>
+        </p:spPr>
+        <p:txBody>
+          <a:bodyPr>
+            <a:normAutofit/>
+          </a:bodyPr>
+          <a:lstStyle/>
+          <a:p>
+            <a:r>
+              <a:rPr lang="en-US" altLang="zh-CN" dirty="0"/>
+              <a:t>test </a:t>
+            </a:r>
+            <a:r>
+              <a:rPr lang="zh-CN" altLang="en-US" dirty="0"/>
+              <a:t>即可称为一个测试用例，</a:t>
+            </a:r>
+            <a:r>
+              <a:rPr lang="zh-CN" altLang="en-US" b="0" i="0" dirty="0">
+                <a:effectLst/>
+                <a:latin typeface="-apple-system"/>
+              </a:rPr>
+              <a:t>第一个参数是测试的名称，第二个参数是个函数，在函数内可以写一些测试逻辑</a:t>
+            </a:r>
+            <a:endParaRPr lang="en-US" altLang="zh-CN" dirty="0"/>
+          </a:p>
+          <a:p>
+            <a:r>
+              <a:rPr lang="en-US" altLang="zh-CN" dirty="0"/>
+              <a:t>expect </a:t>
+            </a:r>
+            <a:r>
+              <a:rPr lang="zh-CN" altLang="en-US" dirty="0"/>
+              <a:t>函数返回一个期望值对象，这个对象为我们提供了丰富的</a:t>
+            </a:r>
+            <a:r>
+              <a:rPr lang="en-US" altLang="zh-CN" dirty="0" err="1"/>
+              <a:t>api</a:t>
+            </a:r>
+            <a:r>
+              <a:rPr lang="zh-CN" altLang="en-US" dirty="0"/>
+              <a:t>用来对程序结果与预期是否一致进行判断，称为“断言”</a:t>
+            </a:r>
+            <a:endParaRPr lang="en-US" altLang="zh-CN" dirty="0"/>
+          </a:p>
+          <a:p>
+            <a:r>
+              <a:rPr lang="en-US" altLang="zh-CN" dirty="0" err="1"/>
+              <a:t>toBe</a:t>
+            </a:r>
+            <a:r>
+              <a:rPr lang="en-US" altLang="zh-CN" dirty="0"/>
+              <a:t> </a:t>
+            </a:r>
+            <a:r>
+              <a:rPr lang="zh-CN" altLang="en-US" dirty="0"/>
+              <a:t>就是一个匹配器，用来判断结果和匹配器中的值是否一致</a:t>
+            </a:r>
+            <a:endParaRPr lang="en-US" altLang="zh-CN" dirty="0"/>
+          </a:p>
+          <a:p>
+            <a:pPr marL="0" indent="0">
+              <a:buNone/>
+            </a:pPr>
+            <a:r>
+              <a:rPr lang="en-US" altLang="zh-CN" dirty="0"/>
+              <a:t>	</a:t>
+            </a:r>
+            <a:endParaRPr lang="en-US" altLang="zh-CN" dirty="0">
+              <a:solidFill>
+                <a:srgbClr val="111111"/>
+              </a:solidFill>
+              <a:latin typeface="Courier New" panose="02070309020205020404" pitchFamily="49" charset="0"/>
+            </a:endParaRPr>
+          </a:p>
+          <a:p>
+            <a:pPr marL="0" indent="0">
+              <a:buNone/>
+            </a:pPr>
+            <a:r>
+              <a:rPr lang="en-US" altLang="zh-CN" dirty="0">
+                <a:solidFill>
+                  <a:srgbClr val="111111"/>
+                </a:solidFill>
+                <a:latin typeface="Courier New" panose="02070309020205020404" pitchFamily="49" charset="0"/>
+              </a:rPr>
+              <a:t>	</a:t>
+            </a:r>
+            <a:endParaRPr lang="en-US" altLang="zh-CN" dirty="0">
+              <a:solidFill>
+                <a:srgbClr val="353535"/>
+              </a:solidFill>
+              <a:latin typeface="-apple-system"/>
+            </a:endParaRPr>
+          </a:p>
+          <a:p>
+            <a:pPr marL="0" indent="0">
+              <a:buNone/>
+            </a:pPr>
+            <a:endParaRPr lang="en-US" altLang="zh-CN" dirty="0"/>
+          </a:p>
+        </p:txBody>
+      </p:sp>
+      <p:sp>
+        <p:nvSpPr>
           <p:cNvPr id="4" name="文本框 3">
             <a:extLst>
               <a:ext uri="{FF2B5EF4-FFF2-40B4-BE49-F238E27FC236}">
-                <a16:creationId xmlns:a16="http://schemas.microsoft.com/office/drawing/2014/main" id="{FA8E3916-74BB-40D5-9A63-FDB5144FAE58}"/>
+                <a16:creationId xmlns:a16="http://schemas.microsoft.com/office/drawing/2014/main" id="{21672C13-A154-4622-8D13-5E59131C8CC7}"/>
               </a:ext>
             </a:extLst>
           </p:cNvPr>
@@ -10812,8 +13022,8 @@
         </p:nvSpPr>
         <p:spPr>
           <a:xfrm>
-            <a:off x="6096000" y="821634"/>
-            <a:ext cx="4956313" cy="5632311"/>
+            <a:off x="1043354" y="4206552"/>
+            <a:ext cx="9882554" cy="2031325"/>
           </a:xfrm>
           <a:prstGeom prst="rect">
             <a:avLst/>
@@ -10827,758 +13037,130 @@
           <a:lstStyle/>
           <a:p>
             <a:r>
-              <a:rPr lang="zh-CN" altLang="en-US" b="0" i="0" dirty="0">
-                <a:effectLst/>
+              <a:rPr lang="en-US" altLang="zh-CN" dirty="0"/>
+              <a:t>Jest </a:t>
+            </a:r>
+            <a:r>
+              <a:rPr lang="zh-CN" altLang="en-US" dirty="0"/>
+              <a:t>的基本测试是通过</a:t>
+            </a:r>
+            <a:r>
+              <a:rPr lang="en-US" altLang="zh-CN" dirty="0"/>
+              <a:t>expect</a:t>
+            </a:r>
+            <a:r>
+              <a:rPr lang="zh-CN" altLang="en-US" dirty="0"/>
+              <a:t>实现的</a:t>
+            </a:r>
+            <a:endParaRPr lang="en-US" altLang="zh-CN" dirty="0"/>
+          </a:p>
+          <a:p>
+            <a:endParaRPr lang="en-US" altLang="zh-CN" dirty="0"/>
+          </a:p>
+          <a:p>
+            <a:r>
+              <a:rPr lang="zh-CN" altLang="en-US" dirty="0"/>
+              <a:t>默认配置，</a:t>
+            </a:r>
+            <a:r>
+              <a:rPr lang="en-US" altLang="zh-CN" dirty="0"/>
+              <a:t> </a:t>
+            </a:r>
+            <a:r>
+              <a:rPr lang="en-US" altLang="zh-CN" dirty="0" err="1"/>
+              <a:t>testMatch</a:t>
+            </a:r>
+            <a:r>
+              <a:rPr lang="en-US" altLang="zh-CN" dirty="0"/>
+              <a:t>: **/__tests__/**/*.[</a:t>
+            </a:r>
+            <a:r>
+              <a:rPr lang="en-US" altLang="zh-CN" dirty="0" err="1"/>
+              <a:t>jt</a:t>
+            </a:r>
+            <a:r>
+              <a:rPr lang="en-US" altLang="zh-CN" dirty="0"/>
+              <a:t>]s?(x), **/?(*.)+(</a:t>
+            </a:r>
+            <a:r>
+              <a:rPr lang="en-US" altLang="zh-CN" dirty="0" err="1"/>
+              <a:t>spec|test</a:t>
+            </a:r>
+            <a:r>
+              <a:rPr lang="en-US" altLang="zh-CN" dirty="0"/>
+              <a:t>).[</a:t>
+            </a:r>
+            <a:r>
+              <a:rPr lang="en-US" altLang="zh-CN" dirty="0" err="1"/>
+              <a:t>tj</a:t>
+            </a:r>
+            <a:r>
+              <a:rPr lang="en-US" altLang="zh-CN" dirty="0"/>
+              <a:t>]s?(x) </a:t>
+            </a:r>
+            <a:r>
+              <a:rPr lang="zh-CN" altLang="en-US" dirty="0"/>
+              <a:t>，会匹配</a:t>
+            </a:r>
+            <a:endParaRPr lang="en-US" altLang="zh-CN" dirty="0"/>
+          </a:p>
+          <a:p>
+            <a:r>
+              <a:rPr lang="en-US" altLang="zh-CN" dirty="0"/>
+              <a:t>__tests__ </a:t>
+            </a:r>
+            <a:r>
+              <a:rPr lang="zh-CN" altLang="en-US" dirty="0"/>
+              <a:t>文件夹下 所有 </a:t>
+            </a:r>
+            <a:r>
+              <a:rPr lang="en-US" altLang="zh-CN" dirty="0"/>
+              <a:t>.spec.js</a:t>
+            </a:r>
+            <a:r>
+              <a:rPr lang="zh-CN" altLang="en-US" dirty="0"/>
+              <a:t>或</a:t>
+            </a:r>
+            <a:r>
+              <a:rPr lang="en-US" altLang="zh-CN" dirty="0"/>
+              <a:t>.test.js </a:t>
+            </a:r>
+            <a:r>
+              <a:rPr lang="zh-CN" altLang="en-US" dirty="0"/>
+              <a:t>结尾的文件测试，因此此前 执行的 </a:t>
+            </a:r>
+            <a:r>
+              <a:rPr lang="en-US" altLang="zh-CN" dirty="0">
                 <a:latin typeface="SFMono-Regular"/>
               </a:rPr>
-              <a:t>开始使用：</a:t>
-            </a:r>
-            <a:endParaRPr lang="en-US" altLang="zh-CN" b="0" i="0" dirty="0">
-              <a:effectLst/>
+              <a:t>jest ‘sum.test.js’ </a:t>
+            </a:r>
+            <a:r>
+              <a:rPr lang="zh-CN" altLang="en-US" dirty="0">
+                <a:latin typeface="SFMono-Regular"/>
+              </a:rPr>
+              <a:t>实际上后面是一个正则，执行了匹配到的文件</a:t>
+            </a:r>
+            <a:endParaRPr lang="en-US" altLang="zh-CN" dirty="0">
               <a:latin typeface="SFMono-Regular"/>
             </a:endParaRPr>
           </a:p>
           <a:p>
-            <a:endParaRPr lang="en-US" altLang="zh-CN" b="0" i="0" dirty="0">
-              <a:effectLst/>
-              <a:latin typeface="SFMono-Regular"/>
-            </a:endParaRPr>
-          </a:p>
-          <a:p>
-            <a:r>
-              <a:rPr lang="en-US" altLang="zh-CN" b="0" i="0" dirty="0" err="1">
-                <a:effectLst/>
-                <a:latin typeface="SFMono-Regular"/>
-              </a:rPr>
-              <a:t>npm</a:t>
-            </a:r>
-            <a:r>
-              <a:rPr lang="en-US" altLang="zh-CN" b="0" i="0" dirty="0">
-                <a:effectLst/>
-                <a:latin typeface="SFMono-Regular"/>
-              </a:rPr>
-              <a:t> install --save-dev jest</a:t>
-            </a:r>
-            <a:r>
-              <a:rPr lang="zh-CN" altLang="en-US" b="0" i="0" dirty="0">
-                <a:effectLst/>
-                <a:latin typeface="SFMono-Regular"/>
-              </a:rPr>
-              <a:t>，安装模块</a:t>
-            </a:r>
             <a:endParaRPr lang="en-US" altLang="zh-CN" dirty="0"/>
           </a:p>
           <a:p>
+            <a:r>
+              <a:rPr lang="zh-CN" altLang="en-US" dirty="0"/>
+              <a:t> 事实上，测试脚本中都会含有至少一句断言</a:t>
+            </a:r>
             <a:endParaRPr lang="en-US" altLang="zh-CN" dirty="0"/>
-          </a:p>
-          <a:p>
-            <a:r>
-              <a:rPr lang="zh-CN" altLang="en-US" dirty="0"/>
-              <a:t>来看一个最基础的例子</a:t>
-            </a:r>
-            <a:endParaRPr lang="en-US" altLang="zh-CN" dirty="0"/>
-          </a:p>
-          <a:p>
-            <a:endParaRPr lang="en-US" altLang="zh-CN" dirty="0"/>
-          </a:p>
-          <a:p>
-            <a:r>
-              <a:rPr lang="en-US" altLang="zh-CN" dirty="0"/>
-              <a:t>sum.js</a:t>
-            </a:r>
-          </a:p>
-          <a:p>
-            <a:r>
-              <a:rPr lang="en-US" altLang="zh-CN" b="1" i="0" dirty="0">
-                <a:solidFill>
-                  <a:srgbClr val="297A29"/>
-                </a:solidFill>
-                <a:effectLst/>
-                <a:latin typeface="inherit"/>
-              </a:rPr>
-              <a:t>function</a:t>
-            </a:r>
-            <a:r>
-              <a:rPr lang="en-US" altLang="zh-CN" b="0" i="0" dirty="0">
-                <a:solidFill>
-                  <a:srgbClr val="000000"/>
-                </a:solidFill>
-                <a:effectLst/>
-                <a:latin typeface="SFMono-Regular"/>
-              </a:rPr>
-              <a:t> </a:t>
-            </a:r>
-            <a:r>
-              <a:rPr lang="en-US" altLang="zh-CN" b="1" i="0" dirty="0">
-                <a:solidFill>
-                  <a:srgbClr val="1373C2"/>
-                </a:solidFill>
-                <a:effectLst/>
-                <a:latin typeface="inherit"/>
-              </a:rPr>
-              <a:t>sum</a:t>
-            </a:r>
-            <a:r>
-              <a:rPr lang="en-US" altLang="zh-CN" b="0" i="0" dirty="0">
-                <a:solidFill>
-                  <a:srgbClr val="000000"/>
-                </a:solidFill>
-                <a:effectLst/>
-                <a:latin typeface="SFMono-Regular"/>
-              </a:rPr>
-              <a:t>(</a:t>
-            </a:r>
-            <a:r>
-              <a:rPr lang="en-US" altLang="zh-CN" b="0" i="0" dirty="0">
-                <a:solidFill>
-                  <a:srgbClr val="6B2E85"/>
-                </a:solidFill>
-                <a:effectLst/>
-                <a:latin typeface="inherit"/>
-              </a:rPr>
-              <a:t>a, b</a:t>
-            </a:r>
-            <a:r>
-              <a:rPr lang="en-US" altLang="zh-CN" b="0" i="0" dirty="0">
-                <a:solidFill>
-                  <a:srgbClr val="000000"/>
-                </a:solidFill>
-                <a:effectLst/>
-                <a:latin typeface="SFMono-Regular"/>
-              </a:rPr>
-              <a:t>) {</a:t>
-            </a:r>
-          </a:p>
-          <a:p>
-            <a:r>
-              <a:rPr lang="en-US" altLang="zh-CN" dirty="0">
-                <a:solidFill>
-                  <a:srgbClr val="000000"/>
-                </a:solidFill>
-                <a:latin typeface="SFMono-Regular"/>
-              </a:rPr>
-              <a:t>	</a:t>
-            </a:r>
-            <a:r>
-              <a:rPr lang="en-US" altLang="zh-CN" b="0" i="0" dirty="0">
-                <a:solidFill>
-                  <a:srgbClr val="000000"/>
-                </a:solidFill>
-                <a:effectLst/>
-                <a:latin typeface="SFMono-Regular"/>
-              </a:rPr>
-              <a:t> </a:t>
-            </a:r>
-            <a:r>
-              <a:rPr lang="en-US" altLang="zh-CN" b="1" i="0" dirty="0">
-                <a:solidFill>
-                  <a:srgbClr val="297A29"/>
-                </a:solidFill>
-                <a:effectLst/>
-                <a:latin typeface="SFMono-Regular"/>
-              </a:rPr>
-              <a:t>return</a:t>
-            </a:r>
-            <a:r>
-              <a:rPr lang="en-US" altLang="zh-CN" b="0" i="0" dirty="0">
-                <a:solidFill>
-                  <a:srgbClr val="000000"/>
-                </a:solidFill>
-                <a:effectLst/>
-                <a:latin typeface="SFMono-Regular"/>
-              </a:rPr>
-              <a:t> a + b;</a:t>
-            </a:r>
-          </a:p>
-          <a:p>
-            <a:r>
-              <a:rPr lang="en-US" altLang="zh-CN" b="0" i="0" dirty="0">
-                <a:solidFill>
-                  <a:srgbClr val="000000"/>
-                </a:solidFill>
-                <a:effectLst/>
-                <a:latin typeface="SFMono-Regular"/>
-              </a:rPr>
-              <a:t> } </a:t>
-            </a:r>
-          </a:p>
-          <a:p>
-            <a:r>
-              <a:rPr lang="en-US" altLang="zh-CN" b="0" i="0" dirty="0" err="1">
-                <a:solidFill>
-                  <a:srgbClr val="6B2E85"/>
-                </a:solidFill>
-                <a:effectLst/>
-                <a:latin typeface="SFMono-Regular"/>
-              </a:rPr>
-              <a:t>module</a:t>
-            </a:r>
-            <a:r>
-              <a:rPr lang="en-US" altLang="zh-CN" b="0" i="0" dirty="0" err="1">
-                <a:solidFill>
-                  <a:srgbClr val="000000"/>
-                </a:solidFill>
-                <a:effectLst/>
-                <a:latin typeface="SFMono-Regular"/>
-              </a:rPr>
-              <a:t>.exports</a:t>
-            </a:r>
-            <a:r>
-              <a:rPr lang="en-US" altLang="zh-CN" b="0" i="0" dirty="0">
-                <a:solidFill>
-                  <a:srgbClr val="000000"/>
-                </a:solidFill>
-                <a:effectLst/>
-                <a:latin typeface="SFMono-Regular"/>
-              </a:rPr>
-              <a:t> = sum;</a:t>
-            </a:r>
-          </a:p>
-          <a:p>
-            <a:endParaRPr lang="en-US" altLang="zh-CN" dirty="0">
-              <a:solidFill>
-                <a:srgbClr val="000000"/>
-              </a:solidFill>
-              <a:latin typeface="SFMono-Regular"/>
-            </a:endParaRPr>
-          </a:p>
-          <a:p>
-            <a:r>
-              <a:rPr lang="en-US" altLang="zh-CN" dirty="0"/>
-              <a:t>sum.test.js</a:t>
-            </a:r>
-          </a:p>
-          <a:p>
-            <a:r>
-              <a:rPr lang="en-US" altLang="zh-CN" b="1" i="0" dirty="0">
-                <a:solidFill>
-                  <a:srgbClr val="297A29"/>
-                </a:solidFill>
-                <a:effectLst/>
-                <a:latin typeface="SFMono-Regular"/>
-              </a:rPr>
-              <a:t>const</a:t>
-            </a:r>
-            <a:r>
-              <a:rPr lang="en-US" altLang="zh-CN" b="0" i="0" dirty="0">
-                <a:solidFill>
-                  <a:srgbClr val="000000"/>
-                </a:solidFill>
-                <a:effectLst/>
-                <a:latin typeface="SFMono-Regular"/>
-              </a:rPr>
-              <a:t> sum = </a:t>
-            </a:r>
-            <a:r>
-              <a:rPr lang="en-US" altLang="zh-CN" b="0" i="0" dirty="0">
-                <a:solidFill>
-                  <a:srgbClr val="6B2E85"/>
-                </a:solidFill>
-                <a:effectLst/>
-                <a:latin typeface="SFMono-Regular"/>
-              </a:rPr>
-              <a:t>require</a:t>
-            </a:r>
-            <a:r>
-              <a:rPr lang="en-US" altLang="zh-CN" b="0" i="0" dirty="0">
-                <a:solidFill>
-                  <a:srgbClr val="000000"/>
-                </a:solidFill>
-                <a:effectLst/>
-                <a:latin typeface="SFMono-Regular"/>
-              </a:rPr>
-              <a:t>(</a:t>
-            </a:r>
-            <a:r>
-              <a:rPr lang="en-US" altLang="zh-CN" b="0" i="0" dirty="0">
-                <a:solidFill>
-                  <a:srgbClr val="C21325"/>
-                </a:solidFill>
-                <a:effectLst/>
-                <a:latin typeface="SFMono-Regular"/>
-              </a:rPr>
-              <a:t>'./sum’</a:t>
-            </a:r>
-            <a:r>
-              <a:rPr lang="en-US" altLang="zh-CN" b="0" i="0" dirty="0">
-                <a:solidFill>
-                  <a:srgbClr val="000000"/>
-                </a:solidFill>
-                <a:effectLst/>
-                <a:latin typeface="SFMono-Regular"/>
-              </a:rPr>
-              <a:t>); </a:t>
-            </a:r>
-          </a:p>
-          <a:p>
-            <a:r>
-              <a:rPr lang="en-US" altLang="zh-CN" b="0" i="0" dirty="0">
-                <a:solidFill>
-                  <a:srgbClr val="000000"/>
-                </a:solidFill>
-                <a:effectLst/>
-                <a:latin typeface="SFMono-Regular"/>
-              </a:rPr>
-              <a:t>test(</a:t>
-            </a:r>
-            <a:r>
-              <a:rPr lang="en-US" altLang="zh-CN" b="0" i="0" dirty="0">
-                <a:solidFill>
-                  <a:srgbClr val="C21325"/>
-                </a:solidFill>
-                <a:effectLst/>
-                <a:latin typeface="SFMono-Regular"/>
-              </a:rPr>
-              <a:t>'adds 1 + 2 to equal 3'</a:t>
-            </a:r>
-            <a:r>
-              <a:rPr lang="en-US" altLang="zh-CN" b="0" i="0" dirty="0">
-                <a:solidFill>
-                  <a:srgbClr val="000000"/>
-                </a:solidFill>
-                <a:effectLst/>
-                <a:latin typeface="SFMono-Regular"/>
-              </a:rPr>
-              <a:t>, () =&gt; { </a:t>
-            </a:r>
-          </a:p>
-          <a:p>
-            <a:r>
-              <a:rPr lang="en-US" altLang="zh-CN" dirty="0">
-                <a:solidFill>
-                  <a:srgbClr val="000000"/>
-                </a:solidFill>
-                <a:latin typeface="SFMono-Regular"/>
-              </a:rPr>
-              <a:t>	// expect  jest </a:t>
-            </a:r>
-            <a:r>
-              <a:rPr lang="zh-CN" altLang="en-US" dirty="0">
-                <a:solidFill>
-                  <a:srgbClr val="000000"/>
-                </a:solidFill>
-                <a:latin typeface="SFMono-Regular"/>
-              </a:rPr>
-              <a:t>提供的断言</a:t>
-            </a:r>
-            <a:endParaRPr lang="en-US" altLang="zh-CN" b="0" i="0" dirty="0">
-              <a:solidFill>
-                <a:srgbClr val="000000"/>
-              </a:solidFill>
-              <a:effectLst/>
-              <a:latin typeface="SFMono-Regular"/>
-            </a:endParaRPr>
-          </a:p>
-          <a:p>
-            <a:r>
-              <a:rPr lang="en-US" altLang="zh-CN" dirty="0">
-                <a:solidFill>
-                  <a:srgbClr val="000000"/>
-                </a:solidFill>
-                <a:latin typeface="SFMono-Regular"/>
-              </a:rPr>
-              <a:t>	</a:t>
-            </a:r>
-            <a:r>
-              <a:rPr lang="en-US" altLang="zh-CN" b="0" i="0" dirty="0">
-                <a:solidFill>
-                  <a:srgbClr val="000000"/>
-                </a:solidFill>
-                <a:effectLst/>
-                <a:latin typeface="SFMono-Regular"/>
-              </a:rPr>
-              <a:t>expect(sum(</a:t>
-            </a:r>
-            <a:r>
-              <a:rPr lang="en-US" altLang="zh-CN" b="0" i="0" dirty="0">
-                <a:solidFill>
-                  <a:srgbClr val="1373C2"/>
-                </a:solidFill>
-                <a:effectLst/>
-                <a:latin typeface="SFMono-Regular"/>
-              </a:rPr>
-              <a:t>1</a:t>
-            </a:r>
-            <a:r>
-              <a:rPr lang="en-US" altLang="zh-CN" b="0" i="0" dirty="0">
-                <a:solidFill>
-                  <a:srgbClr val="000000"/>
-                </a:solidFill>
-                <a:effectLst/>
-                <a:latin typeface="SFMono-Regular"/>
-              </a:rPr>
-              <a:t>, </a:t>
-            </a:r>
-            <a:r>
-              <a:rPr lang="en-US" altLang="zh-CN" b="0" i="0" dirty="0">
-                <a:solidFill>
-                  <a:srgbClr val="1373C2"/>
-                </a:solidFill>
-                <a:effectLst/>
-                <a:latin typeface="SFMono-Regular"/>
-              </a:rPr>
-              <a:t>2</a:t>
-            </a:r>
-            <a:r>
-              <a:rPr lang="en-US" altLang="zh-CN" b="0" i="0" dirty="0">
-                <a:solidFill>
-                  <a:srgbClr val="000000"/>
-                </a:solidFill>
-                <a:effectLst/>
-                <a:latin typeface="SFMono-Regular"/>
-              </a:rPr>
-              <a:t>)).</a:t>
-            </a:r>
-            <a:r>
-              <a:rPr lang="en-US" altLang="zh-CN" b="0" i="0" dirty="0" err="1">
-                <a:solidFill>
-                  <a:srgbClr val="000000"/>
-                </a:solidFill>
-                <a:effectLst/>
-                <a:latin typeface="SFMono-Regular"/>
-              </a:rPr>
-              <a:t>toBe</a:t>
-            </a:r>
-            <a:r>
-              <a:rPr lang="en-US" altLang="zh-CN" b="0" i="0" dirty="0">
-                <a:solidFill>
-                  <a:srgbClr val="000000"/>
-                </a:solidFill>
-                <a:effectLst/>
-                <a:latin typeface="SFMono-Regular"/>
-              </a:rPr>
-              <a:t>(</a:t>
-            </a:r>
-            <a:r>
-              <a:rPr lang="en-US" altLang="zh-CN" b="0" i="0" dirty="0">
-                <a:solidFill>
-                  <a:srgbClr val="1373C2"/>
-                </a:solidFill>
-                <a:effectLst/>
-                <a:latin typeface="SFMono-Regular"/>
-              </a:rPr>
-              <a:t>3</a:t>
-            </a:r>
-            <a:r>
-              <a:rPr lang="en-US" altLang="zh-CN" b="0" i="0" dirty="0">
-                <a:solidFill>
-                  <a:srgbClr val="000000"/>
-                </a:solidFill>
-                <a:effectLst/>
-                <a:latin typeface="SFMono-Regular"/>
-              </a:rPr>
-              <a:t>); </a:t>
-            </a:r>
-          </a:p>
-          <a:p>
-            <a:r>
-              <a:rPr lang="en-US" altLang="zh-CN" b="0" i="0" dirty="0">
-                <a:solidFill>
-                  <a:srgbClr val="000000"/>
-                </a:solidFill>
-                <a:effectLst/>
-                <a:latin typeface="SFMono-Regular"/>
-              </a:rPr>
-              <a:t>});</a:t>
-            </a:r>
-          </a:p>
-          <a:p>
-            <a:endParaRPr lang="en-US" altLang="zh-CN" dirty="0">
-              <a:solidFill>
-                <a:srgbClr val="000000"/>
-              </a:solidFill>
-              <a:latin typeface="SFMono-Regular"/>
-            </a:endParaRPr>
-          </a:p>
-          <a:p>
-            <a:r>
-              <a:rPr lang="zh-CN" altLang="en-US" dirty="0">
-                <a:latin typeface="SFMono-Regular"/>
-              </a:rPr>
-              <a:t>运行</a:t>
-            </a:r>
-            <a:r>
-              <a:rPr lang="en-US" altLang="zh-CN" dirty="0">
-                <a:latin typeface="SFMono-Regular"/>
-              </a:rPr>
-              <a:t>	node sum.test.js ,</a:t>
-            </a:r>
-            <a:r>
-              <a:rPr lang="zh-CN" altLang="en-US" dirty="0">
-                <a:latin typeface="SFMono-Regular"/>
-              </a:rPr>
-              <a:t>会看到一个用例通过</a:t>
-            </a:r>
-            <a:endParaRPr lang="zh-CN" altLang="en-US" dirty="0"/>
-          </a:p>
-        </p:txBody>
-      </p:sp>
-      <p:sp>
-        <p:nvSpPr>
-          <p:cNvPr id="7" name="文本框 6">
-            <a:extLst>
-              <a:ext uri="{FF2B5EF4-FFF2-40B4-BE49-F238E27FC236}">
-                <a16:creationId xmlns:a16="http://schemas.microsoft.com/office/drawing/2014/main" id="{3BB7C46C-12A3-493B-BC5E-C15957507360}"/>
-              </a:ext>
-            </a:extLst>
-          </p:cNvPr>
-          <p:cNvSpPr txBox="1"/>
-          <p:nvPr/>
-        </p:nvSpPr>
-        <p:spPr>
-          <a:xfrm>
-            <a:off x="755374" y="955453"/>
-            <a:ext cx="4810539" cy="5909310"/>
-          </a:xfrm>
-          <a:prstGeom prst="rect">
-            <a:avLst/>
-          </a:prstGeom>
-          <a:noFill/>
-        </p:spPr>
-        <p:txBody>
-          <a:bodyPr wrap="square" rtlCol="0">
-            <a:spAutoFit/>
-          </a:bodyPr>
-          <a:lstStyle/>
-          <a:p>
-            <a:r>
-              <a:rPr lang="en-US" altLang="zh-CN" b="1" dirty="0">
-                <a:latin typeface="微软雅黑" panose="020B0503020204020204" pitchFamily="34" charset="-122"/>
-                <a:ea typeface="微软雅黑" panose="020B0503020204020204" pitchFamily="34" charset="-122"/>
-              </a:rPr>
-              <a:t>jest</a:t>
-            </a:r>
-            <a:r>
-              <a:rPr lang="zh-CN" altLang="en-US" dirty="0">
-                <a:latin typeface="微软雅黑" panose="020B0503020204020204" pitchFamily="34" charset="-122"/>
-                <a:ea typeface="微软雅黑" panose="020B0503020204020204" pitchFamily="34" charset="-122"/>
-              </a:rPr>
-              <a:t>是基于</a:t>
-            </a:r>
-            <a:r>
-              <a:rPr lang="en-US" altLang="zh-CN" b="1" i="0" dirty="0">
-                <a:effectLst/>
-                <a:latin typeface="微软雅黑" panose="020B0503020204020204" pitchFamily="34" charset="-122"/>
-                <a:ea typeface="微软雅黑" panose="020B0503020204020204" pitchFamily="34" charset="-122"/>
-              </a:rPr>
-              <a:t>Jasmine</a:t>
-            </a:r>
-            <a:r>
-              <a:rPr lang="zh-CN" altLang="en-US" b="0" i="0" dirty="0">
-                <a:effectLst/>
-                <a:latin typeface="微软雅黑" panose="020B0503020204020204" pitchFamily="34" charset="-122"/>
-                <a:ea typeface="微软雅黑" panose="020B0503020204020204" pitchFamily="34" charset="-122"/>
-              </a:rPr>
-              <a:t>的，做了大量修改并添加了很多特性，同样开箱即用，但异步测试支持良好；</a:t>
-            </a:r>
-            <a:endParaRPr lang="en-US" altLang="zh-CN" b="0" i="0" dirty="0">
-              <a:effectLst/>
-              <a:latin typeface="微软雅黑" panose="020B0503020204020204" pitchFamily="34" charset="-122"/>
-              <a:ea typeface="微软雅黑" panose="020B0503020204020204" pitchFamily="34" charset="-122"/>
-            </a:endParaRPr>
-          </a:p>
-          <a:p>
-            <a:endParaRPr lang="en-US" altLang="zh-CN" b="0" i="0" dirty="0">
-              <a:solidFill>
-                <a:srgbClr val="353535"/>
-              </a:solidFill>
-              <a:effectLst/>
-              <a:latin typeface="-apple-system"/>
-            </a:endParaRPr>
-          </a:p>
-          <a:p>
-            <a:pPr algn="l">
-              <a:buFont typeface="Arial" panose="020B0604020202020204" pitchFamily="34" charset="0"/>
-              <a:buChar char="•"/>
-            </a:pPr>
-            <a:r>
-              <a:rPr lang="zh-CN" altLang="en-US" b="0" i="0" dirty="0">
-                <a:effectLst/>
-                <a:latin typeface="-apple-system"/>
-              </a:rPr>
-              <a:t>零配置：在大部分项目中都可以实现开箱即用，无需配置</a:t>
-            </a:r>
-            <a:endParaRPr lang="en-US" altLang="zh-CN" b="0" i="0" dirty="0">
-              <a:effectLst/>
-              <a:latin typeface="-apple-system"/>
-            </a:endParaRPr>
-          </a:p>
-          <a:p>
-            <a:pPr algn="l">
-              <a:buFont typeface="Arial" panose="020B0604020202020204" pitchFamily="34" charset="0"/>
-              <a:buChar char="•"/>
-            </a:pPr>
-            <a:endParaRPr lang="zh-CN" altLang="en-US" b="0" i="0" dirty="0">
-              <a:effectLst/>
-              <a:latin typeface="-apple-system"/>
-            </a:endParaRPr>
-          </a:p>
-          <a:p>
-            <a:pPr algn="l">
-              <a:buFont typeface="Arial" panose="020B0604020202020204" pitchFamily="34" charset="0"/>
-              <a:buChar char="•"/>
-            </a:pPr>
-            <a:r>
-              <a:rPr lang="zh-CN" altLang="en-US" b="0" i="0" dirty="0">
-                <a:effectLst/>
-                <a:latin typeface="-apple-system"/>
-              </a:rPr>
-              <a:t>速度快：根据文件的修改进行测试，不会每次测试全部实例</a:t>
-            </a:r>
-            <a:endParaRPr lang="en-US" altLang="zh-CN" b="0" i="0" dirty="0">
-              <a:effectLst/>
-              <a:latin typeface="-apple-system"/>
-            </a:endParaRPr>
-          </a:p>
-          <a:p>
-            <a:pPr algn="l">
-              <a:buFont typeface="Arial" panose="020B0604020202020204" pitchFamily="34" charset="0"/>
-              <a:buChar char="•"/>
-            </a:pPr>
-            <a:endParaRPr lang="zh-CN" altLang="en-US" b="0" i="0" dirty="0">
-              <a:effectLst/>
-              <a:latin typeface="-apple-system"/>
-            </a:endParaRPr>
-          </a:p>
-          <a:p>
-            <a:pPr algn="l">
-              <a:buFont typeface="Arial" panose="020B0604020202020204" pitchFamily="34" charset="0"/>
-              <a:buChar char="•"/>
-            </a:pPr>
-            <a:r>
-              <a:rPr lang="zh-CN" altLang="en-US" b="0" i="0" dirty="0">
-                <a:effectLst/>
-                <a:latin typeface="-apple-system"/>
-              </a:rPr>
-              <a:t>快照功能：能够进行简单快速的测试</a:t>
-            </a:r>
-          </a:p>
-          <a:p>
-            <a:pPr algn="l">
-              <a:buFont typeface="Arial" panose="020B0604020202020204" pitchFamily="34" charset="0"/>
-              <a:buChar char="•"/>
-            </a:pPr>
-            <a:r>
-              <a:rPr lang="zh-CN" altLang="en-US" b="0" i="0" dirty="0">
-                <a:effectLst/>
-                <a:latin typeface="-apple-system"/>
-              </a:rPr>
-              <a:t>隔离性好：不同的测试文件环境独立，不会相互影响</a:t>
-            </a:r>
-            <a:endParaRPr lang="en-US" altLang="zh-CN" b="0" i="0" dirty="0">
-              <a:effectLst/>
-              <a:latin typeface="-apple-system"/>
-            </a:endParaRPr>
-          </a:p>
-          <a:p>
-            <a:pPr algn="l">
-              <a:buFont typeface="Arial" panose="020B0604020202020204" pitchFamily="34" charset="0"/>
-              <a:buChar char="•"/>
-            </a:pPr>
-            <a:endParaRPr lang="zh-CN" altLang="en-US" b="0" i="0" dirty="0">
-              <a:effectLst/>
-              <a:latin typeface="-apple-system"/>
-            </a:endParaRPr>
-          </a:p>
-          <a:p>
-            <a:pPr algn="l">
-              <a:buFont typeface="Arial" panose="020B0604020202020204" pitchFamily="34" charset="0"/>
-              <a:buChar char="•"/>
-            </a:pPr>
-            <a:r>
-              <a:rPr lang="en-US" altLang="zh-CN" b="0" i="0" dirty="0" err="1">
-                <a:effectLst/>
-                <a:latin typeface="-apple-system"/>
-              </a:rPr>
-              <a:t>api</a:t>
-            </a:r>
-            <a:r>
-              <a:rPr lang="zh-CN" altLang="en-US" b="0" i="0" dirty="0">
-                <a:effectLst/>
-                <a:latin typeface="-apple-system"/>
-              </a:rPr>
-              <a:t>简单</a:t>
-            </a:r>
-            <a:endParaRPr lang="en-US" altLang="zh-CN" b="0" i="0" dirty="0">
-              <a:effectLst/>
-              <a:latin typeface="-apple-system"/>
-            </a:endParaRPr>
-          </a:p>
-          <a:p>
-            <a:pPr algn="l">
-              <a:buFont typeface="Arial" panose="020B0604020202020204" pitchFamily="34" charset="0"/>
-              <a:buChar char="•"/>
-            </a:pPr>
-            <a:endParaRPr lang="zh-CN" altLang="en-US" b="0" i="0" dirty="0">
-              <a:effectLst/>
-              <a:latin typeface="-apple-system"/>
-            </a:endParaRPr>
-          </a:p>
-          <a:p>
-            <a:pPr algn="l">
-              <a:buFont typeface="Arial" panose="020B0604020202020204" pitchFamily="34" charset="0"/>
-              <a:buChar char="•"/>
-            </a:pPr>
-            <a:r>
-              <a:rPr lang="en-US" altLang="zh-CN" b="0" i="0" dirty="0">
-                <a:effectLst/>
-                <a:latin typeface="-apple-system"/>
-              </a:rPr>
-              <a:t>mock</a:t>
-            </a:r>
-            <a:r>
-              <a:rPr lang="zh-CN" altLang="en-US" b="0" i="0" dirty="0">
-                <a:effectLst/>
-                <a:latin typeface="-apple-system"/>
-              </a:rPr>
-              <a:t>丰富</a:t>
-            </a:r>
-            <a:endParaRPr lang="en-US" altLang="zh-CN" b="0" i="0" dirty="0">
-              <a:effectLst/>
-              <a:latin typeface="-apple-system"/>
-            </a:endParaRPr>
-          </a:p>
-          <a:p>
-            <a:pPr algn="l">
-              <a:buFont typeface="Arial" panose="020B0604020202020204" pitchFamily="34" charset="0"/>
-              <a:buChar char="•"/>
-            </a:pPr>
-            <a:endParaRPr lang="zh-CN" altLang="en-US" b="0" i="0" dirty="0">
-              <a:effectLst/>
-              <a:latin typeface="-apple-system"/>
-            </a:endParaRPr>
-          </a:p>
-          <a:p>
-            <a:pPr algn="l">
-              <a:buFont typeface="Arial" panose="020B0604020202020204" pitchFamily="34" charset="0"/>
-              <a:buChar char="•"/>
-            </a:pPr>
-            <a:r>
-              <a:rPr lang="zh-CN" altLang="en-US" b="0" i="0" dirty="0">
-                <a:effectLst/>
-                <a:latin typeface="-apple-system"/>
-              </a:rPr>
-              <a:t>等等</a:t>
-            </a:r>
-          </a:p>
-          <a:p>
-            <a:endParaRPr lang="en-US" altLang="zh-CN" b="0" i="0" dirty="0">
-              <a:solidFill>
-                <a:srgbClr val="353535"/>
-              </a:solidFill>
-              <a:effectLst/>
-              <a:latin typeface="-apple-system"/>
-            </a:endParaRPr>
-          </a:p>
-          <a:p>
-            <a:endParaRPr lang="zh-CN" altLang="en-US" dirty="0"/>
           </a:p>
         </p:txBody>
       </p:sp>
     </p:spTree>
     <p:extLst>
       <p:ext uri="{BB962C8B-B14F-4D97-AF65-F5344CB8AC3E}">
-        <p14:creationId xmlns:p14="http://schemas.microsoft.com/office/powerpoint/2010/main" val="1025004233"/>
+        <p14:creationId xmlns:p14="http://schemas.microsoft.com/office/powerpoint/2010/main" val="430691367"/>
       </p:ext>
     </p:extLst>
   </p:cSld>

--- a/王博书的分享/自动化测试.pptx
+++ b/王博书的分享/自动化测试.pptx
@@ -5,7 +5,7 @@
     <p:sldMasterId id="2147483678" r:id="rId1"/>
   </p:sldMasterIdLst>
   <p:notesMasterIdLst>
-    <p:notesMasterId r:id="rId16"/>
+    <p:notesMasterId r:id="rId18"/>
   </p:notesMasterIdLst>
   <p:sldIdLst>
     <p:sldId id="256" r:id="rId2"/>
@@ -19,9 +19,11 @@
     <p:sldId id="263" r:id="rId10"/>
     <p:sldId id="265" r:id="rId11"/>
     <p:sldId id="266" r:id="rId12"/>
-    <p:sldId id="269" r:id="rId13"/>
-    <p:sldId id="267" r:id="rId14"/>
-    <p:sldId id="268" r:id="rId15"/>
+    <p:sldId id="270" r:id="rId13"/>
+    <p:sldId id="271" r:id="rId14"/>
+    <p:sldId id="269" r:id="rId15"/>
+    <p:sldId id="267" r:id="rId16"/>
+    <p:sldId id="268" r:id="rId17"/>
   </p:sldIdLst>
   <p:sldSz cx="12192000" cy="6858000"/>
   <p:notesSz cx="6858000" cy="9144000"/>
@@ -7187,22 +7189,34 @@
               <a:buNone/>
             </a:pPr>
             <a:r>
-              <a:rPr lang="en-US" altLang="zh-CN" b="0" dirty="0">
-                <a:effectLst/>
+              <a:rPr lang="en-US" altLang="zh-CN" sz="1800" dirty="0">
+                <a:solidFill>
+                  <a:srgbClr val="DCDCAA"/>
+                </a:solidFill>
                 <a:latin typeface="Consolas" panose="020B0609020204030204" pitchFamily="49" charset="0"/>
+                <a:ea typeface="+mn-ea"/>
+                <a:cs typeface="+mn-cs"/>
               </a:rPr>
               <a:t>Jest</a:t>
             </a:r>
             <a:r>
-              <a:rPr lang="zh-CN" altLang="en-US" b="0" dirty="0">
-                <a:effectLst/>
+              <a:rPr lang="zh-CN" altLang="en-US" sz="1800" dirty="0">
+                <a:solidFill>
+                  <a:srgbClr val="DCDCAA"/>
+                </a:solidFill>
                 <a:latin typeface="Consolas" panose="020B0609020204030204" pitchFamily="49" charset="0"/>
+                <a:ea typeface="+mn-ea"/>
+                <a:cs typeface="+mn-cs"/>
               </a:rPr>
               <a:t>提供的异步测试方法如下：</a:t>
             </a:r>
-            <a:endParaRPr lang="en-US" altLang="zh-CN" b="0" dirty="0">
-              <a:effectLst/>
+            <a:endParaRPr lang="en-US" altLang="zh-CN" sz="1800" dirty="0">
+              <a:solidFill>
+                <a:srgbClr val="DCDCAA"/>
+              </a:solidFill>
               <a:latin typeface="Consolas" panose="020B0609020204030204" pitchFamily="49" charset="0"/>
+              <a:ea typeface="+mn-ea"/>
+              <a:cs typeface="+mn-cs"/>
             </a:endParaRPr>
           </a:p>
           <a:p>
@@ -7357,22 +7371,13 @@
           <a:lstStyle/>
           <a:p>
             <a:r>
-              <a:rPr lang="zh-CN" altLang="en-US">
+              <a:rPr lang="zh-CN" altLang="en-US" dirty="0">
                 <a:solidFill>
                   <a:srgbClr val="DCDCAA"/>
                 </a:solidFill>
                 <a:latin typeface="Consolas" panose="020B0609020204030204" pitchFamily="49" charset="0"/>
               </a:rPr>
-              <a:t>错误</a:t>
-            </a:r>
-            <a:r>
-              <a:rPr lang="zh-CN" altLang="en-US" dirty="0">
-                <a:solidFill>
-                  <a:srgbClr val="DCDCAA"/>
-                </a:solidFill>
-                <a:latin typeface="Consolas" panose="020B0609020204030204" pitchFamily="49" charset="0"/>
-              </a:rPr>
-              <a:t>写法：</a:t>
+              <a:t>错误写法：</a:t>
             </a:r>
             <a:endParaRPr lang="en-US" altLang="zh-CN" b="0" dirty="0">
               <a:solidFill>
@@ -7903,10 +7908,10 @@
       </p:grpSpPr>
       <p:sp>
         <p:nvSpPr>
-          <p:cNvPr id="2" name="标题 1">
+          <p:cNvPr id="4" name="标题 1">
             <a:extLst>
               <a:ext uri="{FF2B5EF4-FFF2-40B4-BE49-F238E27FC236}">
-                <a16:creationId xmlns:a16="http://schemas.microsoft.com/office/drawing/2014/main" id="{452C430A-1319-437B-B8C7-248836839F6D}"/>
+                <a16:creationId xmlns:a16="http://schemas.microsoft.com/office/drawing/2014/main" id="{3DA6D7E9-CE1B-43F6-B174-57ED4397697E}"/>
               </a:ext>
             </a:extLst>
           </p:cNvPr>
@@ -7929,187 +7934,615 @@
           <a:p>
             <a:r>
               <a:rPr lang="zh-CN" altLang="en-US" dirty="0"/>
-              <a:t>其他功能介绍</a:t>
-            </a:r>
-          </a:p>
-        </p:txBody>
-      </p:sp>
-      <p:sp>
-        <p:nvSpPr>
-          <p:cNvPr id="3" name="内容占位符 2">
+              <a:t>钩子函数</a:t>
+            </a:r>
+          </a:p>
+        </p:txBody>
+      </p:sp>
+      <p:sp>
+        <p:nvSpPr>
+          <p:cNvPr id="5" name="文本框 4">
             <a:extLst>
               <a:ext uri="{FF2B5EF4-FFF2-40B4-BE49-F238E27FC236}">
-                <a16:creationId xmlns:a16="http://schemas.microsoft.com/office/drawing/2014/main" id="{316FC422-B27E-4F62-836F-CBE3F81E2893}"/>
+                <a16:creationId xmlns:a16="http://schemas.microsoft.com/office/drawing/2014/main" id="{56E0BB49-5F82-4BAA-B6DA-3CD77B99ACFD}"/>
               </a:ext>
             </a:extLst>
           </p:cNvPr>
-          <p:cNvSpPr>
-            <a:spLocks noGrp="1"/>
-          </p:cNvSpPr>
-          <p:nvPr>
-            <p:ph idx="1"/>
-          </p:nvPr>
+          <p:cNvSpPr txBox="1"/>
+          <p:nvPr/>
         </p:nvSpPr>
         <p:spPr>
           <a:xfrm>
-            <a:off x="838200" y="1348547"/>
-            <a:ext cx="10087708" cy="3071053"/>
+            <a:off x="980661" y="1404730"/>
+            <a:ext cx="4121426" cy="2585323"/>
           </a:xfrm>
+          <a:prstGeom prst="rect">
+            <a:avLst/>
+          </a:prstGeom>
+          <a:noFill/>
         </p:spPr>
         <p:txBody>
-          <a:bodyPr>
-            <a:normAutofit lnSpcReduction="10000"/>
+          <a:bodyPr wrap="square" rtlCol="0">
+            <a:spAutoFit/>
           </a:bodyPr>
           <a:lstStyle/>
           <a:p>
-            <a:pPr>
-              <a:lnSpc>
-                <a:spcPct val="200000"/>
-              </a:lnSpc>
+            <a:pPr marL="285750" indent="-285750">
+              <a:buFont typeface="Arial" panose="020B0604020202020204" pitchFamily="34" charset="0"/>
+              <a:buChar char="•"/>
             </a:pPr>
             <a:r>
-              <a:rPr lang="en-US" altLang="zh-CN" dirty="0">
-                <a:latin typeface="微软雅黑" panose="020B0503020204020204" pitchFamily="34" charset="-122"/>
-                <a:ea typeface="微软雅黑" panose="020B0503020204020204" pitchFamily="34" charset="-122"/>
-              </a:rPr>
-              <a:t>scripts </a:t>
-            </a:r>
-            <a:r>
-              <a:rPr lang="zh-CN" altLang="en-US" dirty="0">
-                <a:latin typeface="微软雅黑" panose="020B0503020204020204" pitchFamily="34" charset="-122"/>
-                <a:ea typeface="微软雅黑" panose="020B0503020204020204" pitchFamily="34" charset="-122"/>
-              </a:rPr>
-              <a:t>命令 中 使用 </a:t>
-            </a:r>
-            <a:r>
-              <a:rPr lang="en-US" altLang="zh-CN" dirty="0">
-                <a:latin typeface="微软雅黑" panose="020B0503020204020204" pitchFamily="34" charset="-122"/>
-                <a:ea typeface="微软雅黑" panose="020B0503020204020204" pitchFamily="34" charset="-122"/>
-              </a:rPr>
-              <a:t>jest  --watch </a:t>
-            </a:r>
-            <a:r>
-              <a:rPr lang="zh-CN" altLang="en-US" dirty="0">
-                <a:latin typeface="微软雅黑" panose="020B0503020204020204" pitchFamily="34" charset="-122"/>
-                <a:ea typeface="微软雅黑" panose="020B0503020204020204" pitchFamily="34" charset="-122"/>
-              </a:rPr>
-              <a:t>，可以监控所有文件变化，文件更改就可以自动重新测试</a:t>
-            </a:r>
-            <a:endParaRPr lang="en-US" altLang="zh-CN" dirty="0">
-              <a:latin typeface="微软雅黑" panose="020B0503020204020204" pitchFamily="34" charset="-122"/>
-              <a:ea typeface="微软雅黑" panose="020B0503020204020204" pitchFamily="34" charset="-122"/>
-            </a:endParaRPr>
-          </a:p>
-          <a:p>
-            <a:pPr>
-              <a:lnSpc>
-                <a:spcPct val="200000"/>
-              </a:lnSpc>
+              <a:rPr lang="en-US" altLang="zh-CN" dirty="0" err="1"/>
+              <a:t>beforeAll</a:t>
+            </a:r>
+            <a:r>
+              <a:rPr lang="en-US" altLang="zh-CN" dirty="0"/>
+              <a:t> </a:t>
+            </a:r>
+            <a:r>
+              <a:rPr lang="zh-CN" altLang="en-US" dirty="0"/>
+              <a:t>钩子</a:t>
+            </a:r>
+            <a:endParaRPr lang="en-US" altLang="zh-CN" dirty="0"/>
+          </a:p>
+          <a:p>
+            <a:pPr marL="285750" indent="-285750">
+              <a:buFont typeface="Arial" panose="020B0604020202020204" pitchFamily="34" charset="0"/>
+              <a:buChar char="•"/>
             </a:pPr>
             <a:r>
-              <a:rPr lang="zh-CN" altLang="en-US" dirty="0">
-                <a:latin typeface="微软雅黑" panose="020B0503020204020204" pitchFamily="34" charset="-122"/>
-                <a:ea typeface="微软雅黑" panose="020B0503020204020204" pitchFamily="34" charset="-122"/>
-              </a:rPr>
-              <a:t>使用 </a:t>
-            </a:r>
-            <a:r>
-              <a:rPr lang="en-US" altLang="zh-CN" dirty="0">
-                <a:latin typeface="微软雅黑" panose="020B0503020204020204" pitchFamily="34" charset="-122"/>
-                <a:ea typeface="微软雅黑" panose="020B0503020204020204" pitchFamily="34" charset="-122"/>
-              </a:rPr>
-              <a:t>jest –</a:t>
-            </a:r>
-            <a:r>
-              <a:rPr lang="en-US" altLang="zh-CN" dirty="0" err="1">
-                <a:latin typeface="微软雅黑" panose="020B0503020204020204" pitchFamily="34" charset="-122"/>
-                <a:ea typeface="微软雅黑" panose="020B0503020204020204" pitchFamily="34" charset="-122"/>
-              </a:rPr>
-              <a:t>init</a:t>
-            </a:r>
-            <a:r>
-              <a:rPr lang="zh-CN" altLang="en-US" dirty="0">
-                <a:latin typeface="微软雅黑" panose="020B0503020204020204" pitchFamily="34" charset="-122"/>
-                <a:ea typeface="微软雅黑" panose="020B0503020204020204" pitchFamily="34" charset="-122"/>
-              </a:rPr>
-              <a:t>可以生成一个基础的</a:t>
-            </a:r>
-            <a:r>
-              <a:rPr lang="en-US" altLang="zh-CN" dirty="0">
-                <a:latin typeface="微软雅黑" panose="020B0503020204020204" pitchFamily="34" charset="-122"/>
-                <a:ea typeface="微软雅黑" panose="020B0503020204020204" pitchFamily="34" charset="-122"/>
-              </a:rPr>
-              <a:t>jest </a:t>
-            </a:r>
-            <a:r>
-              <a:rPr lang="zh-CN" altLang="en-US" dirty="0">
-                <a:latin typeface="微软雅黑" panose="020B0503020204020204" pitchFamily="34" charset="-122"/>
-                <a:ea typeface="微软雅黑" panose="020B0503020204020204" pitchFamily="34" charset="-122"/>
-              </a:rPr>
-              <a:t>配置文件</a:t>
-            </a:r>
-            <a:endParaRPr lang="en-US" altLang="zh-CN" dirty="0">
-              <a:latin typeface="微软雅黑" panose="020B0503020204020204" pitchFamily="34" charset="-122"/>
-              <a:ea typeface="微软雅黑" panose="020B0503020204020204" pitchFamily="34" charset="-122"/>
-            </a:endParaRPr>
-          </a:p>
-          <a:p>
-            <a:pPr>
-              <a:lnSpc>
-                <a:spcPct val="200000"/>
-              </a:lnSpc>
+              <a:rPr lang="en-US" altLang="zh-CN" dirty="0" err="1"/>
+              <a:t>beforeEach</a:t>
+            </a:r>
+            <a:r>
+              <a:rPr lang="en-US" altLang="zh-CN" dirty="0"/>
+              <a:t> </a:t>
+            </a:r>
+            <a:r>
+              <a:rPr lang="zh-CN" altLang="en-US" dirty="0"/>
+              <a:t>钩子</a:t>
+            </a:r>
+            <a:endParaRPr lang="en-US" altLang="zh-CN" dirty="0"/>
+          </a:p>
+          <a:p>
+            <a:pPr marL="285750" indent="-285750">
+              <a:buFont typeface="Arial" panose="020B0604020202020204" pitchFamily="34" charset="0"/>
+              <a:buChar char="•"/>
             </a:pPr>
             <a:r>
-              <a:rPr lang="en-US" altLang="zh-CN" dirty="0">
-                <a:latin typeface="微软雅黑" panose="020B0503020204020204" pitchFamily="34" charset="-122"/>
-                <a:ea typeface="微软雅黑" panose="020B0503020204020204" pitchFamily="34" charset="-122"/>
-              </a:rPr>
-              <a:t>–coverage </a:t>
-            </a:r>
-            <a:r>
-              <a:rPr lang="zh-CN" altLang="en-US" dirty="0">
-                <a:latin typeface="微软雅黑" panose="020B0503020204020204" pitchFamily="34" charset="-122"/>
-                <a:ea typeface="微软雅黑" panose="020B0503020204020204" pitchFamily="34" charset="-122"/>
-              </a:rPr>
-              <a:t>可将测试覆盖率信息输出为报告，会生成测试覆盖率的详细信息</a:t>
-            </a:r>
-            <a:endParaRPr lang="en-US" altLang="zh-CN" dirty="0">
-              <a:latin typeface="微软雅黑" panose="020B0503020204020204" pitchFamily="34" charset="-122"/>
-              <a:ea typeface="微软雅黑" panose="020B0503020204020204" pitchFamily="34" charset="-122"/>
-            </a:endParaRPr>
-          </a:p>
-          <a:p>
-            <a:pPr marL="0" indent="0">
-              <a:buNone/>
+              <a:rPr lang="en-US" altLang="zh-CN" dirty="0" err="1"/>
+              <a:t>afterEach</a:t>
+            </a:r>
+            <a:r>
+              <a:rPr lang="en-US" altLang="zh-CN" dirty="0"/>
+              <a:t> </a:t>
+            </a:r>
+            <a:r>
+              <a:rPr lang="zh-CN" altLang="en-US" dirty="0"/>
+              <a:t>钩子</a:t>
+            </a:r>
+            <a:endParaRPr lang="en-US" altLang="zh-CN" dirty="0"/>
+          </a:p>
+          <a:p>
+            <a:pPr marL="285750" indent="-285750">
+              <a:buFont typeface="Arial" panose="020B0604020202020204" pitchFamily="34" charset="0"/>
+              <a:buChar char="•"/>
             </a:pPr>
             <a:r>
-              <a:rPr lang="en-US" altLang="zh-CN" dirty="0">
-                <a:solidFill>
-                  <a:srgbClr val="111111"/>
-                </a:solidFill>
-                <a:latin typeface="Courier New" panose="02070309020205020404" pitchFamily="49" charset="0"/>
-              </a:rPr>
-              <a:t>	</a:t>
-            </a:r>
-            <a:endParaRPr lang="en-US" altLang="zh-CN" dirty="0">
-              <a:solidFill>
-                <a:srgbClr val="353535"/>
-              </a:solidFill>
-              <a:latin typeface="-apple-system"/>
-            </a:endParaRPr>
-          </a:p>
-          <a:p>
-            <a:pPr marL="0" indent="0">
-              <a:buNone/>
+              <a:rPr lang="en-US" altLang="zh-CN" dirty="0" err="1"/>
+              <a:t>afterAll</a:t>
+            </a:r>
+            <a:r>
+              <a:rPr lang="en-US" altLang="zh-CN" dirty="0"/>
+              <a:t> </a:t>
+            </a:r>
+            <a:r>
+              <a:rPr lang="zh-CN" altLang="en-US" dirty="0"/>
+              <a:t>钩子</a:t>
+            </a:r>
+            <a:endParaRPr lang="en-US" altLang="zh-CN" dirty="0"/>
+          </a:p>
+          <a:p>
+            <a:pPr marL="285750" indent="-285750">
+              <a:buFont typeface="Arial" panose="020B0604020202020204" pitchFamily="34" charset="0"/>
+              <a:buChar char="•"/>
             </a:pPr>
             <a:endParaRPr lang="en-US" altLang="zh-CN" dirty="0"/>
+          </a:p>
+          <a:p>
+            <a:r>
+              <a:rPr lang="en-US" altLang="zh-CN" b="1" dirty="0"/>
+              <a:t>describe</a:t>
+            </a:r>
+            <a:r>
+              <a:rPr lang="en-US" altLang="zh-CN" dirty="0"/>
+              <a:t> </a:t>
+            </a:r>
+            <a:r>
+              <a:rPr lang="zh-CN" altLang="en-US" dirty="0"/>
+              <a:t>块中也有提供以上钩子</a:t>
+            </a:r>
+            <a:endParaRPr lang="en-US" altLang="zh-CN" dirty="0"/>
+          </a:p>
+          <a:p>
+            <a:endParaRPr lang="en-US" altLang="zh-CN" dirty="0"/>
+          </a:p>
+          <a:p>
+            <a:r>
+              <a:rPr lang="zh-CN" altLang="en-US" dirty="0"/>
+              <a:t>他们的执行顺序是</a:t>
+            </a:r>
+            <a:endParaRPr lang="en-US" altLang="zh-CN" dirty="0"/>
+          </a:p>
+          <a:p>
+            <a:endParaRPr lang="zh-CN" altLang="en-US" dirty="0"/>
+          </a:p>
+        </p:txBody>
+      </p:sp>
+      <p:sp>
+        <p:nvSpPr>
+          <p:cNvPr id="7" name="箭头: 五边形 6">
+            <a:extLst>
+              <a:ext uri="{FF2B5EF4-FFF2-40B4-BE49-F238E27FC236}">
+                <a16:creationId xmlns:a16="http://schemas.microsoft.com/office/drawing/2014/main" id="{7F2AB56B-2707-4EE2-A026-552F5AD4718C}"/>
+              </a:ext>
+            </a:extLst>
+          </p:cNvPr>
+          <p:cNvSpPr/>
+          <p:nvPr/>
+        </p:nvSpPr>
+        <p:spPr>
+          <a:xfrm>
+            <a:off x="1086678" y="4028661"/>
+            <a:ext cx="1669774" cy="649356"/>
+          </a:xfrm>
+          <a:prstGeom prst="homePlate">
+            <a:avLst/>
+          </a:prstGeom>
+        </p:spPr>
+        <p:style>
+          <a:lnRef idx="2">
+            <a:schemeClr val="accent1">
+              <a:shade val="50000"/>
+            </a:schemeClr>
+          </a:lnRef>
+          <a:fillRef idx="1">
+            <a:schemeClr val="accent1"/>
+          </a:fillRef>
+          <a:effectRef idx="0">
+            <a:schemeClr val="accent1"/>
+          </a:effectRef>
+          <a:fontRef idx="minor">
+            <a:schemeClr val="lt1"/>
+          </a:fontRef>
+        </p:style>
+        <p:txBody>
+          <a:bodyPr rtlCol="0" anchor="ctr"/>
+          <a:lstStyle/>
+          <a:p>
+            <a:r>
+              <a:rPr lang="zh-CN" altLang="en-US" b="1" dirty="0"/>
+              <a:t>文件内 </a:t>
+            </a:r>
+            <a:r>
+              <a:rPr lang="en-US" altLang="zh-CN" dirty="0" err="1"/>
+              <a:t>beforeAll</a:t>
+            </a:r>
+            <a:r>
+              <a:rPr lang="en-US" altLang="zh-CN" dirty="0"/>
+              <a:t> </a:t>
+            </a:r>
+          </a:p>
+        </p:txBody>
+      </p:sp>
+      <p:sp>
+        <p:nvSpPr>
+          <p:cNvPr id="10" name="箭头: 五边形 9">
+            <a:extLst>
+              <a:ext uri="{FF2B5EF4-FFF2-40B4-BE49-F238E27FC236}">
+                <a16:creationId xmlns:a16="http://schemas.microsoft.com/office/drawing/2014/main" id="{19DC7929-27A7-45A4-ADED-CBE25B7646FD}"/>
+              </a:ext>
+            </a:extLst>
+          </p:cNvPr>
+          <p:cNvSpPr/>
+          <p:nvPr/>
+        </p:nvSpPr>
+        <p:spPr>
+          <a:xfrm>
+            <a:off x="3061252" y="4035287"/>
+            <a:ext cx="1669774" cy="649356"/>
+          </a:xfrm>
+          <a:prstGeom prst="homePlate">
+            <a:avLst/>
+          </a:prstGeom>
+        </p:spPr>
+        <p:style>
+          <a:lnRef idx="2">
+            <a:schemeClr val="accent1">
+              <a:shade val="50000"/>
+            </a:schemeClr>
+          </a:lnRef>
+          <a:fillRef idx="1">
+            <a:schemeClr val="accent1"/>
+          </a:fillRef>
+          <a:effectRef idx="0">
+            <a:schemeClr val="accent1"/>
+          </a:effectRef>
+          <a:fontRef idx="minor">
+            <a:schemeClr val="lt1"/>
+          </a:fontRef>
+        </p:style>
+        <p:txBody>
+          <a:bodyPr rtlCol="0" anchor="ctr"/>
+          <a:lstStyle/>
+          <a:p>
+            <a:r>
+              <a:rPr lang="en-US" altLang="zh-CN" b="1" dirty="0"/>
+              <a:t>describe </a:t>
+            </a:r>
+            <a:r>
+              <a:rPr lang="en-US" altLang="zh-CN" dirty="0" err="1"/>
+              <a:t>beforeAll</a:t>
+            </a:r>
+            <a:r>
+              <a:rPr lang="en-US" altLang="zh-CN" dirty="0"/>
+              <a:t> </a:t>
+            </a:r>
+          </a:p>
+        </p:txBody>
+      </p:sp>
+      <p:sp>
+        <p:nvSpPr>
+          <p:cNvPr id="11" name="箭头: 五边形 10">
+            <a:extLst>
+              <a:ext uri="{FF2B5EF4-FFF2-40B4-BE49-F238E27FC236}">
+                <a16:creationId xmlns:a16="http://schemas.microsoft.com/office/drawing/2014/main" id="{D80F189E-C1F2-4E34-9AB7-1A2A8A806221}"/>
+              </a:ext>
+            </a:extLst>
+          </p:cNvPr>
+          <p:cNvSpPr/>
+          <p:nvPr/>
+        </p:nvSpPr>
+        <p:spPr>
+          <a:xfrm>
+            <a:off x="5102087" y="4035287"/>
+            <a:ext cx="1669774" cy="649356"/>
+          </a:xfrm>
+          <a:prstGeom prst="homePlate">
+            <a:avLst/>
+          </a:prstGeom>
+        </p:spPr>
+        <p:style>
+          <a:lnRef idx="2">
+            <a:schemeClr val="accent1">
+              <a:shade val="50000"/>
+            </a:schemeClr>
+          </a:lnRef>
+          <a:fillRef idx="1">
+            <a:schemeClr val="accent1"/>
+          </a:fillRef>
+          <a:effectRef idx="0">
+            <a:schemeClr val="accent1"/>
+          </a:effectRef>
+          <a:fontRef idx="minor">
+            <a:schemeClr val="lt1"/>
+          </a:fontRef>
+        </p:style>
+        <p:txBody>
+          <a:bodyPr rtlCol="0" anchor="ctr"/>
+          <a:lstStyle/>
+          <a:p>
+            <a:r>
+              <a:rPr lang="zh-CN" altLang="en-US" b="1" dirty="0"/>
+              <a:t>文件内 </a:t>
+            </a:r>
+            <a:r>
+              <a:rPr lang="en-US" altLang="zh-CN" dirty="0" err="1"/>
+              <a:t>beforeEach</a:t>
+            </a:r>
+            <a:r>
+              <a:rPr lang="en-US" altLang="zh-CN" dirty="0"/>
+              <a:t> </a:t>
+            </a:r>
+          </a:p>
+        </p:txBody>
+      </p:sp>
+      <p:sp>
+        <p:nvSpPr>
+          <p:cNvPr id="12" name="箭头: 五边形 11">
+            <a:extLst>
+              <a:ext uri="{FF2B5EF4-FFF2-40B4-BE49-F238E27FC236}">
+                <a16:creationId xmlns:a16="http://schemas.microsoft.com/office/drawing/2014/main" id="{45D06435-49B8-4F51-8E20-567B7D0E8133}"/>
+              </a:ext>
+            </a:extLst>
+          </p:cNvPr>
+          <p:cNvSpPr/>
+          <p:nvPr/>
+        </p:nvSpPr>
+        <p:spPr>
+          <a:xfrm>
+            <a:off x="7242313" y="4035287"/>
+            <a:ext cx="1669774" cy="649356"/>
+          </a:xfrm>
+          <a:prstGeom prst="homePlate">
+            <a:avLst/>
+          </a:prstGeom>
+        </p:spPr>
+        <p:style>
+          <a:lnRef idx="2">
+            <a:schemeClr val="accent1">
+              <a:shade val="50000"/>
+            </a:schemeClr>
+          </a:lnRef>
+          <a:fillRef idx="1">
+            <a:schemeClr val="accent1"/>
+          </a:fillRef>
+          <a:effectRef idx="0">
+            <a:schemeClr val="accent1"/>
+          </a:effectRef>
+          <a:fontRef idx="minor">
+            <a:schemeClr val="lt1"/>
+          </a:fontRef>
+        </p:style>
+        <p:txBody>
+          <a:bodyPr rtlCol="0" anchor="ctr"/>
+          <a:lstStyle/>
+          <a:p>
+            <a:r>
+              <a:rPr lang="en-US" altLang="zh-CN" b="1" dirty="0"/>
+              <a:t>describe</a:t>
+            </a:r>
+            <a:r>
+              <a:rPr lang="zh-CN" altLang="en-US" dirty="0"/>
+              <a:t> </a:t>
+            </a:r>
+            <a:r>
+              <a:rPr lang="en-US" altLang="zh-CN" dirty="0" err="1"/>
+              <a:t>beforeEach</a:t>
+            </a:r>
+            <a:r>
+              <a:rPr lang="en-US" altLang="zh-CN" dirty="0"/>
+              <a:t> </a:t>
+            </a:r>
+          </a:p>
+        </p:txBody>
+      </p:sp>
+      <p:sp>
+        <p:nvSpPr>
+          <p:cNvPr id="13" name="箭头: 五边形 12">
+            <a:extLst>
+              <a:ext uri="{FF2B5EF4-FFF2-40B4-BE49-F238E27FC236}">
+                <a16:creationId xmlns:a16="http://schemas.microsoft.com/office/drawing/2014/main" id="{FD4FE7A0-9BC3-41A3-B1BC-5FED63EF25BE}"/>
+              </a:ext>
+            </a:extLst>
+          </p:cNvPr>
+          <p:cNvSpPr/>
+          <p:nvPr/>
+        </p:nvSpPr>
+        <p:spPr>
+          <a:xfrm>
+            <a:off x="1086678" y="5128592"/>
+            <a:ext cx="1669774" cy="649356"/>
+          </a:xfrm>
+          <a:prstGeom prst="homePlate">
+            <a:avLst/>
+          </a:prstGeom>
+        </p:spPr>
+        <p:style>
+          <a:lnRef idx="2">
+            <a:schemeClr val="accent1">
+              <a:shade val="50000"/>
+            </a:schemeClr>
+          </a:lnRef>
+          <a:fillRef idx="1">
+            <a:schemeClr val="accent1"/>
+          </a:fillRef>
+          <a:effectRef idx="0">
+            <a:schemeClr val="accent1"/>
+          </a:effectRef>
+          <a:fontRef idx="minor">
+            <a:schemeClr val="lt1"/>
+          </a:fontRef>
+        </p:style>
+        <p:txBody>
+          <a:bodyPr rtlCol="0" anchor="ctr"/>
+          <a:lstStyle/>
+          <a:p>
+            <a:r>
+              <a:rPr lang="en-US" altLang="zh-CN" b="1" dirty="0"/>
+              <a:t>describe</a:t>
+            </a:r>
+            <a:r>
+              <a:rPr lang="zh-CN" altLang="en-US" dirty="0"/>
+              <a:t> </a:t>
+            </a:r>
+            <a:r>
+              <a:rPr lang="en-US" altLang="zh-CN" dirty="0" err="1"/>
+              <a:t>afterEach</a:t>
+            </a:r>
+            <a:r>
+              <a:rPr lang="en-US" altLang="zh-CN" dirty="0"/>
+              <a:t> </a:t>
+            </a:r>
+          </a:p>
+        </p:txBody>
+      </p:sp>
+      <p:sp>
+        <p:nvSpPr>
+          <p:cNvPr id="14" name="箭头: 五边形 13">
+            <a:extLst>
+              <a:ext uri="{FF2B5EF4-FFF2-40B4-BE49-F238E27FC236}">
+                <a16:creationId xmlns:a16="http://schemas.microsoft.com/office/drawing/2014/main" id="{A3F515BC-41C0-4278-B43E-D643CFBBEF65}"/>
+              </a:ext>
+            </a:extLst>
+          </p:cNvPr>
+          <p:cNvSpPr/>
+          <p:nvPr/>
+        </p:nvSpPr>
+        <p:spPr>
+          <a:xfrm>
+            <a:off x="3061252" y="5128592"/>
+            <a:ext cx="1669774" cy="649356"/>
+          </a:xfrm>
+          <a:prstGeom prst="homePlate">
+            <a:avLst/>
+          </a:prstGeom>
+        </p:spPr>
+        <p:style>
+          <a:lnRef idx="2">
+            <a:schemeClr val="accent1">
+              <a:shade val="50000"/>
+            </a:schemeClr>
+          </a:lnRef>
+          <a:fillRef idx="1">
+            <a:schemeClr val="accent1"/>
+          </a:fillRef>
+          <a:effectRef idx="0">
+            <a:schemeClr val="accent1"/>
+          </a:effectRef>
+          <a:fontRef idx="minor">
+            <a:schemeClr val="lt1"/>
+          </a:fontRef>
+        </p:style>
+        <p:txBody>
+          <a:bodyPr rtlCol="0" anchor="ctr"/>
+          <a:lstStyle/>
+          <a:p>
+            <a:r>
+              <a:rPr lang="zh-CN" altLang="en-US" b="1" dirty="0"/>
+              <a:t>文件内</a:t>
+            </a:r>
+            <a:r>
+              <a:rPr lang="zh-CN" altLang="en-US" dirty="0"/>
+              <a:t> </a:t>
+            </a:r>
+            <a:r>
+              <a:rPr lang="en-US" altLang="zh-CN" dirty="0" err="1"/>
+              <a:t>afterEach</a:t>
+            </a:r>
+            <a:r>
+              <a:rPr lang="en-US" altLang="zh-CN" dirty="0"/>
+              <a:t> </a:t>
+            </a:r>
+          </a:p>
+        </p:txBody>
+      </p:sp>
+      <p:sp>
+        <p:nvSpPr>
+          <p:cNvPr id="15" name="箭头: 五边形 14">
+            <a:extLst>
+              <a:ext uri="{FF2B5EF4-FFF2-40B4-BE49-F238E27FC236}">
+                <a16:creationId xmlns:a16="http://schemas.microsoft.com/office/drawing/2014/main" id="{270D83EE-0914-4D7A-B218-0527ACC35B3B}"/>
+              </a:ext>
+            </a:extLst>
+          </p:cNvPr>
+          <p:cNvSpPr/>
+          <p:nvPr/>
+        </p:nvSpPr>
+        <p:spPr>
+          <a:xfrm>
+            <a:off x="5102087" y="5188801"/>
+            <a:ext cx="1669774" cy="649356"/>
+          </a:xfrm>
+          <a:prstGeom prst="homePlate">
+            <a:avLst/>
+          </a:prstGeom>
+        </p:spPr>
+        <p:style>
+          <a:lnRef idx="2">
+            <a:schemeClr val="accent1">
+              <a:shade val="50000"/>
+            </a:schemeClr>
+          </a:lnRef>
+          <a:fillRef idx="1">
+            <a:schemeClr val="accent1"/>
+          </a:fillRef>
+          <a:effectRef idx="0">
+            <a:schemeClr val="accent1"/>
+          </a:effectRef>
+          <a:fontRef idx="minor">
+            <a:schemeClr val="lt1"/>
+          </a:fontRef>
+        </p:style>
+        <p:txBody>
+          <a:bodyPr rtlCol="0" anchor="ctr"/>
+          <a:lstStyle/>
+          <a:p>
+            <a:r>
+              <a:rPr lang="en-US" altLang="zh-CN" b="1" dirty="0"/>
+              <a:t>describe </a:t>
+            </a:r>
+            <a:r>
+              <a:rPr lang="en-US" altLang="zh-CN" dirty="0" err="1"/>
+              <a:t>afterAll</a:t>
+            </a:r>
+            <a:r>
+              <a:rPr lang="en-US" altLang="zh-CN" dirty="0"/>
+              <a:t> </a:t>
+            </a:r>
+          </a:p>
+        </p:txBody>
+      </p:sp>
+      <p:sp>
+        <p:nvSpPr>
+          <p:cNvPr id="16" name="箭头: 五边形 15">
+            <a:extLst>
+              <a:ext uri="{FF2B5EF4-FFF2-40B4-BE49-F238E27FC236}">
+                <a16:creationId xmlns:a16="http://schemas.microsoft.com/office/drawing/2014/main" id="{6C598BEF-56EC-476C-86F7-224DE9643781}"/>
+              </a:ext>
+            </a:extLst>
+          </p:cNvPr>
+          <p:cNvSpPr/>
+          <p:nvPr/>
+        </p:nvSpPr>
+        <p:spPr>
+          <a:xfrm>
+            <a:off x="7242313" y="5188801"/>
+            <a:ext cx="1669774" cy="683061"/>
+          </a:xfrm>
+          <a:prstGeom prst="homePlate">
+            <a:avLst/>
+          </a:prstGeom>
+        </p:spPr>
+        <p:style>
+          <a:lnRef idx="2">
+            <a:schemeClr val="accent1">
+              <a:shade val="50000"/>
+            </a:schemeClr>
+          </a:lnRef>
+          <a:fillRef idx="1">
+            <a:schemeClr val="accent1"/>
+          </a:fillRef>
+          <a:effectRef idx="0">
+            <a:schemeClr val="accent1"/>
+          </a:effectRef>
+          <a:fontRef idx="minor">
+            <a:schemeClr val="lt1"/>
+          </a:fontRef>
+        </p:style>
+        <p:txBody>
+          <a:bodyPr rtlCol="0" anchor="ctr"/>
+          <a:lstStyle/>
+          <a:p>
+            <a:r>
+              <a:rPr lang="zh-CN" altLang="en-US" b="1" dirty="0"/>
+              <a:t>文件内 </a:t>
+            </a:r>
+            <a:r>
+              <a:rPr lang="en-US" altLang="zh-CN" dirty="0" err="1"/>
+              <a:t>afterAll</a:t>
+            </a:r>
+            <a:r>
+              <a:rPr lang="en-US" altLang="zh-CN" dirty="0"/>
+              <a:t> </a:t>
+            </a:r>
           </a:p>
         </p:txBody>
       </p:sp>
     </p:spTree>
     <p:extLst>
       <p:ext uri="{BB962C8B-B14F-4D97-AF65-F5344CB8AC3E}">
-        <p14:creationId xmlns:p14="http://schemas.microsoft.com/office/powerpoint/2010/main" val="2311333505"/>
+        <p14:creationId xmlns:p14="http://schemas.microsoft.com/office/powerpoint/2010/main" val="2274135778"/>
       </p:ext>
     </p:extLst>
   </p:cSld>
@@ -8138,6 +8571,840 @@
       </p:grpSpPr>
       <p:sp>
         <p:nvSpPr>
+          <p:cNvPr id="4" name="标题 1">
+            <a:extLst>
+              <a:ext uri="{FF2B5EF4-FFF2-40B4-BE49-F238E27FC236}">
+                <a16:creationId xmlns:a16="http://schemas.microsoft.com/office/drawing/2014/main" id="{F6C5A928-8ED0-44C5-B238-E37FC7442D7B}"/>
+              </a:ext>
+            </a:extLst>
+          </p:cNvPr>
+          <p:cNvSpPr>
+            <a:spLocks noGrp="1"/>
+          </p:cNvSpPr>
+          <p:nvPr>
+            <p:ph type="title"/>
+          </p:nvPr>
+        </p:nvSpPr>
+        <p:spPr>
+          <a:xfrm>
+            <a:off x="838200" y="365126"/>
+            <a:ext cx="10515600" cy="774562"/>
+          </a:xfrm>
+        </p:spPr>
+        <p:txBody>
+          <a:bodyPr/>
+          <a:lstStyle/>
+          <a:p>
+            <a:r>
+              <a:rPr lang="en-US" altLang="zh-CN" dirty="0"/>
+              <a:t>mock</a:t>
+            </a:r>
+            <a:r>
+              <a:rPr lang="zh-CN" altLang="en-US" dirty="0"/>
+              <a:t>函数</a:t>
+            </a:r>
+          </a:p>
+        </p:txBody>
+      </p:sp>
+      <p:sp>
+        <p:nvSpPr>
+          <p:cNvPr id="5" name="文本框 4">
+            <a:extLst>
+              <a:ext uri="{FF2B5EF4-FFF2-40B4-BE49-F238E27FC236}">
+                <a16:creationId xmlns:a16="http://schemas.microsoft.com/office/drawing/2014/main" id="{29D01453-1C73-41B3-BF9D-58708B2AF043}"/>
+              </a:ext>
+            </a:extLst>
+          </p:cNvPr>
+          <p:cNvSpPr txBox="1"/>
+          <p:nvPr/>
+        </p:nvSpPr>
+        <p:spPr>
+          <a:xfrm>
+            <a:off x="838200" y="1493205"/>
+            <a:ext cx="9501808" cy="646331"/>
+          </a:xfrm>
+          <a:prstGeom prst="rect">
+            <a:avLst/>
+          </a:prstGeom>
+          <a:noFill/>
+        </p:spPr>
+        <p:txBody>
+          <a:bodyPr wrap="square" rtlCol="0">
+            <a:spAutoFit/>
+          </a:bodyPr>
+          <a:lstStyle/>
+          <a:p>
+            <a:r>
+              <a:rPr lang="en-US" altLang="zh-CN" dirty="0">
+                <a:solidFill>
+                  <a:schemeClr val="accent2"/>
+                </a:solidFill>
+                <a:latin typeface="微软雅黑" panose="020B0503020204020204" pitchFamily="34" charset="-122"/>
+                <a:ea typeface="微软雅黑" panose="020B0503020204020204" pitchFamily="34" charset="-122"/>
+              </a:rPr>
+              <a:t>mock</a:t>
+            </a:r>
+            <a:r>
+              <a:rPr lang="zh-CN" altLang="en-US" dirty="0">
+                <a:solidFill>
+                  <a:schemeClr val="accent2"/>
+                </a:solidFill>
+                <a:latin typeface="微软雅黑" panose="020B0503020204020204" pitchFamily="34" charset="-122"/>
+                <a:ea typeface="微软雅黑" panose="020B0503020204020204" pitchFamily="34" charset="-122"/>
+              </a:rPr>
+              <a:t>函数可以在你测试实际代码的时候，捕获对函数的调用以及参数和返回值等，也可以用于模拟一些数据</a:t>
+            </a:r>
+          </a:p>
+        </p:txBody>
+      </p:sp>
+      <p:sp>
+        <p:nvSpPr>
+          <p:cNvPr id="6" name="文本框 5">
+            <a:extLst>
+              <a:ext uri="{FF2B5EF4-FFF2-40B4-BE49-F238E27FC236}">
+                <a16:creationId xmlns:a16="http://schemas.microsoft.com/office/drawing/2014/main" id="{07AA53D8-21EF-4E56-9348-261B3C138847}"/>
+              </a:ext>
+            </a:extLst>
+          </p:cNvPr>
+          <p:cNvSpPr txBox="1"/>
+          <p:nvPr/>
+        </p:nvSpPr>
+        <p:spPr>
+          <a:xfrm>
+            <a:off x="967409" y="3021495"/>
+            <a:ext cx="9501808" cy="1754326"/>
+          </a:xfrm>
+          <a:prstGeom prst="rect">
+            <a:avLst/>
+          </a:prstGeom>
+          <a:noFill/>
+        </p:spPr>
+        <p:txBody>
+          <a:bodyPr wrap="square" rtlCol="0">
+            <a:spAutoFit/>
+          </a:bodyPr>
+          <a:lstStyle/>
+          <a:p>
+            <a:pPr marL="285750" indent="-285750">
+              <a:buFont typeface="Arial" panose="020B0604020202020204" pitchFamily="34" charset="0"/>
+              <a:buChar char="•"/>
+            </a:pPr>
+            <a:r>
+              <a:rPr lang="en-US" altLang="zh-CN" dirty="0" err="1">
+                <a:solidFill>
+                  <a:schemeClr val="accent1"/>
+                </a:solidFill>
+              </a:rPr>
+              <a:t>jest.fn</a:t>
+            </a:r>
+            <a:r>
+              <a:rPr lang="en-US" altLang="zh-CN" dirty="0">
+                <a:solidFill>
+                  <a:schemeClr val="accent1"/>
+                </a:solidFill>
+              </a:rPr>
+              <a:t>()</a:t>
+            </a:r>
+            <a:r>
+              <a:rPr lang="zh-CN" altLang="en-US" dirty="0">
+                <a:solidFill>
+                  <a:schemeClr val="accent1"/>
+                </a:solidFill>
+              </a:rPr>
+              <a:t> </a:t>
+            </a:r>
+            <a:r>
+              <a:rPr lang="zh-CN" altLang="en-US" dirty="0"/>
+              <a:t>使用 </a:t>
+            </a:r>
+            <a:r>
+              <a:rPr lang="en-US" altLang="zh-CN" dirty="0"/>
+              <a:t>jest </a:t>
+            </a:r>
+            <a:r>
+              <a:rPr lang="zh-CN" altLang="en-US" dirty="0"/>
+              <a:t>模拟一个函数，可以传入一个函数生成带逻辑的函数</a:t>
+            </a:r>
+            <a:endParaRPr lang="en-US" altLang="zh-CN" dirty="0"/>
+          </a:p>
+          <a:p>
+            <a:pPr marL="285750" indent="-285750">
+              <a:buFont typeface="Arial" panose="020B0604020202020204" pitchFamily="34" charset="0"/>
+              <a:buChar char="•"/>
+            </a:pPr>
+            <a:r>
+              <a:rPr lang="en-US" altLang="zh-CN" dirty="0">
+                <a:solidFill>
+                  <a:schemeClr val="accent1"/>
+                </a:solidFill>
+              </a:rPr>
+              <a:t>.</a:t>
+            </a:r>
+            <a:r>
+              <a:rPr lang="en-US" altLang="zh-CN" dirty="0" err="1">
+                <a:solidFill>
+                  <a:schemeClr val="accent1"/>
+                </a:solidFill>
+              </a:rPr>
+              <a:t>mockReturnValueOnce</a:t>
+            </a:r>
+            <a:r>
+              <a:rPr lang="en-US" altLang="zh-CN" dirty="0">
+                <a:solidFill>
+                  <a:schemeClr val="accent1"/>
+                </a:solidFill>
+              </a:rPr>
+              <a:t>() </a:t>
+            </a:r>
+            <a:r>
+              <a:rPr lang="zh-CN" altLang="en-US" dirty="0"/>
+              <a:t>设置调用一次函数的返回值，设置几个就是几次，相同功能的有 </a:t>
+            </a:r>
+            <a:r>
+              <a:rPr lang="en-US" altLang="zh-CN" dirty="0">
+                <a:solidFill>
+                  <a:schemeClr val="accent1"/>
+                </a:solidFill>
+              </a:rPr>
+              <a:t>.</a:t>
+            </a:r>
+            <a:r>
+              <a:rPr lang="en-US" altLang="zh-CN" dirty="0" err="1">
+                <a:solidFill>
+                  <a:schemeClr val="accent1"/>
+                </a:solidFill>
+              </a:rPr>
+              <a:t>mockImplementationOnce</a:t>
+            </a:r>
+            <a:r>
+              <a:rPr lang="en-US" altLang="zh-CN" dirty="0">
+                <a:solidFill>
+                  <a:schemeClr val="accent1"/>
+                </a:solidFill>
+              </a:rPr>
+              <a:t>(</a:t>
+            </a:r>
+            <a:r>
+              <a:rPr lang="en-US" altLang="zh-CN" dirty="0" err="1">
+                <a:solidFill>
+                  <a:schemeClr val="accent1"/>
+                </a:solidFill>
+              </a:rPr>
+              <a:t>fn</a:t>
+            </a:r>
+            <a:r>
+              <a:rPr lang="en-US" altLang="zh-CN" dirty="0">
+                <a:solidFill>
+                  <a:schemeClr val="accent1"/>
+                </a:solidFill>
+              </a:rPr>
+              <a:t>) </a:t>
+            </a:r>
+            <a:r>
+              <a:rPr lang="zh-CN" altLang="en-US" dirty="0"/>
+              <a:t>，内部接受一个函数，更加灵活</a:t>
+            </a:r>
+            <a:endParaRPr lang="en-US" altLang="zh-CN" dirty="0"/>
+          </a:p>
+          <a:p>
+            <a:pPr marL="285750" indent="-285750">
+              <a:buFont typeface="Arial" panose="020B0604020202020204" pitchFamily="34" charset="0"/>
+              <a:buChar char="•"/>
+            </a:pPr>
+            <a:r>
+              <a:rPr lang="en-US" altLang="zh-CN" dirty="0">
+                <a:solidFill>
+                  <a:schemeClr val="accent1"/>
+                </a:solidFill>
+              </a:rPr>
+              <a:t>.</a:t>
+            </a:r>
+            <a:r>
+              <a:rPr lang="en-US" altLang="zh-CN" dirty="0" err="1">
+                <a:solidFill>
+                  <a:schemeClr val="accent1"/>
+                </a:solidFill>
+              </a:rPr>
+              <a:t>mockReturnValue</a:t>
+            </a:r>
+            <a:r>
+              <a:rPr lang="en-US" altLang="zh-CN" dirty="0">
+                <a:solidFill>
+                  <a:schemeClr val="accent1"/>
+                </a:solidFill>
+              </a:rPr>
+              <a:t>() </a:t>
+            </a:r>
+            <a:r>
+              <a:rPr lang="zh-CN" altLang="en-US" dirty="0"/>
+              <a:t>设置调用函数的返回值，</a:t>
+            </a:r>
+            <a:r>
+              <a:rPr lang="en-US" altLang="zh-CN" dirty="0">
+                <a:solidFill>
+                  <a:schemeClr val="accent1"/>
+                </a:solidFill>
+              </a:rPr>
+              <a:t>. </a:t>
+            </a:r>
+            <a:r>
+              <a:rPr lang="en-US" altLang="zh-CN" dirty="0" err="1">
+                <a:solidFill>
+                  <a:schemeClr val="accent1"/>
+                </a:solidFill>
+              </a:rPr>
+              <a:t>mockReturnValueOnce</a:t>
+            </a:r>
+            <a:r>
+              <a:rPr lang="en-US" altLang="zh-CN" dirty="0">
+                <a:solidFill>
+                  <a:schemeClr val="accent1"/>
+                </a:solidFill>
+              </a:rPr>
+              <a:t> (</a:t>
+            </a:r>
+            <a:r>
+              <a:rPr lang="en-US" altLang="zh-CN" dirty="0" err="1">
+                <a:solidFill>
+                  <a:schemeClr val="accent1"/>
+                </a:solidFill>
+              </a:rPr>
+              <a:t>fn</a:t>
+            </a:r>
+            <a:r>
+              <a:rPr lang="en-US" altLang="zh-CN" dirty="0">
+                <a:solidFill>
+                  <a:schemeClr val="accent1"/>
+                </a:solidFill>
+              </a:rPr>
+              <a:t>)</a:t>
+            </a:r>
+            <a:r>
+              <a:rPr lang="zh-CN" altLang="en-US" dirty="0"/>
+              <a:t>同上</a:t>
+            </a:r>
+            <a:endParaRPr lang="en-US" altLang="zh-CN" dirty="0"/>
+          </a:p>
+          <a:p>
+            <a:pPr marL="285750" indent="-285750">
+              <a:buFont typeface="Arial" panose="020B0604020202020204" pitchFamily="34" charset="0"/>
+              <a:buChar char="•"/>
+            </a:pPr>
+            <a:r>
+              <a:rPr lang="zh-CN" altLang="en-US" dirty="0"/>
+              <a:t>每个 </a:t>
+            </a:r>
+            <a:r>
+              <a:rPr lang="en-US" altLang="zh-CN" dirty="0"/>
+              <a:t>jest </a:t>
+            </a:r>
+            <a:r>
+              <a:rPr lang="zh-CN" altLang="en-US" dirty="0"/>
+              <a:t>生成的模拟函数 都有 </a:t>
+            </a:r>
+            <a:r>
+              <a:rPr lang="en-US" altLang="zh-CN" b="0" i="0" dirty="0">
+                <a:solidFill>
+                  <a:schemeClr val="accent1"/>
+                </a:solidFill>
+                <a:effectLst/>
+                <a:latin typeface="Source Code Pro"/>
+              </a:rPr>
+              <a:t>.mock</a:t>
+            </a:r>
+            <a:r>
+              <a:rPr lang="zh-CN" altLang="en-US" b="0" i="0" dirty="0">
+                <a:effectLst/>
+                <a:latin typeface="Source Code Pro"/>
+              </a:rPr>
+              <a:t>属性</a:t>
+            </a:r>
+            <a:r>
+              <a:rPr lang="en-US" altLang="zh-CN" b="0" i="0" dirty="0">
+                <a:effectLst/>
+                <a:latin typeface="Source Code Pro"/>
+              </a:rPr>
+              <a:t>;</a:t>
+            </a:r>
+            <a:r>
+              <a:rPr lang="en-US" altLang="zh-CN" b="0" i="0" dirty="0">
+                <a:solidFill>
+                  <a:schemeClr val="accent3"/>
+                </a:solidFill>
+                <a:effectLst/>
+                <a:latin typeface="Source Code Pro"/>
+              </a:rPr>
+              <a:t> </a:t>
+            </a:r>
+            <a:r>
+              <a:rPr lang="zh-CN" altLang="en-US" b="0" i="0" dirty="0">
+                <a:effectLst/>
+                <a:latin typeface="Source Code Pro"/>
+              </a:rPr>
+              <a:t>提供了相关的属性来某个函数是否成功调用等等功能</a:t>
+            </a:r>
+            <a:endParaRPr lang="zh-CN" altLang="en-US" dirty="0"/>
+          </a:p>
+        </p:txBody>
+      </p:sp>
+      <p:sp>
+        <p:nvSpPr>
+          <p:cNvPr id="7" name="Rectangle 1">
+            <a:extLst>
+              <a:ext uri="{FF2B5EF4-FFF2-40B4-BE49-F238E27FC236}">
+                <a16:creationId xmlns:a16="http://schemas.microsoft.com/office/drawing/2014/main" id="{D9434094-9C9E-4E90-8066-609799278CEF}"/>
+              </a:ext>
+            </a:extLst>
+          </p:cNvPr>
+          <p:cNvSpPr>
+            <a:spLocks noChangeArrowheads="1"/>
+          </p:cNvSpPr>
+          <p:nvPr/>
+        </p:nvSpPr>
+        <p:spPr bwMode="auto">
+          <a:xfrm>
+            <a:off x="0" y="0"/>
+            <a:ext cx="12192000" cy="0"/>
+          </a:xfrm>
+          <a:prstGeom prst="rect">
+            <a:avLst/>
+          </a:prstGeom>
+          <a:solidFill>
+            <a:srgbClr val="F9F2F4"/>
+          </a:solidFill>
+          <a:ln>
+            <a:noFill/>
+          </a:ln>
+          <a:effectLst/>
+          <a:extLst>
+            <a:ext uri="{91240B29-F687-4F45-9708-019B960494DF}">
+              <a14:hiddenLine xmlns:a14="http://schemas.microsoft.com/office/drawing/2010/main" w="9525">
+                <a:solidFill>
+                  <a:schemeClr val="tx1"/>
+                </a:solidFill>
+                <a:miter lim="800000"/>
+                <a:headEnd/>
+                <a:tailEnd/>
+              </a14:hiddenLine>
+            </a:ext>
+            <a:ext uri="{AF507438-7753-43E0-B8FC-AC1667EBCBE1}">
+              <a14:hiddenEffects xmlns:a14="http://schemas.microsoft.com/office/drawing/2010/main">
+                <a:effectLst>
+                  <a:outerShdw dist="35921" dir="2700000" algn="ctr" rotWithShape="0">
+                    <a:schemeClr val="bg2"/>
+                  </a:outerShdw>
+                </a:effectLst>
+              </a14:hiddenEffects>
+            </a:ext>
+          </a:extLst>
+        </p:spPr>
+        <p:txBody>
+          <a:bodyPr vert="horz" wrap="none" lIns="0" tIns="0" rIns="0" bIns="152352" numCol="1" anchor="ctr" anchorCtr="0" compatLnSpc="1">
+            <a:prstTxWarp prst="textNoShape">
+              <a:avLst/>
+            </a:prstTxWarp>
+            <a:spAutoFit/>
+          </a:bodyPr>
+          <a:lstStyle/>
+          <a:p>
+            <a:pPr marL="0" marR="0" lvl="0" indent="0" algn="l" defTabSz="914400" rtl="0" eaLnBrk="0" fontAlgn="base" latinLnBrk="0" hangingPunct="0">
+              <a:lnSpc>
+                <a:spcPct val="100000"/>
+              </a:lnSpc>
+              <a:spcBef>
+                <a:spcPct val="0"/>
+              </a:spcBef>
+              <a:spcAft>
+                <a:spcPct val="0"/>
+              </a:spcAft>
+              <a:buClrTx/>
+              <a:buSzTx/>
+              <a:buFontTx/>
+              <a:buNone/>
+              <a:tabLst/>
+            </a:pPr>
+            <a:endParaRPr kumimoji="0" lang="zh-CN" altLang="zh-CN" sz="1800" b="0" i="0" u="none" strike="noStrike" cap="none" normalizeH="0" baseline="0">
+              <a:ln>
+                <a:noFill/>
+              </a:ln>
+              <a:solidFill>
+                <a:schemeClr val="tx1"/>
+              </a:solidFill>
+              <a:effectLst/>
+              <a:latin typeface="Arial" panose="020B0604020202020204" pitchFamily="34" charset="0"/>
+            </a:endParaRPr>
+          </a:p>
+          <a:p>
+            <a:pPr marL="0" marR="0" lvl="0" indent="0" algn="l" defTabSz="914400" rtl="0" eaLnBrk="0" fontAlgn="base" latinLnBrk="0" hangingPunct="0">
+              <a:lnSpc>
+                <a:spcPct val="100000"/>
+              </a:lnSpc>
+              <a:spcBef>
+                <a:spcPct val="0"/>
+              </a:spcBef>
+              <a:spcAft>
+                <a:spcPct val="0"/>
+              </a:spcAft>
+              <a:buClrTx/>
+              <a:buSzTx/>
+              <a:buFontTx/>
+              <a:buChar char="•"/>
+              <a:tabLst/>
+            </a:pPr>
+            <a:r>
+              <a:rPr kumimoji="0" lang="zh-CN" altLang="zh-CN" sz="1000" b="0" i="0" u="none" strike="noStrike" cap="none" normalizeH="0" baseline="0">
+                <a:ln>
+                  <a:noFill/>
+                </a:ln>
+                <a:solidFill>
+                  <a:srgbClr val="C7254E"/>
+                </a:solidFill>
+                <a:effectLst/>
+                <a:latin typeface="Arial Unicode MS"/>
+                <a:ea typeface="Source Code Pro"/>
+              </a:rPr>
+              <a:t>.mockReturnValueOnce()</a:t>
+            </a:r>
+            <a:r>
+              <a:rPr kumimoji="0" lang="zh-CN" altLang="zh-CN" sz="1200" b="0" i="0" u="none" strike="noStrike" cap="none" normalizeH="0" baseline="0">
+                <a:ln>
+                  <a:noFill/>
+                </a:ln>
+                <a:solidFill>
+                  <a:schemeClr val="tx1"/>
+                </a:solidFill>
+                <a:effectLst/>
+                <a:ea typeface="-apple-system"/>
+              </a:rPr>
+              <a:t> </a:t>
+            </a:r>
+            <a:r>
+              <a:rPr kumimoji="0" lang="zh-CN" altLang="zh-CN" sz="1200" b="0" i="0" u="none" strike="noStrike" cap="none" normalizeH="0" baseline="0">
+                <a:ln>
+                  <a:noFill/>
+                </a:ln>
+                <a:solidFill>
+                  <a:schemeClr val="tx1"/>
+                </a:solidFill>
+                <a:effectLst/>
+                <a:latin typeface="Arial" panose="020B0604020202020204" pitchFamily="34" charset="0"/>
+                <a:ea typeface="-apple-system"/>
+              </a:rPr>
+              <a:t>设置调用一次函数的返回值，设置几个就是几次</a:t>
+            </a:r>
+          </a:p>
+          <a:p>
+            <a:pPr marL="0" marR="0" lvl="0" indent="0" algn="l" defTabSz="914400" rtl="0" eaLnBrk="0" fontAlgn="base" latinLnBrk="0" hangingPunct="0">
+              <a:lnSpc>
+                <a:spcPct val="100000"/>
+              </a:lnSpc>
+              <a:spcBef>
+                <a:spcPct val="0"/>
+              </a:spcBef>
+              <a:spcAft>
+                <a:spcPct val="0"/>
+              </a:spcAft>
+              <a:buClrTx/>
+              <a:buSzTx/>
+              <a:buFontTx/>
+              <a:buNone/>
+              <a:tabLst/>
+            </a:pPr>
+            <a:endParaRPr kumimoji="0" lang="zh-CN" altLang="zh-CN" sz="1800" b="0" i="0" u="none" strike="noStrike" cap="none" normalizeH="0" baseline="0">
+              <a:ln>
+                <a:noFill/>
+              </a:ln>
+              <a:solidFill>
+                <a:schemeClr val="tx1"/>
+              </a:solidFill>
+              <a:effectLst/>
+              <a:latin typeface="Arial" panose="020B0604020202020204" pitchFamily="34" charset="0"/>
+            </a:endParaRPr>
+          </a:p>
+        </p:txBody>
+      </p:sp>
+    </p:spTree>
+    <p:extLst>
+      <p:ext uri="{BB962C8B-B14F-4D97-AF65-F5344CB8AC3E}">
+        <p14:creationId xmlns:p14="http://schemas.microsoft.com/office/powerpoint/2010/main" val="1145841168"/>
+      </p:ext>
+    </p:extLst>
+  </p:cSld>
+  <p:clrMapOvr>
+    <a:masterClrMapping/>
+  </p:clrMapOvr>
+</p:sld>
+</file>
+
+<file path=ppt/slides/slide14.xml><?xml version="1.0" encoding="utf-8"?>
+<p:sld xmlns:a="http://schemas.openxmlformats.org/drawingml/2006/main" xmlns:r="http://schemas.openxmlformats.org/officeDocument/2006/relationships" xmlns:p="http://schemas.openxmlformats.org/presentationml/2006/main">
+  <p:cSld>
+    <p:spTree>
+      <p:nvGrpSpPr>
+        <p:cNvPr id="1" name=""/>
+        <p:cNvGrpSpPr/>
+        <p:nvPr/>
+      </p:nvGrpSpPr>
+      <p:grpSpPr>
+        <a:xfrm>
+          <a:off x="0" y="0"/>
+          <a:ext cx="0" cy="0"/>
+          <a:chOff x="0" y="0"/>
+          <a:chExt cx="0" cy="0"/>
+        </a:xfrm>
+      </p:grpSpPr>
+      <p:sp>
+        <p:nvSpPr>
+          <p:cNvPr id="2" name="标题 1">
+            <a:extLst>
+              <a:ext uri="{FF2B5EF4-FFF2-40B4-BE49-F238E27FC236}">
+                <a16:creationId xmlns:a16="http://schemas.microsoft.com/office/drawing/2014/main" id="{452C430A-1319-437B-B8C7-248836839F6D}"/>
+              </a:ext>
+            </a:extLst>
+          </p:cNvPr>
+          <p:cNvSpPr>
+            <a:spLocks noGrp="1"/>
+          </p:cNvSpPr>
+          <p:nvPr>
+            <p:ph type="title"/>
+          </p:nvPr>
+        </p:nvSpPr>
+        <p:spPr>
+          <a:xfrm>
+            <a:off x="838200" y="365126"/>
+            <a:ext cx="10515600" cy="774562"/>
+          </a:xfrm>
+        </p:spPr>
+        <p:txBody>
+          <a:bodyPr/>
+          <a:lstStyle/>
+          <a:p>
+            <a:r>
+              <a:rPr lang="en-US" altLang="zh-CN" dirty="0"/>
+              <a:t>Jest </a:t>
+            </a:r>
+            <a:r>
+              <a:rPr lang="zh-CN" altLang="en-US" dirty="0"/>
+              <a:t>命令行功能介绍</a:t>
+            </a:r>
+          </a:p>
+        </p:txBody>
+      </p:sp>
+      <p:sp>
+        <p:nvSpPr>
+          <p:cNvPr id="3" name="内容占位符 2">
+            <a:extLst>
+              <a:ext uri="{FF2B5EF4-FFF2-40B4-BE49-F238E27FC236}">
+                <a16:creationId xmlns:a16="http://schemas.microsoft.com/office/drawing/2014/main" id="{316FC422-B27E-4F62-836F-CBE3F81E2893}"/>
+              </a:ext>
+            </a:extLst>
+          </p:cNvPr>
+          <p:cNvSpPr>
+            <a:spLocks noGrp="1"/>
+          </p:cNvSpPr>
+          <p:nvPr>
+            <p:ph idx="1"/>
+          </p:nvPr>
+        </p:nvSpPr>
+        <p:spPr>
+          <a:xfrm>
+            <a:off x="838200" y="1348547"/>
+            <a:ext cx="10087708" cy="3071053"/>
+          </a:xfrm>
+        </p:spPr>
+        <p:txBody>
+          <a:bodyPr>
+            <a:normAutofit fontScale="85000" lnSpcReduction="10000"/>
+          </a:bodyPr>
+          <a:lstStyle/>
+          <a:p>
+            <a:pPr>
+              <a:lnSpc>
+                <a:spcPct val="200000"/>
+              </a:lnSpc>
+            </a:pPr>
+            <a:r>
+              <a:rPr lang="en-US" altLang="zh-CN" dirty="0">
+                <a:latin typeface="微软雅黑" panose="020B0503020204020204" pitchFamily="34" charset="-122"/>
+                <a:ea typeface="微软雅黑" panose="020B0503020204020204" pitchFamily="34" charset="-122"/>
+              </a:rPr>
+              <a:t>scripts </a:t>
+            </a:r>
+            <a:r>
+              <a:rPr lang="zh-CN" altLang="en-US" dirty="0">
+                <a:latin typeface="微软雅黑" panose="020B0503020204020204" pitchFamily="34" charset="-122"/>
+                <a:ea typeface="微软雅黑" panose="020B0503020204020204" pitchFamily="34" charset="-122"/>
+              </a:rPr>
+              <a:t>命令 中 使用 </a:t>
+            </a:r>
+            <a:r>
+              <a:rPr lang="en-US" altLang="zh-CN" dirty="0">
+                <a:latin typeface="微软雅黑" panose="020B0503020204020204" pitchFamily="34" charset="-122"/>
+                <a:ea typeface="微软雅黑" panose="020B0503020204020204" pitchFamily="34" charset="-122"/>
+              </a:rPr>
+              <a:t>jest  --watch </a:t>
+            </a:r>
+            <a:r>
+              <a:rPr lang="zh-CN" altLang="en-US" dirty="0">
+                <a:latin typeface="微软雅黑" panose="020B0503020204020204" pitchFamily="34" charset="-122"/>
+                <a:ea typeface="微软雅黑" panose="020B0503020204020204" pitchFamily="34" charset="-122"/>
+              </a:rPr>
+              <a:t>，可以监控所有文件变化，文件更改就可以自动重新测试</a:t>
+            </a:r>
+            <a:endParaRPr lang="en-US" altLang="zh-CN" dirty="0">
+              <a:latin typeface="微软雅黑" panose="020B0503020204020204" pitchFamily="34" charset="-122"/>
+              <a:ea typeface="微软雅黑" panose="020B0503020204020204" pitchFamily="34" charset="-122"/>
+            </a:endParaRPr>
+          </a:p>
+          <a:p>
+            <a:pPr>
+              <a:lnSpc>
+                <a:spcPct val="200000"/>
+              </a:lnSpc>
+            </a:pPr>
+            <a:r>
+              <a:rPr lang="zh-CN" altLang="en-US" dirty="0">
+                <a:latin typeface="微软雅黑" panose="020B0503020204020204" pitchFamily="34" charset="-122"/>
+                <a:ea typeface="微软雅黑" panose="020B0503020204020204" pitchFamily="34" charset="-122"/>
+              </a:rPr>
+              <a:t>使用 </a:t>
+            </a:r>
+            <a:r>
+              <a:rPr lang="en-US" altLang="zh-CN" dirty="0">
+                <a:latin typeface="微软雅黑" panose="020B0503020204020204" pitchFamily="34" charset="-122"/>
+                <a:ea typeface="微软雅黑" panose="020B0503020204020204" pitchFamily="34" charset="-122"/>
+              </a:rPr>
+              <a:t>jest –</a:t>
+            </a:r>
+            <a:r>
+              <a:rPr lang="en-US" altLang="zh-CN" dirty="0" err="1">
+                <a:latin typeface="微软雅黑" panose="020B0503020204020204" pitchFamily="34" charset="-122"/>
+                <a:ea typeface="微软雅黑" panose="020B0503020204020204" pitchFamily="34" charset="-122"/>
+              </a:rPr>
+              <a:t>init</a:t>
+            </a:r>
+            <a:r>
+              <a:rPr lang="zh-CN" altLang="en-US" dirty="0">
+                <a:latin typeface="微软雅黑" panose="020B0503020204020204" pitchFamily="34" charset="-122"/>
+                <a:ea typeface="微软雅黑" panose="020B0503020204020204" pitchFamily="34" charset="-122"/>
+              </a:rPr>
+              <a:t>可以生成一个基础的</a:t>
+            </a:r>
+            <a:r>
+              <a:rPr lang="en-US" altLang="zh-CN" dirty="0">
+                <a:latin typeface="微软雅黑" panose="020B0503020204020204" pitchFamily="34" charset="-122"/>
+                <a:ea typeface="微软雅黑" panose="020B0503020204020204" pitchFamily="34" charset="-122"/>
+              </a:rPr>
+              <a:t>jest </a:t>
+            </a:r>
+            <a:r>
+              <a:rPr lang="zh-CN" altLang="en-US" dirty="0">
+                <a:latin typeface="微软雅黑" panose="020B0503020204020204" pitchFamily="34" charset="-122"/>
+                <a:ea typeface="微软雅黑" panose="020B0503020204020204" pitchFamily="34" charset="-122"/>
+              </a:rPr>
+              <a:t>配置文件，可在配置文件中修改基础配置</a:t>
+            </a:r>
+            <a:endParaRPr lang="en-US" altLang="zh-CN" dirty="0">
+              <a:latin typeface="微软雅黑" panose="020B0503020204020204" pitchFamily="34" charset="-122"/>
+              <a:ea typeface="微软雅黑" panose="020B0503020204020204" pitchFamily="34" charset="-122"/>
+            </a:endParaRPr>
+          </a:p>
+          <a:p>
+            <a:pPr>
+              <a:lnSpc>
+                <a:spcPct val="200000"/>
+              </a:lnSpc>
+            </a:pPr>
+            <a:endParaRPr lang="en-US" altLang="zh-CN" dirty="0">
+              <a:latin typeface="微软雅黑" panose="020B0503020204020204" pitchFamily="34" charset="-122"/>
+              <a:ea typeface="微软雅黑" panose="020B0503020204020204" pitchFamily="34" charset="-122"/>
+            </a:endParaRPr>
+          </a:p>
+          <a:p>
+            <a:pPr>
+              <a:lnSpc>
+                <a:spcPct val="200000"/>
+              </a:lnSpc>
+            </a:pPr>
+            <a:r>
+              <a:rPr lang="en-US" altLang="zh-CN" dirty="0">
+                <a:latin typeface="微软雅黑" panose="020B0503020204020204" pitchFamily="34" charset="-122"/>
+                <a:ea typeface="微软雅黑" panose="020B0503020204020204" pitchFamily="34" charset="-122"/>
+              </a:rPr>
+              <a:t>–coverage </a:t>
+            </a:r>
+            <a:r>
+              <a:rPr lang="zh-CN" altLang="en-US" dirty="0">
+                <a:latin typeface="微软雅黑" panose="020B0503020204020204" pitchFamily="34" charset="-122"/>
+                <a:ea typeface="微软雅黑" panose="020B0503020204020204" pitchFamily="34" charset="-122"/>
+              </a:rPr>
+              <a:t>可将测试覆盖率信息输出为报告，会生成测试覆盖率的详细信息</a:t>
+            </a:r>
+            <a:endParaRPr lang="en-US" altLang="zh-CN" dirty="0">
+              <a:latin typeface="微软雅黑" panose="020B0503020204020204" pitchFamily="34" charset="-122"/>
+              <a:ea typeface="微软雅黑" panose="020B0503020204020204" pitchFamily="34" charset="-122"/>
+            </a:endParaRPr>
+          </a:p>
+          <a:p>
+            <a:pPr marL="0" indent="0">
+              <a:buNone/>
+            </a:pPr>
+            <a:r>
+              <a:rPr lang="en-US" altLang="zh-CN" dirty="0">
+                <a:solidFill>
+                  <a:srgbClr val="111111"/>
+                </a:solidFill>
+                <a:latin typeface="Courier New" panose="02070309020205020404" pitchFamily="49" charset="0"/>
+              </a:rPr>
+              <a:t>	</a:t>
+            </a:r>
+            <a:endParaRPr lang="en-US" altLang="zh-CN" dirty="0">
+              <a:solidFill>
+                <a:srgbClr val="353535"/>
+              </a:solidFill>
+              <a:latin typeface="-apple-system"/>
+            </a:endParaRPr>
+          </a:p>
+          <a:p>
+            <a:pPr marL="0" indent="0">
+              <a:buNone/>
+            </a:pPr>
+            <a:endParaRPr lang="en-US" altLang="zh-CN" dirty="0"/>
+          </a:p>
+        </p:txBody>
+      </p:sp>
+    </p:spTree>
+    <p:extLst>
+      <p:ext uri="{BB962C8B-B14F-4D97-AF65-F5344CB8AC3E}">
+        <p14:creationId xmlns:p14="http://schemas.microsoft.com/office/powerpoint/2010/main" val="2311333505"/>
+      </p:ext>
+    </p:extLst>
+  </p:cSld>
+  <p:clrMapOvr>
+    <a:masterClrMapping/>
+  </p:clrMapOvr>
+</p:sld>
+</file>
+
+<file path=ppt/slides/slide15.xml><?xml version="1.0" encoding="utf-8"?>
+<p:sld xmlns:a="http://schemas.openxmlformats.org/drawingml/2006/main" xmlns:r="http://schemas.openxmlformats.org/officeDocument/2006/relationships" xmlns:p="http://schemas.openxmlformats.org/presentationml/2006/main">
+  <p:cSld>
+    <p:spTree>
+      <p:nvGrpSpPr>
+        <p:cNvPr id="1" name=""/>
+        <p:cNvGrpSpPr/>
+        <p:nvPr/>
+      </p:nvGrpSpPr>
+      <p:grpSpPr>
+        <a:xfrm>
+          <a:off x="0" y="0"/>
+          <a:ext cx="0" cy="0"/>
+          <a:chOff x="0" y="0"/>
+          <a:chExt cx="0" cy="0"/>
+        </a:xfrm>
+      </p:grpSpPr>
+      <p:sp>
+        <p:nvSpPr>
           <p:cNvPr id="2" name="标题 1">
             <a:extLst>
               <a:ext uri="{FF2B5EF4-FFF2-40B4-BE49-F238E27FC236}">
@@ -8190,7 +9457,7 @@
         <p:spPr>
           <a:xfrm>
             <a:off x="478056" y="4161182"/>
-            <a:ext cx="5961888" cy="1477328"/>
+            <a:ext cx="6271269" cy="1754326"/>
           </a:xfrm>
           <a:prstGeom prst="rect">
             <a:avLst/>
@@ -8207,6 +9474,9 @@
               <a:rPr lang="zh-CN" altLang="en-US" dirty="0"/>
               <a:t>原理：</a:t>
             </a:r>
+            <a:endParaRPr lang="en-US" altLang="zh-CN" dirty="0"/>
+          </a:p>
+          <a:p>
             <a:endParaRPr lang="en-US" altLang="zh-CN" dirty="0"/>
           </a:p>
           <a:p>
@@ -8483,7 +9753,7 @@
 </p:sld>
 </file>
 
-<file path=ppt/slides/slide14.xml><?xml version="1.0" encoding="utf-8"?>
+<file path=ppt/slides/slide16.xml><?xml version="1.0" encoding="utf-8"?>
 <p:sld xmlns:a="http://schemas.openxmlformats.org/drawingml/2006/main" xmlns:r="http://schemas.openxmlformats.org/officeDocument/2006/relationships" xmlns:p="http://schemas.openxmlformats.org/presentationml/2006/main">
   <p:cSld>
     <p:spTree>
@@ -10563,8 +11833,8 @@
         </p:nvSpPr>
         <p:spPr>
           <a:xfrm>
-            <a:off x="649356" y="2054086"/>
-            <a:ext cx="5963479" cy="4062651"/>
+            <a:off x="646111" y="1938186"/>
+            <a:ext cx="5963479" cy="4647426"/>
           </a:xfrm>
           <a:prstGeom prst="rect">
             <a:avLst/>
@@ -10581,9 +11851,23 @@
               <a:buNone/>
             </a:pPr>
             <a:r>
-              <a:rPr lang="zh-CN" altLang="en-US" dirty="0"/>
-              <a:t>前端测试分为：</a:t>
-            </a:r>
+              <a:rPr lang="zh-CN" altLang="en-US" b="1" dirty="0">
+                <a:solidFill>
+                  <a:schemeClr val="accent2"/>
+                </a:solidFill>
+              </a:rPr>
+              <a:t>前端自动化测试分为：</a:t>
+            </a:r>
+            <a:endParaRPr lang="en-US" altLang="zh-CN" b="1" dirty="0">
+              <a:solidFill>
+                <a:schemeClr val="accent2"/>
+              </a:solidFill>
+            </a:endParaRPr>
+          </a:p>
+          <a:p>
+            <a:pPr marL="0" indent="0">
+              <a:buNone/>
+            </a:pPr>
             <a:endParaRPr lang="en-US" altLang="zh-CN" dirty="0"/>
           </a:p>
           <a:p>
@@ -10592,20 +11876,40 @@
               <a:buChar char="u"/>
             </a:pPr>
             <a:r>
-              <a:rPr lang="zh-CN" altLang="en-US" dirty="0"/>
+              <a:rPr lang="zh-CN" altLang="en-US" dirty="0">
+                <a:solidFill>
+                  <a:schemeClr val="accent1"/>
+                </a:solidFill>
+              </a:rPr>
               <a:t>单元测试（</a:t>
             </a:r>
             <a:r>
+              <a:rPr lang="en-US" altLang="zh-CN" dirty="0">
+                <a:solidFill>
+                  <a:schemeClr val="accent1"/>
+                </a:solidFill>
+              </a:rPr>
+              <a:t>Unit Test</a:t>
+            </a:r>
+            <a:r>
+              <a:rPr lang="zh-CN" altLang="en-US" dirty="0">
+                <a:solidFill>
+                  <a:schemeClr val="accent1"/>
+                </a:solidFill>
+              </a:rPr>
+              <a:t>）</a:t>
+            </a:r>
+            <a:r>
+              <a:rPr lang="en-US" altLang="zh-CN" dirty="0">
+                <a:solidFill>
+                  <a:schemeClr val="accent1"/>
+                </a:solidFill>
+              </a:rPr>
+              <a:t>	</a:t>
+            </a:r>
+            <a:r>
               <a:rPr lang="en-US" altLang="zh-CN" dirty="0"/>
-              <a:t>Unit Test</a:t>
-            </a:r>
-            <a:r>
-              <a:rPr lang="zh-CN" altLang="en-US" dirty="0"/>
-              <a:t>）</a:t>
-            </a:r>
-            <a:r>
-              <a:rPr lang="en-US" altLang="zh-CN" dirty="0"/>
-              <a:t>		</a:t>
+              <a:t>	</a:t>
             </a:r>
           </a:p>
           <a:p>
@@ -10638,6 +11942,12 @@
               <a:rPr lang="zh-CN" altLang="en-US" sz="2000" dirty="0"/>
               <a:t>）</a:t>
             </a:r>
+            <a:endParaRPr lang="en-US" altLang="zh-CN" sz="2000" dirty="0"/>
+          </a:p>
+          <a:p>
+            <a:pPr marL="457200" lvl="1" indent="0">
+              <a:buNone/>
+            </a:pPr>
             <a:endParaRPr lang="en-US" altLang="zh-CN" sz="2000" dirty="0"/>
           </a:p>
           <a:p>
@@ -10646,16 +11956,42 @@
               <a:buChar char="u"/>
             </a:pPr>
             <a:r>
+              <a:rPr lang="zh-CN" altLang="en-US" dirty="0">
+                <a:solidFill>
+                  <a:schemeClr val="accent1"/>
+                </a:solidFill>
+              </a:rPr>
+              <a:t>集成测试（</a:t>
+            </a:r>
+            <a:r>
+              <a:rPr lang="en-US" altLang="zh-CN" dirty="0">
+                <a:solidFill>
+                  <a:schemeClr val="accent1"/>
+                </a:solidFill>
+              </a:rPr>
+              <a:t>Integration Test</a:t>
+            </a:r>
+            <a:r>
+              <a:rPr lang="zh-CN" altLang="en-US" dirty="0">
+                <a:solidFill>
+                  <a:schemeClr val="accent1"/>
+                </a:solidFill>
+              </a:rPr>
+              <a:t>）</a:t>
+            </a:r>
+            <a:endParaRPr lang="en-US" altLang="zh-CN" dirty="0">
+              <a:solidFill>
+                <a:schemeClr val="accent1"/>
+              </a:solidFill>
+            </a:endParaRPr>
+          </a:p>
+          <a:p>
+            <a:pPr marL="457200" lvl="1" indent="0">
+              <a:buNone/>
+            </a:pPr>
+            <a:r>
               <a:rPr lang="zh-CN" altLang="en-US" dirty="0"/>
-              <a:t>集成测试（</a:t>
-            </a:r>
-            <a:r>
-              <a:rPr lang="en-US" altLang="zh-CN" dirty="0"/>
-              <a:t>Integration Test</a:t>
-            </a:r>
-            <a:r>
-              <a:rPr lang="zh-CN" altLang="en-US" dirty="0"/>
-              <a:t>）</a:t>
+              <a:t>经过单元测试的组件组合在一起能够正常工作</a:t>
             </a:r>
             <a:endParaRPr lang="en-US" altLang="zh-CN" dirty="0"/>
           </a:p>
@@ -10663,20 +11999,6 @@
             <a:pPr marL="457200" lvl="1" indent="0">
               <a:buNone/>
             </a:pPr>
-            <a:r>
-              <a:rPr lang="zh-CN" altLang="en-US" dirty="0"/>
-              <a:t>经过单元测试的组件组合在一起能够正</a:t>
-            </a:r>
-            <a:endParaRPr lang="en-US" altLang="zh-CN" dirty="0"/>
-          </a:p>
-          <a:p>
-            <a:pPr marL="457200" lvl="1" indent="0">
-              <a:buNone/>
-            </a:pPr>
-            <a:r>
-              <a:rPr lang="zh-CN" altLang="en-US" dirty="0"/>
-              <a:t>常工作</a:t>
-            </a:r>
             <a:endParaRPr lang="en-US" altLang="zh-CN" dirty="0"/>
           </a:p>
           <a:p>
@@ -10685,30 +12007,58 @@
               <a:buChar char="u"/>
             </a:pPr>
             <a:r>
-              <a:rPr lang="en-US" altLang="zh-CN" dirty="0"/>
+              <a:rPr lang="en-US" altLang="zh-CN" dirty="0">
+                <a:solidFill>
+                  <a:schemeClr val="accent1"/>
+                </a:solidFill>
+              </a:rPr>
               <a:t>UI</a:t>
             </a:r>
             <a:r>
-              <a:rPr lang="zh-CN" altLang="en-US" dirty="0"/>
+              <a:rPr lang="zh-CN" altLang="en-US" dirty="0">
+                <a:solidFill>
+                  <a:schemeClr val="accent1"/>
+                </a:solidFill>
+              </a:rPr>
               <a:t>测试</a:t>
             </a:r>
             <a:r>
-              <a:rPr lang="en-US" altLang="zh-CN" dirty="0"/>
+              <a:rPr lang="en-US" altLang="zh-CN" dirty="0">
+                <a:solidFill>
+                  <a:schemeClr val="accent1"/>
+                </a:solidFill>
+              </a:rPr>
               <a:t> </a:t>
             </a:r>
             <a:r>
-              <a:rPr lang="zh-CN" altLang="en-US" dirty="0"/>
+              <a:rPr lang="zh-CN" altLang="en-US" dirty="0">
+                <a:solidFill>
+                  <a:schemeClr val="accent1"/>
+                </a:solidFill>
+              </a:rPr>
               <a:t>（</a:t>
             </a:r>
             <a:r>
-              <a:rPr lang="en-US" altLang="zh-CN" dirty="0"/>
+              <a:rPr lang="en-US" altLang="zh-CN" dirty="0">
+                <a:solidFill>
+                  <a:schemeClr val="accent1"/>
+                </a:solidFill>
+              </a:rPr>
               <a:t>UI Test</a:t>
             </a:r>
             <a:r>
-              <a:rPr lang="zh-CN" altLang="en-US" dirty="0"/>
+              <a:rPr lang="zh-CN" altLang="en-US" dirty="0">
+                <a:solidFill>
+                  <a:schemeClr val="accent1"/>
+                </a:solidFill>
+              </a:rPr>
               <a:t>）</a:t>
             </a:r>
-            <a:endParaRPr lang="en-US" altLang="zh-CN" dirty="0"/>
+            <a:endParaRPr lang="en-US" altLang="zh-CN" dirty="0">
+              <a:solidFill>
+                <a:schemeClr val="accent1"/>
+              </a:solidFill>
+            </a:endParaRPr>
           </a:p>
           <a:p>
             <a:pPr lvl="1"/>
@@ -10774,7 +12124,7 @@
         </p:blipFill>
         <p:spPr>
           <a:xfrm>
-            <a:off x="6864626" y="2054086"/>
+            <a:off x="6609590" y="2207973"/>
             <a:ext cx="5185576" cy="4107851"/>
           </a:xfrm>
           <a:prstGeom prst="rect">

--- a/王博书的分享/自动化测试.pptx
+++ b/王博书的分享/自动化测试.pptx
@@ -5,7 +5,7 @@
     <p:sldMasterId id="2147483678" r:id="rId1"/>
   </p:sldMasterIdLst>
   <p:notesMasterIdLst>
-    <p:notesMasterId r:id="rId18"/>
+    <p:notesMasterId r:id="rId19"/>
   </p:notesMasterIdLst>
   <p:sldIdLst>
     <p:sldId id="256" r:id="rId2"/>
@@ -24,6 +24,7 @@
     <p:sldId id="269" r:id="rId15"/>
     <p:sldId id="267" r:id="rId16"/>
     <p:sldId id="268" r:id="rId17"/>
+    <p:sldId id="272" r:id="rId18"/>
   </p:sldIdLst>
   <p:sldSz cx="12192000" cy="6858000"/>
   <p:notesSz cx="6858000" cy="9144000"/>
@@ -8671,8 +8672,8 @@
         </p:nvSpPr>
         <p:spPr>
           <a:xfrm>
-            <a:off x="967409" y="3021495"/>
-            <a:ext cx="9501808" cy="1754326"/>
+            <a:off x="838200" y="2660548"/>
+            <a:ext cx="9501808" cy="3326873"/>
           </a:xfrm>
           <a:prstGeom prst="rect">
             <a:avLst/>
@@ -8686,6 +8687,9 @@
           <a:lstStyle/>
           <a:p>
             <a:pPr marL="285750" indent="-285750">
+              <a:lnSpc>
+                <a:spcPct val="200000"/>
+              </a:lnSpc>
               <a:buFont typeface="Arial" panose="020B0604020202020204" pitchFamily="34" charset="0"/>
               <a:buChar char="•"/>
             </a:pPr>
@@ -8729,6 +8733,9 @@
           </a:p>
           <a:p>
             <a:pPr marL="285750" indent="-285750">
+              <a:lnSpc>
+                <a:spcPct val="200000"/>
+              </a:lnSpc>
               <a:buFont typeface="Arial" panose="020B0604020202020204" pitchFamily="34" charset="0"/>
               <a:buChar char="•"/>
             </a:pPr>
@@ -8808,6 +8815,9 @@
           </a:p>
           <a:p>
             <a:pPr marL="285750" indent="-285750">
+              <a:lnSpc>
+                <a:spcPct val="200000"/>
+              </a:lnSpc>
               <a:buFont typeface="Arial" panose="020B0604020202020204" pitchFamily="34" charset="0"/>
               <a:buChar char="•"/>
             </a:pPr>
@@ -8887,6 +8897,9 @@
           </a:p>
           <a:p>
             <a:pPr marL="285750" indent="-285750">
+              <a:lnSpc>
+                <a:spcPct val="200000"/>
+              </a:lnSpc>
               <a:buFont typeface="Arial" panose="020B0604020202020204" pitchFamily="34" charset="0"/>
               <a:buChar char="•"/>
             </a:pPr>
@@ -8944,182 +8957,6 @@
               <a:t>提供了相关的属性来某个函数是否成功调用等等功能</a:t>
             </a:r>
             <a:endParaRPr lang="zh-CN" altLang="en-US" dirty="0"/>
-          </a:p>
-        </p:txBody>
-      </p:sp>
-      <p:sp>
-        <p:nvSpPr>
-          <p:cNvPr id="7" name="Rectangle 1">
-            <a:extLst>
-              <a:ext uri="{FF2B5EF4-FFF2-40B4-BE49-F238E27FC236}">
-                <a16:creationId xmlns:a16="http://schemas.microsoft.com/office/drawing/2014/main" id="{D9434094-9C9E-4E90-8066-609799278CEF}"/>
-              </a:ext>
-            </a:extLst>
-          </p:cNvPr>
-          <p:cNvSpPr>
-            <a:spLocks noChangeArrowheads="1"/>
-          </p:cNvSpPr>
-          <p:nvPr/>
-        </p:nvSpPr>
-        <p:spPr bwMode="auto">
-          <a:xfrm>
-            <a:off x="0" y="0"/>
-            <a:ext cx="12192000" cy="0"/>
-          </a:xfrm>
-          <a:prstGeom prst="rect">
-            <a:avLst/>
-          </a:prstGeom>
-          <a:solidFill>
-            <a:srgbClr val="F9F2F4"/>
-          </a:solidFill>
-          <a:ln>
-            <a:noFill/>
-          </a:ln>
-          <a:effectLst/>
-          <a:extLst>
-            <a:ext uri="{91240B29-F687-4F45-9708-019B960494DF}">
-              <a14:hiddenLine xmlns:a14="http://schemas.microsoft.com/office/drawing/2010/main" w="9525">
-                <a:solidFill>
-                  <a:schemeClr val="tx1"/>
-                </a:solidFill>
-                <a:miter lim="800000"/>
-                <a:headEnd/>
-                <a:tailEnd/>
-              </a14:hiddenLine>
-            </a:ext>
-            <a:ext uri="{AF507438-7753-43E0-B8FC-AC1667EBCBE1}">
-              <a14:hiddenEffects xmlns:a14="http://schemas.microsoft.com/office/drawing/2010/main">
-                <a:effectLst>
-                  <a:outerShdw dist="35921" dir="2700000" algn="ctr" rotWithShape="0">
-                    <a:schemeClr val="bg2"/>
-                  </a:outerShdw>
-                </a:effectLst>
-              </a14:hiddenEffects>
-            </a:ext>
-          </a:extLst>
-        </p:spPr>
-        <p:txBody>
-          <a:bodyPr vert="horz" wrap="none" lIns="0" tIns="0" rIns="0" bIns="152352" numCol="1" anchor="ctr" anchorCtr="0" compatLnSpc="1">
-            <a:prstTxWarp prst="textNoShape">
-              <a:avLst/>
-            </a:prstTxWarp>
-            <a:spAutoFit/>
-          </a:bodyPr>
-          <a:lstStyle/>
-          <a:p>
-            <a:pPr marL="0" marR="0" lvl="0" indent="0" algn="l" defTabSz="914400" rtl="0" eaLnBrk="0" fontAlgn="base" latinLnBrk="0" hangingPunct="0">
-              <a:lnSpc>
-                <a:spcPct val="100000"/>
-              </a:lnSpc>
-              <a:spcBef>
-                <a:spcPct val="0"/>
-              </a:spcBef>
-              <a:spcAft>
-                <a:spcPct val="0"/>
-              </a:spcAft>
-              <a:buClrTx/>
-              <a:buSzTx/>
-              <a:buFontTx/>
-              <a:buNone/>
-              <a:tabLst/>
-            </a:pPr>
-            <a:endParaRPr kumimoji="0" lang="zh-CN" altLang="zh-CN" sz="1800" b="0" i="0" u="none" strike="noStrike" cap="none" normalizeH="0" baseline="0">
-              <a:ln>
-                <a:noFill/>
-              </a:ln>
-              <a:solidFill>
-                <a:schemeClr val="tx1"/>
-              </a:solidFill>
-              <a:effectLst/>
-              <a:latin typeface="Arial" panose="020B0604020202020204" pitchFamily="34" charset="0"/>
-            </a:endParaRPr>
-          </a:p>
-          <a:p>
-            <a:pPr marL="0" marR="0" lvl="0" indent="0" algn="l" defTabSz="914400" rtl="0" eaLnBrk="0" fontAlgn="base" latinLnBrk="0" hangingPunct="0">
-              <a:lnSpc>
-                <a:spcPct val="100000"/>
-              </a:lnSpc>
-              <a:spcBef>
-                <a:spcPct val="0"/>
-              </a:spcBef>
-              <a:spcAft>
-                <a:spcPct val="0"/>
-              </a:spcAft>
-              <a:buClrTx/>
-              <a:buSzTx/>
-              <a:buFontTx/>
-              <a:buChar char="•"/>
-              <a:tabLst/>
-            </a:pPr>
-            <a:r>
-              <a:rPr kumimoji="0" lang="zh-CN" altLang="zh-CN" sz="1000" b="0" i="0" u="none" strike="noStrike" cap="none" normalizeH="0" baseline="0">
-                <a:ln>
-                  <a:noFill/>
-                </a:ln>
-                <a:solidFill>
-                  <a:srgbClr val="C7254E"/>
-                </a:solidFill>
-                <a:effectLst/>
-                <a:latin typeface="Arial Unicode MS"/>
-                <a:ea typeface="Source Code Pro"/>
-              </a:rPr>
-              <a:t>.mockReturnValueOnce()</a:t>
-            </a:r>
-            <a:r>
-              <a:rPr kumimoji="0" lang="zh-CN" altLang="zh-CN" sz="1200" b="0" i="0" u="none" strike="noStrike" cap="none" normalizeH="0" baseline="0">
-                <a:ln>
-                  <a:noFill/>
-                </a:ln>
-                <a:solidFill>
-                  <a:schemeClr val="tx1"/>
-                </a:solidFill>
-                <a:effectLst/>
-                <a:ea typeface="-apple-system"/>
-              </a:rPr>
-              <a:t> </a:t>
-            </a:r>
-            <a:r>
-              <a:rPr kumimoji="0" lang="zh-CN" altLang="zh-CN" sz="1200" b="0" i="0" u="none" strike="noStrike" cap="none" normalizeH="0" baseline="0">
-                <a:ln>
-                  <a:noFill/>
-                </a:ln>
-                <a:solidFill>
-                  <a:schemeClr val="tx1"/>
-                </a:solidFill>
-                <a:effectLst/>
-                <a:latin typeface="Arial" panose="020B0604020202020204" pitchFamily="34" charset="0"/>
-                <a:ea typeface="-apple-system"/>
-              </a:rPr>
-              <a:t>设置调用一次函数的返回值，设置几个就是几次</a:t>
-            </a:r>
-          </a:p>
-          <a:p>
-            <a:pPr marL="0" marR="0" lvl="0" indent="0" algn="l" defTabSz="914400" rtl="0" eaLnBrk="0" fontAlgn="base" latinLnBrk="0" hangingPunct="0">
-              <a:lnSpc>
-                <a:spcPct val="100000"/>
-              </a:lnSpc>
-              <a:spcBef>
-                <a:spcPct val="0"/>
-              </a:spcBef>
-              <a:spcAft>
-                <a:spcPct val="0"/>
-              </a:spcAft>
-              <a:buClrTx/>
-              <a:buSzTx/>
-              <a:buFontTx/>
-              <a:buNone/>
-              <a:tabLst/>
-            </a:pPr>
-            <a:endParaRPr kumimoji="0" lang="zh-CN" altLang="zh-CN" sz="1800" b="0" i="0" u="none" strike="noStrike" cap="none" normalizeH="0" baseline="0">
-              <a:ln>
-                <a:noFill/>
-              </a:ln>
-              <a:solidFill>
-                <a:schemeClr val="tx1"/>
-              </a:solidFill>
-              <a:effectLst/>
-              <a:latin typeface="Arial" panose="020B0604020202020204" pitchFamily="34" charset="0"/>
-            </a:endParaRPr>
           </a:p>
         </p:txBody>
       </p:sp>
@@ -9421,7 +9258,7 @@
         </p:nvSpPr>
         <p:spPr>
           <a:xfrm>
-            <a:off x="0" y="0"/>
+            <a:off x="478056" y="185702"/>
             <a:ext cx="5459896" cy="689113"/>
           </a:xfrm>
         </p:spPr>
@@ -10744,6 +10581,207 @@
 </p:sld>
 </file>
 
+<file path=ppt/slides/slide17.xml><?xml version="1.0" encoding="utf-8"?>
+<p:sld xmlns:a="http://schemas.openxmlformats.org/drawingml/2006/main" xmlns:r="http://schemas.openxmlformats.org/officeDocument/2006/relationships" xmlns:p="http://schemas.openxmlformats.org/presentationml/2006/main">
+  <p:cSld>
+    <p:spTree>
+      <p:nvGrpSpPr>
+        <p:cNvPr id="1" name=""/>
+        <p:cNvGrpSpPr/>
+        <p:nvPr/>
+      </p:nvGrpSpPr>
+      <p:grpSpPr>
+        <a:xfrm>
+          <a:off x="0" y="0"/>
+          <a:ext cx="0" cy="0"/>
+          <a:chOff x="0" y="0"/>
+          <a:chExt cx="0" cy="0"/>
+        </a:xfrm>
+      </p:grpSpPr>
+      <p:sp>
+        <p:nvSpPr>
+          <p:cNvPr id="4" name="标题 1">
+            <a:extLst>
+              <a:ext uri="{FF2B5EF4-FFF2-40B4-BE49-F238E27FC236}">
+                <a16:creationId xmlns:a16="http://schemas.microsoft.com/office/drawing/2014/main" id="{19A95E6C-C4AD-4C67-86ED-A4E4361CA79E}"/>
+              </a:ext>
+            </a:extLst>
+          </p:cNvPr>
+          <p:cNvSpPr>
+            <a:spLocks noGrp="1"/>
+          </p:cNvSpPr>
+          <p:nvPr>
+            <p:ph type="title"/>
+          </p:nvPr>
+        </p:nvSpPr>
+        <p:spPr>
+          <a:xfrm>
+            <a:off x="636104" y="318050"/>
+            <a:ext cx="5459896" cy="689113"/>
+          </a:xfrm>
+        </p:spPr>
+        <p:txBody>
+          <a:bodyPr>
+            <a:normAutofit fontScale="90000"/>
+          </a:bodyPr>
+          <a:lstStyle/>
+          <a:p>
+            <a:r>
+              <a:rPr lang="zh-CN" altLang="en-US" dirty="0"/>
+              <a:t>参考文档</a:t>
+            </a:r>
+          </a:p>
+        </p:txBody>
+      </p:sp>
+      <p:sp>
+        <p:nvSpPr>
+          <p:cNvPr id="5" name="文本框 4">
+            <a:extLst>
+              <a:ext uri="{FF2B5EF4-FFF2-40B4-BE49-F238E27FC236}">
+                <a16:creationId xmlns:a16="http://schemas.microsoft.com/office/drawing/2014/main" id="{6BB01B77-C576-4C9B-9314-055866D4DC85}"/>
+              </a:ext>
+            </a:extLst>
+          </p:cNvPr>
+          <p:cNvSpPr txBox="1"/>
+          <p:nvPr/>
+        </p:nvSpPr>
+        <p:spPr>
+          <a:xfrm>
+            <a:off x="636104" y="1925050"/>
+            <a:ext cx="8640243" cy="2585323"/>
+          </a:xfrm>
+          <a:prstGeom prst="rect">
+            <a:avLst/>
+          </a:prstGeom>
+          <a:noFill/>
+        </p:spPr>
+        <p:txBody>
+          <a:bodyPr wrap="square" rtlCol="0">
+            <a:spAutoFit/>
+          </a:bodyPr>
+          <a:lstStyle/>
+          <a:p>
+            <a:pPr marL="285750" indent="-285750">
+              <a:lnSpc>
+                <a:spcPct val="200000"/>
+              </a:lnSpc>
+              <a:buFont typeface="Arial" panose="020B0604020202020204" pitchFamily="34" charset="0"/>
+              <a:buChar char="•"/>
+            </a:pPr>
+            <a:r>
+              <a:rPr lang="en-US" altLang="zh-CN" dirty="0"/>
+              <a:t>jest</a:t>
+            </a:r>
+            <a:r>
+              <a:rPr lang="zh-CN" altLang="en-US" dirty="0"/>
+              <a:t>官方文档：</a:t>
+            </a:r>
+            <a:r>
+              <a:rPr lang="en-US" altLang="zh-CN" dirty="0">
+                <a:hlinkClick r:id="rId2"/>
+              </a:rPr>
+              <a:t>https://www.jestjs.cn/</a:t>
+            </a:r>
+            <a:endParaRPr lang="en-US" altLang="zh-CN" dirty="0"/>
+          </a:p>
+          <a:p>
+            <a:pPr marL="285750" indent="-285750">
+              <a:lnSpc>
+                <a:spcPct val="200000"/>
+              </a:lnSpc>
+              <a:buFont typeface="Arial" panose="020B0604020202020204" pitchFamily="34" charset="0"/>
+              <a:buChar char="•"/>
+            </a:pPr>
+            <a:r>
+              <a:rPr lang="en-US" altLang="zh-CN" dirty="0" err="1"/>
+              <a:t>vue</a:t>
+            </a:r>
+            <a:r>
+              <a:rPr lang="en-US" altLang="zh-CN" dirty="0"/>
+              <a:t>-jest </a:t>
+            </a:r>
+            <a:r>
+              <a:rPr lang="zh-CN" altLang="en-US" dirty="0"/>
+              <a:t>官方文档：</a:t>
+            </a:r>
+            <a:r>
+              <a:rPr lang="en-US" altLang="zh-CN" dirty="0">
+                <a:hlinkClick r:id="rId3"/>
+              </a:rPr>
+              <a:t>https://vue-test-utils.vuejs.org/zh/</a:t>
+            </a:r>
+            <a:endParaRPr lang="en-US" altLang="zh-CN" dirty="0"/>
+          </a:p>
+          <a:p>
+            <a:pPr marL="285750" indent="-285750">
+              <a:lnSpc>
+                <a:spcPct val="200000"/>
+              </a:lnSpc>
+              <a:buFont typeface="Arial" panose="020B0604020202020204" pitchFamily="34" charset="0"/>
+              <a:buChar char="•"/>
+            </a:pPr>
+            <a:r>
+              <a:rPr lang="en-US" altLang="zh-CN" dirty="0" err="1"/>
+              <a:t>nightwatch</a:t>
+            </a:r>
+            <a:r>
+              <a:rPr lang="zh-CN" altLang="en-US" dirty="0"/>
+              <a:t>官方文档：</a:t>
+            </a:r>
+            <a:r>
+              <a:rPr lang="en-US" altLang="zh-CN" dirty="0">
+                <a:hlinkClick r:id="rId4"/>
+              </a:rPr>
+              <a:t>https://nightwatchjs.org/</a:t>
+            </a:r>
+            <a:endParaRPr lang="en-US" altLang="zh-CN" dirty="0"/>
+          </a:p>
+          <a:p>
+            <a:pPr marL="285750" indent="-285750">
+              <a:lnSpc>
+                <a:spcPct val="200000"/>
+              </a:lnSpc>
+              <a:buFont typeface="Arial" panose="020B0604020202020204" pitchFamily="34" charset="0"/>
+              <a:buChar char="•"/>
+            </a:pPr>
+            <a:r>
+              <a:rPr lang="en-US" altLang="zh-CN" dirty="0" err="1"/>
+              <a:t>csdn</a:t>
+            </a:r>
+            <a:r>
+              <a:rPr lang="zh-CN" altLang="en-US" dirty="0"/>
+              <a:t>博客：</a:t>
+            </a:r>
+            <a:r>
+              <a:rPr lang="en-US" altLang="zh-CN" dirty="0">
+                <a:hlinkClick r:id="rId5"/>
+              </a:rPr>
+              <a:t>https://blog.csdn.net/Jsoning</a:t>
+            </a:r>
+            <a:endParaRPr lang="en-US" altLang="zh-CN" dirty="0"/>
+          </a:p>
+          <a:p>
+            <a:pPr marL="285750" indent="-285750">
+              <a:buFont typeface="Arial" panose="020B0604020202020204" pitchFamily="34" charset="0"/>
+              <a:buChar char="•"/>
+            </a:pPr>
+            <a:endParaRPr lang="zh-CN" altLang="en-US" dirty="0"/>
+          </a:p>
+        </p:txBody>
+      </p:sp>
+    </p:spTree>
+    <p:extLst>
+      <p:ext uri="{BB962C8B-B14F-4D97-AF65-F5344CB8AC3E}">
+        <p14:creationId xmlns:p14="http://schemas.microsoft.com/office/powerpoint/2010/main" val="988125253"/>
+      </p:ext>
+    </p:extLst>
+  </p:cSld>
+  <p:clrMapOvr>
+    <a:masterClrMapping/>
+  </p:clrMapOvr>
+</p:sld>
+</file>
+
 <file path=ppt/slides/slide2.xml><?xml version="1.0" encoding="utf-8"?>
 <p:sld xmlns:a="http://schemas.openxmlformats.org/drawingml/2006/main" xmlns:r="http://schemas.openxmlformats.org/officeDocument/2006/relationships" xmlns:p="http://schemas.openxmlformats.org/presentationml/2006/main">
   <p:cSld>

--- a/王博书的分享/自动化测试.pptx
+++ b/王博书的分享/自动化测试.pptx
@@ -224,7 +224,7 @@
           <a:p>
             <a:fld id="{6C91DED6-2F87-4CFA-AC0C-81E76F6773BD}" type="datetimeFigureOut">
               <a:rPr lang="zh-CN" altLang="en-US" smtClean="0"/>
-              <a:t>2021/1/19</a:t>
+              <a:t>2021/1/20</a:t>
             </a:fld>
             <a:endParaRPr lang="zh-CN" altLang="en-US"/>
           </a:p>
@@ -674,7 +674,7 @@
           <a:p>
             <a:fld id="{AD09C881-90A8-46F5-914E-732915AF5BE6}" type="datetimeFigureOut">
               <a:rPr lang="zh-CN" altLang="en-US" smtClean="0"/>
-              <a:t>2021/1/19</a:t>
+              <a:t>2021/1/20</a:t>
             </a:fld>
             <a:endParaRPr lang="zh-CN" altLang="en-US"/>
           </a:p>
@@ -949,7 +949,7 @@
           <a:p>
             <a:fld id="{AD09C881-90A8-46F5-914E-732915AF5BE6}" type="datetimeFigureOut">
               <a:rPr lang="zh-CN" altLang="en-US" smtClean="0"/>
-              <a:t>2021/1/19</a:t>
+              <a:t>2021/1/20</a:t>
             </a:fld>
             <a:endParaRPr lang="zh-CN" altLang="en-US"/>
           </a:p>
@@ -1143,7 +1143,7 @@
           <a:p>
             <a:fld id="{AD09C881-90A8-46F5-914E-732915AF5BE6}" type="datetimeFigureOut">
               <a:rPr lang="zh-CN" altLang="en-US" smtClean="0"/>
-              <a:t>2021/1/19</a:t>
+              <a:t>2021/1/20</a:t>
             </a:fld>
             <a:endParaRPr lang="zh-CN" altLang="en-US"/>
           </a:p>
@@ -1411,7 +1411,7 @@
           <a:p>
             <a:fld id="{AD09C881-90A8-46F5-914E-732915AF5BE6}" type="datetimeFigureOut">
               <a:rPr lang="zh-CN" altLang="en-US" smtClean="0"/>
-              <a:t>2021/1/19</a:t>
+              <a:t>2021/1/20</a:t>
             </a:fld>
             <a:endParaRPr lang="zh-CN" altLang="en-US"/>
           </a:p>
@@ -1743,7 +1743,7 @@
           <a:p>
             <a:fld id="{AD09C881-90A8-46F5-914E-732915AF5BE6}" type="datetimeFigureOut">
               <a:rPr lang="zh-CN" altLang="en-US" smtClean="0"/>
-              <a:t>2021/1/19</a:t>
+              <a:t>2021/1/20</a:t>
             </a:fld>
             <a:endParaRPr lang="zh-CN" altLang="en-US"/>
           </a:p>
@@ -2353,7 +2353,7 @@
           <a:p>
             <a:fld id="{AD09C881-90A8-46F5-914E-732915AF5BE6}" type="datetimeFigureOut">
               <a:rPr lang="zh-CN" altLang="en-US" smtClean="0"/>
-              <a:t>2021/1/19</a:t>
+              <a:t>2021/1/20</a:t>
             </a:fld>
             <a:endParaRPr lang="zh-CN" altLang="en-US"/>
           </a:p>
@@ -3200,7 +3200,7 @@
           <a:p>
             <a:fld id="{AD09C881-90A8-46F5-914E-732915AF5BE6}" type="datetimeFigureOut">
               <a:rPr lang="zh-CN" altLang="en-US" smtClean="0"/>
-              <a:t>2021/1/19</a:t>
+              <a:t>2021/1/20</a:t>
             </a:fld>
             <a:endParaRPr lang="zh-CN" altLang="en-US"/>
           </a:p>
@@ -3370,7 +3370,7 @@
           <a:p>
             <a:fld id="{AD09C881-90A8-46F5-914E-732915AF5BE6}" type="datetimeFigureOut">
               <a:rPr lang="zh-CN" altLang="en-US" smtClean="0"/>
-              <a:t>2021/1/19</a:t>
+              <a:t>2021/1/20</a:t>
             </a:fld>
             <a:endParaRPr lang="zh-CN" altLang="en-US"/>
           </a:p>
@@ -3550,7 +3550,7 @@
           <a:p>
             <a:fld id="{AD09C881-90A8-46F5-914E-732915AF5BE6}" type="datetimeFigureOut">
               <a:rPr lang="zh-CN" altLang="en-US" smtClean="0"/>
-              <a:t>2021/1/19</a:t>
+              <a:t>2021/1/20</a:t>
             </a:fld>
             <a:endParaRPr lang="zh-CN" altLang="en-US"/>
           </a:p>
@@ -3720,7 +3720,7 @@
           <a:p>
             <a:fld id="{AD09C881-90A8-46F5-914E-732915AF5BE6}" type="datetimeFigureOut">
               <a:rPr lang="zh-CN" altLang="en-US" smtClean="0"/>
-              <a:t>2021/1/19</a:t>
+              <a:t>2021/1/20</a:t>
             </a:fld>
             <a:endParaRPr lang="zh-CN" altLang="en-US"/>
           </a:p>
@@ -3964,7 +3964,7 @@
           <a:p>
             <a:fld id="{AD09C881-90A8-46F5-914E-732915AF5BE6}" type="datetimeFigureOut">
               <a:rPr lang="zh-CN" altLang="en-US" smtClean="0"/>
-              <a:t>2021/1/19</a:t>
+              <a:t>2021/1/20</a:t>
             </a:fld>
             <a:endParaRPr lang="zh-CN" altLang="en-US"/>
           </a:p>
@@ -4256,7 +4256,7 @@
           <a:p>
             <a:fld id="{AD09C881-90A8-46F5-914E-732915AF5BE6}" type="datetimeFigureOut">
               <a:rPr lang="zh-CN" altLang="en-US" smtClean="0"/>
-              <a:t>2021/1/19</a:t>
+              <a:t>2021/1/20</a:t>
             </a:fld>
             <a:endParaRPr lang="zh-CN" altLang="en-US"/>
           </a:p>
@@ -4694,7 +4694,7 @@
           <a:p>
             <a:fld id="{AD09C881-90A8-46F5-914E-732915AF5BE6}" type="datetimeFigureOut">
               <a:rPr lang="zh-CN" altLang="en-US" smtClean="0"/>
-              <a:t>2021/1/19</a:t>
+              <a:t>2021/1/20</a:t>
             </a:fld>
             <a:endParaRPr lang="zh-CN" altLang="en-US"/>
           </a:p>
@@ -4812,7 +4812,7 @@
           <a:p>
             <a:fld id="{AD09C881-90A8-46F5-914E-732915AF5BE6}" type="datetimeFigureOut">
               <a:rPr lang="zh-CN" altLang="en-US" smtClean="0"/>
-              <a:t>2021/1/19</a:t>
+              <a:t>2021/1/20</a:t>
             </a:fld>
             <a:endParaRPr lang="zh-CN" altLang="en-US"/>
           </a:p>
@@ -4907,7 +4907,7 @@
           <a:p>
             <a:fld id="{AD09C881-90A8-46F5-914E-732915AF5BE6}" type="datetimeFigureOut">
               <a:rPr lang="zh-CN" altLang="en-US" smtClean="0"/>
-              <a:t>2021/1/19</a:t>
+              <a:t>2021/1/20</a:t>
             </a:fld>
             <a:endParaRPr lang="zh-CN" altLang="en-US"/>
           </a:p>
@@ -5186,7 +5186,7 @@
           <a:p>
             <a:fld id="{AD09C881-90A8-46F5-914E-732915AF5BE6}" type="datetimeFigureOut">
               <a:rPr lang="zh-CN" altLang="en-US" smtClean="0"/>
-              <a:t>2021/1/19</a:t>
+              <a:t>2021/1/20</a:t>
             </a:fld>
             <a:endParaRPr lang="zh-CN" altLang="en-US"/>
           </a:p>
@@ -5461,7 +5461,7 @@
           <a:p>
             <a:fld id="{AD09C881-90A8-46F5-914E-732915AF5BE6}" type="datetimeFigureOut">
               <a:rPr lang="zh-CN" altLang="en-US" smtClean="0"/>
-              <a:t>2021/1/19</a:t>
+              <a:t>2021/1/20</a:t>
             </a:fld>
             <a:endParaRPr lang="zh-CN" altLang="en-US"/>
           </a:p>
@@ -5890,7 +5890,7 @@
           <a:p>
             <a:fld id="{AD09C881-90A8-46F5-914E-732915AF5BE6}" type="datetimeFigureOut">
               <a:rPr lang="zh-CN" altLang="en-US" smtClean="0"/>
-              <a:t>2021/1/19</a:t>
+              <a:t>2021/1/20</a:t>
             </a:fld>
             <a:endParaRPr lang="zh-CN" altLang="en-US"/>
           </a:p>
@@ -7953,8 +7953,8 @@
         </p:nvSpPr>
         <p:spPr>
           <a:xfrm>
-            <a:off x="980661" y="1404730"/>
-            <a:ext cx="4121426" cy="2585323"/>
+            <a:off x="980660" y="1560590"/>
+            <a:ext cx="4121427" cy="1477328"/>
           </a:xfrm>
           <a:prstGeom prst="rect">
             <a:avLst/>
@@ -8048,34 +8048,6 @@
               <a:buChar char="•"/>
             </a:pPr>
             <a:endParaRPr lang="en-US" altLang="zh-CN" dirty="0"/>
-          </a:p>
-          <a:p>
-            <a:r>
-              <a:rPr lang="en-US" altLang="zh-CN" b="1" dirty="0"/>
-              <a:t>describe</a:t>
-            </a:r>
-            <a:r>
-              <a:rPr lang="en-US" altLang="zh-CN" dirty="0"/>
-              <a:t> </a:t>
-            </a:r>
-            <a:r>
-              <a:rPr lang="zh-CN" altLang="en-US" dirty="0"/>
-              <a:t>块中也有提供以上钩子</a:t>
-            </a:r>
-            <a:endParaRPr lang="en-US" altLang="zh-CN" dirty="0"/>
-          </a:p>
-          <a:p>
-            <a:endParaRPr lang="en-US" altLang="zh-CN" dirty="0"/>
-          </a:p>
-          <a:p>
-            <a:r>
-              <a:rPr lang="zh-CN" altLang="en-US" dirty="0"/>
-              <a:t>他们的执行顺序是</a:t>
-            </a:r>
-            <a:endParaRPr lang="en-US" altLang="zh-CN" dirty="0"/>
-          </a:p>
-          <a:p>
-            <a:endParaRPr lang="zh-CN" altLang="en-US" dirty="0"/>
           </a:p>
         </p:txBody>
       </p:sp>
@@ -8536,6 +8508,63 @@
               <a:rPr lang="en-US" altLang="zh-CN" dirty="0"/>
               <a:t> </a:t>
             </a:r>
+          </a:p>
+        </p:txBody>
+      </p:sp>
+      <p:sp>
+        <p:nvSpPr>
+          <p:cNvPr id="17" name="文本框 16">
+            <a:extLst>
+              <a:ext uri="{FF2B5EF4-FFF2-40B4-BE49-F238E27FC236}">
+                <a16:creationId xmlns:a16="http://schemas.microsoft.com/office/drawing/2014/main" id="{86C6636F-BD0C-4381-9217-54EBC4B6DBF4}"/>
+              </a:ext>
+            </a:extLst>
+          </p:cNvPr>
+          <p:cNvSpPr txBox="1"/>
+          <p:nvPr/>
+        </p:nvSpPr>
+        <p:spPr>
+          <a:xfrm>
+            <a:off x="5665303" y="1622384"/>
+            <a:ext cx="4121427" cy="1200329"/>
+          </a:xfrm>
+          <a:prstGeom prst="rect">
+            <a:avLst/>
+          </a:prstGeom>
+          <a:noFill/>
+        </p:spPr>
+        <p:txBody>
+          <a:bodyPr wrap="square" rtlCol="0">
+            <a:spAutoFit/>
+          </a:bodyPr>
+          <a:lstStyle/>
+          <a:p>
+            <a:r>
+              <a:rPr lang="en-US" altLang="zh-CN" b="1" dirty="0"/>
+              <a:t>describe</a:t>
+            </a:r>
+            <a:r>
+              <a:rPr lang="en-US" altLang="zh-CN" dirty="0"/>
+              <a:t> </a:t>
+            </a:r>
+            <a:r>
+              <a:rPr lang="zh-CN" altLang="en-US" dirty="0"/>
+              <a:t>块中也有提供以上钩子</a:t>
+            </a:r>
+            <a:endParaRPr lang="en-US" altLang="zh-CN" dirty="0"/>
+          </a:p>
+          <a:p>
+            <a:endParaRPr lang="en-US" altLang="zh-CN" dirty="0"/>
+          </a:p>
+          <a:p>
+            <a:r>
+              <a:rPr lang="zh-CN" altLang="en-US" dirty="0"/>
+              <a:t>他们的执行顺序如下：</a:t>
+            </a:r>
+            <a:endParaRPr lang="en-US" altLang="zh-CN" dirty="0"/>
+          </a:p>
+          <a:p>
+            <a:endParaRPr lang="zh-CN" altLang="en-US" dirty="0"/>
           </a:p>
         </p:txBody>
       </p:sp>
@@ -8621,7 +8650,7 @@
         <p:spPr>
           <a:xfrm>
             <a:off x="838200" y="1493205"/>
-            <a:ext cx="9501808" cy="646331"/>
+            <a:ext cx="9501808" cy="2308324"/>
           </a:xfrm>
           <a:prstGeom prst="rect">
             <a:avLst/>
@@ -8652,8 +8681,135 @@
                 <a:latin typeface="微软雅黑" panose="020B0503020204020204" pitchFamily="34" charset="-122"/>
                 <a:ea typeface="微软雅黑" panose="020B0503020204020204" pitchFamily="34" charset="-122"/>
               </a:rPr>
-              <a:t>函数可以在你测试实际代码的时候，捕获对函数的调用以及参数和返回值等，也可以用于模拟一些数据</a:t>
-            </a:r>
+              <a:t>函数可以在你测试实际代码的时候，捕获对函数的调用以及参数和返回值等，也可以用于模拟一些数据；</a:t>
+            </a:r>
+            <a:endParaRPr lang="en-US" altLang="zh-CN" dirty="0">
+              <a:solidFill>
+                <a:schemeClr val="accent2"/>
+              </a:solidFill>
+              <a:latin typeface="微软雅黑" panose="020B0503020204020204" pitchFamily="34" charset="-122"/>
+              <a:ea typeface="微软雅黑" panose="020B0503020204020204" pitchFamily="34" charset="-122"/>
+            </a:endParaRPr>
+          </a:p>
+          <a:p>
+            <a:endParaRPr lang="en-US" altLang="zh-CN" dirty="0">
+              <a:solidFill>
+                <a:schemeClr val="accent2"/>
+              </a:solidFill>
+              <a:latin typeface="微软雅黑" panose="020B0503020204020204" pitchFamily="34" charset="-122"/>
+              <a:ea typeface="微软雅黑" panose="020B0503020204020204" pitchFamily="34" charset="-122"/>
+            </a:endParaRPr>
+          </a:p>
+          <a:p>
+            <a:r>
+              <a:rPr lang="zh-CN" altLang="en-US" dirty="0">
+                <a:solidFill>
+                  <a:schemeClr val="accent2"/>
+                </a:solidFill>
+                <a:latin typeface="微软雅黑" panose="020B0503020204020204" pitchFamily="34" charset="-122"/>
+                <a:ea typeface="微软雅黑" panose="020B0503020204020204" pitchFamily="34" charset="-122"/>
+              </a:rPr>
+              <a:t>通常在测试时，无需真实数据，使用</a:t>
+            </a:r>
+            <a:r>
+              <a:rPr lang="en-US" altLang="zh-CN" dirty="0">
+                <a:solidFill>
+                  <a:schemeClr val="accent2"/>
+                </a:solidFill>
+                <a:latin typeface="微软雅黑" panose="020B0503020204020204" pitchFamily="34" charset="-122"/>
+                <a:ea typeface="微软雅黑" panose="020B0503020204020204" pitchFamily="34" charset="-122"/>
+              </a:rPr>
+              <a:t>mock</a:t>
+            </a:r>
+            <a:r>
+              <a:rPr lang="zh-CN" altLang="en-US" dirty="0">
+                <a:solidFill>
+                  <a:schemeClr val="accent2"/>
+                </a:solidFill>
+                <a:latin typeface="微软雅黑" panose="020B0503020204020204" pitchFamily="34" charset="-122"/>
+                <a:ea typeface="微软雅黑" panose="020B0503020204020204" pitchFamily="34" charset="-122"/>
+              </a:rPr>
+              <a:t>还可以节省时间成本，其特性如下：</a:t>
+            </a:r>
+            <a:endParaRPr lang="en-US" altLang="zh-CN" dirty="0">
+              <a:solidFill>
+                <a:schemeClr val="accent2"/>
+              </a:solidFill>
+              <a:latin typeface="微软雅黑" panose="020B0503020204020204" pitchFamily="34" charset="-122"/>
+              <a:ea typeface="微软雅黑" panose="020B0503020204020204" pitchFamily="34" charset="-122"/>
+            </a:endParaRPr>
+          </a:p>
+          <a:p>
+            <a:endParaRPr lang="en-US" altLang="zh-CN" dirty="0">
+              <a:solidFill>
+                <a:schemeClr val="accent2"/>
+              </a:solidFill>
+              <a:latin typeface="微软雅黑" panose="020B0503020204020204" pitchFamily="34" charset="-122"/>
+              <a:ea typeface="微软雅黑" panose="020B0503020204020204" pitchFamily="34" charset="-122"/>
+            </a:endParaRPr>
+          </a:p>
+          <a:p>
+            <a:pPr marL="285750" indent="-285750">
+              <a:buFont typeface="Arial" panose="020B0604020202020204" pitchFamily="34" charset="0"/>
+              <a:buChar char="•"/>
+            </a:pPr>
+            <a:r>
+              <a:rPr lang="zh-CN" altLang="en-US" dirty="0">
+                <a:solidFill>
+                  <a:schemeClr val="tx1">
+                    <a:lumMod val="85000"/>
+                  </a:schemeClr>
+                </a:solidFill>
+                <a:latin typeface="微软雅黑" panose="020B0503020204020204" pitchFamily="34" charset="-122"/>
+                <a:ea typeface="微软雅黑" panose="020B0503020204020204" pitchFamily="34" charset="-122"/>
+              </a:rPr>
+              <a:t>捕获函数调用情况</a:t>
+            </a:r>
+          </a:p>
+          <a:p>
+            <a:pPr marL="285750" indent="-285750">
+              <a:buFont typeface="Arial" panose="020B0604020202020204" pitchFamily="34" charset="0"/>
+              <a:buChar char="•"/>
+            </a:pPr>
+            <a:r>
+              <a:rPr lang="zh-CN" altLang="en-US" dirty="0">
+                <a:solidFill>
+                  <a:schemeClr val="tx1">
+                    <a:lumMod val="85000"/>
+                  </a:schemeClr>
+                </a:solidFill>
+                <a:latin typeface="微软雅黑" panose="020B0503020204020204" pitchFamily="34" charset="-122"/>
+                <a:ea typeface="微软雅黑" panose="020B0503020204020204" pitchFamily="34" charset="-122"/>
+              </a:rPr>
+              <a:t>设置函数返回值</a:t>
+            </a:r>
+          </a:p>
+          <a:p>
+            <a:pPr marL="285750" indent="-285750">
+              <a:buFont typeface="Arial" panose="020B0604020202020204" pitchFamily="34" charset="0"/>
+              <a:buChar char="•"/>
+            </a:pPr>
+            <a:r>
+              <a:rPr lang="zh-CN" altLang="en-US" dirty="0">
+                <a:solidFill>
+                  <a:schemeClr val="tx1">
+                    <a:lumMod val="85000"/>
+                  </a:schemeClr>
+                </a:solidFill>
+                <a:latin typeface="微软雅黑" panose="020B0503020204020204" pitchFamily="34" charset="-122"/>
+                <a:ea typeface="微软雅黑" panose="020B0503020204020204" pitchFamily="34" charset="-122"/>
+              </a:rPr>
+              <a:t>改变函数的内部实现</a:t>
+            </a:r>
+            <a:endParaRPr lang="en-US" altLang="zh-CN" dirty="0">
+              <a:solidFill>
+                <a:schemeClr val="tx1">
+                  <a:lumMod val="85000"/>
+                </a:schemeClr>
+              </a:solidFill>
+              <a:latin typeface="微软雅黑" panose="020B0503020204020204" pitchFamily="34" charset="-122"/>
+              <a:ea typeface="微软雅黑" panose="020B0503020204020204" pitchFamily="34" charset="-122"/>
+            </a:endParaRPr>
           </a:p>
         </p:txBody>
       </p:sp>
@@ -8671,7 +8827,7 @@
         </p:nvSpPr>
         <p:spPr>
           <a:xfrm>
-            <a:off x="967409" y="3021495"/>
+            <a:off x="838200" y="4155046"/>
             <a:ext cx="9501808" cy="1754326"/>
           </a:xfrm>
           <a:prstGeom prst="rect">
@@ -10904,14 +11060,14 @@
                 <a:latin typeface="微软雅黑" panose="020B0503020204020204" pitchFamily="34" charset="-122"/>
                 <a:ea typeface="微软雅黑" panose="020B0503020204020204" pitchFamily="34" charset="-122"/>
               </a:rPr>
-              <a:t>jest</a:t>
+              <a:t>Jest</a:t>
             </a:r>
             <a:r>
               <a:rPr lang="zh-CN" altLang="en-US" dirty="0">
                 <a:latin typeface="微软雅黑" panose="020B0503020204020204" pitchFamily="34" charset="-122"/>
                 <a:ea typeface="微软雅黑" panose="020B0503020204020204" pitchFamily="34" charset="-122"/>
               </a:rPr>
-              <a:t>基础使用介绍</a:t>
+              <a:t>基础</a:t>
             </a:r>
             <a:endParaRPr lang="en-US" altLang="zh-CN" dirty="0">
               <a:latin typeface="微软雅黑" panose="020B0503020204020204" pitchFamily="34" charset="-122"/>
@@ -10928,18 +11084,25 @@
               </a:spcBef>
             </a:pPr>
             <a:r>
+              <a:rPr lang="en-US" altLang="zh-CN" dirty="0" err="1">
+                <a:latin typeface="微软雅黑" panose="020B0503020204020204" pitchFamily="34" charset="-122"/>
+                <a:ea typeface="微软雅黑" panose="020B0503020204020204" pitchFamily="34" charset="-122"/>
+              </a:rPr>
+              <a:t>vue</a:t>
+            </a:r>
+            <a:r>
               <a:rPr lang="en-US" altLang="zh-CN" dirty="0">
                 <a:latin typeface="微软雅黑" panose="020B0503020204020204" pitchFamily="34" charset="-122"/>
                 <a:ea typeface="微软雅黑" panose="020B0503020204020204" pitchFamily="34" charset="-122"/>
               </a:rPr>
-              <a:t>Vue + jest </a:t>
+              <a:t>/unit-jest </a:t>
             </a:r>
             <a:r>
               <a:rPr lang="zh-CN" altLang="en-US" dirty="0">
                 <a:latin typeface="微软雅黑" panose="020B0503020204020204" pitchFamily="34" charset="-122"/>
                 <a:ea typeface="微软雅黑" panose="020B0503020204020204" pitchFamily="34" charset="-122"/>
               </a:rPr>
-              <a:t>在项目中的基础使用</a:t>
+              <a:t>在项目中的使用</a:t>
             </a:r>
             <a:endParaRPr lang="en-US" altLang="zh-CN" dirty="0">
               <a:latin typeface="微软雅黑" panose="020B0503020204020204" pitchFamily="34" charset="-122"/>
@@ -10960,7 +11123,7 @@
                 <a:latin typeface="微软雅黑" panose="020B0503020204020204" pitchFamily="34" charset="-122"/>
                 <a:ea typeface="微软雅黑" panose="020B0503020204020204" pitchFamily="34" charset="-122"/>
               </a:rPr>
-              <a:t>端到端测试工具</a:t>
+              <a:t>端到端测试框架</a:t>
             </a:r>
             <a:r>
               <a:rPr lang="en-US" altLang="zh-CN" dirty="0" err="1">

--- a/王博书的分享/自动化测试.pptx
+++ b/王博书的分享/自动化测试.pptx
@@ -5,7 +5,7 @@
     <p:sldMasterId id="2147483678" r:id="rId1"/>
   </p:sldMasterIdLst>
   <p:notesMasterIdLst>
-    <p:notesMasterId r:id="rId19"/>
+    <p:notesMasterId r:id="rId22"/>
   </p:notesMasterIdLst>
   <p:sldIdLst>
     <p:sldId id="256" r:id="rId2"/>
@@ -21,10 +21,13 @@
     <p:sldId id="266" r:id="rId12"/>
     <p:sldId id="270" r:id="rId13"/>
     <p:sldId id="271" r:id="rId14"/>
-    <p:sldId id="269" r:id="rId15"/>
-    <p:sldId id="267" r:id="rId16"/>
-    <p:sldId id="268" r:id="rId17"/>
-    <p:sldId id="272" r:id="rId18"/>
+    <p:sldId id="273" r:id="rId15"/>
+    <p:sldId id="269" r:id="rId16"/>
+    <p:sldId id="267" r:id="rId17"/>
+    <p:sldId id="268" r:id="rId18"/>
+    <p:sldId id="274" r:id="rId19"/>
+    <p:sldId id="272" r:id="rId20"/>
+    <p:sldId id="275" r:id="rId21"/>
   </p:sldIdLst>
   <p:sldSz cx="12192000" cy="6858000"/>
   <p:notesSz cx="6858000" cy="9144000"/>
@@ -225,7 +228,7 @@
           <a:p>
             <a:fld id="{6C91DED6-2F87-4CFA-AC0C-81E76F6773BD}" type="datetimeFigureOut">
               <a:rPr lang="zh-CN" altLang="en-US" smtClean="0"/>
-              <a:t>2021/1/19</a:t>
+              <a:t>2021/1/21</a:t>
             </a:fld>
             <a:endParaRPr lang="zh-CN" altLang="en-US"/>
           </a:p>
@@ -675,7 +678,7 @@
           <a:p>
             <a:fld id="{AD09C881-90A8-46F5-914E-732915AF5BE6}" type="datetimeFigureOut">
               <a:rPr lang="zh-CN" altLang="en-US" smtClean="0"/>
-              <a:t>2021/1/19</a:t>
+              <a:t>2021/1/21</a:t>
             </a:fld>
             <a:endParaRPr lang="zh-CN" altLang="en-US"/>
           </a:p>
@@ -950,7 +953,7 @@
           <a:p>
             <a:fld id="{AD09C881-90A8-46F5-914E-732915AF5BE6}" type="datetimeFigureOut">
               <a:rPr lang="zh-CN" altLang="en-US" smtClean="0"/>
-              <a:t>2021/1/19</a:t>
+              <a:t>2021/1/21</a:t>
             </a:fld>
             <a:endParaRPr lang="zh-CN" altLang="en-US"/>
           </a:p>
@@ -1144,7 +1147,7 @@
           <a:p>
             <a:fld id="{AD09C881-90A8-46F5-914E-732915AF5BE6}" type="datetimeFigureOut">
               <a:rPr lang="zh-CN" altLang="en-US" smtClean="0"/>
-              <a:t>2021/1/19</a:t>
+              <a:t>2021/1/21</a:t>
             </a:fld>
             <a:endParaRPr lang="zh-CN" altLang="en-US"/>
           </a:p>
@@ -1412,7 +1415,7 @@
           <a:p>
             <a:fld id="{AD09C881-90A8-46F5-914E-732915AF5BE6}" type="datetimeFigureOut">
               <a:rPr lang="zh-CN" altLang="en-US" smtClean="0"/>
-              <a:t>2021/1/19</a:t>
+              <a:t>2021/1/21</a:t>
             </a:fld>
             <a:endParaRPr lang="zh-CN" altLang="en-US"/>
           </a:p>
@@ -1744,7 +1747,7 @@
           <a:p>
             <a:fld id="{AD09C881-90A8-46F5-914E-732915AF5BE6}" type="datetimeFigureOut">
               <a:rPr lang="zh-CN" altLang="en-US" smtClean="0"/>
-              <a:t>2021/1/19</a:t>
+              <a:t>2021/1/21</a:t>
             </a:fld>
             <a:endParaRPr lang="zh-CN" altLang="en-US"/>
           </a:p>
@@ -2354,7 +2357,7 @@
           <a:p>
             <a:fld id="{AD09C881-90A8-46F5-914E-732915AF5BE6}" type="datetimeFigureOut">
               <a:rPr lang="zh-CN" altLang="en-US" smtClean="0"/>
-              <a:t>2021/1/19</a:t>
+              <a:t>2021/1/21</a:t>
             </a:fld>
             <a:endParaRPr lang="zh-CN" altLang="en-US"/>
           </a:p>
@@ -3201,7 +3204,7 @@
           <a:p>
             <a:fld id="{AD09C881-90A8-46F5-914E-732915AF5BE6}" type="datetimeFigureOut">
               <a:rPr lang="zh-CN" altLang="en-US" smtClean="0"/>
-              <a:t>2021/1/19</a:t>
+              <a:t>2021/1/21</a:t>
             </a:fld>
             <a:endParaRPr lang="zh-CN" altLang="en-US"/>
           </a:p>
@@ -3371,7 +3374,7 @@
           <a:p>
             <a:fld id="{AD09C881-90A8-46F5-914E-732915AF5BE6}" type="datetimeFigureOut">
               <a:rPr lang="zh-CN" altLang="en-US" smtClean="0"/>
-              <a:t>2021/1/19</a:t>
+              <a:t>2021/1/21</a:t>
             </a:fld>
             <a:endParaRPr lang="zh-CN" altLang="en-US"/>
           </a:p>
@@ -3551,7 +3554,7 @@
           <a:p>
             <a:fld id="{AD09C881-90A8-46F5-914E-732915AF5BE6}" type="datetimeFigureOut">
               <a:rPr lang="zh-CN" altLang="en-US" smtClean="0"/>
-              <a:t>2021/1/19</a:t>
+              <a:t>2021/1/21</a:t>
             </a:fld>
             <a:endParaRPr lang="zh-CN" altLang="en-US"/>
           </a:p>
@@ -3721,7 +3724,7 @@
           <a:p>
             <a:fld id="{AD09C881-90A8-46F5-914E-732915AF5BE6}" type="datetimeFigureOut">
               <a:rPr lang="zh-CN" altLang="en-US" smtClean="0"/>
-              <a:t>2021/1/19</a:t>
+              <a:t>2021/1/21</a:t>
             </a:fld>
             <a:endParaRPr lang="zh-CN" altLang="en-US"/>
           </a:p>
@@ -3965,7 +3968,7 @@
           <a:p>
             <a:fld id="{AD09C881-90A8-46F5-914E-732915AF5BE6}" type="datetimeFigureOut">
               <a:rPr lang="zh-CN" altLang="en-US" smtClean="0"/>
-              <a:t>2021/1/19</a:t>
+              <a:t>2021/1/21</a:t>
             </a:fld>
             <a:endParaRPr lang="zh-CN" altLang="en-US"/>
           </a:p>
@@ -4257,7 +4260,7 @@
           <a:p>
             <a:fld id="{AD09C881-90A8-46F5-914E-732915AF5BE6}" type="datetimeFigureOut">
               <a:rPr lang="zh-CN" altLang="en-US" smtClean="0"/>
-              <a:t>2021/1/19</a:t>
+              <a:t>2021/1/21</a:t>
             </a:fld>
             <a:endParaRPr lang="zh-CN" altLang="en-US"/>
           </a:p>
@@ -4695,7 +4698,7 @@
           <a:p>
             <a:fld id="{AD09C881-90A8-46F5-914E-732915AF5BE6}" type="datetimeFigureOut">
               <a:rPr lang="zh-CN" altLang="en-US" smtClean="0"/>
-              <a:t>2021/1/19</a:t>
+              <a:t>2021/1/21</a:t>
             </a:fld>
             <a:endParaRPr lang="zh-CN" altLang="en-US"/>
           </a:p>
@@ -4813,7 +4816,7 @@
           <a:p>
             <a:fld id="{AD09C881-90A8-46F5-914E-732915AF5BE6}" type="datetimeFigureOut">
               <a:rPr lang="zh-CN" altLang="en-US" smtClean="0"/>
-              <a:t>2021/1/19</a:t>
+              <a:t>2021/1/21</a:t>
             </a:fld>
             <a:endParaRPr lang="zh-CN" altLang="en-US"/>
           </a:p>
@@ -4908,7 +4911,7 @@
           <a:p>
             <a:fld id="{AD09C881-90A8-46F5-914E-732915AF5BE6}" type="datetimeFigureOut">
               <a:rPr lang="zh-CN" altLang="en-US" smtClean="0"/>
-              <a:t>2021/1/19</a:t>
+              <a:t>2021/1/21</a:t>
             </a:fld>
             <a:endParaRPr lang="zh-CN" altLang="en-US"/>
           </a:p>
@@ -5187,7 +5190,7 @@
           <a:p>
             <a:fld id="{AD09C881-90A8-46F5-914E-732915AF5BE6}" type="datetimeFigureOut">
               <a:rPr lang="zh-CN" altLang="en-US" smtClean="0"/>
-              <a:t>2021/1/19</a:t>
+              <a:t>2021/1/21</a:t>
             </a:fld>
             <a:endParaRPr lang="zh-CN" altLang="en-US"/>
           </a:p>
@@ -5462,7 +5465,7 @@
           <a:p>
             <a:fld id="{AD09C881-90A8-46F5-914E-732915AF5BE6}" type="datetimeFigureOut">
               <a:rPr lang="zh-CN" altLang="en-US" smtClean="0"/>
-              <a:t>2021/1/19</a:t>
+              <a:t>2021/1/21</a:t>
             </a:fld>
             <a:endParaRPr lang="zh-CN" altLang="en-US"/>
           </a:p>
@@ -5891,7 +5894,7 @@
           <a:p>
             <a:fld id="{AD09C881-90A8-46F5-914E-732915AF5BE6}" type="datetimeFigureOut">
               <a:rPr lang="zh-CN" altLang="en-US" smtClean="0"/>
-              <a:t>2021/1/19</a:t>
+              <a:t>2021/1/21</a:t>
             </a:fld>
             <a:endParaRPr lang="zh-CN" altLang="en-US"/>
           </a:p>
@@ -6410,7 +6413,7 @@
         </p:nvSpPr>
         <p:spPr>
           <a:xfrm>
-            <a:off x="1737042" y="1769179"/>
+            <a:off x="1737042" y="2006083"/>
             <a:ext cx="8717915" cy="1659821"/>
           </a:xfrm>
         </p:spPr>
@@ -6838,7 +6841,21 @@
                 <a:effectLst/>
                 <a:latin typeface="PingFang SC"/>
               </a:rPr>
-              <a:t>数组是否属于子集</a:t>
+              <a:t>数组是</a:t>
+            </a:r>
+            <a:r>
+              <a:rPr lang="en-US" altLang="zh-CN" b="1" i="0" dirty="0">
+                <a:effectLst/>
+                <a:latin typeface="PingFang SC"/>
+              </a:rPr>
+              <a:t>	</a:t>
+            </a:r>
+            <a:r>
+              <a:rPr lang="zh-CN" altLang="en-US" b="1" i="0" dirty="0">
+                <a:effectLst/>
+                <a:latin typeface="PingFang SC"/>
+              </a:rPr>
+              <a:t>否属于子集</a:t>
             </a:r>
           </a:p>
           <a:p>
@@ -7065,35 +7082,114 @@
       </p:sp>
       <p:sp>
         <p:nvSpPr>
-          <p:cNvPr id="7" name="标题 1">
+          <p:cNvPr id="5" name="标题 1">
             <a:extLst>
               <a:ext uri="{FF2B5EF4-FFF2-40B4-BE49-F238E27FC236}">
-                <a16:creationId xmlns:a16="http://schemas.microsoft.com/office/drawing/2014/main" id="{0EC76011-E405-424D-8268-256DFB5F5CE4}"/>
+                <a16:creationId xmlns:a16="http://schemas.microsoft.com/office/drawing/2014/main" id="{81495B6C-37C2-4957-8C89-4F1044F596BE}"/>
               </a:ext>
             </a:extLst>
           </p:cNvPr>
-          <p:cNvSpPr>
-            <a:spLocks noGrp="1"/>
+          <p:cNvSpPr txBox="1">
+            <a:spLocks/>
           </p:cNvSpPr>
-          <p:nvPr>
-            <p:ph type="title"/>
-          </p:nvPr>
+          <p:nvPr/>
         </p:nvSpPr>
         <p:spPr>
           <a:xfrm>
-            <a:off x="838200" y="365125"/>
-            <a:ext cx="10515600" cy="734805"/>
+            <a:off x="838199" y="408475"/>
+            <a:ext cx="9404723" cy="1400530"/>
           </a:xfrm>
+          <a:prstGeom prst="rect">
+            <a:avLst/>
+          </a:prstGeom>
         </p:spPr>
         <p:txBody>
-          <a:bodyPr/>
-          <a:lstStyle/>
-          <a:p>
-            <a:r>
-              <a:rPr lang="zh-CN" altLang="en-US" dirty="0"/>
+          <a:bodyPr vert="horz" lIns="91440" tIns="45720" rIns="91440" bIns="45720" rtlCol="0" anchor="t">
+            <a:normAutofit/>
+          </a:bodyPr>
+          <a:lstStyle>
+            <a:lvl1pPr algn="l" defTabSz="457200" rtl="0" eaLnBrk="1" latinLnBrk="0" hangingPunct="1">
+              <a:spcBef>
+                <a:spcPct val="0"/>
+              </a:spcBef>
+              <a:buNone/>
+              <a:defRPr sz="4200" b="0" i="0" kern="1200">
+                <a:solidFill>
+                  <a:schemeClr val="tx2"/>
+                </a:solidFill>
+                <a:latin typeface="+mj-lt"/>
+                <a:ea typeface="+mj-ea"/>
+                <a:cs typeface="+mj-cs"/>
+              </a:defRPr>
+            </a:lvl1pPr>
+            <a:lvl2pPr eaLnBrk="1" hangingPunct="1">
+              <a:defRPr>
+                <a:solidFill>
+                  <a:schemeClr val="tx2"/>
+                </a:solidFill>
+              </a:defRPr>
+            </a:lvl2pPr>
+            <a:lvl3pPr eaLnBrk="1" hangingPunct="1">
+              <a:defRPr>
+                <a:solidFill>
+                  <a:schemeClr val="tx2"/>
+                </a:solidFill>
+              </a:defRPr>
+            </a:lvl3pPr>
+            <a:lvl4pPr eaLnBrk="1" hangingPunct="1">
+              <a:defRPr>
+                <a:solidFill>
+                  <a:schemeClr val="tx2"/>
+                </a:solidFill>
+              </a:defRPr>
+            </a:lvl4pPr>
+            <a:lvl5pPr eaLnBrk="1" hangingPunct="1">
+              <a:defRPr>
+                <a:solidFill>
+                  <a:schemeClr val="tx2"/>
+                </a:solidFill>
+              </a:defRPr>
+            </a:lvl5pPr>
+            <a:lvl6pPr eaLnBrk="1" hangingPunct="1">
+              <a:defRPr>
+                <a:solidFill>
+                  <a:schemeClr val="tx2"/>
+                </a:solidFill>
+              </a:defRPr>
+            </a:lvl6pPr>
+            <a:lvl7pPr eaLnBrk="1" hangingPunct="1">
+              <a:defRPr>
+                <a:solidFill>
+                  <a:schemeClr val="tx2"/>
+                </a:solidFill>
+              </a:defRPr>
+            </a:lvl7pPr>
+            <a:lvl8pPr eaLnBrk="1" hangingPunct="1">
+              <a:defRPr>
+                <a:solidFill>
+                  <a:schemeClr val="tx2"/>
+                </a:solidFill>
+              </a:defRPr>
+            </a:lvl8pPr>
+            <a:lvl9pPr eaLnBrk="1" hangingPunct="1">
+              <a:defRPr>
+                <a:solidFill>
+                  <a:schemeClr val="tx2"/>
+                </a:solidFill>
+              </a:defRPr>
+            </a:lvl9pPr>
+          </a:lstStyle>
+          <a:p>
+            <a:r>
+              <a:rPr lang="zh-CN" altLang="en-US" sz="3600" b="1" dirty="0">
+                <a:solidFill>
+                  <a:schemeClr val="accent2"/>
+                </a:solidFill>
+                <a:latin typeface="微软雅黑" panose="020B0503020204020204" pitchFamily="34" charset="-122"/>
+                <a:ea typeface="微软雅黑" panose="020B0503020204020204" pitchFamily="34" charset="-122"/>
+              </a:rPr>
               <a:t>断言对象的常用匹配器</a:t>
             </a:r>
-            <a:endParaRPr lang="en-US" altLang="zh-CN" dirty="0"/>
           </a:p>
         </p:txBody>
       </p:sp>
@@ -7129,39 +7225,6 @@
       </p:grpSpPr>
       <p:sp>
         <p:nvSpPr>
-          <p:cNvPr id="2" name="标题 1">
-            <a:extLst>
-              <a:ext uri="{FF2B5EF4-FFF2-40B4-BE49-F238E27FC236}">
-                <a16:creationId xmlns:a16="http://schemas.microsoft.com/office/drawing/2014/main" id="{91173E24-2C32-47A7-A9ED-C7354D5DE3DF}"/>
-              </a:ext>
-            </a:extLst>
-          </p:cNvPr>
-          <p:cNvSpPr>
-            <a:spLocks noGrp="1"/>
-          </p:cNvSpPr>
-          <p:nvPr>
-            <p:ph type="title"/>
-          </p:nvPr>
-        </p:nvSpPr>
-        <p:spPr>
-          <a:xfrm>
-            <a:off x="838200" y="365126"/>
-            <a:ext cx="10515600" cy="774562"/>
-          </a:xfrm>
-        </p:spPr>
-        <p:txBody>
-          <a:bodyPr/>
-          <a:lstStyle/>
-          <a:p>
-            <a:r>
-              <a:rPr lang="zh-CN" altLang="en-US" dirty="0"/>
-              <a:t>测试异步代码</a:t>
-            </a:r>
-          </a:p>
-        </p:txBody>
-      </p:sp>
-      <p:sp>
-        <p:nvSpPr>
           <p:cNvPr id="3" name="内容占位符 2">
             <a:extLst>
               <a:ext uri="{FF2B5EF4-FFF2-40B4-BE49-F238E27FC236}">
@@ -7873,7 +7936,132 @@
               <a:rPr lang="zh-CN" altLang="en-US" dirty="0"/>
               <a:t>来确保只能执行一次断言</a:t>
             </a:r>
+            <a:r>
+              <a:rPr lang="en-US" altLang="zh-CN" dirty="0"/>
+              <a:t>;</a:t>
+            </a:r>
+            <a:r>
+              <a:rPr lang="en-US" altLang="zh-CN" dirty="0" err="1"/>
+              <a:t>todo</a:t>
+            </a:r>
+            <a:r>
+              <a:rPr lang="zh-CN" altLang="en-US" dirty="0"/>
+              <a:t>错误案例演示</a:t>
+            </a:r>
             <a:endParaRPr lang="en-US" altLang="zh-CN" dirty="0"/>
+          </a:p>
+        </p:txBody>
+      </p:sp>
+      <p:sp>
+        <p:nvSpPr>
+          <p:cNvPr id="6" name="标题 1">
+            <a:extLst>
+              <a:ext uri="{FF2B5EF4-FFF2-40B4-BE49-F238E27FC236}">
+                <a16:creationId xmlns:a16="http://schemas.microsoft.com/office/drawing/2014/main" id="{7512B639-27B1-4003-B3DE-513DAB267A1A}"/>
+              </a:ext>
+            </a:extLst>
+          </p:cNvPr>
+          <p:cNvSpPr txBox="1">
+            <a:spLocks/>
+          </p:cNvSpPr>
+          <p:nvPr/>
+        </p:nvSpPr>
+        <p:spPr>
+          <a:xfrm>
+            <a:off x="838200" y="381842"/>
+            <a:ext cx="9404723" cy="1400530"/>
+          </a:xfrm>
+          <a:prstGeom prst="rect">
+            <a:avLst/>
+          </a:prstGeom>
+        </p:spPr>
+        <p:txBody>
+          <a:bodyPr vert="horz" lIns="91440" tIns="45720" rIns="91440" bIns="45720" rtlCol="0" anchor="t">
+            <a:normAutofit/>
+          </a:bodyPr>
+          <a:lstStyle>
+            <a:lvl1pPr algn="l" defTabSz="457200" rtl="0" eaLnBrk="1" latinLnBrk="0" hangingPunct="1">
+              <a:spcBef>
+                <a:spcPct val="0"/>
+              </a:spcBef>
+              <a:buNone/>
+              <a:defRPr sz="4200" b="0" i="0" kern="1200">
+                <a:solidFill>
+                  <a:schemeClr val="tx2"/>
+                </a:solidFill>
+                <a:latin typeface="+mj-lt"/>
+                <a:ea typeface="+mj-ea"/>
+                <a:cs typeface="+mj-cs"/>
+              </a:defRPr>
+            </a:lvl1pPr>
+            <a:lvl2pPr eaLnBrk="1" hangingPunct="1">
+              <a:defRPr>
+                <a:solidFill>
+                  <a:schemeClr val="tx2"/>
+                </a:solidFill>
+              </a:defRPr>
+            </a:lvl2pPr>
+            <a:lvl3pPr eaLnBrk="1" hangingPunct="1">
+              <a:defRPr>
+                <a:solidFill>
+                  <a:schemeClr val="tx2"/>
+                </a:solidFill>
+              </a:defRPr>
+            </a:lvl3pPr>
+            <a:lvl4pPr eaLnBrk="1" hangingPunct="1">
+              <a:defRPr>
+                <a:solidFill>
+                  <a:schemeClr val="tx2"/>
+                </a:solidFill>
+              </a:defRPr>
+            </a:lvl4pPr>
+            <a:lvl5pPr eaLnBrk="1" hangingPunct="1">
+              <a:defRPr>
+                <a:solidFill>
+                  <a:schemeClr val="tx2"/>
+                </a:solidFill>
+              </a:defRPr>
+            </a:lvl5pPr>
+            <a:lvl6pPr eaLnBrk="1" hangingPunct="1">
+              <a:defRPr>
+                <a:solidFill>
+                  <a:schemeClr val="tx2"/>
+                </a:solidFill>
+              </a:defRPr>
+            </a:lvl6pPr>
+            <a:lvl7pPr eaLnBrk="1" hangingPunct="1">
+              <a:defRPr>
+                <a:solidFill>
+                  <a:schemeClr val="tx2"/>
+                </a:solidFill>
+              </a:defRPr>
+            </a:lvl7pPr>
+            <a:lvl8pPr eaLnBrk="1" hangingPunct="1">
+              <a:defRPr>
+                <a:solidFill>
+                  <a:schemeClr val="tx2"/>
+                </a:solidFill>
+              </a:defRPr>
+            </a:lvl8pPr>
+            <a:lvl9pPr eaLnBrk="1" hangingPunct="1">
+              <a:defRPr>
+                <a:solidFill>
+                  <a:schemeClr val="tx2"/>
+                </a:solidFill>
+              </a:defRPr>
+            </a:lvl9pPr>
+          </a:lstStyle>
+          <a:p>
+            <a:r>
+              <a:rPr lang="zh-CN" altLang="en-US" sz="3600" b="1" dirty="0">
+                <a:solidFill>
+                  <a:schemeClr val="accent2"/>
+                </a:solidFill>
+                <a:latin typeface="微软雅黑" panose="020B0503020204020204" pitchFamily="34" charset="-122"/>
+                <a:ea typeface="微软雅黑" panose="020B0503020204020204" pitchFamily="34" charset="-122"/>
+              </a:rPr>
+              <a:t>测试异步代码</a:t>
+            </a:r>
           </a:p>
         </p:txBody>
       </p:sp>
@@ -7909,39 +8097,6 @@
       </p:grpSpPr>
       <p:sp>
         <p:nvSpPr>
-          <p:cNvPr id="4" name="标题 1">
-            <a:extLst>
-              <a:ext uri="{FF2B5EF4-FFF2-40B4-BE49-F238E27FC236}">
-                <a16:creationId xmlns:a16="http://schemas.microsoft.com/office/drawing/2014/main" id="{3DA6D7E9-CE1B-43F6-B174-57ED4397697E}"/>
-              </a:ext>
-            </a:extLst>
-          </p:cNvPr>
-          <p:cNvSpPr>
-            <a:spLocks noGrp="1"/>
-          </p:cNvSpPr>
-          <p:nvPr>
-            <p:ph type="title"/>
-          </p:nvPr>
-        </p:nvSpPr>
-        <p:spPr>
-          <a:xfrm>
-            <a:off x="838200" y="365126"/>
-            <a:ext cx="10515600" cy="774562"/>
-          </a:xfrm>
-        </p:spPr>
-        <p:txBody>
-          <a:bodyPr/>
-          <a:lstStyle/>
-          <a:p>
-            <a:r>
-              <a:rPr lang="zh-CN" altLang="en-US" dirty="0"/>
-              <a:t>钩子函数</a:t>
-            </a:r>
-          </a:p>
-        </p:txBody>
-      </p:sp>
-      <p:sp>
-        <p:nvSpPr>
           <p:cNvPr id="5" name="文本框 4">
             <a:extLst>
               <a:ext uri="{FF2B5EF4-FFF2-40B4-BE49-F238E27FC236}">
@@ -7954,7 +8109,7 @@
         </p:nvSpPr>
         <p:spPr>
           <a:xfrm>
-            <a:off x="980661" y="1404730"/>
+            <a:off x="980661" y="1294826"/>
             <a:ext cx="4121426" cy="2585323"/>
           </a:xfrm>
           <a:prstGeom prst="rect">
@@ -7969,6 +8124,9 @@
           <a:lstStyle/>
           <a:p>
             <a:pPr marL="285750" indent="-285750">
+              <a:lnSpc>
+                <a:spcPct val="200000"/>
+              </a:lnSpc>
               <a:buFont typeface="Arial" panose="020B0604020202020204" pitchFamily="34" charset="0"/>
               <a:buChar char="•"/>
             </a:pPr>
@@ -7988,6 +8146,9 @@
           </a:p>
           <a:p>
             <a:pPr marL="285750" indent="-285750">
+              <a:lnSpc>
+                <a:spcPct val="200000"/>
+              </a:lnSpc>
               <a:buFont typeface="Arial" panose="020B0604020202020204" pitchFamily="34" charset="0"/>
               <a:buChar char="•"/>
             </a:pPr>
@@ -8007,6 +8168,9 @@
           </a:p>
           <a:p>
             <a:pPr marL="285750" indent="-285750">
+              <a:lnSpc>
+                <a:spcPct val="200000"/>
+              </a:lnSpc>
               <a:buFont typeface="Arial" panose="020B0604020202020204" pitchFamily="34" charset="0"/>
               <a:buChar char="•"/>
             </a:pPr>
@@ -8026,6 +8190,9 @@
           </a:p>
           <a:p>
             <a:pPr marL="285750" indent="-285750">
+              <a:lnSpc>
+                <a:spcPct val="200000"/>
+              </a:lnSpc>
               <a:buFont typeface="Arial" panose="020B0604020202020204" pitchFamily="34" charset="0"/>
               <a:buChar char="•"/>
             </a:pPr>
@@ -8040,38 +8207,6 @@
             <a:r>
               <a:rPr lang="zh-CN" altLang="en-US" dirty="0"/>
               <a:t>钩子</a:t>
-            </a:r>
-            <a:endParaRPr lang="en-US" altLang="zh-CN" dirty="0"/>
-          </a:p>
-          <a:p>
-            <a:pPr marL="285750" indent="-285750">
-              <a:buFont typeface="Arial" panose="020B0604020202020204" pitchFamily="34" charset="0"/>
-              <a:buChar char="•"/>
-            </a:pPr>
-            <a:endParaRPr lang="en-US" altLang="zh-CN" dirty="0"/>
-          </a:p>
-          <a:p>
-            <a:r>
-              <a:rPr lang="en-US" altLang="zh-CN" b="1" dirty="0"/>
-              <a:t>describe</a:t>
-            </a:r>
-            <a:r>
-              <a:rPr lang="en-US" altLang="zh-CN" dirty="0"/>
-              <a:t> </a:t>
-            </a:r>
-            <a:r>
-              <a:rPr lang="zh-CN" altLang="en-US" dirty="0"/>
-              <a:t>块中也有提供以上钩子</a:t>
-            </a:r>
-            <a:endParaRPr lang="en-US" altLang="zh-CN" dirty="0"/>
-          </a:p>
-          <a:p>
-            <a:endParaRPr lang="en-US" altLang="zh-CN" dirty="0"/>
-          </a:p>
-          <a:p>
-            <a:r>
-              <a:rPr lang="zh-CN" altLang="en-US" dirty="0"/>
-              <a:t>他们的执行顺序是</a:t>
             </a:r>
             <a:endParaRPr lang="en-US" altLang="zh-CN" dirty="0"/>
           </a:p>
@@ -8536,6 +8671,176 @@
             <a:r>
               <a:rPr lang="en-US" altLang="zh-CN" dirty="0"/>
               <a:t> </a:t>
+            </a:r>
+          </a:p>
+        </p:txBody>
+      </p:sp>
+      <p:sp>
+        <p:nvSpPr>
+          <p:cNvPr id="2" name="文本框 1">
+            <a:extLst>
+              <a:ext uri="{FF2B5EF4-FFF2-40B4-BE49-F238E27FC236}">
+                <a16:creationId xmlns:a16="http://schemas.microsoft.com/office/drawing/2014/main" id="{225B8AE1-E78D-4B35-A34A-2D7BD1E34CA8}"/>
+              </a:ext>
+            </a:extLst>
+          </p:cNvPr>
+          <p:cNvSpPr txBox="1"/>
+          <p:nvPr/>
+        </p:nvSpPr>
+        <p:spPr>
+          <a:xfrm>
+            <a:off x="5474842" y="2564080"/>
+            <a:ext cx="3534942" cy="1200329"/>
+          </a:xfrm>
+          <a:prstGeom prst="rect">
+            <a:avLst/>
+          </a:prstGeom>
+          <a:noFill/>
+        </p:spPr>
+        <p:txBody>
+          <a:bodyPr wrap="none" rtlCol="0">
+            <a:spAutoFit/>
+          </a:bodyPr>
+          <a:lstStyle/>
+          <a:p>
+            <a:r>
+              <a:rPr lang="en-US" altLang="zh-CN" b="1" dirty="0"/>
+              <a:t>describe</a:t>
+            </a:r>
+            <a:r>
+              <a:rPr lang="en-US" altLang="zh-CN" dirty="0"/>
+              <a:t> </a:t>
+            </a:r>
+            <a:r>
+              <a:rPr lang="zh-CN" altLang="en-US" dirty="0"/>
+              <a:t>块中也有提供以上钩子</a:t>
+            </a:r>
+            <a:endParaRPr lang="en-US" altLang="zh-CN" dirty="0"/>
+          </a:p>
+          <a:p>
+            <a:endParaRPr lang="en-US" altLang="zh-CN" dirty="0"/>
+          </a:p>
+          <a:p>
+            <a:r>
+              <a:rPr lang="zh-CN" altLang="en-US" dirty="0"/>
+              <a:t>他们的执行顺序是</a:t>
+            </a:r>
+            <a:endParaRPr lang="en-US" altLang="zh-CN" dirty="0"/>
+          </a:p>
+          <a:p>
+            <a:endParaRPr lang="zh-CN" altLang="en-US" dirty="0"/>
+          </a:p>
+        </p:txBody>
+      </p:sp>
+      <p:sp>
+        <p:nvSpPr>
+          <p:cNvPr id="17" name="标题 1">
+            <a:extLst>
+              <a:ext uri="{FF2B5EF4-FFF2-40B4-BE49-F238E27FC236}">
+                <a16:creationId xmlns:a16="http://schemas.microsoft.com/office/drawing/2014/main" id="{1EA11EFF-1B36-4CCE-AC1D-DF7EB6EA5DE2}"/>
+              </a:ext>
+            </a:extLst>
+          </p:cNvPr>
+          <p:cNvSpPr txBox="1">
+            <a:spLocks/>
+          </p:cNvSpPr>
+          <p:nvPr/>
+        </p:nvSpPr>
+        <p:spPr>
+          <a:xfrm>
+            <a:off x="980661" y="379787"/>
+            <a:ext cx="9404723" cy="1400530"/>
+          </a:xfrm>
+          <a:prstGeom prst="rect">
+            <a:avLst/>
+          </a:prstGeom>
+        </p:spPr>
+        <p:txBody>
+          <a:bodyPr vert="horz" lIns="91440" tIns="45720" rIns="91440" bIns="45720" rtlCol="0" anchor="t">
+            <a:normAutofit/>
+          </a:bodyPr>
+          <a:lstStyle>
+            <a:lvl1pPr algn="l" defTabSz="457200" rtl="0" eaLnBrk="1" latinLnBrk="0" hangingPunct="1">
+              <a:spcBef>
+                <a:spcPct val="0"/>
+              </a:spcBef>
+              <a:buNone/>
+              <a:defRPr sz="4200" b="0" i="0" kern="1200">
+                <a:solidFill>
+                  <a:schemeClr val="tx2"/>
+                </a:solidFill>
+                <a:latin typeface="+mj-lt"/>
+                <a:ea typeface="+mj-ea"/>
+                <a:cs typeface="+mj-cs"/>
+              </a:defRPr>
+            </a:lvl1pPr>
+            <a:lvl2pPr eaLnBrk="1" hangingPunct="1">
+              <a:defRPr>
+                <a:solidFill>
+                  <a:schemeClr val="tx2"/>
+                </a:solidFill>
+              </a:defRPr>
+            </a:lvl2pPr>
+            <a:lvl3pPr eaLnBrk="1" hangingPunct="1">
+              <a:defRPr>
+                <a:solidFill>
+                  <a:schemeClr val="tx2"/>
+                </a:solidFill>
+              </a:defRPr>
+            </a:lvl3pPr>
+            <a:lvl4pPr eaLnBrk="1" hangingPunct="1">
+              <a:defRPr>
+                <a:solidFill>
+                  <a:schemeClr val="tx2"/>
+                </a:solidFill>
+              </a:defRPr>
+            </a:lvl4pPr>
+            <a:lvl5pPr eaLnBrk="1" hangingPunct="1">
+              <a:defRPr>
+                <a:solidFill>
+                  <a:schemeClr val="tx2"/>
+                </a:solidFill>
+              </a:defRPr>
+            </a:lvl5pPr>
+            <a:lvl6pPr eaLnBrk="1" hangingPunct="1">
+              <a:defRPr>
+                <a:solidFill>
+                  <a:schemeClr val="tx2"/>
+                </a:solidFill>
+              </a:defRPr>
+            </a:lvl6pPr>
+            <a:lvl7pPr eaLnBrk="1" hangingPunct="1">
+              <a:defRPr>
+                <a:solidFill>
+                  <a:schemeClr val="tx2"/>
+                </a:solidFill>
+              </a:defRPr>
+            </a:lvl7pPr>
+            <a:lvl8pPr eaLnBrk="1" hangingPunct="1">
+              <a:defRPr>
+                <a:solidFill>
+                  <a:schemeClr val="tx2"/>
+                </a:solidFill>
+              </a:defRPr>
+            </a:lvl8pPr>
+            <a:lvl9pPr eaLnBrk="1" hangingPunct="1">
+              <a:defRPr>
+                <a:solidFill>
+                  <a:schemeClr val="tx2"/>
+                </a:solidFill>
+              </a:defRPr>
+            </a:lvl9pPr>
+          </a:lstStyle>
+          <a:p>
+            <a:r>
+              <a:rPr lang="zh-CN" altLang="en-US" sz="3600" b="1" dirty="0">
+                <a:solidFill>
+                  <a:schemeClr val="accent2"/>
+                </a:solidFill>
+                <a:latin typeface="微软雅黑" panose="020B0503020204020204" pitchFamily="34" charset="-122"/>
+                <a:ea typeface="微软雅黑" panose="020B0503020204020204" pitchFamily="34" charset="-122"/>
+              </a:rPr>
+              <a:t>钩子函数</a:t>
             </a:r>
           </a:p>
         </p:txBody>
@@ -8572,43 +8877,6 @@
       </p:grpSpPr>
       <p:sp>
         <p:nvSpPr>
-          <p:cNvPr id="4" name="标题 1">
-            <a:extLst>
-              <a:ext uri="{FF2B5EF4-FFF2-40B4-BE49-F238E27FC236}">
-                <a16:creationId xmlns:a16="http://schemas.microsoft.com/office/drawing/2014/main" id="{F6C5A928-8ED0-44C5-B238-E37FC7442D7B}"/>
-              </a:ext>
-            </a:extLst>
-          </p:cNvPr>
-          <p:cNvSpPr>
-            <a:spLocks noGrp="1"/>
-          </p:cNvSpPr>
-          <p:nvPr>
-            <p:ph type="title"/>
-          </p:nvPr>
-        </p:nvSpPr>
-        <p:spPr>
-          <a:xfrm>
-            <a:off x="838200" y="365126"/>
-            <a:ext cx="10515600" cy="774562"/>
-          </a:xfrm>
-        </p:spPr>
-        <p:txBody>
-          <a:bodyPr/>
-          <a:lstStyle/>
-          <a:p>
-            <a:r>
-              <a:rPr lang="en-US" altLang="zh-CN" dirty="0"/>
-              <a:t>mock</a:t>
-            </a:r>
-            <a:r>
-              <a:rPr lang="zh-CN" altLang="en-US" dirty="0"/>
-              <a:t>函数</a:t>
-            </a:r>
-          </a:p>
-        </p:txBody>
-      </p:sp>
-      <p:sp>
-        <p:nvSpPr>
           <p:cNvPr id="5" name="文本框 4">
             <a:extLst>
               <a:ext uri="{FF2B5EF4-FFF2-40B4-BE49-F238E27FC236}">
@@ -8621,8 +8889,8 @@
         </p:nvSpPr>
         <p:spPr>
           <a:xfrm>
-            <a:off x="838200" y="1493205"/>
-            <a:ext cx="9501808" cy="646331"/>
+            <a:off x="838200" y="1395551"/>
+            <a:ext cx="9501808" cy="1477328"/>
           </a:xfrm>
           <a:prstGeom prst="rect">
             <a:avLst/>
@@ -8636,25 +8904,93 @@
           <a:lstStyle/>
           <a:p>
             <a:r>
-              <a:rPr lang="en-US" altLang="zh-CN" dirty="0">
+              <a:rPr lang="zh-CN" altLang="en-US" dirty="0">
                 <a:solidFill>
                   <a:schemeClr val="accent2"/>
                 </a:solidFill>
                 <a:latin typeface="微软雅黑" panose="020B0503020204020204" pitchFamily="34" charset="-122"/>
                 <a:ea typeface="微软雅黑" panose="020B0503020204020204" pitchFamily="34" charset="-122"/>
               </a:rPr>
-              <a:t>mock</a:t>
-            </a:r>
-            <a:r>
-              <a:rPr lang="zh-CN" altLang="en-US" dirty="0">
+              <a:t>通常在做</a:t>
+            </a:r>
+            <a:r>
+              <a:rPr lang="en-US" altLang="zh-CN" dirty="0" err="1">
                 <a:solidFill>
                   <a:schemeClr val="accent2"/>
                 </a:solidFill>
                 <a:latin typeface="微软雅黑" panose="020B0503020204020204" pitchFamily="34" charset="-122"/>
                 <a:ea typeface="微软雅黑" panose="020B0503020204020204" pitchFamily="34" charset="-122"/>
               </a:rPr>
+              <a:t>ui</a:t>
+            </a:r>
+            <a:r>
+              <a:rPr lang="zh-CN" altLang="en-US" dirty="0">
+                <a:solidFill>
+                  <a:schemeClr val="accent2"/>
+                </a:solidFill>
+                <a:latin typeface="微软雅黑" panose="020B0503020204020204" pitchFamily="34" charset="-122"/>
+                <a:ea typeface="微软雅黑" panose="020B0503020204020204" pitchFamily="34" charset="-122"/>
+              </a:rPr>
+              <a:t>测试时，存在数据交互时，如果去等待接口请求请求真实数据，会花费大量时间成本，这时，</a:t>
+            </a:r>
+            <a:r>
+              <a:rPr lang="en-US" altLang="zh-CN" dirty="0">
+                <a:solidFill>
+                  <a:schemeClr val="accent2"/>
+                </a:solidFill>
+                <a:latin typeface="微软雅黑" panose="020B0503020204020204" pitchFamily="34" charset="-122"/>
+                <a:ea typeface="微软雅黑" panose="020B0503020204020204" pitchFamily="34" charset="-122"/>
+              </a:rPr>
+              <a:t>mock</a:t>
+            </a:r>
+            <a:r>
+              <a:rPr lang="zh-CN" altLang="en-US" dirty="0">
+                <a:solidFill>
+                  <a:schemeClr val="accent2"/>
+                </a:solidFill>
+                <a:latin typeface="微软雅黑" panose="020B0503020204020204" pitchFamily="34" charset="-122"/>
+                <a:ea typeface="微软雅黑" panose="020B0503020204020204" pitchFamily="34" charset="-122"/>
+              </a:rPr>
+              <a:t>提供的模拟数据的功能就能起到很大作用</a:t>
+            </a:r>
+          </a:p>
+          <a:p>
+            <a:endParaRPr lang="en-US" altLang="zh-CN" dirty="0">
+              <a:solidFill>
+                <a:schemeClr val="accent2"/>
+              </a:solidFill>
+              <a:latin typeface="微软雅黑" panose="020B0503020204020204" pitchFamily="34" charset="-122"/>
+              <a:ea typeface="微软雅黑" panose="020B0503020204020204" pitchFamily="34" charset="-122"/>
+            </a:endParaRPr>
+          </a:p>
+          <a:p>
+            <a:r>
+              <a:rPr lang="en-US" altLang="zh-CN" dirty="0">
+                <a:solidFill>
+                  <a:schemeClr val="accent2"/>
+                </a:solidFill>
+                <a:latin typeface="微软雅黑" panose="020B0503020204020204" pitchFamily="34" charset="-122"/>
+                <a:ea typeface="微软雅黑" panose="020B0503020204020204" pitchFamily="34" charset="-122"/>
+              </a:rPr>
+              <a:t>mock</a:t>
+            </a:r>
+            <a:r>
+              <a:rPr lang="zh-CN" altLang="en-US" dirty="0">
+                <a:solidFill>
+                  <a:schemeClr val="accent2"/>
+                </a:solidFill>
+                <a:latin typeface="微软雅黑" panose="020B0503020204020204" pitchFamily="34" charset="-122"/>
+                <a:ea typeface="微软雅黑" panose="020B0503020204020204" pitchFamily="34" charset="-122"/>
+              </a:rPr>
               <a:t>函数可以在你测试实际代码的时候，捕获对函数的调用以及参数和返回值等，也可以用于模拟一些数据</a:t>
             </a:r>
+            <a:endParaRPr lang="en-US" altLang="zh-CN" dirty="0">
+              <a:solidFill>
+                <a:schemeClr val="accent2"/>
+              </a:solidFill>
+              <a:latin typeface="微软雅黑" panose="020B0503020204020204" pitchFamily="34" charset="-122"/>
+              <a:ea typeface="微软雅黑" panose="020B0503020204020204" pitchFamily="34" charset="-122"/>
+            </a:endParaRPr>
           </a:p>
         </p:txBody>
       </p:sp>
@@ -8672,7 +9008,7 @@
         </p:nvSpPr>
         <p:spPr>
           <a:xfrm>
-            <a:off x="838200" y="2660548"/>
+            <a:off x="838200" y="2851743"/>
             <a:ext cx="9501808" cy="3326873"/>
           </a:xfrm>
           <a:prstGeom prst="rect">
@@ -8957,6 +9293,129 @@
               <a:t>提供了相关的属性来某个函数是否成功调用等等功能</a:t>
             </a:r>
             <a:endParaRPr lang="zh-CN" altLang="en-US" dirty="0"/>
+          </a:p>
+        </p:txBody>
+      </p:sp>
+      <p:sp>
+        <p:nvSpPr>
+          <p:cNvPr id="7" name="标题 1">
+            <a:extLst>
+              <a:ext uri="{FF2B5EF4-FFF2-40B4-BE49-F238E27FC236}">
+                <a16:creationId xmlns:a16="http://schemas.microsoft.com/office/drawing/2014/main" id="{81EB2779-0399-45E5-9076-9A5624489D3F}"/>
+              </a:ext>
+            </a:extLst>
+          </p:cNvPr>
+          <p:cNvSpPr txBox="1">
+            <a:spLocks/>
+          </p:cNvSpPr>
+          <p:nvPr/>
+        </p:nvSpPr>
+        <p:spPr>
+          <a:xfrm>
+            <a:off x="838200" y="353153"/>
+            <a:ext cx="9404723" cy="1400530"/>
+          </a:xfrm>
+          <a:prstGeom prst="rect">
+            <a:avLst/>
+          </a:prstGeom>
+        </p:spPr>
+        <p:txBody>
+          <a:bodyPr vert="horz" lIns="91440" tIns="45720" rIns="91440" bIns="45720" rtlCol="0" anchor="t">
+            <a:normAutofit/>
+          </a:bodyPr>
+          <a:lstStyle>
+            <a:lvl1pPr algn="l" defTabSz="457200" rtl="0" eaLnBrk="1" latinLnBrk="0" hangingPunct="1">
+              <a:spcBef>
+                <a:spcPct val="0"/>
+              </a:spcBef>
+              <a:buNone/>
+              <a:defRPr sz="4200" b="0" i="0" kern="1200">
+                <a:solidFill>
+                  <a:schemeClr val="tx2"/>
+                </a:solidFill>
+                <a:latin typeface="+mj-lt"/>
+                <a:ea typeface="+mj-ea"/>
+                <a:cs typeface="+mj-cs"/>
+              </a:defRPr>
+            </a:lvl1pPr>
+            <a:lvl2pPr eaLnBrk="1" hangingPunct="1">
+              <a:defRPr>
+                <a:solidFill>
+                  <a:schemeClr val="tx2"/>
+                </a:solidFill>
+              </a:defRPr>
+            </a:lvl2pPr>
+            <a:lvl3pPr eaLnBrk="1" hangingPunct="1">
+              <a:defRPr>
+                <a:solidFill>
+                  <a:schemeClr val="tx2"/>
+                </a:solidFill>
+              </a:defRPr>
+            </a:lvl3pPr>
+            <a:lvl4pPr eaLnBrk="1" hangingPunct="1">
+              <a:defRPr>
+                <a:solidFill>
+                  <a:schemeClr val="tx2"/>
+                </a:solidFill>
+              </a:defRPr>
+            </a:lvl4pPr>
+            <a:lvl5pPr eaLnBrk="1" hangingPunct="1">
+              <a:defRPr>
+                <a:solidFill>
+                  <a:schemeClr val="tx2"/>
+                </a:solidFill>
+              </a:defRPr>
+            </a:lvl5pPr>
+            <a:lvl6pPr eaLnBrk="1" hangingPunct="1">
+              <a:defRPr>
+                <a:solidFill>
+                  <a:schemeClr val="tx2"/>
+                </a:solidFill>
+              </a:defRPr>
+            </a:lvl6pPr>
+            <a:lvl7pPr eaLnBrk="1" hangingPunct="1">
+              <a:defRPr>
+                <a:solidFill>
+                  <a:schemeClr val="tx2"/>
+                </a:solidFill>
+              </a:defRPr>
+            </a:lvl7pPr>
+            <a:lvl8pPr eaLnBrk="1" hangingPunct="1">
+              <a:defRPr>
+                <a:solidFill>
+                  <a:schemeClr val="tx2"/>
+                </a:solidFill>
+              </a:defRPr>
+            </a:lvl8pPr>
+            <a:lvl9pPr eaLnBrk="1" hangingPunct="1">
+              <a:defRPr>
+                <a:solidFill>
+                  <a:schemeClr val="tx2"/>
+                </a:solidFill>
+              </a:defRPr>
+            </a:lvl9pPr>
+          </a:lstStyle>
+          <a:p>
+            <a:r>
+              <a:rPr lang="en-US" altLang="zh-CN" sz="3600" b="1" dirty="0">
+                <a:solidFill>
+                  <a:schemeClr val="accent2"/>
+                </a:solidFill>
+                <a:latin typeface="微软雅黑" panose="020B0503020204020204" pitchFamily="34" charset="-122"/>
+                <a:ea typeface="微软雅黑" panose="020B0503020204020204" pitchFamily="34" charset="-122"/>
+              </a:rPr>
+              <a:t>mock</a:t>
+            </a:r>
+            <a:r>
+              <a:rPr lang="zh-CN" altLang="en-US" sz="3600" b="1" dirty="0">
+                <a:solidFill>
+                  <a:schemeClr val="accent2"/>
+                </a:solidFill>
+                <a:latin typeface="微软雅黑" panose="020B0503020204020204" pitchFamily="34" charset="-122"/>
+                <a:ea typeface="微软雅黑" panose="020B0503020204020204" pitchFamily="34" charset="-122"/>
+              </a:rPr>
+              <a:t>函数</a:t>
+            </a:r>
           </a:p>
         </p:txBody>
       </p:sp>
@@ -8992,228 +9451,132 @@
       </p:grpSpPr>
       <p:sp>
         <p:nvSpPr>
-          <p:cNvPr id="2" name="标题 1">
+          <p:cNvPr id="4" name="标题 1">
             <a:extLst>
               <a:ext uri="{FF2B5EF4-FFF2-40B4-BE49-F238E27FC236}">
-                <a16:creationId xmlns:a16="http://schemas.microsoft.com/office/drawing/2014/main" id="{452C430A-1319-437B-B8C7-248836839F6D}"/>
+                <a16:creationId xmlns:a16="http://schemas.microsoft.com/office/drawing/2014/main" id="{42E51F7B-CA44-4BC7-8926-8E03B1D394BC}"/>
               </a:ext>
             </a:extLst>
           </p:cNvPr>
-          <p:cNvSpPr>
-            <a:spLocks noGrp="1"/>
+          <p:cNvSpPr txBox="1">
+            <a:spLocks/>
           </p:cNvSpPr>
-          <p:nvPr>
-            <p:ph type="title"/>
-          </p:nvPr>
+          <p:nvPr/>
         </p:nvSpPr>
         <p:spPr>
           <a:xfrm>
-            <a:off x="838200" y="365126"/>
-            <a:ext cx="10515600" cy="774562"/>
+            <a:off x="1393638" y="2728735"/>
+            <a:ext cx="9404723" cy="1400530"/>
           </a:xfrm>
+          <a:prstGeom prst="rect">
+            <a:avLst/>
+          </a:prstGeom>
         </p:spPr>
         <p:txBody>
-          <a:bodyPr/>
-          <a:lstStyle/>
-          <a:p>
-            <a:r>
-              <a:rPr lang="en-US" altLang="zh-CN" dirty="0"/>
-              <a:t>Jest </a:t>
-            </a:r>
-            <a:r>
-              <a:rPr lang="zh-CN" altLang="en-US" dirty="0"/>
-              <a:t>命令行功能介绍</a:t>
-            </a:r>
-          </a:p>
-        </p:txBody>
-      </p:sp>
-      <p:sp>
-        <p:nvSpPr>
-          <p:cNvPr id="3" name="内容占位符 2">
-            <a:extLst>
-              <a:ext uri="{FF2B5EF4-FFF2-40B4-BE49-F238E27FC236}">
-                <a16:creationId xmlns:a16="http://schemas.microsoft.com/office/drawing/2014/main" id="{316FC422-B27E-4F62-836F-CBE3F81E2893}"/>
-              </a:ext>
-            </a:extLst>
-          </p:cNvPr>
-          <p:cNvSpPr>
-            <a:spLocks noGrp="1"/>
-          </p:cNvSpPr>
-          <p:nvPr>
-            <p:ph idx="1"/>
-          </p:nvPr>
-        </p:nvSpPr>
-        <p:spPr>
-          <a:xfrm>
-            <a:off x="838200" y="1348547"/>
-            <a:ext cx="10087708" cy="3071053"/>
-          </a:xfrm>
-        </p:spPr>
-        <p:txBody>
-          <a:bodyPr>
-            <a:normAutofit fontScale="85000" lnSpcReduction="10000"/>
+          <a:bodyPr vert="horz" lIns="91440" tIns="45720" rIns="91440" bIns="45720" rtlCol="0" anchor="t">
+            <a:normAutofit/>
           </a:bodyPr>
-          <a:lstStyle/>
-          <a:p>
-            <a:pPr>
-              <a:lnSpc>
-                <a:spcPct val="200000"/>
-              </a:lnSpc>
-            </a:pPr>
-            <a:r>
-              <a:rPr lang="en-US" altLang="zh-CN" dirty="0">
+          <a:lstStyle>
+            <a:lvl1pPr algn="l" defTabSz="457200" rtl="0" eaLnBrk="1" latinLnBrk="0" hangingPunct="1">
+              <a:spcBef>
+                <a:spcPct val="0"/>
+              </a:spcBef>
+              <a:buNone/>
+              <a:defRPr sz="4200" b="0" i="0" kern="1200">
+                <a:solidFill>
+                  <a:schemeClr val="tx2"/>
+                </a:solidFill>
+                <a:latin typeface="+mj-lt"/>
+                <a:ea typeface="+mj-ea"/>
+                <a:cs typeface="+mj-cs"/>
+              </a:defRPr>
+            </a:lvl1pPr>
+            <a:lvl2pPr eaLnBrk="1" hangingPunct="1">
+              <a:defRPr>
+                <a:solidFill>
+                  <a:schemeClr val="tx2"/>
+                </a:solidFill>
+              </a:defRPr>
+            </a:lvl2pPr>
+            <a:lvl3pPr eaLnBrk="1" hangingPunct="1">
+              <a:defRPr>
+                <a:solidFill>
+                  <a:schemeClr val="tx2"/>
+                </a:solidFill>
+              </a:defRPr>
+            </a:lvl3pPr>
+            <a:lvl4pPr eaLnBrk="1" hangingPunct="1">
+              <a:defRPr>
+                <a:solidFill>
+                  <a:schemeClr val="tx2"/>
+                </a:solidFill>
+              </a:defRPr>
+            </a:lvl4pPr>
+            <a:lvl5pPr eaLnBrk="1" hangingPunct="1">
+              <a:defRPr>
+                <a:solidFill>
+                  <a:schemeClr val="tx2"/>
+                </a:solidFill>
+              </a:defRPr>
+            </a:lvl5pPr>
+            <a:lvl6pPr eaLnBrk="1" hangingPunct="1">
+              <a:defRPr>
+                <a:solidFill>
+                  <a:schemeClr val="tx2"/>
+                </a:solidFill>
+              </a:defRPr>
+            </a:lvl6pPr>
+            <a:lvl7pPr eaLnBrk="1" hangingPunct="1">
+              <a:defRPr>
+                <a:solidFill>
+                  <a:schemeClr val="tx2"/>
+                </a:solidFill>
+              </a:defRPr>
+            </a:lvl7pPr>
+            <a:lvl8pPr eaLnBrk="1" hangingPunct="1">
+              <a:defRPr>
+                <a:solidFill>
+                  <a:schemeClr val="tx2"/>
+                </a:solidFill>
+              </a:defRPr>
+            </a:lvl8pPr>
+            <a:lvl9pPr eaLnBrk="1" hangingPunct="1">
+              <a:defRPr>
+                <a:solidFill>
+                  <a:schemeClr val="tx2"/>
+                </a:solidFill>
+              </a:defRPr>
+            </a:lvl9pPr>
+          </a:lstStyle>
+          <a:p>
+            <a:pPr algn="ctr"/>
+            <a:r>
+              <a:rPr lang="en-US" altLang="zh-CN" sz="3600" b="1" dirty="0">
+                <a:solidFill>
+                  <a:schemeClr val="accent2"/>
+                </a:solidFill>
                 <a:latin typeface="微软雅黑" panose="020B0503020204020204" pitchFamily="34" charset="-122"/>
                 <a:ea typeface="微软雅黑" panose="020B0503020204020204" pitchFamily="34" charset="-122"/>
               </a:rPr>
-              <a:t>scripts </a:t>
-            </a:r>
-            <a:r>
-              <a:rPr lang="zh-CN" altLang="en-US" dirty="0">
+              <a:t>Vue-jest-demo</a:t>
+            </a:r>
+            <a:r>
+              <a:rPr lang="zh-CN" altLang="en-US" sz="3600" b="1" dirty="0">
+                <a:solidFill>
+                  <a:schemeClr val="accent2"/>
+                </a:solidFill>
                 <a:latin typeface="微软雅黑" panose="020B0503020204020204" pitchFamily="34" charset="-122"/>
                 <a:ea typeface="微软雅黑" panose="020B0503020204020204" pitchFamily="34" charset="-122"/>
               </a:rPr>
-              <a:t>命令 中 使用 </a:t>
-            </a:r>
-            <a:r>
-              <a:rPr lang="en-US" altLang="zh-CN" dirty="0">
-                <a:latin typeface="微软雅黑" panose="020B0503020204020204" pitchFamily="34" charset="-122"/>
-                <a:ea typeface="微软雅黑" panose="020B0503020204020204" pitchFamily="34" charset="-122"/>
-              </a:rPr>
-              <a:t>jest  --watch </a:t>
-            </a:r>
-            <a:r>
-              <a:rPr lang="zh-CN" altLang="en-US" dirty="0">
-                <a:latin typeface="微软雅黑" panose="020B0503020204020204" pitchFamily="34" charset="-122"/>
-                <a:ea typeface="微软雅黑" panose="020B0503020204020204" pitchFamily="34" charset="-122"/>
-              </a:rPr>
-              <a:t>，可以监控所有文件变化，文件更改就可以自动重新测试</a:t>
-            </a:r>
-            <a:endParaRPr lang="en-US" altLang="zh-CN" dirty="0">
-              <a:latin typeface="微软雅黑" panose="020B0503020204020204" pitchFamily="34" charset="-122"/>
-              <a:ea typeface="微软雅黑" panose="020B0503020204020204" pitchFamily="34" charset="-122"/>
-            </a:endParaRPr>
-          </a:p>
-          <a:p>
-            <a:pPr>
-              <a:lnSpc>
-                <a:spcPct val="200000"/>
-              </a:lnSpc>
-            </a:pPr>
-            <a:r>
-              <a:rPr lang="zh-CN" altLang="en-US" dirty="0">
-                <a:latin typeface="微软雅黑" panose="020B0503020204020204" pitchFamily="34" charset="-122"/>
-                <a:ea typeface="微软雅黑" panose="020B0503020204020204" pitchFamily="34" charset="-122"/>
-              </a:rPr>
-              <a:t>使用 </a:t>
-            </a:r>
-            <a:r>
-              <a:rPr lang="en-US" altLang="zh-CN" dirty="0">
-                <a:latin typeface="微软雅黑" panose="020B0503020204020204" pitchFamily="34" charset="-122"/>
-                <a:ea typeface="微软雅黑" panose="020B0503020204020204" pitchFamily="34" charset="-122"/>
-              </a:rPr>
-              <a:t>jest –</a:t>
-            </a:r>
-            <a:r>
-              <a:rPr lang="en-US" altLang="zh-CN" dirty="0" err="1">
-                <a:latin typeface="微软雅黑" panose="020B0503020204020204" pitchFamily="34" charset="-122"/>
-                <a:ea typeface="微软雅黑" panose="020B0503020204020204" pitchFamily="34" charset="-122"/>
-              </a:rPr>
-              <a:t>init</a:t>
-            </a:r>
-            <a:r>
-              <a:rPr lang="zh-CN" altLang="en-US" dirty="0">
-                <a:latin typeface="微软雅黑" panose="020B0503020204020204" pitchFamily="34" charset="-122"/>
-                <a:ea typeface="微软雅黑" panose="020B0503020204020204" pitchFamily="34" charset="-122"/>
-              </a:rPr>
-              <a:t>可以生成一个基础的</a:t>
-            </a:r>
-            <a:r>
-              <a:rPr lang="en-US" altLang="zh-CN" dirty="0">
-                <a:latin typeface="微软雅黑" panose="020B0503020204020204" pitchFamily="34" charset="-122"/>
-                <a:ea typeface="微软雅黑" panose="020B0503020204020204" pitchFamily="34" charset="-122"/>
-              </a:rPr>
-              <a:t>jest </a:t>
-            </a:r>
-            <a:r>
-              <a:rPr lang="zh-CN" altLang="en-US" dirty="0">
-                <a:latin typeface="微软雅黑" panose="020B0503020204020204" pitchFamily="34" charset="-122"/>
-                <a:ea typeface="微软雅黑" panose="020B0503020204020204" pitchFamily="34" charset="-122"/>
-              </a:rPr>
-              <a:t>配置文件，可在配置文件中修改基础配置</a:t>
-            </a:r>
-            <a:endParaRPr lang="en-US" altLang="zh-CN" dirty="0">
-              <a:latin typeface="微软雅黑" panose="020B0503020204020204" pitchFamily="34" charset="-122"/>
-              <a:ea typeface="微软雅黑" panose="020B0503020204020204" pitchFamily="34" charset="-122"/>
-            </a:endParaRPr>
-          </a:p>
-          <a:p>
-            <a:pPr>
-              <a:lnSpc>
-                <a:spcPct val="200000"/>
-              </a:lnSpc>
-            </a:pPr>
-            <a:endParaRPr lang="en-US" altLang="zh-CN" dirty="0">
-              <a:latin typeface="微软雅黑" panose="020B0503020204020204" pitchFamily="34" charset="-122"/>
-              <a:ea typeface="微软雅黑" panose="020B0503020204020204" pitchFamily="34" charset="-122"/>
-            </a:endParaRPr>
-          </a:p>
-          <a:p>
-            <a:pPr>
-              <a:lnSpc>
-                <a:spcPct val="200000"/>
-              </a:lnSpc>
-            </a:pPr>
-            <a:r>
-              <a:rPr lang="en-US" altLang="zh-CN" dirty="0">
-                <a:latin typeface="微软雅黑" panose="020B0503020204020204" pitchFamily="34" charset="-122"/>
-                <a:ea typeface="微软雅黑" panose="020B0503020204020204" pitchFamily="34" charset="-122"/>
-              </a:rPr>
-              <a:t>–coverage </a:t>
-            </a:r>
-            <a:r>
-              <a:rPr lang="zh-CN" altLang="en-US" dirty="0">
-                <a:latin typeface="微软雅黑" panose="020B0503020204020204" pitchFamily="34" charset="-122"/>
-                <a:ea typeface="微软雅黑" panose="020B0503020204020204" pitchFamily="34" charset="-122"/>
-              </a:rPr>
-              <a:t>可将测试覆盖率信息输出为报告，会生成测试覆盖率的详细信息</a:t>
-            </a:r>
-            <a:endParaRPr lang="en-US" altLang="zh-CN" dirty="0">
-              <a:latin typeface="微软雅黑" panose="020B0503020204020204" pitchFamily="34" charset="-122"/>
-              <a:ea typeface="微软雅黑" panose="020B0503020204020204" pitchFamily="34" charset="-122"/>
-            </a:endParaRPr>
-          </a:p>
-          <a:p>
-            <a:pPr marL="0" indent="0">
-              <a:buNone/>
-            </a:pPr>
-            <a:r>
-              <a:rPr lang="en-US" altLang="zh-CN" dirty="0">
-                <a:solidFill>
-                  <a:srgbClr val="111111"/>
-                </a:solidFill>
-                <a:latin typeface="Courier New" panose="02070309020205020404" pitchFamily="49" charset="0"/>
-              </a:rPr>
-              <a:t>	</a:t>
-            </a:r>
-            <a:endParaRPr lang="en-US" altLang="zh-CN" dirty="0">
-              <a:solidFill>
-                <a:srgbClr val="353535"/>
-              </a:solidFill>
-              <a:latin typeface="-apple-system"/>
-            </a:endParaRPr>
-          </a:p>
-          <a:p>
-            <a:pPr marL="0" indent="0">
-              <a:buNone/>
-            </a:pPr>
-            <a:endParaRPr lang="en-US" altLang="zh-CN" dirty="0"/>
+              <a:t>演示</a:t>
+            </a:r>
           </a:p>
         </p:txBody>
       </p:sp>
     </p:spTree>
     <p:extLst>
       <p:ext uri="{BB962C8B-B14F-4D97-AF65-F5344CB8AC3E}">
-        <p14:creationId xmlns:p14="http://schemas.microsoft.com/office/powerpoint/2010/main" val="2311333505"/>
+        <p14:creationId xmlns:p14="http://schemas.microsoft.com/office/powerpoint/2010/main" val="3553556570"/>
       </p:ext>
     </p:extLst>
   </p:cSld>
@@ -9242,10 +9605,10 @@
       </p:grpSpPr>
       <p:sp>
         <p:nvSpPr>
-          <p:cNvPr id="2" name="标题 1">
+          <p:cNvPr id="3" name="内容占位符 2">
             <a:extLst>
               <a:ext uri="{FF2B5EF4-FFF2-40B4-BE49-F238E27FC236}">
-                <a16:creationId xmlns:a16="http://schemas.microsoft.com/office/drawing/2014/main" id="{D1BD88B8-BB12-4294-A5A3-85E5F816D0B5}"/>
+                <a16:creationId xmlns:a16="http://schemas.microsoft.com/office/drawing/2014/main" id="{316FC422-B27E-4F62-836F-CBE3F81E2893}"/>
               </a:ext>
             </a:extLst>
           </p:cNvPr>
@@ -9253,32 +9616,318 @@
             <a:spLocks noGrp="1"/>
           </p:cNvSpPr>
           <p:nvPr>
-            <p:ph type="title"/>
+            <p:ph idx="1"/>
           </p:nvPr>
         </p:nvSpPr>
         <p:spPr>
           <a:xfrm>
-            <a:off x="478056" y="185702"/>
-            <a:ext cx="5459896" cy="689113"/>
+            <a:off x="838200" y="2431623"/>
+            <a:ext cx="10087708" cy="3071053"/>
           </a:xfrm>
         </p:spPr>
         <p:txBody>
           <a:bodyPr>
-            <a:normAutofit fontScale="90000"/>
+            <a:normAutofit fontScale="92500" lnSpcReduction="10000"/>
           </a:bodyPr>
           <a:lstStyle/>
           <a:p>
-            <a:r>
-              <a:rPr lang="en-US" altLang="zh-CN" dirty="0"/>
-              <a:t>e2e</a:t>
-            </a:r>
-            <a:r>
-              <a:rPr lang="zh-CN" altLang="en-US" dirty="0"/>
-              <a:t> 功能测试</a:t>
-            </a:r>
-          </a:p>
-        </p:txBody>
-      </p:sp>
+            <a:pPr>
+              <a:lnSpc>
+                <a:spcPct val="200000"/>
+              </a:lnSpc>
+            </a:pPr>
+            <a:r>
+              <a:rPr lang="en-US" altLang="zh-CN" dirty="0">
+                <a:latin typeface="微软雅黑" panose="020B0503020204020204" pitchFamily="34" charset="-122"/>
+                <a:ea typeface="微软雅黑" panose="020B0503020204020204" pitchFamily="34" charset="-122"/>
+              </a:rPr>
+              <a:t>scripts </a:t>
+            </a:r>
+            <a:r>
+              <a:rPr lang="zh-CN" altLang="en-US" dirty="0">
+                <a:latin typeface="微软雅黑" panose="020B0503020204020204" pitchFamily="34" charset="-122"/>
+                <a:ea typeface="微软雅黑" panose="020B0503020204020204" pitchFamily="34" charset="-122"/>
+              </a:rPr>
+              <a:t>命令 中 使用 </a:t>
+            </a:r>
+            <a:r>
+              <a:rPr lang="en-US" altLang="zh-CN" dirty="0">
+                <a:latin typeface="微软雅黑" panose="020B0503020204020204" pitchFamily="34" charset="-122"/>
+                <a:ea typeface="微软雅黑" panose="020B0503020204020204" pitchFamily="34" charset="-122"/>
+              </a:rPr>
+              <a:t>jest  --watch </a:t>
+            </a:r>
+            <a:r>
+              <a:rPr lang="zh-CN" altLang="en-US" dirty="0">
+                <a:latin typeface="微软雅黑" panose="020B0503020204020204" pitchFamily="34" charset="-122"/>
+                <a:ea typeface="微软雅黑" panose="020B0503020204020204" pitchFamily="34" charset="-122"/>
+              </a:rPr>
+              <a:t>，可以监控所有文件变化，文件更改就可以自动重新测试</a:t>
+            </a:r>
+            <a:endParaRPr lang="en-US" altLang="zh-CN" dirty="0">
+              <a:latin typeface="微软雅黑" panose="020B0503020204020204" pitchFamily="34" charset="-122"/>
+              <a:ea typeface="微软雅黑" panose="020B0503020204020204" pitchFamily="34" charset="-122"/>
+            </a:endParaRPr>
+          </a:p>
+          <a:p>
+            <a:pPr>
+              <a:lnSpc>
+                <a:spcPct val="200000"/>
+              </a:lnSpc>
+            </a:pPr>
+            <a:r>
+              <a:rPr lang="zh-CN" altLang="en-US" dirty="0">
+                <a:latin typeface="微软雅黑" panose="020B0503020204020204" pitchFamily="34" charset="-122"/>
+                <a:ea typeface="微软雅黑" panose="020B0503020204020204" pitchFamily="34" charset="-122"/>
+              </a:rPr>
+              <a:t>使用 </a:t>
+            </a:r>
+            <a:r>
+              <a:rPr lang="en-US" altLang="zh-CN" dirty="0">
+                <a:latin typeface="微软雅黑" panose="020B0503020204020204" pitchFamily="34" charset="-122"/>
+                <a:ea typeface="微软雅黑" panose="020B0503020204020204" pitchFamily="34" charset="-122"/>
+              </a:rPr>
+              <a:t>jest –</a:t>
+            </a:r>
+            <a:r>
+              <a:rPr lang="en-US" altLang="zh-CN" dirty="0" err="1">
+                <a:latin typeface="微软雅黑" panose="020B0503020204020204" pitchFamily="34" charset="-122"/>
+                <a:ea typeface="微软雅黑" panose="020B0503020204020204" pitchFamily="34" charset="-122"/>
+              </a:rPr>
+              <a:t>init</a:t>
+            </a:r>
+            <a:r>
+              <a:rPr lang="zh-CN" altLang="en-US" dirty="0">
+                <a:latin typeface="微软雅黑" panose="020B0503020204020204" pitchFamily="34" charset="-122"/>
+                <a:ea typeface="微软雅黑" panose="020B0503020204020204" pitchFamily="34" charset="-122"/>
+              </a:rPr>
+              <a:t>可以生成一个基础的</a:t>
+            </a:r>
+            <a:r>
+              <a:rPr lang="en-US" altLang="zh-CN" dirty="0">
+                <a:latin typeface="微软雅黑" panose="020B0503020204020204" pitchFamily="34" charset="-122"/>
+                <a:ea typeface="微软雅黑" panose="020B0503020204020204" pitchFamily="34" charset="-122"/>
+              </a:rPr>
+              <a:t>jest </a:t>
+            </a:r>
+            <a:r>
+              <a:rPr lang="zh-CN" altLang="en-US" dirty="0">
+                <a:latin typeface="微软雅黑" panose="020B0503020204020204" pitchFamily="34" charset="-122"/>
+                <a:ea typeface="微软雅黑" panose="020B0503020204020204" pitchFamily="34" charset="-122"/>
+              </a:rPr>
+              <a:t>配置文件，可在配置文件中修改基础配置</a:t>
+            </a:r>
+            <a:endParaRPr lang="en-US" altLang="zh-CN" dirty="0">
+              <a:latin typeface="微软雅黑" panose="020B0503020204020204" pitchFamily="34" charset="-122"/>
+              <a:ea typeface="微软雅黑" panose="020B0503020204020204" pitchFamily="34" charset="-122"/>
+            </a:endParaRPr>
+          </a:p>
+          <a:p>
+            <a:pPr>
+              <a:lnSpc>
+                <a:spcPct val="200000"/>
+              </a:lnSpc>
+            </a:pPr>
+            <a:r>
+              <a:rPr lang="en-US" altLang="zh-CN" dirty="0">
+                <a:latin typeface="微软雅黑" panose="020B0503020204020204" pitchFamily="34" charset="-122"/>
+                <a:ea typeface="微软雅黑" panose="020B0503020204020204" pitchFamily="34" charset="-122"/>
+              </a:rPr>
+              <a:t>–coverage </a:t>
+            </a:r>
+            <a:r>
+              <a:rPr lang="zh-CN" altLang="en-US" dirty="0">
+                <a:latin typeface="微软雅黑" panose="020B0503020204020204" pitchFamily="34" charset="-122"/>
+                <a:ea typeface="微软雅黑" panose="020B0503020204020204" pitchFamily="34" charset="-122"/>
+              </a:rPr>
+              <a:t>可将测试覆盖率信息输出为报告，会生成测试覆盖率的详细信息</a:t>
+            </a:r>
+            <a:endParaRPr lang="en-US" altLang="zh-CN" dirty="0">
+              <a:latin typeface="微软雅黑" panose="020B0503020204020204" pitchFamily="34" charset="-122"/>
+              <a:ea typeface="微软雅黑" panose="020B0503020204020204" pitchFamily="34" charset="-122"/>
+            </a:endParaRPr>
+          </a:p>
+          <a:p>
+            <a:pPr marL="0" indent="0">
+              <a:buNone/>
+            </a:pPr>
+            <a:r>
+              <a:rPr lang="en-US" altLang="zh-CN" dirty="0">
+                <a:solidFill>
+                  <a:srgbClr val="111111"/>
+                </a:solidFill>
+                <a:latin typeface="Courier New" panose="02070309020205020404" pitchFamily="49" charset="0"/>
+              </a:rPr>
+              <a:t>	</a:t>
+            </a:r>
+            <a:endParaRPr lang="en-US" altLang="zh-CN" dirty="0">
+              <a:solidFill>
+                <a:srgbClr val="353535"/>
+              </a:solidFill>
+              <a:latin typeface="-apple-system"/>
+            </a:endParaRPr>
+          </a:p>
+          <a:p>
+            <a:pPr marL="0" indent="0">
+              <a:buNone/>
+            </a:pPr>
+            <a:endParaRPr lang="en-US" altLang="zh-CN" dirty="0"/>
+          </a:p>
+        </p:txBody>
+      </p:sp>
+      <p:sp>
+        <p:nvSpPr>
+          <p:cNvPr id="4" name="标题 1">
+            <a:extLst>
+              <a:ext uri="{FF2B5EF4-FFF2-40B4-BE49-F238E27FC236}">
+                <a16:creationId xmlns:a16="http://schemas.microsoft.com/office/drawing/2014/main" id="{CF38EB8E-B77A-4D79-96D5-C860AB55D0A9}"/>
+              </a:ext>
+            </a:extLst>
+          </p:cNvPr>
+          <p:cNvSpPr txBox="1">
+            <a:spLocks/>
+          </p:cNvSpPr>
+          <p:nvPr/>
+        </p:nvSpPr>
+        <p:spPr>
+          <a:xfrm>
+            <a:off x="838200" y="513087"/>
+            <a:ext cx="9404723" cy="1400530"/>
+          </a:xfrm>
+          <a:prstGeom prst="rect">
+            <a:avLst/>
+          </a:prstGeom>
+        </p:spPr>
+        <p:txBody>
+          <a:bodyPr vert="horz" lIns="91440" tIns="45720" rIns="91440" bIns="45720" rtlCol="0" anchor="t">
+            <a:normAutofit/>
+          </a:bodyPr>
+          <a:lstStyle>
+            <a:lvl1pPr algn="l" defTabSz="457200" rtl="0" eaLnBrk="1" latinLnBrk="0" hangingPunct="1">
+              <a:spcBef>
+                <a:spcPct val="0"/>
+              </a:spcBef>
+              <a:buNone/>
+              <a:defRPr sz="4200" b="0" i="0" kern="1200">
+                <a:solidFill>
+                  <a:schemeClr val="tx2"/>
+                </a:solidFill>
+                <a:latin typeface="+mj-lt"/>
+                <a:ea typeface="+mj-ea"/>
+                <a:cs typeface="+mj-cs"/>
+              </a:defRPr>
+            </a:lvl1pPr>
+            <a:lvl2pPr eaLnBrk="1" hangingPunct="1">
+              <a:defRPr>
+                <a:solidFill>
+                  <a:schemeClr val="tx2"/>
+                </a:solidFill>
+              </a:defRPr>
+            </a:lvl2pPr>
+            <a:lvl3pPr eaLnBrk="1" hangingPunct="1">
+              <a:defRPr>
+                <a:solidFill>
+                  <a:schemeClr val="tx2"/>
+                </a:solidFill>
+              </a:defRPr>
+            </a:lvl3pPr>
+            <a:lvl4pPr eaLnBrk="1" hangingPunct="1">
+              <a:defRPr>
+                <a:solidFill>
+                  <a:schemeClr val="tx2"/>
+                </a:solidFill>
+              </a:defRPr>
+            </a:lvl4pPr>
+            <a:lvl5pPr eaLnBrk="1" hangingPunct="1">
+              <a:defRPr>
+                <a:solidFill>
+                  <a:schemeClr val="tx2"/>
+                </a:solidFill>
+              </a:defRPr>
+            </a:lvl5pPr>
+            <a:lvl6pPr eaLnBrk="1" hangingPunct="1">
+              <a:defRPr>
+                <a:solidFill>
+                  <a:schemeClr val="tx2"/>
+                </a:solidFill>
+              </a:defRPr>
+            </a:lvl6pPr>
+            <a:lvl7pPr eaLnBrk="1" hangingPunct="1">
+              <a:defRPr>
+                <a:solidFill>
+                  <a:schemeClr val="tx2"/>
+                </a:solidFill>
+              </a:defRPr>
+            </a:lvl7pPr>
+            <a:lvl8pPr eaLnBrk="1" hangingPunct="1">
+              <a:defRPr>
+                <a:solidFill>
+                  <a:schemeClr val="tx2"/>
+                </a:solidFill>
+              </a:defRPr>
+            </a:lvl8pPr>
+            <a:lvl9pPr eaLnBrk="1" hangingPunct="1">
+              <a:defRPr>
+                <a:solidFill>
+                  <a:schemeClr val="tx2"/>
+                </a:solidFill>
+              </a:defRPr>
+            </a:lvl9pPr>
+          </a:lstStyle>
+          <a:p>
+            <a:r>
+              <a:rPr lang="en-US" altLang="zh-CN" sz="3600" b="1" dirty="0">
+                <a:solidFill>
+                  <a:schemeClr val="accent2"/>
+                </a:solidFill>
+                <a:latin typeface="微软雅黑" panose="020B0503020204020204" pitchFamily="34" charset="-122"/>
+                <a:ea typeface="微软雅黑" panose="020B0503020204020204" pitchFamily="34" charset="-122"/>
+              </a:rPr>
+              <a:t>Jest </a:t>
+            </a:r>
+            <a:r>
+              <a:rPr lang="zh-CN" altLang="en-US" sz="3600" b="1" dirty="0">
+                <a:solidFill>
+                  <a:schemeClr val="accent2"/>
+                </a:solidFill>
+                <a:latin typeface="微软雅黑" panose="020B0503020204020204" pitchFamily="34" charset="-122"/>
+                <a:ea typeface="微软雅黑" panose="020B0503020204020204" pitchFamily="34" charset="-122"/>
+              </a:rPr>
+              <a:t>命令行功能介绍</a:t>
+            </a:r>
+          </a:p>
+        </p:txBody>
+      </p:sp>
+    </p:spTree>
+    <p:extLst>
+      <p:ext uri="{BB962C8B-B14F-4D97-AF65-F5344CB8AC3E}">
+        <p14:creationId xmlns:p14="http://schemas.microsoft.com/office/powerpoint/2010/main" val="2311333505"/>
+      </p:ext>
+    </p:extLst>
+  </p:cSld>
+  <p:clrMapOvr>
+    <a:masterClrMapping/>
+  </p:clrMapOvr>
+</p:sld>
+</file>
+
+<file path=ppt/slides/slide16.xml><?xml version="1.0" encoding="utf-8"?>
+<p:sld xmlns:a="http://schemas.openxmlformats.org/drawingml/2006/main" xmlns:r="http://schemas.openxmlformats.org/officeDocument/2006/relationships" xmlns:p="http://schemas.openxmlformats.org/presentationml/2006/main">
+  <p:cSld>
+    <p:spTree>
+      <p:nvGrpSpPr>
+        <p:cNvPr id="1" name=""/>
+        <p:cNvGrpSpPr/>
+        <p:nvPr/>
+      </p:nvGrpSpPr>
+      <p:grpSpPr>
+        <a:xfrm>
+          <a:off x="0" y="0"/>
+          <a:ext cx="0" cy="0"/>
+          <a:chOff x="0" y="0"/>
+          <a:chExt cx="0" cy="0"/>
+        </a:xfrm>
+      </p:grpSpPr>
       <p:sp>
         <p:nvSpPr>
           <p:cNvPr id="5" name="文本框 4">
@@ -9293,8 +9942,8 @@
         </p:nvSpPr>
         <p:spPr>
           <a:xfrm>
-            <a:off x="478056" y="4161182"/>
-            <a:ext cx="6271269" cy="1754326"/>
+            <a:off x="6987128" y="1373912"/>
+            <a:ext cx="4431296" cy="2031325"/>
           </a:xfrm>
           <a:prstGeom prst="rect">
             <a:avLst/>
@@ -9302,7 +9951,7 @@
           <a:noFill/>
         </p:spPr>
         <p:txBody>
-          <a:bodyPr wrap="none" rtlCol="0">
+          <a:bodyPr wrap="square" rtlCol="0">
             <a:spAutoFit/>
           </a:bodyPr>
           <a:lstStyle/>
@@ -9405,7 +10054,7 @@
         </p:blipFill>
         <p:spPr>
           <a:xfrm>
-            <a:off x="3106508" y="874815"/>
+            <a:off x="562054" y="1961493"/>
             <a:ext cx="5978984" cy="2935014"/>
           </a:xfrm>
           <a:prstGeom prst="rect">
@@ -9427,7 +10076,7 @@
         </p:nvSpPr>
         <p:spPr>
           <a:xfrm>
-            <a:off x="6987128" y="4078356"/>
+            <a:off x="6987128" y="4308926"/>
             <a:ext cx="4912346" cy="2154436"/>
           </a:xfrm>
           <a:prstGeom prst="rect">
@@ -9519,11 +10168,7 @@
             </a:r>
             <a:r>
               <a:rPr lang="zh-CN" altLang="en-US" sz="1400" dirty="0"/>
-              <a:t>通过它来对接各个浏览器，在</a:t>
-            </a:r>
-            <a:r>
-              <a:rPr lang="en-US" altLang="zh-CN" sz="1400" dirty="0" err="1"/>
-              <a:t>nightwath</a:t>
+              <a:t>通过它来对接各个浏览器</a:t>
             </a:r>
             <a:endParaRPr lang="en-US" altLang="zh-CN" sz="1400" dirty="0"/>
           </a:p>
@@ -9574,6 +10219,129 @@
               <a:t>，修改测试文件配置</a:t>
             </a:r>
             <a:endParaRPr lang="en-US" altLang="zh-CN" sz="1600" dirty="0"/>
+          </a:p>
+        </p:txBody>
+      </p:sp>
+      <p:sp>
+        <p:nvSpPr>
+          <p:cNvPr id="6" name="标题 1">
+            <a:extLst>
+              <a:ext uri="{FF2B5EF4-FFF2-40B4-BE49-F238E27FC236}">
+                <a16:creationId xmlns:a16="http://schemas.microsoft.com/office/drawing/2014/main" id="{7AE8E180-1A03-4ED5-B1E8-D7CCBCCB4E26}"/>
+              </a:ext>
+            </a:extLst>
+          </p:cNvPr>
+          <p:cNvSpPr txBox="1">
+            <a:spLocks/>
+          </p:cNvSpPr>
+          <p:nvPr/>
+        </p:nvSpPr>
+        <p:spPr>
+          <a:xfrm>
+            <a:off x="773576" y="394638"/>
+            <a:ext cx="9404723" cy="1400530"/>
+          </a:xfrm>
+          <a:prstGeom prst="rect">
+            <a:avLst/>
+          </a:prstGeom>
+        </p:spPr>
+        <p:txBody>
+          <a:bodyPr vert="horz" lIns="91440" tIns="45720" rIns="91440" bIns="45720" rtlCol="0" anchor="t">
+            <a:normAutofit/>
+          </a:bodyPr>
+          <a:lstStyle>
+            <a:lvl1pPr algn="l" defTabSz="457200" rtl="0" eaLnBrk="1" latinLnBrk="0" hangingPunct="1">
+              <a:spcBef>
+                <a:spcPct val="0"/>
+              </a:spcBef>
+              <a:buNone/>
+              <a:defRPr sz="4200" b="0" i="0" kern="1200">
+                <a:solidFill>
+                  <a:schemeClr val="tx2"/>
+                </a:solidFill>
+                <a:latin typeface="+mj-lt"/>
+                <a:ea typeface="+mj-ea"/>
+                <a:cs typeface="+mj-cs"/>
+              </a:defRPr>
+            </a:lvl1pPr>
+            <a:lvl2pPr eaLnBrk="1" hangingPunct="1">
+              <a:defRPr>
+                <a:solidFill>
+                  <a:schemeClr val="tx2"/>
+                </a:solidFill>
+              </a:defRPr>
+            </a:lvl2pPr>
+            <a:lvl3pPr eaLnBrk="1" hangingPunct="1">
+              <a:defRPr>
+                <a:solidFill>
+                  <a:schemeClr val="tx2"/>
+                </a:solidFill>
+              </a:defRPr>
+            </a:lvl3pPr>
+            <a:lvl4pPr eaLnBrk="1" hangingPunct="1">
+              <a:defRPr>
+                <a:solidFill>
+                  <a:schemeClr val="tx2"/>
+                </a:solidFill>
+              </a:defRPr>
+            </a:lvl4pPr>
+            <a:lvl5pPr eaLnBrk="1" hangingPunct="1">
+              <a:defRPr>
+                <a:solidFill>
+                  <a:schemeClr val="tx2"/>
+                </a:solidFill>
+              </a:defRPr>
+            </a:lvl5pPr>
+            <a:lvl6pPr eaLnBrk="1" hangingPunct="1">
+              <a:defRPr>
+                <a:solidFill>
+                  <a:schemeClr val="tx2"/>
+                </a:solidFill>
+              </a:defRPr>
+            </a:lvl6pPr>
+            <a:lvl7pPr eaLnBrk="1" hangingPunct="1">
+              <a:defRPr>
+                <a:solidFill>
+                  <a:schemeClr val="tx2"/>
+                </a:solidFill>
+              </a:defRPr>
+            </a:lvl7pPr>
+            <a:lvl8pPr eaLnBrk="1" hangingPunct="1">
+              <a:defRPr>
+                <a:solidFill>
+                  <a:schemeClr val="tx2"/>
+                </a:solidFill>
+              </a:defRPr>
+            </a:lvl8pPr>
+            <a:lvl9pPr eaLnBrk="1" hangingPunct="1">
+              <a:defRPr>
+                <a:solidFill>
+                  <a:schemeClr val="tx2"/>
+                </a:solidFill>
+              </a:defRPr>
+            </a:lvl9pPr>
+          </a:lstStyle>
+          <a:p>
+            <a:r>
+              <a:rPr lang="en-US" altLang="zh-CN" sz="3600" b="1" dirty="0">
+                <a:solidFill>
+                  <a:schemeClr val="accent2"/>
+                </a:solidFill>
+                <a:latin typeface="微软雅黑" panose="020B0503020204020204" pitchFamily="34" charset="-122"/>
+                <a:ea typeface="微软雅黑" panose="020B0503020204020204" pitchFamily="34" charset="-122"/>
+              </a:rPr>
+              <a:t>e2e</a:t>
+            </a:r>
+            <a:r>
+              <a:rPr lang="zh-CN" altLang="en-US" sz="3600" b="1" dirty="0">
+                <a:solidFill>
+                  <a:schemeClr val="accent2"/>
+                </a:solidFill>
+                <a:latin typeface="微软雅黑" panose="020B0503020204020204" pitchFamily="34" charset="-122"/>
+                <a:ea typeface="微软雅黑" panose="020B0503020204020204" pitchFamily="34" charset="-122"/>
+              </a:rPr>
+              <a:t> 功能测试</a:t>
+            </a:r>
           </a:p>
         </p:txBody>
       </p:sp>
@@ -9590,7 +10358,7 @@
 </p:sld>
 </file>
 
-<file path=ppt/slides/slide16.xml><?xml version="1.0" encoding="utf-8"?>
+<file path=ppt/slides/slide17.xml><?xml version="1.0" encoding="utf-8"?>
 <p:sld xmlns:a="http://schemas.openxmlformats.org/drawingml/2006/main" xmlns:r="http://schemas.openxmlformats.org/officeDocument/2006/relationships" xmlns:p="http://schemas.openxmlformats.org/presentationml/2006/main">
   <p:cSld>
     <p:spTree>
@@ -9607,42 +10375,6 @@
           <a:chExt cx="0" cy="0"/>
         </a:xfrm>
       </p:grpSpPr>
-      <p:sp>
-        <p:nvSpPr>
-          <p:cNvPr id="2" name="标题 1">
-            <a:extLst>
-              <a:ext uri="{FF2B5EF4-FFF2-40B4-BE49-F238E27FC236}">
-                <a16:creationId xmlns:a16="http://schemas.microsoft.com/office/drawing/2014/main" id="{432D37A1-F2E4-4FD3-B32B-852B42AE11D2}"/>
-              </a:ext>
-            </a:extLst>
-          </p:cNvPr>
-          <p:cNvSpPr>
-            <a:spLocks noGrp="1"/>
-          </p:cNvSpPr>
-          <p:nvPr>
-            <p:ph type="title"/>
-          </p:nvPr>
-        </p:nvSpPr>
-        <p:spPr/>
-        <p:txBody>
-          <a:bodyPr/>
-          <a:lstStyle/>
-          <a:p>
-            <a:r>
-              <a:rPr lang="en-US" altLang="zh-CN" dirty="0" err="1"/>
-              <a:t>nightwatch</a:t>
-            </a:r>
-            <a:r>
-              <a:rPr lang="en-US" altLang="zh-CN" dirty="0"/>
-              <a:t> </a:t>
-            </a:r>
-            <a:r>
-              <a:rPr lang="zh-CN" altLang="en-US" dirty="0"/>
-              <a:t>基本配置介绍</a:t>
-            </a:r>
-          </a:p>
-        </p:txBody>
-      </p:sp>
       <p:graphicFrame>
         <p:nvGraphicFramePr>
           <p:cNvPr id="4" name="表格 4">
@@ -10568,6 +11300,139 @@
           </a:graphicData>
         </a:graphic>
       </p:graphicFrame>
+      <p:sp>
+        <p:nvSpPr>
+          <p:cNvPr id="5" name="标题 1">
+            <a:extLst>
+              <a:ext uri="{FF2B5EF4-FFF2-40B4-BE49-F238E27FC236}">
+                <a16:creationId xmlns:a16="http://schemas.microsoft.com/office/drawing/2014/main" id="{B25A5C6E-F077-44B9-8B51-EC3702FE2982}"/>
+              </a:ext>
+            </a:extLst>
+          </p:cNvPr>
+          <p:cNvSpPr txBox="1">
+            <a:spLocks/>
+          </p:cNvSpPr>
+          <p:nvPr/>
+        </p:nvSpPr>
+        <p:spPr>
+          <a:xfrm>
+            <a:off x="773576" y="394638"/>
+            <a:ext cx="9404723" cy="1400530"/>
+          </a:xfrm>
+          <a:prstGeom prst="rect">
+            <a:avLst/>
+          </a:prstGeom>
+        </p:spPr>
+        <p:txBody>
+          <a:bodyPr vert="horz" lIns="91440" tIns="45720" rIns="91440" bIns="45720" rtlCol="0" anchor="t">
+            <a:normAutofit/>
+          </a:bodyPr>
+          <a:lstStyle>
+            <a:lvl1pPr algn="l" defTabSz="457200" rtl="0" eaLnBrk="1" latinLnBrk="0" hangingPunct="1">
+              <a:spcBef>
+                <a:spcPct val="0"/>
+              </a:spcBef>
+              <a:buNone/>
+              <a:defRPr sz="4200" b="0" i="0" kern="1200">
+                <a:solidFill>
+                  <a:schemeClr val="tx2"/>
+                </a:solidFill>
+                <a:latin typeface="+mj-lt"/>
+                <a:ea typeface="+mj-ea"/>
+                <a:cs typeface="+mj-cs"/>
+              </a:defRPr>
+            </a:lvl1pPr>
+            <a:lvl2pPr eaLnBrk="1" hangingPunct="1">
+              <a:defRPr>
+                <a:solidFill>
+                  <a:schemeClr val="tx2"/>
+                </a:solidFill>
+              </a:defRPr>
+            </a:lvl2pPr>
+            <a:lvl3pPr eaLnBrk="1" hangingPunct="1">
+              <a:defRPr>
+                <a:solidFill>
+                  <a:schemeClr val="tx2"/>
+                </a:solidFill>
+              </a:defRPr>
+            </a:lvl3pPr>
+            <a:lvl4pPr eaLnBrk="1" hangingPunct="1">
+              <a:defRPr>
+                <a:solidFill>
+                  <a:schemeClr val="tx2"/>
+                </a:solidFill>
+              </a:defRPr>
+            </a:lvl4pPr>
+            <a:lvl5pPr eaLnBrk="1" hangingPunct="1">
+              <a:defRPr>
+                <a:solidFill>
+                  <a:schemeClr val="tx2"/>
+                </a:solidFill>
+              </a:defRPr>
+            </a:lvl5pPr>
+            <a:lvl6pPr eaLnBrk="1" hangingPunct="1">
+              <a:defRPr>
+                <a:solidFill>
+                  <a:schemeClr val="tx2"/>
+                </a:solidFill>
+              </a:defRPr>
+            </a:lvl6pPr>
+            <a:lvl7pPr eaLnBrk="1" hangingPunct="1">
+              <a:defRPr>
+                <a:solidFill>
+                  <a:schemeClr val="tx2"/>
+                </a:solidFill>
+              </a:defRPr>
+            </a:lvl7pPr>
+            <a:lvl8pPr eaLnBrk="1" hangingPunct="1">
+              <a:defRPr>
+                <a:solidFill>
+                  <a:schemeClr val="tx2"/>
+                </a:solidFill>
+              </a:defRPr>
+            </a:lvl8pPr>
+            <a:lvl9pPr eaLnBrk="1" hangingPunct="1">
+              <a:defRPr>
+                <a:solidFill>
+                  <a:schemeClr val="tx2"/>
+                </a:solidFill>
+              </a:defRPr>
+            </a:lvl9pPr>
+          </a:lstStyle>
+          <a:p>
+            <a:r>
+              <a:rPr lang="en-US" altLang="zh-CN" sz="3600" b="1" dirty="0" err="1">
+                <a:solidFill>
+                  <a:schemeClr val="accent2"/>
+                </a:solidFill>
+                <a:latin typeface="微软雅黑" panose="020B0503020204020204" pitchFamily="34" charset="-122"/>
+                <a:ea typeface="微软雅黑" panose="020B0503020204020204" pitchFamily="34" charset="-122"/>
+              </a:rPr>
+              <a:t>nightwatch</a:t>
+            </a:r>
+            <a:r>
+              <a:rPr lang="en-US" altLang="zh-CN" sz="3600" b="1" dirty="0">
+                <a:solidFill>
+                  <a:schemeClr val="accent2"/>
+                </a:solidFill>
+                <a:latin typeface="微软雅黑" panose="020B0503020204020204" pitchFamily="34" charset="-122"/>
+                <a:ea typeface="微软雅黑" panose="020B0503020204020204" pitchFamily="34" charset="-122"/>
+              </a:rPr>
+              <a:t> </a:t>
+            </a:r>
+            <a:r>
+              <a:rPr lang="zh-CN" altLang="en-US" sz="3600" b="1" dirty="0">
+                <a:solidFill>
+                  <a:schemeClr val="accent2"/>
+                </a:solidFill>
+                <a:latin typeface="微软雅黑" panose="020B0503020204020204" pitchFamily="34" charset="-122"/>
+                <a:ea typeface="微软雅黑" panose="020B0503020204020204" pitchFamily="34" charset="-122"/>
+              </a:rPr>
+              <a:t>基本配置介绍</a:t>
+            </a:r>
+          </a:p>
+        </p:txBody>
+      </p:sp>
     </p:spTree>
     <p:extLst>
       <p:ext uri="{BB962C8B-B14F-4D97-AF65-F5344CB8AC3E}">
@@ -10581,7 +11446,7 @@
 </p:sld>
 </file>
 
-<file path=ppt/slides/slide17.xml><?xml version="1.0" encoding="utf-8"?>
+<file path=ppt/slides/slide18.xml><?xml version="1.0" encoding="utf-8"?>
 <p:sld xmlns:a="http://schemas.openxmlformats.org/drawingml/2006/main" xmlns:r="http://schemas.openxmlformats.org/officeDocument/2006/relationships" xmlns:p="http://schemas.openxmlformats.org/presentationml/2006/main">
   <p:cSld>
     <p:spTree>
@@ -10603,36 +11468,165 @@
           <p:cNvPr id="4" name="标题 1">
             <a:extLst>
               <a:ext uri="{FF2B5EF4-FFF2-40B4-BE49-F238E27FC236}">
-                <a16:creationId xmlns:a16="http://schemas.microsoft.com/office/drawing/2014/main" id="{19A95E6C-C4AD-4C67-86ED-A4E4361CA79E}"/>
+                <a16:creationId xmlns:a16="http://schemas.microsoft.com/office/drawing/2014/main" id="{2C5D6F75-DF65-454E-B234-6031D883D10D}"/>
               </a:ext>
             </a:extLst>
           </p:cNvPr>
-          <p:cNvSpPr>
-            <a:spLocks noGrp="1"/>
+          <p:cNvSpPr txBox="1">
+            <a:spLocks/>
           </p:cNvSpPr>
-          <p:nvPr>
-            <p:ph type="title"/>
-          </p:nvPr>
+          <p:nvPr/>
         </p:nvSpPr>
         <p:spPr>
           <a:xfrm>
-            <a:off x="636104" y="318050"/>
-            <a:ext cx="5459896" cy="689113"/>
+            <a:off x="1393638" y="2728735"/>
+            <a:ext cx="9404723" cy="1400530"/>
           </a:xfrm>
+          <a:prstGeom prst="rect">
+            <a:avLst/>
+          </a:prstGeom>
         </p:spPr>
         <p:txBody>
-          <a:bodyPr>
-            <a:normAutofit fontScale="90000"/>
+          <a:bodyPr vert="horz" lIns="91440" tIns="45720" rIns="91440" bIns="45720" rtlCol="0" anchor="t">
+            <a:normAutofit/>
           </a:bodyPr>
-          <a:lstStyle/>
-          <a:p>
-            <a:r>
-              <a:rPr lang="zh-CN" altLang="en-US" dirty="0"/>
-              <a:t>参考文档</a:t>
-            </a:r>
-          </a:p>
-        </p:txBody>
-      </p:sp>
+          <a:lstStyle>
+            <a:lvl1pPr algn="l" defTabSz="457200" rtl="0" eaLnBrk="1" latinLnBrk="0" hangingPunct="1">
+              <a:spcBef>
+                <a:spcPct val="0"/>
+              </a:spcBef>
+              <a:buNone/>
+              <a:defRPr sz="4200" b="0" i="0" kern="1200">
+                <a:solidFill>
+                  <a:schemeClr val="tx2"/>
+                </a:solidFill>
+                <a:latin typeface="+mj-lt"/>
+                <a:ea typeface="+mj-ea"/>
+                <a:cs typeface="+mj-cs"/>
+              </a:defRPr>
+            </a:lvl1pPr>
+            <a:lvl2pPr eaLnBrk="1" hangingPunct="1">
+              <a:defRPr>
+                <a:solidFill>
+                  <a:schemeClr val="tx2"/>
+                </a:solidFill>
+              </a:defRPr>
+            </a:lvl2pPr>
+            <a:lvl3pPr eaLnBrk="1" hangingPunct="1">
+              <a:defRPr>
+                <a:solidFill>
+                  <a:schemeClr val="tx2"/>
+                </a:solidFill>
+              </a:defRPr>
+            </a:lvl3pPr>
+            <a:lvl4pPr eaLnBrk="1" hangingPunct="1">
+              <a:defRPr>
+                <a:solidFill>
+                  <a:schemeClr val="tx2"/>
+                </a:solidFill>
+              </a:defRPr>
+            </a:lvl4pPr>
+            <a:lvl5pPr eaLnBrk="1" hangingPunct="1">
+              <a:defRPr>
+                <a:solidFill>
+                  <a:schemeClr val="tx2"/>
+                </a:solidFill>
+              </a:defRPr>
+            </a:lvl5pPr>
+            <a:lvl6pPr eaLnBrk="1" hangingPunct="1">
+              <a:defRPr>
+                <a:solidFill>
+                  <a:schemeClr val="tx2"/>
+                </a:solidFill>
+              </a:defRPr>
+            </a:lvl6pPr>
+            <a:lvl7pPr eaLnBrk="1" hangingPunct="1">
+              <a:defRPr>
+                <a:solidFill>
+                  <a:schemeClr val="tx2"/>
+                </a:solidFill>
+              </a:defRPr>
+            </a:lvl7pPr>
+            <a:lvl8pPr eaLnBrk="1" hangingPunct="1">
+              <a:defRPr>
+                <a:solidFill>
+                  <a:schemeClr val="tx2"/>
+                </a:solidFill>
+              </a:defRPr>
+            </a:lvl8pPr>
+            <a:lvl9pPr eaLnBrk="1" hangingPunct="1">
+              <a:defRPr>
+                <a:solidFill>
+                  <a:schemeClr val="tx2"/>
+                </a:solidFill>
+              </a:defRPr>
+            </a:lvl9pPr>
+          </a:lstStyle>
+          <a:p>
+            <a:pPr algn="ctr"/>
+            <a:r>
+              <a:rPr lang="en-US" altLang="zh-CN" sz="3600" b="1" dirty="0" err="1">
+                <a:solidFill>
+                  <a:schemeClr val="accent2"/>
+                </a:solidFill>
+                <a:latin typeface="微软雅黑" panose="020B0503020204020204" pitchFamily="34" charset="-122"/>
+                <a:ea typeface="微软雅黑" panose="020B0503020204020204" pitchFamily="34" charset="-122"/>
+              </a:rPr>
+              <a:t>nightwatch</a:t>
+            </a:r>
+            <a:r>
+              <a:rPr lang="en-US" altLang="zh-CN" sz="3600" b="1" dirty="0">
+                <a:solidFill>
+                  <a:schemeClr val="accent2"/>
+                </a:solidFill>
+                <a:latin typeface="微软雅黑" panose="020B0503020204020204" pitchFamily="34" charset="-122"/>
+                <a:ea typeface="微软雅黑" panose="020B0503020204020204" pitchFamily="34" charset="-122"/>
+              </a:rPr>
+              <a:t>-demo</a:t>
+            </a:r>
+            <a:r>
+              <a:rPr lang="zh-CN" altLang="en-US" sz="3600" b="1" dirty="0">
+                <a:solidFill>
+                  <a:schemeClr val="accent2"/>
+                </a:solidFill>
+                <a:latin typeface="微软雅黑" panose="020B0503020204020204" pitchFamily="34" charset="-122"/>
+                <a:ea typeface="微软雅黑" panose="020B0503020204020204" pitchFamily="34" charset="-122"/>
+              </a:rPr>
+              <a:t>演示</a:t>
+            </a:r>
+          </a:p>
+        </p:txBody>
+      </p:sp>
+    </p:spTree>
+    <p:extLst>
+      <p:ext uri="{BB962C8B-B14F-4D97-AF65-F5344CB8AC3E}">
+        <p14:creationId xmlns:p14="http://schemas.microsoft.com/office/powerpoint/2010/main" val="3931235884"/>
+      </p:ext>
+    </p:extLst>
+  </p:cSld>
+  <p:clrMapOvr>
+    <a:masterClrMapping/>
+  </p:clrMapOvr>
+</p:sld>
+</file>
+
+<file path=ppt/slides/slide19.xml><?xml version="1.0" encoding="utf-8"?>
+<p:sld xmlns:a="http://schemas.openxmlformats.org/drawingml/2006/main" xmlns:r="http://schemas.openxmlformats.org/officeDocument/2006/relationships" xmlns:p="http://schemas.openxmlformats.org/presentationml/2006/main">
+  <p:cSld>
+    <p:spTree>
+      <p:nvGrpSpPr>
+        <p:cNvPr id="1" name=""/>
+        <p:cNvGrpSpPr/>
+        <p:nvPr/>
+      </p:nvGrpSpPr>
+      <p:grpSpPr>
+        <a:xfrm>
+          <a:off x="0" y="0"/>
+          <a:ext cx="0" cy="0"/>
+          <a:chOff x="0" y="0"/>
+          <a:chExt cx="0" cy="0"/>
+        </a:xfrm>
+      </p:grpSpPr>
       <p:sp>
         <p:nvSpPr>
           <p:cNvPr id="5" name="文本框 4">
@@ -10766,6 +11760,119 @@
               <a:buChar char="•"/>
             </a:pPr>
             <a:endParaRPr lang="zh-CN" altLang="en-US" dirty="0"/>
+          </a:p>
+        </p:txBody>
+      </p:sp>
+      <p:sp>
+        <p:nvSpPr>
+          <p:cNvPr id="6" name="标题 1">
+            <a:extLst>
+              <a:ext uri="{FF2B5EF4-FFF2-40B4-BE49-F238E27FC236}">
+                <a16:creationId xmlns:a16="http://schemas.microsoft.com/office/drawing/2014/main" id="{56977AE6-8DCB-4A49-9DF4-CC644A84AF03}"/>
+              </a:ext>
+            </a:extLst>
+          </p:cNvPr>
+          <p:cNvSpPr txBox="1">
+            <a:spLocks/>
+          </p:cNvSpPr>
+          <p:nvPr/>
+        </p:nvSpPr>
+        <p:spPr>
+          <a:xfrm>
+            <a:off x="636104" y="524520"/>
+            <a:ext cx="9404723" cy="1400530"/>
+          </a:xfrm>
+          <a:prstGeom prst="rect">
+            <a:avLst/>
+          </a:prstGeom>
+        </p:spPr>
+        <p:txBody>
+          <a:bodyPr vert="horz" lIns="91440" tIns="45720" rIns="91440" bIns="45720" rtlCol="0" anchor="t">
+            <a:normAutofit/>
+          </a:bodyPr>
+          <a:lstStyle>
+            <a:lvl1pPr algn="l" defTabSz="457200" rtl="0" eaLnBrk="1" latinLnBrk="0" hangingPunct="1">
+              <a:spcBef>
+                <a:spcPct val="0"/>
+              </a:spcBef>
+              <a:buNone/>
+              <a:defRPr sz="4200" b="0" i="0" kern="1200">
+                <a:solidFill>
+                  <a:schemeClr val="tx2"/>
+                </a:solidFill>
+                <a:latin typeface="+mj-lt"/>
+                <a:ea typeface="+mj-ea"/>
+                <a:cs typeface="+mj-cs"/>
+              </a:defRPr>
+            </a:lvl1pPr>
+            <a:lvl2pPr eaLnBrk="1" hangingPunct="1">
+              <a:defRPr>
+                <a:solidFill>
+                  <a:schemeClr val="tx2"/>
+                </a:solidFill>
+              </a:defRPr>
+            </a:lvl2pPr>
+            <a:lvl3pPr eaLnBrk="1" hangingPunct="1">
+              <a:defRPr>
+                <a:solidFill>
+                  <a:schemeClr val="tx2"/>
+                </a:solidFill>
+              </a:defRPr>
+            </a:lvl3pPr>
+            <a:lvl4pPr eaLnBrk="1" hangingPunct="1">
+              <a:defRPr>
+                <a:solidFill>
+                  <a:schemeClr val="tx2"/>
+                </a:solidFill>
+              </a:defRPr>
+            </a:lvl4pPr>
+            <a:lvl5pPr eaLnBrk="1" hangingPunct="1">
+              <a:defRPr>
+                <a:solidFill>
+                  <a:schemeClr val="tx2"/>
+                </a:solidFill>
+              </a:defRPr>
+            </a:lvl5pPr>
+            <a:lvl6pPr eaLnBrk="1" hangingPunct="1">
+              <a:defRPr>
+                <a:solidFill>
+                  <a:schemeClr val="tx2"/>
+                </a:solidFill>
+              </a:defRPr>
+            </a:lvl6pPr>
+            <a:lvl7pPr eaLnBrk="1" hangingPunct="1">
+              <a:defRPr>
+                <a:solidFill>
+                  <a:schemeClr val="tx2"/>
+                </a:solidFill>
+              </a:defRPr>
+            </a:lvl7pPr>
+            <a:lvl8pPr eaLnBrk="1" hangingPunct="1">
+              <a:defRPr>
+                <a:solidFill>
+                  <a:schemeClr val="tx2"/>
+                </a:solidFill>
+              </a:defRPr>
+            </a:lvl8pPr>
+            <a:lvl9pPr eaLnBrk="1" hangingPunct="1">
+              <a:defRPr>
+                <a:solidFill>
+                  <a:schemeClr val="tx2"/>
+                </a:solidFill>
+              </a:defRPr>
+            </a:lvl9pPr>
+          </a:lstStyle>
+          <a:p>
+            <a:r>
+              <a:rPr lang="zh-CN" altLang="en-US" sz="3600" b="1" dirty="0">
+                <a:solidFill>
+                  <a:schemeClr val="accent2"/>
+                </a:solidFill>
+                <a:latin typeface="微软雅黑" panose="020B0503020204020204" pitchFamily="34" charset="-122"/>
+                <a:ea typeface="微软雅黑" panose="020B0503020204020204" pitchFamily="34" charset="-122"/>
+              </a:rPr>
+              <a:t>参考文档</a:t>
+            </a:r>
           </a:p>
         </p:txBody>
       </p:sp>
@@ -10858,8 +11965,8 @@
         </p:nvSpPr>
         <p:spPr>
           <a:xfrm>
-            <a:off x="1037051" y="1536083"/>
-            <a:ext cx="8946541" cy="4195481"/>
+            <a:off x="1037051" y="2184154"/>
+            <a:ext cx="8946541" cy="3710620"/>
           </a:xfrm>
         </p:spPr>
         <p:txBody>
@@ -11021,6 +12128,157 @@
     <p:extLst>
       <p:ext uri="{BB962C8B-B14F-4D97-AF65-F5344CB8AC3E}">
         <p14:creationId xmlns:p14="http://schemas.microsoft.com/office/powerpoint/2010/main" val="1717958724"/>
+      </p:ext>
+    </p:extLst>
+  </p:cSld>
+  <p:clrMapOvr>
+    <a:masterClrMapping/>
+  </p:clrMapOvr>
+</p:sld>
+</file>
+
+<file path=ppt/slides/slide20.xml><?xml version="1.0" encoding="utf-8"?>
+<p:sld xmlns:a="http://schemas.openxmlformats.org/drawingml/2006/main" xmlns:r="http://schemas.openxmlformats.org/officeDocument/2006/relationships" xmlns:p="http://schemas.openxmlformats.org/presentationml/2006/main">
+  <p:cSld>
+    <p:spTree>
+      <p:nvGrpSpPr>
+        <p:cNvPr id="1" name=""/>
+        <p:cNvGrpSpPr/>
+        <p:nvPr/>
+      </p:nvGrpSpPr>
+      <p:grpSpPr>
+        <a:xfrm>
+          <a:off x="0" y="0"/>
+          <a:ext cx="0" cy="0"/>
+          <a:chOff x="0" y="0"/>
+          <a:chExt cx="0" cy="0"/>
+        </a:xfrm>
+      </p:grpSpPr>
+      <p:sp>
+        <p:nvSpPr>
+          <p:cNvPr id="4" name="标题 1">
+            <a:extLst>
+              <a:ext uri="{FF2B5EF4-FFF2-40B4-BE49-F238E27FC236}">
+                <a16:creationId xmlns:a16="http://schemas.microsoft.com/office/drawing/2014/main" id="{DDEC0E06-0194-4E1E-8266-F14CE726A69E}"/>
+              </a:ext>
+            </a:extLst>
+          </p:cNvPr>
+          <p:cNvSpPr txBox="1">
+            <a:spLocks/>
+          </p:cNvSpPr>
+          <p:nvPr/>
+        </p:nvSpPr>
+        <p:spPr>
+          <a:xfrm>
+            <a:off x="1393638" y="2728735"/>
+            <a:ext cx="9404723" cy="1400530"/>
+          </a:xfrm>
+          <a:prstGeom prst="rect">
+            <a:avLst/>
+          </a:prstGeom>
+        </p:spPr>
+        <p:txBody>
+          <a:bodyPr vert="horz" lIns="91440" tIns="45720" rIns="91440" bIns="45720" rtlCol="0" anchor="t">
+            <a:normAutofit/>
+          </a:bodyPr>
+          <a:lstStyle>
+            <a:lvl1pPr algn="l" defTabSz="457200" rtl="0" eaLnBrk="1" latinLnBrk="0" hangingPunct="1">
+              <a:spcBef>
+                <a:spcPct val="0"/>
+              </a:spcBef>
+              <a:buNone/>
+              <a:defRPr sz="4200" b="0" i="0" kern="1200">
+                <a:solidFill>
+                  <a:schemeClr val="tx2"/>
+                </a:solidFill>
+                <a:latin typeface="+mj-lt"/>
+                <a:ea typeface="+mj-ea"/>
+                <a:cs typeface="+mj-cs"/>
+              </a:defRPr>
+            </a:lvl1pPr>
+            <a:lvl2pPr eaLnBrk="1" hangingPunct="1">
+              <a:defRPr>
+                <a:solidFill>
+                  <a:schemeClr val="tx2"/>
+                </a:solidFill>
+              </a:defRPr>
+            </a:lvl2pPr>
+            <a:lvl3pPr eaLnBrk="1" hangingPunct="1">
+              <a:defRPr>
+                <a:solidFill>
+                  <a:schemeClr val="tx2"/>
+                </a:solidFill>
+              </a:defRPr>
+            </a:lvl3pPr>
+            <a:lvl4pPr eaLnBrk="1" hangingPunct="1">
+              <a:defRPr>
+                <a:solidFill>
+                  <a:schemeClr val="tx2"/>
+                </a:solidFill>
+              </a:defRPr>
+            </a:lvl4pPr>
+            <a:lvl5pPr eaLnBrk="1" hangingPunct="1">
+              <a:defRPr>
+                <a:solidFill>
+                  <a:schemeClr val="tx2"/>
+                </a:solidFill>
+              </a:defRPr>
+            </a:lvl5pPr>
+            <a:lvl6pPr eaLnBrk="1" hangingPunct="1">
+              <a:defRPr>
+                <a:solidFill>
+                  <a:schemeClr val="tx2"/>
+                </a:solidFill>
+              </a:defRPr>
+            </a:lvl6pPr>
+            <a:lvl7pPr eaLnBrk="1" hangingPunct="1">
+              <a:defRPr>
+                <a:solidFill>
+                  <a:schemeClr val="tx2"/>
+                </a:solidFill>
+              </a:defRPr>
+            </a:lvl7pPr>
+            <a:lvl8pPr eaLnBrk="1" hangingPunct="1">
+              <a:defRPr>
+                <a:solidFill>
+                  <a:schemeClr val="tx2"/>
+                </a:solidFill>
+              </a:defRPr>
+            </a:lvl8pPr>
+            <a:lvl9pPr eaLnBrk="1" hangingPunct="1">
+              <a:defRPr>
+                <a:solidFill>
+                  <a:schemeClr val="tx2"/>
+                </a:solidFill>
+              </a:defRPr>
+            </a:lvl9pPr>
+          </a:lstStyle>
+          <a:p>
+            <a:pPr algn="ctr"/>
+            <a:r>
+              <a:rPr lang="en-US" altLang="zh-CN" sz="3600" b="1" dirty="0">
+                <a:solidFill>
+                  <a:schemeClr val="accent2"/>
+                </a:solidFill>
+                <a:latin typeface="微软雅黑" panose="020B0503020204020204" pitchFamily="34" charset="-122"/>
+                <a:ea typeface="微软雅黑" panose="020B0503020204020204" pitchFamily="34" charset="-122"/>
+              </a:rPr>
+              <a:t>Thanks</a:t>
+            </a:r>
+            <a:endParaRPr lang="zh-CN" altLang="en-US" sz="3600" b="1" dirty="0">
+              <a:solidFill>
+                <a:schemeClr val="accent2"/>
+              </a:solidFill>
+              <a:latin typeface="微软雅黑" panose="020B0503020204020204" pitchFamily="34" charset="-122"/>
+              <a:ea typeface="微软雅黑" panose="020B0503020204020204" pitchFamily="34" charset="-122"/>
+            </a:endParaRPr>
+          </a:p>
+        </p:txBody>
+      </p:sp>
+    </p:spTree>
+    <p:extLst>
+      <p:ext uri="{BB962C8B-B14F-4D97-AF65-F5344CB8AC3E}">
+        <p14:creationId xmlns:p14="http://schemas.microsoft.com/office/powerpoint/2010/main" val="2618160734"/>
       </p:ext>
     </p:extLst>
   </p:cSld>
@@ -12418,34 +13676,6 @@
       </p:grpSpPr>
       <p:sp>
         <p:nvSpPr>
-          <p:cNvPr id="2" name="标题 1">
-            <a:extLst>
-              <a:ext uri="{FF2B5EF4-FFF2-40B4-BE49-F238E27FC236}">
-                <a16:creationId xmlns:a16="http://schemas.microsoft.com/office/drawing/2014/main" id="{9AC4F9ED-0292-48F6-901F-B1BC32B0DADF}"/>
-              </a:ext>
-            </a:extLst>
-          </p:cNvPr>
-          <p:cNvSpPr>
-            <a:spLocks noGrp="1"/>
-          </p:cNvSpPr>
-          <p:nvPr>
-            <p:ph type="title"/>
-          </p:nvPr>
-        </p:nvSpPr>
-        <p:spPr/>
-        <p:txBody>
-          <a:bodyPr/>
-          <a:lstStyle/>
-          <a:p>
-            <a:r>
-              <a:rPr lang="zh-CN" altLang="en-US" dirty="0"/>
-              <a:t>自动化的思路</a:t>
-            </a:r>
-          </a:p>
-        </p:txBody>
-      </p:sp>
-      <p:sp>
-        <p:nvSpPr>
           <p:cNvPr id="3" name="内容占位符 2">
             <a:extLst>
               <a:ext uri="{FF2B5EF4-FFF2-40B4-BE49-F238E27FC236}">
@@ -12544,6 +13774,119 @@
             <a:r>
               <a:rPr lang="zh-CN" altLang="en-US" dirty="0"/>
               <a:t>根据系统功能和业务逻辑，来描述步骤进行自动化测试</a:t>
+            </a:r>
+          </a:p>
+        </p:txBody>
+      </p:sp>
+      <p:sp>
+        <p:nvSpPr>
+          <p:cNvPr id="4" name="标题 1">
+            <a:extLst>
+              <a:ext uri="{FF2B5EF4-FFF2-40B4-BE49-F238E27FC236}">
+                <a16:creationId xmlns:a16="http://schemas.microsoft.com/office/drawing/2014/main" id="{555EE509-6C2C-488E-8F57-2B5A8E6C4C11}"/>
+              </a:ext>
+            </a:extLst>
+          </p:cNvPr>
+          <p:cNvSpPr txBox="1">
+            <a:spLocks/>
+          </p:cNvSpPr>
+          <p:nvPr/>
+        </p:nvSpPr>
+        <p:spPr>
+          <a:xfrm>
+            <a:off x="645130" y="609601"/>
+            <a:ext cx="9404723" cy="1400530"/>
+          </a:xfrm>
+          <a:prstGeom prst="rect">
+            <a:avLst/>
+          </a:prstGeom>
+        </p:spPr>
+        <p:txBody>
+          <a:bodyPr vert="horz" lIns="91440" tIns="45720" rIns="91440" bIns="45720" rtlCol="0" anchor="t">
+            <a:normAutofit/>
+          </a:bodyPr>
+          <a:lstStyle>
+            <a:lvl1pPr algn="l" defTabSz="457200" rtl="0" eaLnBrk="1" latinLnBrk="0" hangingPunct="1">
+              <a:spcBef>
+                <a:spcPct val="0"/>
+              </a:spcBef>
+              <a:buNone/>
+              <a:defRPr sz="4200" b="0" i="0" kern="1200">
+                <a:solidFill>
+                  <a:schemeClr val="tx2"/>
+                </a:solidFill>
+                <a:latin typeface="+mj-lt"/>
+                <a:ea typeface="+mj-ea"/>
+                <a:cs typeface="+mj-cs"/>
+              </a:defRPr>
+            </a:lvl1pPr>
+            <a:lvl2pPr eaLnBrk="1" hangingPunct="1">
+              <a:defRPr>
+                <a:solidFill>
+                  <a:schemeClr val="tx2"/>
+                </a:solidFill>
+              </a:defRPr>
+            </a:lvl2pPr>
+            <a:lvl3pPr eaLnBrk="1" hangingPunct="1">
+              <a:defRPr>
+                <a:solidFill>
+                  <a:schemeClr val="tx2"/>
+                </a:solidFill>
+              </a:defRPr>
+            </a:lvl3pPr>
+            <a:lvl4pPr eaLnBrk="1" hangingPunct="1">
+              <a:defRPr>
+                <a:solidFill>
+                  <a:schemeClr val="tx2"/>
+                </a:solidFill>
+              </a:defRPr>
+            </a:lvl4pPr>
+            <a:lvl5pPr eaLnBrk="1" hangingPunct="1">
+              <a:defRPr>
+                <a:solidFill>
+                  <a:schemeClr val="tx2"/>
+                </a:solidFill>
+              </a:defRPr>
+            </a:lvl5pPr>
+            <a:lvl6pPr eaLnBrk="1" hangingPunct="1">
+              <a:defRPr>
+                <a:solidFill>
+                  <a:schemeClr val="tx2"/>
+                </a:solidFill>
+              </a:defRPr>
+            </a:lvl6pPr>
+            <a:lvl7pPr eaLnBrk="1" hangingPunct="1">
+              <a:defRPr>
+                <a:solidFill>
+                  <a:schemeClr val="tx2"/>
+                </a:solidFill>
+              </a:defRPr>
+            </a:lvl7pPr>
+            <a:lvl8pPr eaLnBrk="1" hangingPunct="1">
+              <a:defRPr>
+                <a:solidFill>
+                  <a:schemeClr val="tx2"/>
+                </a:solidFill>
+              </a:defRPr>
+            </a:lvl8pPr>
+            <a:lvl9pPr eaLnBrk="1" hangingPunct="1">
+              <a:defRPr>
+                <a:solidFill>
+                  <a:schemeClr val="tx2"/>
+                </a:solidFill>
+              </a:defRPr>
+            </a:lvl9pPr>
+          </a:lstStyle>
+          <a:p>
+            <a:r>
+              <a:rPr lang="zh-CN" altLang="en-US" sz="3600" b="1" dirty="0">
+                <a:solidFill>
+                  <a:schemeClr val="accent2"/>
+                </a:solidFill>
+                <a:latin typeface="微软雅黑" panose="020B0503020204020204" pitchFamily="34" charset="-122"/>
+                <a:ea typeface="微软雅黑" panose="020B0503020204020204" pitchFamily="34" charset="-122"/>
+              </a:rPr>
+              <a:t>自动化的思路</a:t>
             </a:r>
           </a:p>
         </p:txBody>
@@ -12578,34 +13921,6 @@
           <a:chExt cx="0" cy="0"/>
         </a:xfrm>
       </p:grpSpPr>
-      <p:sp>
-        <p:nvSpPr>
-          <p:cNvPr id="2" name="标题 1">
-            <a:extLst>
-              <a:ext uri="{FF2B5EF4-FFF2-40B4-BE49-F238E27FC236}">
-                <a16:creationId xmlns:a16="http://schemas.microsoft.com/office/drawing/2014/main" id="{3B958223-54E4-4B43-B896-E842A3E2706F}"/>
-              </a:ext>
-            </a:extLst>
-          </p:cNvPr>
-          <p:cNvSpPr>
-            <a:spLocks noGrp="1"/>
-          </p:cNvSpPr>
-          <p:nvPr>
-            <p:ph type="title"/>
-          </p:nvPr>
-        </p:nvSpPr>
-        <p:spPr/>
-        <p:txBody>
-          <a:bodyPr/>
-          <a:lstStyle/>
-          <a:p>
-            <a:r>
-              <a:rPr lang="zh-CN" altLang="en-US" dirty="0"/>
-              <a:t>主流框架对比，资料来源于网络</a:t>
-            </a:r>
-          </a:p>
-        </p:txBody>
-      </p:sp>
       <p:graphicFrame>
         <p:nvGraphicFramePr>
           <p:cNvPr id="4" name="表格 4">
@@ -12622,14 +13937,14 @@
             <p:ph idx="1"/>
             <p:extLst>
               <p:ext uri="{D42A27DB-BD31-4B8C-83A1-F6EECF244321}">
-                <p14:modId xmlns:p14="http://schemas.microsoft.com/office/powerpoint/2010/main" val="4284890397"/>
+                <p14:modId xmlns:p14="http://schemas.microsoft.com/office/powerpoint/2010/main" val="3829040200"/>
               </p:ext>
             </p:extLst>
           </p:nvPr>
         </p:nvGraphicFramePr>
         <p:xfrm>
-          <a:off x="808892" y="1605238"/>
-          <a:ext cx="10258328" cy="3647523"/>
+          <a:off x="723548" y="2081283"/>
+          <a:ext cx="10744904" cy="3647523"/>
         </p:xfrm>
         <a:graphic>
           <a:graphicData uri="http://schemas.openxmlformats.org/drawingml/2006/table">
@@ -12645,7 +13960,7 @@
                     </a:ext>
                   </a:extLst>
                 </a:gridCol>
-                <a:gridCol w="2045804">
+                <a:gridCol w="2532380">
                   <a:extLst>
                     <a:ext uri="{9D8B030D-6E8A-4147-A177-3AD203B41FA5}">
                       <a16:colId xmlns:a16="http://schemas.microsoft.com/office/drawing/2014/main" val="3911872877"/>
@@ -12923,7 +14238,7 @@
                     <a:lstStyle/>
                     <a:p>
                       <a:r>
-                        <a:rPr lang="zh-CN" altLang="en-US"/>
+                        <a:rPr lang="zh-CN" altLang="en-US" dirty="0"/>
                         <a:t>默认支持</a:t>
                       </a:r>
                     </a:p>
@@ -13054,7 +14369,7 @@
                     <a:lstStyle/>
                     <a:p>
                       <a:r>
-                        <a:rPr lang="zh-CN" altLang="en-US"/>
+                        <a:rPr lang="zh-CN" altLang="en-US" dirty="0"/>
                         <a:t>不支持，需第三方配置</a:t>
                       </a:r>
                     </a:p>
@@ -13067,7 +14382,7 @@
                     <a:lstStyle/>
                     <a:p>
                       <a:r>
-                        <a:rPr lang="zh-CN" altLang="en-US"/>
+                        <a:rPr lang="zh-CN" altLang="en-US" dirty="0"/>
                         <a:t>不支持，需第三方配置</a:t>
                       </a:r>
                     </a:p>
@@ -13080,7 +14395,7 @@
                     <a:lstStyle/>
                     <a:p>
                       <a:r>
-                        <a:rPr lang="zh-CN" altLang="en-US"/>
+                        <a:rPr lang="zh-CN" altLang="en-US" dirty="0"/>
                         <a:t>不支持，需第三方配置</a:t>
                       </a:r>
                     </a:p>
@@ -13110,6 +14425,119 @@
           </a:graphicData>
         </a:graphic>
       </p:graphicFrame>
+      <p:sp>
+        <p:nvSpPr>
+          <p:cNvPr id="5" name="标题 1">
+            <a:extLst>
+              <a:ext uri="{FF2B5EF4-FFF2-40B4-BE49-F238E27FC236}">
+                <a16:creationId xmlns:a16="http://schemas.microsoft.com/office/drawing/2014/main" id="{3738FCB9-2BD4-4102-93A2-DE13CD42B443}"/>
+              </a:ext>
+            </a:extLst>
+          </p:cNvPr>
+          <p:cNvSpPr txBox="1">
+            <a:spLocks/>
+          </p:cNvSpPr>
+          <p:nvPr/>
+        </p:nvSpPr>
+        <p:spPr>
+          <a:xfrm>
+            <a:off x="592122" y="352279"/>
+            <a:ext cx="9404723" cy="1400530"/>
+          </a:xfrm>
+          <a:prstGeom prst="rect">
+            <a:avLst/>
+          </a:prstGeom>
+        </p:spPr>
+        <p:txBody>
+          <a:bodyPr vert="horz" lIns="91440" tIns="45720" rIns="91440" bIns="45720" rtlCol="0" anchor="t">
+            <a:normAutofit/>
+          </a:bodyPr>
+          <a:lstStyle>
+            <a:lvl1pPr algn="l" defTabSz="457200" rtl="0" eaLnBrk="1" latinLnBrk="0" hangingPunct="1">
+              <a:spcBef>
+                <a:spcPct val="0"/>
+              </a:spcBef>
+              <a:buNone/>
+              <a:defRPr sz="4200" b="0" i="0" kern="1200">
+                <a:solidFill>
+                  <a:schemeClr val="tx2"/>
+                </a:solidFill>
+                <a:latin typeface="+mj-lt"/>
+                <a:ea typeface="+mj-ea"/>
+                <a:cs typeface="+mj-cs"/>
+              </a:defRPr>
+            </a:lvl1pPr>
+            <a:lvl2pPr eaLnBrk="1" hangingPunct="1">
+              <a:defRPr>
+                <a:solidFill>
+                  <a:schemeClr val="tx2"/>
+                </a:solidFill>
+              </a:defRPr>
+            </a:lvl2pPr>
+            <a:lvl3pPr eaLnBrk="1" hangingPunct="1">
+              <a:defRPr>
+                <a:solidFill>
+                  <a:schemeClr val="tx2"/>
+                </a:solidFill>
+              </a:defRPr>
+            </a:lvl3pPr>
+            <a:lvl4pPr eaLnBrk="1" hangingPunct="1">
+              <a:defRPr>
+                <a:solidFill>
+                  <a:schemeClr val="tx2"/>
+                </a:solidFill>
+              </a:defRPr>
+            </a:lvl4pPr>
+            <a:lvl5pPr eaLnBrk="1" hangingPunct="1">
+              <a:defRPr>
+                <a:solidFill>
+                  <a:schemeClr val="tx2"/>
+                </a:solidFill>
+              </a:defRPr>
+            </a:lvl5pPr>
+            <a:lvl6pPr eaLnBrk="1" hangingPunct="1">
+              <a:defRPr>
+                <a:solidFill>
+                  <a:schemeClr val="tx2"/>
+                </a:solidFill>
+              </a:defRPr>
+            </a:lvl6pPr>
+            <a:lvl7pPr eaLnBrk="1" hangingPunct="1">
+              <a:defRPr>
+                <a:solidFill>
+                  <a:schemeClr val="tx2"/>
+                </a:solidFill>
+              </a:defRPr>
+            </a:lvl7pPr>
+            <a:lvl8pPr eaLnBrk="1" hangingPunct="1">
+              <a:defRPr>
+                <a:solidFill>
+                  <a:schemeClr val="tx2"/>
+                </a:solidFill>
+              </a:defRPr>
+            </a:lvl8pPr>
+            <a:lvl9pPr eaLnBrk="1" hangingPunct="1">
+              <a:defRPr>
+                <a:solidFill>
+                  <a:schemeClr val="tx2"/>
+                </a:solidFill>
+              </a:defRPr>
+            </a:lvl9pPr>
+          </a:lstStyle>
+          <a:p>
+            <a:r>
+              <a:rPr lang="zh-CN" altLang="en-US" sz="3600" b="1" dirty="0">
+                <a:solidFill>
+                  <a:schemeClr val="accent2"/>
+                </a:solidFill>
+                <a:latin typeface="微软雅黑" panose="020B0503020204020204" pitchFamily="34" charset="-122"/>
+                <a:ea typeface="微软雅黑" panose="020B0503020204020204" pitchFamily="34" charset="-122"/>
+              </a:rPr>
+              <a:t>主流框架对比，资料来源于网络</a:t>
+            </a:r>
+          </a:p>
+        </p:txBody>
+      </p:sp>
     </p:spTree>
     <p:extLst>
       <p:ext uri="{BB962C8B-B14F-4D97-AF65-F5344CB8AC3E}">
@@ -13154,7 +14582,7 @@
         </p:nvSpPr>
         <p:spPr>
           <a:xfrm>
-            <a:off x="6096000" y="671691"/>
+            <a:off x="6096000" y="1217101"/>
             <a:ext cx="4994031" cy="5509200"/>
           </a:xfrm>
           <a:prstGeom prst="rect">
@@ -13329,12 +14757,124 @@
             <a:r>
               <a:rPr lang="en-US" altLang="zh-CN" sz="1600" b="0" dirty="0">
                 <a:solidFill>
+                  <a:srgbClr val="569CD6"/>
+                </a:solidFill>
+                <a:effectLst/>
+                <a:latin typeface="Consolas" panose="020B0609020204030204" pitchFamily="49" charset="0"/>
+              </a:rPr>
+              <a:t>const</a:t>
+            </a:r>
+            <a:r>
+              <a:rPr lang="en-US" altLang="zh-CN" sz="1600" b="0" dirty="0">
+                <a:solidFill>
+                  <a:srgbClr val="D4D4D4"/>
+                </a:solidFill>
+                <a:effectLst/>
+                <a:latin typeface="Consolas" panose="020B0609020204030204" pitchFamily="49" charset="0"/>
+              </a:rPr>
+              <a:t> </a:t>
+            </a:r>
+            <a:r>
+              <a:rPr lang="en-US" altLang="zh-CN" sz="1600" b="0" dirty="0">
+                <a:solidFill>
+                  <a:srgbClr val="DCDCAA"/>
+                </a:solidFill>
+                <a:effectLst/>
+                <a:latin typeface="Consolas" panose="020B0609020204030204" pitchFamily="49" charset="0"/>
+              </a:rPr>
+              <a:t>sum</a:t>
+            </a:r>
+            <a:r>
+              <a:rPr lang="en-US" altLang="zh-CN" sz="1600" b="0" dirty="0">
+                <a:solidFill>
+                  <a:srgbClr val="D4D4D4"/>
+                </a:solidFill>
+                <a:effectLst/>
+                <a:latin typeface="Consolas" panose="020B0609020204030204" pitchFamily="49" charset="0"/>
+              </a:rPr>
+              <a:t> = (</a:t>
+            </a:r>
+            <a:r>
+              <a:rPr lang="en-US" altLang="zh-CN" sz="1600" b="0" dirty="0">
+                <a:solidFill>
+                  <a:srgbClr val="9CDCFE"/>
+                </a:solidFill>
+                <a:effectLst/>
+                <a:latin typeface="Consolas" panose="020B0609020204030204" pitchFamily="49" charset="0"/>
+              </a:rPr>
+              <a:t>a</a:t>
+            </a:r>
+            <a:r>
+              <a:rPr lang="en-US" altLang="zh-CN" sz="1600" b="0" dirty="0">
+                <a:solidFill>
+                  <a:srgbClr val="D4D4D4"/>
+                </a:solidFill>
+                <a:effectLst/>
+                <a:latin typeface="Consolas" panose="020B0609020204030204" pitchFamily="49" charset="0"/>
+              </a:rPr>
+              <a:t>, </a:t>
+            </a:r>
+            <a:r>
+              <a:rPr lang="en-US" altLang="zh-CN" sz="1600" b="0" dirty="0">
+                <a:solidFill>
+                  <a:srgbClr val="9CDCFE"/>
+                </a:solidFill>
+                <a:effectLst/>
+                <a:latin typeface="Consolas" panose="020B0609020204030204" pitchFamily="49" charset="0"/>
+              </a:rPr>
+              <a:t>b</a:t>
+            </a:r>
+            <a:r>
+              <a:rPr lang="en-US" altLang="zh-CN" sz="1600" b="0" dirty="0">
+                <a:solidFill>
+                  <a:srgbClr val="D4D4D4"/>
+                </a:solidFill>
+                <a:effectLst/>
+                <a:latin typeface="Consolas" panose="020B0609020204030204" pitchFamily="49" charset="0"/>
+              </a:rPr>
+              <a:t>) </a:t>
+            </a:r>
+            <a:r>
+              <a:rPr lang="en-US" altLang="zh-CN" sz="1600" b="0" dirty="0">
+                <a:solidFill>
+                  <a:srgbClr val="569CD6"/>
+                </a:solidFill>
+                <a:effectLst/>
+                <a:latin typeface="Consolas" panose="020B0609020204030204" pitchFamily="49" charset="0"/>
+              </a:rPr>
+              <a:t>=&gt;</a:t>
+            </a:r>
+            <a:r>
+              <a:rPr lang="en-US" altLang="zh-CN" sz="1600" b="0" dirty="0">
+                <a:solidFill>
+                  <a:srgbClr val="D4D4D4"/>
+                </a:solidFill>
+                <a:effectLst/>
+                <a:latin typeface="Consolas" panose="020B0609020204030204" pitchFamily="49" charset="0"/>
+              </a:rPr>
+              <a:t> {</a:t>
+            </a:r>
+          </a:p>
+          <a:p>
+            <a:r>
+              <a:rPr lang="en-US" altLang="zh-CN" sz="1600" b="0" dirty="0">
+                <a:solidFill>
+                  <a:srgbClr val="D4D4D4"/>
+                </a:solidFill>
+                <a:effectLst/>
+                <a:latin typeface="Consolas" panose="020B0609020204030204" pitchFamily="49" charset="0"/>
+              </a:rPr>
+              <a:t>    </a:t>
+            </a:r>
+            <a:r>
+              <a:rPr lang="en-US" altLang="zh-CN" sz="1600" b="0" dirty="0">
+                <a:solidFill>
                   <a:srgbClr val="C586C0"/>
                 </a:solidFill>
                 <a:effectLst/>
                 <a:latin typeface="Consolas" panose="020B0609020204030204" pitchFamily="49" charset="0"/>
               </a:rPr>
-              <a:t>export</a:t>
+              <a:t>return</a:t>
             </a:r>
             <a:r>
               <a:rPr lang="en-US" altLang="zh-CN" sz="1600" b="0" dirty="0">
@@ -13349,12 +14889,12 @@
             <a:r>
               <a:rPr lang="en-US" altLang="zh-CN" sz="1600" b="0" dirty="0">
                 <a:solidFill>
-                  <a:srgbClr val="569CD6"/>
+                  <a:srgbClr val="9CDCFE"/>
                 </a:solidFill>
                 <a:effectLst/>
                 <a:latin typeface="Consolas" panose="020B0609020204030204" pitchFamily="49" charset="0"/>
               </a:rPr>
-              <a:t>const</a:t>
+              <a:t>a</a:t>
             </a:r>
             <a:r>
               <a:rPr lang="en-US" altLang="zh-CN" sz="1600" b="0" dirty="0">
@@ -13364,172 +14904,99 @@
                 <a:effectLst/>
                 <a:latin typeface="Consolas" panose="020B0609020204030204" pitchFamily="49" charset="0"/>
               </a:rPr>
-              <a:t> </a:t>
+              <a:t> + </a:t>
             </a:r>
             <a:r>
               <a:rPr lang="en-US" altLang="zh-CN" sz="1600" b="0" dirty="0">
                 <a:solidFill>
+                  <a:srgbClr val="9CDCFE"/>
+                </a:solidFill>
+                <a:effectLst/>
+                <a:latin typeface="Consolas" panose="020B0609020204030204" pitchFamily="49" charset="0"/>
+              </a:rPr>
+              <a:t>b</a:t>
+            </a:r>
+            <a:r>
+              <a:rPr lang="en-US" altLang="zh-CN" sz="1600" b="0" dirty="0">
+                <a:solidFill>
+                  <a:srgbClr val="D4D4D4"/>
+                </a:solidFill>
+                <a:effectLst/>
+                <a:latin typeface="Consolas" panose="020B0609020204030204" pitchFamily="49" charset="0"/>
+              </a:rPr>
+              <a:t>;</a:t>
+            </a:r>
+          </a:p>
+          <a:p>
+            <a:r>
+              <a:rPr lang="en-US" altLang="zh-CN" sz="1600" b="0" dirty="0">
+                <a:solidFill>
+                  <a:srgbClr val="D4D4D4"/>
+                </a:solidFill>
+                <a:effectLst/>
+                <a:latin typeface="Consolas" panose="020B0609020204030204" pitchFamily="49" charset="0"/>
+              </a:rPr>
+              <a:t>}</a:t>
+            </a:r>
+          </a:p>
+          <a:p>
+            <a:r>
+              <a:rPr lang="en-US" altLang="zh-CN" sz="1600" b="0" dirty="0" err="1">
+                <a:solidFill>
+                  <a:srgbClr val="4FC1FF"/>
+                </a:solidFill>
+                <a:effectLst/>
+                <a:latin typeface="Consolas" panose="020B0609020204030204" pitchFamily="49" charset="0"/>
+              </a:rPr>
+              <a:t>module</a:t>
+            </a:r>
+            <a:r>
+              <a:rPr lang="en-US" altLang="zh-CN" sz="1600" b="0" dirty="0" err="1">
+                <a:solidFill>
+                  <a:srgbClr val="D4D4D4"/>
+                </a:solidFill>
+                <a:effectLst/>
+                <a:latin typeface="Consolas" panose="020B0609020204030204" pitchFamily="49" charset="0"/>
+              </a:rPr>
+              <a:t>.</a:t>
+            </a:r>
+            <a:r>
+              <a:rPr lang="en-US" altLang="zh-CN" sz="1600" b="0" dirty="0" err="1">
+                <a:solidFill>
                   <a:srgbClr val="DCDCAA"/>
                 </a:solidFill>
                 <a:effectLst/>
                 <a:latin typeface="Consolas" panose="020B0609020204030204" pitchFamily="49" charset="0"/>
               </a:rPr>
+              <a:t>exports</a:t>
+            </a:r>
+            <a:r>
+              <a:rPr lang="en-US" altLang="zh-CN" sz="1600" b="0" dirty="0">
+                <a:solidFill>
+                  <a:srgbClr val="D4D4D4"/>
+                </a:solidFill>
+                <a:effectLst/>
+                <a:latin typeface="Consolas" panose="020B0609020204030204" pitchFamily="49" charset="0"/>
+              </a:rPr>
+              <a:t> = </a:t>
+            </a:r>
+            <a:r>
+              <a:rPr lang="en-US" altLang="zh-CN" sz="1600" b="0" dirty="0">
+                <a:solidFill>
+                  <a:srgbClr val="DCDCAA"/>
+                </a:solidFill>
+                <a:effectLst/>
+                <a:latin typeface="Consolas" panose="020B0609020204030204" pitchFamily="49" charset="0"/>
+              </a:rPr>
               <a:t>sum</a:t>
             </a:r>
-            <a:r>
-              <a:rPr lang="en-US" altLang="zh-CN" sz="1600" b="0" dirty="0">
-                <a:solidFill>
-                  <a:srgbClr val="D4D4D4"/>
-                </a:solidFill>
-                <a:effectLst/>
-                <a:latin typeface="Consolas" panose="020B0609020204030204" pitchFamily="49" charset="0"/>
-              </a:rPr>
-              <a:t> = (</a:t>
-            </a:r>
-            <a:r>
-              <a:rPr lang="en-US" altLang="zh-CN" sz="1600" b="0" dirty="0">
-                <a:solidFill>
-                  <a:srgbClr val="9CDCFE"/>
-                </a:solidFill>
-                <a:effectLst/>
-                <a:latin typeface="Consolas" panose="020B0609020204030204" pitchFamily="49" charset="0"/>
-              </a:rPr>
-              <a:t>a</a:t>
-            </a:r>
-            <a:r>
-              <a:rPr lang="en-US" altLang="zh-CN" sz="1600" b="0" dirty="0">
-                <a:solidFill>
-                  <a:srgbClr val="D4D4D4"/>
-                </a:solidFill>
-                <a:effectLst/>
-                <a:latin typeface="Consolas" panose="020B0609020204030204" pitchFamily="49" charset="0"/>
-              </a:rPr>
-              <a:t>, </a:t>
-            </a:r>
-            <a:r>
-              <a:rPr lang="en-US" altLang="zh-CN" sz="1600" b="0" dirty="0">
-                <a:solidFill>
-                  <a:srgbClr val="9CDCFE"/>
-                </a:solidFill>
-                <a:effectLst/>
-                <a:latin typeface="Consolas" panose="020B0609020204030204" pitchFamily="49" charset="0"/>
-              </a:rPr>
-              <a:t>b</a:t>
-            </a:r>
-            <a:r>
-              <a:rPr lang="en-US" altLang="zh-CN" sz="1600" b="0" dirty="0">
-                <a:solidFill>
-                  <a:srgbClr val="D4D4D4"/>
-                </a:solidFill>
-                <a:effectLst/>
-                <a:latin typeface="Consolas" panose="020B0609020204030204" pitchFamily="49" charset="0"/>
-              </a:rPr>
-              <a:t>) </a:t>
-            </a:r>
-            <a:r>
-              <a:rPr lang="en-US" altLang="zh-CN" sz="1600" b="0" dirty="0">
-                <a:solidFill>
-                  <a:srgbClr val="569CD6"/>
-                </a:solidFill>
-                <a:effectLst/>
-                <a:latin typeface="Consolas" panose="020B0609020204030204" pitchFamily="49" charset="0"/>
-              </a:rPr>
-              <a:t>=&gt;</a:t>
-            </a:r>
-            <a:r>
-              <a:rPr lang="en-US" altLang="zh-CN" sz="1600" b="0" dirty="0">
-                <a:solidFill>
-                  <a:srgbClr val="D4D4D4"/>
-                </a:solidFill>
-                <a:effectLst/>
-                <a:latin typeface="Consolas" panose="020B0609020204030204" pitchFamily="49" charset="0"/>
-              </a:rPr>
-              <a:t> {</a:t>
-            </a:r>
-          </a:p>
-          <a:p>
-            <a:r>
-              <a:rPr lang="en-US" altLang="zh-CN" sz="1600" b="0" dirty="0">
-                <a:solidFill>
-                  <a:srgbClr val="D4D4D4"/>
-                </a:solidFill>
-                <a:effectLst/>
-                <a:latin typeface="Consolas" panose="020B0609020204030204" pitchFamily="49" charset="0"/>
-              </a:rPr>
-              <a:t>    </a:t>
-            </a:r>
-            <a:r>
-              <a:rPr lang="en-US" altLang="zh-CN" sz="1600" b="0" dirty="0">
-                <a:solidFill>
-                  <a:srgbClr val="C586C0"/>
-                </a:solidFill>
-                <a:effectLst/>
-                <a:latin typeface="Consolas" panose="020B0609020204030204" pitchFamily="49" charset="0"/>
-              </a:rPr>
-              <a:t>return</a:t>
-            </a:r>
-            <a:r>
-              <a:rPr lang="en-US" altLang="zh-CN" sz="1600" b="0" dirty="0">
-                <a:solidFill>
-                  <a:srgbClr val="D4D4D4"/>
-                </a:solidFill>
-                <a:effectLst/>
-                <a:latin typeface="Consolas" panose="020B0609020204030204" pitchFamily="49" charset="0"/>
-              </a:rPr>
-              <a:t> </a:t>
-            </a:r>
-            <a:r>
-              <a:rPr lang="en-US" altLang="zh-CN" sz="1600" b="0" dirty="0">
-                <a:solidFill>
-                  <a:srgbClr val="9CDCFE"/>
-                </a:solidFill>
-                <a:effectLst/>
-                <a:latin typeface="Consolas" panose="020B0609020204030204" pitchFamily="49" charset="0"/>
-              </a:rPr>
-              <a:t>a</a:t>
-            </a:r>
-            <a:r>
-              <a:rPr lang="en-US" altLang="zh-CN" sz="1600" b="0" dirty="0">
-                <a:solidFill>
-                  <a:srgbClr val="D4D4D4"/>
-                </a:solidFill>
-                <a:effectLst/>
-                <a:latin typeface="Consolas" panose="020B0609020204030204" pitchFamily="49" charset="0"/>
-              </a:rPr>
-              <a:t> + </a:t>
-            </a:r>
-            <a:r>
-              <a:rPr lang="en-US" altLang="zh-CN" sz="1600" b="0" dirty="0">
-                <a:solidFill>
-                  <a:srgbClr val="9CDCFE"/>
-                </a:solidFill>
-                <a:effectLst/>
-                <a:latin typeface="Consolas" panose="020B0609020204030204" pitchFamily="49" charset="0"/>
-              </a:rPr>
-              <a:t>b</a:t>
-            </a:r>
-            <a:r>
-              <a:rPr lang="en-US" altLang="zh-CN" sz="1600" b="0" dirty="0">
-                <a:solidFill>
-                  <a:srgbClr val="D4D4D4"/>
-                </a:solidFill>
-                <a:effectLst/>
-                <a:latin typeface="Consolas" panose="020B0609020204030204" pitchFamily="49" charset="0"/>
-              </a:rPr>
-              <a:t>;</a:t>
-            </a:r>
-          </a:p>
-          <a:p>
-            <a:r>
-              <a:rPr lang="en-US" altLang="zh-CN" sz="1600" b="0" dirty="0">
-                <a:solidFill>
-                  <a:srgbClr val="D4D4D4"/>
-                </a:solidFill>
-                <a:effectLst/>
-                <a:latin typeface="Consolas" panose="020B0609020204030204" pitchFamily="49" charset="0"/>
-              </a:rPr>
-              <a:t>}</a:t>
-            </a:r>
+            <a:endParaRPr lang="en-US" altLang="zh-CN" sz="1600" b="0" dirty="0">
+              <a:solidFill>
+                <a:srgbClr val="D4D4D4"/>
+              </a:solidFill>
+              <a:effectLst/>
+              <a:latin typeface="Consolas" panose="020B0609020204030204" pitchFamily="49" charset="0"/>
+            </a:endParaRPr>
           </a:p>
           <a:p>
             <a:endParaRPr lang="en-US" altLang="zh-CN" sz="1600" dirty="0">
@@ -13611,15 +15078,6 @@
               </a:rPr>
               <a:t>'./sum'</a:t>
             </a:r>
-            <a:endParaRPr lang="en-US" altLang="zh-CN" sz="1600" b="0" dirty="0">
-              <a:solidFill>
-                <a:srgbClr val="D4D4D4"/>
-              </a:solidFill>
-              <a:effectLst/>
-              <a:latin typeface="Consolas" panose="020B0609020204030204" pitchFamily="49" charset="0"/>
-            </a:endParaRPr>
-          </a:p>
-          <a:p>
             <a:br>
               <a:rPr lang="en-US" altLang="zh-CN" sz="1600" b="0" dirty="0">
                 <a:solidFill>
@@ -13949,8 +15407,8 @@
         </p:nvSpPr>
         <p:spPr>
           <a:xfrm>
-            <a:off x="767097" y="671691"/>
-            <a:ext cx="4810539" cy="6186309"/>
+            <a:off x="767097" y="1811349"/>
+            <a:ext cx="4810539" cy="5345053"/>
           </a:xfrm>
           <a:prstGeom prst="rect">
             <a:avLst/>
@@ -14010,6 +15468,9 @@
           </a:p>
           <a:p>
             <a:pPr algn="l">
+              <a:lnSpc>
+                <a:spcPts val="2800"/>
+              </a:lnSpc>
               <a:buFont typeface="Arial" panose="020B0604020202020204" pitchFamily="34" charset="0"/>
               <a:buChar char="•"/>
             </a:pPr>
@@ -14018,25 +15479,58 @@
                 <a:effectLst/>
                 <a:latin typeface="-apple-system"/>
               </a:rPr>
-              <a:t>零配置：在大部分项目中都可以实现开箱即用，无需配置</a:t>
-            </a:r>
-            <a:endParaRPr lang="en-US" altLang="zh-CN" b="0" i="0" dirty="0">
-              <a:effectLst/>
-              <a:latin typeface="-apple-system"/>
-            </a:endParaRPr>
+              <a:t>零配置：在大部分项目中都可以实现开箱即</a:t>
+            </a:r>
+            <a:r>
+              <a:rPr lang="en-US" altLang="zh-CN" b="0" i="0" dirty="0">
+                <a:effectLst/>
+                <a:latin typeface="-apple-system"/>
+              </a:rPr>
+              <a:t>	</a:t>
+            </a:r>
+            <a:r>
+              <a:rPr lang="zh-CN" altLang="en-US" b="0" i="0" dirty="0">
+                <a:effectLst/>
+                <a:latin typeface="-apple-system"/>
+              </a:rPr>
+              <a:t>用，无需配置</a:t>
+            </a:r>
           </a:p>
           <a:p>
             <a:pPr algn="l">
+              <a:lnSpc>
+                <a:spcPts val="2800"/>
+              </a:lnSpc>
               <a:buFont typeface="Arial" panose="020B0604020202020204" pitchFamily="34" charset="0"/>
               <a:buChar char="•"/>
             </a:pPr>
-            <a:endParaRPr lang="zh-CN" altLang="en-US" b="0" i="0" dirty="0">
-              <a:effectLst/>
-              <a:latin typeface="-apple-system"/>
-            </a:endParaRPr>
+            <a:r>
+              <a:rPr lang="zh-CN" altLang="en-US" b="0" i="0" dirty="0">
+                <a:effectLst/>
+                <a:latin typeface="-apple-system"/>
+              </a:rPr>
+              <a:t>速度快：根据文件的修改进行测试，不会每</a:t>
+            </a:r>
+            <a:r>
+              <a:rPr lang="en-US" altLang="zh-CN" b="0" i="0" dirty="0">
+                <a:effectLst/>
+                <a:latin typeface="-apple-system"/>
+              </a:rPr>
+              <a:t>	</a:t>
+            </a:r>
+            <a:r>
+              <a:rPr lang="zh-CN" altLang="en-US" b="0" i="0" dirty="0">
+                <a:effectLst/>
+                <a:latin typeface="-apple-system"/>
+              </a:rPr>
+              <a:t>次测试全部实例</a:t>
+            </a:r>
           </a:p>
           <a:p>
             <a:pPr algn="l">
+              <a:lnSpc>
+                <a:spcPts val="2800"/>
+              </a:lnSpc>
               <a:buFont typeface="Arial" panose="020B0604020202020204" pitchFamily="34" charset="0"/>
               <a:buChar char="•"/>
             </a:pPr>
@@ -14045,147 +15539,90 @@
                 <a:effectLst/>
                 <a:latin typeface="-apple-system"/>
               </a:rPr>
-              <a:t>速度快：根据文件的修改进行测试，不会每次测试全部实例</a:t>
-            </a:r>
-            <a:endParaRPr lang="en-US" altLang="zh-CN" b="0" i="0" dirty="0">
-              <a:effectLst/>
-              <a:latin typeface="-apple-system"/>
-            </a:endParaRPr>
+              <a:t>快照功能：能够进行简单快速的测试</a:t>
+            </a:r>
           </a:p>
           <a:p>
             <a:pPr algn="l">
+              <a:lnSpc>
+                <a:spcPts val="2800"/>
+              </a:lnSpc>
               <a:buFont typeface="Arial" panose="020B0604020202020204" pitchFamily="34" charset="0"/>
               <a:buChar char="•"/>
             </a:pPr>
-            <a:endParaRPr lang="zh-CN" altLang="en-US" b="0" i="0" dirty="0">
-              <a:effectLst/>
-              <a:latin typeface="-apple-system"/>
-            </a:endParaRPr>
+            <a:r>
+              <a:rPr lang="zh-CN" altLang="en-US" b="0" i="0" dirty="0">
+                <a:effectLst/>
+                <a:latin typeface="-apple-system"/>
+              </a:rPr>
+              <a:t>隔离性好：不同的测试文件环境独立，不会</a:t>
+            </a:r>
+            <a:r>
+              <a:rPr lang="en-US" altLang="zh-CN" b="0" i="0" dirty="0">
+                <a:effectLst/>
+                <a:latin typeface="-apple-system"/>
+              </a:rPr>
+              <a:t>	</a:t>
+            </a:r>
+            <a:r>
+              <a:rPr lang="zh-CN" altLang="en-US" b="0" i="0" dirty="0">
+                <a:effectLst/>
+                <a:latin typeface="-apple-system"/>
+              </a:rPr>
+              <a:t>相互影响</a:t>
+            </a:r>
           </a:p>
           <a:p>
             <a:pPr algn="l">
+              <a:lnSpc>
+                <a:spcPts val="2800"/>
+              </a:lnSpc>
               <a:buFont typeface="Arial" panose="020B0604020202020204" pitchFamily="34" charset="0"/>
               <a:buChar char="•"/>
             </a:pPr>
             <a:r>
+              <a:rPr lang="en-US" altLang="zh-CN" b="0" i="0" dirty="0" err="1">
+                <a:effectLst/>
+                <a:latin typeface="-apple-system"/>
+              </a:rPr>
+              <a:t>api</a:t>
+            </a:r>
+            <a:r>
               <a:rPr lang="zh-CN" altLang="en-US" b="0" i="0" dirty="0">
                 <a:effectLst/>
                 <a:latin typeface="-apple-system"/>
               </a:rPr>
-              <a:t>快照功能：能够进行简单快速的测试</a:t>
-            </a:r>
-            <a:endParaRPr lang="en-US" altLang="zh-CN" b="0" i="0" dirty="0">
-              <a:effectLst/>
-              <a:latin typeface="-apple-system"/>
-            </a:endParaRPr>
+              <a:t>简单</a:t>
+            </a:r>
           </a:p>
           <a:p>
             <a:pPr algn="l">
+              <a:lnSpc>
+                <a:spcPts val="2800"/>
+              </a:lnSpc>
               <a:buFont typeface="Arial" panose="020B0604020202020204" pitchFamily="34" charset="0"/>
               <a:buChar char="•"/>
             </a:pPr>
-            <a:endParaRPr lang="zh-CN" altLang="en-US" b="0" i="0" dirty="0">
-              <a:effectLst/>
-              <a:latin typeface="-apple-system"/>
-            </a:endParaRPr>
+            <a:r>
+              <a:rPr lang="en-US" altLang="zh-CN" b="0" i="0" dirty="0">
+                <a:effectLst/>
+                <a:latin typeface="-apple-system"/>
+              </a:rPr>
+              <a:t>mock</a:t>
+            </a:r>
+            <a:r>
+              <a:rPr lang="zh-CN" altLang="en-US" b="0" i="0" dirty="0">
+                <a:effectLst/>
+                <a:latin typeface="-apple-system"/>
+              </a:rPr>
+              <a:t>丰富</a:t>
+            </a:r>
           </a:p>
           <a:p>
             <a:pPr algn="l">
-              <a:buFont typeface="Arial" panose="020B0604020202020204" pitchFamily="34" charset="0"/>
-              <a:buChar char="•"/>
-            </a:pPr>
-            <a:r>
-              <a:rPr lang="zh-CN" altLang="en-US" b="0" i="0" dirty="0">
-                <a:effectLst/>
-                <a:latin typeface="-apple-system"/>
-              </a:rPr>
-              <a:t>隔离性好：不同的测试文件环境独立，不会相互影响</a:t>
-            </a:r>
-            <a:endParaRPr lang="en-US" altLang="zh-CN" b="0" i="0" dirty="0">
-              <a:effectLst/>
-              <a:latin typeface="-apple-system"/>
-            </a:endParaRPr>
-          </a:p>
-          <a:p>
-            <a:pPr algn="l">
-              <a:buFont typeface="Arial" panose="020B0604020202020204" pitchFamily="34" charset="0"/>
-              <a:buChar char="•"/>
-            </a:pPr>
-            <a:endParaRPr lang="zh-CN" altLang="en-US" b="0" i="0" dirty="0">
-              <a:effectLst/>
-              <a:latin typeface="-apple-system"/>
-            </a:endParaRPr>
-          </a:p>
-          <a:p>
-            <a:pPr algn="l">
-              <a:buFont typeface="Arial" panose="020B0604020202020204" pitchFamily="34" charset="0"/>
-              <a:buChar char="•"/>
-            </a:pPr>
-            <a:r>
-              <a:rPr lang="en-US" altLang="zh-CN" b="0" i="0" dirty="0" err="1">
-                <a:effectLst/>
-                <a:latin typeface="-apple-system"/>
-              </a:rPr>
-              <a:t>api</a:t>
-            </a:r>
-            <a:r>
-              <a:rPr lang="zh-CN" altLang="en-US" b="0" i="0" dirty="0">
-                <a:effectLst/>
-                <a:latin typeface="-apple-system"/>
-              </a:rPr>
-              <a:t>简单</a:t>
-            </a:r>
-            <a:endParaRPr lang="en-US" altLang="zh-CN" b="0" i="0" dirty="0">
-              <a:effectLst/>
-              <a:latin typeface="-apple-system"/>
-            </a:endParaRPr>
-          </a:p>
-          <a:p>
-            <a:pPr algn="l">
-              <a:buFont typeface="Arial" panose="020B0604020202020204" pitchFamily="34" charset="0"/>
-              <a:buChar char="•"/>
-            </a:pPr>
-            <a:endParaRPr lang="zh-CN" altLang="en-US" b="0" i="0" dirty="0">
-              <a:effectLst/>
-              <a:latin typeface="-apple-system"/>
-            </a:endParaRPr>
-          </a:p>
-          <a:p>
-            <a:pPr algn="l">
-              <a:buFont typeface="Arial" panose="020B0604020202020204" pitchFamily="34" charset="0"/>
-              <a:buChar char="•"/>
-            </a:pPr>
-            <a:r>
-              <a:rPr lang="en-US" altLang="zh-CN" b="0" i="0" dirty="0">
-                <a:effectLst/>
-                <a:latin typeface="-apple-system"/>
-              </a:rPr>
-              <a:t>mock</a:t>
-            </a:r>
-            <a:r>
-              <a:rPr lang="zh-CN" altLang="en-US" b="0" i="0" dirty="0">
-                <a:effectLst/>
-                <a:latin typeface="-apple-system"/>
-              </a:rPr>
-              <a:t>丰富</a:t>
-            </a:r>
-            <a:endParaRPr lang="en-US" altLang="zh-CN" b="0" i="0" dirty="0">
-              <a:effectLst/>
-              <a:latin typeface="-apple-system"/>
-            </a:endParaRPr>
-          </a:p>
-          <a:p>
-            <a:pPr algn="l">
-              <a:buFont typeface="Arial" panose="020B0604020202020204" pitchFamily="34" charset="0"/>
-              <a:buChar char="•"/>
-            </a:pPr>
-            <a:endParaRPr lang="zh-CN" altLang="en-US" b="0" i="0" dirty="0">
-              <a:effectLst/>
-              <a:latin typeface="-apple-system"/>
-            </a:endParaRPr>
-          </a:p>
-          <a:p>
-            <a:pPr algn="l">
+              <a:lnSpc>
+                <a:spcPts val="2800"/>
+              </a:lnSpc>
               <a:buFont typeface="Arial" panose="020B0604020202020204" pitchFamily="34" charset="0"/>
               <a:buChar char="•"/>
             </a:pPr>
@@ -14208,6 +15645,129 @@
           </a:p>
           <a:p>
             <a:endParaRPr lang="zh-CN" altLang="en-US" dirty="0"/>
+          </a:p>
+        </p:txBody>
+      </p:sp>
+      <p:sp>
+        <p:nvSpPr>
+          <p:cNvPr id="5" name="标题 1">
+            <a:extLst>
+              <a:ext uri="{FF2B5EF4-FFF2-40B4-BE49-F238E27FC236}">
+                <a16:creationId xmlns:a16="http://schemas.microsoft.com/office/drawing/2014/main" id="{61F85D75-35DB-4755-8269-2C7EE3AB18ED}"/>
+              </a:ext>
+            </a:extLst>
+          </p:cNvPr>
+          <p:cNvSpPr txBox="1">
+            <a:spLocks/>
+          </p:cNvSpPr>
+          <p:nvPr/>
+        </p:nvSpPr>
+        <p:spPr>
+          <a:xfrm>
+            <a:off x="767097" y="410819"/>
+            <a:ext cx="9404723" cy="1400530"/>
+          </a:xfrm>
+          <a:prstGeom prst="rect">
+            <a:avLst/>
+          </a:prstGeom>
+        </p:spPr>
+        <p:txBody>
+          <a:bodyPr vert="horz" lIns="91440" tIns="45720" rIns="91440" bIns="45720" rtlCol="0" anchor="t">
+            <a:normAutofit/>
+          </a:bodyPr>
+          <a:lstStyle>
+            <a:lvl1pPr algn="l" defTabSz="457200" rtl="0" eaLnBrk="1" latinLnBrk="0" hangingPunct="1">
+              <a:spcBef>
+                <a:spcPct val="0"/>
+              </a:spcBef>
+              <a:buNone/>
+              <a:defRPr sz="4200" b="0" i="0" kern="1200">
+                <a:solidFill>
+                  <a:schemeClr val="tx2"/>
+                </a:solidFill>
+                <a:latin typeface="+mj-lt"/>
+                <a:ea typeface="+mj-ea"/>
+                <a:cs typeface="+mj-cs"/>
+              </a:defRPr>
+            </a:lvl1pPr>
+            <a:lvl2pPr eaLnBrk="1" hangingPunct="1">
+              <a:defRPr>
+                <a:solidFill>
+                  <a:schemeClr val="tx2"/>
+                </a:solidFill>
+              </a:defRPr>
+            </a:lvl2pPr>
+            <a:lvl3pPr eaLnBrk="1" hangingPunct="1">
+              <a:defRPr>
+                <a:solidFill>
+                  <a:schemeClr val="tx2"/>
+                </a:solidFill>
+              </a:defRPr>
+            </a:lvl3pPr>
+            <a:lvl4pPr eaLnBrk="1" hangingPunct="1">
+              <a:defRPr>
+                <a:solidFill>
+                  <a:schemeClr val="tx2"/>
+                </a:solidFill>
+              </a:defRPr>
+            </a:lvl4pPr>
+            <a:lvl5pPr eaLnBrk="1" hangingPunct="1">
+              <a:defRPr>
+                <a:solidFill>
+                  <a:schemeClr val="tx2"/>
+                </a:solidFill>
+              </a:defRPr>
+            </a:lvl5pPr>
+            <a:lvl6pPr eaLnBrk="1" hangingPunct="1">
+              <a:defRPr>
+                <a:solidFill>
+                  <a:schemeClr val="tx2"/>
+                </a:solidFill>
+              </a:defRPr>
+            </a:lvl6pPr>
+            <a:lvl7pPr eaLnBrk="1" hangingPunct="1">
+              <a:defRPr>
+                <a:solidFill>
+                  <a:schemeClr val="tx2"/>
+                </a:solidFill>
+              </a:defRPr>
+            </a:lvl7pPr>
+            <a:lvl8pPr eaLnBrk="1" hangingPunct="1">
+              <a:defRPr>
+                <a:solidFill>
+                  <a:schemeClr val="tx2"/>
+                </a:solidFill>
+              </a:defRPr>
+            </a:lvl8pPr>
+            <a:lvl9pPr eaLnBrk="1" hangingPunct="1">
+              <a:defRPr>
+                <a:solidFill>
+                  <a:schemeClr val="tx2"/>
+                </a:solidFill>
+              </a:defRPr>
+            </a:lvl9pPr>
+          </a:lstStyle>
+          <a:p>
+            <a:r>
+              <a:rPr lang="en-US" altLang="zh-CN" sz="3600" b="1" dirty="0">
+                <a:solidFill>
+                  <a:schemeClr val="accent2"/>
+                </a:solidFill>
+                <a:latin typeface="微软雅黑" panose="020B0503020204020204" pitchFamily="34" charset="-122"/>
+                <a:ea typeface="微软雅黑" panose="020B0503020204020204" pitchFamily="34" charset="-122"/>
+              </a:rPr>
+              <a:t>jest</a:t>
+            </a:r>
+            <a:r>
+              <a:rPr lang="zh-CN" altLang="en-US" sz="3600" b="1" dirty="0">
+                <a:solidFill>
+                  <a:schemeClr val="accent2"/>
+                </a:solidFill>
+                <a:latin typeface="微软雅黑" panose="020B0503020204020204" pitchFamily="34" charset="-122"/>
+                <a:ea typeface="微软雅黑" panose="020B0503020204020204" pitchFamily="34" charset="-122"/>
+              </a:rPr>
+              <a:t>初体验</a:t>
+            </a:r>
           </a:p>
         </p:txBody>
       </p:sp>
@@ -14243,39 +15803,6 @@
       </p:grpSpPr>
       <p:sp>
         <p:nvSpPr>
-          <p:cNvPr id="2" name="标题 1">
-            <a:extLst>
-              <a:ext uri="{FF2B5EF4-FFF2-40B4-BE49-F238E27FC236}">
-                <a16:creationId xmlns:a16="http://schemas.microsoft.com/office/drawing/2014/main" id="{8D82AA93-8395-4284-84B2-D82C0BA0DFAA}"/>
-              </a:ext>
-            </a:extLst>
-          </p:cNvPr>
-          <p:cNvSpPr>
-            <a:spLocks noGrp="1"/>
-          </p:cNvSpPr>
-          <p:nvPr>
-            <p:ph type="title"/>
-          </p:nvPr>
-        </p:nvSpPr>
-        <p:spPr>
-          <a:xfrm>
-            <a:off x="838200" y="365125"/>
-            <a:ext cx="10515600" cy="734805"/>
-          </a:xfrm>
-        </p:spPr>
-        <p:txBody>
-          <a:bodyPr/>
-          <a:lstStyle/>
-          <a:p>
-            <a:r>
-              <a:rPr lang="zh-CN" altLang="en-US" dirty="0"/>
-              <a:t>案例分析</a:t>
-            </a:r>
-          </a:p>
-        </p:txBody>
-      </p:sp>
-      <p:sp>
-        <p:nvSpPr>
           <p:cNvPr id="3" name="内容占位符 2">
             <a:extLst>
               <a:ext uri="{FF2B5EF4-FFF2-40B4-BE49-F238E27FC236}">
@@ -14292,8 +15819,8 @@
         </p:nvSpPr>
         <p:spPr>
           <a:xfrm>
-            <a:off x="838200" y="1348547"/>
-            <a:ext cx="10087708" cy="3071053"/>
+            <a:off x="744500" y="3273281"/>
+            <a:ext cx="10087708" cy="2547592"/>
           </a:xfrm>
         </p:spPr>
         <p:txBody>
@@ -14359,26 +15886,6 @@
             </a:pPr>
             <a:r>
               <a:rPr lang="en-US" altLang="zh-CN" dirty="0"/>
-              <a:t>	</a:t>
-            </a:r>
-            <a:endParaRPr lang="en-US" altLang="zh-CN" dirty="0">
-              <a:solidFill>
-                <a:srgbClr val="111111"/>
-              </a:solidFill>
-              <a:latin typeface="Courier New" panose="02070309020205020404" pitchFamily="49" charset="0"/>
-            </a:endParaRPr>
-          </a:p>
-          <a:p>
-            <a:pPr marL="0" indent="0">
-              <a:buNone/>
-            </a:pPr>
-            <a:r>
-              <a:rPr lang="en-US" altLang="zh-CN" dirty="0">
-                <a:solidFill>
-                  <a:srgbClr val="111111"/>
-                </a:solidFill>
-                <a:latin typeface="Courier New" panose="02070309020205020404" pitchFamily="49" charset="0"/>
-              </a:rPr>
               <a:t>	</a:t>
             </a:r>
             <a:endParaRPr lang="en-US" altLang="zh-CN" dirty="0">
@@ -14410,8 +15917,8 @@
         </p:nvSpPr>
         <p:spPr>
           <a:xfrm>
-            <a:off x="1043354" y="4206552"/>
-            <a:ext cx="9882554" cy="2031325"/>
+            <a:off x="940777" y="5636207"/>
+            <a:ext cx="9882554" cy="369332"/>
           </a:xfrm>
           <a:prstGeom prst="rect">
             <a:avLst/>
@@ -14425,6 +15932,42 @@
           <a:lstStyle/>
           <a:p>
             <a:r>
+              <a:rPr lang="zh-CN" altLang="en-US" dirty="0"/>
+              <a:t> 事实上，测试脚本中都会含有至少一句断言</a:t>
+            </a:r>
+            <a:endParaRPr lang="en-US" altLang="zh-CN" dirty="0"/>
+          </a:p>
+        </p:txBody>
+      </p:sp>
+      <p:sp>
+        <p:nvSpPr>
+          <p:cNvPr id="6" name="文本框 5">
+            <a:extLst>
+              <a:ext uri="{FF2B5EF4-FFF2-40B4-BE49-F238E27FC236}">
+                <a16:creationId xmlns:a16="http://schemas.microsoft.com/office/drawing/2014/main" id="{C5FE2724-3950-436E-BF1A-7A69A6FCCC9D}"/>
+              </a:ext>
+            </a:extLst>
+          </p:cNvPr>
+          <p:cNvSpPr txBox="1"/>
+          <p:nvPr/>
+        </p:nvSpPr>
+        <p:spPr>
+          <a:xfrm>
+            <a:off x="838200" y="1266773"/>
+            <a:ext cx="9624494" cy="1754326"/>
+          </a:xfrm>
+          <a:prstGeom prst="rect">
+            <a:avLst/>
+          </a:prstGeom>
+          <a:noFill/>
+        </p:spPr>
+        <p:txBody>
+          <a:bodyPr wrap="none" rtlCol="0">
+            <a:spAutoFit/>
+          </a:bodyPr>
+          <a:lstStyle/>
+          <a:p>
+            <a:r>
               <a:rPr lang="en-US" altLang="zh-CN" dirty="0"/>
               <a:t>Jest </a:t>
             </a:r>
@@ -14523,6 +16066,8 @@
               </a:rPr>
               <a:t>jest ‘sum.test.js’ </a:t>
             </a:r>
+          </a:p>
+          <a:p>
             <a:r>
               <a:rPr lang="zh-CN" altLang="en-US" dirty="0">
                 <a:latin typeface="SFMono-Regular"/>
@@ -14534,14 +16079,120 @@
             </a:endParaRPr>
           </a:p>
           <a:p>
-            <a:endParaRPr lang="en-US" altLang="zh-CN" dirty="0"/>
-          </a:p>
-          <a:p>
-            <a:r>
-              <a:rPr lang="zh-CN" altLang="en-US" dirty="0"/>
-              <a:t> 事实上，测试脚本中都会含有至少一句断言</a:t>
-            </a:r>
-            <a:endParaRPr lang="en-US" altLang="zh-CN" dirty="0"/>
+            <a:endParaRPr lang="zh-CN" altLang="en-US" dirty="0"/>
+          </a:p>
+        </p:txBody>
+      </p:sp>
+      <p:sp>
+        <p:nvSpPr>
+          <p:cNvPr id="7" name="标题 1">
+            <a:extLst>
+              <a:ext uri="{FF2B5EF4-FFF2-40B4-BE49-F238E27FC236}">
+                <a16:creationId xmlns:a16="http://schemas.microsoft.com/office/drawing/2014/main" id="{4334BB7C-AA51-4C53-B29D-B470D3A54EB4}"/>
+              </a:ext>
+            </a:extLst>
+          </p:cNvPr>
+          <p:cNvSpPr txBox="1">
+            <a:spLocks/>
+          </p:cNvSpPr>
+          <p:nvPr/>
+        </p:nvSpPr>
+        <p:spPr>
+          <a:xfrm>
+            <a:off x="744500" y="381842"/>
+            <a:ext cx="9404723" cy="1400530"/>
+          </a:xfrm>
+          <a:prstGeom prst="rect">
+            <a:avLst/>
+          </a:prstGeom>
+        </p:spPr>
+        <p:txBody>
+          <a:bodyPr vert="horz" lIns="91440" tIns="45720" rIns="91440" bIns="45720" rtlCol="0" anchor="t">
+            <a:normAutofit/>
+          </a:bodyPr>
+          <a:lstStyle>
+            <a:lvl1pPr algn="l" defTabSz="457200" rtl="0" eaLnBrk="1" latinLnBrk="0" hangingPunct="1">
+              <a:spcBef>
+                <a:spcPct val="0"/>
+              </a:spcBef>
+              <a:buNone/>
+              <a:defRPr sz="4200" b="0" i="0" kern="1200">
+                <a:solidFill>
+                  <a:schemeClr val="tx2"/>
+                </a:solidFill>
+                <a:latin typeface="+mj-lt"/>
+                <a:ea typeface="+mj-ea"/>
+                <a:cs typeface="+mj-cs"/>
+              </a:defRPr>
+            </a:lvl1pPr>
+            <a:lvl2pPr eaLnBrk="1" hangingPunct="1">
+              <a:defRPr>
+                <a:solidFill>
+                  <a:schemeClr val="tx2"/>
+                </a:solidFill>
+              </a:defRPr>
+            </a:lvl2pPr>
+            <a:lvl3pPr eaLnBrk="1" hangingPunct="1">
+              <a:defRPr>
+                <a:solidFill>
+                  <a:schemeClr val="tx2"/>
+                </a:solidFill>
+              </a:defRPr>
+            </a:lvl3pPr>
+            <a:lvl4pPr eaLnBrk="1" hangingPunct="1">
+              <a:defRPr>
+                <a:solidFill>
+                  <a:schemeClr val="tx2"/>
+                </a:solidFill>
+              </a:defRPr>
+            </a:lvl4pPr>
+            <a:lvl5pPr eaLnBrk="1" hangingPunct="1">
+              <a:defRPr>
+                <a:solidFill>
+                  <a:schemeClr val="tx2"/>
+                </a:solidFill>
+              </a:defRPr>
+            </a:lvl5pPr>
+            <a:lvl6pPr eaLnBrk="1" hangingPunct="1">
+              <a:defRPr>
+                <a:solidFill>
+                  <a:schemeClr val="tx2"/>
+                </a:solidFill>
+              </a:defRPr>
+            </a:lvl6pPr>
+            <a:lvl7pPr eaLnBrk="1" hangingPunct="1">
+              <a:defRPr>
+                <a:solidFill>
+                  <a:schemeClr val="tx2"/>
+                </a:solidFill>
+              </a:defRPr>
+            </a:lvl7pPr>
+            <a:lvl8pPr eaLnBrk="1" hangingPunct="1">
+              <a:defRPr>
+                <a:solidFill>
+                  <a:schemeClr val="tx2"/>
+                </a:solidFill>
+              </a:defRPr>
+            </a:lvl8pPr>
+            <a:lvl9pPr eaLnBrk="1" hangingPunct="1">
+              <a:defRPr>
+                <a:solidFill>
+                  <a:schemeClr val="tx2"/>
+                </a:solidFill>
+              </a:defRPr>
+            </a:lvl9pPr>
+          </a:lstStyle>
+          <a:p>
+            <a:r>
+              <a:rPr lang="zh-CN" altLang="en-US" sz="3600" b="1" dirty="0">
+                <a:solidFill>
+                  <a:schemeClr val="accent2"/>
+                </a:solidFill>
+                <a:latin typeface="微软雅黑" panose="020B0503020204020204" pitchFamily="34" charset="-122"/>
+                <a:ea typeface="微软雅黑" panose="020B0503020204020204" pitchFamily="34" charset="-122"/>
+              </a:rPr>
+              <a:t>案例分析</a:t>
+            </a:r>
           </a:p>
         </p:txBody>
       </p:sp>

--- a/王博书的分享/自动化测试.pptx
+++ b/王博书的分享/自动化测试.pptx
@@ -228,7 +228,7 @@
           <a:p>
             <a:fld id="{6C91DED6-2F87-4CFA-AC0C-81E76F6773BD}" type="datetimeFigureOut">
               <a:rPr lang="zh-CN" altLang="en-US" smtClean="0"/>
-              <a:t>2021/1/21</a:t>
+              <a:t>2021/1/24</a:t>
             </a:fld>
             <a:endParaRPr lang="zh-CN" altLang="en-US"/>
           </a:p>
@@ -678,7 +678,7 @@
           <a:p>
             <a:fld id="{AD09C881-90A8-46F5-914E-732915AF5BE6}" type="datetimeFigureOut">
               <a:rPr lang="zh-CN" altLang="en-US" smtClean="0"/>
-              <a:t>2021/1/21</a:t>
+              <a:t>2021/1/24</a:t>
             </a:fld>
             <a:endParaRPr lang="zh-CN" altLang="en-US"/>
           </a:p>
@@ -953,7 +953,7 @@
           <a:p>
             <a:fld id="{AD09C881-90A8-46F5-914E-732915AF5BE6}" type="datetimeFigureOut">
               <a:rPr lang="zh-CN" altLang="en-US" smtClean="0"/>
-              <a:t>2021/1/21</a:t>
+              <a:t>2021/1/24</a:t>
             </a:fld>
             <a:endParaRPr lang="zh-CN" altLang="en-US"/>
           </a:p>
@@ -1147,7 +1147,7 @@
           <a:p>
             <a:fld id="{AD09C881-90A8-46F5-914E-732915AF5BE6}" type="datetimeFigureOut">
               <a:rPr lang="zh-CN" altLang="en-US" smtClean="0"/>
-              <a:t>2021/1/21</a:t>
+              <a:t>2021/1/24</a:t>
             </a:fld>
             <a:endParaRPr lang="zh-CN" altLang="en-US"/>
           </a:p>
@@ -1415,7 +1415,7 @@
           <a:p>
             <a:fld id="{AD09C881-90A8-46F5-914E-732915AF5BE6}" type="datetimeFigureOut">
               <a:rPr lang="zh-CN" altLang="en-US" smtClean="0"/>
-              <a:t>2021/1/21</a:t>
+              <a:t>2021/1/24</a:t>
             </a:fld>
             <a:endParaRPr lang="zh-CN" altLang="en-US"/>
           </a:p>
@@ -1747,7 +1747,7 @@
           <a:p>
             <a:fld id="{AD09C881-90A8-46F5-914E-732915AF5BE6}" type="datetimeFigureOut">
               <a:rPr lang="zh-CN" altLang="en-US" smtClean="0"/>
-              <a:t>2021/1/21</a:t>
+              <a:t>2021/1/24</a:t>
             </a:fld>
             <a:endParaRPr lang="zh-CN" altLang="en-US"/>
           </a:p>
@@ -2357,7 +2357,7 @@
           <a:p>
             <a:fld id="{AD09C881-90A8-46F5-914E-732915AF5BE6}" type="datetimeFigureOut">
               <a:rPr lang="zh-CN" altLang="en-US" smtClean="0"/>
-              <a:t>2021/1/21</a:t>
+              <a:t>2021/1/24</a:t>
             </a:fld>
             <a:endParaRPr lang="zh-CN" altLang="en-US"/>
           </a:p>
@@ -3204,7 +3204,7 @@
           <a:p>
             <a:fld id="{AD09C881-90A8-46F5-914E-732915AF5BE6}" type="datetimeFigureOut">
               <a:rPr lang="zh-CN" altLang="en-US" smtClean="0"/>
-              <a:t>2021/1/21</a:t>
+              <a:t>2021/1/24</a:t>
             </a:fld>
             <a:endParaRPr lang="zh-CN" altLang="en-US"/>
           </a:p>
@@ -3374,7 +3374,7 @@
           <a:p>
             <a:fld id="{AD09C881-90A8-46F5-914E-732915AF5BE6}" type="datetimeFigureOut">
               <a:rPr lang="zh-CN" altLang="en-US" smtClean="0"/>
-              <a:t>2021/1/21</a:t>
+              <a:t>2021/1/24</a:t>
             </a:fld>
             <a:endParaRPr lang="zh-CN" altLang="en-US"/>
           </a:p>
@@ -3554,7 +3554,7 @@
           <a:p>
             <a:fld id="{AD09C881-90A8-46F5-914E-732915AF5BE6}" type="datetimeFigureOut">
               <a:rPr lang="zh-CN" altLang="en-US" smtClean="0"/>
-              <a:t>2021/1/21</a:t>
+              <a:t>2021/1/24</a:t>
             </a:fld>
             <a:endParaRPr lang="zh-CN" altLang="en-US"/>
           </a:p>
@@ -3724,7 +3724,7 @@
           <a:p>
             <a:fld id="{AD09C881-90A8-46F5-914E-732915AF5BE6}" type="datetimeFigureOut">
               <a:rPr lang="zh-CN" altLang="en-US" smtClean="0"/>
-              <a:t>2021/1/21</a:t>
+              <a:t>2021/1/24</a:t>
             </a:fld>
             <a:endParaRPr lang="zh-CN" altLang="en-US"/>
           </a:p>
@@ -3968,7 +3968,7 @@
           <a:p>
             <a:fld id="{AD09C881-90A8-46F5-914E-732915AF5BE6}" type="datetimeFigureOut">
               <a:rPr lang="zh-CN" altLang="en-US" smtClean="0"/>
-              <a:t>2021/1/21</a:t>
+              <a:t>2021/1/24</a:t>
             </a:fld>
             <a:endParaRPr lang="zh-CN" altLang="en-US"/>
           </a:p>
@@ -4260,7 +4260,7 @@
           <a:p>
             <a:fld id="{AD09C881-90A8-46F5-914E-732915AF5BE6}" type="datetimeFigureOut">
               <a:rPr lang="zh-CN" altLang="en-US" smtClean="0"/>
-              <a:t>2021/1/21</a:t>
+              <a:t>2021/1/24</a:t>
             </a:fld>
             <a:endParaRPr lang="zh-CN" altLang="en-US"/>
           </a:p>
@@ -4698,7 +4698,7 @@
           <a:p>
             <a:fld id="{AD09C881-90A8-46F5-914E-732915AF5BE6}" type="datetimeFigureOut">
               <a:rPr lang="zh-CN" altLang="en-US" smtClean="0"/>
-              <a:t>2021/1/21</a:t>
+              <a:t>2021/1/24</a:t>
             </a:fld>
             <a:endParaRPr lang="zh-CN" altLang="en-US"/>
           </a:p>
@@ -4816,7 +4816,7 @@
           <a:p>
             <a:fld id="{AD09C881-90A8-46F5-914E-732915AF5BE6}" type="datetimeFigureOut">
               <a:rPr lang="zh-CN" altLang="en-US" smtClean="0"/>
-              <a:t>2021/1/21</a:t>
+              <a:t>2021/1/24</a:t>
             </a:fld>
             <a:endParaRPr lang="zh-CN" altLang="en-US"/>
           </a:p>
@@ -4911,7 +4911,7 @@
           <a:p>
             <a:fld id="{AD09C881-90A8-46F5-914E-732915AF5BE6}" type="datetimeFigureOut">
               <a:rPr lang="zh-CN" altLang="en-US" smtClean="0"/>
-              <a:t>2021/1/21</a:t>
+              <a:t>2021/1/24</a:t>
             </a:fld>
             <a:endParaRPr lang="zh-CN" altLang="en-US"/>
           </a:p>
@@ -5190,7 +5190,7 @@
           <a:p>
             <a:fld id="{AD09C881-90A8-46F5-914E-732915AF5BE6}" type="datetimeFigureOut">
               <a:rPr lang="zh-CN" altLang="en-US" smtClean="0"/>
-              <a:t>2021/1/21</a:t>
+              <a:t>2021/1/24</a:t>
             </a:fld>
             <a:endParaRPr lang="zh-CN" altLang="en-US"/>
           </a:p>
@@ -5465,7 +5465,7 @@
           <a:p>
             <a:fld id="{AD09C881-90A8-46F5-914E-732915AF5BE6}" type="datetimeFigureOut">
               <a:rPr lang="zh-CN" altLang="en-US" smtClean="0"/>
-              <a:t>2021/1/21</a:t>
+              <a:t>2021/1/24</a:t>
             </a:fld>
             <a:endParaRPr lang="zh-CN" altLang="en-US"/>
           </a:p>
@@ -5894,7 +5894,7 @@
           <a:p>
             <a:fld id="{AD09C881-90A8-46F5-914E-732915AF5BE6}" type="datetimeFigureOut">
               <a:rPr lang="zh-CN" altLang="en-US" smtClean="0"/>
-              <a:t>2021/1/21</a:t>
+              <a:t>2021/1/24</a:t>
             </a:fld>
             <a:endParaRPr lang="zh-CN" altLang="en-US"/>
           </a:p>
@@ -6507,7 +6507,7 @@
         <p:spPr>
           <a:xfrm>
             <a:off x="838199" y="1531044"/>
-            <a:ext cx="8880231" cy="3929281"/>
+            <a:ext cx="8880231" cy="4339650"/>
           </a:xfrm>
           <a:prstGeom prst="rect">
             <a:avLst/>
@@ -7007,6 +7007,60 @@
               </a:rPr>
               <a:t>item</a:t>
             </a:r>
+          </a:p>
+          <a:p>
+            <a:pPr marL="285750" indent="-285750">
+              <a:lnSpc>
+                <a:spcPts val="3200"/>
+              </a:lnSpc>
+              <a:buFont typeface="Arial" panose="020B0604020202020204" pitchFamily="34" charset="0"/>
+              <a:buChar char="•"/>
+            </a:pPr>
+            <a:r>
+              <a:rPr lang="en-US" altLang="zh-CN" b="1" dirty="0" err="1">
+                <a:solidFill>
+                  <a:schemeClr val="accent3">
+                    <a:lumMod val="60000"/>
+                    <a:lumOff val="40000"/>
+                  </a:schemeClr>
+                </a:solidFill>
+                <a:latin typeface="PingFang SC"/>
+              </a:rPr>
+              <a:t>toHaveBeenCalled</a:t>
+            </a:r>
+            <a:r>
+              <a:rPr lang="en-US" altLang="zh-CN" b="1" dirty="0">
+                <a:solidFill>
+                  <a:schemeClr val="accent3">
+                    <a:lumMod val="60000"/>
+                    <a:lumOff val="40000"/>
+                  </a:schemeClr>
+                </a:solidFill>
+                <a:latin typeface="PingFang SC"/>
+              </a:rPr>
+              <a:t>()</a:t>
+            </a:r>
+            <a:r>
+              <a:rPr lang="zh-CN" altLang="en-US" b="1" dirty="0">
+                <a:latin typeface="PingFang SC"/>
+              </a:rPr>
+              <a:t>：判断某个</a:t>
+            </a:r>
+            <a:r>
+              <a:rPr lang="en-US" altLang="zh-CN" b="1" dirty="0">
+                <a:latin typeface="PingFang SC"/>
+              </a:rPr>
+              <a:t>mock</a:t>
+            </a:r>
+            <a:r>
+              <a:rPr lang="zh-CN" altLang="en-US" b="1" dirty="0">
+                <a:latin typeface="PingFang SC"/>
+              </a:rPr>
+              <a:t>函数是否成功调用，在某些时候会很有用</a:t>
+            </a:r>
+            <a:endParaRPr lang="en-US" altLang="zh-CN" b="1" dirty="0">
+              <a:latin typeface="PingFang SC"/>
+            </a:endParaRPr>
           </a:p>
           <a:p>
             <a:pPr>
@@ -9290,7 +9344,7 @@
                 <a:effectLst/>
                 <a:latin typeface="Source Code Pro"/>
               </a:rPr>
-              <a:t>提供了相关的属性来某个函数是否成功调用等等功能</a:t>
+              <a:t>提供了相关的属性来判断某个函数是否成功调用等等功能</a:t>
             </a:r>
             <a:endParaRPr lang="zh-CN" altLang="en-US" dirty="0"/>
           </a:p>
@@ -10390,14 +10444,14 @@
           <p:nvPr>
             <p:extLst>
               <p:ext uri="{D42A27DB-BD31-4B8C-83A1-F6EECF244321}">
-                <p14:modId xmlns:p14="http://schemas.microsoft.com/office/powerpoint/2010/main" val="3976656227"/>
+                <p14:modId xmlns:p14="http://schemas.microsoft.com/office/powerpoint/2010/main" val="111413964"/>
               </p:ext>
             </p:extLst>
           </p:nvPr>
         </p:nvGraphicFramePr>
         <p:xfrm>
           <a:off x="838200" y="1690688"/>
-          <a:ext cx="10840277" cy="4721974"/>
+          <a:ext cx="10720922" cy="4721974"/>
         </p:xfrm>
         <a:graphic>
           <a:graphicData uri="http://schemas.openxmlformats.org/drawingml/2006/table">
@@ -10406,7 +10460,7 @@
                 <a:tableStyleId>{5C22544A-7EE6-4342-B048-85BDC9FD1C3A}</a:tableStyleId>
               </a:tblPr>
               <a:tblGrid>
-                <a:gridCol w="2211680">
+                <a:gridCol w="2092325">
                   <a:extLst>
                     <a:ext uri="{9D8B030D-6E8A-4147-A177-3AD203B41FA5}">
                       <a16:colId xmlns:a16="http://schemas.microsoft.com/office/drawing/2014/main" val="786331172"/>
@@ -10690,7 +10744,7 @@
                     <a:p>
                       <a:pPr fontAlgn="ctr" latinLnBrk="0"/>
                       <a:r>
-                        <a:rPr lang="zh-CN" altLang="en-US" sz="1200" b="0">
+                        <a:rPr lang="zh-CN" altLang="en-US" sz="1200" b="0" dirty="0">
                           <a:solidFill>
                             <a:srgbClr val="4F4F4F"/>
                           </a:solidFill>
@@ -10699,7 +10753,7 @@
                         <a:t>顾名思义，配置所有</a:t>
                       </a:r>
                       <a:r>
-                        <a:rPr lang="en-US" altLang="zh-CN" sz="1200" b="0">
+                        <a:rPr lang="en-US" altLang="zh-CN" sz="1200" b="0" dirty="0">
                           <a:solidFill>
                             <a:srgbClr val="4F4F4F"/>
                           </a:solidFill>
@@ -10708,7 +10762,7 @@
                         <a:t>web</a:t>
                       </a:r>
                       <a:r>
-                        <a:rPr lang="zh-CN" altLang="en-US" sz="1200" b="0">
+                        <a:rPr lang="zh-CN" altLang="en-US" sz="1200" b="0" dirty="0">
                           <a:solidFill>
                             <a:srgbClr val="4F4F4F"/>
                           </a:solidFill>
